--- a/Sport Wear Group Analytics.pptx
+++ b/Sport Wear Group Analytics.pptx
@@ -5,42 +5,45 @@
     <p:sldMasterId id="2147483658" r:id="rId4"/>
   </p:sldMasterIdLst>
   <p:notesMasterIdLst>
-    <p:notesMasterId r:id="rId35"/>
+    <p:notesMasterId r:id="rId38"/>
   </p:notesMasterIdLst>
   <p:handoutMasterIdLst>
-    <p:handoutMasterId r:id="rId36"/>
+    <p:handoutMasterId r:id="rId39"/>
   </p:handoutMasterIdLst>
   <p:sldIdLst>
     <p:sldId id="350" r:id="rId5"/>
     <p:sldId id="352" r:id="rId6"/>
     <p:sldId id="361" r:id="rId7"/>
     <p:sldId id="365" r:id="rId8"/>
-    <p:sldId id="366" r:id="rId9"/>
-    <p:sldId id="362" r:id="rId10"/>
-    <p:sldId id="367" r:id="rId11"/>
-    <p:sldId id="368" r:id="rId12"/>
-    <p:sldId id="369" r:id="rId13"/>
-    <p:sldId id="370" r:id="rId14"/>
-    <p:sldId id="371" r:id="rId15"/>
-    <p:sldId id="372" r:id="rId16"/>
-    <p:sldId id="373" r:id="rId17"/>
-    <p:sldId id="374" r:id="rId18"/>
-    <p:sldId id="376" r:id="rId19"/>
-    <p:sldId id="364" r:id="rId20"/>
-    <p:sldId id="377" r:id="rId21"/>
-    <p:sldId id="378" r:id="rId22"/>
-    <p:sldId id="379" r:id="rId23"/>
-    <p:sldId id="380" r:id="rId24"/>
-    <p:sldId id="381" r:id="rId25"/>
-    <p:sldId id="382" r:id="rId26"/>
-    <p:sldId id="383" r:id="rId27"/>
-    <p:sldId id="384" r:id="rId28"/>
-    <p:sldId id="385" r:id="rId29"/>
-    <p:sldId id="387" r:id="rId30"/>
-    <p:sldId id="386" r:id="rId31"/>
-    <p:sldId id="388" r:id="rId32"/>
-    <p:sldId id="389" r:id="rId33"/>
-    <p:sldId id="343" r:id="rId34"/>
+    <p:sldId id="390" r:id="rId9"/>
+    <p:sldId id="366" r:id="rId10"/>
+    <p:sldId id="362" r:id="rId11"/>
+    <p:sldId id="367" r:id="rId12"/>
+    <p:sldId id="368" r:id="rId13"/>
+    <p:sldId id="369" r:id="rId14"/>
+    <p:sldId id="370" r:id="rId15"/>
+    <p:sldId id="371" r:id="rId16"/>
+    <p:sldId id="372" r:id="rId17"/>
+    <p:sldId id="373" r:id="rId18"/>
+    <p:sldId id="374" r:id="rId19"/>
+    <p:sldId id="376" r:id="rId20"/>
+    <p:sldId id="364" r:id="rId21"/>
+    <p:sldId id="377" r:id="rId22"/>
+    <p:sldId id="378" r:id="rId23"/>
+    <p:sldId id="379" r:id="rId24"/>
+    <p:sldId id="380" r:id="rId25"/>
+    <p:sldId id="381" r:id="rId26"/>
+    <p:sldId id="382" r:id="rId27"/>
+    <p:sldId id="391" r:id="rId28"/>
+    <p:sldId id="392" r:id="rId29"/>
+    <p:sldId id="383" r:id="rId30"/>
+    <p:sldId id="384" r:id="rId31"/>
+    <p:sldId id="385" r:id="rId32"/>
+    <p:sldId id="387" r:id="rId33"/>
+    <p:sldId id="386" r:id="rId34"/>
+    <p:sldId id="388" r:id="rId35"/>
+    <p:sldId id="389" r:id="rId36"/>
+    <p:sldId id="343" r:id="rId37"/>
   </p:sldIdLst>
   <p:sldSz cx="12192000" cy="6858000"/>
   <p:notesSz cx="6858000" cy="9144000"/>
@@ -393,7 +396,7 @@
           <a:p>
             <a:fld id="{6EE7A52F-9D89-7442-A8E9-48D1527B5F6B}" type="datetimeFigureOut">
               <a:rPr lang="en-US" smtClean="0"/>
-              <a:t>12/23/2023</a:t>
+              <a:t>1/1/2024</a:t>
             </a:fld>
             <a:endParaRPr lang="en-US" dirty="0"/>
           </a:p>
@@ -725,7 +728,7 @@
           <a:p>
             <a:fld id="{A89C7E07-3C67-C64C-8DA0-0404F6303970}" type="slidenum">
               <a:rPr lang="en-US" smtClean="0"/>
-              <a:t>30</a:t>
+              <a:t>33</a:t>
             </a:fld>
             <a:endParaRPr lang="en-US" dirty="0"/>
           </a:p>
@@ -12407,7 +12410,7 @@
             <a:fld id="{6FCA8E82-58CD-E045-8B98-B7A85B79B752}" type="datetime4">
               <a:rPr lang="en-US" smtClean="0"/>
               <a:pPr/>
-              <a:t>December 23, 2023</a:t>
+              <a:t>January 1, 2024</a:t>
             </a:fld>
             <a:endParaRPr lang="en-US" dirty="0">
               <a:latin typeface="+mn-lt"/>
@@ -13324,7 +13327,7 @@
             <a:fld id="{6FCA8E82-58CD-E045-8B98-B7A85B79B752}" type="datetime4">
               <a:rPr lang="en-US" smtClean="0"/>
               <a:pPr/>
-              <a:t>December 23, 2023</a:t>
+              <a:t>January 1, 2024</a:t>
             </a:fld>
             <a:endParaRPr lang="en-US" dirty="0"/>
           </a:p>
@@ -13349,7 +13352,7 @@
         <p:spPr>
           <a:xfrm>
             <a:off x="259173" y="2262883"/>
-            <a:ext cx="4617627" cy="3578624"/>
+            <a:ext cx="4617627" cy="2529433"/>
           </a:xfrm>
         </p:spPr>
         <p:txBody>
@@ -13370,19 +13373,19 @@
                   </a:schemeClr>
                 </a:solidFill>
               </a:rPr>
-              <a:t>The promos that happen mostly in December and slightly in January, increase the purchases in both January and February</a:t>
-            </a:r>
-          </a:p>
-          <a:p>
-            <a:r>
-              <a:rPr lang="en-US" dirty="0">
+              <a:t>The month with the Highest purchases is</a:t>
+            </a:r>
+          </a:p>
+          <a:p>
+            <a:r>
+              <a:rPr lang="en-US" b="1" dirty="0">
                 <a:solidFill>
                   <a:schemeClr val="bg2">
                     <a:lumMod val="10000"/>
                   </a:schemeClr>
                 </a:solidFill>
               </a:rPr>
-              <a:t>The promos that happens in July and August, increase the purchases in these months significantly</a:t>
+              <a:t>Aug 2015</a:t>
             </a:r>
           </a:p>
           <a:p>
@@ -13394,8 +13397,35 @@
                   </a:schemeClr>
                 </a:solidFill>
               </a:rPr>
-              <a:t>So, promos take about a month or less to impact sales.</a:t>
-            </a:r>
+              <a:t>It is noted that sales have a sharp decline in April, May, September, October.</a:t>
+            </a:r>
+          </a:p>
+          <a:p>
+            <a:r>
+              <a:rPr lang="en-US" dirty="0">
+                <a:solidFill>
+                  <a:schemeClr val="bg2">
+                    <a:lumMod val="10000"/>
+                  </a:schemeClr>
+                </a:solidFill>
+              </a:rPr>
+              <a:t>So, It is Recommended to launch media advertisements or store events in these months to increase the amount of sales</a:t>
+            </a:r>
+          </a:p>
+          <a:p>
+            <a:endParaRPr lang="en-US" dirty="0"/>
+          </a:p>
+          <a:p>
+            <a:endParaRPr lang="en-US" dirty="0"/>
+          </a:p>
+          <a:p>
+            <a:endParaRPr lang="en-US" dirty="0"/>
+          </a:p>
+          <a:p>
+            <a:endParaRPr lang="en-US" dirty="0"/>
+          </a:p>
+          <a:p>
+            <a:endParaRPr lang="en-US" dirty="0"/>
           </a:p>
         </p:txBody>
       </p:sp>
@@ -13427,44 +13457,8 @@
         </p:blipFill>
         <p:spPr>
           <a:xfrm>
-            <a:off x="5018947" y="123817"/>
-            <a:ext cx="6799580" cy="3400434"/>
-          </a:xfrm>
-          <a:prstGeom prst="rect">
-            <a:avLst/>
-          </a:prstGeom>
-        </p:spPr>
-      </p:pic>
-      <p:pic>
-        <p:nvPicPr>
-          <p:cNvPr id="5" name="Picture 4" descr="A graph of blue rectangular columns with black text&#10;&#10;Description automatically generated">
-            <a:extLst>
-              <a:ext uri="{FF2B5EF4-FFF2-40B4-BE49-F238E27FC236}">
-                <a16:creationId xmlns:a16="http://schemas.microsoft.com/office/drawing/2014/main" id="{AAECAF2B-B15C-C7C1-723F-A6D699E08820}"/>
-              </a:ext>
-            </a:extLst>
-          </p:cNvPr>
-          <p:cNvPicPr>
-            <a:picLocks noChangeAspect="1"/>
-          </p:cNvPicPr>
-          <p:nvPr/>
-        </p:nvPicPr>
-        <p:blipFill>
-          <a:blip r:embed="rId3">
-            <a:extLst>
-              <a:ext uri="{28A0092B-C50C-407E-A947-70E740481C1C}">
-                <a14:useLocalDpi xmlns:a14="http://schemas.microsoft.com/office/drawing/2010/main" val="0"/>
-              </a:ext>
-            </a:extLst>
-          </a:blip>
-          <a:stretch>
-            <a:fillRect/>
-          </a:stretch>
-        </p:blipFill>
-        <p:spPr>
-          <a:xfrm>
-            <a:off x="5314949" y="3524250"/>
-            <a:ext cx="6503577" cy="3133725"/>
+            <a:off x="4973321" y="1685916"/>
+            <a:ext cx="6799580" cy="4572009"/>
           </a:xfrm>
           <a:prstGeom prst="rect">
             <a:avLst/>
@@ -13474,7 +13468,7 @@
     </p:spTree>
     <p:extLst>
       <p:ext uri="{BB962C8B-B14F-4D97-AF65-F5344CB8AC3E}">
-        <p14:creationId xmlns:p14="http://schemas.microsoft.com/office/powerpoint/2010/main" val="3766435971"/>
+        <p14:creationId xmlns:p14="http://schemas.microsoft.com/office/powerpoint/2010/main" val="781296176"/>
       </p:ext>
     </p:extLst>
   </p:cSld>
@@ -13730,7 +13724,7 @@
             <a:fld id="{6FCA8E82-58CD-E045-8B98-B7A85B79B752}" type="datetime4">
               <a:rPr lang="en-US" smtClean="0"/>
               <a:pPr/>
-              <a:t>December 23, 2023</a:t>
+              <a:t>January 1, 2024</a:t>
             </a:fld>
             <a:endParaRPr lang="en-US" dirty="0"/>
           </a:p>
@@ -13776,7 +13770,7 @@
                   </a:schemeClr>
                 </a:solidFill>
               </a:rPr>
-              <a:t>Despite, Women having the highest number of purchases in the gender category.</a:t>
+              <a:t>The promos that happen mostly in December and slightly in January, increase the purchases in both January and February</a:t>
             </a:r>
           </a:p>
           <a:p>
@@ -13788,17 +13782,29 @@
                   </a:schemeClr>
                 </a:solidFill>
               </a:rPr>
-              <a:t>The percentage of purchases done in each category is approximately close.</a:t>
+              <a:t>The promos that happens in July and August, increase the purchases in these months significantly</a:t>
+            </a:r>
+          </a:p>
+          <a:p>
+            <a:r>
+              <a:rPr lang="en-US" dirty="0">
+                <a:solidFill>
+                  <a:schemeClr val="bg2">
+                    <a:lumMod val="10000"/>
+                  </a:schemeClr>
+                </a:solidFill>
+              </a:rPr>
+              <a:t>So, promos take about a month or less to impact sales.</a:t>
             </a:r>
           </a:p>
         </p:txBody>
       </p:sp>
       <p:pic>
         <p:nvPicPr>
-          <p:cNvPr id="6" name="Picture 5" descr="A graph showing a bar graph&#10;&#10;Description automatically generated with medium confidence">
-            <a:extLst>
-              <a:ext uri="{FF2B5EF4-FFF2-40B4-BE49-F238E27FC236}">
-                <a16:creationId xmlns:a16="http://schemas.microsoft.com/office/drawing/2014/main" id="{6885CD2F-EB05-7BD7-53A3-7807214040DC}"/>
+          <p:cNvPr id="4" name="Picture 3" descr="A graph of different colored bars&#10;&#10;Description automatically generated">
+            <a:extLst>
+              <a:ext uri="{FF2B5EF4-FFF2-40B4-BE49-F238E27FC236}">
+                <a16:creationId xmlns:a16="http://schemas.microsoft.com/office/drawing/2014/main" id="{25D69C81-09F3-DD72-9243-1C6E7A7F37C8}"/>
               </a:ext>
             </a:extLst>
           </p:cNvPr>
@@ -13821,8 +13827,8 @@
         </p:blipFill>
         <p:spPr>
           <a:xfrm>
-            <a:off x="5871100" y="163309"/>
-            <a:ext cx="5678750" cy="4572009"/>
+            <a:off x="5018947" y="123817"/>
+            <a:ext cx="6799580" cy="3400434"/>
           </a:xfrm>
           <a:prstGeom prst="rect">
             <a:avLst/>
@@ -13831,10 +13837,10 @@
       </p:pic>
       <p:pic>
         <p:nvPicPr>
-          <p:cNvPr id="10" name="Picture 9">
-            <a:extLst>
-              <a:ext uri="{FF2B5EF4-FFF2-40B4-BE49-F238E27FC236}">
-                <a16:creationId xmlns:a16="http://schemas.microsoft.com/office/drawing/2014/main" id="{BB24D1D0-B468-065E-983B-A0BABAA89499}"/>
+          <p:cNvPr id="5" name="Picture 4" descr="A graph of blue rectangular columns with black text&#10;&#10;Description automatically generated">
+            <a:extLst>
+              <a:ext uri="{FF2B5EF4-FFF2-40B4-BE49-F238E27FC236}">
+                <a16:creationId xmlns:a16="http://schemas.microsoft.com/office/drawing/2014/main" id="{AAECAF2B-B15C-C7C1-723F-A6D699E08820}"/>
               </a:ext>
             </a:extLst>
           </p:cNvPr>
@@ -13844,15 +13850,21 @@
           <p:nvPr/>
         </p:nvPicPr>
         <p:blipFill>
-          <a:blip r:embed="rId3"/>
+          <a:blip r:embed="rId3">
+            <a:extLst>
+              <a:ext uri="{28A0092B-C50C-407E-A947-70E740481C1C}">
+                <a14:useLocalDpi xmlns:a14="http://schemas.microsoft.com/office/drawing/2010/main" val="0"/>
+              </a:ext>
+            </a:extLst>
+          </a:blip>
           <a:stretch>
             <a:fillRect/>
           </a:stretch>
         </p:blipFill>
         <p:spPr>
           <a:xfrm>
-            <a:off x="6615694" y="4913534"/>
-            <a:ext cx="4729967" cy="1418686"/>
+            <a:off x="5314949" y="3524250"/>
+            <a:ext cx="6503577" cy="3133725"/>
           </a:xfrm>
           <a:prstGeom prst="rect">
             <a:avLst/>
@@ -13862,7 +13874,7 @@
     </p:spTree>
     <p:extLst>
       <p:ext uri="{BB962C8B-B14F-4D97-AF65-F5344CB8AC3E}">
-        <p14:creationId xmlns:p14="http://schemas.microsoft.com/office/powerpoint/2010/main" val="4259470083"/>
+        <p14:creationId xmlns:p14="http://schemas.microsoft.com/office/powerpoint/2010/main" val="3766435971"/>
       </p:ext>
     </p:extLst>
   </p:cSld>
@@ -14118,7 +14130,7 @@
             <a:fld id="{6FCA8E82-58CD-E045-8B98-B7A85B79B752}" type="datetime4">
               <a:rPr lang="en-US" smtClean="0"/>
               <a:pPr/>
-              <a:t>December 23, 2023</a:t>
+              <a:t>January 1, 2024</a:t>
             </a:fld>
             <a:endParaRPr lang="en-US" dirty="0"/>
           </a:p>
@@ -14164,17 +14176,29 @@
                   </a:schemeClr>
                 </a:solidFill>
               </a:rPr>
-              <a:t>Training category has the highest number of purchases, followed by Football Generic, Running.</a:t>
+              <a:t>Despite, Women having the highest number of purchases in the gender category.</a:t>
+            </a:r>
+          </a:p>
+          <a:p>
+            <a:r>
+              <a:rPr lang="en-US" dirty="0">
+                <a:solidFill>
+                  <a:schemeClr val="bg2">
+                    <a:lumMod val="10000"/>
+                  </a:schemeClr>
+                </a:solidFill>
+              </a:rPr>
+              <a:t>The percentage of purchases done in each category is approximately close.</a:t>
             </a:r>
           </a:p>
         </p:txBody>
       </p:sp>
       <p:pic>
         <p:nvPicPr>
-          <p:cNvPr id="4" name="Picture 3" descr="A graph of different colored rectangular objects&#10;&#10;Description automatically generated with medium confidence">
-            <a:extLst>
-              <a:ext uri="{FF2B5EF4-FFF2-40B4-BE49-F238E27FC236}">
-                <a16:creationId xmlns:a16="http://schemas.microsoft.com/office/drawing/2014/main" id="{C5E40F59-0DF6-5DF7-F4D5-81B7E94A7ACC}"/>
+          <p:cNvPr id="6" name="Picture 5" descr="A graph showing a bar graph&#10;&#10;Description automatically generated with medium confidence">
+            <a:extLst>
+              <a:ext uri="{FF2B5EF4-FFF2-40B4-BE49-F238E27FC236}">
+                <a16:creationId xmlns:a16="http://schemas.microsoft.com/office/drawing/2014/main" id="{6885CD2F-EB05-7BD7-53A3-7807214040DC}"/>
               </a:ext>
             </a:extLst>
           </p:cNvPr>
@@ -14197,8 +14221,38 @@
         </p:blipFill>
         <p:spPr>
           <a:xfrm>
-            <a:off x="6018434" y="110043"/>
-            <a:ext cx="5800093" cy="4572009"/>
+            <a:off x="5871100" y="163309"/>
+            <a:ext cx="5678750" cy="4572009"/>
+          </a:xfrm>
+          <a:prstGeom prst="rect">
+            <a:avLst/>
+          </a:prstGeom>
+        </p:spPr>
+      </p:pic>
+      <p:pic>
+        <p:nvPicPr>
+          <p:cNvPr id="10" name="Picture 9">
+            <a:extLst>
+              <a:ext uri="{FF2B5EF4-FFF2-40B4-BE49-F238E27FC236}">
+                <a16:creationId xmlns:a16="http://schemas.microsoft.com/office/drawing/2014/main" id="{BB24D1D0-B468-065E-983B-A0BABAA89499}"/>
+              </a:ext>
+            </a:extLst>
+          </p:cNvPr>
+          <p:cNvPicPr>
+            <a:picLocks noChangeAspect="1"/>
+          </p:cNvPicPr>
+          <p:nvPr/>
+        </p:nvPicPr>
+        <p:blipFill>
+          <a:blip r:embed="rId3"/>
+          <a:stretch>
+            <a:fillRect/>
+          </a:stretch>
+        </p:blipFill>
+        <p:spPr>
+          <a:xfrm>
+            <a:off x="6615694" y="4913534"/>
+            <a:ext cx="4729967" cy="1418686"/>
           </a:xfrm>
           <a:prstGeom prst="rect">
             <a:avLst/>
@@ -14208,7 +14262,7 @@
     </p:spTree>
     <p:extLst>
       <p:ext uri="{BB962C8B-B14F-4D97-AF65-F5344CB8AC3E}">
-        <p14:creationId xmlns:p14="http://schemas.microsoft.com/office/powerpoint/2010/main" val="170014155"/>
+        <p14:creationId xmlns:p14="http://schemas.microsoft.com/office/powerpoint/2010/main" val="4259470083"/>
       </p:ext>
     </p:extLst>
   </p:cSld>
@@ -14464,7 +14518,7 @@
             <a:fld id="{6FCA8E82-58CD-E045-8B98-B7A85B79B752}" type="datetime4">
               <a:rPr lang="en-US" smtClean="0"/>
               <a:pPr/>
-              <a:t>December 23, 2023</a:t>
+              <a:t>January 1, 2024</a:t>
             </a:fld>
             <a:endParaRPr lang="en-US" dirty="0"/>
           </a:p>
@@ -14554,7 +14608,7 @@
     </p:spTree>
     <p:extLst>
       <p:ext uri="{BB962C8B-B14F-4D97-AF65-F5344CB8AC3E}">
-        <p14:creationId xmlns:p14="http://schemas.microsoft.com/office/powerpoint/2010/main" val="1018687019"/>
+        <p14:creationId xmlns:p14="http://schemas.microsoft.com/office/powerpoint/2010/main" val="170014155"/>
       </p:ext>
     </p:extLst>
   </p:cSld>
@@ -14810,7 +14864,7 @@
             <a:fld id="{6FCA8E82-58CD-E045-8B98-B7A85B79B752}" type="datetime4">
               <a:rPr lang="en-US" smtClean="0"/>
               <a:pPr/>
-              <a:t>December 23, 2023</a:t>
+              <a:t>January 1, 2024</a:t>
             </a:fld>
             <a:endParaRPr lang="en-US" dirty="0"/>
           </a:p>
@@ -14856,17 +14910,17 @@
                   </a:schemeClr>
                 </a:solidFill>
               </a:rPr>
-              <a:t>The Most Purchases is done in regular size, followed by wide and slim sizes.</a:t>
+              <a:t>Training category has the highest number of purchases, followed by Football Generic, Running.</a:t>
             </a:r>
           </a:p>
         </p:txBody>
       </p:sp>
       <p:pic>
         <p:nvPicPr>
-          <p:cNvPr id="5" name="Picture 4" descr="A graph of a bar chart&#10;&#10;Description automatically generated with medium confidence">
-            <a:extLst>
-              <a:ext uri="{FF2B5EF4-FFF2-40B4-BE49-F238E27FC236}">
-                <a16:creationId xmlns:a16="http://schemas.microsoft.com/office/drawing/2014/main" id="{E599259B-F636-B153-0FE8-F53308FDF30B}"/>
+          <p:cNvPr id="4" name="Picture 3" descr="A graph of different colored rectangular objects&#10;&#10;Description automatically generated with medium confidence">
+            <a:extLst>
+              <a:ext uri="{FF2B5EF4-FFF2-40B4-BE49-F238E27FC236}">
+                <a16:creationId xmlns:a16="http://schemas.microsoft.com/office/drawing/2014/main" id="{C5E40F59-0DF6-5DF7-F4D5-81B7E94A7ACC}"/>
               </a:ext>
             </a:extLst>
           </p:cNvPr>
@@ -14889,8 +14943,8 @@
         </p:blipFill>
         <p:spPr>
           <a:xfrm>
-            <a:off x="5170988" y="177553"/>
-            <a:ext cx="6761839" cy="4572009"/>
+            <a:off x="6018434" y="110043"/>
+            <a:ext cx="5800093" cy="4572009"/>
           </a:xfrm>
           <a:prstGeom prst="rect">
             <a:avLst/>
@@ -14900,7 +14954,7 @@
     </p:spTree>
     <p:extLst>
       <p:ext uri="{BB962C8B-B14F-4D97-AF65-F5344CB8AC3E}">
-        <p14:creationId xmlns:p14="http://schemas.microsoft.com/office/powerpoint/2010/main" val="1384503317"/>
+        <p14:creationId xmlns:p14="http://schemas.microsoft.com/office/powerpoint/2010/main" val="1018687019"/>
       </p:ext>
     </p:extLst>
   </p:cSld>
@@ -15156,7 +15210,7 @@
             <a:fld id="{6FCA8E82-58CD-E045-8B98-B7A85B79B752}" type="datetime4">
               <a:rPr lang="en-US" smtClean="0"/>
               <a:pPr/>
-              <a:t>December 23, 2023</a:t>
+              <a:t>January 1, 2024</a:t>
             </a:fld>
             <a:endParaRPr lang="en-US" dirty="0"/>
           </a:p>
@@ -15202,17 +15256,17 @@
                   </a:schemeClr>
                 </a:solidFill>
               </a:rPr>
-              <a:t>The number of sales increases with higher discounts on products</a:t>
+              <a:t>The Most Purchases is done in regular size, followed by wide and slim sizes.</a:t>
             </a:r>
           </a:p>
         </p:txBody>
       </p:sp>
       <p:pic>
         <p:nvPicPr>
-          <p:cNvPr id="5" name="Picture 4" descr="A graph of sales&#10;&#10;Description automatically generated">
-            <a:extLst>
-              <a:ext uri="{FF2B5EF4-FFF2-40B4-BE49-F238E27FC236}">
-                <a16:creationId xmlns:a16="http://schemas.microsoft.com/office/drawing/2014/main" id="{1C3F0DF3-2791-1370-12D8-50581DEEA7B8}"/>
+          <p:cNvPr id="5" name="Picture 4" descr="A graph of a bar chart&#10;&#10;Description automatically generated with medium confidence">
+            <a:extLst>
+              <a:ext uri="{FF2B5EF4-FFF2-40B4-BE49-F238E27FC236}">
+                <a16:creationId xmlns:a16="http://schemas.microsoft.com/office/drawing/2014/main" id="{E599259B-F636-B153-0FE8-F53308FDF30B}"/>
               </a:ext>
             </a:extLst>
           </p:cNvPr>
@@ -15235,8 +15289,8 @@
         </p:blipFill>
         <p:spPr>
           <a:xfrm>
-            <a:off x="5441393" y="130940"/>
-            <a:ext cx="6377134" cy="4572009"/>
+            <a:off x="5170988" y="177553"/>
+            <a:ext cx="6761839" cy="4572009"/>
           </a:xfrm>
           <a:prstGeom prst="rect">
             <a:avLst/>
@@ -15246,7 +15300,7 @@
     </p:spTree>
     <p:extLst>
       <p:ext uri="{BB962C8B-B14F-4D97-AF65-F5344CB8AC3E}">
-        <p14:creationId xmlns:p14="http://schemas.microsoft.com/office/powerpoint/2010/main" val="834763527"/>
+        <p14:creationId xmlns:p14="http://schemas.microsoft.com/office/powerpoint/2010/main" val="1384503317"/>
       </p:ext>
     </p:extLst>
   </p:cSld>
@@ -15278,7 +15332,7 @@
           <p:cNvPr id="2" name="Title 1">
             <a:extLst>
               <a:ext uri="{FF2B5EF4-FFF2-40B4-BE49-F238E27FC236}">
-                <a16:creationId xmlns:a16="http://schemas.microsoft.com/office/drawing/2014/main" id="{8C122DF8-59D4-D94D-8ED9-F2F319899DBF}"/>
+                <a16:creationId xmlns:a16="http://schemas.microsoft.com/office/drawing/2014/main" id="{68F0FA04-6227-9040-92A6-9514A59B8E7B}"/>
               </a:ext>
             </a:extLst>
           </p:cNvPr>
@@ -15289,135 +15343,55 @@
             <p:ph type="title"/>
           </p:nvPr>
         </p:nvSpPr>
-        <p:spPr/>
+        <p:spPr>
+          <a:xfrm>
+            <a:off x="373473" y="882068"/>
+            <a:ext cx="4941477" cy="610863"/>
+          </a:xfrm>
+        </p:spPr>
+        <p:txBody>
+          <a:bodyPr>
+            <a:normAutofit fontScale="90000"/>
+          </a:bodyPr>
+          <a:lstStyle/>
+          <a:p>
+            <a:r>
+              <a:rPr lang="en-US" dirty="0"/>
+              <a:t>Advanced Analytics</a:t>
+            </a:r>
+          </a:p>
+        </p:txBody>
+      </p:sp>
+      <p:sp>
+        <p:nvSpPr>
+          <p:cNvPr id="9" name="Slide Number Placeholder 8">
+            <a:extLst>
+              <a:ext uri="{FF2B5EF4-FFF2-40B4-BE49-F238E27FC236}">
+                <a16:creationId xmlns:a16="http://schemas.microsoft.com/office/drawing/2014/main" id="{9A5802D8-6C81-6C4F-97CF-C1F2344EE894}"/>
+              </a:ext>
+            </a:extLst>
+          </p:cNvPr>
+          <p:cNvSpPr>
+            <a:spLocks noGrp="1"/>
+          </p:cNvSpPr>
+          <p:nvPr>
+            <p:ph type="sldNum" sz="quarter" idx="16"/>
+          </p:nvPr>
+        </p:nvSpPr>
+        <p:spPr>
+          <a:xfrm>
+            <a:off x="971550" y="6332220"/>
+            <a:ext cx="523240" cy="247651"/>
+          </a:xfrm>
+        </p:spPr>
         <p:txBody>
           <a:bodyPr/>
           <a:lstStyle/>
           <a:p>
-            <a:r>
-              <a:rPr lang="en-US" dirty="0"/>
-              <a:t>Recommendations</a:t>
-            </a:r>
-          </a:p>
-        </p:txBody>
-      </p:sp>
-      <p:sp>
-        <p:nvSpPr>
-          <p:cNvPr id="45" name="Text Placeholder 44">
-            <a:extLst>
-              <a:ext uri="{FF2B5EF4-FFF2-40B4-BE49-F238E27FC236}">
-                <a16:creationId xmlns:a16="http://schemas.microsoft.com/office/drawing/2014/main" id="{803A1E73-C790-447A-974F-B3ADB50149F7}"/>
-              </a:ext>
-            </a:extLst>
-          </p:cNvPr>
-          <p:cNvSpPr>
-            <a:spLocks noGrp="1"/>
-          </p:cNvSpPr>
-          <p:nvPr>
-            <p:ph type="body" sz="quarter" idx="12"/>
-          </p:nvPr>
-        </p:nvSpPr>
-        <p:spPr/>
-        <p:txBody>
-          <a:bodyPr/>
-          <a:lstStyle/>
-          <a:p>
-            <a:r>
-              <a:rPr lang="en-US" dirty="0"/>
-              <a:t>Based on previous findings:</a:t>
-            </a:r>
-          </a:p>
-        </p:txBody>
-      </p:sp>
-      <p:sp>
-        <p:nvSpPr>
-          <p:cNvPr id="44" name="Text Placeholder 43">
-            <a:extLst>
-              <a:ext uri="{FF2B5EF4-FFF2-40B4-BE49-F238E27FC236}">
-                <a16:creationId xmlns:a16="http://schemas.microsoft.com/office/drawing/2014/main" id="{906E4DF9-127F-4650-8BAA-2521A37885B0}"/>
-              </a:ext>
-            </a:extLst>
-          </p:cNvPr>
-          <p:cNvSpPr>
-            <a:spLocks noGrp="1"/>
-          </p:cNvSpPr>
-          <p:nvPr>
-            <p:ph type="body" sz="quarter" idx="10"/>
-          </p:nvPr>
-        </p:nvSpPr>
-        <p:spPr>
-          <a:xfrm>
-            <a:off x="952500" y="2665781"/>
-            <a:ext cx="9416618" cy="3220114"/>
-          </a:xfrm>
-        </p:spPr>
-        <p:txBody>
-          <a:bodyPr/>
-          <a:lstStyle/>
-          <a:p>
-            <a:r>
-              <a:rPr lang="en-US" dirty="0"/>
-              <a:t>If the company wants to increase its sales in low selling months, then It is recommended that the company focuses its campaigns and promotions during the months with the lowest number of sales to push these months sales higher.</a:t>
-            </a:r>
-          </a:p>
-          <a:p>
-            <a:r>
-              <a:rPr lang="en-US" dirty="0"/>
-              <a:t>It is recommended to increase the number of campaigns during holiday seasons like Christmas and summer, also to increase the number of campaigns during valentine’s day and black November.</a:t>
-            </a:r>
-          </a:p>
-          <a:p>
-            <a:r>
-              <a:rPr lang="en-US" dirty="0"/>
-              <a:t>Also, It is better to media campaigns before the season start within a month, to ensure the campaign is effective.</a:t>
-            </a:r>
-          </a:p>
-          <a:p>
-            <a:r>
-              <a:rPr lang="en-US" dirty="0"/>
-              <a:t>Focus on Store events instead of media advertisements in France and try push store events into Germany and Austria to see how well it will do there.</a:t>
-            </a:r>
-          </a:p>
-          <a:p>
-            <a:endParaRPr lang="en-US" dirty="0"/>
-          </a:p>
-          <a:p>
-            <a:endParaRPr lang="en-US" dirty="0"/>
-          </a:p>
-          <a:p>
-            <a:endParaRPr lang="en-US" dirty="0"/>
-          </a:p>
-        </p:txBody>
-      </p:sp>
-      <p:sp>
-        <p:nvSpPr>
-          <p:cNvPr id="5" name="Slide Number Placeholder 4">
-            <a:extLst>
-              <a:ext uri="{FF2B5EF4-FFF2-40B4-BE49-F238E27FC236}">
-                <a16:creationId xmlns:a16="http://schemas.microsoft.com/office/drawing/2014/main" id="{AB744071-0CE2-7746-9315-22EC28A0F462}"/>
-              </a:ext>
-            </a:extLst>
-          </p:cNvPr>
-          <p:cNvSpPr>
-            <a:spLocks noGrp="1"/>
-          </p:cNvSpPr>
-          <p:nvPr>
-            <p:ph type="sldNum" sz="quarter" idx="23"/>
-          </p:nvPr>
-        </p:nvSpPr>
-        <p:spPr>
-          <a:xfrm>
-            <a:off x="971550" y="6332220"/>
-            <a:ext cx="523240" cy="247651"/>
-          </a:xfrm>
-        </p:spPr>
-        <p:txBody>
-          <a:bodyPr/>
-          <a:lstStyle/>
-          <a:p>
+            <a:pPr algn="l"/>
             <a:fld id="{294A09A9-5501-47C1-A89A-A340965A2BE2}" type="slidenum">
               <a:rPr lang="en-US" smtClean="0"/>
-              <a:pPr/>
+              <a:pPr algn="l"/>
               <a:t>16</a:t>
             </a:fld>
             <a:endParaRPr lang="en-US" dirty="0"/>
@@ -15426,10 +15400,10 @@
       </p:sp>
       <p:sp>
         <p:nvSpPr>
-          <p:cNvPr id="4" name="Footer Placeholder 3">
-            <a:extLst>
-              <a:ext uri="{FF2B5EF4-FFF2-40B4-BE49-F238E27FC236}">
-                <a16:creationId xmlns:a16="http://schemas.microsoft.com/office/drawing/2014/main" id="{529E91F3-E1A0-DB4A-8CD8-D9D1AB0FFB40}"/>
+          <p:cNvPr id="8" name="Footer Placeholder 7">
+            <a:extLst>
+              <a:ext uri="{FF2B5EF4-FFF2-40B4-BE49-F238E27FC236}">
+                <a16:creationId xmlns:a16="http://schemas.microsoft.com/office/drawing/2014/main" id="{2A659727-BBB9-9B49-BCA1-694F74F717C4}"/>
               </a:ext>
             </a:extLst>
           </p:cNvPr>
@@ -15437,7 +15411,7 @@
             <a:spLocks noGrp="1"/>
           </p:cNvSpPr>
           <p:nvPr>
-            <p:ph type="ftr" sz="quarter" idx="22"/>
+            <p:ph type="ftr" sz="quarter" idx="15"/>
           </p:nvPr>
         </p:nvSpPr>
         <p:spPr>
@@ -15454,15 +15428,16 @@
               <a:rPr lang="en-US" dirty="0"/>
               <a:t>Annual Review</a:t>
             </a:r>
-          </a:p>
-        </p:txBody>
-      </p:sp>
-      <p:sp>
-        <p:nvSpPr>
-          <p:cNvPr id="16" name="Date Placeholder 3">
-            <a:extLst>
-              <a:ext uri="{FF2B5EF4-FFF2-40B4-BE49-F238E27FC236}">
-                <a16:creationId xmlns:a16="http://schemas.microsoft.com/office/drawing/2014/main" id="{5384768F-E861-44BC-9FC7-434480D365AB}"/>
+            <a:endParaRPr lang="en-US" sz="1100" dirty="0"/>
+          </a:p>
+        </p:txBody>
+      </p:sp>
+      <p:sp>
+        <p:nvSpPr>
+          <p:cNvPr id="18" name="Date Placeholder 3">
+            <a:extLst>
+              <a:ext uri="{FF2B5EF4-FFF2-40B4-BE49-F238E27FC236}">
+                <a16:creationId xmlns:a16="http://schemas.microsoft.com/office/drawing/2014/main" id="{F81D4B1A-BE69-469D-B4E9-C605222B67FD}"/>
               </a:ext>
             </a:extLst>
           </p:cNvPr>
@@ -15581,16 +15556,97 @@
             <a:fld id="{6FCA8E82-58CD-E045-8B98-B7A85B79B752}" type="datetime4">
               <a:rPr lang="en-US" smtClean="0"/>
               <a:pPr/>
-              <a:t>December 23, 2023</a:t>
+              <a:t>January 1, 2024</a:t>
             </a:fld>
             <a:endParaRPr lang="en-US" dirty="0"/>
           </a:p>
         </p:txBody>
       </p:sp>
+      <p:sp>
+        <p:nvSpPr>
+          <p:cNvPr id="13" name="Text Placeholder 12">
+            <a:extLst>
+              <a:ext uri="{FF2B5EF4-FFF2-40B4-BE49-F238E27FC236}">
+                <a16:creationId xmlns:a16="http://schemas.microsoft.com/office/drawing/2014/main" id="{F2BE3D2D-BB1F-290E-F4A5-998CFDD0A828}"/>
+              </a:ext>
+            </a:extLst>
+          </p:cNvPr>
+          <p:cNvSpPr>
+            <a:spLocks noGrp="1"/>
+          </p:cNvSpPr>
+          <p:nvPr>
+            <p:ph type="body" idx="1"/>
+          </p:nvPr>
+        </p:nvSpPr>
+        <p:spPr>
+          <a:xfrm>
+            <a:off x="259173" y="2262883"/>
+            <a:ext cx="4617627" cy="3578624"/>
+          </a:xfrm>
+        </p:spPr>
+        <p:txBody>
+          <a:bodyPr/>
+          <a:lstStyle/>
+          <a:p>
+            <a:r>
+              <a:rPr lang="en-US" dirty="0"/>
+              <a:t>Conclusion:</a:t>
+            </a:r>
+          </a:p>
+          <a:p>
+            <a:r>
+              <a:rPr lang="en-US" dirty="0">
+                <a:solidFill>
+                  <a:schemeClr val="bg2">
+                    <a:lumMod val="10000"/>
+                  </a:schemeClr>
+                </a:solidFill>
+              </a:rPr>
+              <a:t>The number of sales increases with higher discounts on products</a:t>
+            </a:r>
+          </a:p>
+        </p:txBody>
+      </p:sp>
+      <p:pic>
+        <p:nvPicPr>
+          <p:cNvPr id="5" name="Picture 4" descr="A graph of sales&#10;&#10;Description automatically generated">
+            <a:extLst>
+              <a:ext uri="{FF2B5EF4-FFF2-40B4-BE49-F238E27FC236}">
+                <a16:creationId xmlns:a16="http://schemas.microsoft.com/office/drawing/2014/main" id="{1C3F0DF3-2791-1370-12D8-50581DEEA7B8}"/>
+              </a:ext>
+            </a:extLst>
+          </p:cNvPr>
+          <p:cNvPicPr>
+            <a:picLocks noChangeAspect="1"/>
+          </p:cNvPicPr>
+          <p:nvPr/>
+        </p:nvPicPr>
+        <p:blipFill>
+          <a:blip r:embed="rId2">
+            <a:extLst>
+              <a:ext uri="{28A0092B-C50C-407E-A947-70E740481C1C}">
+                <a14:useLocalDpi xmlns:a14="http://schemas.microsoft.com/office/drawing/2010/main" val="0"/>
+              </a:ext>
+            </a:extLst>
+          </a:blip>
+          <a:stretch>
+            <a:fillRect/>
+          </a:stretch>
+        </p:blipFill>
+        <p:spPr>
+          <a:xfrm>
+            <a:off x="5441393" y="130940"/>
+            <a:ext cx="6377134" cy="4572009"/>
+          </a:xfrm>
+          <a:prstGeom prst="rect">
+            <a:avLst/>
+          </a:prstGeom>
+        </p:spPr>
+      </p:pic>
     </p:spTree>
     <p:extLst>
       <p:ext uri="{BB962C8B-B14F-4D97-AF65-F5344CB8AC3E}">
-        <p14:creationId xmlns:p14="http://schemas.microsoft.com/office/powerpoint/2010/main" val="643842168"/>
+        <p14:creationId xmlns:p14="http://schemas.microsoft.com/office/powerpoint/2010/main" val="834763527"/>
       </p:ext>
     </p:extLst>
   </p:cSld>
@@ -15619,10 +15675,10 @@
       </p:grpSpPr>
       <p:sp>
         <p:nvSpPr>
-          <p:cNvPr id="3" name="Title 2">
-            <a:extLst>
-              <a:ext uri="{FF2B5EF4-FFF2-40B4-BE49-F238E27FC236}">
-                <a16:creationId xmlns:a16="http://schemas.microsoft.com/office/drawing/2014/main" id="{1353F689-2E51-BF4F-AE47-7CEB7CC4C52A}"/>
+          <p:cNvPr id="2" name="Title 1">
+            <a:extLst>
+              <a:ext uri="{FF2B5EF4-FFF2-40B4-BE49-F238E27FC236}">
+                <a16:creationId xmlns:a16="http://schemas.microsoft.com/office/drawing/2014/main" id="{8C122DF8-59D4-D94D-8ED9-F2F319899DBF}"/>
               </a:ext>
             </a:extLst>
           </p:cNvPr>
@@ -15633,31 +15689,24 @@
             <p:ph type="title"/>
           </p:nvPr>
         </p:nvSpPr>
-        <p:spPr>
-          <a:xfrm>
-            <a:off x="621437" y="879063"/>
-            <a:ext cx="5284063" cy="610863"/>
-          </a:xfrm>
-        </p:spPr>
-        <p:txBody>
-          <a:bodyPr>
-            <a:normAutofit fontScale="90000"/>
-          </a:bodyPr>
+        <p:spPr/>
+        <p:txBody>
+          <a:bodyPr/>
           <a:lstStyle/>
           <a:p>
             <a:r>
               <a:rPr lang="en-US" dirty="0"/>
-              <a:t>Data Science Process</a:t>
-            </a:r>
-          </a:p>
-        </p:txBody>
-      </p:sp>
-      <p:sp>
-        <p:nvSpPr>
-          <p:cNvPr id="7" name="Slide Number Placeholder 6">
-            <a:extLst>
-              <a:ext uri="{FF2B5EF4-FFF2-40B4-BE49-F238E27FC236}">
-                <a16:creationId xmlns:a16="http://schemas.microsoft.com/office/drawing/2014/main" id="{F37669F0-EA6D-6B46-AF0E-A9C2D1F223DB}"/>
+              <a:t>Recommendations</a:t>
+            </a:r>
+          </a:p>
+        </p:txBody>
+      </p:sp>
+      <p:sp>
+        <p:nvSpPr>
+          <p:cNvPr id="45" name="Text Placeholder 44">
+            <a:extLst>
+              <a:ext uri="{FF2B5EF4-FFF2-40B4-BE49-F238E27FC236}">
+                <a16:creationId xmlns:a16="http://schemas.microsoft.com/office/drawing/2014/main" id="{803A1E73-C790-447A-974F-B3ADB50149F7}"/>
               </a:ext>
             </a:extLst>
           </p:cNvPr>
@@ -15665,7 +15714,95 @@
             <a:spLocks noGrp="1"/>
           </p:cNvSpPr>
           <p:nvPr>
-            <p:ph type="sldNum" sz="quarter" idx="16"/>
+            <p:ph type="body" sz="quarter" idx="12"/>
+          </p:nvPr>
+        </p:nvSpPr>
+        <p:spPr/>
+        <p:txBody>
+          <a:bodyPr/>
+          <a:lstStyle/>
+          <a:p>
+            <a:r>
+              <a:rPr lang="en-US" dirty="0"/>
+              <a:t>Based on previous findings:</a:t>
+            </a:r>
+          </a:p>
+        </p:txBody>
+      </p:sp>
+      <p:sp>
+        <p:nvSpPr>
+          <p:cNvPr id="44" name="Text Placeholder 43">
+            <a:extLst>
+              <a:ext uri="{FF2B5EF4-FFF2-40B4-BE49-F238E27FC236}">
+                <a16:creationId xmlns:a16="http://schemas.microsoft.com/office/drawing/2014/main" id="{906E4DF9-127F-4650-8BAA-2521A37885B0}"/>
+              </a:ext>
+            </a:extLst>
+          </p:cNvPr>
+          <p:cNvSpPr>
+            <a:spLocks noGrp="1"/>
+          </p:cNvSpPr>
+          <p:nvPr>
+            <p:ph type="body" sz="quarter" idx="10"/>
+          </p:nvPr>
+        </p:nvSpPr>
+        <p:spPr>
+          <a:xfrm>
+            <a:off x="952500" y="2665781"/>
+            <a:ext cx="9416618" cy="3220114"/>
+          </a:xfrm>
+        </p:spPr>
+        <p:txBody>
+          <a:bodyPr/>
+          <a:lstStyle/>
+          <a:p>
+            <a:r>
+              <a:rPr lang="en-US" dirty="0"/>
+              <a:t>If the company wants to increase its sales in low selling months, then It is recommended that the company focuses its campaigns and promotions during the months with the lowest number of sales to push these months sales higher.</a:t>
+            </a:r>
+          </a:p>
+          <a:p>
+            <a:r>
+              <a:rPr lang="en-US" dirty="0"/>
+              <a:t>It is recommended to increase the number of campaigns during holiday seasons like Christmas and summer, also to increase the number of campaigns during valentine’s day and black November.</a:t>
+            </a:r>
+          </a:p>
+          <a:p>
+            <a:r>
+              <a:rPr lang="en-US" dirty="0"/>
+              <a:t>Also, It is better to media campaigns before the season start within a month, to ensure the campaign is effective.</a:t>
+            </a:r>
+          </a:p>
+          <a:p>
+            <a:r>
+              <a:rPr lang="en-US" dirty="0"/>
+              <a:t>Focus on Store events instead of media advertisements in France and try push store events into Germany and Austria to see how well it will do there.</a:t>
+            </a:r>
+          </a:p>
+          <a:p>
+            <a:endParaRPr lang="en-US" dirty="0"/>
+          </a:p>
+          <a:p>
+            <a:endParaRPr lang="en-US" dirty="0"/>
+          </a:p>
+          <a:p>
+            <a:endParaRPr lang="en-US" dirty="0"/>
+          </a:p>
+        </p:txBody>
+      </p:sp>
+      <p:sp>
+        <p:nvSpPr>
+          <p:cNvPr id="5" name="Slide Number Placeholder 4">
+            <a:extLst>
+              <a:ext uri="{FF2B5EF4-FFF2-40B4-BE49-F238E27FC236}">
+                <a16:creationId xmlns:a16="http://schemas.microsoft.com/office/drawing/2014/main" id="{AB744071-0CE2-7746-9315-22EC28A0F462}"/>
+              </a:ext>
+            </a:extLst>
+          </p:cNvPr>
+          <p:cNvSpPr>
+            <a:spLocks noGrp="1"/>
+          </p:cNvSpPr>
+          <p:nvPr>
+            <p:ph type="sldNum" sz="quarter" idx="23"/>
           </p:nvPr>
         </p:nvSpPr>
         <p:spPr>
@@ -15689,10 +15826,10 @@
       </p:sp>
       <p:sp>
         <p:nvSpPr>
-          <p:cNvPr id="6" name="Footer Placeholder 5">
-            <a:extLst>
-              <a:ext uri="{FF2B5EF4-FFF2-40B4-BE49-F238E27FC236}">
-                <a16:creationId xmlns:a16="http://schemas.microsoft.com/office/drawing/2014/main" id="{66F3960A-D260-8445-A153-0B674474CEBD}"/>
+          <p:cNvPr id="4" name="Footer Placeholder 3">
+            <a:extLst>
+              <a:ext uri="{FF2B5EF4-FFF2-40B4-BE49-F238E27FC236}">
+                <a16:creationId xmlns:a16="http://schemas.microsoft.com/office/drawing/2014/main" id="{529E91F3-E1A0-DB4A-8CD8-D9D1AB0FFB40}"/>
               </a:ext>
             </a:extLst>
           </p:cNvPr>
@@ -15700,7 +15837,7 @@
             <a:spLocks noGrp="1"/>
           </p:cNvSpPr>
           <p:nvPr>
-            <p:ph type="ftr" sz="quarter" idx="15"/>
+            <p:ph type="ftr" sz="quarter" idx="22"/>
           </p:nvPr>
         </p:nvSpPr>
         <p:spPr>
@@ -15720,43 +15857,12 @@
           </a:p>
         </p:txBody>
       </p:sp>
-      <p:pic>
-        <p:nvPicPr>
-          <p:cNvPr id="53" name="Picture Placeholder 52" descr="Hanging Lightbulbs">
-            <a:extLst>
-              <a:ext uri="{FF2B5EF4-FFF2-40B4-BE49-F238E27FC236}">
-                <a16:creationId xmlns:a16="http://schemas.microsoft.com/office/drawing/2014/main" id="{CAC9EF15-08A3-406D-9236-76A5454D5F8A}"/>
-              </a:ext>
-            </a:extLst>
-          </p:cNvPr>
-          <p:cNvPicPr>
-            <a:picLocks noGrp="1" noChangeAspect="1"/>
-          </p:cNvPicPr>
-          <p:nvPr>
-            <p:ph type="pic" sz="quarter" idx="13"/>
-          </p:nvPr>
-        </p:nvPicPr>
-        <p:blipFill>
-          <a:blip r:embed="rId2">
-            <a:extLst>
-              <a:ext uri="{28A0092B-C50C-407E-A947-70E740481C1C}">
-                <a14:useLocalDpi xmlns:a14="http://schemas.microsoft.com/office/drawing/2010/main" val="0"/>
-              </a:ext>
-            </a:extLst>
-          </a:blip>
-          <a:srcRect/>
-          <a:stretch>
-            <a:fillRect/>
-          </a:stretch>
-        </p:blipFill>
-        <p:spPr/>
-      </p:pic>
-      <p:sp>
-        <p:nvSpPr>
-          <p:cNvPr id="8" name="Date Placeholder 3">
-            <a:extLst>
-              <a:ext uri="{FF2B5EF4-FFF2-40B4-BE49-F238E27FC236}">
-                <a16:creationId xmlns:a16="http://schemas.microsoft.com/office/drawing/2014/main" id="{2DAD51F7-3210-479B-ADF0-963FBC7E32BD}"/>
+      <p:sp>
+        <p:nvSpPr>
+          <p:cNvPr id="16" name="Date Placeholder 3">
+            <a:extLst>
+              <a:ext uri="{FF2B5EF4-FFF2-40B4-BE49-F238E27FC236}">
+                <a16:creationId xmlns:a16="http://schemas.microsoft.com/office/drawing/2014/main" id="{5384768F-E861-44BC-9FC7-434480D365AB}"/>
               </a:ext>
             </a:extLst>
           </p:cNvPr>
@@ -15875,7 +15981,7 @@
             <a:fld id="{6FCA8E82-58CD-E045-8B98-B7A85B79B752}" type="datetime4">
               <a:rPr lang="en-US" smtClean="0"/>
               <a:pPr/>
-              <a:t>December 23, 2023</a:t>
+              <a:t>January 1, 2024</a:t>
             </a:fld>
             <a:endParaRPr lang="en-US" dirty="0"/>
           </a:p>
@@ -15884,7 +15990,7 @@
     </p:spTree>
     <p:extLst>
       <p:ext uri="{BB962C8B-B14F-4D97-AF65-F5344CB8AC3E}">
-        <p14:creationId xmlns:p14="http://schemas.microsoft.com/office/powerpoint/2010/main" val="4072338393"/>
+        <p14:creationId xmlns:p14="http://schemas.microsoft.com/office/powerpoint/2010/main" val="643842168"/>
       </p:ext>
     </p:extLst>
   </p:cSld>
@@ -15913,10 +16019,10 @@
       </p:grpSpPr>
       <p:sp>
         <p:nvSpPr>
-          <p:cNvPr id="2" name="Title 1">
-            <a:extLst>
-              <a:ext uri="{FF2B5EF4-FFF2-40B4-BE49-F238E27FC236}">
-                <a16:creationId xmlns:a16="http://schemas.microsoft.com/office/drawing/2014/main" id="{8C122DF8-59D4-D94D-8ED9-F2F319899DBF}"/>
+          <p:cNvPr id="3" name="Title 2">
+            <a:extLst>
+              <a:ext uri="{FF2B5EF4-FFF2-40B4-BE49-F238E27FC236}">
+                <a16:creationId xmlns:a16="http://schemas.microsoft.com/office/drawing/2014/main" id="{1353F689-2E51-BF4F-AE47-7CEB7CC4C52A}"/>
               </a:ext>
             </a:extLst>
           </p:cNvPr>
@@ -15927,24 +16033,31 @@
             <p:ph type="title"/>
           </p:nvPr>
         </p:nvSpPr>
-        <p:spPr/>
-        <p:txBody>
-          <a:bodyPr/>
+        <p:spPr>
+          <a:xfrm>
+            <a:off x="621437" y="879063"/>
+            <a:ext cx="5284063" cy="610863"/>
+          </a:xfrm>
+        </p:spPr>
+        <p:txBody>
+          <a:bodyPr>
+            <a:normAutofit fontScale="90000"/>
+          </a:bodyPr>
           <a:lstStyle/>
           <a:p>
             <a:r>
               <a:rPr lang="en-US" dirty="0"/>
-              <a:t>Pipeline</a:t>
-            </a:r>
-          </a:p>
-        </p:txBody>
-      </p:sp>
-      <p:sp>
-        <p:nvSpPr>
-          <p:cNvPr id="44" name="Text Placeholder 43">
-            <a:extLst>
-              <a:ext uri="{FF2B5EF4-FFF2-40B4-BE49-F238E27FC236}">
-                <a16:creationId xmlns:a16="http://schemas.microsoft.com/office/drawing/2014/main" id="{906E4DF9-127F-4650-8BAA-2521A37885B0}"/>
+              <a:t>Data Science Process</a:t>
+            </a:r>
+          </a:p>
+        </p:txBody>
+      </p:sp>
+      <p:sp>
+        <p:nvSpPr>
+          <p:cNvPr id="7" name="Slide Number Placeholder 6">
+            <a:extLst>
+              <a:ext uri="{FF2B5EF4-FFF2-40B4-BE49-F238E27FC236}">
+                <a16:creationId xmlns:a16="http://schemas.microsoft.com/office/drawing/2014/main" id="{F37669F0-EA6D-6B46-AF0E-A9C2D1F223DB}"/>
               </a:ext>
             </a:extLst>
           </p:cNvPr>
@@ -15952,94 +16065,7 @@
             <a:spLocks noGrp="1"/>
           </p:cNvSpPr>
           <p:nvPr>
-            <p:ph type="body" sz="quarter" idx="10"/>
-          </p:nvPr>
-        </p:nvSpPr>
-        <p:spPr>
-          <a:xfrm>
-            <a:off x="952500" y="2166151"/>
-            <a:ext cx="9416618" cy="2228296"/>
-          </a:xfrm>
-        </p:spPr>
-        <p:txBody>
-          <a:bodyPr/>
-          <a:lstStyle/>
-          <a:p>
-            <a:r>
-              <a:rPr lang="en-US" b="1" dirty="0">
-                <a:solidFill>
-                  <a:schemeClr val="tx2"/>
-                </a:solidFill>
-              </a:rPr>
-              <a:t>1- Frame the Business Problem</a:t>
-            </a:r>
-          </a:p>
-          <a:p>
-            <a:r>
-              <a:rPr lang="en-US" b="1" dirty="0">
-                <a:solidFill>
-                  <a:schemeClr val="tx2"/>
-                </a:solidFill>
-              </a:rPr>
-              <a:t>2- Data Understanding</a:t>
-            </a:r>
-          </a:p>
-          <a:p>
-            <a:r>
-              <a:rPr lang="en-US" b="1" dirty="0">
-                <a:solidFill>
-                  <a:schemeClr val="tx2"/>
-                </a:solidFill>
-              </a:rPr>
-              <a:t>3- Data preprocessing</a:t>
-            </a:r>
-          </a:p>
-          <a:p>
-            <a:r>
-              <a:rPr lang="en-US" b="1" dirty="0">
-                <a:solidFill>
-                  <a:schemeClr val="tx2"/>
-                </a:solidFill>
-              </a:rPr>
-              <a:t>4- Exploratory Data Analysis</a:t>
-            </a:r>
-          </a:p>
-          <a:p>
-            <a:r>
-              <a:rPr lang="en-US" b="1" dirty="0">
-                <a:solidFill>
-                  <a:schemeClr val="tx2"/>
-                </a:solidFill>
-              </a:rPr>
-              <a:t>5- Feature Engineering</a:t>
-            </a:r>
-          </a:p>
-          <a:p>
-            <a:r>
-              <a:rPr lang="en-US" b="1" dirty="0">
-                <a:solidFill>
-                  <a:schemeClr val="tx2"/>
-                </a:solidFill>
-              </a:rPr>
-              <a:t>6- Model Building</a:t>
-            </a:r>
-          </a:p>
-        </p:txBody>
-      </p:sp>
-      <p:sp>
-        <p:nvSpPr>
-          <p:cNvPr id="5" name="Slide Number Placeholder 4">
-            <a:extLst>
-              <a:ext uri="{FF2B5EF4-FFF2-40B4-BE49-F238E27FC236}">
-                <a16:creationId xmlns:a16="http://schemas.microsoft.com/office/drawing/2014/main" id="{AB744071-0CE2-7746-9315-22EC28A0F462}"/>
-              </a:ext>
-            </a:extLst>
-          </p:cNvPr>
-          <p:cNvSpPr>
-            <a:spLocks noGrp="1"/>
-          </p:cNvSpPr>
-          <p:nvPr>
-            <p:ph type="sldNum" sz="quarter" idx="23"/>
+            <p:ph type="sldNum" sz="quarter" idx="16"/>
           </p:nvPr>
         </p:nvSpPr>
         <p:spPr>
@@ -16063,10 +16089,10 @@
       </p:sp>
       <p:sp>
         <p:nvSpPr>
-          <p:cNvPr id="4" name="Footer Placeholder 3">
-            <a:extLst>
-              <a:ext uri="{FF2B5EF4-FFF2-40B4-BE49-F238E27FC236}">
-                <a16:creationId xmlns:a16="http://schemas.microsoft.com/office/drawing/2014/main" id="{529E91F3-E1A0-DB4A-8CD8-D9D1AB0FFB40}"/>
+          <p:cNvPr id="6" name="Footer Placeholder 5">
+            <a:extLst>
+              <a:ext uri="{FF2B5EF4-FFF2-40B4-BE49-F238E27FC236}">
+                <a16:creationId xmlns:a16="http://schemas.microsoft.com/office/drawing/2014/main" id="{66F3960A-D260-8445-A153-0B674474CEBD}"/>
               </a:ext>
             </a:extLst>
           </p:cNvPr>
@@ -16074,7 +16100,7 @@
             <a:spLocks noGrp="1"/>
           </p:cNvSpPr>
           <p:nvPr>
-            <p:ph type="ftr" sz="quarter" idx="22"/>
+            <p:ph type="ftr" sz="quarter" idx="15"/>
           </p:nvPr>
         </p:nvSpPr>
         <p:spPr>
@@ -16094,12 +16120,43 @@
           </a:p>
         </p:txBody>
       </p:sp>
-      <p:sp>
-        <p:nvSpPr>
-          <p:cNvPr id="16" name="Date Placeholder 3">
-            <a:extLst>
-              <a:ext uri="{FF2B5EF4-FFF2-40B4-BE49-F238E27FC236}">
-                <a16:creationId xmlns:a16="http://schemas.microsoft.com/office/drawing/2014/main" id="{5384768F-E861-44BC-9FC7-434480D365AB}"/>
+      <p:pic>
+        <p:nvPicPr>
+          <p:cNvPr id="53" name="Picture Placeholder 52" descr="Hanging Lightbulbs">
+            <a:extLst>
+              <a:ext uri="{FF2B5EF4-FFF2-40B4-BE49-F238E27FC236}">
+                <a16:creationId xmlns:a16="http://schemas.microsoft.com/office/drawing/2014/main" id="{CAC9EF15-08A3-406D-9236-76A5454D5F8A}"/>
+              </a:ext>
+            </a:extLst>
+          </p:cNvPr>
+          <p:cNvPicPr>
+            <a:picLocks noGrp="1" noChangeAspect="1"/>
+          </p:cNvPicPr>
+          <p:nvPr>
+            <p:ph type="pic" sz="quarter" idx="13"/>
+          </p:nvPr>
+        </p:nvPicPr>
+        <p:blipFill>
+          <a:blip r:embed="rId2">
+            <a:extLst>
+              <a:ext uri="{28A0092B-C50C-407E-A947-70E740481C1C}">
+                <a14:useLocalDpi xmlns:a14="http://schemas.microsoft.com/office/drawing/2010/main" val="0"/>
+              </a:ext>
+            </a:extLst>
+          </a:blip>
+          <a:srcRect/>
+          <a:stretch>
+            <a:fillRect/>
+          </a:stretch>
+        </p:blipFill>
+        <p:spPr/>
+      </p:pic>
+      <p:sp>
+        <p:nvSpPr>
+          <p:cNvPr id="8" name="Date Placeholder 3">
+            <a:extLst>
+              <a:ext uri="{FF2B5EF4-FFF2-40B4-BE49-F238E27FC236}">
+                <a16:creationId xmlns:a16="http://schemas.microsoft.com/office/drawing/2014/main" id="{2DAD51F7-3210-479B-ADF0-963FBC7E32BD}"/>
               </a:ext>
             </a:extLst>
           </p:cNvPr>
@@ -16218,7 +16275,7 @@
             <a:fld id="{6FCA8E82-58CD-E045-8B98-B7A85B79B752}" type="datetime4">
               <a:rPr lang="en-US" smtClean="0"/>
               <a:pPr/>
-              <a:t>December 23, 2023</a:t>
+              <a:t>January 1, 2024</a:t>
             </a:fld>
             <a:endParaRPr lang="en-US" dirty="0"/>
           </a:p>
@@ -16227,7 +16284,7 @@
     </p:spTree>
     <p:extLst>
       <p:ext uri="{BB962C8B-B14F-4D97-AF65-F5344CB8AC3E}">
-        <p14:creationId xmlns:p14="http://schemas.microsoft.com/office/powerpoint/2010/main" val="1110560631"/>
+        <p14:creationId xmlns:p14="http://schemas.microsoft.com/office/powerpoint/2010/main" val="4072338393"/>
       </p:ext>
     </p:extLst>
   </p:cSld>
@@ -16270,31 +16327,24 @@
             <p:ph type="title"/>
           </p:nvPr>
         </p:nvSpPr>
-        <p:spPr>
-          <a:xfrm>
-            <a:off x="292963" y="727969"/>
-            <a:ext cx="6249880" cy="761957"/>
-          </a:xfrm>
-        </p:spPr>
-        <p:txBody>
-          <a:bodyPr>
-            <a:noAutofit/>
-          </a:bodyPr>
+        <p:spPr/>
+        <p:txBody>
+          <a:bodyPr/>
           <a:lstStyle/>
           <a:p>
             <a:r>
-              <a:rPr lang="en-US" sz="3600" dirty="0"/>
-              <a:t>Frame The business problem</a:t>
-            </a:r>
-          </a:p>
-        </p:txBody>
-      </p:sp>
-      <p:sp>
-        <p:nvSpPr>
-          <p:cNvPr id="45" name="Text Placeholder 44">
-            <a:extLst>
-              <a:ext uri="{FF2B5EF4-FFF2-40B4-BE49-F238E27FC236}">
-                <a16:creationId xmlns:a16="http://schemas.microsoft.com/office/drawing/2014/main" id="{803A1E73-C790-447A-974F-B3ADB50149F7}"/>
+              <a:rPr lang="en-US" dirty="0"/>
+              <a:t>Pipeline</a:t>
+            </a:r>
+          </a:p>
+        </p:txBody>
+      </p:sp>
+      <p:sp>
+        <p:nvSpPr>
+          <p:cNvPr id="44" name="Text Placeholder 43">
+            <a:extLst>
+              <a:ext uri="{FF2B5EF4-FFF2-40B4-BE49-F238E27FC236}">
+                <a16:creationId xmlns:a16="http://schemas.microsoft.com/office/drawing/2014/main" id="{906E4DF9-127F-4650-8BAA-2521A37885B0}"/>
               </a:ext>
             </a:extLst>
           </p:cNvPr>
@@ -16302,13 +16352,13 @@
             <a:spLocks noGrp="1"/>
           </p:cNvSpPr>
           <p:nvPr>
-            <p:ph type="body" sz="quarter" idx="12"/>
+            <p:ph type="body" sz="quarter" idx="10"/>
           </p:nvPr>
         </p:nvSpPr>
         <p:spPr>
           <a:xfrm>
-            <a:off x="952500" y="2286000"/>
-            <a:ext cx="7978436" cy="3768571"/>
+            <a:off x="952500" y="2166151"/>
+            <a:ext cx="9416618" cy="2228296"/>
           </a:xfrm>
         </p:spPr>
         <p:txBody>
@@ -16316,39 +16366,63 @@
           <a:lstStyle/>
           <a:p>
             <a:r>
-              <a:rPr lang="en-US" dirty="0"/>
-              <a:t>Get overview of the Business</a:t>
-            </a:r>
-          </a:p>
-          <a:p>
-            <a:r>
-              <a:rPr lang="en-US" dirty="0"/>
-              <a:t>Business Objective</a:t>
-            </a:r>
-          </a:p>
-          <a:p>
-            <a:r>
-              <a:rPr lang="en-US" dirty="0"/>
-              <a:t>Current Solution</a:t>
-            </a:r>
-          </a:p>
-          <a:p>
-            <a:r>
-              <a:rPr lang="en-US" dirty="0"/>
-              <a:t>Frame the problem (supervised Binary Classification task, Imbalanced)</a:t>
-            </a:r>
-          </a:p>
-          <a:p>
-            <a:r>
-              <a:rPr lang="en-US" dirty="0"/>
-              <a:t>Performance Measure to be used</a:t>
-            </a:r>
-          </a:p>
-          <a:p>
-            <a:endParaRPr lang="en-US" dirty="0"/>
-          </a:p>
-          <a:p>
-            <a:endParaRPr lang="en-US" dirty="0"/>
+              <a:rPr lang="en-US" b="1" dirty="0">
+                <a:solidFill>
+                  <a:schemeClr val="tx2"/>
+                </a:solidFill>
+              </a:rPr>
+              <a:t>1- Frame the Business Problem</a:t>
+            </a:r>
+          </a:p>
+          <a:p>
+            <a:r>
+              <a:rPr lang="en-US" b="1" dirty="0">
+                <a:solidFill>
+                  <a:schemeClr val="tx2"/>
+                </a:solidFill>
+              </a:rPr>
+              <a:t>2- Data Understanding</a:t>
+            </a:r>
+          </a:p>
+          <a:p>
+            <a:r>
+              <a:rPr lang="en-US" b="1" dirty="0">
+                <a:solidFill>
+                  <a:schemeClr val="tx2"/>
+                </a:solidFill>
+              </a:rPr>
+              <a:t>3- Data preprocessing</a:t>
+            </a:r>
+          </a:p>
+          <a:p>
+            <a:r>
+              <a:rPr lang="en-US" b="1" dirty="0">
+                <a:solidFill>
+                  <a:schemeClr val="tx2"/>
+                </a:solidFill>
+              </a:rPr>
+              <a:t>4- Exploratory Data Analysis</a:t>
+            </a:r>
+          </a:p>
+          <a:p>
+            <a:r>
+              <a:rPr lang="en-US" b="1" dirty="0">
+                <a:solidFill>
+                  <a:schemeClr val="tx2"/>
+                </a:solidFill>
+              </a:rPr>
+              <a:t>5- Feature Engineering</a:t>
+            </a:r>
+          </a:p>
+          <a:p>
+            <a:r>
+              <a:rPr lang="en-US" b="1" dirty="0">
+                <a:solidFill>
+                  <a:schemeClr val="tx2"/>
+                </a:solidFill>
+              </a:rPr>
+              <a:t>6- Model Building</a:t>
+            </a:r>
           </a:p>
         </p:txBody>
       </p:sp>
@@ -16544,7 +16618,7 @@
             <a:fld id="{6FCA8E82-58CD-E045-8B98-B7A85B79B752}" type="datetime4">
               <a:rPr lang="en-US" smtClean="0"/>
               <a:pPr/>
-              <a:t>December 23, 2023</a:t>
+              <a:t>January 1, 2024</a:t>
             </a:fld>
             <a:endParaRPr lang="en-US" dirty="0"/>
           </a:p>
@@ -16553,7 +16627,7 @@
     </p:spTree>
     <p:extLst>
       <p:ext uri="{BB962C8B-B14F-4D97-AF65-F5344CB8AC3E}">
-        <p14:creationId xmlns:p14="http://schemas.microsoft.com/office/powerpoint/2010/main" val="1309004539"/>
+        <p14:creationId xmlns:p14="http://schemas.microsoft.com/office/powerpoint/2010/main" val="1110560631"/>
       </p:ext>
     </p:extLst>
   </p:cSld>
@@ -16862,7 +16936,7 @@
         <p:spPr>
           <a:xfrm>
             <a:off x="292963" y="727969"/>
-            <a:ext cx="4634144" cy="761957"/>
+            <a:ext cx="6249880" cy="761957"/>
           </a:xfrm>
         </p:spPr>
         <p:txBody>
@@ -16873,7 +16947,7 @@
           <a:p>
             <a:r>
               <a:rPr lang="en-US" sz="3600" dirty="0"/>
-              <a:t>Data Understanding</a:t>
+              <a:t>Frame The business problem</a:t>
             </a:r>
           </a:p>
         </p:txBody>
@@ -16903,6 +16977,36 @@
         <p:txBody>
           <a:bodyPr/>
           <a:lstStyle/>
+          <a:p>
+            <a:r>
+              <a:rPr lang="en-US" dirty="0"/>
+              <a:t>Get overview of the Business</a:t>
+            </a:r>
+          </a:p>
+          <a:p>
+            <a:r>
+              <a:rPr lang="en-US" dirty="0"/>
+              <a:t>Business Objective</a:t>
+            </a:r>
+          </a:p>
+          <a:p>
+            <a:r>
+              <a:rPr lang="en-US" dirty="0"/>
+              <a:t>Current Solution</a:t>
+            </a:r>
+          </a:p>
+          <a:p>
+            <a:r>
+              <a:rPr lang="en-US" dirty="0"/>
+              <a:t>Frame the problem (supervised Binary Classification task, Imbalanced)</a:t>
+            </a:r>
+          </a:p>
+          <a:p>
+            <a:r>
+              <a:rPr lang="en-US" dirty="0"/>
+              <a:t>Performance Measure to be used</a:t>
+            </a:r>
+          </a:p>
           <a:p>
             <a:endParaRPr lang="en-US" dirty="0"/>
           </a:p>
@@ -17103,106 +17207,16 @@
             <a:fld id="{6FCA8E82-58CD-E045-8B98-B7A85B79B752}" type="datetime4">
               <a:rPr lang="en-US" smtClean="0"/>
               <a:pPr/>
-              <a:t>December 23, 2023</a:t>
+              <a:t>January 1, 2024</a:t>
             </a:fld>
             <a:endParaRPr lang="en-US" dirty="0"/>
           </a:p>
         </p:txBody>
       </p:sp>
-      <p:pic>
-        <p:nvPicPr>
-          <p:cNvPr id="6" name="Picture 5">
-            <a:extLst>
-              <a:ext uri="{FF2B5EF4-FFF2-40B4-BE49-F238E27FC236}">
-                <a16:creationId xmlns:a16="http://schemas.microsoft.com/office/drawing/2014/main" id="{2F1787B1-ABF3-8745-0184-B92CBD9FBD6D}"/>
-              </a:ext>
-            </a:extLst>
-          </p:cNvPr>
-          <p:cNvPicPr>
-            <a:picLocks noChangeAspect="1"/>
-          </p:cNvPicPr>
-          <p:nvPr/>
-        </p:nvPicPr>
-        <p:blipFill>
-          <a:blip r:embed="rId2"/>
-          <a:stretch>
-            <a:fillRect/>
-          </a:stretch>
-        </p:blipFill>
-        <p:spPr>
-          <a:xfrm>
-            <a:off x="4522618" y="2155274"/>
-            <a:ext cx="2255715" cy="853514"/>
-          </a:xfrm>
-          <a:prstGeom prst="rect">
-            <a:avLst/>
-          </a:prstGeom>
-        </p:spPr>
-      </p:pic>
-      <p:pic>
-        <p:nvPicPr>
-          <p:cNvPr id="8" name="Picture 7">
-            <a:extLst>
-              <a:ext uri="{FF2B5EF4-FFF2-40B4-BE49-F238E27FC236}">
-                <a16:creationId xmlns:a16="http://schemas.microsoft.com/office/drawing/2014/main" id="{2F391A3B-F100-9981-0696-B0FFA0B472FE}"/>
-              </a:ext>
-            </a:extLst>
-          </p:cNvPr>
-          <p:cNvPicPr>
-            <a:picLocks noChangeAspect="1"/>
-          </p:cNvPicPr>
-          <p:nvPr/>
-        </p:nvPicPr>
-        <p:blipFill>
-          <a:blip r:embed="rId3"/>
-          <a:stretch>
-            <a:fillRect/>
-          </a:stretch>
-        </p:blipFill>
-        <p:spPr>
-          <a:xfrm>
-            <a:off x="832789" y="2084207"/>
-            <a:ext cx="3177815" cy="3970364"/>
-          </a:xfrm>
-          <a:prstGeom prst="rect">
-            <a:avLst/>
-          </a:prstGeom>
-        </p:spPr>
-      </p:pic>
-      <p:pic>
-        <p:nvPicPr>
-          <p:cNvPr id="10" name="Picture 9">
-            <a:extLst>
-              <a:ext uri="{FF2B5EF4-FFF2-40B4-BE49-F238E27FC236}">
-                <a16:creationId xmlns:a16="http://schemas.microsoft.com/office/drawing/2014/main" id="{0D3FC0B4-815D-886C-E6C5-29FAAF0C0DD3}"/>
-              </a:ext>
-            </a:extLst>
-          </p:cNvPr>
-          <p:cNvPicPr>
-            <a:picLocks noChangeAspect="1"/>
-          </p:cNvPicPr>
-          <p:nvPr/>
-        </p:nvPicPr>
-        <p:blipFill>
-          <a:blip r:embed="rId4"/>
-          <a:stretch>
-            <a:fillRect/>
-          </a:stretch>
-        </p:blipFill>
-        <p:spPr>
-          <a:xfrm>
-            <a:off x="4305300" y="3532002"/>
-            <a:ext cx="7617411" cy="2758679"/>
-          </a:xfrm>
-          <a:prstGeom prst="rect">
-            <a:avLst/>
-          </a:prstGeom>
-        </p:spPr>
-      </p:pic>
     </p:spTree>
     <p:extLst>
       <p:ext uri="{BB962C8B-B14F-4D97-AF65-F5344CB8AC3E}">
-        <p14:creationId xmlns:p14="http://schemas.microsoft.com/office/powerpoint/2010/main" val="321121795"/>
+        <p14:creationId xmlns:p14="http://schemas.microsoft.com/office/powerpoint/2010/main" val="1309004539"/>
       </p:ext>
     </p:extLst>
   </p:cSld>
@@ -17247,8 +17261,8 @@
         </p:nvSpPr>
         <p:spPr>
           <a:xfrm>
-            <a:off x="292962" y="727969"/>
-            <a:ext cx="5237825" cy="761957"/>
+            <a:off x="292963" y="727969"/>
+            <a:ext cx="4634144" cy="761957"/>
           </a:xfrm>
         </p:spPr>
         <p:txBody>
@@ -17258,8 +17272,8 @@
           <a:lstStyle/>
           <a:p>
             <a:r>
-              <a:rPr lang="en-US" sz="3200" dirty="0"/>
-              <a:t>Data Preprocessing</a:t>
+              <a:rPr lang="en-US" sz="3600" dirty="0"/>
+              <a:t>Data Understanding</a:t>
             </a:r>
           </a:p>
         </p:txBody>
@@ -17290,28 +17304,7 @@
           <a:bodyPr/>
           <a:lstStyle/>
           <a:p>
-            <a:r>
-              <a:rPr lang="en-US" dirty="0"/>
-              <a:t>1- Data Cleaning </a:t>
-            </a:r>
-          </a:p>
-          <a:p>
-            <a:r>
-              <a:rPr lang="en-US" dirty="0"/>
-              <a:t>	- Check for outliers and deal with them</a:t>
-            </a:r>
-          </a:p>
-          <a:p>
-            <a:r>
-              <a:rPr lang="en-US" dirty="0"/>
-              <a:t>	- Check for missing values</a:t>
-            </a:r>
-          </a:p>
-          <a:p>
-            <a:r>
-              <a:rPr lang="en-US" dirty="0"/>
-              <a:t>2- Create new features</a:t>
-            </a:r>
+            <a:endParaRPr lang="en-US" dirty="0"/>
           </a:p>
           <a:p>
             <a:endParaRPr lang="en-US" dirty="0"/>
@@ -17510,7 +17503,7 @@
             <a:fld id="{6FCA8E82-58CD-E045-8B98-B7A85B79B752}" type="datetime4">
               <a:rPr lang="en-US" smtClean="0"/>
               <a:pPr/>
-              <a:t>December 23, 2023</a:t>
+              <a:t>January 1, 2024</a:t>
             </a:fld>
             <a:endParaRPr lang="en-US" dirty="0"/>
           </a:p>
@@ -17518,10 +17511,10 @@
       </p:sp>
       <p:pic>
         <p:nvPicPr>
-          <p:cNvPr id="7" name="Picture 6">
-            <a:extLst>
-              <a:ext uri="{FF2B5EF4-FFF2-40B4-BE49-F238E27FC236}">
-                <a16:creationId xmlns:a16="http://schemas.microsoft.com/office/drawing/2014/main" id="{B2F382F8-3A5B-4D43-197E-C32378E23181}"/>
+          <p:cNvPr id="6" name="Picture 5">
+            <a:extLst>
+              <a:ext uri="{FF2B5EF4-FFF2-40B4-BE49-F238E27FC236}">
+                <a16:creationId xmlns:a16="http://schemas.microsoft.com/office/drawing/2014/main" id="{2F1787B1-ABF3-8745-0184-B92CBD9FBD6D}"/>
               </a:ext>
             </a:extLst>
           </p:cNvPr>
@@ -17538,8 +17531,8 @@
         </p:blipFill>
         <p:spPr>
           <a:xfrm>
-            <a:off x="7225862" y="2568571"/>
-            <a:ext cx="4723329" cy="4206605"/>
+            <a:off x="6675221" y="1034449"/>
+            <a:ext cx="2255715" cy="853514"/>
           </a:xfrm>
           <a:prstGeom prst="rect">
             <a:avLst/>
@@ -17548,10 +17541,10 @@
       </p:pic>
       <p:pic>
         <p:nvPicPr>
-          <p:cNvPr id="11" name="Picture 10">
-            <a:extLst>
-              <a:ext uri="{FF2B5EF4-FFF2-40B4-BE49-F238E27FC236}">
-                <a16:creationId xmlns:a16="http://schemas.microsoft.com/office/drawing/2014/main" id="{CCE8BBB7-B68E-C101-93F5-986AF831043A}"/>
+          <p:cNvPr id="8" name="Picture 7">
+            <a:extLst>
+              <a:ext uri="{FF2B5EF4-FFF2-40B4-BE49-F238E27FC236}">
+                <a16:creationId xmlns:a16="http://schemas.microsoft.com/office/drawing/2014/main" id="{2F391A3B-F100-9981-0696-B0FFA0B472FE}"/>
               </a:ext>
             </a:extLst>
           </p:cNvPr>
@@ -17568,18 +17561,442 @@
         </p:blipFill>
         <p:spPr>
           <a:xfrm>
-            <a:off x="1081459" y="3874537"/>
-            <a:ext cx="5732095" cy="2705334"/>
+            <a:off x="6497668" y="2185103"/>
+            <a:ext cx="3177815" cy="3970364"/>
           </a:xfrm>
           <a:prstGeom prst="rect">
             <a:avLst/>
           </a:prstGeom>
         </p:spPr>
       </p:pic>
+      <p:sp>
+        <p:nvSpPr>
+          <p:cNvPr id="3" name="TextBox 2">
+            <a:extLst>
+              <a:ext uri="{FF2B5EF4-FFF2-40B4-BE49-F238E27FC236}">
+                <a16:creationId xmlns:a16="http://schemas.microsoft.com/office/drawing/2014/main" id="{D358AFA8-0315-7C86-5221-E76E93DF1C1F}"/>
+              </a:ext>
+            </a:extLst>
+          </p:cNvPr>
+          <p:cNvSpPr txBox="1"/>
+          <p:nvPr/>
+        </p:nvSpPr>
+        <p:spPr>
+          <a:xfrm>
+            <a:off x="413157" y="2286000"/>
+            <a:ext cx="5157926" cy="3139321"/>
+          </a:xfrm>
+          <a:prstGeom prst="rect">
+            <a:avLst/>
+          </a:prstGeom>
+          <a:noFill/>
+        </p:spPr>
+        <p:txBody>
+          <a:bodyPr wrap="square" rtlCol="0">
+            <a:spAutoFit/>
+          </a:bodyPr>
+          <a:lstStyle/>
+          <a:p>
+            <a:pPr algn="l"/>
+            <a:r>
+              <a:rPr lang="en-US" i="0" dirty="0">
+                <a:solidFill>
+                  <a:schemeClr val="bg1"/>
+                </a:solidFill>
+                <a:effectLst/>
+                <a:latin typeface="-apple-system"/>
+              </a:rPr>
+              <a:t>The Dataset consists of 100000 rows and 24 columns, With no missing values and no duplicates.</a:t>
+            </a:r>
+          </a:p>
+          <a:p>
+            <a:pPr algn="l"/>
+            <a:endParaRPr lang="en-US" dirty="0">
+              <a:solidFill>
+                <a:schemeClr val="bg1"/>
+              </a:solidFill>
+              <a:latin typeface="-apple-system"/>
+              <a:cs typeface="Calibri" panose="020F0502020204030204" pitchFamily="34" charset="0"/>
+            </a:endParaRPr>
+          </a:p>
+          <a:p>
+            <a:pPr algn="l"/>
+            <a:r>
+              <a:rPr lang="en-US" i="0" dirty="0">
+                <a:solidFill>
+                  <a:schemeClr val="bg1"/>
+                </a:solidFill>
+                <a:effectLst/>
+                <a:latin typeface="Calibri" panose="020F0502020204030204" pitchFamily="34" charset="0"/>
+                <a:cs typeface="Calibri" panose="020F0502020204030204" pitchFamily="34" charset="0"/>
+              </a:rPr>
+              <a:t>The Dataset covers only 3 Countries Germany, France, Austria.</a:t>
+            </a:r>
+          </a:p>
+          <a:p>
+            <a:pPr algn="l"/>
+            <a:endParaRPr lang="en-US" i="0" dirty="0">
+              <a:solidFill>
+                <a:schemeClr val="bg1"/>
+              </a:solidFill>
+              <a:effectLst/>
+              <a:latin typeface="Calibri" panose="020F0502020204030204" pitchFamily="34" charset="0"/>
+              <a:cs typeface="Calibri" panose="020F0502020204030204" pitchFamily="34" charset="0"/>
+            </a:endParaRPr>
+          </a:p>
+          <a:p>
+            <a:pPr algn="l"/>
+            <a:r>
+              <a:rPr lang="en-US" i="0" dirty="0">
+                <a:solidFill>
+                  <a:schemeClr val="bg1"/>
+                </a:solidFill>
+                <a:effectLst/>
+                <a:latin typeface="-apple-system"/>
+              </a:rPr>
+              <a:t>The Dataset covers weekly sales happened from 28 Dec 2014 to 30 April 2017</a:t>
+            </a:r>
+          </a:p>
+          <a:p>
+            <a:pPr algn="l"/>
+            <a:endParaRPr lang="en-US" i="0" dirty="0">
+              <a:solidFill>
+                <a:schemeClr val="bg1"/>
+              </a:solidFill>
+              <a:effectLst/>
+              <a:latin typeface="-apple-system"/>
+            </a:endParaRPr>
+          </a:p>
+          <a:p>
+            <a:pPr algn="l"/>
+            <a:r>
+              <a:rPr lang="en-US" i="0" dirty="0">
+                <a:solidFill>
+                  <a:schemeClr val="bg1"/>
+                </a:solidFill>
+                <a:effectLst/>
+                <a:latin typeface="-apple-system"/>
+              </a:rPr>
+              <a:t>We are dealing with Imbalanced Dataset since, 13.9% have labels of value 1.</a:t>
+            </a:r>
+          </a:p>
+        </p:txBody>
+      </p:sp>
+      <p:sp>
+        <p:nvSpPr>
+          <p:cNvPr id="12" name="Rectangle 5">
+            <a:extLst>
+              <a:ext uri="{FF2B5EF4-FFF2-40B4-BE49-F238E27FC236}">
+                <a16:creationId xmlns:a16="http://schemas.microsoft.com/office/drawing/2014/main" id="{B23676A4-34EF-9D9F-28E1-DD228CA3F635}"/>
+              </a:ext>
+            </a:extLst>
+          </p:cNvPr>
+          <p:cNvSpPr>
+            <a:spLocks noChangeArrowheads="1"/>
+          </p:cNvSpPr>
+          <p:nvPr/>
+        </p:nvSpPr>
+        <p:spPr bwMode="auto">
+          <a:xfrm>
+            <a:off x="0" y="0"/>
+            <a:ext cx="12192000" cy="0"/>
+          </a:xfrm>
+          <a:prstGeom prst="rect">
+            <a:avLst/>
+          </a:prstGeom>
+          <a:noFill/>
+          <a:ln>
+            <a:noFill/>
+          </a:ln>
+          <a:effectLst/>
+          <a:extLst>
+            <a:ext uri="{909E8E84-426E-40DD-AFC4-6F175D3DCCD1}">
+              <a14:hiddenFill xmlns:a14="http://schemas.microsoft.com/office/drawing/2010/main">
+                <a:solidFill>
+                  <a:schemeClr val="accent1"/>
+                </a:solidFill>
+              </a14:hiddenFill>
+            </a:ext>
+            <a:ext uri="{91240B29-F687-4F45-9708-019B960494DF}">
+              <a14:hiddenLine xmlns:a14="http://schemas.microsoft.com/office/drawing/2010/main" w="9525">
+                <a:solidFill>
+                  <a:schemeClr val="tx1"/>
+                </a:solidFill>
+                <a:miter lim="800000"/>
+                <a:headEnd/>
+                <a:tailEnd/>
+              </a14:hiddenLine>
+            </a:ext>
+            <a:ext uri="{AF507438-7753-43E0-B8FC-AC1667EBCBE1}">
+              <a14:hiddenEffects xmlns:a14="http://schemas.microsoft.com/office/drawing/2010/main">
+                <a:effectLst>
+                  <a:outerShdw dist="35921" dir="2700000" algn="ctr" rotWithShape="0">
+                    <a:schemeClr val="bg2"/>
+                  </a:outerShdw>
+                </a:effectLst>
+              </a14:hiddenEffects>
+            </a:ext>
+          </a:extLst>
+        </p:spPr>
+        <p:txBody>
+          <a:bodyPr vert="horz" wrap="none" lIns="91440" tIns="0" rIns="91440" bIns="111090" numCol="1" anchor="ctr" anchorCtr="0" compatLnSpc="1">
+            <a:prstTxWarp prst="textNoShape">
+              <a:avLst/>
+            </a:prstTxWarp>
+            <a:spAutoFit/>
+          </a:bodyPr>
+          <a:lstStyle/>
+          <a:p>
+            <a:pPr marL="0" marR="0" lvl="0" indent="0" algn="l" defTabSz="914400" rtl="0" eaLnBrk="0" fontAlgn="base" latinLnBrk="0" hangingPunct="0">
+              <a:lnSpc>
+                <a:spcPct val="100000"/>
+              </a:lnSpc>
+              <a:spcBef>
+                <a:spcPct val="0"/>
+              </a:spcBef>
+              <a:spcAft>
+                <a:spcPct val="0"/>
+              </a:spcAft>
+              <a:buClrTx/>
+              <a:buSzTx/>
+              <a:buFontTx/>
+              <a:buNone/>
+              <a:tabLst/>
+            </a:pPr>
+            <a:endParaRPr kumimoji="0" lang="en-US" altLang="en-US" sz="1800" b="0" i="0" u="none" strike="noStrike" cap="none" normalizeH="0" baseline="0">
+              <a:ln>
+                <a:noFill/>
+              </a:ln>
+              <a:solidFill>
+                <a:schemeClr val="tx1"/>
+              </a:solidFill>
+              <a:effectLst/>
+              <a:latin typeface="Arial" panose="020B0604020202020204" pitchFamily="34" charset="0"/>
+            </a:endParaRPr>
+          </a:p>
+          <a:p>
+            <a:pPr marL="0" marR="0" lvl="0" indent="0" algn="l" defTabSz="914400" rtl="0" eaLnBrk="0" fontAlgn="base" latinLnBrk="0" hangingPunct="0">
+              <a:lnSpc>
+                <a:spcPct val="100000"/>
+              </a:lnSpc>
+              <a:spcBef>
+                <a:spcPct val="0"/>
+              </a:spcBef>
+              <a:spcAft>
+                <a:spcPct val="0"/>
+              </a:spcAft>
+              <a:buClrTx/>
+              <a:buSzTx/>
+              <a:buFontTx/>
+              <a:buChar char="•"/>
+              <a:tabLst/>
+            </a:pPr>
+            <a:r>
+              <a:rPr kumimoji="0" lang="en-US" altLang="en-US" sz="1000" b="0" i="0" u="none" strike="noStrike" cap="none" normalizeH="0" baseline="0">
+                <a:ln>
+                  <a:noFill/>
+                </a:ln>
+                <a:solidFill>
+                  <a:srgbClr val="CCCCCC"/>
+                </a:solidFill>
+                <a:effectLst/>
+                <a:latin typeface="-apple-system"/>
+              </a:rPr>
+              <a:t>The Dataset covers weekly sales happened from </a:t>
+            </a:r>
+            <a:r>
+              <a:rPr kumimoji="0" lang="en-US" altLang="en-US" sz="1000" b="0" i="0" u="none" strike="noStrike" cap="none" normalizeH="0" baseline="0">
+                <a:ln>
+                  <a:noFill/>
+                </a:ln>
+                <a:solidFill>
+                  <a:srgbClr val="CCCCCC"/>
+                </a:solidFill>
+                <a:effectLst/>
+                <a:latin typeface="var(--vscode-editor-font-family, &quot;SF Mono&quot;, Monaco, Menlo, Consolas, &quot;Ubuntu Mono&quot;, &quot;Liberation Mono&quot;, &quot;DejaVu Sans Mono&quot;, &quot;Courier New&quot;, monospace)"/>
+              </a:rPr>
+              <a:t>28 Dec 2014</a:t>
+            </a:r>
+            <a:r>
+              <a:rPr kumimoji="0" lang="en-US" altLang="en-US" sz="1000" b="0" i="0" u="none" strike="noStrike" cap="none" normalizeH="0" baseline="0">
+                <a:ln>
+                  <a:noFill/>
+                </a:ln>
+                <a:solidFill>
+                  <a:srgbClr val="CCCCCC"/>
+                </a:solidFill>
+                <a:effectLst/>
+                <a:latin typeface="-apple-system"/>
+              </a:rPr>
+              <a:t> to </a:t>
+            </a:r>
+            <a:r>
+              <a:rPr kumimoji="0" lang="en-US" altLang="en-US" sz="1000" b="0" i="0" u="none" strike="noStrike" cap="none" normalizeH="0" baseline="0">
+                <a:ln>
+                  <a:noFill/>
+                </a:ln>
+                <a:solidFill>
+                  <a:srgbClr val="CCCCCC"/>
+                </a:solidFill>
+                <a:effectLst/>
+                <a:latin typeface="var(--vscode-editor-font-family, &quot;SF Mono&quot;, Monaco, Menlo, Consolas, &quot;Ubuntu Mono&quot;, &quot;Liberation Mono&quot;, &quot;DejaVu Sans Mono&quot;, &quot;Courier New&quot;, monospace)"/>
+              </a:rPr>
+              <a:t>30 April 2017</a:t>
+            </a:r>
+            <a:endParaRPr kumimoji="0" lang="en-US" altLang="en-US" sz="1000" b="0" i="0" u="none" strike="noStrike" cap="none" normalizeH="0" baseline="0">
+              <a:ln>
+                <a:noFill/>
+              </a:ln>
+              <a:solidFill>
+                <a:srgbClr val="CCCCCC"/>
+              </a:solidFill>
+              <a:effectLst/>
+              <a:latin typeface="-apple-system"/>
+            </a:endParaRPr>
+          </a:p>
+          <a:p>
+            <a:pPr marL="0" marR="0" lvl="0" indent="0" algn="l" defTabSz="914400" rtl="0" eaLnBrk="0" fontAlgn="base" latinLnBrk="0" hangingPunct="0">
+              <a:lnSpc>
+                <a:spcPct val="100000"/>
+              </a:lnSpc>
+              <a:spcBef>
+                <a:spcPct val="0"/>
+              </a:spcBef>
+              <a:spcAft>
+                <a:spcPct val="0"/>
+              </a:spcAft>
+              <a:buClrTx/>
+              <a:buSzTx/>
+              <a:buFontTx/>
+              <a:buChar char="•"/>
+              <a:tabLst/>
+            </a:pPr>
+            <a:r>
+              <a:rPr kumimoji="0" lang="en-US" altLang="en-US" sz="1000" b="0" i="0" u="none" strike="noStrike" cap="none" normalizeH="0" baseline="0">
+                <a:ln>
+                  <a:noFill/>
+                </a:ln>
+                <a:solidFill>
+                  <a:srgbClr val="CCCCCC"/>
+                </a:solidFill>
+                <a:effectLst/>
+                <a:latin typeface="-apple-system"/>
+              </a:rPr>
+              <a:t>We are dealing with </a:t>
+            </a:r>
+            <a:r>
+              <a:rPr kumimoji="0" lang="en-US" altLang="en-US" sz="1000" b="1" i="0" u="none" strike="noStrike" cap="none" normalizeH="0" baseline="0">
+                <a:ln>
+                  <a:noFill/>
+                </a:ln>
+                <a:solidFill>
+                  <a:srgbClr val="CCCCCC"/>
+                </a:solidFill>
+                <a:effectLst/>
+                <a:latin typeface="-apple-system"/>
+              </a:rPr>
+              <a:t>Imbalnced Dataset</a:t>
+            </a:r>
+            <a:r>
+              <a:rPr kumimoji="0" lang="en-US" altLang="en-US" sz="1000" b="0" i="0" u="none" strike="noStrike" cap="none" normalizeH="0" baseline="0">
+                <a:ln>
+                  <a:noFill/>
+                </a:ln>
+                <a:solidFill>
+                  <a:srgbClr val="CCCCCC"/>
+                </a:solidFill>
+                <a:effectLst/>
+                <a:latin typeface="-apple-system"/>
+              </a:rPr>
+              <a:t> since, </a:t>
+            </a:r>
+            <a:r>
+              <a:rPr kumimoji="0" lang="en-US" altLang="en-US" sz="1000" b="0" i="0" u="none" strike="noStrike" cap="none" normalizeH="0" baseline="0">
+                <a:ln>
+                  <a:noFill/>
+                </a:ln>
+                <a:solidFill>
+                  <a:srgbClr val="CCCCCC"/>
+                </a:solidFill>
+                <a:effectLst/>
+                <a:latin typeface="var(--vscode-editor-font-family, &quot;SF Mono&quot;, Monaco, Menlo, Consolas, &quot;Ubuntu Mono&quot;, &quot;Liberation Mono&quot;, &quot;DejaVu Sans Mono&quot;, &quot;Courier New&quot;, monospace)"/>
+              </a:rPr>
+              <a:t>13.9%</a:t>
+            </a:r>
+            <a:r>
+              <a:rPr kumimoji="0" lang="en-US" altLang="en-US" sz="1000" b="0" i="0" u="none" strike="noStrike" cap="none" normalizeH="0" baseline="0">
+                <a:ln>
+                  <a:noFill/>
+                </a:ln>
+                <a:solidFill>
+                  <a:srgbClr val="CCCCCC"/>
+                </a:solidFill>
+                <a:effectLst/>
+                <a:latin typeface="-apple-system"/>
+              </a:rPr>
+              <a:t> have labels of value </a:t>
+            </a:r>
+            <a:r>
+              <a:rPr kumimoji="0" lang="en-US" altLang="en-US" sz="1000" b="0" i="0" u="none" strike="noStrike" cap="none" normalizeH="0" baseline="0">
+                <a:ln>
+                  <a:noFill/>
+                </a:ln>
+                <a:solidFill>
+                  <a:srgbClr val="CCCCCC"/>
+                </a:solidFill>
+                <a:effectLst/>
+                <a:latin typeface="var(--vscode-editor-font-family, &quot;SF Mono&quot;, Monaco, Menlo, Consolas, &quot;Ubuntu Mono&quot;, &quot;Liberation Mono&quot;, &quot;DejaVu Sans Mono&quot;, &quot;Courier New&quot;, monospace)"/>
+              </a:rPr>
+              <a:t>1</a:t>
+            </a:r>
+            <a:r>
+              <a:rPr kumimoji="0" lang="en-US" altLang="en-US" sz="1000" b="0" i="0" u="none" strike="noStrike" cap="none" normalizeH="0" baseline="0">
+                <a:ln>
+                  <a:noFill/>
+                </a:ln>
+                <a:solidFill>
+                  <a:srgbClr val="CCCCCC"/>
+                </a:solidFill>
+                <a:effectLst/>
+                <a:latin typeface="-apple-system"/>
+              </a:rPr>
+              <a:t>.</a:t>
+            </a:r>
+          </a:p>
+          <a:p>
+            <a:pPr marL="0" marR="0" lvl="0" indent="0" algn="l" defTabSz="914400" rtl="0" eaLnBrk="0" fontAlgn="base" latinLnBrk="0" hangingPunct="0">
+              <a:lnSpc>
+                <a:spcPct val="100000"/>
+              </a:lnSpc>
+              <a:spcBef>
+                <a:spcPct val="0"/>
+              </a:spcBef>
+              <a:spcAft>
+                <a:spcPct val="0"/>
+              </a:spcAft>
+              <a:buClrTx/>
+              <a:buSzTx/>
+              <a:buFontTx/>
+              <a:buNone/>
+              <a:tabLst/>
+            </a:pPr>
+            <a:endParaRPr kumimoji="0" lang="en-US" altLang="en-US" sz="1800" b="0" i="0" u="none" strike="noStrike" cap="none" normalizeH="0" baseline="0">
+              <a:ln>
+                <a:noFill/>
+              </a:ln>
+              <a:solidFill>
+                <a:schemeClr val="tx1"/>
+              </a:solidFill>
+              <a:effectLst/>
+              <a:latin typeface="Arial" panose="020B0604020202020204" pitchFamily="34" charset="0"/>
+            </a:endParaRPr>
+          </a:p>
+        </p:txBody>
+      </p:sp>
     </p:spTree>
     <p:extLst>
       <p:ext uri="{BB962C8B-B14F-4D97-AF65-F5344CB8AC3E}">
-        <p14:creationId xmlns:p14="http://schemas.microsoft.com/office/powerpoint/2010/main" val="2253000557"/>
+        <p14:creationId xmlns:p14="http://schemas.microsoft.com/office/powerpoint/2010/main" val="321121795"/>
       </p:ext>
     </p:extLst>
   </p:cSld>
@@ -17636,7 +18053,7 @@
           <a:p>
             <a:r>
               <a:rPr lang="en-US" sz="3200" dirty="0"/>
-              <a:t>Exploratory Data Analysis</a:t>
+              <a:t>Data Preprocessing</a:t>
             </a:r>
           </a:p>
         </p:txBody>
@@ -17660,7 +18077,7 @@
         <p:spPr>
           <a:xfrm>
             <a:off x="952500" y="2286000"/>
-            <a:ext cx="5403912" cy="3768571"/>
+            <a:ext cx="7978436" cy="3768571"/>
           </a:xfrm>
         </p:spPr>
         <p:txBody>
@@ -17669,31 +18086,25 @@
           <a:p>
             <a:r>
               <a:rPr lang="en-US" dirty="0"/>
-              <a:t>Derive useful visualization:</a:t>
+              <a:t>1- Data Cleaning </a:t>
             </a:r>
           </a:p>
           <a:p>
             <a:r>
               <a:rPr lang="en-US" dirty="0"/>
-              <a:t>	- Correlation matrix</a:t>
+              <a:t>	- Check for outliers and deal with them</a:t>
             </a:r>
           </a:p>
           <a:p>
             <a:r>
               <a:rPr lang="en-US" dirty="0"/>
-              <a:t>	- pie plot, bar plot, histograms</a:t>
+              <a:t>	- Check for missing values( No missing values)</a:t>
             </a:r>
           </a:p>
           <a:p>
             <a:r>
               <a:rPr lang="en-US" dirty="0"/>
-              <a:t>	- Time series analysis</a:t>
-            </a:r>
-          </a:p>
-          <a:p>
-            <a:r>
-              <a:rPr lang="en-US" dirty="0"/>
-              <a:t>	- Explore the numerical attributes distributions</a:t>
+              <a:t>2- Create new features</a:t>
             </a:r>
           </a:p>
           <a:p>
@@ -17893,7 +18304,7 @@
             <a:fld id="{6FCA8E82-58CD-E045-8B98-B7A85B79B752}" type="datetime4">
               <a:rPr lang="en-US" smtClean="0"/>
               <a:pPr/>
-              <a:t>December 23, 2023</a:t>
+              <a:t>January 1, 2024</a:t>
             </a:fld>
             <a:endParaRPr lang="en-US" dirty="0"/>
           </a:p>
@@ -17901,10 +18312,10 @@
       </p:sp>
       <p:pic>
         <p:nvPicPr>
-          <p:cNvPr id="6" name="Picture 5" descr="A grid of squares with different colored squares&#10;&#10;Description automatically generated">
-            <a:extLst>
-              <a:ext uri="{FF2B5EF4-FFF2-40B4-BE49-F238E27FC236}">
-                <a16:creationId xmlns:a16="http://schemas.microsoft.com/office/drawing/2014/main" id="{66A86713-ADFF-F58C-1A4B-C3871DE33D21}"/>
+          <p:cNvPr id="7" name="Picture 6">
+            <a:extLst>
+              <a:ext uri="{FF2B5EF4-FFF2-40B4-BE49-F238E27FC236}">
+                <a16:creationId xmlns:a16="http://schemas.microsoft.com/office/drawing/2014/main" id="{B2F382F8-3A5B-4D43-197E-C32378E23181}"/>
               </a:ext>
             </a:extLst>
           </p:cNvPr>
@@ -17914,21 +18325,75 @@
           <p:nvPr/>
         </p:nvPicPr>
         <p:blipFill>
-          <a:blip r:embed="rId2">
-            <a:extLst>
-              <a:ext uri="{28A0092B-C50C-407E-A947-70E740481C1C}">
-                <a14:useLocalDpi xmlns:a14="http://schemas.microsoft.com/office/drawing/2010/main" val="0"/>
-              </a:ext>
-            </a:extLst>
-          </a:blip>
+          <a:blip r:embed="rId2"/>
           <a:stretch>
             <a:fillRect/>
           </a:stretch>
         </p:blipFill>
         <p:spPr>
           <a:xfrm>
-            <a:off x="6178858" y="0"/>
-            <a:ext cx="6013142" cy="6858000"/>
+            <a:off x="1139017" y="3915526"/>
+            <a:ext cx="4294117" cy="2540519"/>
+          </a:xfrm>
+          <a:prstGeom prst="rect">
+            <a:avLst/>
+          </a:prstGeom>
+        </p:spPr>
+      </p:pic>
+      <p:pic>
+        <p:nvPicPr>
+          <p:cNvPr id="9" name="Picture 8">
+            <a:extLst>
+              <a:ext uri="{FF2B5EF4-FFF2-40B4-BE49-F238E27FC236}">
+                <a16:creationId xmlns:a16="http://schemas.microsoft.com/office/drawing/2014/main" id="{8A41D68F-05D5-B647-7D31-439978537C18}"/>
+              </a:ext>
+            </a:extLst>
+          </p:cNvPr>
+          <p:cNvPicPr>
+            <a:picLocks noChangeAspect="1"/>
+          </p:cNvPicPr>
+          <p:nvPr/>
+        </p:nvPicPr>
+        <p:blipFill>
+          <a:blip r:embed="rId3"/>
+          <a:stretch>
+            <a:fillRect/>
+          </a:stretch>
+        </p:blipFill>
+        <p:spPr>
+          <a:xfrm>
+            <a:off x="6096000" y="803429"/>
+            <a:ext cx="5902957" cy="3152775"/>
+          </a:xfrm>
+          <a:prstGeom prst="rect">
+            <a:avLst/>
+          </a:prstGeom>
+        </p:spPr>
+      </p:pic>
+      <p:pic>
+        <p:nvPicPr>
+          <p:cNvPr id="12" name="Picture 11">
+            <a:extLst>
+              <a:ext uri="{FF2B5EF4-FFF2-40B4-BE49-F238E27FC236}">
+                <a16:creationId xmlns:a16="http://schemas.microsoft.com/office/drawing/2014/main" id="{EA99FBA4-D9B0-AD22-CAF3-CBCF202E7632}"/>
+              </a:ext>
+            </a:extLst>
+          </p:cNvPr>
+          <p:cNvPicPr>
+            <a:picLocks noChangeAspect="1"/>
+          </p:cNvPicPr>
+          <p:nvPr/>
+        </p:nvPicPr>
+        <p:blipFill>
+          <a:blip r:embed="rId4"/>
+          <a:stretch>
+            <a:fillRect/>
+          </a:stretch>
+        </p:blipFill>
+        <p:spPr>
+          <a:xfrm>
+            <a:off x="6095999" y="4109424"/>
+            <a:ext cx="5902958" cy="542925"/>
           </a:xfrm>
           <a:prstGeom prst="rect">
             <a:avLst/>
@@ -17938,7 +18403,7 @@
     </p:spTree>
     <p:extLst>
       <p:ext uri="{BB962C8B-B14F-4D97-AF65-F5344CB8AC3E}">
-        <p14:creationId xmlns:p14="http://schemas.microsoft.com/office/powerpoint/2010/main" val="4274053548"/>
+        <p14:creationId xmlns:p14="http://schemas.microsoft.com/office/powerpoint/2010/main" val="2253000557"/>
       </p:ext>
     </p:extLst>
   </p:cSld>
@@ -17995,7 +18460,7 @@
           <a:p>
             <a:r>
               <a:rPr lang="en-US" sz="3200" dirty="0"/>
-              <a:t>Feature Engineering</a:t>
+              <a:t>Exploratory Data Analysis</a:t>
             </a:r>
           </a:p>
         </p:txBody>
@@ -18028,26 +18493,35 @@
           <a:p>
             <a:r>
               <a:rPr lang="en-US" dirty="0"/>
-              <a:t>1 – Create test set before any step(data leakage)</a:t>
+              <a:t>Derive useful visualization:</a:t>
             </a:r>
           </a:p>
           <a:p>
             <a:r>
               <a:rPr lang="en-US" dirty="0"/>
-              <a:t>2 – Apply Feature Selection  </a:t>
+              <a:t>	- Correlation matrix</a:t>
             </a:r>
           </a:p>
           <a:p>
             <a:r>
               <a:rPr lang="en-US" dirty="0"/>
-              <a:t>3 – Handling categorical attributes</a:t>
+              <a:t>	- pie plot, bar plot, histograms</a:t>
             </a:r>
           </a:p>
           <a:p>
             <a:r>
               <a:rPr lang="en-US" dirty="0"/>
-              <a:t>4 – Apply Feature Scaling </a:t>
-            </a:r>
+              <a:t>	- Time series analysis</a:t>
+            </a:r>
+          </a:p>
+          <a:p>
+            <a:r>
+              <a:rPr lang="en-US" dirty="0"/>
+              <a:t>	- Explore the numerical attributes distributions</a:t>
+            </a:r>
+          </a:p>
+          <a:p>
+            <a:endParaRPr lang="en-US" dirty="0"/>
           </a:p>
         </p:txBody>
       </p:sp>
@@ -18243,7 +18717,7 @@
             <a:fld id="{6FCA8E82-58CD-E045-8B98-B7A85B79B752}" type="datetime4">
               <a:rPr lang="en-US" smtClean="0"/>
               <a:pPr/>
-              <a:t>December 23, 2023</a:t>
+              <a:t>January 1, 2024</a:t>
             </a:fld>
             <a:endParaRPr lang="en-US" dirty="0"/>
           </a:p>
@@ -18252,7 +18726,7 @@
     </p:spTree>
     <p:extLst>
       <p:ext uri="{BB962C8B-B14F-4D97-AF65-F5344CB8AC3E}">
-        <p14:creationId xmlns:p14="http://schemas.microsoft.com/office/powerpoint/2010/main" val="1797495244"/>
+        <p14:creationId xmlns:p14="http://schemas.microsoft.com/office/powerpoint/2010/main" val="4274053548"/>
       </p:ext>
     </p:extLst>
   </p:cSld>
@@ -18309,7 +18783,7 @@
           <a:p>
             <a:r>
               <a:rPr lang="en-US" sz="3200" dirty="0"/>
-              <a:t>Model building</a:t>
+              <a:t>Exploratory Data Analysis</a:t>
             </a:r>
           </a:p>
         </p:txBody>
@@ -18332,8 +18806,8 @@
         </p:nvSpPr>
         <p:spPr>
           <a:xfrm>
-            <a:off x="952500" y="2286001"/>
-            <a:ext cx="5208603" cy="2708598"/>
+            <a:off x="952500" y="2201662"/>
+            <a:ext cx="5403912" cy="3852909"/>
           </a:xfrm>
         </p:spPr>
         <p:txBody>
@@ -18342,44 +18816,250 @@
           <a:p>
             <a:r>
               <a:rPr lang="en-US" dirty="0"/>
-              <a:t>1 – Build Transformation pipeline</a:t>
+              <a:t>Correlation matrix:</a:t>
             </a:r>
           </a:p>
           <a:p>
             <a:r>
               <a:rPr lang="en-US" dirty="0"/>
-              <a:t>2 – Select and train a certain model</a:t>
-            </a:r>
-          </a:p>
-          <a:p>
+              <a:t>	</a:t>
+            </a:r>
+            <a:r>
+              <a:rPr lang="en-US" dirty="0">
+                <a:solidFill>
+                  <a:schemeClr val="bg1"/>
+                </a:solidFill>
+              </a:rPr>
+              <a:t>-</a:t>
+            </a:r>
             <a:r>
               <a:rPr lang="en-US" dirty="0"/>
-              <a:t>3 – apply cross-validation to these models</a:t>
-            </a:r>
-          </a:p>
-          <a:p>
+              <a:t> salesPerWeak</a:t>
+            </a:r>
+            <a:r>
+              <a:rPr lang="en-US" dirty="0">
+                <a:solidFill>
+                  <a:schemeClr val="bg1"/>
+                </a:solidFill>
+              </a:rPr>
+              <a:t>: </a:t>
+            </a:r>
+            <a:r>
+              <a:rPr lang="en-US" dirty="0">
+                <a:solidFill>
+                  <a:schemeClr val="bg1">
+                    <a:lumMod val="95000"/>
+                    <a:lumOff val="5000"/>
+                  </a:schemeClr>
+                </a:solidFill>
+              </a:rPr>
+              <a:t>has a small positive correlation with </a:t>
+            </a:r>
             <a:r>
               <a:rPr lang="en-US" dirty="0"/>
-              <a:t>4 _ Try Smote or Random over sampling</a:t>
-            </a:r>
-          </a:p>
-          <a:p>
+              <a:t>discount</a:t>
+            </a:r>
+            <a:r>
+              <a:rPr lang="en-US" dirty="0">
+                <a:solidFill>
+                  <a:schemeClr val="bg1">
+                    <a:lumMod val="95000"/>
+                    <a:lumOff val="5000"/>
+                  </a:schemeClr>
+                </a:solidFill>
+              </a:rPr>
+              <a:t> column.</a:t>
+            </a:r>
+          </a:p>
+          <a:p>
+            <a:r>
+              <a:rPr lang="en-US" dirty="0">
+                <a:solidFill>
+                  <a:schemeClr val="bg1">
+                    <a:lumMod val="95000"/>
+                    <a:lumOff val="5000"/>
+                  </a:schemeClr>
+                </a:solidFill>
+              </a:rPr>
+              <a:t>	-</a:t>
+            </a:r>
+            <a:r>
+              <a:rPr lang="en-US" dirty="0">
+                <a:solidFill>
+                  <a:schemeClr val="bg1"/>
+                </a:solidFill>
+              </a:rPr>
+              <a:t> </a:t>
+            </a:r>
+            <a:r>
+              <a:rPr lang="en-US" dirty="0" err="1"/>
+              <a:t>regular_prices</a:t>
+            </a:r>
+            <a:r>
+              <a:rPr lang="en-US" dirty="0">
+                <a:solidFill>
+                  <a:schemeClr val="bg1"/>
+                </a:solidFill>
+              </a:rPr>
+              <a:t>, </a:t>
+            </a:r>
+            <a:r>
+              <a:rPr lang="en-US" dirty="0" err="1"/>
+              <a:t>current_prices</a:t>
+            </a:r>
             <a:r>
               <a:rPr lang="en-US" dirty="0"/>
-              <a:t>4 – Fine Tuning the best models</a:t>
-            </a:r>
-          </a:p>
-          <a:p>
+              <a:t> </a:t>
+            </a:r>
+            <a:r>
+              <a:rPr lang="en-US" dirty="0">
+                <a:solidFill>
+                  <a:schemeClr val="bg1"/>
+                </a:solidFill>
+              </a:rPr>
+              <a:t>and </a:t>
+            </a:r>
             <a:r>
               <a:rPr lang="en-US" dirty="0"/>
-              <a:t>5 – Evaluate your system on the test set</a:t>
-            </a:r>
-          </a:p>
-          <a:p>
+              <a:t>profit</a:t>
+            </a:r>
+            <a:r>
+              <a:rPr lang="en-US" dirty="0">
+                <a:solidFill>
+                  <a:schemeClr val="bg1"/>
+                </a:solidFill>
+              </a:rPr>
+              <a:t> columns have a highly positive correlation</a:t>
+            </a:r>
+          </a:p>
+          <a:p>
+            <a:r>
+              <a:rPr lang="en-US" dirty="0">
+                <a:solidFill>
+                  <a:schemeClr val="bg1"/>
+                </a:solidFill>
+              </a:rPr>
+              <a:t>	- </a:t>
+            </a:r>
             <a:r>
               <a:rPr lang="en-US" dirty="0"/>
-              <a:t>6 – Import the best model</a:t>
-            </a:r>
+              <a:t>discount</a:t>
+            </a:r>
+            <a:r>
+              <a:rPr lang="en-US" dirty="0">
+                <a:solidFill>
+                  <a:schemeClr val="bg1"/>
+                </a:solidFill>
+              </a:rPr>
+              <a:t> has a negative correlation with </a:t>
+            </a:r>
+            <a:r>
+              <a:rPr lang="en-US" dirty="0"/>
+              <a:t>profit</a:t>
+            </a:r>
+            <a:r>
+              <a:rPr lang="en-US" dirty="0">
+                <a:solidFill>
+                  <a:schemeClr val="bg1"/>
+                </a:solidFill>
+              </a:rPr>
+              <a:t> </a:t>
+            </a:r>
+          </a:p>
+          <a:p>
+            <a:r>
+              <a:rPr lang="en-US" dirty="0">
+                <a:solidFill>
+                  <a:schemeClr val="bg1"/>
+                </a:solidFill>
+              </a:rPr>
+              <a:t>	- </a:t>
+            </a:r>
+            <a:r>
+              <a:rPr lang="en-US" dirty="0"/>
+              <a:t>discount</a:t>
+            </a:r>
+            <a:r>
+              <a:rPr lang="en-US" dirty="0">
+                <a:solidFill>
+                  <a:schemeClr val="bg1"/>
+                </a:solidFill>
+              </a:rPr>
+              <a:t> has a positive correlation with </a:t>
+            </a:r>
+            <a:r>
+              <a:rPr lang="en-US" dirty="0"/>
+              <a:t>month</a:t>
+            </a:r>
+            <a:r>
+              <a:rPr lang="en-US" dirty="0">
+                <a:solidFill>
+                  <a:schemeClr val="bg1"/>
+                </a:solidFill>
+              </a:rPr>
+              <a:t>.</a:t>
+            </a:r>
+          </a:p>
+          <a:p>
+            <a:r>
+              <a:rPr lang="en-US" dirty="0">
+                <a:solidFill>
+                  <a:schemeClr val="bg1"/>
+                </a:solidFill>
+              </a:rPr>
+              <a:t> 	- The </a:t>
+            </a:r>
+            <a:r>
+              <a:rPr lang="en-US" dirty="0"/>
+              <a:t>label</a:t>
+            </a:r>
+            <a:r>
+              <a:rPr lang="en-US" dirty="0">
+                <a:solidFill>
+                  <a:schemeClr val="bg1"/>
+                </a:solidFill>
+              </a:rPr>
+              <a:t> column:</a:t>
+            </a:r>
+          </a:p>
+          <a:p>
+            <a:r>
+              <a:rPr lang="en-US" dirty="0">
+                <a:solidFill>
+                  <a:schemeClr val="bg1"/>
+                </a:solidFill>
+              </a:rPr>
+              <a:t>	 	- Has a negative correlation with </a:t>
+            </a:r>
+            <a:r>
+              <a:rPr lang="en-US" dirty="0"/>
+              <a:t>discount</a:t>
+            </a:r>
+            <a:r>
+              <a:rPr lang="en-US" dirty="0">
+                <a:solidFill>
+                  <a:schemeClr val="bg1"/>
+                </a:solidFill>
+              </a:rPr>
+              <a:t> 	- has a small negative correlation with 	  </a:t>
+            </a:r>
+            <a:r>
+              <a:rPr lang="en-US" dirty="0"/>
+              <a:t>sales</a:t>
+            </a:r>
+            <a:r>
+              <a:rPr lang="en-US" dirty="0">
+                <a:solidFill>
+                  <a:schemeClr val="bg1"/>
+                </a:solidFill>
+              </a:rPr>
+              <a:t> and a small positive correlation    	  with </a:t>
+            </a:r>
+            <a:r>
+              <a:rPr lang="en-US" dirty="0" err="1"/>
+              <a:t>current_price</a:t>
+            </a:r>
+            <a:endParaRPr lang="en-US" dirty="0"/>
           </a:p>
         </p:txBody>
       </p:sp>
@@ -18575,7 +19255,7 @@
             <a:fld id="{6FCA8E82-58CD-E045-8B98-B7A85B79B752}" type="datetime4">
               <a:rPr lang="en-US" smtClean="0"/>
               <a:pPr/>
-              <a:t>December 23, 2023</a:t>
+              <a:t>January 1, 2024</a:t>
             </a:fld>
             <a:endParaRPr lang="en-US" dirty="0"/>
           </a:p>
@@ -18583,10 +19263,10 @@
       </p:sp>
       <p:pic>
         <p:nvPicPr>
-          <p:cNvPr id="6" name="Picture 5">
-            <a:extLst>
-              <a:ext uri="{FF2B5EF4-FFF2-40B4-BE49-F238E27FC236}">
-                <a16:creationId xmlns:a16="http://schemas.microsoft.com/office/drawing/2014/main" id="{89B2F895-A1D3-72B5-0343-03A31E1119C0}"/>
+          <p:cNvPr id="6" name="Picture 5" descr="A grid of squares with different colored squares&#10;&#10;Description automatically generated">
+            <a:extLst>
+              <a:ext uri="{FF2B5EF4-FFF2-40B4-BE49-F238E27FC236}">
+                <a16:creationId xmlns:a16="http://schemas.microsoft.com/office/drawing/2014/main" id="{66A86713-ADFF-F58C-1A4B-C3871DE33D21}"/>
               </a:ext>
             </a:extLst>
           </p:cNvPr>
@@ -18596,408 +19276,31 @@
           <p:nvPr/>
         </p:nvPicPr>
         <p:blipFill>
-          <a:blip r:embed="rId2"/>
+          <a:blip r:embed="rId2">
+            <a:extLst>
+              <a:ext uri="{28A0092B-C50C-407E-A947-70E740481C1C}">
+                <a14:useLocalDpi xmlns:a14="http://schemas.microsoft.com/office/drawing/2010/main" val="0"/>
+              </a:ext>
+            </a:extLst>
+          </a:blip>
           <a:stretch>
             <a:fillRect/>
           </a:stretch>
         </p:blipFill>
         <p:spPr>
           <a:xfrm>
-            <a:off x="6551710" y="1785353"/>
-            <a:ext cx="5157926" cy="1244396"/>
+            <a:off x="6178858" y="0"/>
+            <a:ext cx="6013142" cy="6858000"/>
           </a:xfrm>
           <a:prstGeom prst="rect">
             <a:avLst/>
           </a:prstGeom>
         </p:spPr>
       </p:pic>
-      <p:sp>
-        <p:nvSpPr>
-          <p:cNvPr id="7" name="Rectangle 6">
-            <a:extLst>
-              <a:ext uri="{FF2B5EF4-FFF2-40B4-BE49-F238E27FC236}">
-                <a16:creationId xmlns:a16="http://schemas.microsoft.com/office/drawing/2014/main" id="{BE40983B-4DF4-9834-E3BA-598E535A93D1}"/>
-              </a:ext>
-            </a:extLst>
-          </p:cNvPr>
-          <p:cNvSpPr/>
-          <p:nvPr/>
-        </p:nvSpPr>
-        <p:spPr>
-          <a:xfrm>
-            <a:off x="8637973" y="3626528"/>
-            <a:ext cx="3071674" cy="1615735"/>
-          </a:xfrm>
-          <a:prstGeom prst="rect">
-            <a:avLst/>
-          </a:prstGeom>
-        </p:spPr>
-        <p:style>
-          <a:lnRef idx="2">
-            <a:schemeClr val="accent1">
-              <a:shade val="15000"/>
-            </a:schemeClr>
-          </a:lnRef>
-          <a:fillRef idx="1">
-            <a:schemeClr val="accent1"/>
-          </a:fillRef>
-          <a:effectRef idx="0">
-            <a:schemeClr val="accent1"/>
-          </a:effectRef>
-          <a:fontRef idx="minor">
-            <a:schemeClr val="lt1"/>
-          </a:fontRef>
-        </p:style>
-        <p:txBody>
-          <a:bodyPr rtlCol="0" anchor="ctr"/>
-          <a:lstStyle/>
-          <a:p>
-            <a:pPr algn="ctr"/>
-            <a:endParaRPr lang="en-US" dirty="0"/>
-          </a:p>
-        </p:txBody>
-      </p:sp>
-      <p:cxnSp>
-        <p:nvCxnSpPr>
-          <p:cNvPr id="9" name="Straight Connector 8">
-            <a:extLst>
-              <a:ext uri="{FF2B5EF4-FFF2-40B4-BE49-F238E27FC236}">
-                <a16:creationId xmlns:a16="http://schemas.microsoft.com/office/drawing/2014/main" id="{156A008B-F4F7-E441-5A52-6412E7657232}"/>
-              </a:ext>
-            </a:extLst>
-          </p:cNvPr>
-          <p:cNvCxnSpPr>
-            <a:cxnSpLocks/>
-            <a:stCxn id="7" idx="0"/>
-          </p:cNvCxnSpPr>
-          <p:nvPr/>
-        </p:nvCxnSpPr>
-        <p:spPr>
-          <a:xfrm>
-            <a:off x="10173810" y="3626528"/>
-            <a:ext cx="62144" cy="497149"/>
-          </a:xfrm>
-          <a:prstGeom prst="line">
-            <a:avLst/>
-          </a:prstGeom>
-        </p:spPr>
-        <p:style>
-          <a:lnRef idx="1">
-            <a:schemeClr val="accent1"/>
-          </a:lnRef>
-          <a:fillRef idx="0">
-            <a:schemeClr val="accent1"/>
-          </a:fillRef>
-          <a:effectRef idx="0">
-            <a:schemeClr val="accent1"/>
-          </a:effectRef>
-          <a:fontRef idx="minor">
-            <a:schemeClr val="tx1"/>
-          </a:fontRef>
-        </p:style>
-      </p:cxnSp>
-      <p:cxnSp>
-        <p:nvCxnSpPr>
-          <p:cNvPr id="12" name="Straight Connector 11">
-            <a:extLst>
-              <a:ext uri="{FF2B5EF4-FFF2-40B4-BE49-F238E27FC236}">
-                <a16:creationId xmlns:a16="http://schemas.microsoft.com/office/drawing/2014/main" id="{42B1975F-8AAF-E384-3F6A-8F14EB91D93F}"/>
-              </a:ext>
-            </a:extLst>
-          </p:cNvPr>
-          <p:cNvCxnSpPr>
-            <a:cxnSpLocks/>
-            <a:stCxn id="7" idx="3"/>
-            <a:endCxn id="7" idx="1"/>
-          </p:cNvCxnSpPr>
-          <p:nvPr/>
-        </p:nvCxnSpPr>
-        <p:spPr>
-          <a:xfrm flipH="1">
-            <a:off x="8637973" y="4434396"/>
-            <a:ext cx="3071674" cy="0"/>
-          </a:xfrm>
-          <a:prstGeom prst="line">
-            <a:avLst/>
-          </a:prstGeom>
-        </p:spPr>
-        <p:style>
-          <a:lnRef idx="1">
-            <a:schemeClr val="dk1"/>
-          </a:lnRef>
-          <a:fillRef idx="0">
-            <a:schemeClr val="dk1"/>
-          </a:fillRef>
-          <a:effectRef idx="0">
-            <a:schemeClr val="dk1"/>
-          </a:effectRef>
-          <a:fontRef idx="minor">
-            <a:schemeClr val="tx1"/>
-          </a:fontRef>
-        </p:style>
-      </p:cxnSp>
-      <p:cxnSp>
-        <p:nvCxnSpPr>
-          <p:cNvPr id="17" name="Straight Connector 16">
-            <a:extLst>
-              <a:ext uri="{FF2B5EF4-FFF2-40B4-BE49-F238E27FC236}">
-                <a16:creationId xmlns:a16="http://schemas.microsoft.com/office/drawing/2014/main" id="{971DD357-7F45-AE55-7630-BF9151FBF51A}"/>
-              </a:ext>
-            </a:extLst>
-          </p:cNvPr>
-          <p:cNvCxnSpPr>
-            <a:cxnSpLocks/>
-            <a:stCxn id="7" idx="2"/>
-            <a:endCxn id="7" idx="0"/>
-          </p:cNvCxnSpPr>
-          <p:nvPr/>
-        </p:nvCxnSpPr>
-        <p:spPr>
-          <a:xfrm flipV="1">
-            <a:off x="10173810" y="3626528"/>
-            <a:ext cx="0" cy="1615735"/>
-          </a:xfrm>
-          <a:prstGeom prst="line">
-            <a:avLst/>
-          </a:prstGeom>
-        </p:spPr>
-        <p:style>
-          <a:lnRef idx="1">
-            <a:schemeClr val="accent1"/>
-          </a:lnRef>
-          <a:fillRef idx="0">
-            <a:schemeClr val="accent1"/>
-          </a:fillRef>
-          <a:effectRef idx="0">
-            <a:schemeClr val="accent1"/>
-          </a:effectRef>
-          <a:fontRef idx="minor">
-            <a:schemeClr val="tx1"/>
-          </a:fontRef>
-        </p:style>
-      </p:cxnSp>
-      <p:cxnSp>
-        <p:nvCxnSpPr>
-          <p:cNvPr id="21" name="Straight Connector 20">
-            <a:extLst>
-              <a:ext uri="{FF2B5EF4-FFF2-40B4-BE49-F238E27FC236}">
-                <a16:creationId xmlns:a16="http://schemas.microsoft.com/office/drawing/2014/main" id="{975DFBD1-DF0E-49AF-32BD-283ECEA9F4DB}"/>
-              </a:ext>
-            </a:extLst>
-          </p:cNvPr>
-          <p:cNvCxnSpPr>
-            <a:cxnSpLocks/>
-            <a:stCxn id="7" idx="2"/>
-            <a:endCxn id="7" idx="0"/>
-          </p:cNvCxnSpPr>
-          <p:nvPr/>
-        </p:nvCxnSpPr>
-        <p:spPr>
-          <a:xfrm flipV="1">
-            <a:off x="10173810" y="3626528"/>
-            <a:ext cx="0" cy="1615735"/>
-          </a:xfrm>
-          <a:prstGeom prst="line">
-            <a:avLst/>
-          </a:prstGeom>
-        </p:spPr>
-        <p:style>
-          <a:lnRef idx="1">
-            <a:schemeClr val="dk1"/>
-          </a:lnRef>
-          <a:fillRef idx="0">
-            <a:schemeClr val="dk1"/>
-          </a:fillRef>
-          <a:effectRef idx="0">
-            <a:schemeClr val="dk1"/>
-          </a:effectRef>
-          <a:fontRef idx="minor">
-            <a:schemeClr val="tx1"/>
-          </a:fontRef>
-        </p:style>
-      </p:cxnSp>
-      <p:sp>
-        <p:nvSpPr>
-          <p:cNvPr id="24" name="TextBox 23">
-            <a:extLst>
-              <a:ext uri="{FF2B5EF4-FFF2-40B4-BE49-F238E27FC236}">
-                <a16:creationId xmlns:a16="http://schemas.microsoft.com/office/drawing/2014/main" id="{4D26C8D0-6DFD-568D-094B-53CD6C434F38}"/>
-              </a:ext>
-            </a:extLst>
-          </p:cNvPr>
-          <p:cNvSpPr txBox="1"/>
-          <p:nvPr/>
-        </p:nvSpPr>
-        <p:spPr>
-          <a:xfrm>
-            <a:off x="8877670" y="3803627"/>
-            <a:ext cx="2831966" cy="369332"/>
-          </a:xfrm>
-          <a:prstGeom prst="rect">
-            <a:avLst/>
-          </a:prstGeom>
-          <a:noFill/>
-        </p:spPr>
-        <p:txBody>
-          <a:bodyPr wrap="square" rtlCol="0">
-            <a:spAutoFit/>
-          </a:bodyPr>
-          <a:lstStyle/>
-          <a:p>
-            <a:r>
-              <a:rPr lang="en-US" dirty="0"/>
-              <a:t>12759                    4375</a:t>
-            </a:r>
-          </a:p>
-        </p:txBody>
-      </p:sp>
-      <p:sp>
-        <p:nvSpPr>
-          <p:cNvPr id="28" name="TextBox 27">
-            <a:extLst>
-              <a:ext uri="{FF2B5EF4-FFF2-40B4-BE49-F238E27FC236}">
-                <a16:creationId xmlns:a16="http://schemas.microsoft.com/office/drawing/2014/main" id="{CB327ECC-0A97-EE6D-CD83-B0F4B89817A8}"/>
-              </a:ext>
-            </a:extLst>
-          </p:cNvPr>
-          <p:cNvSpPr txBox="1"/>
-          <p:nvPr/>
-        </p:nvSpPr>
-        <p:spPr>
-          <a:xfrm>
-            <a:off x="8877681" y="4640677"/>
-            <a:ext cx="2831966" cy="369332"/>
-          </a:xfrm>
-          <a:prstGeom prst="rect">
-            <a:avLst/>
-          </a:prstGeom>
-          <a:noFill/>
-        </p:spPr>
-        <p:txBody>
-          <a:bodyPr wrap="square" rtlCol="0">
-            <a:spAutoFit/>
-          </a:bodyPr>
-          <a:lstStyle/>
-          <a:p>
-            <a:r>
-              <a:rPr lang="en-US" dirty="0"/>
-              <a:t>   440                     2426</a:t>
-            </a:r>
-          </a:p>
-        </p:txBody>
-      </p:sp>
-      <p:sp>
-        <p:nvSpPr>
-          <p:cNvPr id="29" name="TextBox 28">
-            <a:extLst>
-              <a:ext uri="{FF2B5EF4-FFF2-40B4-BE49-F238E27FC236}">
-                <a16:creationId xmlns:a16="http://schemas.microsoft.com/office/drawing/2014/main" id="{5C666DF6-76D7-46E6-7185-0428120AB28F}"/>
-              </a:ext>
-            </a:extLst>
-          </p:cNvPr>
-          <p:cNvSpPr txBox="1"/>
-          <p:nvPr/>
-        </p:nvSpPr>
-        <p:spPr>
-          <a:xfrm>
-            <a:off x="9050779" y="3089956"/>
-            <a:ext cx="2485748" cy="369332"/>
-          </a:xfrm>
-          <a:prstGeom prst="rect">
-            <a:avLst/>
-          </a:prstGeom>
-          <a:noFill/>
-        </p:spPr>
-        <p:txBody>
-          <a:bodyPr wrap="square" rtlCol="0">
-            <a:spAutoFit/>
-          </a:bodyPr>
-          <a:lstStyle/>
-          <a:p>
-            <a:r>
-              <a:rPr lang="en-US" dirty="0">
-                <a:solidFill>
-                  <a:schemeClr val="bg1"/>
-                </a:solidFill>
-              </a:rPr>
-              <a:t>Confusion Matrix</a:t>
-            </a:r>
-          </a:p>
-        </p:txBody>
-      </p:sp>
-      <p:sp>
-        <p:nvSpPr>
-          <p:cNvPr id="34" name="TextBox 33">
-            <a:extLst>
-              <a:ext uri="{FF2B5EF4-FFF2-40B4-BE49-F238E27FC236}">
-                <a16:creationId xmlns:a16="http://schemas.microsoft.com/office/drawing/2014/main" id="{B9B80916-1DE0-9A97-8F3B-27BEEF02FF83}"/>
-              </a:ext>
-            </a:extLst>
-          </p:cNvPr>
-          <p:cNvSpPr txBox="1"/>
-          <p:nvPr/>
-        </p:nvSpPr>
-        <p:spPr>
-          <a:xfrm>
-            <a:off x="5681709" y="3799188"/>
-            <a:ext cx="2894121" cy="1200329"/>
-          </a:xfrm>
-          <a:prstGeom prst="rect">
-            <a:avLst/>
-          </a:prstGeom>
-          <a:noFill/>
-        </p:spPr>
-        <p:txBody>
-          <a:bodyPr wrap="square" rtlCol="0">
-            <a:spAutoFit/>
-          </a:bodyPr>
-          <a:lstStyle/>
-          <a:p>
-            <a:r>
-              <a:rPr lang="en-US" dirty="0">
-                <a:solidFill>
-                  <a:schemeClr val="bg1"/>
-                </a:solidFill>
-              </a:rPr>
-              <a:t>True Negatives(TN): 12759</a:t>
-            </a:r>
-          </a:p>
-          <a:p>
-            <a:r>
-              <a:rPr lang="en-US" dirty="0">
-                <a:solidFill>
-                  <a:schemeClr val="bg1"/>
-                </a:solidFill>
-              </a:rPr>
-              <a:t>True Positives(TP): 2426</a:t>
-            </a:r>
-          </a:p>
-          <a:p>
-            <a:r>
-              <a:rPr lang="en-US" dirty="0">
-                <a:solidFill>
-                  <a:schemeClr val="bg1"/>
-                </a:solidFill>
-              </a:rPr>
-              <a:t>False Negatives(FN): 440</a:t>
-            </a:r>
-          </a:p>
-          <a:p>
-            <a:r>
-              <a:rPr lang="en-US" dirty="0">
-                <a:solidFill>
-                  <a:schemeClr val="bg1"/>
-                </a:solidFill>
-              </a:rPr>
-              <a:t>False Positives(FP): 4375</a:t>
-            </a:r>
-          </a:p>
-        </p:txBody>
-      </p:sp>
     </p:spTree>
     <p:extLst>
       <p:ext uri="{BB962C8B-B14F-4D97-AF65-F5344CB8AC3E}">
-        <p14:creationId xmlns:p14="http://schemas.microsoft.com/office/powerpoint/2010/main" val="2668556874"/>
+        <p14:creationId xmlns:p14="http://schemas.microsoft.com/office/powerpoint/2010/main" val="3706878126"/>
       </p:ext>
     </p:extLst>
   </p:cSld>
@@ -19052,12 +19355,9 @@
           </a:bodyPr>
           <a:lstStyle/>
           <a:p>
-            <a:br>
+            <a:r>
               <a:rPr lang="en-US" sz="3200" dirty="0"/>
-            </a:br>
-            <a:r>
-              <a:rPr lang="en-US" sz="3200" dirty="0"/>
-              <a:t>     Things To try next</a:t>
+              <a:t>Exploratory Data Analysis</a:t>
             </a:r>
           </a:p>
         </p:txBody>
@@ -19080,8 +19380,8 @@
         </p:nvSpPr>
         <p:spPr>
           <a:xfrm>
-            <a:off x="952500" y="2286001"/>
-            <a:ext cx="10410917" cy="2708598"/>
+            <a:off x="520637" y="2191262"/>
+            <a:ext cx="5403912" cy="3852909"/>
           </a:xfrm>
         </p:spPr>
         <p:txBody>
@@ -19090,46 +19390,141 @@
           <a:p>
             <a:r>
               <a:rPr lang="en-US" dirty="0"/>
-              <a:t>1 – Exploratory Data Analysis</a:t>
-            </a:r>
-          </a:p>
-          <a:p>
-            <a:r>
-              <a:rPr lang="en-US" dirty="0"/>
-              <a:t>	- Convert RGB columns to colors and figure out if there is a correlation between purchases and colors</a:t>
-            </a:r>
-          </a:p>
-          <a:p>
-            <a:r>
-              <a:rPr lang="en-US" dirty="0"/>
-              <a:t>	- Get the top purchased items for each country, Get the most important customer in each country.</a:t>
-            </a:r>
-          </a:p>
-          <a:p>
-            <a:r>
-              <a:rPr lang="en-US" dirty="0"/>
-              <a:t>	- Get the average price of purchased items, and see if low prices, high prices affect sales or not.</a:t>
-            </a:r>
-          </a:p>
-          <a:p>
-            <a:r>
-              <a:rPr lang="en-US" dirty="0"/>
-              <a:t>	- Use unsupervised visualization </a:t>
-            </a:r>
-            <a:r>
-              <a:rPr lang="en-US" dirty="0" err="1"/>
-              <a:t>techinques</a:t>
-            </a:r>
-            <a:r>
-              <a:rPr lang="en-US" dirty="0"/>
-              <a:t> to identify clusters in the data.</a:t>
-            </a:r>
-          </a:p>
-          <a:p>
-            <a:r>
-              <a:rPr lang="en-US" dirty="0"/>
-              <a:t>	- Use Time-series Analysis</a:t>
-            </a:r>
+              <a:t>Explore Numerical Columns:</a:t>
+            </a:r>
+          </a:p>
+          <a:p>
+            <a:r>
+              <a:rPr lang="en-US" b="0" dirty="0">
+                <a:solidFill>
+                  <a:srgbClr val="CCCCCC"/>
+                </a:solidFill>
+                <a:effectLst/>
+                <a:latin typeface="Consolas" panose="020B0609020204030204" pitchFamily="49" charset="0"/>
+              </a:rPr>
+              <a:t>  </a:t>
+            </a:r>
+            <a:r>
+              <a:rPr lang="en-US" b="0" dirty="0">
+                <a:solidFill>
+                  <a:schemeClr val="bg1"/>
+                </a:solidFill>
+                <a:effectLst/>
+                <a:latin typeface="Consolas" panose="020B0609020204030204" pitchFamily="49" charset="0"/>
+              </a:rPr>
+              <a:t>  - </a:t>
+            </a:r>
+            <a:r>
+              <a:rPr lang="en-US" b="1" dirty="0">
+                <a:solidFill>
+                  <a:schemeClr val="bg1"/>
+                </a:solidFill>
+                <a:effectLst/>
+                <a:latin typeface="Consolas" panose="020B0609020204030204" pitchFamily="49" charset="0"/>
+              </a:rPr>
+              <a:t>The 3 columns </a:t>
+            </a:r>
+            <a:r>
+              <a:rPr lang="en-US" b="1" dirty="0" err="1">
+                <a:effectLst/>
+                <a:latin typeface="Consolas" panose="020B0609020204030204" pitchFamily="49" charset="0"/>
+              </a:rPr>
+              <a:t>salesPerWeek</a:t>
+            </a:r>
+            <a:r>
+              <a:rPr lang="en-US" b="1" dirty="0">
+                <a:solidFill>
+                  <a:schemeClr val="bg1"/>
+                </a:solidFill>
+                <a:effectLst/>
+                <a:latin typeface="Consolas" panose="020B0609020204030204" pitchFamily="49" charset="0"/>
+              </a:rPr>
+              <a:t>, 	</a:t>
+            </a:r>
+            <a:r>
+              <a:rPr lang="en-US" b="1" dirty="0" err="1">
+                <a:effectLst/>
+                <a:latin typeface="Consolas" panose="020B0609020204030204" pitchFamily="49" charset="0"/>
+              </a:rPr>
+              <a:t>regular_prices</a:t>
+            </a:r>
+            <a:r>
+              <a:rPr lang="en-US" b="1" dirty="0">
+                <a:solidFill>
+                  <a:schemeClr val="bg1"/>
+                </a:solidFill>
+                <a:effectLst/>
+                <a:latin typeface="Consolas" panose="020B0609020204030204" pitchFamily="49" charset="0"/>
+              </a:rPr>
+              <a:t>, </a:t>
+            </a:r>
+            <a:r>
+              <a:rPr lang="en-US" b="1" dirty="0" err="1">
+                <a:effectLst/>
+                <a:latin typeface="Consolas" panose="020B0609020204030204" pitchFamily="49" charset="0"/>
+              </a:rPr>
+              <a:t>current_prices</a:t>
+            </a:r>
+            <a:r>
+              <a:rPr lang="en-US" b="1" dirty="0">
+                <a:effectLst/>
+                <a:latin typeface="Consolas" panose="020B0609020204030204" pitchFamily="49" charset="0"/>
+              </a:rPr>
+              <a:t> 	</a:t>
+            </a:r>
+            <a:r>
+              <a:rPr lang="en-US" b="1" dirty="0">
+                <a:solidFill>
+                  <a:schemeClr val="bg1"/>
+                </a:solidFill>
+                <a:effectLst/>
+                <a:latin typeface="Consolas" panose="020B0609020204030204" pitchFamily="49" charset="0"/>
+              </a:rPr>
+              <a:t>have a heavy tailed distribution, 	it might be helpful to take the 	log of values, to make it look 	more gaussian before we feature 	scale it.</a:t>
+            </a:r>
+            <a:endParaRPr lang="en-US" b="0" dirty="0">
+              <a:solidFill>
+                <a:schemeClr val="bg1"/>
+              </a:solidFill>
+              <a:effectLst/>
+              <a:latin typeface="Consolas" panose="020B0609020204030204" pitchFamily="49" charset="0"/>
+            </a:endParaRPr>
+          </a:p>
+          <a:p>
+            <a:r>
+              <a:rPr lang="en-US" b="0" dirty="0">
+                <a:solidFill>
+                  <a:schemeClr val="bg1"/>
+                </a:solidFill>
+                <a:effectLst/>
+                <a:latin typeface="Consolas" panose="020B0609020204030204" pitchFamily="49" charset="0"/>
+              </a:rPr>
+              <a:t>    - </a:t>
+            </a:r>
+            <a:r>
+              <a:rPr lang="en-US" b="1" dirty="0" err="1">
+                <a:effectLst/>
+                <a:latin typeface="Consolas" panose="020B0609020204030204" pitchFamily="49" charset="0"/>
+              </a:rPr>
+              <a:t>customer_id</a:t>
+            </a:r>
+            <a:r>
+              <a:rPr lang="en-US" b="1" dirty="0">
+                <a:solidFill>
+                  <a:schemeClr val="bg1"/>
+                </a:solidFill>
+                <a:effectLst/>
+                <a:latin typeface="Consolas" panose="020B0609020204030204" pitchFamily="49" charset="0"/>
+              </a:rPr>
+              <a:t> doesn't seem to have 	any value, so it is better to not 	use it.</a:t>
+            </a:r>
+            <a:endParaRPr lang="en-US" b="0" dirty="0">
+              <a:solidFill>
+                <a:schemeClr val="bg1"/>
+              </a:solidFill>
+              <a:effectLst/>
+              <a:latin typeface="Consolas" panose="020B0609020204030204" pitchFamily="49" charset="0"/>
+            </a:endParaRPr>
           </a:p>
         </p:txBody>
       </p:sp>
@@ -19325,51 +19720,52 @@
             <a:fld id="{6FCA8E82-58CD-E045-8B98-B7A85B79B752}" type="datetime4">
               <a:rPr lang="en-US" smtClean="0"/>
               <a:pPr/>
-              <a:t>December 23, 2023</a:t>
+              <a:t>January 1, 2024</a:t>
             </a:fld>
             <a:endParaRPr lang="en-US" dirty="0"/>
           </a:p>
         </p:txBody>
       </p:sp>
-      <p:sp>
-        <p:nvSpPr>
-          <p:cNvPr id="28" name="TextBox 27">
-            <a:extLst>
-              <a:ext uri="{FF2B5EF4-FFF2-40B4-BE49-F238E27FC236}">
-                <a16:creationId xmlns:a16="http://schemas.microsoft.com/office/drawing/2014/main" id="{CB327ECC-0A97-EE6D-CD83-B0F4B89817A8}"/>
-              </a:ext>
-            </a:extLst>
-          </p:cNvPr>
-          <p:cNvSpPr txBox="1"/>
+      <p:pic>
+        <p:nvPicPr>
+          <p:cNvPr id="7" name="Picture 6" descr="A group of graphs with numbers&#10;&#10;Description automatically generated">
+            <a:extLst>
+              <a:ext uri="{FF2B5EF4-FFF2-40B4-BE49-F238E27FC236}">
+                <a16:creationId xmlns:a16="http://schemas.microsoft.com/office/drawing/2014/main" id="{1DCC6340-AF63-69FA-B774-A6553113B408}"/>
+              </a:ext>
+            </a:extLst>
+          </p:cNvPr>
+          <p:cNvPicPr>
+            <a:picLocks noChangeAspect="1"/>
+          </p:cNvPicPr>
           <p:nvPr/>
-        </p:nvSpPr>
-        <p:spPr>
-          <a:xfrm>
-            <a:off x="8877681" y="4640677"/>
-            <a:ext cx="2831966" cy="369332"/>
+        </p:nvPicPr>
+        <p:blipFill>
+          <a:blip r:embed="rId2">
+            <a:extLst>
+              <a:ext uri="{28A0092B-C50C-407E-A947-70E740481C1C}">
+                <a14:useLocalDpi xmlns:a14="http://schemas.microsoft.com/office/drawing/2010/main" val="0"/>
+              </a:ext>
+            </a:extLst>
+          </a:blip>
+          <a:stretch>
+            <a:fillRect/>
+          </a:stretch>
+        </p:blipFill>
+        <p:spPr>
+          <a:xfrm>
+            <a:off x="6137070" y="0"/>
+            <a:ext cx="6054930" cy="6858000"/>
           </a:xfrm>
           <a:prstGeom prst="rect">
             <a:avLst/>
           </a:prstGeom>
-          <a:noFill/>
-        </p:spPr>
-        <p:txBody>
-          <a:bodyPr wrap="square" rtlCol="0">
-            <a:spAutoFit/>
-          </a:bodyPr>
-          <a:lstStyle/>
-          <a:p>
-            <a:r>
-              <a:rPr lang="en-US" dirty="0"/>
-              <a:t>   440                     2426</a:t>
-            </a:r>
-          </a:p>
-        </p:txBody>
-      </p:sp>
+        </p:spPr>
+      </p:pic>
     </p:spTree>
     <p:extLst>
       <p:ext uri="{BB962C8B-B14F-4D97-AF65-F5344CB8AC3E}">
-        <p14:creationId xmlns:p14="http://schemas.microsoft.com/office/powerpoint/2010/main" val="972980028"/>
+        <p14:creationId xmlns:p14="http://schemas.microsoft.com/office/powerpoint/2010/main" val="782606217"/>
       </p:ext>
     </p:extLst>
   </p:cSld>
@@ -19424,12 +19820,9 @@
           </a:bodyPr>
           <a:lstStyle/>
           <a:p>
-            <a:br>
+            <a:r>
               <a:rPr lang="en-US" sz="3200" dirty="0"/>
-            </a:br>
-            <a:r>
-              <a:rPr lang="en-US" sz="3200" dirty="0"/>
-              <a:t>     Things To try next</a:t>
+              <a:t>Feature Engineering</a:t>
             </a:r>
           </a:p>
         </p:txBody>
@@ -19452,8 +19845,8 @@
         </p:nvSpPr>
         <p:spPr>
           <a:xfrm>
-            <a:off x="952500" y="2286001"/>
-            <a:ext cx="10410917" cy="2708598"/>
+            <a:off x="952500" y="2286000"/>
+            <a:ext cx="4844618" cy="3768571"/>
           </a:xfrm>
         </p:spPr>
         <p:txBody>
@@ -19462,37 +19855,53 @@
           <a:p>
             <a:r>
               <a:rPr lang="en-US" dirty="0"/>
-              <a:t>2 – Feature Engineering</a:t>
+              <a:t>1 – Create test set</a:t>
+            </a:r>
+          </a:p>
+          <a:p>
+            <a:pPr marL="742950" lvl="1" indent="-285750">
+              <a:buFont typeface="Arial" panose="020B0604020202020204" pitchFamily="34" charset="0"/>
+              <a:buChar char="•"/>
+            </a:pPr>
+            <a:r>
+              <a:rPr lang="en-US" sz="1800" dirty="0">
+                <a:solidFill>
+                  <a:schemeClr val="bg1"/>
+                </a:solidFill>
+              </a:rPr>
+              <a:t>before any step to avoid data leakage</a:t>
+            </a:r>
+          </a:p>
+          <a:p>
+            <a:pPr marL="742950" lvl="1" indent="-285750">
+              <a:buFont typeface="Arial" panose="020B0604020202020204" pitchFamily="34" charset="0"/>
+              <a:buChar char="•"/>
+            </a:pPr>
+            <a:r>
+              <a:rPr lang="en-US" sz="1800" dirty="0">
+                <a:solidFill>
+                  <a:schemeClr val="bg1"/>
+                </a:solidFill>
+              </a:rPr>
+              <a:t>Used Stratified sampling</a:t>
             </a:r>
           </a:p>
           <a:p>
             <a:r>
               <a:rPr lang="en-US" dirty="0"/>
-              <a:t>	- Take the logarithm of Heavy Tailed distribution attributes before scaling.</a:t>
+              <a:t>2 – Apply Feature Selection  </a:t>
             </a:r>
           </a:p>
           <a:p>
             <a:r>
               <a:rPr lang="en-US" dirty="0"/>
-              <a:t>	- Get the top purchased items for each country, Get the most important customer in each country.</a:t>
+              <a:t>3 – Handling categorical attributes</a:t>
             </a:r>
           </a:p>
           <a:p>
             <a:r>
               <a:rPr lang="en-US" dirty="0"/>
-              <a:t>	-  Encode style column to ordinal encoder</a:t>
-            </a:r>
-          </a:p>
-          <a:p>
-            <a:r>
-              <a:rPr lang="en-US" dirty="0"/>
-              <a:t>	-  Better Feature Selection </a:t>
-            </a:r>
-          </a:p>
-          <a:p>
-            <a:r>
-              <a:rPr lang="en-US" dirty="0"/>
-              <a:t>	-  Write function for all data transformations</a:t>
+              <a:t>4 – Apply Feature Scaling </a:t>
             </a:r>
           </a:p>
         </p:txBody>
@@ -19689,51 +20098,16 @@
             <a:fld id="{6FCA8E82-58CD-E045-8B98-B7A85B79B752}" type="datetime4">
               <a:rPr lang="en-US" smtClean="0"/>
               <a:pPr/>
-              <a:t>December 23, 2023</a:t>
+              <a:t>January 1, 2024</a:t>
             </a:fld>
             <a:endParaRPr lang="en-US" dirty="0"/>
-          </a:p>
-        </p:txBody>
-      </p:sp>
-      <p:sp>
-        <p:nvSpPr>
-          <p:cNvPr id="28" name="TextBox 27">
-            <a:extLst>
-              <a:ext uri="{FF2B5EF4-FFF2-40B4-BE49-F238E27FC236}">
-                <a16:creationId xmlns:a16="http://schemas.microsoft.com/office/drawing/2014/main" id="{CB327ECC-0A97-EE6D-CD83-B0F4B89817A8}"/>
-              </a:ext>
-            </a:extLst>
-          </p:cNvPr>
-          <p:cNvSpPr txBox="1"/>
-          <p:nvPr/>
-        </p:nvSpPr>
-        <p:spPr>
-          <a:xfrm>
-            <a:off x="8877681" y="4640677"/>
-            <a:ext cx="2831966" cy="369332"/>
-          </a:xfrm>
-          <a:prstGeom prst="rect">
-            <a:avLst/>
-          </a:prstGeom>
-          <a:noFill/>
-        </p:spPr>
-        <p:txBody>
-          <a:bodyPr wrap="square" rtlCol="0">
-            <a:spAutoFit/>
-          </a:bodyPr>
-          <a:lstStyle/>
-          <a:p>
-            <a:r>
-              <a:rPr lang="en-US" dirty="0"/>
-              <a:t>   440                     2426</a:t>
-            </a:r>
           </a:p>
         </p:txBody>
       </p:sp>
     </p:spTree>
     <p:extLst>
       <p:ext uri="{BB962C8B-B14F-4D97-AF65-F5344CB8AC3E}">
-        <p14:creationId xmlns:p14="http://schemas.microsoft.com/office/powerpoint/2010/main" val="1383837218"/>
+        <p14:creationId xmlns:p14="http://schemas.microsoft.com/office/powerpoint/2010/main" val="1797495244"/>
       </p:ext>
     </p:extLst>
   </p:cSld>
@@ -19788,12 +20162,9 @@
           </a:bodyPr>
           <a:lstStyle/>
           <a:p>
-            <a:br>
+            <a:r>
               <a:rPr lang="en-US" sz="3200" dirty="0"/>
-            </a:br>
-            <a:r>
-              <a:rPr lang="en-US" sz="3200" dirty="0"/>
-              <a:t>     Things To try next</a:t>
+              <a:t>Model building</a:t>
             </a:r>
           </a:p>
         </p:txBody>
@@ -19817,7 +20188,7 @@
         <p:spPr>
           <a:xfrm>
             <a:off x="952500" y="2286001"/>
-            <a:ext cx="10410917" cy="2708598"/>
+            <a:ext cx="5208603" cy="2708598"/>
           </a:xfrm>
         </p:spPr>
         <p:txBody>
@@ -19826,45 +20197,43 @@
           <a:p>
             <a:r>
               <a:rPr lang="en-US" dirty="0"/>
-              <a:t>3 – Model Building</a:t>
+              <a:t>1 – Build Transformation pipeline</a:t>
             </a:r>
           </a:p>
           <a:p>
             <a:r>
               <a:rPr lang="en-US" dirty="0"/>
-              <a:t>	-  Try Random over sampling and compare it with Smote over sampling </a:t>
+              <a:t>2 – Select and train a certain model</a:t>
             </a:r>
           </a:p>
           <a:p>
             <a:r>
               <a:rPr lang="en-US" dirty="0"/>
-              <a:t>	-  Try different ensemble methods.</a:t>
+              <a:t>3 – apply cross-validation to these models</a:t>
             </a:r>
           </a:p>
           <a:p>
             <a:r>
               <a:rPr lang="en-US" dirty="0"/>
-              <a:t>	-  Try PCA with the best model </a:t>
+              <a:t>4 _ Try Smote or Random over sampling</a:t>
             </a:r>
           </a:p>
           <a:p>
             <a:r>
               <a:rPr lang="en-US" dirty="0"/>
-              <a:t>	-  Analyze the best models and their errors, feature </a:t>
-            </a:r>
-            <a:r>
-              <a:rPr lang="en-US" dirty="0" err="1"/>
-              <a:t>importances</a:t>
-            </a:r>
+              <a:t>4 – Fine Tuning the best models</a:t>
+            </a:r>
+          </a:p>
+          <a:p>
             <a:r>
               <a:rPr lang="en-US" dirty="0"/>
-              <a:t> and remove useless features</a:t>
+              <a:t>5 – Evaluate your system on the test set</a:t>
             </a:r>
           </a:p>
           <a:p>
             <a:r>
               <a:rPr lang="en-US" dirty="0"/>
-              <a:t>	-  Write function for all data transformations</a:t>
+              <a:t>6 – Import the best model</a:t>
             </a:r>
           </a:p>
         </p:txBody>
@@ -20061,18 +20430,253 @@
             <a:fld id="{6FCA8E82-58CD-E045-8B98-B7A85B79B752}" type="datetime4">
               <a:rPr lang="en-US" smtClean="0"/>
               <a:pPr/>
-              <a:t>December 23, 2023</a:t>
+              <a:t>January 1, 2024</a:t>
             </a:fld>
             <a:endParaRPr lang="en-US" dirty="0"/>
           </a:p>
         </p:txBody>
       </p:sp>
-      <p:sp>
-        <p:nvSpPr>
-          <p:cNvPr id="28" name="TextBox 27">
-            <a:extLst>
-              <a:ext uri="{FF2B5EF4-FFF2-40B4-BE49-F238E27FC236}">
-                <a16:creationId xmlns:a16="http://schemas.microsoft.com/office/drawing/2014/main" id="{CB327ECC-0A97-EE6D-CD83-B0F4B89817A8}"/>
+      <p:pic>
+        <p:nvPicPr>
+          <p:cNvPr id="6" name="Picture 5">
+            <a:extLst>
+              <a:ext uri="{FF2B5EF4-FFF2-40B4-BE49-F238E27FC236}">
+                <a16:creationId xmlns:a16="http://schemas.microsoft.com/office/drawing/2014/main" id="{89B2F895-A1D3-72B5-0343-03A31E1119C0}"/>
+              </a:ext>
+            </a:extLst>
+          </p:cNvPr>
+          <p:cNvPicPr>
+            <a:picLocks noChangeAspect="1"/>
+          </p:cNvPicPr>
+          <p:nvPr/>
+        </p:nvPicPr>
+        <p:blipFill>
+          <a:blip r:embed="rId2"/>
+          <a:stretch>
+            <a:fillRect/>
+          </a:stretch>
+        </p:blipFill>
+        <p:spPr>
+          <a:xfrm>
+            <a:off x="6551710" y="1785353"/>
+            <a:ext cx="5157926" cy="1244396"/>
+          </a:xfrm>
+          <a:prstGeom prst="rect">
+            <a:avLst/>
+          </a:prstGeom>
+        </p:spPr>
+      </p:pic>
+      <p:sp>
+        <p:nvSpPr>
+          <p:cNvPr id="7" name="Rectangle 6">
+            <a:extLst>
+              <a:ext uri="{FF2B5EF4-FFF2-40B4-BE49-F238E27FC236}">
+                <a16:creationId xmlns:a16="http://schemas.microsoft.com/office/drawing/2014/main" id="{BE40983B-4DF4-9834-E3BA-598E535A93D1}"/>
+              </a:ext>
+            </a:extLst>
+          </p:cNvPr>
+          <p:cNvSpPr/>
+          <p:nvPr/>
+        </p:nvSpPr>
+        <p:spPr>
+          <a:xfrm>
+            <a:off x="8637973" y="3626528"/>
+            <a:ext cx="3071674" cy="1615735"/>
+          </a:xfrm>
+          <a:prstGeom prst="rect">
+            <a:avLst/>
+          </a:prstGeom>
+        </p:spPr>
+        <p:style>
+          <a:lnRef idx="2">
+            <a:schemeClr val="accent1">
+              <a:shade val="15000"/>
+            </a:schemeClr>
+          </a:lnRef>
+          <a:fillRef idx="1">
+            <a:schemeClr val="accent1"/>
+          </a:fillRef>
+          <a:effectRef idx="0">
+            <a:schemeClr val="accent1"/>
+          </a:effectRef>
+          <a:fontRef idx="minor">
+            <a:schemeClr val="lt1"/>
+          </a:fontRef>
+        </p:style>
+        <p:txBody>
+          <a:bodyPr rtlCol="0" anchor="ctr"/>
+          <a:lstStyle/>
+          <a:p>
+            <a:pPr algn="ctr"/>
+            <a:endParaRPr lang="en-US" dirty="0"/>
+          </a:p>
+        </p:txBody>
+      </p:sp>
+      <p:cxnSp>
+        <p:nvCxnSpPr>
+          <p:cNvPr id="9" name="Straight Connector 8">
+            <a:extLst>
+              <a:ext uri="{FF2B5EF4-FFF2-40B4-BE49-F238E27FC236}">
+                <a16:creationId xmlns:a16="http://schemas.microsoft.com/office/drawing/2014/main" id="{156A008B-F4F7-E441-5A52-6412E7657232}"/>
+              </a:ext>
+            </a:extLst>
+          </p:cNvPr>
+          <p:cNvCxnSpPr>
+            <a:cxnSpLocks/>
+            <a:stCxn id="7" idx="0"/>
+          </p:cNvCxnSpPr>
+          <p:nvPr/>
+        </p:nvCxnSpPr>
+        <p:spPr>
+          <a:xfrm>
+            <a:off x="10173810" y="3626528"/>
+            <a:ext cx="62144" cy="497149"/>
+          </a:xfrm>
+          <a:prstGeom prst="line">
+            <a:avLst/>
+          </a:prstGeom>
+        </p:spPr>
+        <p:style>
+          <a:lnRef idx="1">
+            <a:schemeClr val="accent1"/>
+          </a:lnRef>
+          <a:fillRef idx="0">
+            <a:schemeClr val="accent1"/>
+          </a:fillRef>
+          <a:effectRef idx="0">
+            <a:schemeClr val="accent1"/>
+          </a:effectRef>
+          <a:fontRef idx="minor">
+            <a:schemeClr val="tx1"/>
+          </a:fontRef>
+        </p:style>
+      </p:cxnSp>
+      <p:cxnSp>
+        <p:nvCxnSpPr>
+          <p:cNvPr id="12" name="Straight Connector 11">
+            <a:extLst>
+              <a:ext uri="{FF2B5EF4-FFF2-40B4-BE49-F238E27FC236}">
+                <a16:creationId xmlns:a16="http://schemas.microsoft.com/office/drawing/2014/main" id="{42B1975F-8AAF-E384-3F6A-8F14EB91D93F}"/>
+              </a:ext>
+            </a:extLst>
+          </p:cNvPr>
+          <p:cNvCxnSpPr>
+            <a:cxnSpLocks/>
+            <a:stCxn id="7" idx="3"/>
+            <a:endCxn id="7" idx="1"/>
+          </p:cNvCxnSpPr>
+          <p:nvPr/>
+        </p:nvCxnSpPr>
+        <p:spPr>
+          <a:xfrm flipH="1">
+            <a:off x="8637973" y="4434396"/>
+            <a:ext cx="3071674" cy="0"/>
+          </a:xfrm>
+          <a:prstGeom prst="line">
+            <a:avLst/>
+          </a:prstGeom>
+        </p:spPr>
+        <p:style>
+          <a:lnRef idx="1">
+            <a:schemeClr val="dk1"/>
+          </a:lnRef>
+          <a:fillRef idx="0">
+            <a:schemeClr val="dk1"/>
+          </a:fillRef>
+          <a:effectRef idx="0">
+            <a:schemeClr val="dk1"/>
+          </a:effectRef>
+          <a:fontRef idx="minor">
+            <a:schemeClr val="tx1"/>
+          </a:fontRef>
+        </p:style>
+      </p:cxnSp>
+      <p:cxnSp>
+        <p:nvCxnSpPr>
+          <p:cNvPr id="17" name="Straight Connector 16">
+            <a:extLst>
+              <a:ext uri="{FF2B5EF4-FFF2-40B4-BE49-F238E27FC236}">
+                <a16:creationId xmlns:a16="http://schemas.microsoft.com/office/drawing/2014/main" id="{971DD357-7F45-AE55-7630-BF9151FBF51A}"/>
+              </a:ext>
+            </a:extLst>
+          </p:cNvPr>
+          <p:cNvCxnSpPr>
+            <a:cxnSpLocks/>
+            <a:stCxn id="7" idx="2"/>
+            <a:endCxn id="7" idx="0"/>
+          </p:cNvCxnSpPr>
+          <p:nvPr/>
+        </p:nvCxnSpPr>
+        <p:spPr>
+          <a:xfrm flipV="1">
+            <a:off x="10173810" y="3626528"/>
+            <a:ext cx="0" cy="1615735"/>
+          </a:xfrm>
+          <a:prstGeom prst="line">
+            <a:avLst/>
+          </a:prstGeom>
+        </p:spPr>
+        <p:style>
+          <a:lnRef idx="1">
+            <a:schemeClr val="accent1"/>
+          </a:lnRef>
+          <a:fillRef idx="0">
+            <a:schemeClr val="accent1"/>
+          </a:fillRef>
+          <a:effectRef idx="0">
+            <a:schemeClr val="accent1"/>
+          </a:effectRef>
+          <a:fontRef idx="minor">
+            <a:schemeClr val="tx1"/>
+          </a:fontRef>
+        </p:style>
+      </p:cxnSp>
+      <p:cxnSp>
+        <p:nvCxnSpPr>
+          <p:cNvPr id="21" name="Straight Connector 20">
+            <a:extLst>
+              <a:ext uri="{FF2B5EF4-FFF2-40B4-BE49-F238E27FC236}">
+                <a16:creationId xmlns:a16="http://schemas.microsoft.com/office/drawing/2014/main" id="{975DFBD1-DF0E-49AF-32BD-283ECEA9F4DB}"/>
+              </a:ext>
+            </a:extLst>
+          </p:cNvPr>
+          <p:cNvCxnSpPr>
+            <a:cxnSpLocks/>
+            <a:stCxn id="7" idx="2"/>
+            <a:endCxn id="7" idx="0"/>
+          </p:cNvCxnSpPr>
+          <p:nvPr/>
+        </p:nvCxnSpPr>
+        <p:spPr>
+          <a:xfrm flipV="1">
+            <a:off x="10173810" y="3626528"/>
+            <a:ext cx="0" cy="1615735"/>
+          </a:xfrm>
+          <a:prstGeom prst="line">
+            <a:avLst/>
+          </a:prstGeom>
+        </p:spPr>
+        <p:style>
+          <a:lnRef idx="1">
+            <a:schemeClr val="dk1"/>
+          </a:lnRef>
+          <a:fillRef idx="0">
+            <a:schemeClr val="dk1"/>
+          </a:fillRef>
+          <a:effectRef idx="0">
+            <a:schemeClr val="dk1"/>
+          </a:effectRef>
+          <a:fontRef idx="minor">
+            <a:schemeClr val="tx1"/>
+          </a:fontRef>
+        </p:style>
+      </p:cxnSp>
+      <p:sp>
+        <p:nvSpPr>
+          <p:cNvPr id="24" name="TextBox 23">
+            <a:extLst>
+              <a:ext uri="{FF2B5EF4-FFF2-40B4-BE49-F238E27FC236}">
+                <a16:creationId xmlns:a16="http://schemas.microsoft.com/office/drawing/2014/main" id="{4D26C8D0-6DFD-568D-094B-53CD6C434F38}"/>
               </a:ext>
             </a:extLst>
           </p:cNvPr>
@@ -20081,7 +20685,7 @@
         </p:nvSpPr>
         <p:spPr>
           <a:xfrm>
-            <a:off x="8877681" y="4640677"/>
+            <a:off x="8877670" y="3803627"/>
             <a:ext cx="2831966" cy="369332"/>
           </a:xfrm>
           <a:prstGeom prst="rect">
@@ -20097,7 +20701,150 @@
           <a:p>
             <a:r>
               <a:rPr lang="en-US" dirty="0"/>
+              <a:t>12759                    4375</a:t>
+            </a:r>
+          </a:p>
+        </p:txBody>
+      </p:sp>
+      <p:sp>
+        <p:nvSpPr>
+          <p:cNvPr id="28" name="TextBox 27">
+            <a:extLst>
+              <a:ext uri="{FF2B5EF4-FFF2-40B4-BE49-F238E27FC236}">
+                <a16:creationId xmlns:a16="http://schemas.microsoft.com/office/drawing/2014/main" id="{CB327ECC-0A97-EE6D-CD83-B0F4B89817A8}"/>
+              </a:ext>
+            </a:extLst>
+          </p:cNvPr>
+          <p:cNvSpPr txBox="1"/>
+          <p:nvPr/>
+        </p:nvSpPr>
+        <p:spPr>
+          <a:xfrm>
+            <a:off x="8877681" y="4640677"/>
+            <a:ext cx="2831966" cy="369332"/>
+          </a:xfrm>
+          <a:prstGeom prst="rect">
+            <a:avLst/>
+          </a:prstGeom>
+          <a:noFill/>
+        </p:spPr>
+        <p:txBody>
+          <a:bodyPr wrap="square" rtlCol="0">
+            <a:spAutoFit/>
+          </a:bodyPr>
+          <a:lstStyle/>
+          <a:p>
+            <a:r>
+              <a:rPr lang="en-US" dirty="0"/>
               <a:t>   440                     2426</a:t>
+            </a:r>
+          </a:p>
+        </p:txBody>
+      </p:sp>
+      <p:sp>
+        <p:nvSpPr>
+          <p:cNvPr id="29" name="TextBox 28">
+            <a:extLst>
+              <a:ext uri="{FF2B5EF4-FFF2-40B4-BE49-F238E27FC236}">
+                <a16:creationId xmlns:a16="http://schemas.microsoft.com/office/drawing/2014/main" id="{5C666DF6-76D7-46E6-7185-0428120AB28F}"/>
+              </a:ext>
+            </a:extLst>
+          </p:cNvPr>
+          <p:cNvSpPr txBox="1"/>
+          <p:nvPr/>
+        </p:nvSpPr>
+        <p:spPr>
+          <a:xfrm>
+            <a:off x="9050779" y="3089956"/>
+            <a:ext cx="2485748" cy="369332"/>
+          </a:xfrm>
+          <a:prstGeom prst="rect">
+            <a:avLst/>
+          </a:prstGeom>
+          <a:noFill/>
+        </p:spPr>
+        <p:txBody>
+          <a:bodyPr wrap="square" rtlCol="0">
+            <a:spAutoFit/>
+          </a:bodyPr>
+          <a:lstStyle/>
+          <a:p>
+            <a:r>
+              <a:rPr lang="en-US" dirty="0">
+                <a:solidFill>
+                  <a:schemeClr val="bg1"/>
+                </a:solidFill>
+              </a:rPr>
+              <a:t>Confusion Matrix</a:t>
+            </a:r>
+          </a:p>
+        </p:txBody>
+      </p:sp>
+      <p:sp>
+        <p:nvSpPr>
+          <p:cNvPr id="34" name="TextBox 33">
+            <a:extLst>
+              <a:ext uri="{FF2B5EF4-FFF2-40B4-BE49-F238E27FC236}">
+                <a16:creationId xmlns:a16="http://schemas.microsoft.com/office/drawing/2014/main" id="{B9B80916-1DE0-9A97-8F3B-27BEEF02FF83}"/>
+              </a:ext>
+            </a:extLst>
+          </p:cNvPr>
+          <p:cNvSpPr txBox="1"/>
+          <p:nvPr/>
+        </p:nvSpPr>
+        <p:spPr>
+          <a:xfrm>
+            <a:off x="5681709" y="3799188"/>
+            <a:ext cx="2894121" cy="1200329"/>
+          </a:xfrm>
+          <a:prstGeom prst="rect">
+            <a:avLst/>
+          </a:prstGeom>
+          <a:noFill/>
+        </p:spPr>
+        <p:txBody>
+          <a:bodyPr wrap="square" rtlCol="0">
+            <a:spAutoFit/>
+          </a:bodyPr>
+          <a:lstStyle/>
+          <a:p>
+            <a:r>
+              <a:rPr lang="en-US" dirty="0">
+                <a:solidFill>
+                  <a:schemeClr val="bg1"/>
+                </a:solidFill>
+              </a:rPr>
+              <a:t>True Negatives(TN): 12759</a:t>
+            </a:r>
+          </a:p>
+          <a:p>
+            <a:r>
+              <a:rPr lang="en-US" dirty="0">
+                <a:solidFill>
+                  <a:schemeClr val="bg1"/>
+                </a:solidFill>
+              </a:rPr>
+              <a:t>True Positives(TP): 2426</a:t>
+            </a:r>
+          </a:p>
+          <a:p>
+            <a:r>
+              <a:rPr lang="en-US" dirty="0">
+                <a:solidFill>
+                  <a:schemeClr val="bg1"/>
+                </a:solidFill>
+              </a:rPr>
+              <a:t>False Negatives(FN): 440</a:t>
+            </a:r>
+          </a:p>
+          <a:p>
+            <a:r>
+              <a:rPr lang="en-US" dirty="0">
+                <a:solidFill>
+                  <a:schemeClr val="bg1"/>
+                </a:solidFill>
+              </a:rPr>
+              <a:t>False Positives(FP): 4375</a:t>
             </a:r>
           </a:p>
         </p:txBody>
@@ -20105,7 +20852,7 @@
     </p:spTree>
     <p:extLst>
       <p:ext uri="{BB962C8B-B14F-4D97-AF65-F5344CB8AC3E}">
-        <p14:creationId xmlns:p14="http://schemas.microsoft.com/office/powerpoint/2010/main" val="215693461"/>
+        <p14:creationId xmlns:p14="http://schemas.microsoft.com/office/powerpoint/2010/main" val="2668556874"/>
       </p:ext>
     </p:extLst>
   </p:cSld>
@@ -20198,45 +20945,45 @@
           <a:p>
             <a:r>
               <a:rPr lang="en-US" dirty="0"/>
-              <a:t>3 – Model Building</a:t>
+              <a:t>1 – Exploratory Data Analysis</a:t>
             </a:r>
           </a:p>
           <a:p>
             <a:r>
               <a:rPr lang="en-US" dirty="0"/>
-              <a:t>	-  Try Random over sampling and compare it with Smote over sampling </a:t>
+              <a:t>	- Convert RGB columns to colors and figure out if there is a correlation between purchases and colors</a:t>
             </a:r>
           </a:p>
           <a:p>
             <a:r>
               <a:rPr lang="en-US" dirty="0"/>
-              <a:t>	-  Try different ensemble methods.</a:t>
+              <a:t>	- Get the top purchased items for each country, Get the most important customer in each country.</a:t>
             </a:r>
           </a:p>
           <a:p>
             <a:r>
               <a:rPr lang="en-US" dirty="0"/>
-              <a:t>	-  Try PCA with the best model </a:t>
+              <a:t>	- Get the average price of purchased items, and see if low prices, high prices affect sales or not.</a:t>
             </a:r>
           </a:p>
           <a:p>
             <a:r>
               <a:rPr lang="en-US" dirty="0"/>
-              <a:t>	-  Analyze the best models and their errors, feature </a:t>
+              <a:t>	- Use unsupervised visualization </a:t>
             </a:r>
             <a:r>
               <a:rPr lang="en-US" dirty="0" err="1"/>
-              <a:t>importances</a:t>
+              <a:t>techinques</a:t>
             </a:r>
             <a:r>
               <a:rPr lang="en-US" dirty="0"/>
-              <a:t> and remove useless features</a:t>
+              <a:t> to identify clusters in the data.</a:t>
             </a:r>
           </a:p>
           <a:p>
             <a:r>
               <a:rPr lang="en-US" dirty="0"/>
-              <a:t>	-  Write function for all data transformations</a:t>
+              <a:t>	- Use Time-series Analysis</a:t>
             </a:r>
           </a:p>
         </p:txBody>
@@ -20433,7 +21180,7 @@
             <a:fld id="{6FCA8E82-58CD-E045-8B98-B7A85B79B752}" type="datetime4">
               <a:rPr lang="en-US" smtClean="0"/>
               <a:pPr/>
-              <a:t>December 23, 2023</a:t>
+              <a:t>January 1, 2024</a:t>
             </a:fld>
             <a:endParaRPr lang="en-US" dirty="0"/>
           </a:p>
@@ -20477,7 +21224,7 @@
     </p:spTree>
     <p:extLst>
       <p:ext uri="{BB962C8B-B14F-4D97-AF65-F5344CB8AC3E}">
-        <p14:creationId xmlns:p14="http://schemas.microsoft.com/office/powerpoint/2010/main" val="944979865"/>
+        <p14:creationId xmlns:p14="http://schemas.microsoft.com/office/powerpoint/2010/main" val="972980028"/>
       </p:ext>
     </p:extLst>
   </p:cSld>
@@ -20570,28 +21317,38 @@
           <a:p>
             <a:r>
               <a:rPr lang="en-US" dirty="0"/>
-              <a:t>3 – Finally</a:t>
+              <a:t>2 – Feature Engineering</a:t>
             </a:r>
           </a:p>
           <a:p>
             <a:r>
               <a:rPr lang="en-US" dirty="0"/>
-              <a:t>	- Refactor the code into proper scripts instead of notebooks</a:t>
+              <a:t>	- Take the logarithm of Heavy Tailed distribution attributes before scaling.</a:t>
             </a:r>
           </a:p>
           <a:p>
             <a:r>
               <a:rPr lang="en-US" dirty="0"/>
-              <a:t>	- Build an API to receive data, do the whole process of preprocessing, transformation and </a:t>
-            </a:r>
-            <a:r>
-              <a:rPr lang="en-US"/>
-              <a:t>return prediction</a:t>
-            </a:r>
-            <a:endParaRPr lang="en-US" dirty="0"/>
-          </a:p>
-          <a:p>
-            <a:endParaRPr lang="en-US" dirty="0"/>
+              <a:t>	- Get the top purchased items for each country, Get the most important customer in each country.</a:t>
+            </a:r>
+          </a:p>
+          <a:p>
+            <a:r>
+              <a:rPr lang="en-US" dirty="0"/>
+              <a:t>	-  Encode style column to ordinal encoder</a:t>
+            </a:r>
+          </a:p>
+          <a:p>
+            <a:r>
+              <a:rPr lang="en-US" dirty="0"/>
+              <a:t>	-  Better Feature Selection </a:t>
+            </a:r>
+          </a:p>
+          <a:p>
+            <a:r>
+              <a:rPr lang="en-US" dirty="0"/>
+              <a:t>	-  Write function for all data transformations</a:t>
+            </a:r>
           </a:p>
         </p:txBody>
       </p:sp>
@@ -20787,7 +21544,7 @@
             <a:fld id="{6FCA8E82-58CD-E045-8B98-B7A85B79B752}" type="datetime4">
               <a:rPr lang="en-US" smtClean="0"/>
               <a:pPr/>
-              <a:t>December 23, 2023</a:t>
+              <a:t>January 1, 2024</a:t>
             </a:fld>
             <a:endParaRPr lang="en-US" dirty="0"/>
           </a:p>
@@ -20831,7 +21588,7 @@
     </p:spTree>
     <p:extLst>
       <p:ext uri="{BB962C8B-B14F-4D97-AF65-F5344CB8AC3E}">
-        <p14:creationId xmlns:p14="http://schemas.microsoft.com/office/powerpoint/2010/main" val="175687155"/>
+        <p14:creationId xmlns:p14="http://schemas.microsoft.com/office/powerpoint/2010/main" val="1383837218"/>
       </p:ext>
     </p:extLst>
   </p:cSld>
@@ -20921,7 +21678,7 @@
                 </a:solidFill>
                 <a:latin typeface="Arial" panose="020B0604020202020204" pitchFamily="34" charset="0"/>
               </a:rPr>
-              <a:t>Sports Wear Group is one of the leading retailers industry in the region, with more than 50 branches across the region. </a:t>
+              <a:t>Sports Wear Group is one of the leading retailer's industry in the region, with more than 50 branches across the region. </a:t>
             </a:r>
           </a:p>
           <a:p>
@@ -20947,7 +21704,7 @@
                 </a:solidFill>
                 <a:latin typeface="Arial" panose="020B0604020202020204" pitchFamily="34" charset="0"/>
               </a:rPr>
-              <a:t>They are in the middle of their digital transformation journey and they want to keep leading the market by satisfying their customers and meeting their expectation</a:t>
+              <a:t>They are in the middle of their digital transformation journey, and they want to keep leading the market by satisfying their customers and meeting their expectation</a:t>
             </a:r>
             <a:r>
               <a:rPr lang="en-US" sz="2000" b="1" i="0" u="none" strike="noStrike" baseline="0" dirty="0">
@@ -21193,7 +21950,7 @@
             <a:fld id="{6FCA8E82-58CD-E045-8B98-B7A85B79B752}" type="datetime4">
               <a:rPr lang="en-US" smtClean="0"/>
               <a:pPr/>
-              <a:t>December 23, 2023</a:t>
+              <a:t>January 1, 2024</a:t>
             </a:fld>
             <a:endParaRPr lang="en-US" dirty="0"/>
           </a:p>
@@ -21234,6 +21991,1104 @@
           <p:cNvPr id="2" name="Title 1">
             <a:extLst>
               <a:ext uri="{FF2B5EF4-FFF2-40B4-BE49-F238E27FC236}">
+                <a16:creationId xmlns:a16="http://schemas.microsoft.com/office/drawing/2014/main" id="{8C122DF8-59D4-D94D-8ED9-F2F319899DBF}"/>
+              </a:ext>
+            </a:extLst>
+          </p:cNvPr>
+          <p:cNvSpPr>
+            <a:spLocks noGrp="1"/>
+          </p:cNvSpPr>
+          <p:nvPr>
+            <p:ph type="title"/>
+          </p:nvPr>
+        </p:nvSpPr>
+        <p:spPr>
+          <a:xfrm>
+            <a:off x="292962" y="727969"/>
+            <a:ext cx="5237825" cy="761957"/>
+          </a:xfrm>
+        </p:spPr>
+        <p:txBody>
+          <a:bodyPr>
+            <a:noAutofit/>
+          </a:bodyPr>
+          <a:lstStyle/>
+          <a:p>
+            <a:br>
+              <a:rPr lang="en-US" sz="3200" dirty="0"/>
+            </a:br>
+            <a:r>
+              <a:rPr lang="en-US" sz="3200" dirty="0"/>
+              <a:t>     Things To try next</a:t>
+            </a:r>
+          </a:p>
+        </p:txBody>
+      </p:sp>
+      <p:sp>
+        <p:nvSpPr>
+          <p:cNvPr id="45" name="Text Placeholder 44">
+            <a:extLst>
+              <a:ext uri="{FF2B5EF4-FFF2-40B4-BE49-F238E27FC236}">
+                <a16:creationId xmlns:a16="http://schemas.microsoft.com/office/drawing/2014/main" id="{803A1E73-C790-447A-974F-B3ADB50149F7}"/>
+              </a:ext>
+            </a:extLst>
+          </p:cNvPr>
+          <p:cNvSpPr>
+            <a:spLocks noGrp="1"/>
+          </p:cNvSpPr>
+          <p:nvPr>
+            <p:ph type="body" sz="quarter" idx="12"/>
+          </p:nvPr>
+        </p:nvSpPr>
+        <p:spPr>
+          <a:xfrm>
+            <a:off x="952500" y="2286001"/>
+            <a:ext cx="10410917" cy="2708598"/>
+          </a:xfrm>
+        </p:spPr>
+        <p:txBody>
+          <a:bodyPr/>
+          <a:lstStyle/>
+          <a:p>
+            <a:r>
+              <a:rPr lang="en-US" dirty="0"/>
+              <a:t>3 – Model Building</a:t>
+            </a:r>
+          </a:p>
+          <a:p>
+            <a:r>
+              <a:rPr lang="en-US" dirty="0"/>
+              <a:t>	-  Try Random over sampling and compare it with Smote over sampling </a:t>
+            </a:r>
+          </a:p>
+          <a:p>
+            <a:r>
+              <a:rPr lang="en-US" dirty="0"/>
+              <a:t>	-  Try different ensemble methods.</a:t>
+            </a:r>
+          </a:p>
+          <a:p>
+            <a:r>
+              <a:rPr lang="en-US" dirty="0"/>
+              <a:t>	-  Try PCA with the best model </a:t>
+            </a:r>
+          </a:p>
+          <a:p>
+            <a:r>
+              <a:rPr lang="en-US" dirty="0"/>
+              <a:t>	-  Analyze the best models and their errors, feature </a:t>
+            </a:r>
+            <a:r>
+              <a:rPr lang="en-US" dirty="0" err="1"/>
+              <a:t>importances</a:t>
+            </a:r>
+            <a:r>
+              <a:rPr lang="en-US" dirty="0"/>
+              <a:t> and remove useless features</a:t>
+            </a:r>
+          </a:p>
+          <a:p>
+            <a:r>
+              <a:rPr lang="en-US" dirty="0"/>
+              <a:t>	-  Write function for all data transformations</a:t>
+            </a:r>
+          </a:p>
+        </p:txBody>
+      </p:sp>
+      <p:sp>
+        <p:nvSpPr>
+          <p:cNvPr id="5" name="Slide Number Placeholder 4">
+            <a:extLst>
+              <a:ext uri="{FF2B5EF4-FFF2-40B4-BE49-F238E27FC236}">
+                <a16:creationId xmlns:a16="http://schemas.microsoft.com/office/drawing/2014/main" id="{AB744071-0CE2-7746-9315-22EC28A0F462}"/>
+              </a:ext>
+            </a:extLst>
+          </p:cNvPr>
+          <p:cNvSpPr>
+            <a:spLocks noGrp="1"/>
+          </p:cNvSpPr>
+          <p:nvPr>
+            <p:ph type="sldNum" sz="quarter" idx="23"/>
+          </p:nvPr>
+        </p:nvSpPr>
+        <p:spPr>
+          <a:xfrm>
+            <a:off x="971550" y="6332220"/>
+            <a:ext cx="523240" cy="247651"/>
+          </a:xfrm>
+        </p:spPr>
+        <p:txBody>
+          <a:bodyPr/>
+          <a:lstStyle/>
+          <a:p>
+            <a:fld id="{294A09A9-5501-47C1-A89A-A340965A2BE2}" type="slidenum">
+              <a:rPr lang="en-US" smtClean="0"/>
+              <a:pPr/>
+              <a:t>30</a:t>
+            </a:fld>
+            <a:endParaRPr lang="en-US" dirty="0"/>
+          </a:p>
+        </p:txBody>
+      </p:sp>
+      <p:sp>
+        <p:nvSpPr>
+          <p:cNvPr id="4" name="Footer Placeholder 3">
+            <a:extLst>
+              <a:ext uri="{FF2B5EF4-FFF2-40B4-BE49-F238E27FC236}">
+                <a16:creationId xmlns:a16="http://schemas.microsoft.com/office/drawing/2014/main" id="{529E91F3-E1A0-DB4A-8CD8-D9D1AB0FFB40}"/>
+              </a:ext>
+            </a:extLst>
+          </p:cNvPr>
+          <p:cNvSpPr>
+            <a:spLocks noGrp="1"/>
+          </p:cNvSpPr>
+          <p:nvPr>
+            <p:ph type="ftr" sz="quarter" idx="22"/>
+          </p:nvPr>
+        </p:nvSpPr>
+        <p:spPr>
+          <a:xfrm>
+            <a:off x="1494790" y="6332220"/>
+            <a:ext cx="1497330" cy="247651"/>
+          </a:xfrm>
+        </p:spPr>
+        <p:txBody>
+          <a:bodyPr/>
+          <a:lstStyle/>
+          <a:p>
+            <a:r>
+              <a:rPr lang="en-US" dirty="0"/>
+              <a:t>Annual Review</a:t>
+            </a:r>
+          </a:p>
+        </p:txBody>
+      </p:sp>
+      <p:sp>
+        <p:nvSpPr>
+          <p:cNvPr id="16" name="Date Placeholder 3">
+            <a:extLst>
+              <a:ext uri="{FF2B5EF4-FFF2-40B4-BE49-F238E27FC236}">
+                <a16:creationId xmlns:a16="http://schemas.microsoft.com/office/drawing/2014/main" id="{5384768F-E861-44BC-9FC7-434480D365AB}"/>
+              </a:ext>
+            </a:extLst>
+          </p:cNvPr>
+          <p:cNvSpPr txBox="1">
+            <a:spLocks/>
+          </p:cNvSpPr>
+          <p:nvPr/>
+        </p:nvSpPr>
+        <p:spPr>
+          <a:xfrm>
+            <a:off x="2992120" y="6332220"/>
+            <a:ext cx="1313180" cy="247651"/>
+          </a:xfrm>
+          <a:prstGeom prst="rect">
+            <a:avLst/>
+          </a:prstGeom>
+        </p:spPr>
+        <p:txBody>
+          <a:bodyPr vert="horz" lIns="0" tIns="0" rIns="0" bIns="0" rtlCol="0" anchor="t" anchorCtr="0"/>
+          <a:lstStyle>
+            <a:defPPr>
+              <a:defRPr lang="en-US"/>
+            </a:defPPr>
+            <a:lvl1pPr marL="0" algn="l" defTabSz="914400" rtl="0" eaLnBrk="1" latinLnBrk="0" hangingPunct="1">
+              <a:defRPr sz="1100" b="0" i="0" kern="1200">
+                <a:solidFill>
+                  <a:schemeClr val="bg1"/>
+                </a:solidFill>
+                <a:latin typeface="+mn-lt"/>
+                <a:ea typeface="+mn-ea"/>
+                <a:cs typeface="+mn-cs"/>
+              </a:defRPr>
+            </a:lvl1pPr>
+            <a:lvl2pPr marL="457200" algn="l" defTabSz="914400" rtl="0" eaLnBrk="1" latinLnBrk="0" hangingPunct="1">
+              <a:defRPr sz="1800" kern="1200">
+                <a:solidFill>
+                  <a:schemeClr val="tx1"/>
+                </a:solidFill>
+                <a:latin typeface="+mn-lt"/>
+                <a:ea typeface="+mn-ea"/>
+                <a:cs typeface="+mn-cs"/>
+              </a:defRPr>
+            </a:lvl2pPr>
+            <a:lvl3pPr marL="914400" algn="l" defTabSz="914400" rtl="0" eaLnBrk="1" latinLnBrk="0" hangingPunct="1">
+              <a:defRPr sz="1800" kern="1200">
+                <a:solidFill>
+                  <a:schemeClr val="tx1"/>
+                </a:solidFill>
+                <a:latin typeface="+mn-lt"/>
+                <a:ea typeface="+mn-ea"/>
+                <a:cs typeface="+mn-cs"/>
+              </a:defRPr>
+            </a:lvl3pPr>
+            <a:lvl4pPr marL="1371600" algn="l" defTabSz="914400" rtl="0" eaLnBrk="1" latinLnBrk="0" hangingPunct="1">
+              <a:defRPr sz="1800" kern="1200">
+                <a:solidFill>
+                  <a:schemeClr val="tx1"/>
+                </a:solidFill>
+                <a:latin typeface="+mn-lt"/>
+                <a:ea typeface="+mn-ea"/>
+                <a:cs typeface="+mn-cs"/>
+              </a:defRPr>
+            </a:lvl4pPr>
+            <a:lvl5pPr marL="1828800" algn="l" defTabSz="914400" rtl="0" eaLnBrk="1" latinLnBrk="0" hangingPunct="1">
+              <a:defRPr sz="1800" kern="1200">
+                <a:solidFill>
+                  <a:schemeClr val="tx1"/>
+                </a:solidFill>
+                <a:latin typeface="+mn-lt"/>
+                <a:ea typeface="+mn-ea"/>
+                <a:cs typeface="+mn-cs"/>
+              </a:defRPr>
+            </a:lvl5pPr>
+            <a:lvl6pPr marL="2286000" algn="l" defTabSz="914400" rtl="0" eaLnBrk="1" latinLnBrk="0" hangingPunct="1">
+              <a:defRPr sz="1800" kern="1200">
+                <a:solidFill>
+                  <a:schemeClr val="tx1"/>
+                </a:solidFill>
+                <a:latin typeface="+mn-lt"/>
+                <a:ea typeface="+mn-ea"/>
+                <a:cs typeface="+mn-cs"/>
+              </a:defRPr>
+            </a:lvl6pPr>
+            <a:lvl7pPr marL="2743200" algn="l" defTabSz="914400" rtl="0" eaLnBrk="1" latinLnBrk="0" hangingPunct="1">
+              <a:defRPr sz="1800" kern="1200">
+                <a:solidFill>
+                  <a:schemeClr val="tx1"/>
+                </a:solidFill>
+                <a:latin typeface="+mn-lt"/>
+                <a:ea typeface="+mn-ea"/>
+                <a:cs typeface="+mn-cs"/>
+              </a:defRPr>
+            </a:lvl7pPr>
+            <a:lvl8pPr marL="3200400" algn="l" defTabSz="914400" rtl="0" eaLnBrk="1" latinLnBrk="0" hangingPunct="1">
+              <a:defRPr sz="1800" kern="1200">
+                <a:solidFill>
+                  <a:schemeClr val="tx1"/>
+                </a:solidFill>
+                <a:latin typeface="+mn-lt"/>
+                <a:ea typeface="+mn-ea"/>
+                <a:cs typeface="+mn-cs"/>
+              </a:defRPr>
+            </a:lvl8pPr>
+            <a:lvl9pPr marL="3657600" algn="l" defTabSz="914400" rtl="0" eaLnBrk="1" latinLnBrk="0" hangingPunct="1">
+              <a:defRPr sz="1800" kern="1200">
+                <a:solidFill>
+                  <a:schemeClr val="tx1"/>
+                </a:solidFill>
+                <a:latin typeface="+mn-lt"/>
+                <a:ea typeface="+mn-ea"/>
+                <a:cs typeface="+mn-cs"/>
+              </a:defRPr>
+            </a:lvl9pPr>
+          </a:lstStyle>
+          <a:p>
+            <a:fld id="{6FCA8E82-58CD-E045-8B98-B7A85B79B752}" type="datetime4">
+              <a:rPr lang="en-US" smtClean="0"/>
+              <a:pPr/>
+              <a:t>January 1, 2024</a:t>
+            </a:fld>
+            <a:endParaRPr lang="en-US" dirty="0"/>
+          </a:p>
+        </p:txBody>
+      </p:sp>
+      <p:sp>
+        <p:nvSpPr>
+          <p:cNvPr id="28" name="TextBox 27">
+            <a:extLst>
+              <a:ext uri="{FF2B5EF4-FFF2-40B4-BE49-F238E27FC236}">
+                <a16:creationId xmlns:a16="http://schemas.microsoft.com/office/drawing/2014/main" id="{CB327ECC-0A97-EE6D-CD83-B0F4B89817A8}"/>
+              </a:ext>
+            </a:extLst>
+          </p:cNvPr>
+          <p:cNvSpPr txBox="1"/>
+          <p:nvPr/>
+        </p:nvSpPr>
+        <p:spPr>
+          <a:xfrm>
+            <a:off x="8877681" y="4640677"/>
+            <a:ext cx="2831966" cy="369332"/>
+          </a:xfrm>
+          <a:prstGeom prst="rect">
+            <a:avLst/>
+          </a:prstGeom>
+          <a:noFill/>
+        </p:spPr>
+        <p:txBody>
+          <a:bodyPr wrap="square" rtlCol="0">
+            <a:spAutoFit/>
+          </a:bodyPr>
+          <a:lstStyle/>
+          <a:p>
+            <a:r>
+              <a:rPr lang="en-US" dirty="0"/>
+              <a:t>   440                     2426</a:t>
+            </a:r>
+          </a:p>
+        </p:txBody>
+      </p:sp>
+    </p:spTree>
+    <p:extLst>
+      <p:ext uri="{BB962C8B-B14F-4D97-AF65-F5344CB8AC3E}">
+        <p14:creationId xmlns:p14="http://schemas.microsoft.com/office/powerpoint/2010/main" val="215693461"/>
+      </p:ext>
+    </p:extLst>
+  </p:cSld>
+  <p:clrMapOvr>
+    <a:masterClrMapping/>
+  </p:clrMapOvr>
+</p:sld>
+</file>
+
+<file path=ppt/slides/slide31.xml><?xml version="1.0" encoding="utf-8"?>
+<p:sld xmlns:a="http://schemas.openxmlformats.org/drawingml/2006/main" xmlns:r="http://schemas.openxmlformats.org/officeDocument/2006/relationships" xmlns:p="http://schemas.openxmlformats.org/presentationml/2006/main">
+  <p:cSld>
+    <p:spTree>
+      <p:nvGrpSpPr>
+        <p:cNvPr id="1" name=""/>
+        <p:cNvGrpSpPr/>
+        <p:nvPr/>
+      </p:nvGrpSpPr>
+      <p:grpSpPr>
+        <a:xfrm>
+          <a:off x="0" y="0"/>
+          <a:ext cx="0" cy="0"/>
+          <a:chOff x="0" y="0"/>
+          <a:chExt cx="0" cy="0"/>
+        </a:xfrm>
+      </p:grpSpPr>
+      <p:sp>
+        <p:nvSpPr>
+          <p:cNvPr id="2" name="Title 1">
+            <a:extLst>
+              <a:ext uri="{FF2B5EF4-FFF2-40B4-BE49-F238E27FC236}">
+                <a16:creationId xmlns:a16="http://schemas.microsoft.com/office/drawing/2014/main" id="{8C122DF8-59D4-D94D-8ED9-F2F319899DBF}"/>
+              </a:ext>
+            </a:extLst>
+          </p:cNvPr>
+          <p:cNvSpPr>
+            <a:spLocks noGrp="1"/>
+          </p:cNvSpPr>
+          <p:nvPr>
+            <p:ph type="title"/>
+          </p:nvPr>
+        </p:nvSpPr>
+        <p:spPr>
+          <a:xfrm>
+            <a:off x="292962" y="727969"/>
+            <a:ext cx="5237825" cy="761957"/>
+          </a:xfrm>
+        </p:spPr>
+        <p:txBody>
+          <a:bodyPr>
+            <a:noAutofit/>
+          </a:bodyPr>
+          <a:lstStyle/>
+          <a:p>
+            <a:br>
+              <a:rPr lang="en-US" sz="3200" dirty="0"/>
+            </a:br>
+            <a:r>
+              <a:rPr lang="en-US" sz="3200" dirty="0"/>
+              <a:t>     Things To try next</a:t>
+            </a:r>
+          </a:p>
+        </p:txBody>
+      </p:sp>
+      <p:sp>
+        <p:nvSpPr>
+          <p:cNvPr id="45" name="Text Placeholder 44">
+            <a:extLst>
+              <a:ext uri="{FF2B5EF4-FFF2-40B4-BE49-F238E27FC236}">
+                <a16:creationId xmlns:a16="http://schemas.microsoft.com/office/drawing/2014/main" id="{803A1E73-C790-447A-974F-B3ADB50149F7}"/>
+              </a:ext>
+            </a:extLst>
+          </p:cNvPr>
+          <p:cNvSpPr>
+            <a:spLocks noGrp="1"/>
+          </p:cNvSpPr>
+          <p:nvPr>
+            <p:ph type="body" sz="quarter" idx="12"/>
+          </p:nvPr>
+        </p:nvSpPr>
+        <p:spPr>
+          <a:xfrm>
+            <a:off x="952500" y="2286001"/>
+            <a:ext cx="10410917" cy="2708598"/>
+          </a:xfrm>
+        </p:spPr>
+        <p:txBody>
+          <a:bodyPr/>
+          <a:lstStyle/>
+          <a:p>
+            <a:r>
+              <a:rPr lang="en-US" dirty="0"/>
+              <a:t>3 – Model Building</a:t>
+            </a:r>
+          </a:p>
+          <a:p>
+            <a:r>
+              <a:rPr lang="en-US" dirty="0"/>
+              <a:t>	-  Try Random over sampling and compare it with Smote over sampling </a:t>
+            </a:r>
+          </a:p>
+          <a:p>
+            <a:r>
+              <a:rPr lang="en-US" dirty="0"/>
+              <a:t>	-  Try different ensemble methods.</a:t>
+            </a:r>
+          </a:p>
+          <a:p>
+            <a:r>
+              <a:rPr lang="en-US" dirty="0"/>
+              <a:t>	-  Try PCA with the best model </a:t>
+            </a:r>
+          </a:p>
+          <a:p>
+            <a:r>
+              <a:rPr lang="en-US" dirty="0"/>
+              <a:t>	-  Analyze the best models and their errors, feature </a:t>
+            </a:r>
+            <a:r>
+              <a:rPr lang="en-US" dirty="0" err="1"/>
+              <a:t>importances</a:t>
+            </a:r>
+            <a:r>
+              <a:rPr lang="en-US" dirty="0"/>
+              <a:t> and remove useless features</a:t>
+            </a:r>
+          </a:p>
+          <a:p>
+            <a:r>
+              <a:rPr lang="en-US" dirty="0"/>
+              <a:t>	-  Write function for all data transformations</a:t>
+            </a:r>
+          </a:p>
+        </p:txBody>
+      </p:sp>
+      <p:sp>
+        <p:nvSpPr>
+          <p:cNvPr id="5" name="Slide Number Placeholder 4">
+            <a:extLst>
+              <a:ext uri="{FF2B5EF4-FFF2-40B4-BE49-F238E27FC236}">
+                <a16:creationId xmlns:a16="http://schemas.microsoft.com/office/drawing/2014/main" id="{AB744071-0CE2-7746-9315-22EC28A0F462}"/>
+              </a:ext>
+            </a:extLst>
+          </p:cNvPr>
+          <p:cNvSpPr>
+            <a:spLocks noGrp="1"/>
+          </p:cNvSpPr>
+          <p:nvPr>
+            <p:ph type="sldNum" sz="quarter" idx="23"/>
+          </p:nvPr>
+        </p:nvSpPr>
+        <p:spPr>
+          <a:xfrm>
+            <a:off x="971550" y="6332220"/>
+            <a:ext cx="523240" cy="247651"/>
+          </a:xfrm>
+        </p:spPr>
+        <p:txBody>
+          <a:bodyPr/>
+          <a:lstStyle/>
+          <a:p>
+            <a:fld id="{294A09A9-5501-47C1-A89A-A340965A2BE2}" type="slidenum">
+              <a:rPr lang="en-US" smtClean="0"/>
+              <a:pPr/>
+              <a:t>31</a:t>
+            </a:fld>
+            <a:endParaRPr lang="en-US" dirty="0"/>
+          </a:p>
+        </p:txBody>
+      </p:sp>
+      <p:sp>
+        <p:nvSpPr>
+          <p:cNvPr id="4" name="Footer Placeholder 3">
+            <a:extLst>
+              <a:ext uri="{FF2B5EF4-FFF2-40B4-BE49-F238E27FC236}">
+                <a16:creationId xmlns:a16="http://schemas.microsoft.com/office/drawing/2014/main" id="{529E91F3-E1A0-DB4A-8CD8-D9D1AB0FFB40}"/>
+              </a:ext>
+            </a:extLst>
+          </p:cNvPr>
+          <p:cNvSpPr>
+            <a:spLocks noGrp="1"/>
+          </p:cNvSpPr>
+          <p:nvPr>
+            <p:ph type="ftr" sz="quarter" idx="22"/>
+          </p:nvPr>
+        </p:nvSpPr>
+        <p:spPr>
+          <a:xfrm>
+            <a:off x="1494790" y="6332220"/>
+            <a:ext cx="1497330" cy="247651"/>
+          </a:xfrm>
+        </p:spPr>
+        <p:txBody>
+          <a:bodyPr/>
+          <a:lstStyle/>
+          <a:p>
+            <a:r>
+              <a:rPr lang="en-US" dirty="0"/>
+              <a:t>Annual Review</a:t>
+            </a:r>
+          </a:p>
+        </p:txBody>
+      </p:sp>
+      <p:sp>
+        <p:nvSpPr>
+          <p:cNvPr id="16" name="Date Placeholder 3">
+            <a:extLst>
+              <a:ext uri="{FF2B5EF4-FFF2-40B4-BE49-F238E27FC236}">
+                <a16:creationId xmlns:a16="http://schemas.microsoft.com/office/drawing/2014/main" id="{5384768F-E861-44BC-9FC7-434480D365AB}"/>
+              </a:ext>
+            </a:extLst>
+          </p:cNvPr>
+          <p:cNvSpPr txBox="1">
+            <a:spLocks/>
+          </p:cNvSpPr>
+          <p:nvPr/>
+        </p:nvSpPr>
+        <p:spPr>
+          <a:xfrm>
+            <a:off x="2992120" y="6332220"/>
+            <a:ext cx="1313180" cy="247651"/>
+          </a:xfrm>
+          <a:prstGeom prst="rect">
+            <a:avLst/>
+          </a:prstGeom>
+        </p:spPr>
+        <p:txBody>
+          <a:bodyPr vert="horz" lIns="0" tIns="0" rIns="0" bIns="0" rtlCol="0" anchor="t" anchorCtr="0"/>
+          <a:lstStyle>
+            <a:defPPr>
+              <a:defRPr lang="en-US"/>
+            </a:defPPr>
+            <a:lvl1pPr marL="0" algn="l" defTabSz="914400" rtl="0" eaLnBrk="1" latinLnBrk="0" hangingPunct="1">
+              <a:defRPr sz="1100" b="0" i="0" kern="1200">
+                <a:solidFill>
+                  <a:schemeClr val="bg1"/>
+                </a:solidFill>
+                <a:latin typeface="+mn-lt"/>
+                <a:ea typeface="+mn-ea"/>
+                <a:cs typeface="+mn-cs"/>
+              </a:defRPr>
+            </a:lvl1pPr>
+            <a:lvl2pPr marL="457200" algn="l" defTabSz="914400" rtl="0" eaLnBrk="1" latinLnBrk="0" hangingPunct="1">
+              <a:defRPr sz="1800" kern="1200">
+                <a:solidFill>
+                  <a:schemeClr val="tx1"/>
+                </a:solidFill>
+                <a:latin typeface="+mn-lt"/>
+                <a:ea typeface="+mn-ea"/>
+                <a:cs typeface="+mn-cs"/>
+              </a:defRPr>
+            </a:lvl2pPr>
+            <a:lvl3pPr marL="914400" algn="l" defTabSz="914400" rtl="0" eaLnBrk="1" latinLnBrk="0" hangingPunct="1">
+              <a:defRPr sz="1800" kern="1200">
+                <a:solidFill>
+                  <a:schemeClr val="tx1"/>
+                </a:solidFill>
+                <a:latin typeface="+mn-lt"/>
+                <a:ea typeface="+mn-ea"/>
+                <a:cs typeface="+mn-cs"/>
+              </a:defRPr>
+            </a:lvl3pPr>
+            <a:lvl4pPr marL="1371600" algn="l" defTabSz="914400" rtl="0" eaLnBrk="1" latinLnBrk="0" hangingPunct="1">
+              <a:defRPr sz="1800" kern="1200">
+                <a:solidFill>
+                  <a:schemeClr val="tx1"/>
+                </a:solidFill>
+                <a:latin typeface="+mn-lt"/>
+                <a:ea typeface="+mn-ea"/>
+                <a:cs typeface="+mn-cs"/>
+              </a:defRPr>
+            </a:lvl4pPr>
+            <a:lvl5pPr marL="1828800" algn="l" defTabSz="914400" rtl="0" eaLnBrk="1" latinLnBrk="0" hangingPunct="1">
+              <a:defRPr sz="1800" kern="1200">
+                <a:solidFill>
+                  <a:schemeClr val="tx1"/>
+                </a:solidFill>
+                <a:latin typeface="+mn-lt"/>
+                <a:ea typeface="+mn-ea"/>
+                <a:cs typeface="+mn-cs"/>
+              </a:defRPr>
+            </a:lvl5pPr>
+            <a:lvl6pPr marL="2286000" algn="l" defTabSz="914400" rtl="0" eaLnBrk="1" latinLnBrk="0" hangingPunct="1">
+              <a:defRPr sz="1800" kern="1200">
+                <a:solidFill>
+                  <a:schemeClr val="tx1"/>
+                </a:solidFill>
+                <a:latin typeface="+mn-lt"/>
+                <a:ea typeface="+mn-ea"/>
+                <a:cs typeface="+mn-cs"/>
+              </a:defRPr>
+            </a:lvl6pPr>
+            <a:lvl7pPr marL="2743200" algn="l" defTabSz="914400" rtl="0" eaLnBrk="1" latinLnBrk="0" hangingPunct="1">
+              <a:defRPr sz="1800" kern="1200">
+                <a:solidFill>
+                  <a:schemeClr val="tx1"/>
+                </a:solidFill>
+                <a:latin typeface="+mn-lt"/>
+                <a:ea typeface="+mn-ea"/>
+                <a:cs typeface="+mn-cs"/>
+              </a:defRPr>
+            </a:lvl7pPr>
+            <a:lvl8pPr marL="3200400" algn="l" defTabSz="914400" rtl="0" eaLnBrk="1" latinLnBrk="0" hangingPunct="1">
+              <a:defRPr sz="1800" kern="1200">
+                <a:solidFill>
+                  <a:schemeClr val="tx1"/>
+                </a:solidFill>
+                <a:latin typeface="+mn-lt"/>
+                <a:ea typeface="+mn-ea"/>
+                <a:cs typeface="+mn-cs"/>
+              </a:defRPr>
+            </a:lvl8pPr>
+            <a:lvl9pPr marL="3657600" algn="l" defTabSz="914400" rtl="0" eaLnBrk="1" latinLnBrk="0" hangingPunct="1">
+              <a:defRPr sz="1800" kern="1200">
+                <a:solidFill>
+                  <a:schemeClr val="tx1"/>
+                </a:solidFill>
+                <a:latin typeface="+mn-lt"/>
+                <a:ea typeface="+mn-ea"/>
+                <a:cs typeface="+mn-cs"/>
+              </a:defRPr>
+            </a:lvl9pPr>
+          </a:lstStyle>
+          <a:p>
+            <a:fld id="{6FCA8E82-58CD-E045-8B98-B7A85B79B752}" type="datetime4">
+              <a:rPr lang="en-US" smtClean="0"/>
+              <a:pPr/>
+              <a:t>January 1, 2024</a:t>
+            </a:fld>
+            <a:endParaRPr lang="en-US" dirty="0"/>
+          </a:p>
+        </p:txBody>
+      </p:sp>
+      <p:sp>
+        <p:nvSpPr>
+          <p:cNvPr id="28" name="TextBox 27">
+            <a:extLst>
+              <a:ext uri="{FF2B5EF4-FFF2-40B4-BE49-F238E27FC236}">
+                <a16:creationId xmlns:a16="http://schemas.microsoft.com/office/drawing/2014/main" id="{CB327ECC-0A97-EE6D-CD83-B0F4B89817A8}"/>
+              </a:ext>
+            </a:extLst>
+          </p:cNvPr>
+          <p:cNvSpPr txBox="1"/>
+          <p:nvPr/>
+        </p:nvSpPr>
+        <p:spPr>
+          <a:xfrm>
+            <a:off x="8877681" y="4640677"/>
+            <a:ext cx="2831966" cy="369332"/>
+          </a:xfrm>
+          <a:prstGeom prst="rect">
+            <a:avLst/>
+          </a:prstGeom>
+          <a:noFill/>
+        </p:spPr>
+        <p:txBody>
+          <a:bodyPr wrap="square" rtlCol="0">
+            <a:spAutoFit/>
+          </a:bodyPr>
+          <a:lstStyle/>
+          <a:p>
+            <a:r>
+              <a:rPr lang="en-US" dirty="0"/>
+              <a:t>   440                     2426</a:t>
+            </a:r>
+          </a:p>
+        </p:txBody>
+      </p:sp>
+    </p:spTree>
+    <p:extLst>
+      <p:ext uri="{BB962C8B-B14F-4D97-AF65-F5344CB8AC3E}">
+        <p14:creationId xmlns:p14="http://schemas.microsoft.com/office/powerpoint/2010/main" val="944979865"/>
+      </p:ext>
+    </p:extLst>
+  </p:cSld>
+  <p:clrMapOvr>
+    <a:masterClrMapping/>
+  </p:clrMapOvr>
+</p:sld>
+</file>
+
+<file path=ppt/slides/slide32.xml><?xml version="1.0" encoding="utf-8"?>
+<p:sld xmlns:a="http://schemas.openxmlformats.org/drawingml/2006/main" xmlns:r="http://schemas.openxmlformats.org/officeDocument/2006/relationships" xmlns:p="http://schemas.openxmlformats.org/presentationml/2006/main">
+  <p:cSld>
+    <p:spTree>
+      <p:nvGrpSpPr>
+        <p:cNvPr id="1" name=""/>
+        <p:cNvGrpSpPr/>
+        <p:nvPr/>
+      </p:nvGrpSpPr>
+      <p:grpSpPr>
+        <a:xfrm>
+          <a:off x="0" y="0"/>
+          <a:ext cx="0" cy="0"/>
+          <a:chOff x="0" y="0"/>
+          <a:chExt cx="0" cy="0"/>
+        </a:xfrm>
+      </p:grpSpPr>
+      <p:sp>
+        <p:nvSpPr>
+          <p:cNvPr id="2" name="Title 1">
+            <a:extLst>
+              <a:ext uri="{FF2B5EF4-FFF2-40B4-BE49-F238E27FC236}">
+                <a16:creationId xmlns:a16="http://schemas.microsoft.com/office/drawing/2014/main" id="{8C122DF8-59D4-D94D-8ED9-F2F319899DBF}"/>
+              </a:ext>
+            </a:extLst>
+          </p:cNvPr>
+          <p:cNvSpPr>
+            <a:spLocks noGrp="1"/>
+          </p:cNvSpPr>
+          <p:nvPr>
+            <p:ph type="title"/>
+          </p:nvPr>
+        </p:nvSpPr>
+        <p:spPr>
+          <a:xfrm>
+            <a:off x="292962" y="727969"/>
+            <a:ext cx="5237825" cy="761957"/>
+          </a:xfrm>
+        </p:spPr>
+        <p:txBody>
+          <a:bodyPr>
+            <a:noAutofit/>
+          </a:bodyPr>
+          <a:lstStyle/>
+          <a:p>
+            <a:br>
+              <a:rPr lang="en-US" sz="3200" dirty="0"/>
+            </a:br>
+            <a:r>
+              <a:rPr lang="en-US" sz="3200" dirty="0"/>
+              <a:t>     Things To try next</a:t>
+            </a:r>
+          </a:p>
+        </p:txBody>
+      </p:sp>
+      <p:sp>
+        <p:nvSpPr>
+          <p:cNvPr id="45" name="Text Placeholder 44">
+            <a:extLst>
+              <a:ext uri="{FF2B5EF4-FFF2-40B4-BE49-F238E27FC236}">
+                <a16:creationId xmlns:a16="http://schemas.microsoft.com/office/drawing/2014/main" id="{803A1E73-C790-447A-974F-B3ADB50149F7}"/>
+              </a:ext>
+            </a:extLst>
+          </p:cNvPr>
+          <p:cNvSpPr>
+            <a:spLocks noGrp="1"/>
+          </p:cNvSpPr>
+          <p:nvPr>
+            <p:ph type="body" sz="quarter" idx="12"/>
+          </p:nvPr>
+        </p:nvSpPr>
+        <p:spPr>
+          <a:xfrm>
+            <a:off x="952500" y="2286001"/>
+            <a:ext cx="10410917" cy="2708598"/>
+          </a:xfrm>
+        </p:spPr>
+        <p:txBody>
+          <a:bodyPr/>
+          <a:lstStyle/>
+          <a:p>
+            <a:r>
+              <a:rPr lang="en-US" dirty="0"/>
+              <a:t>3 – Finally</a:t>
+            </a:r>
+          </a:p>
+          <a:p>
+            <a:r>
+              <a:rPr lang="en-US" dirty="0"/>
+              <a:t>	- Refactor the code into proper scripts instead of notebooks</a:t>
+            </a:r>
+          </a:p>
+          <a:p>
+            <a:r>
+              <a:rPr lang="en-US" dirty="0"/>
+              <a:t>	- Build an API to receive data, do the whole process of preprocessing, transformation and </a:t>
+            </a:r>
+            <a:r>
+              <a:rPr lang="en-US"/>
+              <a:t>return prediction</a:t>
+            </a:r>
+            <a:endParaRPr lang="en-US" dirty="0"/>
+          </a:p>
+          <a:p>
+            <a:endParaRPr lang="en-US" dirty="0"/>
+          </a:p>
+        </p:txBody>
+      </p:sp>
+      <p:sp>
+        <p:nvSpPr>
+          <p:cNvPr id="5" name="Slide Number Placeholder 4">
+            <a:extLst>
+              <a:ext uri="{FF2B5EF4-FFF2-40B4-BE49-F238E27FC236}">
+                <a16:creationId xmlns:a16="http://schemas.microsoft.com/office/drawing/2014/main" id="{AB744071-0CE2-7746-9315-22EC28A0F462}"/>
+              </a:ext>
+            </a:extLst>
+          </p:cNvPr>
+          <p:cNvSpPr>
+            <a:spLocks noGrp="1"/>
+          </p:cNvSpPr>
+          <p:nvPr>
+            <p:ph type="sldNum" sz="quarter" idx="23"/>
+          </p:nvPr>
+        </p:nvSpPr>
+        <p:spPr>
+          <a:xfrm>
+            <a:off x="971550" y="6332220"/>
+            <a:ext cx="523240" cy="247651"/>
+          </a:xfrm>
+        </p:spPr>
+        <p:txBody>
+          <a:bodyPr/>
+          <a:lstStyle/>
+          <a:p>
+            <a:fld id="{294A09A9-5501-47C1-A89A-A340965A2BE2}" type="slidenum">
+              <a:rPr lang="en-US" smtClean="0"/>
+              <a:pPr/>
+              <a:t>32</a:t>
+            </a:fld>
+            <a:endParaRPr lang="en-US" dirty="0"/>
+          </a:p>
+        </p:txBody>
+      </p:sp>
+      <p:sp>
+        <p:nvSpPr>
+          <p:cNvPr id="4" name="Footer Placeholder 3">
+            <a:extLst>
+              <a:ext uri="{FF2B5EF4-FFF2-40B4-BE49-F238E27FC236}">
+                <a16:creationId xmlns:a16="http://schemas.microsoft.com/office/drawing/2014/main" id="{529E91F3-E1A0-DB4A-8CD8-D9D1AB0FFB40}"/>
+              </a:ext>
+            </a:extLst>
+          </p:cNvPr>
+          <p:cNvSpPr>
+            <a:spLocks noGrp="1"/>
+          </p:cNvSpPr>
+          <p:nvPr>
+            <p:ph type="ftr" sz="quarter" idx="22"/>
+          </p:nvPr>
+        </p:nvSpPr>
+        <p:spPr>
+          <a:xfrm>
+            <a:off x="1494790" y="6332220"/>
+            <a:ext cx="1497330" cy="247651"/>
+          </a:xfrm>
+        </p:spPr>
+        <p:txBody>
+          <a:bodyPr/>
+          <a:lstStyle/>
+          <a:p>
+            <a:r>
+              <a:rPr lang="en-US" dirty="0"/>
+              <a:t>Annual Review</a:t>
+            </a:r>
+          </a:p>
+        </p:txBody>
+      </p:sp>
+      <p:sp>
+        <p:nvSpPr>
+          <p:cNvPr id="16" name="Date Placeholder 3">
+            <a:extLst>
+              <a:ext uri="{FF2B5EF4-FFF2-40B4-BE49-F238E27FC236}">
+                <a16:creationId xmlns:a16="http://schemas.microsoft.com/office/drawing/2014/main" id="{5384768F-E861-44BC-9FC7-434480D365AB}"/>
+              </a:ext>
+            </a:extLst>
+          </p:cNvPr>
+          <p:cNvSpPr txBox="1">
+            <a:spLocks/>
+          </p:cNvSpPr>
+          <p:nvPr/>
+        </p:nvSpPr>
+        <p:spPr>
+          <a:xfrm>
+            <a:off x="2992120" y="6332220"/>
+            <a:ext cx="1313180" cy="247651"/>
+          </a:xfrm>
+          <a:prstGeom prst="rect">
+            <a:avLst/>
+          </a:prstGeom>
+        </p:spPr>
+        <p:txBody>
+          <a:bodyPr vert="horz" lIns="0" tIns="0" rIns="0" bIns="0" rtlCol="0" anchor="t" anchorCtr="0"/>
+          <a:lstStyle>
+            <a:defPPr>
+              <a:defRPr lang="en-US"/>
+            </a:defPPr>
+            <a:lvl1pPr marL="0" algn="l" defTabSz="914400" rtl="0" eaLnBrk="1" latinLnBrk="0" hangingPunct="1">
+              <a:defRPr sz="1100" b="0" i="0" kern="1200">
+                <a:solidFill>
+                  <a:schemeClr val="bg1"/>
+                </a:solidFill>
+                <a:latin typeface="+mn-lt"/>
+                <a:ea typeface="+mn-ea"/>
+                <a:cs typeface="+mn-cs"/>
+              </a:defRPr>
+            </a:lvl1pPr>
+            <a:lvl2pPr marL="457200" algn="l" defTabSz="914400" rtl="0" eaLnBrk="1" latinLnBrk="0" hangingPunct="1">
+              <a:defRPr sz="1800" kern="1200">
+                <a:solidFill>
+                  <a:schemeClr val="tx1"/>
+                </a:solidFill>
+                <a:latin typeface="+mn-lt"/>
+                <a:ea typeface="+mn-ea"/>
+                <a:cs typeface="+mn-cs"/>
+              </a:defRPr>
+            </a:lvl2pPr>
+            <a:lvl3pPr marL="914400" algn="l" defTabSz="914400" rtl="0" eaLnBrk="1" latinLnBrk="0" hangingPunct="1">
+              <a:defRPr sz="1800" kern="1200">
+                <a:solidFill>
+                  <a:schemeClr val="tx1"/>
+                </a:solidFill>
+                <a:latin typeface="+mn-lt"/>
+                <a:ea typeface="+mn-ea"/>
+                <a:cs typeface="+mn-cs"/>
+              </a:defRPr>
+            </a:lvl3pPr>
+            <a:lvl4pPr marL="1371600" algn="l" defTabSz="914400" rtl="0" eaLnBrk="1" latinLnBrk="0" hangingPunct="1">
+              <a:defRPr sz="1800" kern="1200">
+                <a:solidFill>
+                  <a:schemeClr val="tx1"/>
+                </a:solidFill>
+                <a:latin typeface="+mn-lt"/>
+                <a:ea typeface="+mn-ea"/>
+                <a:cs typeface="+mn-cs"/>
+              </a:defRPr>
+            </a:lvl4pPr>
+            <a:lvl5pPr marL="1828800" algn="l" defTabSz="914400" rtl="0" eaLnBrk="1" latinLnBrk="0" hangingPunct="1">
+              <a:defRPr sz="1800" kern="1200">
+                <a:solidFill>
+                  <a:schemeClr val="tx1"/>
+                </a:solidFill>
+                <a:latin typeface="+mn-lt"/>
+                <a:ea typeface="+mn-ea"/>
+                <a:cs typeface="+mn-cs"/>
+              </a:defRPr>
+            </a:lvl5pPr>
+            <a:lvl6pPr marL="2286000" algn="l" defTabSz="914400" rtl="0" eaLnBrk="1" latinLnBrk="0" hangingPunct="1">
+              <a:defRPr sz="1800" kern="1200">
+                <a:solidFill>
+                  <a:schemeClr val="tx1"/>
+                </a:solidFill>
+                <a:latin typeface="+mn-lt"/>
+                <a:ea typeface="+mn-ea"/>
+                <a:cs typeface="+mn-cs"/>
+              </a:defRPr>
+            </a:lvl6pPr>
+            <a:lvl7pPr marL="2743200" algn="l" defTabSz="914400" rtl="0" eaLnBrk="1" latinLnBrk="0" hangingPunct="1">
+              <a:defRPr sz="1800" kern="1200">
+                <a:solidFill>
+                  <a:schemeClr val="tx1"/>
+                </a:solidFill>
+                <a:latin typeface="+mn-lt"/>
+                <a:ea typeface="+mn-ea"/>
+                <a:cs typeface="+mn-cs"/>
+              </a:defRPr>
+            </a:lvl7pPr>
+            <a:lvl8pPr marL="3200400" algn="l" defTabSz="914400" rtl="0" eaLnBrk="1" latinLnBrk="0" hangingPunct="1">
+              <a:defRPr sz="1800" kern="1200">
+                <a:solidFill>
+                  <a:schemeClr val="tx1"/>
+                </a:solidFill>
+                <a:latin typeface="+mn-lt"/>
+                <a:ea typeface="+mn-ea"/>
+                <a:cs typeface="+mn-cs"/>
+              </a:defRPr>
+            </a:lvl8pPr>
+            <a:lvl9pPr marL="3657600" algn="l" defTabSz="914400" rtl="0" eaLnBrk="1" latinLnBrk="0" hangingPunct="1">
+              <a:defRPr sz="1800" kern="1200">
+                <a:solidFill>
+                  <a:schemeClr val="tx1"/>
+                </a:solidFill>
+                <a:latin typeface="+mn-lt"/>
+                <a:ea typeface="+mn-ea"/>
+                <a:cs typeface="+mn-cs"/>
+              </a:defRPr>
+            </a:lvl9pPr>
+          </a:lstStyle>
+          <a:p>
+            <a:fld id="{6FCA8E82-58CD-E045-8B98-B7A85B79B752}" type="datetime4">
+              <a:rPr lang="en-US" smtClean="0"/>
+              <a:pPr/>
+              <a:t>January 1, 2024</a:t>
+            </a:fld>
+            <a:endParaRPr lang="en-US" dirty="0"/>
+          </a:p>
+        </p:txBody>
+      </p:sp>
+      <p:sp>
+        <p:nvSpPr>
+          <p:cNvPr id="28" name="TextBox 27">
+            <a:extLst>
+              <a:ext uri="{FF2B5EF4-FFF2-40B4-BE49-F238E27FC236}">
+                <a16:creationId xmlns:a16="http://schemas.microsoft.com/office/drawing/2014/main" id="{CB327ECC-0A97-EE6D-CD83-B0F4B89817A8}"/>
+              </a:ext>
+            </a:extLst>
+          </p:cNvPr>
+          <p:cNvSpPr txBox="1"/>
+          <p:nvPr/>
+        </p:nvSpPr>
+        <p:spPr>
+          <a:xfrm>
+            <a:off x="8877681" y="4640677"/>
+            <a:ext cx="2831966" cy="369332"/>
+          </a:xfrm>
+          <a:prstGeom prst="rect">
+            <a:avLst/>
+          </a:prstGeom>
+          <a:noFill/>
+        </p:spPr>
+        <p:txBody>
+          <a:bodyPr wrap="square" rtlCol="0">
+            <a:spAutoFit/>
+          </a:bodyPr>
+          <a:lstStyle/>
+          <a:p>
+            <a:r>
+              <a:rPr lang="en-US" dirty="0"/>
+              <a:t>   440                     2426</a:t>
+            </a:r>
+          </a:p>
+        </p:txBody>
+      </p:sp>
+    </p:spTree>
+    <p:extLst>
+      <p:ext uri="{BB962C8B-B14F-4D97-AF65-F5344CB8AC3E}">
+        <p14:creationId xmlns:p14="http://schemas.microsoft.com/office/powerpoint/2010/main" val="175687155"/>
+      </p:ext>
+    </p:extLst>
+  </p:cSld>
+  <p:clrMapOvr>
+    <a:masterClrMapping/>
+  </p:clrMapOvr>
+</p:sld>
+</file>
+
+<file path=ppt/slides/slide33.xml><?xml version="1.0" encoding="utf-8"?>
+<p:sld xmlns:a="http://schemas.openxmlformats.org/drawingml/2006/main" xmlns:r="http://schemas.openxmlformats.org/officeDocument/2006/relationships" xmlns:p="http://schemas.openxmlformats.org/presentationml/2006/main">
+  <p:cSld>
+    <p:spTree>
+      <p:nvGrpSpPr>
+        <p:cNvPr id="1" name=""/>
+        <p:cNvGrpSpPr/>
+        <p:nvPr/>
+      </p:nvGrpSpPr>
+      <p:grpSpPr>
+        <a:xfrm>
+          <a:off x="0" y="0"/>
+          <a:ext cx="0" cy="0"/>
+          <a:chOff x="0" y="0"/>
+          <a:chExt cx="0" cy="0"/>
+        </a:xfrm>
+      </p:grpSpPr>
+      <p:sp>
+        <p:nvSpPr>
+          <p:cNvPr id="2" name="Title 1">
+            <a:extLst>
+              <a:ext uri="{FF2B5EF4-FFF2-40B4-BE49-F238E27FC236}">
                 <a16:creationId xmlns:a16="http://schemas.microsoft.com/office/drawing/2014/main" id="{51DF3D98-3C30-4CFC-8643-C81E829C8C25}"/>
               </a:ext>
             </a:extLst>
@@ -21654,7 +23509,7 @@
             <a:fld id="{6FCA8E82-58CD-E045-8B98-B7A85B79B752}" type="datetime4">
               <a:rPr lang="en-US" smtClean="0"/>
               <a:pPr/>
-              <a:t>December 23, 2023</a:t>
+              <a:t>January 1, 2024</a:t>
             </a:fld>
             <a:endParaRPr lang="en-US" dirty="0"/>
           </a:p>
@@ -21708,15 +23563,83 @@
         </p:nvSpPr>
         <p:spPr/>
         <p:txBody>
-          <a:bodyPr>
-            <a:normAutofit fontScale="90000"/>
-          </a:bodyPr>
+          <a:bodyPr/>
           <a:lstStyle/>
           <a:p>
             <a:r>
               <a:rPr lang="en-US" dirty="0"/>
-              <a:t>Advanced Analytics</a:t>
-            </a:r>
+              <a:t>Current  Solution</a:t>
+            </a:r>
+          </a:p>
+        </p:txBody>
+      </p:sp>
+      <p:sp>
+        <p:nvSpPr>
+          <p:cNvPr id="4" name="Text Placeholder 3">
+            <a:extLst>
+              <a:ext uri="{FF2B5EF4-FFF2-40B4-BE49-F238E27FC236}">
+                <a16:creationId xmlns:a16="http://schemas.microsoft.com/office/drawing/2014/main" id="{A17F80A9-6337-524E-AC61-32C5AFEE8E6D}"/>
+              </a:ext>
+            </a:extLst>
+          </p:cNvPr>
+          <p:cNvSpPr>
+            <a:spLocks noGrp="1"/>
+          </p:cNvSpPr>
+          <p:nvPr>
+            <p:ph type="body" sz="quarter" idx="11"/>
+          </p:nvPr>
+        </p:nvSpPr>
+        <p:spPr>
+          <a:xfrm>
+            <a:off x="964023" y="2111810"/>
+            <a:ext cx="4941477" cy="2795232"/>
+          </a:xfrm>
+        </p:spPr>
+        <p:txBody>
+          <a:bodyPr/>
+          <a:lstStyle/>
+          <a:p>
+            <a:r>
+              <a:rPr lang="en-US" b="1" i="1" u="none" strike="noStrike" baseline="0" dirty="0">
+                <a:solidFill>
+                  <a:schemeClr val="accent1">
+                    <a:lumMod val="50000"/>
+                  </a:schemeClr>
+                </a:solidFill>
+                <a:latin typeface="Arial" panose="020B0604020202020204" pitchFamily="34" charset="0"/>
+              </a:rPr>
+              <a:t>The company is depending on the marketing campaigns to increase sales without using advanced analytics to analyze customer behaviors and patterns.</a:t>
+            </a:r>
+          </a:p>
+          <a:p>
+            <a:endParaRPr lang="en-US" b="1" i="1" dirty="0">
+              <a:solidFill>
+                <a:schemeClr val="accent1">
+                  <a:lumMod val="50000"/>
+                </a:schemeClr>
+              </a:solidFill>
+              <a:latin typeface="Arial" panose="020B0604020202020204" pitchFamily="34" charset="0"/>
+            </a:endParaRPr>
+          </a:p>
+          <a:p>
+            <a:r>
+              <a:rPr lang="en-US" b="1" i="1" dirty="0">
+                <a:solidFill>
+                  <a:schemeClr val="accent1">
+                    <a:lumMod val="50000"/>
+                  </a:schemeClr>
+                </a:solidFill>
+                <a:latin typeface="Arial" panose="020B0604020202020204" pitchFamily="34" charset="0"/>
+              </a:rPr>
+              <a:t>The advertisements result after presenting the offers to 100k customer have 13.9% success rate.</a:t>
+            </a:r>
+            <a:endParaRPr lang="en-US" dirty="0">
+              <a:solidFill>
+                <a:schemeClr val="accent1">
+                  <a:lumMod val="50000"/>
+                </a:schemeClr>
+              </a:solidFill>
+            </a:endParaRPr>
           </a:p>
         </p:txBody>
       </p:sp>
@@ -21943,7 +23866,7 @@
             <a:fld id="{6FCA8E82-58CD-E045-8B98-B7A85B79B752}" type="datetime4">
               <a:rPr lang="en-US" smtClean="0"/>
               <a:pPr/>
-              <a:t>December 23, 2023</a:t>
+              <a:t>January 1, 2024</a:t>
             </a:fld>
             <a:endParaRPr lang="en-US" dirty="0"/>
           </a:p>
@@ -21952,7 +23875,7 @@
     </p:spTree>
     <p:extLst>
       <p:ext uri="{BB962C8B-B14F-4D97-AF65-F5344CB8AC3E}">
-        <p14:creationId xmlns:p14="http://schemas.microsoft.com/office/powerpoint/2010/main" val="1910767698"/>
+        <p14:creationId xmlns:p14="http://schemas.microsoft.com/office/powerpoint/2010/main" val="565498664"/>
       </p:ext>
     </p:extLst>
   </p:cSld>
@@ -21981,10 +23904,10 @@
       </p:grpSpPr>
       <p:sp>
         <p:nvSpPr>
-          <p:cNvPr id="2" name="Title 1">
-            <a:extLst>
-              <a:ext uri="{FF2B5EF4-FFF2-40B4-BE49-F238E27FC236}">
-                <a16:creationId xmlns:a16="http://schemas.microsoft.com/office/drawing/2014/main" id="{68F0FA04-6227-9040-92A6-9514A59B8E7B}"/>
+          <p:cNvPr id="3" name="Title 2">
+            <a:extLst>
+              <a:ext uri="{FF2B5EF4-FFF2-40B4-BE49-F238E27FC236}">
+                <a16:creationId xmlns:a16="http://schemas.microsoft.com/office/drawing/2014/main" id="{1353F689-2E51-BF4F-AE47-7CEB7CC4C52A}"/>
               </a:ext>
             </a:extLst>
           </p:cNvPr>
@@ -22011,10 +23934,10 @@
       </p:sp>
       <p:sp>
         <p:nvSpPr>
-          <p:cNvPr id="3" name="Text Placeholder 2">
-            <a:extLst>
-              <a:ext uri="{FF2B5EF4-FFF2-40B4-BE49-F238E27FC236}">
-                <a16:creationId xmlns:a16="http://schemas.microsoft.com/office/drawing/2014/main" id="{9CD657E5-4675-E84E-840E-4F6D4868C5A9}"/>
+          <p:cNvPr id="7" name="Slide Number Placeholder 6">
+            <a:extLst>
+              <a:ext uri="{FF2B5EF4-FFF2-40B4-BE49-F238E27FC236}">
+                <a16:creationId xmlns:a16="http://schemas.microsoft.com/office/drawing/2014/main" id="{F37669F0-EA6D-6B46-AF0E-A9C2D1F223DB}"/>
               </a:ext>
             </a:extLst>
           </p:cNvPr>
@@ -22022,61 +23945,67 @@
             <a:spLocks noGrp="1"/>
           </p:cNvSpPr>
           <p:nvPr>
-            <p:ph type="body" idx="1"/>
+            <p:ph type="sldNum" sz="quarter" idx="16"/>
           </p:nvPr>
         </p:nvSpPr>
         <p:spPr>
           <a:xfrm>
-            <a:off x="964023" y="2300984"/>
-            <a:ext cx="4827178" cy="2856942"/>
-          </a:xfrm>
-        </p:spPr>
-        <p:txBody>
-          <a:bodyPr>
-            <a:normAutofit/>
-          </a:bodyPr>
+            <a:off x="971550" y="6332220"/>
+            <a:ext cx="523240" cy="247651"/>
+          </a:xfrm>
+        </p:spPr>
+        <p:txBody>
+          <a:bodyPr/>
           <a:lstStyle/>
           <a:p>
+            <a:fld id="{294A09A9-5501-47C1-A89A-A340965A2BE2}" type="slidenum">
+              <a:rPr lang="en-US" smtClean="0"/>
+              <a:pPr/>
+              <a:t>6</a:t>
+            </a:fld>
+            <a:endParaRPr lang="en-US" dirty="0"/>
+          </a:p>
+        </p:txBody>
+      </p:sp>
+      <p:sp>
+        <p:nvSpPr>
+          <p:cNvPr id="6" name="Footer Placeholder 5">
+            <a:extLst>
+              <a:ext uri="{FF2B5EF4-FFF2-40B4-BE49-F238E27FC236}">
+                <a16:creationId xmlns:a16="http://schemas.microsoft.com/office/drawing/2014/main" id="{66F3960A-D260-8445-A153-0B674474CEBD}"/>
+              </a:ext>
+            </a:extLst>
+          </p:cNvPr>
+          <p:cNvSpPr>
+            <a:spLocks noGrp="1"/>
+          </p:cNvSpPr>
+          <p:nvPr>
+            <p:ph type="ftr" sz="quarter" idx="15"/>
+          </p:nvPr>
+        </p:nvSpPr>
+        <p:spPr>
+          <a:xfrm>
+            <a:off x="1494790" y="6332220"/>
+            <a:ext cx="1497330" cy="247651"/>
+          </a:xfrm>
+        </p:spPr>
+        <p:txBody>
+          <a:bodyPr/>
+          <a:lstStyle/>
+          <a:p>
             <a:r>
               <a:rPr lang="en-US" dirty="0"/>
-              <a:t>Conclusion:</a:t>
-            </a:r>
-          </a:p>
-          <a:p>
-            <a:r>
-              <a:rPr lang="en-US" dirty="0">
-                <a:solidFill>
-                  <a:schemeClr val="bg2">
-                    <a:lumMod val="10000"/>
-                  </a:schemeClr>
-                </a:solidFill>
-              </a:rPr>
-              <a:t>The Country with the highest Sales is Germany, followed by Austria and France.</a:t>
-            </a:r>
-          </a:p>
-          <a:p>
-            <a:r>
-              <a:rPr lang="en-US" dirty="0">
-                <a:solidFill>
-                  <a:schemeClr val="bg2">
-                    <a:lumMod val="10000"/>
-                  </a:schemeClr>
-                </a:solidFill>
-              </a:rPr>
-              <a:t>Take in mind that the data is imbalanced toward Germany.</a:t>
-            </a:r>
-          </a:p>
-          <a:p>
-            <a:endParaRPr lang="en-US" dirty="0"/>
+              <a:t>Annual Review</a:t>
+            </a:r>
           </a:p>
         </p:txBody>
       </p:sp>
       <p:pic>
         <p:nvPicPr>
-          <p:cNvPr id="14" name="Content Placeholder 13" descr="A pie chart with different colored circles&#10;&#10;Description automatically generated">
-            <a:extLst>
-              <a:ext uri="{FF2B5EF4-FFF2-40B4-BE49-F238E27FC236}">
-                <a16:creationId xmlns:a16="http://schemas.microsoft.com/office/drawing/2014/main" id="{338A2593-2C04-F228-D151-0E5A32709302}"/>
+          <p:cNvPr id="53" name="Picture Placeholder 52" descr="Hanging Lightbulbs">
+            <a:extLst>
+              <a:ext uri="{FF2B5EF4-FFF2-40B4-BE49-F238E27FC236}">
+                <a16:creationId xmlns:a16="http://schemas.microsoft.com/office/drawing/2014/main" id="{CAC9EF15-08A3-406D-9236-76A5454D5F8A}"/>
               </a:ext>
             </a:extLst>
           </p:cNvPr>
@@ -22084,7 +24013,7 @@
             <a:picLocks noGrp="1" noChangeAspect="1"/>
           </p:cNvPicPr>
           <p:nvPr>
-            <p:ph sz="half" idx="13"/>
+            <p:ph type="pic" sz="quarter" idx="13"/>
           </p:nvPr>
         </p:nvPicPr>
         <p:blipFill>
@@ -22095,93 +24024,19 @@
               </a:ext>
             </a:extLst>
           </a:blip>
+          <a:srcRect/>
           <a:stretch>
             <a:fillRect/>
           </a:stretch>
         </p:blipFill>
-        <p:spPr>
-          <a:xfrm>
-            <a:off x="6011446" y="410824"/>
-            <a:ext cx="5112274" cy="3548616"/>
-          </a:xfrm>
-        </p:spPr>
+        <p:spPr/>
       </p:pic>
       <p:sp>
         <p:nvSpPr>
-          <p:cNvPr id="9" name="Slide Number Placeholder 8">
-            <a:extLst>
-              <a:ext uri="{FF2B5EF4-FFF2-40B4-BE49-F238E27FC236}">
-                <a16:creationId xmlns:a16="http://schemas.microsoft.com/office/drawing/2014/main" id="{9A5802D8-6C81-6C4F-97CF-C1F2344EE894}"/>
-              </a:ext>
-            </a:extLst>
-          </p:cNvPr>
-          <p:cNvSpPr>
-            <a:spLocks noGrp="1"/>
-          </p:cNvSpPr>
-          <p:nvPr>
-            <p:ph type="sldNum" sz="quarter" idx="16"/>
-          </p:nvPr>
-        </p:nvSpPr>
-        <p:spPr>
-          <a:xfrm>
-            <a:off x="971550" y="6332220"/>
-            <a:ext cx="523240" cy="247651"/>
-          </a:xfrm>
-        </p:spPr>
-        <p:txBody>
-          <a:bodyPr/>
-          <a:lstStyle/>
-          <a:p>
-            <a:pPr algn="l"/>
-            <a:fld id="{294A09A9-5501-47C1-A89A-A340965A2BE2}" type="slidenum">
-              <a:rPr lang="en-US" smtClean="0"/>
-              <a:pPr algn="l"/>
-              <a:t>6</a:t>
-            </a:fld>
-            <a:endParaRPr lang="en-US" dirty="0"/>
-          </a:p>
-        </p:txBody>
-      </p:sp>
-      <p:sp>
-        <p:nvSpPr>
-          <p:cNvPr id="8" name="Footer Placeholder 7">
-            <a:extLst>
-              <a:ext uri="{FF2B5EF4-FFF2-40B4-BE49-F238E27FC236}">
-                <a16:creationId xmlns:a16="http://schemas.microsoft.com/office/drawing/2014/main" id="{2A659727-BBB9-9B49-BCA1-694F74F717C4}"/>
-              </a:ext>
-            </a:extLst>
-          </p:cNvPr>
-          <p:cNvSpPr>
-            <a:spLocks noGrp="1"/>
-          </p:cNvSpPr>
-          <p:nvPr>
-            <p:ph type="ftr" sz="quarter" idx="15"/>
-          </p:nvPr>
-        </p:nvSpPr>
-        <p:spPr>
-          <a:xfrm>
-            <a:off x="1494790" y="6332220"/>
-            <a:ext cx="1497330" cy="247651"/>
-          </a:xfrm>
-        </p:spPr>
-        <p:txBody>
-          <a:bodyPr/>
-          <a:lstStyle/>
-          <a:p>
-            <a:r>
-              <a:rPr lang="en-US" dirty="0"/>
-              <a:t>Annual Review</a:t>
-            </a:r>
-            <a:endParaRPr lang="en-US" sz="1100" dirty="0"/>
-          </a:p>
-        </p:txBody>
-      </p:sp>
-      <p:sp>
-        <p:nvSpPr>
-          <p:cNvPr id="18" name="Date Placeholder 3">
-            <a:extLst>
-              <a:ext uri="{FF2B5EF4-FFF2-40B4-BE49-F238E27FC236}">
-                <a16:creationId xmlns:a16="http://schemas.microsoft.com/office/drawing/2014/main" id="{F81D4B1A-BE69-469D-B4E9-C605222B67FD}"/>
+          <p:cNvPr id="8" name="Date Placeholder 3">
+            <a:extLst>
+              <a:ext uri="{FF2B5EF4-FFF2-40B4-BE49-F238E27FC236}">
+                <a16:creationId xmlns:a16="http://schemas.microsoft.com/office/drawing/2014/main" id="{2DAD51F7-3210-479B-ADF0-963FBC7E32BD}"/>
               </a:ext>
             </a:extLst>
           </p:cNvPr>
@@ -22300,51 +24155,16 @@
             <a:fld id="{6FCA8E82-58CD-E045-8B98-B7A85B79B752}" type="datetime4">
               <a:rPr lang="en-US" smtClean="0"/>
               <a:pPr/>
-              <a:t>December 23, 2023</a:t>
+              <a:t>January 1, 2024</a:t>
             </a:fld>
             <a:endParaRPr lang="en-US" dirty="0"/>
           </a:p>
         </p:txBody>
       </p:sp>
-      <p:pic>
-        <p:nvPicPr>
-          <p:cNvPr id="16" name="Content Placeholder 15" descr="A graph of different colored rectangular shapes&#10;&#10;Description automatically generated">
-            <a:extLst>
-              <a:ext uri="{FF2B5EF4-FFF2-40B4-BE49-F238E27FC236}">
-                <a16:creationId xmlns:a16="http://schemas.microsoft.com/office/drawing/2014/main" id="{CAE72407-AF15-2269-E6EF-958ADE15A3C1}"/>
-              </a:ext>
-            </a:extLst>
-          </p:cNvPr>
-          <p:cNvPicPr>
-            <a:picLocks noGrp="1" noChangeAspect="1"/>
-          </p:cNvPicPr>
-          <p:nvPr>
-            <p:ph sz="half" idx="2"/>
-          </p:nvPr>
-        </p:nvPicPr>
-        <p:blipFill>
-          <a:blip r:embed="rId3">
-            <a:extLst>
-              <a:ext uri="{28A0092B-C50C-407E-A947-70E740481C1C}">
-                <a14:useLocalDpi xmlns:a14="http://schemas.microsoft.com/office/drawing/2010/main" val="0"/>
-              </a:ext>
-            </a:extLst>
-          </a:blip>
-          <a:stretch>
-            <a:fillRect/>
-          </a:stretch>
-        </p:blipFill>
-        <p:spPr>
-          <a:xfrm>
-            <a:off x="5791201" y="3959440"/>
-            <a:ext cx="5936201" cy="2620431"/>
-          </a:xfrm>
-        </p:spPr>
-      </p:pic>
     </p:spTree>
     <p:extLst>
       <p:ext uri="{BB962C8B-B14F-4D97-AF65-F5344CB8AC3E}">
-        <p14:creationId xmlns:p14="http://schemas.microsoft.com/office/powerpoint/2010/main" val="767675903"/>
+        <p14:creationId xmlns:p14="http://schemas.microsoft.com/office/powerpoint/2010/main" val="1910767698"/>
       </p:ext>
     </p:extLst>
   </p:cSld>
@@ -22403,6 +24223,103 @@
       </p:sp>
       <p:sp>
         <p:nvSpPr>
+          <p:cNvPr id="3" name="Text Placeholder 2">
+            <a:extLst>
+              <a:ext uri="{FF2B5EF4-FFF2-40B4-BE49-F238E27FC236}">
+                <a16:creationId xmlns:a16="http://schemas.microsoft.com/office/drawing/2014/main" id="{9CD657E5-4675-E84E-840E-4F6D4868C5A9}"/>
+              </a:ext>
+            </a:extLst>
+          </p:cNvPr>
+          <p:cNvSpPr>
+            <a:spLocks noGrp="1"/>
+          </p:cNvSpPr>
+          <p:nvPr>
+            <p:ph type="body" idx="1"/>
+          </p:nvPr>
+        </p:nvSpPr>
+        <p:spPr>
+          <a:xfrm>
+            <a:off x="964023" y="2300984"/>
+            <a:ext cx="4827178" cy="2856942"/>
+          </a:xfrm>
+        </p:spPr>
+        <p:txBody>
+          <a:bodyPr>
+            <a:normAutofit/>
+          </a:bodyPr>
+          <a:lstStyle/>
+          <a:p>
+            <a:r>
+              <a:rPr lang="en-US" dirty="0"/>
+              <a:t>Conclusion:</a:t>
+            </a:r>
+          </a:p>
+          <a:p>
+            <a:r>
+              <a:rPr lang="en-US" dirty="0">
+                <a:solidFill>
+                  <a:schemeClr val="bg2">
+                    <a:lumMod val="10000"/>
+                  </a:schemeClr>
+                </a:solidFill>
+              </a:rPr>
+              <a:t>The Country with the highest Sales is Germany, followed by Austria and France.</a:t>
+            </a:r>
+          </a:p>
+          <a:p>
+            <a:r>
+              <a:rPr lang="en-US" dirty="0">
+                <a:solidFill>
+                  <a:schemeClr val="bg2">
+                    <a:lumMod val="10000"/>
+                  </a:schemeClr>
+                </a:solidFill>
+              </a:rPr>
+              <a:t>Take in mind that the data is imbalanced toward Germany.</a:t>
+            </a:r>
+          </a:p>
+          <a:p>
+            <a:endParaRPr lang="en-US" dirty="0"/>
+          </a:p>
+        </p:txBody>
+      </p:sp>
+      <p:pic>
+        <p:nvPicPr>
+          <p:cNvPr id="14" name="Content Placeholder 13" descr="A pie chart with different colored circles&#10;&#10;Description automatically generated">
+            <a:extLst>
+              <a:ext uri="{FF2B5EF4-FFF2-40B4-BE49-F238E27FC236}">
+                <a16:creationId xmlns:a16="http://schemas.microsoft.com/office/drawing/2014/main" id="{338A2593-2C04-F228-D151-0E5A32709302}"/>
+              </a:ext>
+            </a:extLst>
+          </p:cNvPr>
+          <p:cNvPicPr>
+            <a:picLocks noGrp="1" noChangeAspect="1"/>
+          </p:cNvPicPr>
+          <p:nvPr>
+            <p:ph sz="half" idx="13"/>
+          </p:nvPr>
+        </p:nvPicPr>
+        <p:blipFill>
+          <a:blip r:embed="rId2">
+            <a:extLst>
+              <a:ext uri="{28A0092B-C50C-407E-A947-70E740481C1C}">
+                <a14:useLocalDpi xmlns:a14="http://schemas.microsoft.com/office/drawing/2010/main" val="0"/>
+              </a:ext>
+            </a:extLst>
+          </a:blip>
+          <a:stretch>
+            <a:fillRect/>
+          </a:stretch>
+        </p:blipFill>
+        <p:spPr>
+          <a:xfrm>
+            <a:off x="6011446" y="410824"/>
+            <a:ext cx="5112274" cy="3548616"/>
+          </a:xfrm>
+        </p:spPr>
+      </p:pic>
+      <p:sp>
+        <p:nvSpPr>
           <p:cNvPr id="9" name="Slide Number Placeholder 8">
             <a:extLst>
               <a:ext uri="{FF2B5EF4-FFF2-40B4-BE49-F238E27FC236}">
@@ -22595,199 +24512,51 @@
             <a:fld id="{6FCA8E82-58CD-E045-8B98-B7A85B79B752}" type="datetime4">
               <a:rPr lang="en-US" smtClean="0"/>
               <a:pPr/>
-              <a:t>December 23, 2023</a:t>
+              <a:t>January 1, 2024</a:t>
             </a:fld>
             <a:endParaRPr lang="en-US" dirty="0"/>
           </a:p>
         </p:txBody>
       </p:sp>
-      <p:sp>
-        <p:nvSpPr>
-          <p:cNvPr id="13" name="Text Placeholder 12">
-            <a:extLst>
-              <a:ext uri="{FF2B5EF4-FFF2-40B4-BE49-F238E27FC236}">
-                <a16:creationId xmlns:a16="http://schemas.microsoft.com/office/drawing/2014/main" id="{F2BE3D2D-BB1F-290E-F4A5-998CFDD0A828}"/>
-              </a:ext>
-            </a:extLst>
-          </p:cNvPr>
-          <p:cNvSpPr>
-            <a:spLocks noGrp="1"/>
-          </p:cNvSpPr>
-          <p:nvPr>
-            <p:ph type="body" idx="1"/>
-          </p:nvPr>
-        </p:nvSpPr>
-        <p:spPr>
-          <a:xfrm>
-            <a:off x="964023" y="2300983"/>
-            <a:ext cx="4827178" cy="2529433"/>
-          </a:xfrm>
-        </p:spPr>
-        <p:txBody>
-          <a:bodyPr/>
-          <a:lstStyle/>
-          <a:p>
-            <a:r>
-              <a:rPr lang="en-US" dirty="0"/>
-              <a:t>Conclusion:</a:t>
-            </a:r>
-          </a:p>
-          <a:p>
-            <a:r>
-              <a:rPr lang="en-US" dirty="0">
-                <a:solidFill>
-                  <a:schemeClr val="bg2">
-                    <a:lumMod val="10000"/>
-                  </a:schemeClr>
-                </a:solidFill>
-              </a:rPr>
-              <a:t>Promo1 had been launched in all countries, Promo2 had been launched only in France.</a:t>
-            </a:r>
-          </a:p>
-          <a:p>
-            <a:r>
-              <a:rPr lang="en-US" dirty="0">
-                <a:solidFill>
-                  <a:schemeClr val="bg2">
-                    <a:lumMod val="10000"/>
-                  </a:schemeClr>
-                </a:solidFill>
-              </a:rPr>
-              <a:t>There is a relationship between sales and number of promos.</a:t>
-            </a:r>
-          </a:p>
-          <a:p>
-            <a:r>
-              <a:rPr lang="en-US" dirty="0">
-                <a:solidFill>
-                  <a:schemeClr val="bg2">
-                    <a:lumMod val="10000"/>
-                  </a:schemeClr>
-                </a:solidFill>
-              </a:rPr>
-              <a:t>While promo1 has approximately the same success rate in all countries.</a:t>
-            </a:r>
-          </a:p>
-          <a:p>
-            <a:r>
-              <a:rPr lang="en-US" dirty="0">
-                <a:solidFill>
-                  <a:schemeClr val="bg2">
-                    <a:lumMod val="10000"/>
-                  </a:schemeClr>
-                </a:solidFill>
-              </a:rPr>
-              <a:t>Promo2 had twice the success rate in France.</a:t>
-            </a:r>
-          </a:p>
-          <a:p>
-            <a:endParaRPr lang="en-US" dirty="0">
-              <a:solidFill>
-                <a:schemeClr val="bg2">
-                  <a:lumMod val="10000"/>
-                </a:schemeClr>
-              </a:solidFill>
-            </a:endParaRPr>
-          </a:p>
-          <a:p>
-            <a:endParaRPr lang="en-US" dirty="0">
-              <a:solidFill>
-                <a:schemeClr val="bg2">
-                  <a:lumMod val="10000"/>
-                </a:schemeClr>
-              </a:solidFill>
-            </a:endParaRPr>
-          </a:p>
-          <a:p>
-            <a:endParaRPr lang="en-US" dirty="0">
-              <a:solidFill>
-                <a:schemeClr val="bg2">
-                  <a:lumMod val="10000"/>
-                </a:schemeClr>
-              </a:solidFill>
-            </a:endParaRPr>
-          </a:p>
-          <a:p>
-            <a:endParaRPr lang="en-US" dirty="0"/>
-          </a:p>
-          <a:p>
-            <a:endParaRPr lang="en-US" dirty="0"/>
-          </a:p>
-          <a:p>
-            <a:endParaRPr lang="en-US" dirty="0"/>
-          </a:p>
-          <a:p>
-            <a:endParaRPr lang="en-US" dirty="0"/>
-          </a:p>
-          <a:p>
-            <a:endParaRPr lang="en-US" dirty="0"/>
-          </a:p>
-        </p:txBody>
-      </p:sp>
       <p:pic>
         <p:nvPicPr>
-          <p:cNvPr id="20" name="Picture 19">
-            <a:extLst>
-              <a:ext uri="{FF2B5EF4-FFF2-40B4-BE49-F238E27FC236}">
-                <a16:creationId xmlns:a16="http://schemas.microsoft.com/office/drawing/2014/main" id="{56A4C43B-1205-36DF-1E14-60D01548C171}"/>
+          <p:cNvPr id="16" name="Content Placeholder 15" descr="A graph of different colored rectangular shapes&#10;&#10;Description automatically generated">
+            <a:extLst>
+              <a:ext uri="{FF2B5EF4-FFF2-40B4-BE49-F238E27FC236}">
+                <a16:creationId xmlns:a16="http://schemas.microsoft.com/office/drawing/2014/main" id="{CAE72407-AF15-2269-E6EF-958ADE15A3C1}"/>
               </a:ext>
             </a:extLst>
           </p:cNvPr>
           <p:cNvPicPr>
-            <a:picLocks noChangeAspect="1"/>
+            <a:picLocks noGrp="1" noChangeAspect="1"/>
           </p:cNvPicPr>
-          <p:nvPr/>
+          <p:nvPr>
+            <p:ph sz="half" idx="2"/>
+          </p:nvPr>
         </p:nvPicPr>
         <p:blipFill>
-          <a:blip r:embed="rId2"/>
+          <a:blip r:embed="rId3">
+            <a:extLst>
+              <a:ext uri="{28A0092B-C50C-407E-A947-70E740481C1C}">
+                <a14:useLocalDpi xmlns:a14="http://schemas.microsoft.com/office/drawing/2010/main" val="0"/>
+              </a:ext>
+            </a:extLst>
+          </a:blip>
           <a:stretch>
             <a:fillRect/>
           </a:stretch>
         </p:blipFill>
         <p:spPr>
           <a:xfrm>
-            <a:off x="6206603" y="612029"/>
-            <a:ext cx="4206904" cy="3063330"/>
-          </a:xfrm>
-          <a:prstGeom prst="rect">
-            <a:avLst/>
-          </a:prstGeom>
-        </p:spPr>
-      </p:pic>
-      <p:pic>
-        <p:nvPicPr>
-          <p:cNvPr id="24" name="Picture 23">
-            <a:extLst>
-              <a:ext uri="{FF2B5EF4-FFF2-40B4-BE49-F238E27FC236}">
-                <a16:creationId xmlns:a16="http://schemas.microsoft.com/office/drawing/2014/main" id="{6BDAE587-05B6-5B2C-E126-B56CD99E7BEA}"/>
-              </a:ext>
-            </a:extLst>
-          </p:cNvPr>
-          <p:cNvPicPr>
-            <a:picLocks noChangeAspect="1"/>
-          </p:cNvPicPr>
-          <p:nvPr/>
-        </p:nvPicPr>
-        <p:blipFill>
-          <a:blip r:embed="rId3"/>
-          <a:stretch>
-            <a:fillRect/>
-          </a:stretch>
-        </p:blipFill>
-        <p:spPr>
-          <a:xfrm>
-            <a:off x="6607576" y="4350058"/>
-            <a:ext cx="3734124" cy="1118126"/>
-          </a:xfrm>
-          <a:prstGeom prst="rect">
-            <a:avLst/>
-          </a:prstGeom>
+            <a:off x="5791201" y="3959440"/>
+            <a:ext cx="5936201" cy="2620431"/>
+          </a:xfrm>
         </p:spPr>
       </p:pic>
     </p:spTree>
     <p:extLst>
       <p:ext uri="{BB962C8B-B14F-4D97-AF65-F5344CB8AC3E}">
-        <p14:creationId xmlns:p14="http://schemas.microsoft.com/office/powerpoint/2010/main" val="3774711102"/>
+        <p14:creationId xmlns:p14="http://schemas.microsoft.com/office/powerpoint/2010/main" val="767675903"/>
       </p:ext>
     </p:extLst>
   </p:cSld>
@@ -23038,7 +24807,7 @@
             <a:fld id="{6FCA8E82-58CD-E045-8B98-B7A85B79B752}" type="datetime4">
               <a:rPr lang="en-US" smtClean="0"/>
               <a:pPr/>
-              <a:t>December 23, 2023</a:t>
+              <a:t>January 1, 2024</a:t>
             </a:fld>
             <a:endParaRPr lang="en-US" dirty="0"/>
           </a:p>
@@ -23084,7 +24853,7 @@
                   </a:schemeClr>
                 </a:solidFill>
               </a:rPr>
-              <a:t>The most purchased items are:</a:t>
+              <a:t>Promo1 had been launched in all countries, Promo2 had been launched only in France.</a:t>
             </a:r>
           </a:p>
           <a:p>
@@ -23096,7 +24865,7 @@
                   </a:schemeClr>
                 </a:solidFill>
               </a:rPr>
-              <a:t>	1- Shoes</a:t>
+              <a:t>There is a relationship between sales and number of promos.</a:t>
             </a:r>
           </a:p>
           <a:p>
@@ -23108,7 +24877,7 @@
                   </a:schemeClr>
                 </a:solidFill>
               </a:rPr>
-              <a:t>	2- Hardware Accessories</a:t>
+              <a:t>While promo1 has approximately the same success rate in all countries.</a:t>
             </a:r>
           </a:p>
           <a:p>
@@ -23120,20 +24889,35 @@
                   </a:schemeClr>
                 </a:solidFill>
               </a:rPr>
-              <a:t>	3- Sweatshirts</a:t>
-            </a:r>
-          </a:p>
-          <a:p>
-            <a:r>
-              <a:rPr lang="en-US" dirty="0">
-                <a:solidFill>
-                  <a:schemeClr val="bg2">
-                    <a:lumMod val="10000"/>
-                  </a:schemeClr>
-                </a:solidFill>
-              </a:rPr>
-              <a:t>	4- Shorts</a:t>
-            </a:r>
+              <a:t>Promo2 had twice the success rate in France.</a:t>
+            </a:r>
+          </a:p>
+          <a:p>
+            <a:endParaRPr lang="en-US" dirty="0">
+              <a:solidFill>
+                <a:schemeClr val="bg2">
+                  <a:lumMod val="10000"/>
+                </a:schemeClr>
+              </a:solidFill>
+            </a:endParaRPr>
+          </a:p>
+          <a:p>
+            <a:endParaRPr lang="en-US" dirty="0">
+              <a:solidFill>
+                <a:schemeClr val="bg2">
+                  <a:lumMod val="10000"/>
+                </a:schemeClr>
+              </a:solidFill>
+            </a:endParaRPr>
+          </a:p>
+          <a:p>
+            <a:endParaRPr lang="en-US" dirty="0">
+              <a:solidFill>
+                <a:schemeClr val="bg2">
+                  <a:lumMod val="10000"/>
+                </a:schemeClr>
+              </a:solidFill>
+            </a:endParaRPr>
           </a:p>
           <a:p>
             <a:endParaRPr lang="en-US" dirty="0"/>
@@ -23154,10 +24938,10 @@
       </p:sp>
       <p:pic>
         <p:nvPicPr>
-          <p:cNvPr id="6" name="Picture 5" descr="A graph of sales&#10;&#10;Description automatically generated with medium confidence">
-            <a:extLst>
-              <a:ext uri="{FF2B5EF4-FFF2-40B4-BE49-F238E27FC236}">
-                <a16:creationId xmlns:a16="http://schemas.microsoft.com/office/drawing/2014/main" id="{690F4B47-D68A-A4B7-6D40-8EA97FD58C94}"/>
+          <p:cNvPr id="20" name="Picture 19">
+            <a:extLst>
+              <a:ext uri="{FF2B5EF4-FFF2-40B4-BE49-F238E27FC236}">
+                <a16:creationId xmlns:a16="http://schemas.microsoft.com/office/drawing/2014/main" id="{56A4C43B-1205-36DF-1E14-60D01548C171}"/>
               </a:ext>
             </a:extLst>
           </p:cNvPr>
@@ -23167,7 +24951,69 @@
           <p:nvPr/>
         </p:nvPicPr>
         <p:blipFill>
-          <a:blip r:embed="rId2">
+          <a:blip r:embed="rId2"/>
+          <a:stretch>
+            <a:fillRect/>
+          </a:stretch>
+        </p:blipFill>
+        <p:spPr>
+          <a:xfrm>
+            <a:off x="6286502" y="502369"/>
+            <a:ext cx="4206904" cy="3063330"/>
+          </a:xfrm>
+          <a:prstGeom prst="rect">
+            <a:avLst/>
+          </a:prstGeom>
+        </p:spPr>
+      </p:pic>
+      <p:pic>
+        <p:nvPicPr>
+          <p:cNvPr id="24" name="Picture 23">
+            <a:extLst>
+              <a:ext uri="{FF2B5EF4-FFF2-40B4-BE49-F238E27FC236}">
+                <a16:creationId xmlns:a16="http://schemas.microsoft.com/office/drawing/2014/main" id="{6BDAE587-05B6-5B2C-E126-B56CD99E7BEA}"/>
+              </a:ext>
+            </a:extLst>
+          </p:cNvPr>
+          <p:cNvPicPr>
+            <a:picLocks noChangeAspect="1"/>
+          </p:cNvPicPr>
+          <p:nvPr/>
+        </p:nvPicPr>
+        <p:blipFill>
+          <a:blip r:embed="rId3"/>
+          <a:stretch>
+            <a:fillRect/>
+          </a:stretch>
+        </p:blipFill>
+        <p:spPr>
+          <a:xfrm>
+            <a:off x="1233170" y="5022254"/>
+            <a:ext cx="3734124" cy="1118126"/>
+          </a:xfrm>
+          <a:prstGeom prst="rect">
+            <a:avLst/>
+          </a:prstGeom>
+        </p:spPr>
+      </p:pic>
+      <p:pic>
+        <p:nvPicPr>
+          <p:cNvPr id="3" name="Content Placeholder 15" descr="A graph of different colored rectangular shapes&#10;&#10;Description automatically generated">
+            <a:extLst>
+              <a:ext uri="{FF2B5EF4-FFF2-40B4-BE49-F238E27FC236}">
+                <a16:creationId xmlns:a16="http://schemas.microsoft.com/office/drawing/2014/main" id="{35234AB5-5028-37D1-1804-69984F5CB992}"/>
+              </a:ext>
+            </a:extLst>
+          </p:cNvPr>
+          <p:cNvPicPr>
+            <a:picLocks noGrp="1" noChangeAspect="1"/>
+          </p:cNvPicPr>
+          <p:nvPr>
+            <p:ph sz="half" idx="2"/>
+          </p:nvPr>
+        </p:nvPicPr>
+        <p:blipFill>
+          <a:blip r:embed="rId4">
             <a:extLst>
               <a:ext uri="{28A0092B-C50C-407E-A947-70E740481C1C}">
                 <a14:useLocalDpi xmlns:a14="http://schemas.microsoft.com/office/drawing/2010/main" val="0"/>
@@ -23180,18 +25026,15 @@
         </p:blipFill>
         <p:spPr>
           <a:xfrm>
-            <a:off x="6286502" y="258407"/>
-            <a:ext cx="4941478" cy="4572009"/>
-          </a:xfrm>
-          <a:prstGeom prst="rect">
-            <a:avLst/>
-          </a:prstGeom>
+            <a:off x="6400801" y="3662861"/>
+            <a:ext cx="3814979" cy="2718787"/>
+          </a:xfrm>
         </p:spPr>
       </p:pic>
     </p:spTree>
     <p:extLst>
       <p:ext uri="{BB962C8B-B14F-4D97-AF65-F5344CB8AC3E}">
-        <p14:creationId xmlns:p14="http://schemas.microsoft.com/office/powerpoint/2010/main" val="1557084617"/>
+        <p14:creationId xmlns:p14="http://schemas.microsoft.com/office/powerpoint/2010/main" val="3774711102"/>
       </p:ext>
     </p:extLst>
   </p:cSld>
@@ -23234,12 +25077,7 @@
             <p:ph type="title"/>
           </p:nvPr>
         </p:nvSpPr>
-        <p:spPr>
-          <a:xfrm>
-            <a:off x="373473" y="882068"/>
-            <a:ext cx="4941477" cy="610863"/>
-          </a:xfrm>
-        </p:spPr>
+        <p:spPr/>
         <p:txBody>
           <a:bodyPr>
             <a:normAutofit fontScale="90000"/>
@@ -23447,7 +25285,7 @@
             <a:fld id="{6FCA8E82-58CD-E045-8B98-B7A85B79B752}" type="datetime4">
               <a:rPr lang="en-US" smtClean="0"/>
               <a:pPr/>
-              <a:t>December 23, 2023</a:t>
+              <a:t>January 1, 2024</a:t>
             </a:fld>
             <a:endParaRPr lang="en-US" dirty="0"/>
           </a:p>
@@ -23471,8 +25309,8 @@
         </p:nvSpPr>
         <p:spPr>
           <a:xfrm>
-            <a:off x="259173" y="2262883"/>
-            <a:ext cx="4617627" cy="2529433"/>
+            <a:off x="964023" y="2300983"/>
+            <a:ext cx="4827178" cy="2529433"/>
           </a:xfrm>
         </p:spPr>
         <p:txBody>
@@ -23493,19 +25331,19 @@
                   </a:schemeClr>
                 </a:solidFill>
               </a:rPr>
-              <a:t>The month with the Highest purchases is</a:t>
-            </a:r>
-          </a:p>
-          <a:p>
-            <a:r>
-              <a:rPr lang="en-US" b="1" dirty="0">
+              <a:t>The most purchased items are:</a:t>
+            </a:r>
+          </a:p>
+          <a:p>
+            <a:r>
+              <a:rPr lang="en-US" dirty="0">
                 <a:solidFill>
                   <a:schemeClr val="bg2">
                     <a:lumMod val="10000"/>
                   </a:schemeClr>
                 </a:solidFill>
               </a:rPr>
-              <a:t>Aug 2015</a:t>
+              <a:t>	1- Shoes</a:t>
             </a:r>
           </a:p>
           <a:p>
@@ -23517,7 +25355,7 @@
                   </a:schemeClr>
                 </a:solidFill>
               </a:rPr>
-              <a:t>It is noted that sales have a sharp decline in April, May, September, October.</a:t>
+              <a:t>	2- Hardware Accessories</a:t>
             </a:r>
           </a:p>
           <a:p>
@@ -23529,7 +25367,19 @@
                   </a:schemeClr>
                 </a:solidFill>
               </a:rPr>
-              <a:t>So, It is Recommended to launch media advertisements or store events in these months to increase the amount of sales</a:t>
+              <a:t>	3- Sweatshirts</a:t>
+            </a:r>
+          </a:p>
+          <a:p>
+            <a:r>
+              <a:rPr lang="en-US" dirty="0">
+                <a:solidFill>
+                  <a:schemeClr val="bg2">
+                    <a:lumMod val="10000"/>
+                  </a:schemeClr>
+                </a:solidFill>
+              </a:rPr>
+              <a:t>	4- Shorts</a:t>
             </a:r>
           </a:p>
           <a:p>
@@ -23551,10 +25401,10 @@
       </p:sp>
       <p:pic>
         <p:nvPicPr>
-          <p:cNvPr id="4" name="Picture 3" descr="A graph of different colored bars&#10;&#10;Description automatically generated">
-            <a:extLst>
-              <a:ext uri="{FF2B5EF4-FFF2-40B4-BE49-F238E27FC236}">
-                <a16:creationId xmlns:a16="http://schemas.microsoft.com/office/drawing/2014/main" id="{25D69C81-09F3-DD72-9243-1C6E7A7F37C8}"/>
+          <p:cNvPr id="6" name="Picture 5" descr="A graph of sales&#10;&#10;Description automatically generated with medium confidence">
+            <a:extLst>
+              <a:ext uri="{FF2B5EF4-FFF2-40B4-BE49-F238E27FC236}">
+                <a16:creationId xmlns:a16="http://schemas.microsoft.com/office/drawing/2014/main" id="{690F4B47-D68A-A4B7-6D40-8EA97FD58C94}"/>
               </a:ext>
             </a:extLst>
           </p:cNvPr>
@@ -23577,8 +25427,8 @@
         </p:blipFill>
         <p:spPr>
           <a:xfrm>
-            <a:off x="4973321" y="1685916"/>
-            <a:ext cx="6799580" cy="4572009"/>
+            <a:off x="6286502" y="258407"/>
+            <a:ext cx="4941478" cy="4572009"/>
           </a:xfrm>
           <a:prstGeom prst="rect">
             <a:avLst/>
@@ -23588,7 +25438,7 @@
     </p:spTree>
     <p:extLst>
       <p:ext uri="{BB962C8B-B14F-4D97-AF65-F5344CB8AC3E}">
-        <p14:creationId xmlns:p14="http://schemas.microsoft.com/office/powerpoint/2010/main" val="781296176"/>
+        <p14:creationId xmlns:p14="http://schemas.microsoft.com/office/powerpoint/2010/main" val="1557084617"/>
       </p:ext>
     </p:extLst>
   </p:cSld>

--- a/Sport Wear Group Analytics.pptx
+++ b/Sport Wear Group Analytics.pptx
@@ -5,10 +5,10 @@
     <p:sldMasterId id="2147483658" r:id="rId4"/>
   </p:sldMasterIdLst>
   <p:notesMasterIdLst>
-    <p:notesMasterId r:id="rId38"/>
+    <p:notesMasterId r:id="rId40"/>
   </p:notesMasterIdLst>
   <p:handoutMasterIdLst>
-    <p:handoutMasterId r:id="rId39"/>
+    <p:handoutMasterId r:id="rId41"/>
   </p:handoutMasterIdLst>
   <p:sldIdLst>
     <p:sldId id="350" r:id="rId5"/>
@@ -37,13 +37,15 @@
     <p:sldId id="391" r:id="rId28"/>
     <p:sldId id="392" r:id="rId29"/>
     <p:sldId id="383" r:id="rId30"/>
-    <p:sldId id="384" r:id="rId31"/>
-    <p:sldId id="385" r:id="rId32"/>
-    <p:sldId id="387" r:id="rId33"/>
-    <p:sldId id="386" r:id="rId34"/>
-    <p:sldId id="388" r:id="rId35"/>
-    <p:sldId id="389" r:id="rId36"/>
-    <p:sldId id="343" r:id="rId37"/>
+    <p:sldId id="393" r:id="rId31"/>
+    <p:sldId id="384" r:id="rId32"/>
+    <p:sldId id="394" r:id="rId33"/>
+    <p:sldId id="385" r:id="rId34"/>
+    <p:sldId id="387" r:id="rId35"/>
+    <p:sldId id="386" r:id="rId36"/>
+    <p:sldId id="388" r:id="rId37"/>
+    <p:sldId id="389" r:id="rId38"/>
+    <p:sldId id="343" r:id="rId39"/>
   </p:sldIdLst>
   <p:sldSz cx="12192000" cy="6858000"/>
   <p:notesSz cx="6858000" cy="9144000"/>
@@ -396,7 +398,7 @@
           <a:p>
             <a:fld id="{6EE7A52F-9D89-7442-A8E9-48D1527B5F6B}" type="datetimeFigureOut">
               <a:rPr lang="en-US" smtClean="0"/>
-              <a:t>1/1/2024</a:t>
+              <a:t>1/2/2024</a:t>
             </a:fld>
             <a:endParaRPr lang="en-US" dirty="0"/>
           </a:p>
@@ -728,7 +730,7 @@
           <a:p>
             <a:fld id="{A89C7E07-3C67-C64C-8DA0-0404F6303970}" type="slidenum">
               <a:rPr lang="en-US" smtClean="0"/>
-              <a:t>33</a:t>
+              <a:t>35</a:t>
             </a:fld>
             <a:endParaRPr lang="en-US" dirty="0"/>
           </a:p>
@@ -12410,7 +12412,7 @@
             <a:fld id="{6FCA8E82-58CD-E045-8B98-B7A85B79B752}" type="datetime4">
               <a:rPr lang="en-US" smtClean="0"/>
               <a:pPr/>
-              <a:t>January 1, 2024</a:t>
+              <a:t>January 2, 2024</a:t>
             </a:fld>
             <a:endParaRPr lang="en-US" dirty="0">
               <a:latin typeface="+mn-lt"/>
@@ -13116,8 +13118,8 @@
         </p:nvSpPr>
         <p:spPr>
           <a:xfrm>
-            <a:off x="373473" y="882068"/>
-            <a:ext cx="4941477" cy="610863"/>
+            <a:off x="971549" y="882068"/>
+            <a:ext cx="4617627" cy="610863"/>
           </a:xfrm>
         </p:spPr>
         <p:txBody>
@@ -13327,7 +13329,7 @@
             <a:fld id="{6FCA8E82-58CD-E045-8B98-B7A85B79B752}" type="datetime4">
               <a:rPr lang="en-US" smtClean="0"/>
               <a:pPr/>
-              <a:t>January 1, 2024</a:t>
+              <a:t>January 2, 2024</a:t>
             </a:fld>
             <a:endParaRPr lang="en-US" dirty="0"/>
           </a:p>
@@ -13351,12 +13353,14 @@
         </p:nvSpPr>
         <p:spPr>
           <a:xfrm>
-            <a:off x="259173" y="2262883"/>
-            <a:ext cx="4617627" cy="2529433"/>
-          </a:xfrm>
-        </p:spPr>
-        <p:txBody>
-          <a:bodyPr/>
+            <a:off x="971549" y="2262883"/>
+            <a:ext cx="4488218" cy="2770756"/>
+          </a:xfrm>
+        </p:spPr>
+        <p:txBody>
+          <a:bodyPr>
+            <a:normAutofit/>
+          </a:bodyPr>
           <a:lstStyle/>
           <a:p>
             <a:r>
@@ -13457,8 +13461,8 @@
         </p:blipFill>
         <p:spPr>
           <a:xfrm>
-            <a:off x="4973321" y="1685916"/>
-            <a:ext cx="6799580" cy="4572009"/>
+            <a:off x="5459767" y="1685917"/>
+            <a:ext cx="6313134" cy="4290016"/>
           </a:xfrm>
           <a:prstGeom prst="rect">
             <a:avLst/>
@@ -13513,8 +13517,8 @@
         </p:nvSpPr>
         <p:spPr>
           <a:xfrm>
-            <a:off x="373473" y="882068"/>
-            <a:ext cx="4941477" cy="610863"/>
+            <a:off x="971549" y="882068"/>
+            <a:ext cx="4617627" cy="610863"/>
           </a:xfrm>
         </p:spPr>
         <p:txBody>
@@ -13724,7 +13728,7 @@
             <a:fld id="{6FCA8E82-58CD-E045-8B98-B7A85B79B752}" type="datetime4">
               <a:rPr lang="en-US" smtClean="0"/>
               <a:pPr/>
-              <a:t>January 1, 2024</a:t>
+              <a:t>January 2, 2024</a:t>
             </a:fld>
             <a:endParaRPr lang="en-US" dirty="0"/>
           </a:p>
@@ -13748,7 +13752,7 @@
         </p:nvSpPr>
         <p:spPr>
           <a:xfrm>
-            <a:off x="259173" y="2262883"/>
+            <a:off x="971549" y="2262883"/>
             <a:ext cx="4617627" cy="3578624"/>
           </a:xfrm>
         </p:spPr>
@@ -13827,8 +13831,8 @@
         </p:blipFill>
         <p:spPr>
           <a:xfrm>
-            <a:off x="5018947" y="123817"/>
-            <a:ext cx="6799580" cy="3400434"/>
+            <a:off x="5672831" y="123817"/>
+            <a:ext cx="6145696" cy="3400434"/>
           </a:xfrm>
           <a:prstGeom prst="rect">
             <a:avLst/>
@@ -13863,8 +13867,8 @@
         </p:blipFill>
         <p:spPr>
           <a:xfrm>
-            <a:off x="5314949" y="3524250"/>
-            <a:ext cx="6503577" cy="3133725"/>
+            <a:off x="5672830" y="3524250"/>
+            <a:ext cx="6145696" cy="3133725"/>
           </a:xfrm>
           <a:prstGeom prst="rect">
             <a:avLst/>
@@ -13919,8 +13923,8 @@
         </p:nvSpPr>
         <p:spPr>
           <a:xfrm>
-            <a:off x="373473" y="882068"/>
-            <a:ext cx="4941477" cy="610863"/>
+            <a:off x="971549" y="882068"/>
+            <a:ext cx="4899551" cy="610863"/>
           </a:xfrm>
         </p:spPr>
         <p:txBody>
@@ -14130,7 +14134,7 @@
             <a:fld id="{6FCA8E82-58CD-E045-8B98-B7A85B79B752}" type="datetime4">
               <a:rPr lang="en-US" smtClean="0"/>
               <a:pPr/>
-              <a:t>January 1, 2024</a:t>
+              <a:t>January 2, 2024</a:t>
             </a:fld>
             <a:endParaRPr lang="en-US" dirty="0"/>
           </a:p>
@@ -14154,8 +14158,8 @@
         </p:nvSpPr>
         <p:spPr>
           <a:xfrm>
-            <a:off x="259173" y="2262883"/>
-            <a:ext cx="4617627" cy="3578624"/>
+            <a:off x="971549" y="2262883"/>
+            <a:ext cx="4604757" cy="3578624"/>
           </a:xfrm>
         </p:spPr>
         <p:txBody>
@@ -14221,7 +14225,7 @@
         </p:blipFill>
         <p:spPr>
           <a:xfrm>
-            <a:off x="5871100" y="163309"/>
+            <a:off x="6096000" y="1766190"/>
             <a:ext cx="5678750" cy="4572009"/>
           </a:xfrm>
           <a:prstGeom prst="rect">
@@ -14251,7 +14255,7 @@
         </p:blipFill>
         <p:spPr>
           <a:xfrm>
-            <a:off x="6615694" y="4913534"/>
+            <a:off x="971549" y="4318730"/>
             <a:ext cx="4729967" cy="1418686"/>
           </a:xfrm>
           <a:prstGeom prst="rect">
@@ -14307,8 +14311,8 @@
         </p:nvSpPr>
         <p:spPr>
           <a:xfrm>
-            <a:off x="373473" y="882068"/>
-            <a:ext cx="4941477" cy="610863"/>
+            <a:off x="971549" y="882068"/>
+            <a:ext cx="4843325" cy="610863"/>
           </a:xfrm>
         </p:spPr>
         <p:txBody>
@@ -14518,7 +14522,7 @@
             <a:fld id="{6FCA8E82-58CD-E045-8B98-B7A85B79B752}" type="datetime4">
               <a:rPr lang="en-US" smtClean="0"/>
               <a:pPr/>
-              <a:t>January 1, 2024</a:t>
+              <a:t>January 2, 2024</a:t>
             </a:fld>
             <a:endParaRPr lang="en-US" dirty="0"/>
           </a:p>
@@ -14542,8 +14546,8 @@
         </p:nvSpPr>
         <p:spPr>
           <a:xfrm>
-            <a:off x="259173" y="2262883"/>
-            <a:ext cx="4617627" cy="3578624"/>
+            <a:off x="971549" y="2262883"/>
+            <a:ext cx="4639137" cy="3578624"/>
           </a:xfrm>
         </p:spPr>
         <p:txBody>
@@ -14597,7 +14601,7 @@
         </p:blipFill>
         <p:spPr>
           <a:xfrm>
-            <a:off x="6018434" y="110043"/>
+            <a:off x="6096000" y="1565980"/>
             <a:ext cx="5800093" cy="4572009"/>
           </a:xfrm>
           <a:prstGeom prst="rect">
@@ -14653,8 +14657,8 @@
         </p:nvSpPr>
         <p:spPr>
           <a:xfrm>
-            <a:off x="373473" y="882068"/>
-            <a:ext cx="4941477" cy="610863"/>
+            <a:off x="971550" y="882068"/>
+            <a:ext cx="4617626" cy="610863"/>
           </a:xfrm>
         </p:spPr>
         <p:txBody>
@@ -14864,7 +14868,7 @@
             <a:fld id="{6FCA8E82-58CD-E045-8B98-B7A85B79B752}" type="datetime4">
               <a:rPr lang="en-US" smtClean="0"/>
               <a:pPr/>
-              <a:t>January 1, 2024</a:t>
+              <a:t>January 2, 2024</a:t>
             </a:fld>
             <a:endParaRPr lang="en-US" dirty="0"/>
           </a:p>
@@ -14888,8 +14892,8 @@
         </p:nvSpPr>
         <p:spPr>
           <a:xfrm>
-            <a:off x="259173" y="2262883"/>
-            <a:ext cx="4617627" cy="3578624"/>
+            <a:off x="971550" y="2262883"/>
+            <a:ext cx="4408318" cy="3578624"/>
           </a:xfrm>
         </p:spPr>
         <p:txBody>
@@ -14943,7 +14947,7 @@
         </p:blipFill>
         <p:spPr>
           <a:xfrm>
-            <a:off x="6018434" y="110043"/>
+            <a:off x="6018434" y="1583736"/>
             <a:ext cx="5800093" cy="4572009"/>
           </a:xfrm>
           <a:prstGeom prst="rect">
@@ -14999,8 +15003,8 @@
         </p:nvSpPr>
         <p:spPr>
           <a:xfrm>
-            <a:off x="373473" y="882068"/>
-            <a:ext cx="4941477" cy="610863"/>
+            <a:off x="971549" y="882068"/>
+            <a:ext cx="4763425" cy="610863"/>
           </a:xfrm>
         </p:spPr>
         <p:txBody>
@@ -15210,7 +15214,7 @@
             <a:fld id="{6FCA8E82-58CD-E045-8B98-B7A85B79B752}" type="datetime4">
               <a:rPr lang="en-US" smtClean="0"/>
               <a:pPr/>
-              <a:t>January 1, 2024</a:t>
+              <a:t>January 2, 2024</a:t>
             </a:fld>
             <a:endParaRPr lang="en-US" dirty="0"/>
           </a:p>
@@ -15234,8 +15238,8 @@
         </p:nvSpPr>
         <p:spPr>
           <a:xfrm>
-            <a:off x="259173" y="2262883"/>
-            <a:ext cx="4617627" cy="3578624"/>
+            <a:off x="971550" y="2262883"/>
+            <a:ext cx="3905250" cy="3578624"/>
           </a:xfrm>
         </p:spPr>
         <p:txBody>
@@ -15289,7 +15293,7 @@
         </p:blipFill>
         <p:spPr>
           <a:xfrm>
-            <a:off x="5170988" y="177553"/>
+            <a:off x="5197621" y="1695634"/>
             <a:ext cx="6761839" cy="4572009"/>
           </a:xfrm>
           <a:prstGeom prst="rect">
@@ -15345,8 +15349,8 @@
         </p:nvSpPr>
         <p:spPr>
           <a:xfrm>
-            <a:off x="373473" y="882068"/>
-            <a:ext cx="4941477" cy="610863"/>
+            <a:off x="971550" y="882068"/>
+            <a:ext cx="4617626" cy="610863"/>
           </a:xfrm>
         </p:spPr>
         <p:txBody>
@@ -15556,7 +15560,7 @@
             <a:fld id="{6FCA8E82-58CD-E045-8B98-B7A85B79B752}" type="datetime4">
               <a:rPr lang="en-US" smtClean="0"/>
               <a:pPr/>
-              <a:t>January 1, 2024</a:t>
+              <a:t>January 2, 2024</a:t>
             </a:fld>
             <a:endParaRPr lang="en-US" dirty="0"/>
           </a:p>
@@ -15580,8 +15584,8 @@
         </p:nvSpPr>
         <p:spPr>
           <a:xfrm>
-            <a:off x="259173" y="2262883"/>
-            <a:ext cx="4617627" cy="3578624"/>
+            <a:off x="878889" y="2262883"/>
+            <a:ext cx="3997911" cy="3578624"/>
           </a:xfrm>
         </p:spPr>
         <p:txBody>
@@ -15635,8 +15639,8 @@
         </p:blipFill>
         <p:spPr>
           <a:xfrm>
-            <a:off x="5441393" y="130940"/>
-            <a:ext cx="6377134" cy="4572009"/>
+            <a:off x="5589176" y="1838725"/>
+            <a:ext cx="6229351" cy="4572009"/>
           </a:xfrm>
           <a:prstGeom prst="rect">
             <a:avLst/>
@@ -15981,7 +15985,7 @@
             <a:fld id="{6FCA8E82-58CD-E045-8B98-B7A85B79B752}" type="datetime4">
               <a:rPr lang="en-US" smtClean="0"/>
               <a:pPr/>
-              <a:t>January 1, 2024</a:t>
+              <a:t>January 2, 2024</a:t>
             </a:fld>
             <a:endParaRPr lang="en-US" dirty="0"/>
           </a:p>
@@ -16035,8 +16039,8 @@
         </p:nvSpPr>
         <p:spPr>
           <a:xfrm>
-            <a:off x="621437" y="879063"/>
-            <a:ext cx="5284063" cy="610863"/>
+            <a:off x="971550" y="879063"/>
+            <a:ext cx="5124450" cy="610863"/>
           </a:xfrm>
         </p:spPr>
         <p:txBody>
@@ -16149,7 +16153,12 @@
             <a:fillRect/>
           </a:stretch>
         </p:blipFill>
-        <p:spPr/>
+        <p:spPr>
+          <a:xfrm>
+            <a:off x="6258756" y="-22543"/>
+            <a:ext cx="5933243" cy="6903086"/>
+          </a:xfrm>
+        </p:spPr>
       </p:pic>
       <p:sp>
         <p:nvSpPr>
@@ -16275,7 +16284,7 @@
             <a:fld id="{6FCA8E82-58CD-E045-8B98-B7A85B79B752}" type="datetime4">
               <a:rPr lang="en-US" smtClean="0"/>
               <a:pPr/>
-              <a:t>January 1, 2024</a:t>
+              <a:t>January 2, 2024</a:t>
             </a:fld>
             <a:endParaRPr lang="en-US" dirty="0"/>
           </a:p>
@@ -16618,7 +16627,7 @@
             <a:fld id="{6FCA8E82-58CD-E045-8B98-B7A85B79B752}" type="datetime4">
               <a:rPr lang="en-US" smtClean="0"/>
               <a:pPr/>
-              <a:t>January 1, 2024</a:t>
+              <a:t>January 2, 2024</a:t>
             </a:fld>
             <a:endParaRPr lang="en-US" dirty="0"/>
           </a:p>
@@ -16935,8 +16944,8 @@
         </p:nvSpPr>
         <p:spPr>
           <a:xfrm>
-            <a:off x="292963" y="727969"/>
-            <a:ext cx="6249880" cy="761957"/>
+            <a:off x="952499" y="727969"/>
+            <a:ext cx="6309435" cy="761957"/>
           </a:xfrm>
         </p:spPr>
         <p:txBody>
@@ -17207,7 +17216,7 @@
             <a:fld id="{6FCA8E82-58CD-E045-8B98-B7A85B79B752}" type="datetime4">
               <a:rPr lang="en-US" smtClean="0"/>
               <a:pPr/>
-              <a:t>January 1, 2024</a:t>
+              <a:t>January 2, 2024</a:t>
             </a:fld>
             <a:endParaRPr lang="en-US" dirty="0"/>
           </a:p>
@@ -17261,8 +17270,8 @@
         </p:nvSpPr>
         <p:spPr>
           <a:xfrm>
-            <a:off x="292963" y="727969"/>
-            <a:ext cx="4634144" cy="761957"/>
+            <a:off x="952499" y="727969"/>
+            <a:ext cx="4618584" cy="761957"/>
           </a:xfrm>
         </p:spPr>
         <p:txBody>
@@ -17503,7 +17512,7 @@
             <a:fld id="{6FCA8E82-58CD-E045-8B98-B7A85B79B752}" type="datetime4">
               <a:rPr lang="en-US" smtClean="0"/>
               <a:pPr/>
-              <a:t>January 1, 2024</a:t>
+              <a:t>January 2, 2024</a:t>
             </a:fld>
             <a:endParaRPr lang="en-US" dirty="0"/>
           </a:p>
@@ -17583,8 +17592,8 @@
         </p:nvSpPr>
         <p:spPr>
           <a:xfrm>
-            <a:off x="413157" y="2286000"/>
-            <a:ext cx="5157926" cy="3139321"/>
+            <a:off x="952498" y="2286000"/>
+            <a:ext cx="5031051" cy="3416320"/>
           </a:xfrm>
           <a:prstGeom prst="rect">
             <a:avLst/>
@@ -18041,8 +18050,8 @@
         </p:nvSpPr>
         <p:spPr>
           <a:xfrm>
-            <a:off x="292962" y="727969"/>
-            <a:ext cx="5237825" cy="761957"/>
+            <a:off x="971550" y="727969"/>
+            <a:ext cx="4559237" cy="761957"/>
           </a:xfrm>
         </p:spPr>
         <p:txBody>
@@ -18304,7 +18313,7 @@
             <a:fld id="{6FCA8E82-58CD-E045-8B98-B7A85B79B752}" type="datetime4">
               <a:rPr lang="en-US" smtClean="0"/>
               <a:pPr/>
-              <a:t>January 1, 2024</a:t>
+              <a:t>January 2, 2024</a:t>
             </a:fld>
             <a:endParaRPr lang="en-US" dirty="0"/>
           </a:p>
@@ -18448,8 +18457,8 @@
         </p:nvSpPr>
         <p:spPr>
           <a:xfrm>
-            <a:off x="292962" y="727969"/>
-            <a:ext cx="5237825" cy="761957"/>
+            <a:off x="971550" y="727969"/>
+            <a:ext cx="5124450" cy="761957"/>
           </a:xfrm>
         </p:spPr>
         <p:txBody>
@@ -18717,7 +18726,7 @@
             <a:fld id="{6FCA8E82-58CD-E045-8B98-B7A85B79B752}" type="datetime4">
               <a:rPr lang="en-US" smtClean="0"/>
               <a:pPr/>
-              <a:t>January 1, 2024</a:t>
+              <a:t>January 2, 2024</a:t>
             </a:fld>
             <a:endParaRPr lang="en-US" dirty="0"/>
           </a:p>
@@ -19255,7 +19264,7 @@
             <a:fld id="{6FCA8E82-58CD-E045-8B98-B7A85B79B752}" type="datetime4">
               <a:rPr lang="en-US" smtClean="0"/>
               <a:pPr/>
-              <a:t>January 1, 2024</a:t>
+              <a:t>January 2, 2024</a:t>
             </a:fld>
             <a:endParaRPr lang="en-US" dirty="0"/>
           </a:p>
@@ -19345,8 +19354,8 @@
         </p:nvSpPr>
         <p:spPr>
           <a:xfrm>
-            <a:off x="292962" y="727969"/>
-            <a:ext cx="5237825" cy="761957"/>
+            <a:off x="971550" y="727969"/>
+            <a:ext cx="4952997" cy="761957"/>
           </a:xfrm>
         </p:spPr>
         <p:txBody>
@@ -19390,7 +19399,7 @@
           <a:p>
             <a:r>
               <a:rPr lang="en-US" dirty="0"/>
-              <a:t>Explore Numerical Columns:</a:t>
+              <a:t>	  Explore Numerical Columns:</a:t>
             </a:r>
           </a:p>
           <a:p>
@@ -19720,7 +19729,7 @@
             <a:fld id="{6FCA8E82-58CD-E045-8B98-B7A85B79B752}" type="datetime4">
               <a:rPr lang="en-US" smtClean="0"/>
               <a:pPr/>
-              <a:t>January 1, 2024</a:t>
+              <a:t>January 2, 2024</a:t>
             </a:fld>
             <a:endParaRPr lang="en-US" dirty="0"/>
           </a:p>
@@ -19810,8 +19819,8 @@
         </p:nvSpPr>
         <p:spPr>
           <a:xfrm>
-            <a:off x="292962" y="727969"/>
-            <a:ext cx="5237825" cy="761957"/>
+            <a:off x="971550" y="727969"/>
+            <a:ext cx="4559237" cy="761957"/>
           </a:xfrm>
         </p:spPr>
         <p:txBody>
@@ -19845,8 +19854,8 @@
         </p:nvSpPr>
         <p:spPr>
           <a:xfrm>
-            <a:off x="952500" y="2286000"/>
-            <a:ext cx="4844618" cy="3768571"/>
+            <a:off x="952500" y="2286001"/>
+            <a:ext cx="4844618" cy="1522520"/>
           </a:xfrm>
         </p:spPr>
         <p:txBody>
@@ -19869,7 +19878,7 @@
                   <a:schemeClr val="bg1"/>
                 </a:solidFill>
               </a:rPr>
-              <a:t>before any step to avoid data leakage</a:t>
+              <a:t>before any step to avoid data leakage.</a:t>
             </a:r>
           </a:p>
           <a:p>
@@ -19883,25 +19892,13 @@
                   <a:schemeClr val="bg1"/>
                 </a:solidFill>
               </a:rPr>
-              <a:t>Used Stratified sampling</a:t>
+              <a:t>Used Stratified sampling.</a:t>
             </a:r>
           </a:p>
           <a:p>
             <a:r>
               <a:rPr lang="en-US" dirty="0"/>
               <a:t>2 – Apply Feature Selection  </a:t>
-            </a:r>
-          </a:p>
-          <a:p>
-            <a:r>
-              <a:rPr lang="en-US" dirty="0"/>
-              <a:t>3 – Handling categorical attributes</a:t>
-            </a:r>
-          </a:p>
-          <a:p>
-            <a:r>
-              <a:rPr lang="en-US" dirty="0"/>
-              <a:t>4 – Apply Feature Scaling </a:t>
             </a:r>
           </a:p>
         </p:txBody>
@@ -20098,9 +20095,125 @@
             <a:fld id="{6FCA8E82-58CD-E045-8B98-B7A85B79B752}" type="datetime4">
               <a:rPr lang="en-US" smtClean="0"/>
               <a:pPr/>
-              <a:t>January 1, 2024</a:t>
+              <a:t>January 2, 2024</a:t>
             </a:fld>
             <a:endParaRPr lang="en-US" dirty="0"/>
+          </a:p>
+        </p:txBody>
+      </p:sp>
+      <p:pic>
+        <p:nvPicPr>
+          <p:cNvPr id="6" name="Picture 5">
+            <a:extLst>
+              <a:ext uri="{FF2B5EF4-FFF2-40B4-BE49-F238E27FC236}">
+                <a16:creationId xmlns:a16="http://schemas.microsoft.com/office/drawing/2014/main" id="{5611DE5B-5AB6-4E19-3E90-36476E18B9B1}"/>
+              </a:ext>
+            </a:extLst>
+          </p:cNvPr>
+          <p:cNvPicPr>
+            <a:picLocks noChangeAspect="1"/>
+          </p:cNvPicPr>
+          <p:nvPr/>
+        </p:nvPicPr>
+        <p:blipFill>
+          <a:blip r:embed="rId2"/>
+          <a:stretch>
+            <a:fillRect/>
+          </a:stretch>
+        </p:blipFill>
+        <p:spPr>
+          <a:xfrm>
+            <a:off x="1384915" y="3663444"/>
+            <a:ext cx="4711085" cy="2373372"/>
+          </a:xfrm>
+          <a:prstGeom prst="rect">
+            <a:avLst/>
+          </a:prstGeom>
+        </p:spPr>
+      </p:pic>
+      <p:sp>
+        <p:nvSpPr>
+          <p:cNvPr id="8" name="TextBox 7">
+            <a:extLst>
+              <a:ext uri="{FF2B5EF4-FFF2-40B4-BE49-F238E27FC236}">
+                <a16:creationId xmlns:a16="http://schemas.microsoft.com/office/drawing/2014/main" id="{59E2029E-433F-D226-5599-19F70DE8EDCB}"/>
+              </a:ext>
+            </a:extLst>
+          </p:cNvPr>
+          <p:cNvSpPr txBox="1"/>
+          <p:nvPr/>
+        </p:nvSpPr>
+        <p:spPr>
+          <a:xfrm>
+            <a:off x="6394884" y="2286001"/>
+            <a:ext cx="4714042" cy="1477328"/>
+          </a:xfrm>
+          <a:prstGeom prst="rect">
+            <a:avLst/>
+          </a:prstGeom>
+          <a:noFill/>
+        </p:spPr>
+        <p:txBody>
+          <a:bodyPr wrap="square" rtlCol="0">
+            <a:spAutoFit/>
+          </a:bodyPr>
+          <a:lstStyle/>
+          <a:p>
+            <a:r>
+              <a:rPr lang="en-US" dirty="0">
+                <a:solidFill>
+                  <a:schemeClr val="tx2"/>
+                </a:solidFill>
+                <a:latin typeface="+mj-lt"/>
+              </a:rPr>
+              <a:t>3 – Handling categorical attributes</a:t>
+            </a:r>
+          </a:p>
+          <a:p>
+            <a:pPr marL="742950" lvl="1" indent="-285750">
+              <a:buFont typeface="Arial" panose="020B0604020202020204" pitchFamily="34" charset="0"/>
+              <a:buChar char="•"/>
+            </a:pPr>
+            <a:r>
+              <a:rPr lang="en-US" dirty="0">
+                <a:solidFill>
+                  <a:schemeClr val="bg1"/>
+                </a:solidFill>
+              </a:rPr>
+              <a:t>Apply One-Hot Encoding.</a:t>
+            </a:r>
+          </a:p>
+          <a:p>
+            <a:r>
+              <a:rPr lang="en-US" dirty="0">
+                <a:solidFill>
+                  <a:schemeClr val="tx2"/>
+                </a:solidFill>
+                <a:latin typeface="+mj-lt"/>
+              </a:rPr>
+              <a:t>4 – Apply Feature Scaling </a:t>
+            </a:r>
+          </a:p>
+          <a:p>
+            <a:pPr marL="742950" lvl="1" indent="-285750">
+              <a:buFont typeface="Arial" panose="020B0604020202020204" pitchFamily="34" charset="0"/>
+              <a:buChar char="•"/>
+            </a:pPr>
+            <a:r>
+              <a:rPr lang="en-US" dirty="0">
+                <a:solidFill>
+                  <a:schemeClr val="bg1"/>
+                </a:solidFill>
+              </a:rPr>
+              <a:t>Standardize numerical features.</a:t>
+            </a:r>
+          </a:p>
+          <a:p>
+            <a:endParaRPr lang="en-US" dirty="0">
+              <a:solidFill>
+                <a:schemeClr val="tx2"/>
+              </a:solidFill>
+            </a:endParaRPr>
           </a:p>
         </p:txBody>
       </p:sp>
@@ -20152,8 +20265,8 @@
         </p:nvSpPr>
         <p:spPr>
           <a:xfrm>
-            <a:off x="292962" y="727969"/>
-            <a:ext cx="5237825" cy="761957"/>
+            <a:off x="971550" y="727969"/>
+            <a:ext cx="4559237" cy="761957"/>
           </a:xfrm>
         </p:spPr>
         <p:txBody>
@@ -20188,7 +20301,7 @@
         <p:spPr>
           <a:xfrm>
             <a:off x="952500" y="2286001"/>
-            <a:ext cx="5208603" cy="2708598"/>
+            <a:ext cx="5237825" cy="3457852"/>
           </a:xfrm>
         </p:spPr>
         <p:txBody>
@@ -20197,43 +20310,85 @@
           <a:p>
             <a:r>
               <a:rPr lang="en-US" dirty="0"/>
-              <a:t>1 – Build Transformation pipeline</a:t>
+              <a:t>1 - Build Transformation pipeline</a:t>
             </a:r>
           </a:p>
           <a:p>
             <a:r>
               <a:rPr lang="en-US" dirty="0"/>
-              <a:t>2 – Select and train a certain model</a:t>
+              <a:t>2 - Select and train a certain model</a:t>
+            </a:r>
+          </a:p>
+          <a:p>
+            <a:pPr marL="742950" lvl="1" indent="-285750">
+              <a:buFont typeface="Arial" panose="020B0604020202020204" pitchFamily="34" charset="0"/>
+              <a:buChar char="•"/>
+            </a:pPr>
+            <a:r>
+              <a:rPr lang="en-US" sz="1800" dirty="0"/>
+              <a:t>Logistic Regression</a:t>
+            </a:r>
+          </a:p>
+          <a:p>
+            <a:pPr marL="742950" lvl="1" indent="-285750">
+              <a:buFont typeface="Arial" panose="020B0604020202020204" pitchFamily="34" charset="0"/>
+              <a:buChar char="•"/>
+            </a:pPr>
+            <a:r>
+              <a:rPr lang="en-US" sz="1800" dirty="0"/>
+              <a:t>Random Forest</a:t>
+            </a:r>
+          </a:p>
+          <a:p>
+            <a:pPr marL="742950" lvl="1" indent="-285750">
+              <a:buFont typeface="Arial" panose="020B0604020202020204" pitchFamily="34" charset="0"/>
+              <a:buChar char="•"/>
+            </a:pPr>
+            <a:r>
+              <a:rPr lang="en-US" sz="1800" dirty="0"/>
+              <a:t>K-Nearest Neighbors</a:t>
             </a:r>
           </a:p>
           <a:p>
             <a:r>
               <a:rPr lang="en-US" dirty="0"/>
-              <a:t>3 – apply cross-validation to these models</a:t>
+              <a:t>3 - Evaluate the models</a:t>
+            </a:r>
+          </a:p>
+          <a:p>
+            <a:pPr marL="742950" lvl="1" indent="-285750">
+              <a:buFont typeface="Arial" panose="020B0604020202020204" pitchFamily="34" charset="0"/>
+              <a:buChar char="•"/>
+            </a:pPr>
+            <a:r>
+              <a:rPr lang="en-US" sz="1800" dirty="0"/>
+              <a:t>K-fold cross-validation</a:t>
             </a:r>
           </a:p>
           <a:p>
             <a:r>
               <a:rPr lang="en-US" dirty="0"/>
-              <a:t>4 _ Try Smote or Random over sampling</a:t>
-            </a:r>
-          </a:p>
-          <a:p>
-            <a:r>
-              <a:rPr lang="en-US" dirty="0"/>
-              <a:t>4 – Fine Tuning the best models</a:t>
-            </a:r>
-          </a:p>
-          <a:p>
-            <a:r>
-              <a:rPr lang="en-US" dirty="0"/>
-              <a:t>5 – Evaluate your system on the test set</a:t>
-            </a:r>
-          </a:p>
-          <a:p>
-            <a:r>
-              <a:rPr lang="en-US" dirty="0"/>
-              <a:t>6 – Import the best model</a:t>
+              <a:t>4 - Handling Imbalanced Dataset</a:t>
+            </a:r>
+          </a:p>
+          <a:p>
+            <a:pPr marL="742950" lvl="1" indent="-285750">
+              <a:buFont typeface="Arial" panose="020B0604020202020204" pitchFamily="34" charset="0"/>
+              <a:buChar char="•"/>
+            </a:pPr>
+            <a:r>
+              <a:rPr lang="en-US" sz="1800" dirty="0"/>
+              <a:t>Try SMOTE over sampling</a:t>
+            </a:r>
+          </a:p>
+          <a:p>
+            <a:pPr marL="742950" lvl="1" indent="-285750">
+              <a:buFont typeface="Arial" panose="020B0604020202020204" pitchFamily="34" charset="0"/>
+              <a:buChar char="•"/>
+            </a:pPr>
+            <a:r>
+              <a:rPr lang="en-US" sz="1800" dirty="0"/>
+              <a:t>Try Random over sampling</a:t>
             </a:r>
           </a:p>
         </p:txBody>
@@ -20300,9 +20455,10 @@
           <a:lstStyle/>
           <a:p>
             <a:r>
-              <a:rPr lang="en-US" dirty="0"/>
+              <a:rPr lang="en-US"/>
               <a:t>Annual Review</a:t>
             </a:r>
+            <a:endParaRPr lang="en-US" dirty="0"/>
           </a:p>
         </p:txBody>
       </p:sp>
@@ -20430,18 +20586,54 @@
             <a:fld id="{6FCA8E82-58CD-E045-8B98-B7A85B79B752}" type="datetime4">
               <a:rPr lang="en-US" smtClean="0"/>
               <a:pPr/>
-              <a:t>January 1, 2024</a:t>
+              <a:t>January 2, 2024</a:t>
             </a:fld>
             <a:endParaRPr lang="en-US" dirty="0"/>
           </a:p>
         </p:txBody>
       </p:sp>
+      <p:sp>
+        <p:nvSpPr>
+          <p:cNvPr id="28" name="TextBox 27">
+            <a:extLst>
+              <a:ext uri="{FF2B5EF4-FFF2-40B4-BE49-F238E27FC236}">
+                <a16:creationId xmlns:a16="http://schemas.microsoft.com/office/drawing/2014/main" id="{CB327ECC-0A97-EE6D-CD83-B0F4B89817A8}"/>
+              </a:ext>
+            </a:extLst>
+          </p:cNvPr>
+          <p:cNvSpPr txBox="1"/>
+          <p:nvPr/>
+        </p:nvSpPr>
+        <p:spPr>
+          <a:xfrm>
+            <a:off x="8877681" y="4640677"/>
+            <a:ext cx="2831966" cy="369332"/>
+          </a:xfrm>
+          <a:prstGeom prst="rect">
+            <a:avLst/>
+          </a:prstGeom>
+          <a:noFill/>
+        </p:spPr>
+        <p:txBody>
+          <a:bodyPr wrap="square" rtlCol="0">
+            <a:spAutoFit/>
+          </a:bodyPr>
+          <a:lstStyle/>
+          <a:p>
+            <a:r>
+              <a:rPr lang="en-US"/>
+              <a:t>   440                     2426</a:t>
+            </a:r>
+            <a:endParaRPr lang="en-US" dirty="0"/>
+          </a:p>
+        </p:txBody>
+      </p:sp>
       <p:pic>
         <p:nvPicPr>
-          <p:cNvPr id="6" name="Picture 5">
-            <a:extLst>
-              <a:ext uri="{FF2B5EF4-FFF2-40B4-BE49-F238E27FC236}">
-                <a16:creationId xmlns:a16="http://schemas.microsoft.com/office/drawing/2014/main" id="{89B2F895-A1D3-72B5-0343-03A31E1119C0}"/>
+          <p:cNvPr id="8" name="Picture 7">
+            <a:extLst>
+              <a:ext uri="{FF2B5EF4-FFF2-40B4-BE49-F238E27FC236}">
+                <a16:creationId xmlns:a16="http://schemas.microsoft.com/office/drawing/2014/main" id="{B03BC283-AC18-C883-B3BE-FDC990D609AE}"/>
               </a:ext>
             </a:extLst>
           </p:cNvPr>
@@ -20458,401 +20650,18 @@
         </p:blipFill>
         <p:spPr>
           <a:xfrm>
-            <a:off x="6551710" y="1785353"/>
-            <a:ext cx="5157926" cy="1244396"/>
+            <a:off x="5569246" y="2065785"/>
+            <a:ext cx="6622754" cy="2270957"/>
           </a:xfrm>
           <a:prstGeom prst="rect">
             <a:avLst/>
           </a:prstGeom>
         </p:spPr>
       </p:pic>
-      <p:sp>
-        <p:nvSpPr>
-          <p:cNvPr id="7" name="Rectangle 6">
-            <a:extLst>
-              <a:ext uri="{FF2B5EF4-FFF2-40B4-BE49-F238E27FC236}">
-                <a16:creationId xmlns:a16="http://schemas.microsoft.com/office/drawing/2014/main" id="{BE40983B-4DF4-9834-E3BA-598E535A93D1}"/>
-              </a:ext>
-            </a:extLst>
-          </p:cNvPr>
-          <p:cNvSpPr/>
-          <p:nvPr/>
-        </p:nvSpPr>
-        <p:spPr>
-          <a:xfrm>
-            <a:off x="8637973" y="3626528"/>
-            <a:ext cx="3071674" cy="1615735"/>
-          </a:xfrm>
-          <a:prstGeom prst="rect">
-            <a:avLst/>
-          </a:prstGeom>
-        </p:spPr>
-        <p:style>
-          <a:lnRef idx="2">
-            <a:schemeClr val="accent1">
-              <a:shade val="15000"/>
-            </a:schemeClr>
-          </a:lnRef>
-          <a:fillRef idx="1">
-            <a:schemeClr val="accent1"/>
-          </a:fillRef>
-          <a:effectRef idx="0">
-            <a:schemeClr val="accent1"/>
-          </a:effectRef>
-          <a:fontRef idx="minor">
-            <a:schemeClr val="lt1"/>
-          </a:fontRef>
-        </p:style>
-        <p:txBody>
-          <a:bodyPr rtlCol="0" anchor="ctr"/>
-          <a:lstStyle/>
-          <a:p>
-            <a:pPr algn="ctr"/>
-            <a:endParaRPr lang="en-US" dirty="0"/>
-          </a:p>
-        </p:txBody>
-      </p:sp>
-      <p:cxnSp>
-        <p:nvCxnSpPr>
-          <p:cNvPr id="9" name="Straight Connector 8">
-            <a:extLst>
-              <a:ext uri="{FF2B5EF4-FFF2-40B4-BE49-F238E27FC236}">
-                <a16:creationId xmlns:a16="http://schemas.microsoft.com/office/drawing/2014/main" id="{156A008B-F4F7-E441-5A52-6412E7657232}"/>
-              </a:ext>
-            </a:extLst>
-          </p:cNvPr>
-          <p:cNvCxnSpPr>
-            <a:cxnSpLocks/>
-            <a:stCxn id="7" idx="0"/>
-          </p:cNvCxnSpPr>
-          <p:nvPr/>
-        </p:nvCxnSpPr>
-        <p:spPr>
-          <a:xfrm>
-            <a:off x="10173810" y="3626528"/>
-            <a:ext cx="62144" cy="497149"/>
-          </a:xfrm>
-          <a:prstGeom prst="line">
-            <a:avLst/>
-          </a:prstGeom>
-        </p:spPr>
-        <p:style>
-          <a:lnRef idx="1">
-            <a:schemeClr val="accent1"/>
-          </a:lnRef>
-          <a:fillRef idx="0">
-            <a:schemeClr val="accent1"/>
-          </a:fillRef>
-          <a:effectRef idx="0">
-            <a:schemeClr val="accent1"/>
-          </a:effectRef>
-          <a:fontRef idx="minor">
-            <a:schemeClr val="tx1"/>
-          </a:fontRef>
-        </p:style>
-      </p:cxnSp>
-      <p:cxnSp>
-        <p:nvCxnSpPr>
-          <p:cNvPr id="12" name="Straight Connector 11">
-            <a:extLst>
-              <a:ext uri="{FF2B5EF4-FFF2-40B4-BE49-F238E27FC236}">
-                <a16:creationId xmlns:a16="http://schemas.microsoft.com/office/drawing/2014/main" id="{42B1975F-8AAF-E384-3F6A-8F14EB91D93F}"/>
-              </a:ext>
-            </a:extLst>
-          </p:cNvPr>
-          <p:cNvCxnSpPr>
-            <a:cxnSpLocks/>
-            <a:stCxn id="7" idx="3"/>
-            <a:endCxn id="7" idx="1"/>
-          </p:cNvCxnSpPr>
-          <p:nvPr/>
-        </p:nvCxnSpPr>
-        <p:spPr>
-          <a:xfrm flipH="1">
-            <a:off x="8637973" y="4434396"/>
-            <a:ext cx="3071674" cy="0"/>
-          </a:xfrm>
-          <a:prstGeom prst="line">
-            <a:avLst/>
-          </a:prstGeom>
-        </p:spPr>
-        <p:style>
-          <a:lnRef idx="1">
-            <a:schemeClr val="dk1"/>
-          </a:lnRef>
-          <a:fillRef idx="0">
-            <a:schemeClr val="dk1"/>
-          </a:fillRef>
-          <a:effectRef idx="0">
-            <a:schemeClr val="dk1"/>
-          </a:effectRef>
-          <a:fontRef idx="minor">
-            <a:schemeClr val="tx1"/>
-          </a:fontRef>
-        </p:style>
-      </p:cxnSp>
-      <p:cxnSp>
-        <p:nvCxnSpPr>
-          <p:cNvPr id="17" name="Straight Connector 16">
-            <a:extLst>
-              <a:ext uri="{FF2B5EF4-FFF2-40B4-BE49-F238E27FC236}">
-                <a16:creationId xmlns:a16="http://schemas.microsoft.com/office/drawing/2014/main" id="{971DD357-7F45-AE55-7630-BF9151FBF51A}"/>
-              </a:ext>
-            </a:extLst>
-          </p:cNvPr>
-          <p:cNvCxnSpPr>
-            <a:cxnSpLocks/>
-            <a:stCxn id="7" idx="2"/>
-            <a:endCxn id="7" idx="0"/>
-          </p:cNvCxnSpPr>
-          <p:nvPr/>
-        </p:nvCxnSpPr>
-        <p:spPr>
-          <a:xfrm flipV="1">
-            <a:off x="10173810" y="3626528"/>
-            <a:ext cx="0" cy="1615735"/>
-          </a:xfrm>
-          <a:prstGeom prst="line">
-            <a:avLst/>
-          </a:prstGeom>
-        </p:spPr>
-        <p:style>
-          <a:lnRef idx="1">
-            <a:schemeClr val="accent1"/>
-          </a:lnRef>
-          <a:fillRef idx="0">
-            <a:schemeClr val="accent1"/>
-          </a:fillRef>
-          <a:effectRef idx="0">
-            <a:schemeClr val="accent1"/>
-          </a:effectRef>
-          <a:fontRef idx="minor">
-            <a:schemeClr val="tx1"/>
-          </a:fontRef>
-        </p:style>
-      </p:cxnSp>
-      <p:cxnSp>
-        <p:nvCxnSpPr>
-          <p:cNvPr id="21" name="Straight Connector 20">
-            <a:extLst>
-              <a:ext uri="{FF2B5EF4-FFF2-40B4-BE49-F238E27FC236}">
-                <a16:creationId xmlns:a16="http://schemas.microsoft.com/office/drawing/2014/main" id="{975DFBD1-DF0E-49AF-32BD-283ECEA9F4DB}"/>
-              </a:ext>
-            </a:extLst>
-          </p:cNvPr>
-          <p:cNvCxnSpPr>
-            <a:cxnSpLocks/>
-            <a:stCxn id="7" idx="2"/>
-            <a:endCxn id="7" idx="0"/>
-          </p:cNvCxnSpPr>
-          <p:nvPr/>
-        </p:nvCxnSpPr>
-        <p:spPr>
-          <a:xfrm flipV="1">
-            <a:off x="10173810" y="3626528"/>
-            <a:ext cx="0" cy="1615735"/>
-          </a:xfrm>
-          <a:prstGeom prst="line">
-            <a:avLst/>
-          </a:prstGeom>
-        </p:spPr>
-        <p:style>
-          <a:lnRef idx="1">
-            <a:schemeClr val="dk1"/>
-          </a:lnRef>
-          <a:fillRef idx="0">
-            <a:schemeClr val="dk1"/>
-          </a:fillRef>
-          <a:effectRef idx="0">
-            <a:schemeClr val="dk1"/>
-          </a:effectRef>
-          <a:fontRef idx="minor">
-            <a:schemeClr val="tx1"/>
-          </a:fontRef>
-        </p:style>
-      </p:cxnSp>
-      <p:sp>
-        <p:nvSpPr>
-          <p:cNvPr id="24" name="TextBox 23">
-            <a:extLst>
-              <a:ext uri="{FF2B5EF4-FFF2-40B4-BE49-F238E27FC236}">
-                <a16:creationId xmlns:a16="http://schemas.microsoft.com/office/drawing/2014/main" id="{4D26C8D0-6DFD-568D-094B-53CD6C434F38}"/>
-              </a:ext>
-            </a:extLst>
-          </p:cNvPr>
-          <p:cNvSpPr txBox="1"/>
-          <p:nvPr/>
-        </p:nvSpPr>
-        <p:spPr>
-          <a:xfrm>
-            <a:off x="8877670" y="3803627"/>
-            <a:ext cx="2831966" cy="369332"/>
-          </a:xfrm>
-          <a:prstGeom prst="rect">
-            <a:avLst/>
-          </a:prstGeom>
-          <a:noFill/>
-        </p:spPr>
-        <p:txBody>
-          <a:bodyPr wrap="square" rtlCol="0">
-            <a:spAutoFit/>
-          </a:bodyPr>
-          <a:lstStyle/>
-          <a:p>
-            <a:r>
-              <a:rPr lang="en-US" dirty="0"/>
-              <a:t>12759                    4375</a:t>
-            </a:r>
-          </a:p>
-        </p:txBody>
-      </p:sp>
-      <p:sp>
-        <p:nvSpPr>
-          <p:cNvPr id="28" name="TextBox 27">
-            <a:extLst>
-              <a:ext uri="{FF2B5EF4-FFF2-40B4-BE49-F238E27FC236}">
-                <a16:creationId xmlns:a16="http://schemas.microsoft.com/office/drawing/2014/main" id="{CB327ECC-0A97-EE6D-CD83-B0F4B89817A8}"/>
-              </a:ext>
-            </a:extLst>
-          </p:cNvPr>
-          <p:cNvSpPr txBox="1"/>
-          <p:nvPr/>
-        </p:nvSpPr>
-        <p:spPr>
-          <a:xfrm>
-            <a:off x="8877681" y="4640677"/>
-            <a:ext cx="2831966" cy="369332"/>
-          </a:xfrm>
-          <a:prstGeom prst="rect">
-            <a:avLst/>
-          </a:prstGeom>
-          <a:noFill/>
-        </p:spPr>
-        <p:txBody>
-          <a:bodyPr wrap="square" rtlCol="0">
-            <a:spAutoFit/>
-          </a:bodyPr>
-          <a:lstStyle/>
-          <a:p>
-            <a:r>
-              <a:rPr lang="en-US" dirty="0"/>
-              <a:t>   440                     2426</a:t>
-            </a:r>
-          </a:p>
-        </p:txBody>
-      </p:sp>
-      <p:sp>
-        <p:nvSpPr>
-          <p:cNvPr id="29" name="TextBox 28">
-            <a:extLst>
-              <a:ext uri="{FF2B5EF4-FFF2-40B4-BE49-F238E27FC236}">
-                <a16:creationId xmlns:a16="http://schemas.microsoft.com/office/drawing/2014/main" id="{5C666DF6-76D7-46E6-7185-0428120AB28F}"/>
-              </a:ext>
-            </a:extLst>
-          </p:cNvPr>
-          <p:cNvSpPr txBox="1"/>
-          <p:nvPr/>
-        </p:nvSpPr>
-        <p:spPr>
-          <a:xfrm>
-            <a:off x="9050779" y="3089956"/>
-            <a:ext cx="2485748" cy="369332"/>
-          </a:xfrm>
-          <a:prstGeom prst="rect">
-            <a:avLst/>
-          </a:prstGeom>
-          <a:noFill/>
-        </p:spPr>
-        <p:txBody>
-          <a:bodyPr wrap="square" rtlCol="0">
-            <a:spAutoFit/>
-          </a:bodyPr>
-          <a:lstStyle/>
-          <a:p>
-            <a:r>
-              <a:rPr lang="en-US" dirty="0">
-                <a:solidFill>
-                  <a:schemeClr val="bg1"/>
-                </a:solidFill>
-              </a:rPr>
-              <a:t>Confusion Matrix</a:t>
-            </a:r>
-          </a:p>
-        </p:txBody>
-      </p:sp>
-      <p:sp>
-        <p:nvSpPr>
-          <p:cNvPr id="34" name="TextBox 33">
-            <a:extLst>
-              <a:ext uri="{FF2B5EF4-FFF2-40B4-BE49-F238E27FC236}">
-                <a16:creationId xmlns:a16="http://schemas.microsoft.com/office/drawing/2014/main" id="{B9B80916-1DE0-9A97-8F3B-27BEEF02FF83}"/>
-              </a:ext>
-            </a:extLst>
-          </p:cNvPr>
-          <p:cNvSpPr txBox="1"/>
-          <p:nvPr/>
-        </p:nvSpPr>
-        <p:spPr>
-          <a:xfrm>
-            <a:off x="5681709" y="3799188"/>
-            <a:ext cx="2894121" cy="1200329"/>
-          </a:xfrm>
-          <a:prstGeom prst="rect">
-            <a:avLst/>
-          </a:prstGeom>
-          <a:noFill/>
-        </p:spPr>
-        <p:txBody>
-          <a:bodyPr wrap="square" rtlCol="0">
-            <a:spAutoFit/>
-          </a:bodyPr>
-          <a:lstStyle/>
-          <a:p>
-            <a:r>
-              <a:rPr lang="en-US" dirty="0">
-                <a:solidFill>
-                  <a:schemeClr val="bg1"/>
-                </a:solidFill>
-              </a:rPr>
-              <a:t>True Negatives(TN): 12759</a:t>
-            </a:r>
-          </a:p>
-          <a:p>
-            <a:r>
-              <a:rPr lang="en-US" dirty="0">
-                <a:solidFill>
-                  <a:schemeClr val="bg1"/>
-                </a:solidFill>
-              </a:rPr>
-              <a:t>True Positives(TP): 2426</a:t>
-            </a:r>
-          </a:p>
-          <a:p>
-            <a:r>
-              <a:rPr lang="en-US" dirty="0">
-                <a:solidFill>
-                  <a:schemeClr val="bg1"/>
-                </a:solidFill>
-              </a:rPr>
-              <a:t>False Negatives(FN): 440</a:t>
-            </a:r>
-          </a:p>
-          <a:p>
-            <a:r>
-              <a:rPr lang="en-US" dirty="0">
-                <a:solidFill>
-                  <a:schemeClr val="bg1"/>
-                </a:solidFill>
-              </a:rPr>
-              <a:t>False Positives(FP): 4375</a:t>
-            </a:r>
-          </a:p>
-        </p:txBody>
-      </p:sp>
     </p:spTree>
     <p:extLst>
       <p:ext uri="{BB962C8B-B14F-4D97-AF65-F5344CB8AC3E}">
-        <p14:creationId xmlns:p14="http://schemas.microsoft.com/office/powerpoint/2010/main" val="2668556874"/>
+        <p14:creationId xmlns:p14="http://schemas.microsoft.com/office/powerpoint/2010/main" val="3469920771"/>
       </p:ext>
     </p:extLst>
   </p:cSld>
@@ -20897,8 +20706,8 @@
         </p:nvSpPr>
         <p:spPr>
           <a:xfrm>
-            <a:off x="292962" y="727969"/>
-            <a:ext cx="5237825" cy="761957"/>
+            <a:off x="971550" y="727969"/>
+            <a:ext cx="4559237" cy="761957"/>
           </a:xfrm>
         </p:spPr>
         <p:txBody>
@@ -20907,12 +20716,9 @@
           </a:bodyPr>
           <a:lstStyle/>
           <a:p>
-            <a:br>
+            <a:r>
               <a:rPr lang="en-US" sz="3200" dirty="0"/>
-            </a:br>
-            <a:r>
-              <a:rPr lang="en-US" sz="3200" dirty="0"/>
-              <a:t>     Things To try next</a:t>
+              <a:t>Model building</a:t>
             </a:r>
           </a:p>
         </p:txBody>
@@ -20935,8 +20741,8 @@
         </p:nvSpPr>
         <p:spPr>
           <a:xfrm>
-            <a:off x="952500" y="2286001"/>
-            <a:ext cx="10410917" cy="2708598"/>
+            <a:off x="952501" y="2286001"/>
+            <a:ext cx="5143500" cy="2854170"/>
           </a:xfrm>
         </p:spPr>
         <p:txBody>
@@ -20945,46 +20751,82 @@
           <a:p>
             <a:r>
               <a:rPr lang="en-US" dirty="0"/>
-              <a:t>1 – Exploratory Data Analysis</a:t>
+              <a:t>4 – Fine Tuning the best models</a:t>
+            </a:r>
+          </a:p>
+          <a:p>
+            <a:pPr marL="742950" lvl="1" indent="-285750">
+              <a:buFont typeface="Arial" panose="020B0604020202020204" pitchFamily="34" charset="0"/>
+              <a:buChar char="•"/>
+            </a:pPr>
+            <a:r>
+              <a:rPr lang="en-US" sz="1800" dirty="0"/>
+              <a:t>Using Grid Search</a:t>
             </a:r>
           </a:p>
           <a:p>
             <a:r>
               <a:rPr lang="en-US" dirty="0"/>
-              <a:t>	- Convert RGB columns to colors and figure out if there is a correlation between purchases and colors</a:t>
-            </a:r>
+              <a:t>5 – Try Ensemble Learning</a:t>
+            </a:r>
+          </a:p>
+          <a:p>
+            <a:pPr marL="742950" lvl="1" indent="-285750">
+              <a:buFont typeface="Arial" panose="020B0604020202020204" pitchFamily="34" charset="0"/>
+              <a:buChar char="•"/>
+            </a:pPr>
+            <a:r>
+              <a:rPr lang="en-US" sz="1800" dirty="0">
+                <a:solidFill>
+                  <a:schemeClr val="bg1"/>
+                </a:solidFill>
+              </a:rPr>
+              <a:t>Voting Classifier(soft)</a:t>
+            </a:r>
+          </a:p>
+          <a:p>
+            <a:pPr marL="742950" lvl="1" indent="-285750">
+              <a:buFont typeface="Arial" panose="020B0604020202020204" pitchFamily="34" charset="0"/>
+              <a:buChar char="•"/>
+            </a:pPr>
+            <a:r>
+              <a:rPr lang="en-US" sz="1800" dirty="0"/>
+              <a:t>Gradient Boosting(</a:t>
+            </a:r>
+            <a:r>
+              <a:rPr lang="en-US" sz="1800" dirty="0" err="1"/>
+              <a:t>Xgboost</a:t>
+            </a:r>
+            <a:r>
+              <a:rPr lang="en-US" sz="1800" dirty="0"/>
+              <a:t>)</a:t>
+            </a:r>
+            <a:endParaRPr lang="en-US" sz="1200" dirty="0">
+              <a:solidFill>
+                <a:schemeClr val="bg1"/>
+              </a:solidFill>
+            </a:endParaRPr>
           </a:p>
           <a:p>
             <a:r>
               <a:rPr lang="en-US" dirty="0"/>
-              <a:t>	- Get the top purchased items for each country, Get the most important customer in each country.</a:t>
-            </a:r>
-          </a:p>
-          <a:p>
-            <a:r>
-              <a:rPr lang="en-US" dirty="0"/>
-              <a:t>	- Get the average price of purchased items, and see if low prices, high prices affect sales or not.</a:t>
-            </a:r>
-          </a:p>
-          <a:p>
-            <a:r>
-              <a:rPr lang="en-US" dirty="0"/>
-              <a:t>	- Use unsupervised visualization </a:t>
-            </a:r>
-            <a:r>
-              <a:rPr lang="en-US" dirty="0" err="1"/>
-              <a:t>techinques</a:t>
-            </a:r>
-            <a:r>
-              <a:rPr lang="en-US" dirty="0"/>
-              <a:t> to identify clusters in the data.</a:t>
-            </a:r>
-          </a:p>
-          <a:p>
-            <a:r>
-              <a:rPr lang="en-US" dirty="0"/>
-              <a:t>	- Use Time-series Analysis</a:t>
-            </a:r>
+              <a:t>6 – Analyze the Best Models and their Errors</a:t>
+            </a:r>
+          </a:p>
+          <a:p>
+            <a:pPr marL="742950" lvl="1" indent="-285750">
+              <a:buFont typeface="Arial" panose="020B0604020202020204" pitchFamily="34" charset="0"/>
+              <a:buChar char="•"/>
+            </a:pPr>
+            <a:r>
+              <a:rPr lang="en-US" sz="1800" dirty="0"/>
+              <a:t>Using Random Forest </a:t>
+            </a:r>
+            <a:r>
+              <a:rPr lang="en-US" sz="1800" dirty="0" err="1"/>
+              <a:t>feature_importances</a:t>
+            </a:r>
+            <a:endParaRPr lang="en-US" sz="1800" dirty="0"/>
           </a:p>
         </p:txBody>
       </p:sp>
@@ -21180,7 +21022,7 @@
             <a:fld id="{6FCA8E82-58CD-E045-8B98-B7A85B79B752}" type="datetime4">
               <a:rPr lang="en-US" smtClean="0"/>
               <a:pPr/>
-              <a:t>January 1, 2024</a:t>
+              <a:t>January 2, 2024</a:t>
             </a:fld>
             <a:endParaRPr lang="en-US" dirty="0"/>
           </a:p>
@@ -21224,7 +21066,7 @@
     </p:spTree>
     <p:extLst>
       <p:ext uri="{BB962C8B-B14F-4D97-AF65-F5344CB8AC3E}">
-        <p14:creationId xmlns:p14="http://schemas.microsoft.com/office/powerpoint/2010/main" val="972980028"/>
+        <p14:creationId xmlns:p14="http://schemas.microsoft.com/office/powerpoint/2010/main" val="2668556874"/>
       </p:ext>
     </p:extLst>
   </p:cSld>
@@ -21279,12 +21121,9 @@
           </a:bodyPr>
           <a:lstStyle/>
           <a:p>
-            <a:br>
+            <a:r>
               <a:rPr lang="en-US" sz="3200" dirty="0"/>
-            </a:br>
-            <a:r>
-              <a:rPr lang="en-US" sz="3200" dirty="0"/>
-              <a:t>     Things To try next</a:t>
+              <a:t>      Model building</a:t>
             </a:r>
           </a:p>
         </p:txBody>
@@ -21308,7 +21147,7 @@
         <p:spPr>
           <a:xfrm>
             <a:off x="952500" y="2286001"/>
-            <a:ext cx="10410917" cy="2708598"/>
+            <a:ext cx="5208603" cy="2708598"/>
           </a:xfrm>
         </p:spPr>
         <p:txBody>
@@ -21317,37 +21156,25 @@
           <a:p>
             <a:r>
               <a:rPr lang="en-US" dirty="0"/>
-              <a:t>2 – Feature Engineering</a:t>
-            </a:r>
+              <a:t>6 – Evaluate your system on the test set</a:t>
+            </a:r>
+          </a:p>
+          <a:p>
+            <a:endParaRPr lang="en-US" dirty="0"/>
+          </a:p>
+          <a:p>
+            <a:endParaRPr lang="en-US" dirty="0"/>
+          </a:p>
+          <a:p>
+            <a:endParaRPr lang="en-US" dirty="0"/>
+          </a:p>
+          <a:p>
+            <a:endParaRPr lang="en-US" dirty="0"/>
           </a:p>
           <a:p>
             <a:r>
               <a:rPr lang="en-US" dirty="0"/>
-              <a:t>	- Take the logarithm of Heavy Tailed distribution attributes before scaling.</a:t>
-            </a:r>
-          </a:p>
-          <a:p>
-            <a:r>
-              <a:rPr lang="en-US" dirty="0"/>
-              <a:t>	- Get the top purchased items for each country, Get the most important customer in each country.</a:t>
-            </a:r>
-          </a:p>
-          <a:p>
-            <a:r>
-              <a:rPr lang="en-US" dirty="0"/>
-              <a:t>	-  Encode style column to ordinal encoder</a:t>
-            </a:r>
-          </a:p>
-          <a:p>
-            <a:r>
-              <a:rPr lang="en-US" dirty="0"/>
-              <a:t>	-  Better Feature Selection </a:t>
-            </a:r>
-          </a:p>
-          <a:p>
-            <a:r>
-              <a:rPr lang="en-US" dirty="0"/>
-              <a:t>	-  Write function for all data transformations</a:t>
+              <a:t>7 – Import the best model</a:t>
             </a:r>
           </a:p>
         </p:txBody>
@@ -21544,18 +21371,253 @@
             <a:fld id="{6FCA8E82-58CD-E045-8B98-B7A85B79B752}" type="datetime4">
               <a:rPr lang="en-US" smtClean="0"/>
               <a:pPr/>
-              <a:t>January 1, 2024</a:t>
+              <a:t>January 2, 2024</a:t>
             </a:fld>
             <a:endParaRPr lang="en-US" dirty="0"/>
           </a:p>
         </p:txBody>
       </p:sp>
-      <p:sp>
-        <p:nvSpPr>
-          <p:cNvPr id="28" name="TextBox 27">
-            <a:extLst>
-              <a:ext uri="{FF2B5EF4-FFF2-40B4-BE49-F238E27FC236}">
-                <a16:creationId xmlns:a16="http://schemas.microsoft.com/office/drawing/2014/main" id="{CB327ECC-0A97-EE6D-CD83-B0F4B89817A8}"/>
+      <p:pic>
+        <p:nvPicPr>
+          <p:cNvPr id="6" name="Picture 5">
+            <a:extLst>
+              <a:ext uri="{FF2B5EF4-FFF2-40B4-BE49-F238E27FC236}">
+                <a16:creationId xmlns:a16="http://schemas.microsoft.com/office/drawing/2014/main" id="{89B2F895-A1D3-72B5-0343-03A31E1119C0}"/>
+              </a:ext>
+            </a:extLst>
+          </p:cNvPr>
+          <p:cNvPicPr>
+            <a:picLocks noChangeAspect="1"/>
+          </p:cNvPicPr>
+          <p:nvPr/>
+        </p:nvPicPr>
+        <p:blipFill>
+          <a:blip r:embed="rId2"/>
+          <a:stretch>
+            <a:fillRect/>
+          </a:stretch>
+        </p:blipFill>
+        <p:spPr>
+          <a:xfrm>
+            <a:off x="5530787" y="4743120"/>
+            <a:ext cx="5157926" cy="1244396"/>
+          </a:xfrm>
+          <a:prstGeom prst="rect">
+            <a:avLst/>
+          </a:prstGeom>
+        </p:spPr>
+      </p:pic>
+      <p:sp>
+        <p:nvSpPr>
+          <p:cNvPr id="7" name="Rectangle 6">
+            <a:extLst>
+              <a:ext uri="{FF2B5EF4-FFF2-40B4-BE49-F238E27FC236}">
+                <a16:creationId xmlns:a16="http://schemas.microsoft.com/office/drawing/2014/main" id="{BE40983B-4DF4-9834-E3BA-598E535A93D1}"/>
+              </a:ext>
+            </a:extLst>
+          </p:cNvPr>
+          <p:cNvSpPr/>
+          <p:nvPr/>
+        </p:nvSpPr>
+        <p:spPr>
+          <a:xfrm>
+            <a:off x="5530787" y="2706693"/>
+            <a:ext cx="3071674" cy="1615735"/>
+          </a:xfrm>
+          <a:prstGeom prst="rect">
+            <a:avLst/>
+          </a:prstGeom>
+        </p:spPr>
+        <p:style>
+          <a:lnRef idx="2">
+            <a:schemeClr val="accent1">
+              <a:shade val="15000"/>
+            </a:schemeClr>
+          </a:lnRef>
+          <a:fillRef idx="1">
+            <a:schemeClr val="accent1"/>
+          </a:fillRef>
+          <a:effectRef idx="0">
+            <a:schemeClr val="accent1"/>
+          </a:effectRef>
+          <a:fontRef idx="minor">
+            <a:schemeClr val="lt1"/>
+          </a:fontRef>
+        </p:style>
+        <p:txBody>
+          <a:bodyPr rtlCol="0" anchor="ctr"/>
+          <a:lstStyle/>
+          <a:p>
+            <a:pPr algn="ctr"/>
+            <a:endParaRPr lang="en-US" dirty="0"/>
+          </a:p>
+        </p:txBody>
+      </p:sp>
+      <p:cxnSp>
+        <p:nvCxnSpPr>
+          <p:cNvPr id="9" name="Straight Connector 8">
+            <a:extLst>
+              <a:ext uri="{FF2B5EF4-FFF2-40B4-BE49-F238E27FC236}">
+                <a16:creationId xmlns:a16="http://schemas.microsoft.com/office/drawing/2014/main" id="{156A008B-F4F7-E441-5A52-6412E7657232}"/>
+              </a:ext>
+            </a:extLst>
+          </p:cNvPr>
+          <p:cNvCxnSpPr>
+            <a:cxnSpLocks/>
+            <a:stCxn id="7" idx="0"/>
+          </p:cNvCxnSpPr>
+          <p:nvPr/>
+        </p:nvCxnSpPr>
+        <p:spPr>
+          <a:xfrm>
+            <a:off x="7066624" y="2706693"/>
+            <a:ext cx="62144" cy="497149"/>
+          </a:xfrm>
+          <a:prstGeom prst="line">
+            <a:avLst/>
+          </a:prstGeom>
+        </p:spPr>
+        <p:style>
+          <a:lnRef idx="1">
+            <a:schemeClr val="accent1"/>
+          </a:lnRef>
+          <a:fillRef idx="0">
+            <a:schemeClr val="accent1"/>
+          </a:fillRef>
+          <a:effectRef idx="0">
+            <a:schemeClr val="accent1"/>
+          </a:effectRef>
+          <a:fontRef idx="minor">
+            <a:schemeClr val="tx1"/>
+          </a:fontRef>
+        </p:style>
+      </p:cxnSp>
+      <p:cxnSp>
+        <p:nvCxnSpPr>
+          <p:cNvPr id="12" name="Straight Connector 11">
+            <a:extLst>
+              <a:ext uri="{FF2B5EF4-FFF2-40B4-BE49-F238E27FC236}">
+                <a16:creationId xmlns:a16="http://schemas.microsoft.com/office/drawing/2014/main" id="{42B1975F-8AAF-E384-3F6A-8F14EB91D93F}"/>
+              </a:ext>
+            </a:extLst>
+          </p:cNvPr>
+          <p:cNvCxnSpPr>
+            <a:cxnSpLocks/>
+            <a:stCxn id="7" idx="3"/>
+            <a:endCxn id="7" idx="1"/>
+          </p:cNvCxnSpPr>
+          <p:nvPr/>
+        </p:nvCxnSpPr>
+        <p:spPr>
+          <a:xfrm flipH="1">
+            <a:off x="5530787" y="3514561"/>
+            <a:ext cx="3071674" cy="0"/>
+          </a:xfrm>
+          <a:prstGeom prst="line">
+            <a:avLst/>
+          </a:prstGeom>
+        </p:spPr>
+        <p:style>
+          <a:lnRef idx="1">
+            <a:schemeClr val="dk1"/>
+          </a:lnRef>
+          <a:fillRef idx="0">
+            <a:schemeClr val="dk1"/>
+          </a:fillRef>
+          <a:effectRef idx="0">
+            <a:schemeClr val="dk1"/>
+          </a:effectRef>
+          <a:fontRef idx="minor">
+            <a:schemeClr val="tx1"/>
+          </a:fontRef>
+        </p:style>
+      </p:cxnSp>
+      <p:cxnSp>
+        <p:nvCxnSpPr>
+          <p:cNvPr id="17" name="Straight Connector 16">
+            <a:extLst>
+              <a:ext uri="{FF2B5EF4-FFF2-40B4-BE49-F238E27FC236}">
+                <a16:creationId xmlns:a16="http://schemas.microsoft.com/office/drawing/2014/main" id="{971DD357-7F45-AE55-7630-BF9151FBF51A}"/>
+              </a:ext>
+            </a:extLst>
+          </p:cNvPr>
+          <p:cNvCxnSpPr>
+            <a:cxnSpLocks/>
+            <a:stCxn id="7" idx="2"/>
+            <a:endCxn id="7" idx="0"/>
+          </p:cNvCxnSpPr>
+          <p:nvPr/>
+        </p:nvCxnSpPr>
+        <p:spPr>
+          <a:xfrm flipV="1">
+            <a:off x="7066624" y="2706693"/>
+            <a:ext cx="0" cy="1615735"/>
+          </a:xfrm>
+          <a:prstGeom prst="line">
+            <a:avLst/>
+          </a:prstGeom>
+        </p:spPr>
+        <p:style>
+          <a:lnRef idx="1">
+            <a:schemeClr val="accent1"/>
+          </a:lnRef>
+          <a:fillRef idx="0">
+            <a:schemeClr val="accent1"/>
+          </a:fillRef>
+          <a:effectRef idx="0">
+            <a:schemeClr val="accent1"/>
+          </a:effectRef>
+          <a:fontRef idx="minor">
+            <a:schemeClr val="tx1"/>
+          </a:fontRef>
+        </p:style>
+      </p:cxnSp>
+      <p:cxnSp>
+        <p:nvCxnSpPr>
+          <p:cNvPr id="21" name="Straight Connector 20">
+            <a:extLst>
+              <a:ext uri="{FF2B5EF4-FFF2-40B4-BE49-F238E27FC236}">
+                <a16:creationId xmlns:a16="http://schemas.microsoft.com/office/drawing/2014/main" id="{975DFBD1-DF0E-49AF-32BD-283ECEA9F4DB}"/>
+              </a:ext>
+            </a:extLst>
+          </p:cNvPr>
+          <p:cNvCxnSpPr>
+            <a:cxnSpLocks/>
+            <a:stCxn id="7" idx="2"/>
+            <a:endCxn id="7" idx="0"/>
+          </p:cNvCxnSpPr>
+          <p:nvPr/>
+        </p:nvCxnSpPr>
+        <p:spPr>
+          <a:xfrm flipV="1">
+            <a:off x="7066624" y="2706693"/>
+            <a:ext cx="0" cy="1615735"/>
+          </a:xfrm>
+          <a:prstGeom prst="line">
+            <a:avLst/>
+          </a:prstGeom>
+        </p:spPr>
+        <p:style>
+          <a:lnRef idx="1">
+            <a:schemeClr val="dk1"/>
+          </a:lnRef>
+          <a:fillRef idx="0">
+            <a:schemeClr val="dk1"/>
+          </a:fillRef>
+          <a:effectRef idx="0">
+            <a:schemeClr val="dk1"/>
+          </a:effectRef>
+          <a:fontRef idx="minor">
+            <a:schemeClr val="tx1"/>
+          </a:fontRef>
+        </p:style>
+      </p:cxnSp>
+      <p:sp>
+        <p:nvSpPr>
+          <p:cNvPr id="24" name="TextBox 23">
+            <a:extLst>
+              <a:ext uri="{FF2B5EF4-FFF2-40B4-BE49-F238E27FC236}">
+                <a16:creationId xmlns:a16="http://schemas.microsoft.com/office/drawing/2014/main" id="{4D26C8D0-6DFD-568D-094B-53CD6C434F38}"/>
               </a:ext>
             </a:extLst>
           </p:cNvPr>
@@ -21564,7 +21626,7 @@
         </p:nvSpPr>
         <p:spPr>
           <a:xfrm>
-            <a:off x="8877681" y="4640677"/>
+            <a:off x="5770495" y="2955267"/>
             <a:ext cx="2831966" cy="369332"/>
           </a:xfrm>
           <a:prstGeom prst="rect">
@@ -21580,7 +21642,150 @@
           <a:p>
             <a:r>
               <a:rPr lang="en-US" dirty="0"/>
+              <a:t>12759                    4375</a:t>
+            </a:r>
+          </a:p>
+        </p:txBody>
+      </p:sp>
+      <p:sp>
+        <p:nvSpPr>
+          <p:cNvPr id="28" name="TextBox 27">
+            <a:extLst>
+              <a:ext uri="{FF2B5EF4-FFF2-40B4-BE49-F238E27FC236}">
+                <a16:creationId xmlns:a16="http://schemas.microsoft.com/office/drawing/2014/main" id="{CB327ECC-0A97-EE6D-CD83-B0F4B89817A8}"/>
+              </a:ext>
+            </a:extLst>
+          </p:cNvPr>
+          <p:cNvSpPr txBox="1"/>
+          <p:nvPr/>
+        </p:nvSpPr>
+        <p:spPr>
+          <a:xfrm>
+            <a:off x="5712796" y="3766423"/>
+            <a:ext cx="2831966" cy="369332"/>
+          </a:xfrm>
+          <a:prstGeom prst="rect">
+            <a:avLst/>
+          </a:prstGeom>
+          <a:noFill/>
+        </p:spPr>
+        <p:txBody>
+          <a:bodyPr wrap="square" rtlCol="0">
+            <a:spAutoFit/>
+          </a:bodyPr>
+          <a:lstStyle/>
+          <a:p>
+            <a:r>
+              <a:rPr lang="en-US" dirty="0"/>
               <a:t>   440                     2426</a:t>
+            </a:r>
+          </a:p>
+        </p:txBody>
+      </p:sp>
+      <p:sp>
+        <p:nvSpPr>
+          <p:cNvPr id="29" name="TextBox 28">
+            <a:extLst>
+              <a:ext uri="{FF2B5EF4-FFF2-40B4-BE49-F238E27FC236}">
+                <a16:creationId xmlns:a16="http://schemas.microsoft.com/office/drawing/2014/main" id="{5C666DF6-76D7-46E6-7185-0428120AB28F}"/>
+              </a:ext>
+            </a:extLst>
+          </p:cNvPr>
+          <p:cNvSpPr txBox="1"/>
+          <p:nvPr/>
+        </p:nvSpPr>
+        <p:spPr>
+          <a:xfrm>
+            <a:off x="6059014" y="2057714"/>
+            <a:ext cx="2485748" cy="369332"/>
+          </a:xfrm>
+          <a:prstGeom prst="rect">
+            <a:avLst/>
+          </a:prstGeom>
+          <a:noFill/>
+        </p:spPr>
+        <p:txBody>
+          <a:bodyPr wrap="square" rtlCol="0">
+            <a:spAutoFit/>
+          </a:bodyPr>
+          <a:lstStyle/>
+          <a:p>
+            <a:r>
+              <a:rPr lang="en-US" b="1" dirty="0">
+                <a:solidFill>
+                  <a:schemeClr val="bg1"/>
+                </a:solidFill>
+              </a:rPr>
+              <a:t>Confusion Matrix</a:t>
+            </a:r>
+          </a:p>
+        </p:txBody>
+      </p:sp>
+      <p:sp>
+        <p:nvSpPr>
+          <p:cNvPr id="34" name="TextBox 33">
+            <a:extLst>
+              <a:ext uri="{FF2B5EF4-FFF2-40B4-BE49-F238E27FC236}">
+                <a16:creationId xmlns:a16="http://schemas.microsoft.com/office/drawing/2014/main" id="{B9B80916-1DE0-9A97-8F3B-27BEEF02FF83}"/>
+              </a:ext>
+            </a:extLst>
+          </p:cNvPr>
+          <p:cNvSpPr txBox="1"/>
+          <p:nvPr/>
+        </p:nvSpPr>
+        <p:spPr>
+          <a:xfrm>
+            <a:off x="1494790" y="2787964"/>
+            <a:ext cx="2894121" cy="1200329"/>
+          </a:xfrm>
+          <a:prstGeom prst="rect">
+            <a:avLst/>
+          </a:prstGeom>
+          <a:noFill/>
+        </p:spPr>
+        <p:txBody>
+          <a:bodyPr wrap="square" rtlCol="0">
+            <a:spAutoFit/>
+          </a:bodyPr>
+          <a:lstStyle/>
+          <a:p>
+            <a:r>
+              <a:rPr lang="en-US" dirty="0">
+                <a:solidFill>
+                  <a:schemeClr val="bg1"/>
+                </a:solidFill>
+              </a:rPr>
+              <a:t>True Negatives(TN): 12759</a:t>
+            </a:r>
+          </a:p>
+          <a:p>
+            <a:r>
+              <a:rPr lang="en-US" dirty="0">
+                <a:solidFill>
+                  <a:schemeClr val="bg1"/>
+                </a:solidFill>
+              </a:rPr>
+              <a:t>True Positives(TP): 2426</a:t>
+            </a:r>
+          </a:p>
+          <a:p>
+            <a:r>
+              <a:rPr lang="en-US" dirty="0">
+                <a:solidFill>
+                  <a:schemeClr val="bg1"/>
+                </a:solidFill>
+              </a:rPr>
+              <a:t>False Negatives(FN): 440</a:t>
+            </a:r>
+          </a:p>
+          <a:p>
+            <a:r>
+              <a:rPr lang="en-US" dirty="0">
+                <a:solidFill>
+                  <a:schemeClr val="bg1"/>
+                </a:solidFill>
+              </a:rPr>
+              <a:t>False Positives(FP): 4375</a:t>
             </a:r>
           </a:p>
         </p:txBody>
@@ -21588,7 +21793,7 @@
     </p:spTree>
     <p:extLst>
       <p:ext uri="{BB962C8B-B14F-4D97-AF65-F5344CB8AC3E}">
-        <p14:creationId xmlns:p14="http://schemas.microsoft.com/office/powerpoint/2010/main" val="1383837218"/>
+        <p14:creationId xmlns:p14="http://schemas.microsoft.com/office/powerpoint/2010/main" val="2051584230"/>
       </p:ext>
     </p:extLst>
   </p:cSld>
@@ -21950,7 +22155,7 @@
             <a:fld id="{6FCA8E82-58CD-E045-8B98-B7A85B79B752}" type="datetime4">
               <a:rPr lang="en-US" smtClean="0"/>
               <a:pPr/>
-              <a:t>January 1, 2024</a:t>
+              <a:t>January 2, 2024</a:t>
             </a:fld>
             <a:endParaRPr lang="en-US" dirty="0"/>
           </a:p>
@@ -22052,45 +22257,45 @@
           <a:p>
             <a:r>
               <a:rPr lang="en-US" dirty="0"/>
-              <a:t>3 – Model Building</a:t>
+              <a:t>1 – Exploratory Data Analysis</a:t>
             </a:r>
           </a:p>
           <a:p>
             <a:r>
               <a:rPr lang="en-US" dirty="0"/>
-              <a:t>	-  Try Random over sampling and compare it with Smote over sampling </a:t>
+              <a:t>	- Convert RGB columns to colors and figure out if there is a correlation between purchases and colors</a:t>
             </a:r>
           </a:p>
           <a:p>
             <a:r>
               <a:rPr lang="en-US" dirty="0"/>
-              <a:t>	-  Try different ensemble methods.</a:t>
+              <a:t>	- Get the top purchased items for each country, Get the most important customer in each country.</a:t>
             </a:r>
           </a:p>
           <a:p>
             <a:r>
               <a:rPr lang="en-US" dirty="0"/>
-              <a:t>	-  Try PCA with the best model </a:t>
+              <a:t>	- Get the average price of purchased items, and see if low prices, high prices affect sales or not.</a:t>
             </a:r>
           </a:p>
           <a:p>
             <a:r>
               <a:rPr lang="en-US" dirty="0"/>
-              <a:t>	-  Analyze the best models and their errors, feature </a:t>
+              <a:t>	- Use unsupervised visualization </a:t>
             </a:r>
             <a:r>
               <a:rPr lang="en-US" dirty="0" err="1"/>
-              <a:t>importances</a:t>
+              <a:t>techinques</a:t>
             </a:r>
             <a:r>
               <a:rPr lang="en-US" dirty="0"/>
-              <a:t> and remove useless features</a:t>
+              <a:t> to identify clusters in the data.</a:t>
             </a:r>
           </a:p>
           <a:p>
             <a:r>
               <a:rPr lang="en-US" dirty="0"/>
-              <a:t>	-  Write function for all data transformations</a:t>
+              <a:t>	- Use Time-series Analysis</a:t>
             </a:r>
           </a:p>
         </p:txBody>
@@ -22287,7 +22492,7 @@
             <a:fld id="{6FCA8E82-58CD-E045-8B98-B7A85B79B752}" type="datetime4">
               <a:rPr lang="en-US" smtClean="0"/>
               <a:pPr/>
-              <a:t>January 1, 2024</a:t>
+              <a:t>January 2, 2024</a:t>
             </a:fld>
             <a:endParaRPr lang="en-US" dirty="0"/>
           </a:p>
@@ -22331,7 +22536,7 @@
     </p:spTree>
     <p:extLst>
       <p:ext uri="{BB962C8B-B14F-4D97-AF65-F5344CB8AC3E}">
-        <p14:creationId xmlns:p14="http://schemas.microsoft.com/office/powerpoint/2010/main" val="215693461"/>
+        <p14:creationId xmlns:p14="http://schemas.microsoft.com/office/powerpoint/2010/main" val="972980028"/>
       </p:ext>
     </p:extLst>
   </p:cSld>
@@ -22424,39 +22629,31 @@
           <a:p>
             <a:r>
               <a:rPr lang="en-US" dirty="0"/>
-              <a:t>3 – Model Building</a:t>
+              <a:t>2 – Feature Engineering</a:t>
             </a:r>
           </a:p>
           <a:p>
             <a:r>
               <a:rPr lang="en-US" dirty="0"/>
-              <a:t>	-  Try Random over sampling and compare it with Smote over sampling </a:t>
+              <a:t>	- Take the logarithm of Heavy Tailed distribution attributes before scaling.</a:t>
             </a:r>
           </a:p>
           <a:p>
             <a:r>
               <a:rPr lang="en-US" dirty="0"/>
-              <a:t>	-  Try different ensemble methods.</a:t>
+              <a:t>	- Get the top purchased items for each country, Get the most important customer in each country.</a:t>
             </a:r>
           </a:p>
           <a:p>
             <a:r>
               <a:rPr lang="en-US" dirty="0"/>
-              <a:t>	-  Try PCA with the best model </a:t>
+              <a:t>	-  Encode style column to ordinal encoder</a:t>
             </a:r>
           </a:p>
           <a:p>
             <a:r>
               <a:rPr lang="en-US" dirty="0"/>
-              <a:t>	-  Analyze the best models and their errors, feature </a:t>
-            </a:r>
-            <a:r>
-              <a:rPr lang="en-US" dirty="0" err="1"/>
-              <a:t>importances</a:t>
-            </a:r>
-            <a:r>
-              <a:rPr lang="en-US" dirty="0"/>
-              <a:t> and remove useless features</a:t>
+              <a:t>	-  Better Feature Selection </a:t>
             </a:r>
           </a:p>
           <a:p>
@@ -22659,7 +22856,7 @@
             <a:fld id="{6FCA8E82-58CD-E045-8B98-B7A85B79B752}" type="datetime4">
               <a:rPr lang="en-US" smtClean="0"/>
               <a:pPr/>
-              <a:t>January 1, 2024</a:t>
+              <a:t>January 2, 2024</a:t>
             </a:fld>
             <a:endParaRPr lang="en-US" dirty="0"/>
           </a:p>
@@ -22703,7 +22900,7 @@
     </p:spTree>
     <p:extLst>
       <p:ext uri="{BB962C8B-B14F-4D97-AF65-F5344CB8AC3E}">
-        <p14:creationId xmlns:p14="http://schemas.microsoft.com/office/powerpoint/2010/main" val="944979865"/>
+        <p14:creationId xmlns:p14="http://schemas.microsoft.com/office/powerpoint/2010/main" val="1383837218"/>
       </p:ext>
     </p:extLst>
   </p:cSld>
@@ -22796,28 +22993,46 @@
           <a:p>
             <a:r>
               <a:rPr lang="en-US" dirty="0"/>
-              <a:t>3 – Finally</a:t>
+              <a:t>3 – Model Building</a:t>
             </a:r>
           </a:p>
           <a:p>
             <a:r>
               <a:rPr lang="en-US" dirty="0"/>
-              <a:t>	- Refactor the code into proper scripts instead of notebooks</a:t>
+              <a:t>	-  Try Random over sampling and compare it with Smote over sampling </a:t>
             </a:r>
           </a:p>
           <a:p>
             <a:r>
               <a:rPr lang="en-US" dirty="0"/>
-              <a:t>	- Build an API to receive data, do the whole process of preprocessing, transformation and </a:t>
-            </a:r>
-            <a:r>
-              <a:rPr lang="en-US"/>
-              <a:t>return prediction</a:t>
-            </a:r>
-            <a:endParaRPr lang="en-US" dirty="0"/>
-          </a:p>
-          <a:p>
-            <a:endParaRPr lang="en-US" dirty="0"/>
+              <a:t>	-  Try different ensemble methods.</a:t>
+            </a:r>
+          </a:p>
+          <a:p>
+            <a:r>
+              <a:rPr lang="en-US" dirty="0"/>
+              <a:t>	-  Try PCA with the best model </a:t>
+            </a:r>
+          </a:p>
+          <a:p>
+            <a:r>
+              <a:rPr lang="en-US" dirty="0"/>
+              <a:t>	-  Analyze the best models and their errors, feature </a:t>
+            </a:r>
+            <a:r>
+              <a:rPr lang="en-US" dirty="0" err="1"/>
+              <a:t>importances</a:t>
+            </a:r>
+            <a:r>
+              <a:rPr lang="en-US" dirty="0"/>
+              <a:t> and remove useless features</a:t>
+            </a:r>
+          </a:p>
+          <a:p>
+            <a:r>
+              <a:rPr lang="en-US" dirty="0"/>
+              <a:t>	-  Write function for all data transformations</a:t>
+            </a:r>
           </a:p>
         </p:txBody>
       </p:sp>
@@ -23013,7 +23228,733 @@
             <a:fld id="{6FCA8E82-58CD-E045-8B98-B7A85B79B752}" type="datetime4">
               <a:rPr lang="en-US" smtClean="0"/>
               <a:pPr/>
-              <a:t>January 1, 2024</a:t>
+              <a:t>January 2, 2024</a:t>
+            </a:fld>
+            <a:endParaRPr lang="en-US" dirty="0"/>
+          </a:p>
+        </p:txBody>
+      </p:sp>
+      <p:sp>
+        <p:nvSpPr>
+          <p:cNvPr id="28" name="TextBox 27">
+            <a:extLst>
+              <a:ext uri="{FF2B5EF4-FFF2-40B4-BE49-F238E27FC236}">
+                <a16:creationId xmlns:a16="http://schemas.microsoft.com/office/drawing/2014/main" id="{CB327ECC-0A97-EE6D-CD83-B0F4B89817A8}"/>
+              </a:ext>
+            </a:extLst>
+          </p:cNvPr>
+          <p:cNvSpPr txBox="1"/>
+          <p:nvPr/>
+        </p:nvSpPr>
+        <p:spPr>
+          <a:xfrm>
+            <a:off x="8877681" y="4640677"/>
+            <a:ext cx="2831966" cy="369332"/>
+          </a:xfrm>
+          <a:prstGeom prst="rect">
+            <a:avLst/>
+          </a:prstGeom>
+          <a:noFill/>
+        </p:spPr>
+        <p:txBody>
+          <a:bodyPr wrap="square" rtlCol="0">
+            <a:spAutoFit/>
+          </a:bodyPr>
+          <a:lstStyle/>
+          <a:p>
+            <a:r>
+              <a:rPr lang="en-US" dirty="0"/>
+              <a:t>   440                     2426</a:t>
+            </a:r>
+          </a:p>
+        </p:txBody>
+      </p:sp>
+    </p:spTree>
+    <p:extLst>
+      <p:ext uri="{BB962C8B-B14F-4D97-AF65-F5344CB8AC3E}">
+        <p14:creationId xmlns:p14="http://schemas.microsoft.com/office/powerpoint/2010/main" val="215693461"/>
+      </p:ext>
+    </p:extLst>
+  </p:cSld>
+  <p:clrMapOvr>
+    <a:masterClrMapping/>
+  </p:clrMapOvr>
+</p:sld>
+</file>
+
+<file path=ppt/slides/slide33.xml><?xml version="1.0" encoding="utf-8"?>
+<p:sld xmlns:a="http://schemas.openxmlformats.org/drawingml/2006/main" xmlns:r="http://schemas.openxmlformats.org/officeDocument/2006/relationships" xmlns:p="http://schemas.openxmlformats.org/presentationml/2006/main">
+  <p:cSld>
+    <p:spTree>
+      <p:nvGrpSpPr>
+        <p:cNvPr id="1" name=""/>
+        <p:cNvGrpSpPr/>
+        <p:nvPr/>
+      </p:nvGrpSpPr>
+      <p:grpSpPr>
+        <a:xfrm>
+          <a:off x="0" y="0"/>
+          <a:ext cx="0" cy="0"/>
+          <a:chOff x="0" y="0"/>
+          <a:chExt cx="0" cy="0"/>
+        </a:xfrm>
+      </p:grpSpPr>
+      <p:sp>
+        <p:nvSpPr>
+          <p:cNvPr id="2" name="Title 1">
+            <a:extLst>
+              <a:ext uri="{FF2B5EF4-FFF2-40B4-BE49-F238E27FC236}">
+                <a16:creationId xmlns:a16="http://schemas.microsoft.com/office/drawing/2014/main" id="{8C122DF8-59D4-D94D-8ED9-F2F319899DBF}"/>
+              </a:ext>
+            </a:extLst>
+          </p:cNvPr>
+          <p:cNvSpPr>
+            <a:spLocks noGrp="1"/>
+          </p:cNvSpPr>
+          <p:nvPr>
+            <p:ph type="title"/>
+          </p:nvPr>
+        </p:nvSpPr>
+        <p:spPr>
+          <a:xfrm>
+            <a:off x="292962" y="727969"/>
+            <a:ext cx="5237825" cy="761957"/>
+          </a:xfrm>
+        </p:spPr>
+        <p:txBody>
+          <a:bodyPr>
+            <a:noAutofit/>
+          </a:bodyPr>
+          <a:lstStyle/>
+          <a:p>
+            <a:br>
+              <a:rPr lang="en-US" sz="3200" dirty="0"/>
+            </a:br>
+            <a:r>
+              <a:rPr lang="en-US" sz="3200" dirty="0"/>
+              <a:t>     Things To try next</a:t>
+            </a:r>
+          </a:p>
+        </p:txBody>
+      </p:sp>
+      <p:sp>
+        <p:nvSpPr>
+          <p:cNvPr id="45" name="Text Placeholder 44">
+            <a:extLst>
+              <a:ext uri="{FF2B5EF4-FFF2-40B4-BE49-F238E27FC236}">
+                <a16:creationId xmlns:a16="http://schemas.microsoft.com/office/drawing/2014/main" id="{803A1E73-C790-447A-974F-B3ADB50149F7}"/>
+              </a:ext>
+            </a:extLst>
+          </p:cNvPr>
+          <p:cNvSpPr>
+            <a:spLocks noGrp="1"/>
+          </p:cNvSpPr>
+          <p:nvPr>
+            <p:ph type="body" sz="quarter" idx="12"/>
+          </p:nvPr>
+        </p:nvSpPr>
+        <p:spPr>
+          <a:xfrm>
+            <a:off x="952500" y="2286001"/>
+            <a:ext cx="10410917" cy="2708598"/>
+          </a:xfrm>
+        </p:spPr>
+        <p:txBody>
+          <a:bodyPr/>
+          <a:lstStyle/>
+          <a:p>
+            <a:r>
+              <a:rPr lang="en-US" dirty="0"/>
+              <a:t>3 – Model Building</a:t>
+            </a:r>
+          </a:p>
+          <a:p>
+            <a:r>
+              <a:rPr lang="en-US" dirty="0"/>
+              <a:t>	-  Try Random over sampling and compare it with Smote over sampling </a:t>
+            </a:r>
+          </a:p>
+          <a:p>
+            <a:r>
+              <a:rPr lang="en-US" dirty="0"/>
+              <a:t>	-  Try different ensemble methods.</a:t>
+            </a:r>
+          </a:p>
+          <a:p>
+            <a:r>
+              <a:rPr lang="en-US" dirty="0"/>
+              <a:t>	-  Try PCA with the best model </a:t>
+            </a:r>
+          </a:p>
+          <a:p>
+            <a:r>
+              <a:rPr lang="en-US" dirty="0"/>
+              <a:t>	-  Analyze the best models and their errors, feature </a:t>
+            </a:r>
+            <a:r>
+              <a:rPr lang="en-US" dirty="0" err="1"/>
+              <a:t>importances</a:t>
+            </a:r>
+            <a:r>
+              <a:rPr lang="en-US" dirty="0"/>
+              <a:t> and remove useless features</a:t>
+            </a:r>
+          </a:p>
+          <a:p>
+            <a:r>
+              <a:rPr lang="en-US" dirty="0"/>
+              <a:t>	-  Write function for all data transformations</a:t>
+            </a:r>
+          </a:p>
+        </p:txBody>
+      </p:sp>
+      <p:sp>
+        <p:nvSpPr>
+          <p:cNvPr id="5" name="Slide Number Placeholder 4">
+            <a:extLst>
+              <a:ext uri="{FF2B5EF4-FFF2-40B4-BE49-F238E27FC236}">
+                <a16:creationId xmlns:a16="http://schemas.microsoft.com/office/drawing/2014/main" id="{AB744071-0CE2-7746-9315-22EC28A0F462}"/>
+              </a:ext>
+            </a:extLst>
+          </p:cNvPr>
+          <p:cNvSpPr>
+            <a:spLocks noGrp="1"/>
+          </p:cNvSpPr>
+          <p:nvPr>
+            <p:ph type="sldNum" sz="quarter" idx="23"/>
+          </p:nvPr>
+        </p:nvSpPr>
+        <p:spPr>
+          <a:xfrm>
+            <a:off x="971550" y="6332220"/>
+            <a:ext cx="523240" cy="247651"/>
+          </a:xfrm>
+        </p:spPr>
+        <p:txBody>
+          <a:bodyPr/>
+          <a:lstStyle/>
+          <a:p>
+            <a:fld id="{294A09A9-5501-47C1-A89A-A340965A2BE2}" type="slidenum">
+              <a:rPr lang="en-US" smtClean="0"/>
+              <a:pPr/>
+              <a:t>33</a:t>
+            </a:fld>
+            <a:endParaRPr lang="en-US" dirty="0"/>
+          </a:p>
+        </p:txBody>
+      </p:sp>
+      <p:sp>
+        <p:nvSpPr>
+          <p:cNvPr id="4" name="Footer Placeholder 3">
+            <a:extLst>
+              <a:ext uri="{FF2B5EF4-FFF2-40B4-BE49-F238E27FC236}">
+                <a16:creationId xmlns:a16="http://schemas.microsoft.com/office/drawing/2014/main" id="{529E91F3-E1A0-DB4A-8CD8-D9D1AB0FFB40}"/>
+              </a:ext>
+            </a:extLst>
+          </p:cNvPr>
+          <p:cNvSpPr>
+            <a:spLocks noGrp="1"/>
+          </p:cNvSpPr>
+          <p:nvPr>
+            <p:ph type="ftr" sz="quarter" idx="22"/>
+          </p:nvPr>
+        </p:nvSpPr>
+        <p:spPr>
+          <a:xfrm>
+            <a:off x="1494790" y="6332220"/>
+            <a:ext cx="1497330" cy="247651"/>
+          </a:xfrm>
+        </p:spPr>
+        <p:txBody>
+          <a:bodyPr/>
+          <a:lstStyle/>
+          <a:p>
+            <a:r>
+              <a:rPr lang="en-US" dirty="0"/>
+              <a:t>Annual Review</a:t>
+            </a:r>
+          </a:p>
+        </p:txBody>
+      </p:sp>
+      <p:sp>
+        <p:nvSpPr>
+          <p:cNvPr id="16" name="Date Placeholder 3">
+            <a:extLst>
+              <a:ext uri="{FF2B5EF4-FFF2-40B4-BE49-F238E27FC236}">
+                <a16:creationId xmlns:a16="http://schemas.microsoft.com/office/drawing/2014/main" id="{5384768F-E861-44BC-9FC7-434480D365AB}"/>
+              </a:ext>
+            </a:extLst>
+          </p:cNvPr>
+          <p:cNvSpPr txBox="1">
+            <a:spLocks/>
+          </p:cNvSpPr>
+          <p:nvPr/>
+        </p:nvSpPr>
+        <p:spPr>
+          <a:xfrm>
+            <a:off x="2992120" y="6332220"/>
+            <a:ext cx="1313180" cy="247651"/>
+          </a:xfrm>
+          <a:prstGeom prst="rect">
+            <a:avLst/>
+          </a:prstGeom>
+        </p:spPr>
+        <p:txBody>
+          <a:bodyPr vert="horz" lIns="0" tIns="0" rIns="0" bIns="0" rtlCol="0" anchor="t" anchorCtr="0"/>
+          <a:lstStyle>
+            <a:defPPr>
+              <a:defRPr lang="en-US"/>
+            </a:defPPr>
+            <a:lvl1pPr marL="0" algn="l" defTabSz="914400" rtl="0" eaLnBrk="1" latinLnBrk="0" hangingPunct="1">
+              <a:defRPr sz="1100" b="0" i="0" kern="1200">
+                <a:solidFill>
+                  <a:schemeClr val="bg1"/>
+                </a:solidFill>
+                <a:latin typeface="+mn-lt"/>
+                <a:ea typeface="+mn-ea"/>
+                <a:cs typeface="+mn-cs"/>
+              </a:defRPr>
+            </a:lvl1pPr>
+            <a:lvl2pPr marL="457200" algn="l" defTabSz="914400" rtl="0" eaLnBrk="1" latinLnBrk="0" hangingPunct="1">
+              <a:defRPr sz="1800" kern="1200">
+                <a:solidFill>
+                  <a:schemeClr val="tx1"/>
+                </a:solidFill>
+                <a:latin typeface="+mn-lt"/>
+                <a:ea typeface="+mn-ea"/>
+                <a:cs typeface="+mn-cs"/>
+              </a:defRPr>
+            </a:lvl2pPr>
+            <a:lvl3pPr marL="914400" algn="l" defTabSz="914400" rtl="0" eaLnBrk="1" latinLnBrk="0" hangingPunct="1">
+              <a:defRPr sz="1800" kern="1200">
+                <a:solidFill>
+                  <a:schemeClr val="tx1"/>
+                </a:solidFill>
+                <a:latin typeface="+mn-lt"/>
+                <a:ea typeface="+mn-ea"/>
+                <a:cs typeface="+mn-cs"/>
+              </a:defRPr>
+            </a:lvl3pPr>
+            <a:lvl4pPr marL="1371600" algn="l" defTabSz="914400" rtl="0" eaLnBrk="1" latinLnBrk="0" hangingPunct="1">
+              <a:defRPr sz="1800" kern="1200">
+                <a:solidFill>
+                  <a:schemeClr val="tx1"/>
+                </a:solidFill>
+                <a:latin typeface="+mn-lt"/>
+                <a:ea typeface="+mn-ea"/>
+                <a:cs typeface="+mn-cs"/>
+              </a:defRPr>
+            </a:lvl4pPr>
+            <a:lvl5pPr marL="1828800" algn="l" defTabSz="914400" rtl="0" eaLnBrk="1" latinLnBrk="0" hangingPunct="1">
+              <a:defRPr sz="1800" kern="1200">
+                <a:solidFill>
+                  <a:schemeClr val="tx1"/>
+                </a:solidFill>
+                <a:latin typeface="+mn-lt"/>
+                <a:ea typeface="+mn-ea"/>
+                <a:cs typeface="+mn-cs"/>
+              </a:defRPr>
+            </a:lvl5pPr>
+            <a:lvl6pPr marL="2286000" algn="l" defTabSz="914400" rtl="0" eaLnBrk="1" latinLnBrk="0" hangingPunct="1">
+              <a:defRPr sz="1800" kern="1200">
+                <a:solidFill>
+                  <a:schemeClr val="tx1"/>
+                </a:solidFill>
+                <a:latin typeface="+mn-lt"/>
+                <a:ea typeface="+mn-ea"/>
+                <a:cs typeface="+mn-cs"/>
+              </a:defRPr>
+            </a:lvl6pPr>
+            <a:lvl7pPr marL="2743200" algn="l" defTabSz="914400" rtl="0" eaLnBrk="1" latinLnBrk="0" hangingPunct="1">
+              <a:defRPr sz="1800" kern="1200">
+                <a:solidFill>
+                  <a:schemeClr val="tx1"/>
+                </a:solidFill>
+                <a:latin typeface="+mn-lt"/>
+                <a:ea typeface="+mn-ea"/>
+                <a:cs typeface="+mn-cs"/>
+              </a:defRPr>
+            </a:lvl7pPr>
+            <a:lvl8pPr marL="3200400" algn="l" defTabSz="914400" rtl="0" eaLnBrk="1" latinLnBrk="0" hangingPunct="1">
+              <a:defRPr sz="1800" kern="1200">
+                <a:solidFill>
+                  <a:schemeClr val="tx1"/>
+                </a:solidFill>
+                <a:latin typeface="+mn-lt"/>
+                <a:ea typeface="+mn-ea"/>
+                <a:cs typeface="+mn-cs"/>
+              </a:defRPr>
+            </a:lvl8pPr>
+            <a:lvl9pPr marL="3657600" algn="l" defTabSz="914400" rtl="0" eaLnBrk="1" latinLnBrk="0" hangingPunct="1">
+              <a:defRPr sz="1800" kern="1200">
+                <a:solidFill>
+                  <a:schemeClr val="tx1"/>
+                </a:solidFill>
+                <a:latin typeface="+mn-lt"/>
+                <a:ea typeface="+mn-ea"/>
+                <a:cs typeface="+mn-cs"/>
+              </a:defRPr>
+            </a:lvl9pPr>
+          </a:lstStyle>
+          <a:p>
+            <a:fld id="{6FCA8E82-58CD-E045-8B98-B7A85B79B752}" type="datetime4">
+              <a:rPr lang="en-US" smtClean="0"/>
+              <a:pPr/>
+              <a:t>January 2, 2024</a:t>
+            </a:fld>
+            <a:endParaRPr lang="en-US" dirty="0"/>
+          </a:p>
+        </p:txBody>
+      </p:sp>
+      <p:sp>
+        <p:nvSpPr>
+          <p:cNvPr id="28" name="TextBox 27">
+            <a:extLst>
+              <a:ext uri="{FF2B5EF4-FFF2-40B4-BE49-F238E27FC236}">
+                <a16:creationId xmlns:a16="http://schemas.microsoft.com/office/drawing/2014/main" id="{CB327ECC-0A97-EE6D-CD83-B0F4B89817A8}"/>
+              </a:ext>
+            </a:extLst>
+          </p:cNvPr>
+          <p:cNvSpPr txBox="1"/>
+          <p:nvPr/>
+        </p:nvSpPr>
+        <p:spPr>
+          <a:xfrm>
+            <a:off x="8877681" y="4640677"/>
+            <a:ext cx="2831966" cy="369332"/>
+          </a:xfrm>
+          <a:prstGeom prst="rect">
+            <a:avLst/>
+          </a:prstGeom>
+          <a:noFill/>
+        </p:spPr>
+        <p:txBody>
+          <a:bodyPr wrap="square" rtlCol="0">
+            <a:spAutoFit/>
+          </a:bodyPr>
+          <a:lstStyle/>
+          <a:p>
+            <a:r>
+              <a:rPr lang="en-US" dirty="0"/>
+              <a:t>   440                     2426</a:t>
+            </a:r>
+          </a:p>
+        </p:txBody>
+      </p:sp>
+    </p:spTree>
+    <p:extLst>
+      <p:ext uri="{BB962C8B-B14F-4D97-AF65-F5344CB8AC3E}">
+        <p14:creationId xmlns:p14="http://schemas.microsoft.com/office/powerpoint/2010/main" val="944979865"/>
+      </p:ext>
+    </p:extLst>
+  </p:cSld>
+  <p:clrMapOvr>
+    <a:masterClrMapping/>
+  </p:clrMapOvr>
+</p:sld>
+</file>
+
+<file path=ppt/slides/slide34.xml><?xml version="1.0" encoding="utf-8"?>
+<p:sld xmlns:a="http://schemas.openxmlformats.org/drawingml/2006/main" xmlns:r="http://schemas.openxmlformats.org/officeDocument/2006/relationships" xmlns:p="http://schemas.openxmlformats.org/presentationml/2006/main">
+  <p:cSld>
+    <p:spTree>
+      <p:nvGrpSpPr>
+        <p:cNvPr id="1" name=""/>
+        <p:cNvGrpSpPr/>
+        <p:nvPr/>
+      </p:nvGrpSpPr>
+      <p:grpSpPr>
+        <a:xfrm>
+          <a:off x="0" y="0"/>
+          <a:ext cx="0" cy="0"/>
+          <a:chOff x="0" y="0"/>
+          <a:chExt cx="0" cy="0"/>
+        </a:xfrm>
+      </p:grpSpPr>
+      <p:sp>
+        <p:nvSpPr>
+          <p:cNvPr id="2" name="Title 1">
+            <a:extLst>
+              <a:ext uri="{FF2B5EF4-FFF2-40B4-BE49-F238E27FC236}">
+                <a16:creationId xmlns:a16="http://schemas.microsoft.com/office/drawing/2014/main" id="{8C122DF8-59D4-D94D-8ED9-F2F319899DBF}"/>
+              </a:ext>
+            </a:extLst>
+          </p:cNvPr>
+          <p:cNvSpPr>
+            <a:spLocks noGrp="1"/>
+          </p:cNvSpPr>
+          <p:nvPr>
+            <p:ph type="title"/>
+          </p:nvPr>
+        </p:nvSpPr>
+        <p:spPr>
+          <a:xfrm>
+            <a:off x="292962" y="727969"/>
+            <a:ext cx="5237825" cy="761957"/>
+          </a:xfrm>
+        </p:spPr>
+        <p:txBody>
+          <a:bodyPr>
+            <a:noAutofit/>
+          </a:bodyPr>
+          <a:lstStyle/>
+          <a:p>
+            <a:br>
+              <a:rPr lang="en-US" sz="3200" dirty="0"/>
+            </a:br>
+            <a:r>
+              <a:rPr lang="en-US" sz="3200" dirty="0"/>
+              <a:t>     Things To try next</a:t>
+            </a:r>
+          </a:p>
+        </p:txBody>
+      </p:sp>
+      <p:sp>
+        <p:nvSpPr>
+          <p:cNvPr id="45" name="Text Placeholder 44">
+            <a:extLst>
+              <a:ext uri="{FF2B5EF4-FFF2-40B4-BE49-F238E27FC236}">
+                <a16:creationId xmlns:a16="http://schemas.microsoft.com/office/drawing/2014/main" id="{803A1E73-C790-447A-974F-B3ADB50149F7}"/>
+              </a:ext>
+            </a:extLst>
+          </p:cNvPr>
+          <p:cNvSpPr>
+            <a:spLocks noGrp="1"/>
+          </p:cNvSpPr>
+          <p:nvPr>
+            <p:ph type="body" sz="quarter" idx="12"/>
+          </p:nvPr>
+        </p:nvSpPr>
+        <p:spPr>
+          <a:xfrm>
+            <a:off x="952500" y="2286001"/>
+            <a:ext cx="10410917" cy="2708598"/>
+          </a:xfrm>
+        </p:spPr>
+        <p:txBody>
+          <a:bodyPr/>
+          <a:lstStyle/>
+          <a:p>
+            <a:r>
+              <a:rPr lang="en-US" dirty="0"/>
+              <a:t>3 – Finally</a:t>
+            </a:r>
+          </a:p>
+          <a:p>
+            <a:r>
+              <a:rPr lang="en-US" dirty="0"/>
+              <a:t>	- Refactor the code into proper scripts instead of notebooks</a:t>
+            </a:r>
+          </a:p>
+          <a:p>
+            <a:r>
+              <a:rPr lang="en-US" dirty="0"/>
+              <a:t>	- Build an API to receive data, do the whole process of preprocessing, transformation and </a:t>
+            </a:r>
+            <a:r>
+              <a:rPr lang="en-US"/>
+              <a:t>return prediction</a:t>
+            </a:r>
+            <a:endParaRPr lang="en-US" dirty="0"/>
+          </a:p>
+          <a:p>
+            <a:endParaRPr lang="en-US" dirty="0"/>
+          </a:p>
+        </p:txBody>
+      </p:sp>
+      <p:sp>
+        <p:nvSpPr>
+          <p:cNvPr id="5" name="Slide Number Placeholder 4">
+            <a:extLst>
+              <a:ext uri="{FF2B5EF4-FFF2-40B4-BE49-F238E27FC236}">
+                <a16:creationId xmlns:a16="http://schemas.microsoft.com/office/drawing/2014/main" id="{AB744071-0CE2-7746-9315-22EC28A0F462}"/>
+              </a:ext>
+            </a:extLst>
+          </p:cNvPr>
+          <p:cNvSpPr>
+            <a:spLocks noGrp="1"/>
+          </p:cNvSpPr>
+          <p:nvPr>
+            <p:ph type="sldNum" sz="quarter" idx="23"/>
+          </p:nvPr>
+        </p:nvSpPr>
+        <p:spPr>
+          <a:xfrm>
+            <a:off x="971550" y="6332220"/>
+            <a:ext cx="523240" cy="247651"/>
+          </a:xfrm>
+        </p:spPr>
+        <p:txBody>
+          <a:bodyPr/>
+          <a:lstStyle/>
+          <a:p>
+            <a:fld id="{294A09A9-5501-47C1-A89A-A340965A2BE2}" type="slidenum">
+              <a:rPr lang="en-US" smtClean="0"/>
+              <a:pPr/>
+              <a:t>34</a:t>
+            </a:fld>
+            <a:endParaRPr lang="en-US" dirty="0"/>
+          </a:p>
+        </p:txBody>
+      </p:sp>
+      <p:sp>
+        <p:nvSpPr>
+          <p:cNvPr id="4" name="Footer Placeholder 3">
+            <a:extLst>
+              <a:ext uri="{FF2B5EF4-FFF2-40B4-BE49-F238E27FC236}">
+                <a16:creationId xmlns:a16="http://schemas.microsoft.com/office/drawing/2014/main" id="{529E91F3-E1A0-DB4A-8CD8-D9D1AB0FFB40}"/>
+              </a:ext>
+            </a:extLst>
+          </p:cNvPr>
+          <p:cNvSpPr>
+            <a:spLocks noGrp="1"/>
+          </p:cNvSpPr>
+          <p:nvPr>
+            <p:ph type="ftr" sz="quarter" idx="22"/>
+          </p:nvPr>
+        </p:nvSpPr>
+        <p:spPr>
+          <a:xfrm>
+            <a:off x="1494790" y="6332220"/>
+            <a:ext cx="1497330" cy="247651"/>
+          </a:xfrm>
+        </p:spPr>
+        <p:txBody>
+          <a:bodyPr/>
+          <a:lstStyle/>
+          <a:p>
+            <a:r>
+              <a:rPr lang="en-US" dirty="0"/>
+              <a:t>Annual Review</a:t>
+            </a:r>
+          </a:p>
+        </p:txBody>
+      </p:sp>
+      <p:sp>
+        <p:nvSpPr>
+          <p:cNvPr id="16" name="Date Placeholder 3">
+            <a:extLst>
+              <a:ext uri="{FF2B5EF4-FFF2-40B4-BE49-F238E27FC236}">
+                <a16:creationId xmlns:a16="http://schemas.microsoft.com/office/drawing/2014/main" id="{5384768F-E861-44BC-9FC7-434480D365AB}"/>
+              </a:ext>
+            </a:extLst>
+          </p:cNvPr>
+          <p:cNvSpPr txBox="1">
+            <a:spLocks/>
+          </p:cNvSpPr>
+          <p:nvPr/>
+        </p:nvSpPr>
+        <p:spPr>
+          <a:xfrm>
+            <a:off x="2992120" y="6332220"/>
+            <a:ext cx="1313180" cy="247651"/>
+          </a:xfrm>
+          <a:prstGeom prst="rect">
+            <a:avLst/>
+          </a:prstGeom>
+        </p:spPr>
+        <p:txBody>
+          <a:bodyPr vert="horz" lIns="0" tIns="0" rIns="0" bIns="0" rtlCol="0" anchor="t" anchorCtr="0"/>
+          <a:lstStyle>
+            <a:defPPr>
+              <a:defRPr lang="en-US"/>
+            </a:defPPr>
+            <a:lvl1pPr marL="0" algn="l" defTabSz="914400" rtl="0" eaLnBrk="1" latinLnBrk="0" hangingPunct="1">
+              <a:defRPr sz="1100" b="0" i="0" kern="1200">
+                <a:solidFill>
+                  <a:schemeClr val="bg1"/>
+                </a:solidFill>
+                <a:latin typeface="+mn-lt"/>
+                <a:ea typeface="+mn-ea"/>
+                <a:cs typeface="+mn-cs"/>
+              </a:defRPr>
+            </a:lvl1pPr>
+            <a:lvl2pPr marL="457200" algn="l" defTabSz="914400" rtl="0" eaLnBrk="1" latinLnBrk="0" hangingPunct="1">
+              <a:defRPr sz="1800" kern="1200">
+                <a:solidFill>
+                  <a:schemeClr val="tx1"/>
+                </a:solidFill>
+                <a:latin typeface="+mn-lt"/>
+                <a:ea typeface="+mn-ea"/>
+                <a:cs typeface="+mn-cs"/>
+              </a:defRPr>
+            </a:lvl2pPr>
+            <a:lvl3pPr marL="914400" algn="l" defTabSz="914400" rtl="0" eaLnBrk="1" latinLnBrk="0" hangingPunct="1">
+              <a:defRPr sz="1800" kern="1200">
+                <a:solidFill>
+                  <a:schemeClr val="tx1"/>
+                </a:solidFill>
+                <a:latin typeface="+mn-lt"/>
+                <a:ea typeface="+mn-ea"/>
+                <a:cs typeface="+mn-cs"/>
+              </a:defRPr>
+            </a:lvl3pPr>
+            <a:lvl4pPr marL="1371600" algn="l" defTabSz="914400" rtl="0" eaLnBrk="1" latinLnBrk="0" hangingPunct="1">
+              <a:defRPr sz="1800" kern="1200">
+                <a:solidFill>
+                  <a:schemeClr val="tx1"/>
+                </a:solidFill>
+                <a:latin typeface="+mn-lt"/>
+                <a:ea typeface="+mn-ea"/>
+                <a:cs typeface="+mn-cs"/>
+              </a:defRPr>
+            </a:lvl4pPr>
+            <a:lvl5pPr marL="1828800" algn="l" defTabSz="914400" rtl="0" eaLnBrk="1" latinLnBrk="0" hangingPunct="1">
+              <a:defRPr sz="1800" kern="1200">
+                <a:solidFill>
+                  <a:schemeClr val="tx1"/>
+                </a:solidFill>
+                <a:latin typeface="+mn-lt"/>
+                <a:ea typeface="+mn-ea"/>
+                <a:cs typeface="+mn-cs"/>
+              </a:defRPr>
+            </a:lvl5pPr>
+            <a:lvl6pPr marL="2286000" algn="l" defTabSz="914400" rtl="0" eaLnBrk="1" latinLnBrk="0" hangingPunct="1">
+              <a:defRPr sz="1800" kern="1200">
+                <a:solidFill>
+                  <a:schemeClr val="tx1"/>
+                </a:solidFill>
+                <a:latin typeface="+mn-lt"/>
+                <a:ea typeface="+mn-ea"/>
+                <a:cs typeface="+mn-cs"/>
+              </a:defRPr>
+            </a:lvl6pPr>
+            <a:lvl7pPr marL="2743200" algn="l" defTabSz="914400" rtl="0" eaLnBrk="1" latinLnBrk="0" hangingPunct="1">
+              <a:defRPr sz="1800" kern="1200">
+                <a:solidFill>
+                  <a:schemeClr val="tx1"/>
+                </a:solidFill>
+                <a:latin typeface="+mn-lt"/>
+                <a:ea typeface="+mn-ea"/>
+                <a:cs typeface="+mn-cs"/>
+              </a:defRPr>
+            </a:lvl7pPr>
+            <a:lvl8pPr marL="3200400" algn="l" defTabSz="914400" rtl="0" eaLnBrk="1" latinLnBrk="0" hangingPunct="1">
+              <a:defRPr sz="1800" kern="1200">
+                <a:solidFill>
+                  <a:schemeClr val="tx1"/>
+                </a:solidFill>
+                <a:latin typeface="+mn-lt"/>
+                <a:ea typeface="+mn-ea"/>
+                <a:cs typeface="+mn-cs"/>
+              </a:defRPr>
+            </a:lvl8pPr>
+            <a:lvl9pPr marL="3657600" algn="l" defTabSz="914400" rtl="0" eaLnBrk="1" latinLnBrk="0" hangingPunct="1">
+              <a:defRPr sz="1800" kern="1200">
+                <a:solidFill>
+                  <a:schemeClr val="tx1"/>
+                </a:solidFill>
+                <a:latin typeface="+mn-lt"/>
+                <a:ea typeface="+mn-ea"/>
+                <a:cs typeface="+mn-cs"/>
+              </a:defRPr>
+            </a:lvl9pPr>
+          </a:lstStyle>
+          <a:p>
+            <a:fld id="{6FCA8E82-58CD-E045-8B98-B7A85B79B752}" type="datetime4">
+              <a:rPr lang="en-US" smtClean="0"/>
+              <a:pPr/>
+              <a:t>January 2, 2024</a:t>
             </a:fld>
             <a:endParaRPr lang="en-US" dirty="0"/>
           </a:p>
@@ -23067,7 +24008,7 @@
 </p:sld>
 </file>
 
-<file path=ppt/slides/slide33.xml><?xml version="1.0" encoding="utf-8"?>
+<file path=ppt/slides/slide35.xml><?xml version="1.0" encoding="utf-8"?>
 <p:sld xmlns:a="http://schemas.openxmlformats.org/drawingml/2006/main" xmlns:r="http://schemas.openxmlformats.org/officeDocument/2006/relationships" xmlns:p="http://schemas.openxmlformats.org/presentationml/2006/main">
   <p:cSld>
     <p:spTree>
@@ -23509,7 +24450,7 @@
             <a:fld id="{6FCA8E82-58CD-E045-8B98-B7A85B79B752}" type="datetime4">
               <a:rPr lang="en-US" smtClean="0"/>
               <a:pPr/>
-              <a:t>January 1, 2024</a:t>
+              <a:t>January 2, 2024</a:t>
             </a:fld>
             <a:endParaRPr lang="en-US" dirty="0"/>
           </a:p>
@@ -23866,7 +24807,7 @@
             <a:fld id="{6FCA8E82-58CD-E045-8B98-B7A85B79B752}" type="datetime4">
               <a:rPr lang="en-US" smtClean="0"/>
               <a:pPr/>
-              <a:t>January 1, 2024</a:t>
+              <a:t>January 2, 2024</a:t>
             </a:fld>
             <a:endParaRPr lang="en-US" dirty="0"/>
           </a:p>
@@ -24155,7 +25096,7 @@
             <a:fld id="{6FCA8E82-58CD-E045-8B98-B7A85B79B752}" type="datetime4">
               <a:rPr lang="en-US" smtClean="0"/>
               <a:pPr/>
-              <a:t>January 1, 2024</a:t>
+              <a:t>January 2, 2024</a:t>
             </a:fld>
             <a:endParaRPr lang="en-US" dirty="0"/>
           </a:p>
@@ -24512,7 +25453,7 @@
             <a:fld id="{6FCA8E82-58CD-E045-8B98-B7A85B79B752}" type="datetime4">
               <a:rPr lang="en-US" smtClean="0"/>
               <a:pPr/>
-              <a:t>January 1, 2024</a:t>
+              <a:t>January 2, 2024</a:t>
             </a:fld>
             <a:endParaRPr lang="en-US" dirty="0"/>
           </a:p>
@@ -24807,7 +25748,7 @@
             <a:fld id="{6FCA8E82-58CD-E045-8B98-B7A85B79B752}" type="datetime4">
               <a:rPr lang="en-US" smtClean="0"/>
               <a:pPr/>
-              <a:t>January 1, 2024</a:t>
+              <a:t>January 2, 2024</a:t>
             </a:fld>
             <a:endParaRPr lang="en-US" dirty="0"/>
           </a:p>
@@ -25285,7 +26226,7 @@
             <a:fld id="{6FCA8E82-58CD-E045-8B98-B7A85B79B752}" type="datetime4">
               <a:rPr lang="en-US" smtClean="0"/>
               <a:pPr/>
-              <a:t>January 1, 2024</a:t>
+              <a:t>January 2, 2024</a:t>
             </a:fld>
             <a:endParaRPr lang="en-US" dirty="0"/>
           </a:p>
@@ -25427,7 +26368,7 @@
         </p:blipFill>
         <p:spPr>
           <a:xfrm>
-            <a:off x="6286502" y="258407"/>
+            <a:off x="6286502" y="1489926"/>
             <a:ext cx="4941478" cy="4572009"/>
           </a:xfrm>
           <a:prstGeom prst="rect">
@@ -26240,6 +27181,15 @@
 </file>
 
 <file path=customXml/item1.xml><?xml version="1.0" encoding="utf-8"?>
+<?mso-contentType ?>
+<FormTemplates xmlns="http://schemas.microsoft.com/sharepoint/v3/contenttype/forms">
+  <Display>DocumentLibraryForm</Display>
+  <Edit>DocumentLibraryForm</Edit>
+  <New>DocumentLibraryForm</New>
+</FormTemplates>
+</file>
+
+<file path=customXml/item2.xml><?xml version="1.0" encoding="utf-8"?>
 <ct:contentTypeSchema xmlns:ct="http://schemas.microsoft.com/office/2006/metadata/contentType" xmlns:ma="http://schemas.microsoft.com/office/2006/metadata/properties/metaAttributes" ct:_="" ma:_="" ma:contentTypeName="Document" ma:contentTypeID="0x01010079F111ED35F8CC479449609E8A0923A6" ma:contentTypeVersion="28" ma:contentTypeDescription="Create a new document." ma:contentTypeScope="" ma:versionID="60f5a4f2d2b0abadcf532d48ebf9cb71">
   <xsd:schema xmlns:xsd="http://www.w3.org/2001/XMLSchema" xmlns:xs="http://www.w3.org/2001/XMLSchema" xmlns:p="http://schemas.microsoft.com/office/2006/metadata/properties" xmlns:ns1="http://schemas.microsoft.com/sharepoint/v3" xmlns:ns2="71af3243-3dd4-4a8d-8c0d-dd76da1f02a5" xmlns:ns3="16c05727-aa75-4e4a-9b5f-8a80a1165891" xmlns:ns4="230e9df3-be65-4c73-a93b-d1236ebd677e" targetNamespace="http://schemas.microsoft.com/office/2006/metadata/properties" ma:root="true" ma:fieldsID="7dd78129e6a1811f84807ad11c651531" ns1:_="" ns2:_="" ns3:_="" ns4:_="">
     <xsd:import namespace="http://schemas.microsoft.com/sharepoint/v3"/>
@@ -26551,15 +27501,6 @@
 </ct:contentTypeSchema>
 </file>
 
-<file path=customXml/item2.xml><?xml version="1.0" encoding="utf-8"?>
-<?mso-contentType ?>
-<FormTemplates xmlns="http://schemas.microsoft.com/sharepoint/v3/contenttype/forms">
-  <Display>DocumentLibraryForm</Display>
-  <Edit>DocumentLibraryForm</Edit>
-  <New>DocumentLibraryForm</New>
-</FormTemplates>
-</file>
-
 <file path=customXml/item3.xml><?xml version="1.0" encoding="utf-8"?>
 <p:properties xmlns:p="http://schemas.microsoft.com/office/2006/metadata/properties" xmlns:xsi="http://www.w3.org/2001/XMLSchema-instance" xmlns:pc="http://schemas.microsoft.com/office/infopath/2007/PartnerControls">
   <documentManagement>
@@ -26581,6 +27522,14 @@
 </file>
 
 <file path=customXml/itemProps1.xml><?xml version="1.0" encoding="utf-8"?>
+<ds:datastoreItem xmlns:ds="http://schemas.openxmlformats.org/officeDocument/2006/customXml" ds:itemID="{F1446DA3-37A7-4516-A4F6-8B99D0D312BF}">
+  <ds:schemaRefs>
+    <ds:schemaRef ds:uri="http://schemas.microsoft.com/sharepoint/v3/contenttype/forms"/>
+  </ds:schemaRefs>
+</ds:datastoreItem>
+</file>
+
+<file path=customXml/itemProps2.xml><?xml version="1.0" encoding="utf-8"?>
 <ds:datastoreItem xmlns:ds="http://schemas.openxmlformats.org/officeDocument/2006/customXml" ds:itemID="{A6EBEE06-2B28-4E77-9CB6-A74873B39256}">
   <ds:schemaRefs>
     <ds:schemaRef ds:uri="http://schemas.microsoft.com/office/2006/metadata/contentType"/>
@@ -26601,14 +27550,6 @@
 </ds:datastoreItem>
 </file>
 
-<file path=customXml/itemProps2.xml><?xml version="1.0" encoding="utf-8"?>
-<ds:datastoreItem xmlns:ds="http://schemas.openxmlformats.org/officeDocument/2006/customXml" ds:itemID="{F1446DA3-37A7-4516-A4F6-8B99D0D312BF}">
-  <ds:schemaRefs>
-    <ds:schemaRef ds:uri="http://schemas.microsoft.com/sharepoint/v3/contenttype/forms"/>
-  </ds:schemaRefs>
-</ds:datastoreItem>
-</file>
-
 <file path=customXml/itemProps3.xml><?xml version="1.0" encoding="utf-8"?>
 <ds:datastoreItem xmlns:ds="http://schemas.openxmlformats.org/officeDocument/2006/customXml" ds:itemID="{6CC8E66C-AC30-44BA-8882-3290DF968F1F}">
   <ds:schemaRefs>

--- a/Sport Wear Group Analytics.pptx
+++ b/Sport Wear Group Analytics.pptx
@@ -27,22 +27,22 @@
     <p:sldId id="373" r:id="rId18"/>
     <p:sldId id="374" r:id="rId19"/>
     <p:sldId id="376" r:id="rId20"/>
-    <p:sldId id="364" r:id="rId21"/>
-    <p:sldId id="377" r:id="rId22"/>
-    <p:sldId id="378" r:id="rId23"/>
-    <p:sldId id="379" r:id="rId24"/>
-    <p:sldId id="380" r:id="rId25"/>
-    <p:sldId id="381" r:id="rId26"/>
-    <p:sldId id="382" r:id="rId27"/>
-    <p:sldId id="391" r:id="rId28"/>
-    <p:sldId id="392" r:id="rId29"/>
-    <p:sldId id="383" r:id="rId30"/>
-    <p:sldId id="393" r:id="rId31"/>
-    <p:sldId id="384" r:id="rId32"/>
-    <p:sldId id="394" r:id="rId33"/>
-    <p:sldId id="385" r:id="rId34"/>
-    <p:sldId id="387" r:id="rId35"/>
-    <p:sldId id="386" r:id="rId36"/>
+    <p:sldId id="395" r:id="rId21"/>
+    <p:sldId id="364" r:id="rId22"/>
+    <p:sldId id="377" r:id="rId23"/>
+    <p:sldId id="378" r:id="rId24"/>
+    <p:sldId id="379" r:id="rId25"/>
+    <p:sldId id="380" r:id="rId26"/>
+    <p:sldId id="381" r:id="rId27"/>
+    <p:sldId id="382" r:id="rId28"/>
+    <p:sldId id="391" r:id="rId29"/>
+    <p:sldId id="392" r:id="rId30"/>
+    <p:sldId id="383" r:id="rId31"/>
+    <p:sldId id="393" r:id="rId32"/>
+    <p:sldId id="384" r:id="rId33"/>
+    <p:sldId id="394" r:id="rId34"/>
+    <p:sldId id="385" r:id="rId35"/>
+    <p:sldId id="387" r:id="rId36"/>
     <p:sldId id="388" r:id="rId37"/>
     <p:sldId id="389" r:id="rId38"/>
     <p:sldId id="343" r:id="rId39"/>
@@ -15682,7 +15682,7 @@
           <p:cNvPr id="2" name="Title 1">
             <a:extLst>
               <a:ext uri="{FF2B5EF4-FFF2-40B4-BE49-F238E27FC236}">
-                <a16:creationId xmlns:a16="http://schemas.microsoft.com/office/drawing/2014/main" id="{8C122DF8-59D4-D94D-8ED9-F2F319899DBF}"/>
+                <a16:creationId xmlns:a16="http://schemas.microsoft.com/office/drawing/2014/main" id="{68F0FA04-6227-9040-92A6-9514A59B8E7B}"/>
               </a:ext>
             </a:extLst>
           </p:cNvPr>
@@ -15693,24 +15693,31 @@
             <p:ph type="title"/>
           </p:nvPr>
         </p:nvSpPr>
-        <p:spPr/>
-        <p:txBody>
-          <a:bodyPr/>
+        <p:spPr>
+          <a:xfrm>
+            <a:off x="971550" y="882068"/>
+            <a:ext cx="4617626" cy="610863"/>
+          </a:xfrm>
+        </p:spPr>
+        <p:txBody>
+          <a:bodyPr>
+            <a:normAutofit fontScale="90000"/>
+          </a:bodyPr>
           <a:lstStyle/>
           <a:p>
             <a:r>
               <a:rPr lang="en-US" dirty="0"/>
-              <a:t>Recommendations</a:t>
-            </a:r>
-          </a:p>
-        </p:txBody>
-      </p:sp>
-      <p:sp>
-        <p:nvSpPr>
-          <p:cNvPr id="45" name="Text Placeholder 44">
-            <a:extLst>
-              <a:ext uri="{FF2B5EF4-FFF2-40B4-BE49-F238E27FC236}">
-                <a16:creationId xmlns:a16="http://schemas.microsoft.com/office/drawing/2014/main" id="{803A1E73-C790-447A-974F-B3ADB50149F7}"/>
+              <a:t>Advanced Analytics</a:t>
+            </a:r>
+          </a:p>
+        </p:txBody>
+      </p:sp>
+      <p:sp>
+        <p:nvSpPr>
+          <p:cNvPr id="9" name="Slide Number Placeholder 8">
+            <a:extLst>
+              <a:ext uri="{FF2B5EF4-FFF2-40B4-BE49-F238E27FC236}">
+                <a16:creationId xmlns:a16="http://schemas.microsoft.com/office/drawing/2014/main" id="{9A5802D8-6C81-6C4F-97CF-C1F2344EE894}"/>
               </a:ext>
             </a:extLst>
           </p:cNvPr>
@@ -15718,27 +15725,35 @@
             <a:spLocks noGrp="1"/>
           </p:cNvSpPr>
           <p:nvPr>
-            <p:ph type="body" sz="quarter" idx="12"/>
+            <p:ph type="sldNum" sz="quarter" idx="16"/>
           </p:nvPr>
         </p:nvSpPr>
-        <p:spPr/>
+        <p:spPr>
+          <a:xfrm>
+            <a:off x="971550" y="6332220"/>
+            <a:ext cx="523240" cy="247651"/>
+          </a:xfrm>
+        </p:spPr>
         <p:txBody>
           <a:bodyPr/>
           <a:lstStyle/>
           <a:p>
-            <a:r>
-              <a:rPr lang="en-US" dirty="0"/>
-              <a:t>Based on previous findings:</a:t>
-            </a:r>
-          </a:p>
-        </p:txBody>
-      </p:sp>
-      <p:sp>
-        <p:nvSpPr>
-          <p:cNvPr id="44" name="Text Placeholder 43">
-            <a:extLst>
-              <a:ext uri="{FF2B5EF4-FFF2-40B4-BE49-F238E27FC236}">
-                <a16:creationId xmlns:a16="http://schemas.microsoft.com/office/drawing/2014/main" id="{906E4DF9-127F-4650-8BAA-2521A37885B0}"/>
+            <a:pPr algn="l"/>
+            <a:fld id="{294A09A9-5501-47C1-A89A-A340965A2BE2}" type="slidenum">
+              <a:rPr lang="en-US" smtClean="0"/>
+              <a:pPr algn="l"/>
+              <a:t>17</a:t>
+            </a:fld>
+            <a:endParaRPr lang="en-US" dirty="0"/>
+          </a:p>
+        </p:txBody>
+      </p:sp>
+      <p:sp>
+        <p:nvSpPr>
+          <p:cNvPr id="8" name="Footer Placeholder 7">
+            <a:extLst>
+              <a:ext uri="{FF2B5EF4-FFF2-40B4-BE49-F238E27FC236}">
+                <a16:creationId xmlns:a16="http://schemas.microsoft.com/office/drawing/2014/main" id="{2A659727-BBB9-9B49-BCA1-694F74F717C4}"/>
               </a:ext>
             </a:extLst>
           </p:cNvPr>
@@ -15746,13 +15761,13 @@
             <a:spLocks noGrp="1"/>
           </p:cNvSpPr>
           <p:nvPr>
-            <p:ph type="body" sz="quarter" idx="10"/>
+            <p:ph type="ftr" sz="quarter" idx="15"/>
           </p:nvPr>
         </p:nvSpPr>
         <p:spPr>
           <a:xfrm>
-            <a:off x="952500" y="2665781"/>
-            <a:ext cx="9416618" cy="3220114"/>
+            <a:off x="1494790" y="6332220"/>
+            <a:ext cx="1497330" cy="247651"/>
           </a:xfrm>
         </p:spPr>
         <p:txBody>
@@ -15761,112 +15776,18 @@
           <a:p>
             <a:r>
               <a:rPr lang="en-US" dirty="0"/>
-              <a:t>If the company wants to increase its sales in low selling months, then It is recommended that the company focuses its campaigns and promotions during the months with the lowest number of sales to push these months sales higher.</a:t>
-            </a:r>
-          </a:p>
-          <a:p>
-            <a:r>
-              <a:rPr lang="en-US" dirty="0"/>
-              <a:t>It is recommended to increase the number of campaigns during holiday seasons like Christmas and summer, also to increase the number of campaigns during valentine’s day and black November.</a:t>
-            </a:r>
-          </a:p>
-          <a:p>
-            <a:r>
-              <a:rPr lang="en-US" dirty="0"/>
-              <a:t>Also, It is better to media campaigns before the season start within a month, to ensure the campaign is effective.</a:t>
-            </a:r>
-          </a:p>
-          <a:p>
-            <a:r>
-              <a:rPr lang="en-US" dirty="0"/>
-              <a:t>Focus on Store events instead of media advertisements in France and try push store events into Germany and Austria to see how well it will do there.</a:t>
-            </a:r>
-          </a:p>
-          <a:p>
-            <a:endParaRPr lang="en-US" dirty="0"/>
-          </a:p>
-          <a:p>
-            <a:endParaRPr lang="en-US" dirty="0"/>
-          </a:p>
-          <a:p>
-            <a:endParaRPr lang="en-US" dirty="0"/>
-          </a:p>
-        </p:txBody>
-      </p:sp>
-      <p:sp>
-        <p:nvSpPr>
-          <p:cNvPr id="5" name="Slide Number Placeholder 4">
-            <a:extLst>
-              <a:ext uri="{FF2B5EF4-FFF2-40B4-BE49-F238E27FC236}">
-                <a16:creationId xmlns:a16="http://schemas.microsoft.com/office/drawing/2014/main" id="{AB744071-0CE2-7746-9315-22EC28A0F462}"/>
-              </a:ext>
-            </a:extLst>
-          </p:cNvPr>
-          <p:cNvSpPr>
-            <a:spLocks noGrp="1"/>
-          </p:cNvSpPr>
-          <p:nvPr>
-            <p:ph type="sldNum" sz="quarter" idx="23"/>
-          </p:nvPr>
-        </p:nvSpPr>
-        <p:spPr>
-          <a:xfrm>
-            <a:off x="971550" y="6332220"/>
-            <a:ext cx="523240" cy="247651"/>
-          </a:xfrm>
-        </p:spPr>
-        <p:txBody>
-          <a:bodyPr/>
-          <a:lstStyle/>
-          <a:p>
-            <a:fld id="{294A09A9-5501-47C1-A89A-A340965A2BE2}" type="slidenum">
-              <a:rPr lang="en-US" smtClean="0"/>
-              <a:pPr/>
-              <a:t>17</a:t>
-            </a:fld>
-            <a:endParaRPr lang="en-US" dirty="0"/>
-          </a:p>
-        </p:txBody>
-      </p:sp>
-      <p:sp>
-        <p:nvSpPr>
-          <p:cNvPr id="4" name="Footer Placeholder 3">
-            <a:extLst>
-              <a:ext uri="{FF2B5EF4-FFF2-40B4-BE49-F238E27FC236}">
-                <a16:creationId xmlns:a16="http://schemas.microsoft.com/office/drawing/2014/main" id="{529E91F3-E1A0-DB4A-8CD8-D9D1AB0FFB40}"/>
-              </a:ext>
-            </a:extLst>
-          </p:cNvPr>
-          <p:cNvSpPr>
-            <a:spLocks noGrp="1"/>
-          </p:cNvSpPr>
-          <p:nvPr>
-            <p:ph type="ftr" sz="quarter" idx="22"/>
-          </p:nvPr>
-        </p:nvSpPr>
-        <p:spPr>
-          <a:xfrm>
-            <a:off x="1494790" y="6332220"/>
-            <a:ext cx="1497330" cy="247651"/>
-          </a:xfrm>
-        </p:spPr>
-        <p:txBody>
-          <a:bodyPr/>
-          <a:lstStyle/>
-          <a:p>
-            <a:r>
-              <a:rPr lang="en-US" dirty="0"/>
               <a:t>Annual Review</a:t>
             </a:r>
-          </a:p>
-        </p:txBody>
-      </p:sp>
-      <p:sp>
-        <p:nvSpPr>
-          <p:cNvPr id="16" name="Date Placeholder 3">
-            <a:extLst>
-              <a:ext uri="{FF2B5EF4-FFF2-40B4-BE49-F238E27FC236}">
-                <a16:creationId xmlns:a16="http://schemas.microsoft.com/office/drawing/2014/main" id="{5384768F-E861-44BC-9FC7-434480D365AB}"/>
+            <a:endParaRPr lang="en-US" sz="1100" dirty="0"/>
+          </a:p>
+        </p:txBody>
+      </p:sp>
+      <p:sp>
+        <p:nvSpPr>
+          <p:cNvPr id="18" name="Date Placeholder 3">
+            <a:extLst>
+              <a:ext uri="{FF2B5EF4-FFF2-40B4-BE49-F238E27FC236}">
+                <a16:creationId xmlns:a16="http://schemas.microsoft.com/office/drawing/2014/main" id="{F81D4B1A-BE69-469D-B4E9-C605222B67FD}"/>
               </a:ext>
             </a:extLst>
           </p:cNvPr>
@@ -15991,10 +15912,132 @@
           </a:p>
         </p:txBody>
       </p:sp>
+      <p:sp>
+        <p:nvSpPr>
+          <p:cNvPr id="13" name="Text Placeholder 12">
+            <a:extLst>
+              <a:ext uri="{FF2B5EF4-FFF2-40B4-BE49-F238E27FC236}">
+                <a16:creationId xmlns:a16="http://schemas.microsoft.com/office/drawing/2014/main" id="{F2BE3D2D-BB1F-290E-F4A5-998CFDD0A828}"/>
+              </a:ext>
+            </a:extLst>
+          </p:cNvPr>
+          <p:cNvSpPr>
+            <a:spLocks noGrp="1"/>
+          </p:cNvSpPr>
+          <p:nvPr>
+            <p:ph type="body" idx="1"/>
+          </p:nvPr>
+        </p:nvSpPr>
+        <p:spPr>
+          <a:xfrm>
+            <a:off x="878889" y="2262883"/>
+            <a:ext cx="3997911" cy="3578624"/>
+          </a:xfrm>
+        </p:spPr>
+        <p:txBody>
+          <a:bodyPr/>
+          <a:lstStyle/>
+          <a:p>
+            <a:r>
+              <a:rPr lang="en-US" dirty="0"/>
+              <a:t>Conclusion:</a:t>
+            </a:r>
+            <a:endParaRPr lang="en-US" dirty="0">
+              <a:solidFill>
+                <a:schemeClr val="bg1"/>
+              </a:solidFill>
+            </a:endParaRPr>
+          </a:p>
+          <a:p>
+            <a:r>
+              <a:rPr lang="en-US" dirty="0">
+                <a:solidFill>
+                  <a:schemeClr val="bg2">
+                    <a:lumMod val="10000"/>
+                  </a:schemeClr>
+                </a:solidFill>
+              </a:rPr>
+              <a:t>Customers in Germany can pay prices that are approximately twice as expensive as those in France and Austria.</a:t>
+            </a:r>
+          </a:p>
+          <a:p>
+            <a:r>
+              <a:rPr lang="en-US" dirty="0">
+                <a:solidFill>
+                  <a:schemeClr val="bg2">
+                    <a:lumMod val="10000"/>
+                  </a:schemeClr>
+                </a:solidFill>
+              </a:rPr>
+              <a:t>We can increase purchases in both Austria and France by offering products at lower price.</a:t>
+            </a:r>
+          </a:p>
+        </p:txBody>
+      </p:sp>
+      <p:pic>
+        <p:nvPicPr>
+          <p:cNvPr id="4" name="Picture 3">
+            <a:extLst>
+              <a:ext uri="{FF2B5EF4-FFF2-40B4-BE49-F238E27FC236}">
+                <a16:creationId xmlns:a16="http://schemas.microsoft.com/office/drawing/2014/main" id="{D152FBDE-52C1-AC1E-52FB-BAB5765526B5}"/>
+              </a:ext>
+            </a:extLst>
+          </p:cNvPr>
+          <p:cNvPicPr>
+            <a:picLocks noChangeAspect="1"/>
+          </p:cNvPicPr>
+          <p:nvPr/>
+        </p:nvPicPr>
+        <p:blipFill>
+          <a:blip r:embed="rId2"/>
+          <a:stretch>
+            <a:fillRect/>
+          </a:stretch>
+        </p:blipFill>
+        <p:spPr>
+          <a:xfrm>
+            <a:off x="6096000" y="3429000"/>
+            <a:ext cx="4924425" cy="1657350"/>
+          </a:xfrm>
+          <a:prstGeom prst="rect">
+            <a:avLst/>
+          </a:prstGeom>
+        </p:spPr>
+      </p:pic>
+      <p:pic>
+        <p:nvPicPr>
+          <p:cNvPr id="7" name="Picture 6">
+            <a:extLst>
+              <a:ext uri="{FF2B5EF4-FFF2-40B4-BE49-F238E27FC236}">
+                <a16:creationId xmlns:a16="http://schemas.microsoft.com/office/drawing/2014/main" id="{0E06FAA0-99AB-13DC-6BEE-9F72CB681467}"/>
+              </a:ext>
+            </a:extLst>
+          </p:cNvPr>
+          <p:cNvPicPr>
+            <a:picLocks noChangeAspect="1"/>
+          </p:cNvPicPr>
+          <p:nvPr/>
+        </p:nvPicPr>
+        <p:blipFill>
+          <a:blip r:embed="rId3"/>
+          <a:stretch>
+            <a:fillRect/>
+          </a:stretch>
+        </p:blipFill>
+        <p:spPr>
+          <a:xfrm>
+            <a:off x="5762357" y="1683713"/>
+            <a:ext cx="6172735" cy="1158340"/>
+          </a:xfrm>
+          <a:prstGeom prst="rect">
+            <a:avLst/>
+          </a:prstGeom>
+        </p:spPr>
+      </p:pic>
     </p:spTree>
     <p:extLst>
       <p:ext uri="{BB962C8B-B14F-4D97-AF65-F5344CB8AC3E}">
-        <p14:creationId xmlns:p14="http://schemas.microsoft.com/office/powerpoint/2010/main" val="643842168"/>
+        <p14:creationId xmlns:p14="http://schemas.microsoft.com/office/powerpoint/2010/main" val="3398597650"/>
       </p:ext>
     </p:extLst>
   </p:cSld>
@@ -16023,10 +16066,10 @@
       </p:grpSpPr>
       <p:sp>
         <p:nvSpPr>
-          <p:cNvPr id="3" name="Title 2">
-            <a:extLst>
-              <a:ext uri="{FF2B5EF4-FFF2-40B4-BE49-F238E27FC236}">
-                <a16:creationId xmlns:a16="http://schemas.microsoft.com/office/drawing/2014/main" id="{1353F689-2E51-BF4F-AE47-7CEB7CC4C52A}"/>
+          <p:cNvPr id="2" name="Title 1">
+            <a:extLst>
+              <a:ext uri="{FF2B5EF4-FFF2-40B4-BE49-F238E27FC236}">
+                <a16:creationId xmlns:a16="http://schemas.microsoft.com/office/drawing/2014/main" id="{8C122DF8-59D4-D94D-8ED9-F2F319899DBF}"/>
               </a:ext>
             </a:extLst>
           </p:cNvPr>
@@ -16037,31 +16080,24 @@
             <p:ph type="title"/>
           </p:nvPr>
         </p:nvSpPr>
-        <p:spPr>
-          <a:xfrm>
-            <a:off x="971550" y="879063"/>
-            <a:ext cx="5124450" cy="610863"/>
-          </a:xfrm>
-        </p:spPr>
-        <p:txBody>
-          <a:bodyPr>
-            <a:normAutofit fontScale="90000"/>
-          </a:bodyPr>
+        <p:spPr/>
+        <p:txBody>
+          <a:bodyPr/>
           <a:lstStyle/>
           <a:p>
             <a:r>
               <a:rPr lang="en-US" dirty="0"/>
-              <a:t>Data Science Process</a:t>
-            </a:r>
-          </a:p>
-        </p:txBody>
-      </p:sp>
-      <p:sp>
-        <p:nvSpPr>
-          <p:cNvPr id="7" name="Slide Number Placeholder 6">
-            <a:extLst>
-              <a:ext uri="{FF2B5EF4-FFF2-40B4-BE49-F238E27FC236}">
-                <a16:creationId xmlns:a16="http://schemas.microsoft.com/office/drawing/2014/main" id="{F37669F0-EA6D-6B46-AF0E-A9C2D1F223DB}"/>
+              <a:t>Recommendations</a:t>
+            </a:r>
+          </a:p>
+        </p:txBody>
+      </p:sp>
+      <p:sp>
+        <p:nvSpPr>
+          <p:cNvPr id="45" name="Text Placeholder 44">
+            <a:extLst>
+              <a:ext uri="{FF2B5EF4-FFF2-40B4-BE49-F238E27FC236}">
+                <a16:creationId xmlns:a16="http://schemas.microsoft.com/office/drawing/2014/main" id="{803A1E73-C790-447A-974F-B3ADB50149F7}"/>
               </a:ext>
             </a:extLst>
           </p:cNvPr>
@@ -16069,7 +16105,530 @@
             <a:spLocks noGrp="1"/>
           </p:cNvSpPr>
           <p:nvPr>
-            <p:ph type="sldNum" sz="quarter" idx="16"/>
+            <p:ph type="body" sz="quarter" idx="12"/>
+          </p:nvPr>
+        </p:nvSpPr>
+        <p:spPr/>
+        <p:txBody>
+          <a:bodyPr/>
+          <a:lstStyle/>
+          <a:p>
+            <a:r>
+              <a:rPr lang="en-US" dirty="0"/>
+              <a:t>Based on previous findings:</a:t>
+            </a:r>
+          </a:p>
+        </p:txBody>
+      </p:sp>
+      <p:sp>
+        <p:nvSpPr>
+          <p:cNvPr id="44" name="Text Placeholder 43">
+            <a:extLst>
+              <a:ext uri="{FF2B5EF4-FFF2-40B4-BE49-F238E27FC236}">
+                <a16:creationId xmlns:a16="http://schemas.microsoft.com/office/drawing/2014/main" id="{906E4DF9-127F-4650-8BAA-2521A37885B0}"/>
+              </a:ext>
+            </a:extLst>
+          </p:cNvPr>
+          <p:cNvSpPr>
+            <a:spLocks noGrp="1"/>
+          </p:cNvSpPr>
+          <p:nvPr>
+            <p:ph type="body" sz="quarter" idx="10"/>
+          </p:nvPr>
+        </p:nvSpPr>
+        <p:spPr>
+          <a:xfrm>
+            <a:off x="952500" y="2665781"/>
+            <a:ext cx="9416618" cy="3220114"/>
+          </a:xfrm>
+        </p:spPr>
+        <p:txBody>
+          <a:bodyPr/>
+          <a:lstStyle/>
+          <a:p>
+            <a:r>
+              <a:rPr lang="en-US" dirty="0"/>
+              <a:t>- If the </a:t>
+            </a:r>
+            <a:r>
+              <a:rPr lang="en-US" b="1" dirty="0"/>
+              <a:t>company</a:t>
+            </a:r>
+            <a:r>
+              <a:rPr lang="en-US" dirty="0"/>
+              <a:t> wants to </a:t>
+            </a:r>
+            <a:r>
+              <a:rPr lang="en-US" b="1" dirty="0"/>
+              <a:t>increase</a:t>
+            </a:r>
+            <a:r>
+              <a:rPr lang="en-US" dirty="0"/>
+              <a:t> its </a:t>
+            </a:r>
+            <a:r>
+              <a:rPr lang="en-US" b="1" dirty="0"/>
+              <a:t>sales</a:t>
+            </a:r>
+            <a:r>
+              <a:rPr lang="en-US" dirty="0"/>
+              <a:t> in </a:t>
+            </a:r>
+            <a:r>
+              <a:rPr lang="en-US" b="1" dirty="0"/>
+              <a:t>low</a:t>
+            </a:r>
+            <a:r>
+              <a:rPr lang="en-US" dirty="0"/>
+              <a:t> selling months, then It is recommended that the company focuses its </a:t>
+            </a:r>
+            <a:r>
+              <a:rPr lang="en-US" b="1" dirty="0"/>
+              <a:t>campaigns</a:t>
+            </a:r>
+            <a:r>
+              <a:rPr lang="en-US" dirty="0"/>
+              <a:t> and </a:t>
+            </a:r>
+            <a:r>
+              <a:rPr lang="en-US" b="1" dirty="0"/>
+              <a:t>promotions</a:t>
+            </a:r>
+            <a:r>
+              <a:rPr lang="en-US" dirty="0"/>
+              <a:t> during the months with the </a:t>
+            </a:r>
+            <a:r>
+              <a:rPr lang="en-US" b="1" dirty="0"/>
+              <a:t>lowest</a:t>
+            </a:r>
+            <a:r>
+              <a:rPr lang="en-US" dirty="0"/>
+              <a:t> number of sales to push these months sales higher.</a:t>
+            </a:r>
+          </a:p>
+          <a:p>
+            <a:r>
+              <a:rPr lang="en-US" dirty="0"/>
+              <a:t>- However, If the company want to increase the sales of during holiday seasons like </a:t>
+            </a:r>
+            <a:r>
+              <a:rPr lang="en-US" b="1" dirty="0"/>
+              <a:t>Christmas</a:t>
+            </a:r>
+            <a:r>
+              <a:rPr lang="en-US" dirty="0"/>
+              <a:t> and </a:t>
+            </a:r>
+            <a:r>
+              <a:rPr lang="en-US" b="1" dirty="0"/>
+              <a:t>summer,</a:t>
+            </a:r>
+            <a:r>
+              <a:rPr lang="en-US" dirty="0"/>
+              <a:t> </a:t>
+            </a:r>
+            <a:r>
+              <a:rPr lang="en-US" b="1" dirty="0"/>
+              <a:t>valentine’s day</a:t>
+            </a:r>
+            <a:r>
+              <a:rPr lang="en-US" dirty="0"/>
+              <a:t> and </a:t>
+            </a:r>
+            <a:r>
+              <a:rPr lang="en-US" b="1" dirty="0"/>
+              <a:t>black</a:t>
+            </a:r>
+            <a:r>
+              <a:rPr lang="en-US" dirty="0"/>
+              <a:t> </a:t>
+            </a:r>
+            <a:r>
+              <a:rPr lang="en-US" b="1" dirty="0"/>
+              <a:t>November, </a:t>
+            </a:r>
+            <a:r>
+              <a:rPr lang="en-US" dirty="0"/>
+              <a:t>then the company should focus its campaign during these months.</a:t>
+            </a:r>
+          </a:p>
+          <a:p>
+            <a:r>
+              <a:rPr lang="en-US" dirty="0"/>
+              <a:t>- Also, It is better to </a:t>
+            </a:r>
+            <a:r>
+              <a:rPr lang="en-US" b="1" dirty="0"/>
+              <a:t>media</a:t>
+            </a:r>
+            <a:r>
+              <a:rPr lang="en-US" dirty="0"/>
+              <a:t> </a:t>
+            </a:r>
+            <a:r>
+              <a:rPr lang="en-US" b="1" dirty="0"/>
+              <a:t>campaigns</a:t>
+            </a:r>
+            <a:r>
+              <a:rPr lang="en-US" dirty="0"/>
+              <a:t> before the </a:t>
+            </a:r>
+            <a:r>
+              <a:rPr lang="en-US" b="1" dirty="0"/>
+              <a:t>season</a:t>
+            </a:r>
+            <a:r>
+              <a:rPr lang="en-US" dirty="0"/>
+              <a:t> </a:t>
+            </a:r>
+            <a:r>
+              <a:rPr lang="en-US" b="1" dirty="0"/>
+              <a:t>start</a:t>
+            </a:r>
+            <a:r>
+              <a:rPr lang="en-US" dirty="0"/>
+              <a:t> within a </a:t>
+            </a:r>
+            <a:r>
+              <a:rPr lang="en-US" b="1" dirty="0"/>
+              <a:t>month</a:t>
+            </a:r>
+            <a:r>
+              <a:rPr lang="en-US" dirty="0"/>
+              <a:t>, to ensure the campaign is effective.</a:t>
+            </a:r>
+          </a:p>
+          <a:p>
+            <a:r>
+              <a:rPr lang="en-US" dirty="0"/>
+              <a:t>- </a:t>
+            </a:r>
+            <a:r>
+              <a:rPr lang="en-US" b="1" dirty="0"/>
+              <a:t>Focus</a:t>
+            </a:r>
+            <a:r>
+              <a:rPr lang="en-US" dirty="0"/>
+              <a:t> on </a:t>
+            </a:r>
+            <a:r>
+              <a:rPr lang="en-US" b="1" dirty="0"/>
+              <a:t>Store</a:t>
+            </a:r>
+            <a:r>
+              <a:rPr lang="en-US" dirty="0"/>
+              <a:t> </a:t>
+            </a:r>
+            <a:r>
+              <a:rPr lang="en-US" b="1" dirty="0"/>
+              <a:t>events</a:t>
+            </a:r>
+            <a:r>
+              <a:rPr lang="en-US" dirty="0"/>
+              <a:t> instead of </a:t>
+            </a:r>
+            <a:r>
+              <a:rPr lang="en-US" b="1" dirty="0"/>
+              <a:t>media</a:t>
+            </a:r>
+            <a:r>
+              <a:rPr lang="en-US" dirty="0"/>
+              <a:t> </a:t>
+            </a:r>
+            <a:r>
+              <a:rPr lang="en-US" b="1" dirty="0"/>
+              <a:t>advertisements</a:t>
+            </a:r>
+            <a:r>
+              <a:rPr lang="en-US" dirty="0"/>
+              <a:t> in </a:t>
+            </a:r>
+            <a:r>
+              <a:rPr lang="en-US" b="1" dirty="0"/>
+              <a:t>France</a:t>
+            </a:r>
+            <a:r>
+              <a:rPr lang="en-US" dirty="0"/>
+              <a:t> and try push </a:t>
+            </a:r>
+            <a:r>
+              <a:rPr lang="en-US" b="1" dirty="0"/>
+              <a:t>store</a:t>
+            </a:r>
+            <a:r>
+              <a:rPr lang="en-US" dirty="0"/>
+              <a:t> </a:t>
+            </a:r>
+            <a:r>
+              <a:rPr lang="en-US" b="1" dirty="0"/>
+              <a:t>events</a:t>
+            </a:r>
+            <a:r>
+              <a:rPr lang="en-US" dirty="0"/>
+              <a:t> into </a:t>
+            </a:r>
+            <a:r>
+              <a:rPr lang="en-US" b="1" dirty="0"/>
+              <a:t>Germany</a:t>
+            </a:r>
+            <a:r>
+              <a:rPr lang="en-US" dirty="0"/>
+              <a:t> and </a:t>
+            </a:r>
+            <a:r>
+              <a:rPr lang="en-US" b="1" dirty="0"/>
+              <a:t>Austria</a:t>
+            </a:r>
+            <a:r>
+              <a:rPr lang="en-US" dirty="0"/>
+              <a:t> to see how well it will do there.</a:t>
+            </a:r>
+          </a:p>
+          <a:p>
+            <a:r>
+              <a:rPr lang="en-US" dirty="0"/>
+              <a:t>- </a:t>
+            </a:r>
+            <a:r>
+              <a:rPr lang="en-US" dirty="0">
+                <a:solidFill>
+                  <a:schemeClr val="bg2">
+                    <a:lumMod val="10000"/>
+                  </a:schemeClr>
+                </a:solidFill>
+              </a:rPr>
+              <a:t>We can </a:t>
+            </a:r>
+            <a:r>
+              <a:rPr lang="en-US" b="1" dirty="0">
+                <a:solidFill>
+                  <a:schemeClr val="bg2">
+                    <a:lumMod val="10000"/>
+                  </a:schemeClr>
+                </a:solidFill>
+              </a:rPr>
+              <a:t>increase</a:t>
+            </a:r>
+            <a:r>
+              <a:rPr lang="en-US" dirty="0">
+                <a:solidFill>
+                  <a:schemeClr val="bg2">
+                    <a:lumMod val="10000"/>
+                  </a:schemeClr>
+                </a:solidFill>
+              </a:rPr>
+              <a:t> purchases in both </a:t>
+            </a:r>
+            <a:r>
+              <a:rPr lang="en-US" b="1" dirty="0">
+                <a:solidFill>
+                  <a:schemeClr val="bg2">
+                    <a:lumMod val="10000"/>
+                  </a:schemeClr>
+                </a:solidFill>
+              </a:rPr>
+              <a:t>Austria</a:t>
+            </a:r>
+            <a:r>
+              <a:rPr lang="en-US" dirty="0">
+                <a:solidFill>
+                  <a:schemeClr val="bg2">
+                    <a:lumMod val="10000"/>
+                  </a:schemeClr>
+                </a:solidFill>
+              </a:rPr>
+              <a:t> and </a:t>
+            </a:r>
+            <a:r>
+              <a:rPr lang="en-US" b="1" dirty="0">
+                <a:solidFill>
+                  <a:schemeClr val="bg2">
+                    <a:lumMod val="10000"/>
+                  </a:schemeClr>
+                </a:solidFill>
+              </a:rPr>
+              <a:t>France</a:t>
+            </a:r>
+            <a:r>
+              <a:rPr lang="en-US" dirty="0">
+                <a:solidFill>
+                  <a:schemeClr val="bg2">
+                    <a:lumMod val="10000"/>
+                  </a:schemeClr>
+                </a:solidFill>
+              </a:rPr>
+              <a:t> by offering products at </a:t>
+            </a:r>
+            <a:r>
+              <a:rPr lang="en-US" b="1" dirty="0">
+                <a:solidFill>
+                  <a:schemeClr val="bg2">
+                    <a:lumMod val="10000"/>
+                  </a:schemeClr>
+                </a:solidFill>
+              </a:rPr>
+              <a:t>lower</a:t>
+            </a:r>
+            <a:r>
+              <a:rPr lang="en-US" dirty="0">
+                <a:solidFill>
+                  <a:schemeClr val="bg2">
+                    <a:lumMod val="10000"/>
+                  </a:schemeClr>
+                </a:solidFill>
+              </a:rPr>
+              <a:t> </a:t>
+            </a:r>
+            <a:r>
+              <a:rPr lang="en-US" b="1" dirty="0">
+                <a:solidFill>
+                  <a:schemeClr val="bg2">
+                    <a:lumMod val="10000"/>
+                  </a:schemeClr>
+                </a:solidFill>
+              </a:rPr>
+              <a:t>price</a:t>
+            </a:r>
+            <a:r>
+              <a:rPr lang="en-US" dirty="0">
+                <a:solidFill>
+                  <a:schemeClr val="bg2">
+                    <a:lumMod val="10000"/>
+                  </a:schemeClr>
+                </a:solidFill>
+              </a:rPr>
+              <a:t>, </a:t>
+            </a:r>
+            <a:r>
+              <a:rPr lang="en-US" b="1" dirty="0">
+                <a:solidFill>
+                  <a:schemeClr val="bg2">
+                    <a:lumMod val="10000"/>
+                  </a:schemeClr>
+                </a:solidFill>
+              </a:rPr>
+              <a:t>Customers</a:t>
+            </a:r>
+            <a:r>
+              <a:rPr lang="en-US" dirty="0">
+                <a:solidFill>
+                  <a:schemeClr val="bg2">
+                    <a:lumMod val="10000"/>
+                  </a:schemeClr>
+                </a:solidFill>
+              </a:rPr>
+              <a:t> are purchasing products with </a:t>
+            </a:r>
+            <a:r>
+              <a:rPr lang="en-US" b="1" dirty="0">
+                <a:solidFill>
+                  <a:schemeClr val="bg2">
+                    <a:lumMod val="10000"/>
+                  </a:schemeClr>
+                </a:solidFill>
+              </a:rPr>
+              <a:t>low</a:t>
+            </a:r>
+            <a:r>
+              <a:rPr lang="en-US" dirty="0">
+                <a:solidFill>
+                  <a:schemeClr val="bg2">
+                    <a:lumMod val="10000"/>
+                  </a:schemeClr>
+                </a:solidFill>
+              </a:rPr>
+              <a:t> </a:t>
+            </a:r>
+            <a:r>
+              <a:rPr lang="en-US" b="1" dirty="0">
+                <a:solidFill>
+                  <a:schemeClr val="bg2">
+                    <a:lumMod val="10000"/>
+                  </a:schemeClr>
+                </a:solidFill>
+              </a:rPr>
+              <a:t>prices</a:t>
+            </a:r>
+            <a:r>
+              <a:rPr lang="en-US" dirty="0">
+                <a:solidFill>
+                  <a:schemeClr val="bg2">
+                    <a:lumMod val="10000"/>
+                  </a:schemeClr>
+                </a:solidFill>
+              </a:rPr>
+              <a:t> compared to </a:t>
+            </a:r>
+            <a:r>
+              <a:rPr lang="en-US" b="1" dirty="0">
+                <a:solidFill>
+                  <a:schemeClr val="bg2">
+                    <a:lumMod val="10000"/>
+                  </a:schemeClr>
+                </a:solidFill>
+              </a:rPr>
+              <a:t>customers</a:t>
+            </a:r>
+            <a:r>
+              <a:rPr lang="en-US" dirty="0">
+                <a:solidFill>
+                  <a:schemeClr val="bg2">
+                    <a:lumMod val="10000"/>
+                  </a:schemeClr>
+                </a:solidFill>
+              </a:rPr>
+              <a:t> in </a:t>
+            </a:r>
+            <a:r>
+              <a:rPr lang="en-US" b="1" dirty="0">
+                <a:solidFill>
+                  <a:schemeClr val="bg2">
+                    <a:lumMod val="10000"/>
+                  </a:schemeClr>
+                </a:solidFill>
+              </a:rPr>
+              <a:t>Germany</a:t>
+            </a:r>
+            <a:r>
+              <a:rPr lang="en-US" dirty="0">
+                <a:solidFill>
+                  <a:schemeClr val="bg2">
+                    <a:lumMod val="10000"/>
+                  </a:schemeClr>
+                </a:solidFill>
+              </a:rPr>
+              <a:t>.</a:t>
+            </a:r>
+          </a:p>
+          <a:p>
+            <a:endParaRPr lang="en-US" dirty="0"/>
+          </a:p>
+          <a:p>
+            <a:endParaRPr lang="en-US" dirty="0"/>
+          </a:p>
+          <a:p>
+            <a:endParaRPr lang="en-US" dirty="0"/>
+          </a:p>
+          <a:p>
+            <a:endParaRPr lang="en-US" dirty="0"/>
+          </a:p>
+        </p:txBody>
+      </p:sp>
+      <p:sp>
+        <p:nvSpPr>
+          <p:cNvPr id="5" name="Slide Number Placeholder 4">
+            <a:extLst>
+              <a:ext uri="{FF2B5EF4-FFF2-40B4-BE49-F238E27FC236}">
+                <a16:creationId xmlns:a16="http://schemas.microsoft.com/office/drawing/2014/main" id="{AB744071-0CE2-7746-9315-22EC28A0F462}"/>
+              </a:ext>
+            </a:extLst>
+          </p:cNvPr>
+          <p:cNvSpPr>
+            <a:spLocks noGrp="1"/>
+          </p:cNvSpPr>
+          <p:nvPr>
+            <p:ph type="sldNum" sz="quarter" idx="23"/>
           </p:nvPr>
         </p:nvSpPr>
         <p:spPr>
@@ -16093,10 +16652,10 @@
       </p:sp>
       <p:sp>
         <p:nvSpPr>
-          <p:cNvPr id="6" name="Footer Placeholder 5">
-            <a:extLst>
-              <a:ext uri="{FF2B5EF4-FFF2-40B4-BE49-F238E27FC236}">
-                <a16:creationId xmlns:a16="http://schemas.microsoft.com/office/drawing/2014/main" id="{66F3960A-D260-8445-A153-0B674474CEBD}"/>
+          <p:cNvPr id="4" name="Footer Placeholder 3">
+            <a:extLst>
+              <a:ext uri="{FF2B5EF4-FFF2-40B4-BE49-F238E27FC236}">
+                <a16:creationId xmlns:a16="http://schemas.microsoft.com/office/drawing/2014/main" id="{529E91F3-E1A0-DB4A-8CD8-D9D1AB0FFB40}"/>
               </a:ext>
             </a:extLst>
           </p:cNvPr>
@@ -16104,7 +16663,7 @@
             <a:spLocks noGrp="1"/>
           </p:cNvSpPr>
           <p:nvPr>
-            <p:ph type="ftr" sz="quarter" idx="15"/>
+            <p:ph type="ftr" sz="quarter" idx="22"/>
           </p:nvPr>
         </p:nvSpPr>
         <p:spPr>
@@ -16124,48 +16683,12 @@
           </a:p>
         </p:txBody>
       </p:sp>
-      <p:pic>
-        <p:nvPicPr>
-          <p:cNvPr id="53" name="Picture Placeholder 52" descr="Hanging Lightbulbs">
-            <a:extLst>
-              <a:ext uri="{FF2B5EF4-FFF2-40B4-BE49-F238E27FC236}">
-                <a16:creationId xmlns:a16="http://schemas.microsoft.com/office/drawing/2014/main" id="{CAC9EF15-08A3-406D-9236-76A5454D5F8A}"/>
-              </a:ext>
-            </a:extLst>
-          </p:cNvPr>
-          <p:cNvPicPr>
-            <a:picLocks noGrp="1" noChangeAspect="1"/>
-          </p:cNvPicPr>
-          <p:nvPr>
-            <p:ph type="pic" sz="quarter" idx="13"/>
-          </p:nvPr>
-        </p:nvPicPr>
-        <p:blipFill>
-          <a:blip r:embed="rId2">
-            <a:extLst>
-              <a:ext uri="{28A0092B-C50C-407E-A947-70E740481C1C}">
-                <a14:useLocalDpi xmlns:a14="http://schemas.microsoft.com/office/drawing/2010/main" val="0"/>
-              </a:ext>
-            </a:extLst>
-          </a:blip>
-          <a:srcRect/>
-          <a:stretch>
-            <a:fillRect/>
-          </a:stretch>
-        </p:blipFill>
-        <p:spPr>
-          <a:xfrm>
-            <a:off x="6258756" y="-22543"/>
-            <a:ext cx="5933243" cy="6903086"/>
-          </a:xfrm>
-        </p:spPr>
-      </p:pic>
-      <p:sp>
-        <p:nvSpPr>
-          <p:cNvPr id="8" name="Date Placeholder 3">
-            <a:extLst>
-              <a:ext uri="{FF2B5EF4-FFF2-40B4-BE49-F238E27FC236}">
-                <a16:creationId xmlns:a16="http://schemas.microsoft.com/office/drawing/2014/main" id="{2DAD51F7-3210-479B-ADF0-963FBC7E32BD}"/>
+      <p:sp>
+        <p:nvSpPr>
+          <p:cNvPr id="16" name="Date Placeholder 3">
+            <a:extLst>
+              <a:ext uri="{FF2B5EF4-FFF2-40B4-BE49-F238E27FC236}">
+                <a16:creationId xmlns:a16="http://schemas.microsoft.com/office/drawing/2014/main" id="{5384768F-E861-44BC-9FC7-434480D365AB}"/>
               </a:ext>
             </a:extLst>
           </p:cNvPr>
@@ -16293,7 +16816,7 @@
     </p:spTree>
     <p:extLst>
       <p:ext uri="{BB962C8B-B14F-4D97-AF65-F5344CB8AC3E}">
-        <p14:creationId xmlns:p14="http://schemas.microsoft.com/office/powerpoint/2010/main" val="4072338393"/>
+        <p14:creationId xmlns:p14="http://schemas.microsoft.com/office/powerpoint/2010/main" val="643842168"/>
       </p:ext>
     </p:extLst>
   </p:cSld>
@@ -16322,10 +16845,10 @@
       </p:grpSpPr>
       <p:sp>
         <p:nvSpPr>
-          <p:cNvPr id="2" name="Title 1">
-            <a:extLst>
-              <a:ext uri="{FF2B5EF4-FFF2-40B4-BE49-F238E27FC236}">
-                <a16:creationId xmlns:a16="http://schemas.microsoft.com/office/drawing/2014/main" id="{8C122DF8-59D4-D94D-8ED9-F2F319899DBF}"/>
+          <p:cNvPr id="3" name="Title 2">
+            <a:extLst>
+              <a:ext uri="{FF2B5EF4-FFF2-40B4-BE49-F238E27FC236}">
+                <a16:creationId xmlns:a16="http://schemas.microsoft.com/office/drawing/2014/main" id="{1353F689-2E51-BF4F-AE47-7CEB7CC4C52A}"/>
               </a:ext>
             </a:extLst>
           </p:cNvPr>
@@ -16336,24 +16859,31 @@
             <p:ph type="title"/>
           </p:nvPr>
         </p:nvSpPr>
-        <p:spPr/>
-        <p:txBody>
-          <a:bodyPr/>
+        <p:spPr>
+          <a:xfrm>
+            <a:off x="971550" y="879063"/>
+            <a:ext cx="5124450" cy="610863"/>
+          </a:xfrm>
+        </p:spPr>
+        <p:txBody>
+          <a:bodyPr>
+            <a:normAutofit fontScale="90000"/>
+          </a:bodyPr>
           <a:lstStyle/>
           <a:p>
             <a:r>
               <a:rPr lang="en-US" dirty="0"/>
-              <a:t>Pipeline</a:t>
-            </a:r>
-          </a:p>
-        </p:txBody>
-      </p:sp>
-      <p:sp>
-        <p:nvSpPr>
-          <p:cNvPr id="44" name="Text Placeholder 43">
-            <a:extLst>
-              <a:ext uri="{FF2B5EF4-FFF2-40B4-BE49-F238E27FC236}">
-                <a16:creationId xmlns:a16="http://schemas.microsoft.com/office/drawing/2014/main" id="{906E4DF9-127F-4650-8BAA-2521A37885B0}"/>
+              <a:t>Data Science Process</a:t>
+            </a:r>
+          </a:p>
+        </p:txBody>
+      </p:sp>
+      <p:sp>
+        <p:nvSpPr>
+          <p:cNvPr id="7" name="Slide Number Placeholder 6">
+            <a:extLst>
+              <a:ext uri="{FF2B5EF4-FFF2-40B4-BE49-F238E27FC236}">
+                <a16:creationId xmlns:a16="http://schemas.microsoft.com/office/drawing/2014/main" id="{F37669F0-EA6D-6B46-AF0E-A9C2D1F223DB}"/>
               </a:ext>
             </a:extLst>
           </p:cNvPr>
@@ -16361,94 +16891,7 @@
             <a:spLocks noGrp="1"/>
           </p:cNvSpPr>
           <p:nvPr>
-            <p:ph type="body" sz="quarter" idx="10"/>
-          </p:nvPr>
-        </p:nvSpPr>
-        <p:spPr>
-          <a:xfrm>
-            <a:off x="952500" y="2166151"/>
-            <a:ext cx="9416618" cy="2228296"/>
-          </a:xfrm>
-        </p:spPr>
-        <p:txBody>
-          <a:bodyPr/>
-          <a:lstStyle/>
-          <a:p>
-            <a:r>
-              <a:rPr lang="en-US" b="1" dirty="0">
-                <a:solidFill>
-                  <a:schemeClr val="tx2"/>
-                </a:solidFill>
-              </a:rPr>
-              <a:t>1- Frame the Business Problem</a:t>
-            </a:r>
-          </a:p>
-          <a:p>
-            <a:r>
-              <a:rPr lang="en-US" b="1" dirty="0">
-                <a:solidFill>
-                  <a:schemeClr val="tx2"/>
-                </a:solidFill>
-              </a:rPr>
-              <a:t>2- Data Understanding</a:t>
-            </a:r>
-          </a:p>
-          <a:p>
-            <a:r>
-              <a:rPr lang="en-US" b="1" dirty="0">
-                <a:solidFill>
-                  <a:schemeClr val="tx2"/>
-                </a:solidFill>
-              </a:rPr>
-              <a:t>3- Data preprocessing</a:t>
-            </a:r>
-          </a:p>
-          <a:p>
-            <a:r>
-              <a:rPr lang="en-US" b="1" dirty="0">
-                <a:solidFill>
-                  <a:schemeClr val="tx2"/>
-                </a:solidFill>
-              </a:rPr>
-              <a:t>4- Exploratory Data Analysis</a:t>
-            </a:r>
-          </a:p>
-          <a:p>
-            <a:r>
-              <a:rPr lang="en-US" b="1" dirty="0">
-                <a:solidFill>
-                  <a:schemeClr val="tx2"/>
-                </a:solidFill>
-              </a:rPr>
-              <a:t>5- Feature Engineering</a:t>
-            </a:r>
-          </a:p>
-          <a:p>
-            <a:r>
-              <a:rPr lang="en-US" b="1" dirty="0">
-                <a:solidFill>
-                  <a:schemeClr val="tx2"/>
-                </a:solidFill>
-              </a:rPr>
-              <a:t>6- Model Building</a:t>
-            </a:r>
-          </a:p>
-        </p:txBody>
-      </p:sp>
-      <p:sp>
-        <p:nvSpPr>
-          <p:cNvPr id="5" name="Slide Number Placeholder 4">
-            <a:extLst>
-              <a:ext uri="{FF2B5EF4-FFF2-40B4-BE49-F238E27FC236}">
-                <a16:creationId xmlns:a16="http://schemas.microsoft.com/office/drawing/2014/main" id="{AB744071-0CE2-7746-9315-22EC28A0F462}"/>
-              </a:ext>
-            </a:extLst>
-          </p:cNvPr>
-          <p:cNvSpPr>
-            <a:spLocks noGrp="1"/>
-          </p:cNvSpPr>
-          <p:nvPr>
-            <p:ph type="sldNum" sz="quarter" idx="23"/>
+            <p:ph type="sldNum" sz="quarter" idx="16"/>
           </p:nvPr>
         </p:nvSpPr>
         <p:spPr>
@@ -16472,10 +16915,10 @@
       </p:sp>
       <p:sp>
         <p:nvSpPr>
-          <p:cNvPr id="4" name="Footer Placeholder 3">
-            <a:extLst>
-              <a:ext uri="{FF2B5EF4-FFF2-40B4-BE49-F238E27FC236}">
-                <a16:creationId xmlns:a16="http://schemas.microsoft.com/office/drawing/2014/main" id="{529E91F3-E1A0-DB4A-8CD8-D9D1AB0FFB40}"/>
+          <p:cNvPr id="6" name="Footer Placeholder 5">
+            <a:extLst>
+              <a:ext uri="{FF2B5EF4-FFF2-40B4-BE49-F238E27FC236}">
+                <a16:creationId xmlns:a16="http://schemas.microsoft.com/office/drawing/2014/main" id="{66F3960A-D260-8445-A153-0B674474CEBD}"/>
               </a:ext>
             </a:extLst>
           </p:cNvPr>
@@ -16483,7 +16926,7 @@
             <a:spLocks noGrp="1"/>
           </p:cNvSpPr>
           <p:nvPr>
-            <p:ph type="ftr" sz="quarter" idx="22"/>
+            <p:ph type="ftr" sz="quarter" idx="15"/>
           </p:nvPr>
         </p:nvSpPr>
         <p:spPr>
@@ -16503,12 +16946,48 @@
           </a:p>
         </p:txBody>
       </p:sp>
-      <p:sp>
-        <p:nvSpPr>
-          <p:cNvPr id="16" name="Date Placeholder 3">
-            <a:extLst>
-              <a:ext uri="{FF2B5EF4-FFF2-40B4-BE49-F238E27FC236}">
-                <a16:creationId xmlns:a16="http://schemas.microsoft.com/office/drawing/2014/main" id="{5384768F-E861-44BC-9FC7-434480D365AB}"/>
+      <p:pic>
+        <p:nvPicPr>
+          <p:cNvPr id="53" name="Picture Placeholder 52" descr="Hanging Lightbulbs">
+            <a:extLst>
+              <a:ext uri="{FF2B5EF4-FFF2-40B4-BE49-F238E27FC236}">
+                <a16:creationId xmlns:a16="http://schemas.microsoft.com/office/drawing/2014/main" id="{CAC9EF15-08A3-406D-9236-76A5454D5F8A}"/>
+              </a:ext>
+            </a:extLst>
+          </p:cNvPr>
+          <p:cNvPicPr>
+            <a:picLocks noGrp="1" noChangeAspect="1"/>
+          </p:cNvPicPr>
+          <p:nvPr>
+            <p:ph type="pic" sz="quarter" idx="13"/>
+          </p:nvPr>
+        </p:nvPicPr>
+        <p:blipFill>
+          <a:blip r:embed="rId2">
+            <a:extLst>
+              <a:ext uri="{28A0092B-C50C-407E-A947-70E740481C1C}">
+                <a14:useLocalDpi xmlns:a14="http://schemas.microsoft.com/office/drawing/2010/main" val="0"/>
+              </a:ext>
+            </a:extLst>
+          </a:blip>
+          <a:srcRect/>
+          <a:stretch>
+            <a:fillRect/>
+          </a:stretch>
+        </p:blipFill>
+        <p:spPr>
+          <a:xfrm>
+            <a:off x="6258756" y="-22543"/>
+            <a:ext cx="5933243" cy="6903086"/>
+          </a:xfrm>
+        </p:spPr>
+      </p:pic>
+      <p:sp>
+        <p:nvSpPr>
+          <p:cNvPr id="8" name="Date Placeholder 3">
+            <a:extLst>
+              <a:ext uri="{FF2B5EF4-FFF2-40B4-BE49-F238E27FC236}">
+                <a16:creationId xmlns:a16="http://schemas.microsoft.com/office/drawing/2014/main" id="{2DAD51F7-3210-479B-ADF0-963FBC7E32BD}"/>
               </a:ext>
             </a:extLst>
           </p:cNvPr>
@@ -16636,7 +17115,7 @@
     </p:spTree>
     <p:extLst>
       <p:ext uri="{BB962C8B-B14F-4D97-AF65-F5344CB8AC3E}">
-        <p14:creationId xmlns:p14="http://schemas.microsoft.com/office/powerpoint/2010/main" val="1110560631"/>
+        <p14:creationId xmlns:p14="http://schemas.microsoft.com/office/powerpoint/2010/main" val="4072338393"/>
       </p:ext>
     </p:extLst>
   </p:cSld>
@@ -16942,31 +17421,24 @@
             <p:ph type="title"/>
           </p:nvPr>
         </p:nvSpPr>
-        <p:spPr>
-          <a:xfrm>
-            <a:off x="952499" y="727969"/>
-            <a:ext cx="6309435" cy="761957"/>
-          </a:xfrm>
-        </p:spPr>
-        <p:txBody>
-          <a:bodyPr>
-            <a:noAutofit/>
-          </a:bodyPr>
+        <p:spPr/>
+        <p:txBody>
+          <a:bodyPr/>
           <a:lstStyle/>
           <a:p>
             <a:r>
-              <a:rPr lang="en-US" sz="3600" dirty="0"/>
-              <a:t>Frame The business problem</a:t>
-            </a:r>
-          </a:p>
-        </p:txBody>
-      </p:sp>
-      <p:sp>
-        <p:nvSpPr>
-          <p:cNvPr id="45" name="Text Placeholder 44">
-            <a:extLst>
-              <a:ext uri="{FF2B5EF4-FFF2-40B4-BE49-F238E27FC236}">
-                <a16:creationId xmlns:a16="http://schemas.microsoft.com/office/drawing/2014/main" id="{803A1E73-C790-447A-974F-B3ADB50149F7}"/>
+              <a:rPr lang="en-US" dirty="0"/>
+              <a:t>Pipeline</a:t>
+            </a:r>
+          </a:p>
+        </p:txBody>
+      </p:sp>
+      <p:sp>
+        <p:nvSpPr>
+          <p:cNvPr id="44" name="Text Placeholder 43">
+            <a:extLst>
+              <a:ext uri="{FF2B5EF4-FFF2-40B4-BE49-F238E27FC236}">
+                <a16:creationId xmlns:a16="http://schemas.microsoft.com/office/drawing/2014/main" id="{906E4DF9-127F-4650-8BAA-2521A37885B0}"/>
               </a:ext>
             </a:extLst>
           </p:cNvPr>
@@ -16974,13 +17446,13 @@
             <a:spLocks noGrp="1"/>
           </p:cNvSpPr>
           <p:nvPr>
-            <p:ph type="body" sz="quarter" idx="12"/>
+            <p:ph type="body" sz="quarter" idx="10"/>
           </p:nvPr>
         </p:nvSpPr>
         <p:spPr>
           <a:xfrm>
-            <a:off x="952500" y="2286000"/>
-            <a:ext cx="7978436" cy="3768571"/>
+            <a:off x="952500" y="2166151"/>
+            <a:ext cx="9416618" cy="2228296"/>
           </a:xfrm>
         </p:spPr>
         <p:txBody>
@@ -16988,39 +17460,63 @@
           <a:lstStyle/>
           <a:p>
             <a:r>
-              <a:rPr lang="en-US" dirty="0"/>
-              <a:t>Get overview of the Business</a:t>
-            </a:r>
-          </a:p>
-          <a:p>
-            <a:r>
-              <a:rPr lang="en-US" dirty="0"/>
-              <a:t>Business Objective</a:t>
-            </a:r>
-          </a:p>
-          <a:p>
-            <a:r>
-              <a:rPr lang="en-US" dirty="0"/>
-              <a:t>Current Solution</a:t>
-            </a:r>
-          </a:p>
-          <a:p>
-            <a:r>
-              <a:rPr lang="en-US" dirty="0"/>
-              <a:t>Frame the problem (supervised Binary Classification task, Imbalanced)</a:t>
-            </a:r>
-          </a:p>
-          <a:p>
-            <a:r>
-              <a:rPr lang="en-US" dirty="0"/>
-              <a:t>Performance Measure to be used</a:t>
-            </a:r>
-          </a:p>
-          <a:p>
-            <a:endParaRPr lang="en-US" dirty="0"/>
-          </a:p>
-          <a:p>
-            <a:endParaRPr lang="en-US" dirty="0"/>
+              <a:rPr lang="en-US" b="1" dirty="0">
+                <a:solidFill>
+                  <a:schemeClr val="tx2"/>
+                </a:solidFill>
+              </a:rPr>
+              <a:t>1- Frame the Business Problem</a:t>
+            </a:r>
+          </a:p>
+          <a:p>
+            <a:r>
+              <a:rPr lang="en-US" b="1" dirty="0">
+                <a:solidFill>
+                  <a:schemeClr val="tx2"/>
+                </a:solidFill>
+              </a:rPr>
+              <a:t>2- Data Understanding</a:t>
+            </a:r>
+          </a:p>
+          <a:p>
+            <a:r>
+              <a:rPr lang="en-US" b="1" dirty="0">
+                <a:solidFill>
+                  <a:schemeClr val="tx2"/>
+                </a:solidFill>
+              </a:rPr>
+              <a:t>3- Data preprocessing</a:t>
+            </a:r>
+          </a:p>
+          <a:p>
+            <a:r>
+              <a:rPr lang="en-US" b="1" dirty="0">
+                <a:solidFill>
+                  <a:schemeClr val="tx2"/>
+                </a:solidFill>
+              </a:rPr>
+              <a:t>4- Exploratory Data Analysis</a:t>
+            </a:r>
+          </a:p>
+          <a:p>
+            <a:r>
+              <a:rPr lang="en-US" b="1" dirty="0">
+                <a:solidFill>
+                  <a:schemeClr val="tx2"/>
+                </a:solidFill>
+              </a:rPr>
+              <a:t>5- Feature Engineering</a:t>
+            </a:r>
+          </a:p>
+          <a:p>
+            <a:r>
+              <a:rPr lang="en-US" b="1" dirty="0">
+                <a:solidFill>
+                  <a:schemeClr val="tx2"/>
+                </a:solidFill>
+              </a:rPr>
+              <a:t>6- Model Building</a:t>
+            </a:r>
           </a:p>
         </p:txBody>
       </p:sp>
@@ -17225,7 +17721,7 @@
     </p:spTree>
     <p:extLst>
       <p:ext uri="{BB962C8B-B14F-4D97-AF65-F5344CB8AC3E}">
-        <p14:creationId xmlns:p14="http://schemas.microsoft.com/office/powerpoint/2010/main" val="1309004539"/>
+        <p14:creationId xmlns:p14="http://schemas.microsoft.com/office/powerpoint/2010/main" val="1110560631"/>
       </p:ext>
     </p:extLst>
   </p:cSld>
@@ -17271,7 +17767,7 @@
         <p:spPr>
           <a:xfrm>
             <a:off x="952499" y="727969"/>
-            <a:ext cx="4618584" cy="761957"/>
+            <a:ext cx="6309435" cy="761957"/>
           </a:xfrm>
         </p:spPr>
         <p:txBody>
@@ -17282,7 +17778,7 @@
           <a:p>
             <a:r>
               <a:rPr lang="en-US" sz="3600" dirty="0"/>
-              <a:t>Data Understanding</a:t>
+              <a:t>Frame The business problem</a:t>
             </a:r>
           </a:p>
         </p:txBody>
@@ -17313,6 +17809,36 @@
           <a:bodyPr/>
           <a:lstStyle/>
           <a:p>
+            <a:r>
+              <a:rPr lang="en-US" dirty="0"/>
+              <a:t>Get overview of the Business</a:t>
+            </a:r>
+          </a:p>
+          <a:p>
+            <a:r>
+              <a:rPr lang="en-US" dirty="0"/>
+              <a:t>Business Objective</a:t>
+            </a:r>
+          </a:p>
+          <a:p>
+            <a:r>
+              <a:rPr lang="en-US" dirty="0"/>
+              <a:t>Current Solution</a:t>
+            </a:r>
+          </a:p>
+          <a:p>
+            <a:r>
+              <a:rPr lang="en-US" dirty="0"/>
+              <a:t>Frame the problem (supervised Binary Classification task, Imbalanced)</a:t>
+            </a:r>
+          </a:p>
+          <a:p>
+            <a:r>
+              <a:rPr lang="en-US" dirty="0"/>
+              <a:t>Performance Measure to be used</a:t>
+            </a:r>
+          </a:p>
+          <a:p>
             <a:endParaRPr lang="en-US" dirty="0"/>
           </a:p>
           <a:p>
@@ -17350,6 +17876,302 @@
               <a:rPr lang="en-US" smtClean="0"/>
               <a:pPr/>
               <a:t>21</a:t>
+            </a:fld>
+            <a:endParaRPr lang="en-US" dirty="0"/>
+          </a:p>
+        </p:txBody>
+      </p:sp>
+      <p:sp>
+        <p:nvSpPr>
+          <p:cNvPr id="4" name="Footer Placeholder 3">
+            <a:extLst>
+              <a:ext uri="{FF2B5EF4-FFF2-40B4-BE49-F238E27FC236}">
+                <a16:creationId xmlns:a16="http://schemas.microsoft.com/office/drawing/2014/main" id="{529E91F3-E1A0-DB4A-8CD8-D9D1AB0FFB40}"/>
+              </a:ext>
+            </a:extLst>
+          </p:cNvPr>
+          <p:cNvSpPr>
+            <a:spLocks noGrp="1"/>
+          </p:cNvSpPr>
+          <p:nvPr>
+            <p:ph type="ftr" sz="quarter" idx="22"/>
+          </p:nvPr>
+        </p:nvSpPr>
+        <p:spPr>
+          <a:xfrm>
+            <a:off x="1494790" y="6332220"/>
+            <a:ext cx="1497330" cy="247651"/>
+          </a:xfrm>
+        </p:spPr>
+        <p:txBody>
+          <a:bodyPr/>
+          <a:lstStyle/>
+          <a:p>
+            <a:r>
+              <a:rPr lang="en-US" dirty="0"/>
+              <a:t>Annual Review</a:t>
+            </a:r>
+          </a:p>
+        </p:txBody>
+      </p:sp>
+      <p:sp>
+        <p:nvSpPr>
+          <p:cNvPr id="16" name="Date Placeholder 3">
+            <a:extLst>
+              <a:ext uri="{FF2B5EF4-FFF2-40B4-BE49-F238E27FC236}">
+                <a16:creationId xmlns:a16="http://schemas.microsoft.com/office/drawing/2014/main" id="{5384768F-E861-44BC-9FC7-434480D365AB}"/>
+              </a:ext>
+            </a:extLst>
+          </p:cNvPr>
+          <p:cNvSpPr txBox="1">
+            <a:spLocks/>
+          </p:cNvSpPr>
+          <p:nvPr/>
+        </p:nvSpPr>
+        <p:spPr>
+          <a:xfrm>
+            <a:off x="2992120" y="6332220"/>
+            <a:ext cx="1313180" cy="247651"/>
+          </a:xfrm>
+          <a:prstGeom prst="rect">
+            <a:avLst/>
+          </a:prstGeom>
+        </p:spPr>
+        <p:txBody>
+          <a:bodyPr vert="horz" lIns="0" tIns="0" rIns="0" bIns="0" rtlCol="0" anchor="t" anchorCtr="0"/>
+          <a:lstStyle>
+            <a:defPPr>
+              <a:defRPr lang="en-US"/>
+            </a:defPPr>
+            <a:lvl1pPr marL="0" algn="l" defTabSz="914400" rtl="0" eaLnBrk="1" latinLnBrk="0" hangingPunct="1">
+              <a:defRPr sz="1100" b="0" i="0" kern="1200">
+                <a:solidFill>
+                  <a:schemeClr val="bg1"/>
+                </a:solidFill>
+                <a:latin typeface="+mn-lt"/>
+                <a:ea typeface="+mn-ea"/>
+                <a:cs typeface="+mn-cs"/>
+              </a:defRPr>
+            </a:lvl1pPr>
+            <a:lvl2pPr marL="457200" algn="l" defTabSz="914400" rtl="0" eaLnBrk="1" latinLnBrk="0" hangingPunct="1">
+              <a:defRPr sz="1800" kern="1200">
+                <a:solidFill>
+                  <a:schemeClr val="tx1"/>
+                </a:solidFill>
+                <a:latin typeface="+mn-lt"/>
+                <a:ea typeface="+mn-ea"/>
+                <a:cs typeface="+mn-cs"/>
+              </a:defRPr>
+            </a:lvl2pPr>
+            <a:lvl3pPr marL="914400" algn="l" defTabSz="914400" rtl="0" eaLnBrk="1" latinLnBrk="0" hangingPunct="1">
+              <a:defRPr sz="1800" kern="1200">
+                <a:solidFill>
+                  <a:schemeClr val="tx1"/>
+                </a:solidFill>
+                <a:latin typeface="+mn-lt"/>
+                <a:ea typeface="+mn-ea"/>
+                <a:cs typeface="+mn-cs"/>
+              </a:defRPr>
+            </a:lvl3pPr>
+            <a:lvl4pPr marL="1371600" algn="l" defTabSz="914400" rtl="0" eaLnBrk="1" latinLnBrk="0" hangingPunct="1">
+              <a:defRPr sz="1800" kern="1200">
+                <a:solidFill>
+                  <a:schemeClr val="tx1"/>
+                </a:solidFill>
+                <a:latin typeface="+mn-lt"/>
+                <a:ea typeface="+mn-ea"/>
+                <a:cs typeface="+mn-cs"/>
+              </a:defRPr>
+            </a:lvl4pPr>
+            <a:lvl5pPr marL="1828800" algn="l" defTabSz="914400" rtl="0" eaLnBrk="1" latinLnBrk="0" hangingPunct="1">
+              <a:defRPr sz="1800" kern="1200">
+                <a:solidFill>
+                  <a:schemeClr val="tx1"/>
+                </a:solidFill>
+                <a:latin typeface="+mn-lt"/>
+                <a:ea typeface="+mn-ea"/>
+                <a:cs typeface="+mn-cs"/>
+              </a:defRPr>
+            </a:lvl5pPr>
+            <a:lvl6pPr marL="2286000" algn="l" defTabSz="914400" rtl="0" eaLnBrk="1" latinLnBrk="0" hangingPunct="1">
+              <a:defRPr sz="1800" kern="1200">
+                <a:solidFill>
+                  <a:schemeClr val="tx1"/>
+                </a:solidFill>
+                <a:latin typeface="+mn-lt"/>
+                <a:ea typeface="+mn-ea"/>
+                <a:cs typeface="+mn-cs"/>
+              </a:defRPr>
+            </a:lvl6pPr>
+            <a:lvl7pPr marL="2743200" algn="l" defTabSz="914400" rtl="0" eaLnBrk="1" latinLnBrk="0" hangingPunct="1">
+              <a:defRPr sz="1800" kern="1200">
+                <a:solidFill>
+                  <a:schemeClr val="tx1"/>
+                </a:solidFill>
+                <a:latin typeface="+mn-lt"/>
+                <a:ea typeface="+mn-ea"/>
+                <a:cs typeface="+mn-cs"/>
+              </a:defRPr>
+            </a:lvl7pPr>
+            <a:lvl8pPr marL="3200400" algn="l" defTabSz="914400" rtl="0" eaLnBrk="1" latinLnBrk="0" hangingPunct="1">
+              <a:defRPr sz="1800" kern="1200">
+                <a:solidFill>
+                  <a:schemeClr val="tx1"/>
+                </a:solidFill>
+                <a:latin typeface="+mn-lt"/>
+                <a:ea typeface="+mn-ea"/>
+                <a:cs typeface="+mn-cs"/>
+              </a:defRPr>
+            </a:lvl8pPr>
+            <a:lvl9pPr marL="3657600" algn="l" defTabSz="914400" rtl="0" eaLnBrk="1" latinLnBrk="0" hangingPunct="1">
+              <a:defRPr sz="1800" kern="1200">
+                <a:solidFill>
+                  <a:schemeClr val="tx1"/>
+                </a:solidFill>
+                <a:latin typeface="+mn-lt"/>
+                <a:ea typeface="+mn-ea"/>
+                <a:cs typeface="+mn-cs"/>
+              </a:defRPr>
+            </a:lvl9pPr>
+          </a:lstStyle>
+          <a:p>
+            <a:fld id="{6FCA8E82-58CD-E045-8B98-B7A85B79B752}" type="datetime4">
+              <a:rPr lang="en-US" smtClean="0"/>
+              <a:pPr/>
+              <a:t>January 2, 2024</a:t>
+            </a:fld>
+            <a:endParaRPr lang="en-US" dirty="0"/>
+          </a:p>
+        </p:txBody>
+      </p:sp>
+    </p:spTree>
+    <p:extLst>
+      <p:ext uri="{BB962C8B-B14F-4D97-AF65-F5344CB8AC3E}">
+        <p14:creationId xmlns:p14="http://schemas.microsoft.com/office/powerpoint/2010/main" val="1309004539"/>
+      </p:ext>
+    </p:extLst>
+  </p:cSld>
+  <p:clrMapOvr>
+    <a:masterClrMapping/>
+  </p:clrMapOvr>
+</p:sld>
+</file>
+
+<file path=ppt/slides/slide22.xml><?xml version="1.0" encoding="utf-8"?>
+<p:sld xmlns:a="http://schemas.openxmlformats.org/drawingml/2006/main" xmlns:r="http://schemas.openxmlformats.org/officeDocument/2006/relationships" xmlns:p="http://schemas.openxmlformats.org/presentationml/2006/main">
+  <p:cSld>
+    <p:spTree>
+      <p:nvGrpSpPr>
+        <p:cNvPr id="1" name=""/>
+        <p:cNvGrpSpPr/>
+        <p:nvPr/>
+      </p:nvGrpSpPr>
+      <p:grpSpPr>
+        <a:xfrm>
+          <a:off x="0" y="0"/>
+          <a:ext cx="0" cy="0"/>
+          <a:chOff x="0" y="0"/>
+          <a:chExt cx="0" cy="0"/>
+        </a:xfrm>
+      </p:grpSpPr>
+      <p:sp>
+        <p:nvSpPr>
+          <p:cNvPr id="2" name="Title 1">
+            <a:extLst>
+              <a:ext uri="{FF2B5EF4-FFF2-40B4-BE49-F238E27FC236}">
+                <a16:creationId xmlns:a16="http://schemas.microsoft.com/office/drawing/2014/main" id="{8C122DF8-59D4-D94D-8ED9-F2F319899DBF}"/>
+              </a:ext>
+            </a:extLst>
+          </p:cNvPr>
+          <p:cNvSpPr>
+            <a:spLocks noGrp="1"/>
+          </p:cNvSpPr>
+          <p:nvPr>
+            <p:ph type="title"/>
+          </p:nvPr>
+        </p:nvSpPr>
+        <p:spPr>
+          <a:xfrm>
+            <a:off x="952499" y="727969"/>
+            <a:ext cx="4618584" cy="761957"/>
+          </a:xfrm>
+        </p:spPr>
+        <p:txBody>
+          <a:bodyPr>
+            <a:noAutofit/>
+          </a:bodyPr>
+          <a:lstStyle/>
+          <a:p>
+            <a:r>
+              <a:rPr lang="en-US" sz="3600" dirty="0"/>
+              <a:t>Data Understanding</a:t>
+            </a:r>
+          </a:p>
+        </p:txBody>
+      </p:sp>
+      <p:sp>
+        <p:nvSpPr>
+          <p:cNvPr id="45" name="Text Placeholder 44">
+            <a:extLst>
+              <a:ext uri="{FF2B5EF4-FFF2-40B4-BE49-F238E27FC236}">
+                <a16:creationId xmlns:a16="http://schemas.microsoft.com/office/drawing/2014/main" id="{803A1E73-C790-447A-974F-B3ADB50149F7}"/>
+              </a:ext>
+            </a:extLst>
+          </p:cNvPr>
+          <p:cNvSpPr>
+            <a:spLocks noGrp="1"/>
+          </p:cNvSpPr>
+          <p:nvPr>
+            <p:ph type="body" sz="quarter" idx="12"/>
+          </p:nvPr>
+        </p:nvSpPr>
+        <p:spPr>
+          <a:xfrm>
+            <a:off x="952500" y="2286000"/>
+            <a:ext cx="7978436" cy="3768571"/>
+          </a:xfrm>
+        </p:spPr>
+        <p:txBody>
+          <a:bodyPr/>
+          <a:lstStyle/>
+          <a:p>
+            <a:endParaRPr lang="en-US" dirty="0"/>
+          </a:p>
+          <a:p>
+            <a:endParaRPr lang="en-US" dirty="0"/>
+          </a:p>
+        </p:txBody>
+      </p:sp>
+      <p:sp>
+        <p:nvSpPr>
+          <p:cNvPr id="5" name="Slide Number Placeholder 4">
+            <a:extLst>
+              <a:ext uri="{FF2B5EF4-FFF2-40B4-BE49-F238E27FC236}">
+                <a16:creationId xmlns:a16="http://schemas.microsoft.com/office/drawing/2014/main" id="{AB744071-0CE2-7746-9315-22EC28A0F462}"/>
+              </a:ext>
+            </a:extLst>
+          </p:cNvPr>
+          <p:cNvSpPr>
+            <a:spLocks noGrp="1"/>
+          </p:cNvSpPr>
+          <p:nvPr>
+            <p:ph type="sldNum" sz="quarter" idx="23"/>
+          </p:nvPr>
+        </p:nvSpPr>
+        <p:spPr>
+          <a:xfrm>
+            <a:off x="971550" y="6332220"/>
+            <a:ext cx="523240" cy="247651"/>
+          </a:xfrm>
+        </p:spPr>
+        <p:txBody>
+          <a:bodyPr/>
+          <a:lstStyle/>
+          <a:p>
+            <a:fld id="{294A09A9-5501-47C1-A89A-A340965A2BE2}" type="slidenum">
+              <a:rPr lang="en-US" smtClean="0"/>
+              <a:pPr/>
+              <a:t>22</a:t>
             </a:fld>
             <a:endParaRPr lang="en-US" dirty="0"/>
           </a:p>
@@ -18015,413 +18837,6 @@
 </p:sld>
 </file>
 
-<file path=ppt/slides/slide22.xml><?xml version="1.0" encoding="utf-8"?>
-<p:sld xmlns:a="http://schemas.openxmlformats.org/drawingml/2006/main" xmlns:r="http://schemas.openxmlformats.org/officeDocument/2006/relationships" xmlns:p="http://schemas.openxmlformats.org/presentationml/2006/main">
-  <p:cSld>
-    <p:spTree>
-      <p:nvGrpSpPr>
-        <p:cNvPr id="1" name=""/>
-        <p:cNvGrpSpPr/>
-        <p:nvPr/>
-      </p:nvGrpSpPr>
-      <p:grpSpPr>
-        <a:xfrm>
-          <a:off x="0" y="0"/>
-          <a:ext cx="0" cy="0"/>
-          <a:chOff x="0" y="0"/>
-          <a:chExt cx="0" cy="0"/>
-        </a:xfrm>
-      </p:grpSpPr>
-      <p:sp>
-        <p:nvSpPr>
-          <p:cNvPr id="2" name="Title 1">
-            <a:extLst>
-              <a:ext uri="{FF2B5EF4-FFF2-40B4-BE49-F238E27FC236}">
-                <a16:creationId xmlns:a16="http://schemas.microsoft.com/office/drawing/2014/main" id="{8C122DF8-59D4-D94D-8ED9-F2F319899DBF}"/>
-              </a:ext>
-            </a:extLst>
-          </p:cNvPr>
-          <p:cNvSpPr>
-            <a:spLocks noGrp="1"/>
-          </p:cNvSpPr>
-          <p:nvPr>
-            <p:ph type="title"/>
-          </p:nvPr>
-        </p:nvSpPr>
-        <p:spPr>
-          <a:xfrm>
-            <a:off x="971550" y="727969"/>
-            <a:ext cx="4559237" cy="761957"/>
-          </a:xfrm>
-        </p:spPr>
-        <p:txBody>
-          <a:bodyPr>
-            <a:noAutofit/>
-          </a:bodyPr>
-          <a:lstStyle/>
-          <a:p>
-            <a:r>
-              <a:rPr lang="en-US" sz="3200" dirty="0"/>
-              <a:t>Data Preprocessing</a:t>
-            </a:r>
-          </a:p>
-        </p:txBody>
-      </p:sp>
-      <p:sp>
-        <p:nvSpPr>
-          <p:cNvPr id="45" name="Text Placeholder 44">
-            <a:extLst>
-              <a:ext uri="{FF2B5EF4-FFF2-40B4-BE49-F238E27FC236}">
-                <a16:creationId xmlns:a16="http://schemas.microsoft.com/office/drawing/2014/main" id="{803A1E73-C790-447A-974F-B3ADB50149F7}"/>
-              </a:ext>
-            </a:extLst>
-          </p:cNvPr>
-          <p:cNvSpPr>
-            <a:spLocks noGrp="1"/>
-          </p:cNvSpPr>
-          <p:nvPr>
-            <p:ph type="body" sz="quarter" idx="12"/>
-          </p:nvPr>
-        </p:nvSpPr>
-        <p:spPr>
-          <a:xfrm>
-            <a:off x="952500" y="2286000"/>
-            <a:ext cx="7978436" cy="3768571"/>
-          </a:xfrm>
-        </p:spPr>
-        <p:txBody>
-          <a:bodyPr/>
-          <a:lstStyle/>
-          <a:p>
-            <a:r>
-              <a:rPr lang="en-US" dirty="0"/>
-              <a:t>1- Data Cleaning </a:t>
-            </a:r>
-          </a:p>
-          <a:p>
-            <a:r>
-              <a:rPr lang="en-US" dirty="0"/>
-              <a:t>	- Check for outliers and deal with them</a:t>
-            </a:r>
-          </a:p>
-          <a:p>
-            <a:r>
-              <a:rPr lang="en-US" dirty="0"/>
-              <a:t>	- Check for missing values( No missing values)</a:t>
-            </a:r>
-          </a:p>
-          <a:p>
-            <a:r>
-              <a:rPr lang="en-US" dirty="0"/>
-              <a:t>2- Create new features</a:t>
-            </a:r>
-          </a:p>
-          <a:p>
-            <a:endParaRPr lang="en-US" dirty="0"/>
-          </a:p>
-        </p:txBody>
-      </p:sp>
-      <p:sp>
-        <p:nvSpPr>
-          <p:cNvPr id="5" name="Slide Number Placeholder 4">
-            <a:extLst>
-              <a:ext uri="{FF2B5EF4-FFF2-40B4-BE49-F238E27FC236}">
-                <a16:creationId xmlns:a16="http://schemas.microsoft.com/office/drawing/2014/main" id="{AB744071-0CE2-7746-9315-22EC28A0F462}"/>
-              </a:ext>
-            </a:extLst>
-          </p:cNvPr>
-          <p:cNvSpPr>
-            <a:spLocks noGrp="1"/>
-          </p:cNvSpPr>
-          <p:nvPr>
-            <p:ph type="sldNum" sz="quarter" idx="23"/>
-          </p:nvPr>
-        </p:nvSpPr>
-        <p:spPr>
-          <a:xfrm>
-            <a:off x="971550" y="6332220"/>
-            <a:ext cx="523240" cy="247651"/>
-          </a:xfrm>
-        </p:spPr>
-        <p:txBody>
-          <a:bodyPr/>
-          <a:lstStyle/>
-          <a:p>
-            <a:fld id="{294A09A9-5501-47C1-A89A-A340965A2BE2}" type="slidenum">
-              <a:rPr lang="en-US" smtClean="0"/>
-              <a:pPr/>
-              <a:t>22</a:t>
-            </a:fld>
-            <a:endParaRPr lang="en-US" dirty="0"/>
-          </a:p>
-        </p:txBody>
-      </p:sp>
-      <p:sp>
-        <p:nvSpPr>
-          <p:cNvPr id="4" name="Footer Placeholder 3">
-            <a:extLst>
-              <a:ext uri="{FF2B5EF4-FFF2-40B4-BE49-F238E27FC236}">
-                <a16:creationId xmlns:a16="http://schemas.microsoft.com/office/drawing/2014/main" id="{529E91F3-E1A0-DB4A-8CD8-D9D1AB0FFB40}"/>
-              </a:ext>
-            </a:extLst>
-          </p:cNvPr>
-          <p:cNvSpPr>
-            <a:spLocks noGrp="1"/>
-          </p:cNvSpPr>
-          <p:nvPr>
-            <p:ph type="ftr" sz="quarter" idx="22"/>
-          </p:nvPr>
-        </p:nvSpPr>
-        <p:spPr>
-          <a:xfrm>
-            <a:off x="1494790" y="6332220"/>
-            <a:ext cx="1497330" cy="247651"/>
-          </a:xfrm>
-        </p:spPr>
-        <p:txBody>
-          <a:bodyPr/>
-          <a:lstStyle/>
-          <a:p>
-            <a:r>
-              <a:rPr lang="en-US" dirty="0"/>
-              <a:t>Annual Review</a:t>
-            </a:r>
-          </a:p>
-        </p:txBody>
-      </p:sp>
-      <p:sp>
-        <p:nvSpPr>
-          <p:cNvPr id="16" name="Date Placeholder 3">
-            <a:extLst>
-              <a:ext uri="{FF2B5EF4-FFF2-40B4-BE49-F238E27FC236}">
-                <a16:creationId xmlns:a16="http://schemas.microsoft.com/office/drawing/2014/main" id="{5384768F-E861-44BC-9FC7-434480D365AB}"/>
-              </a:ext>
-            </a:extLst>
-          </p:cNvPr>
-          <p:cNvSpPr txBox="1">
-            <a:spLocks/>
-          </p:cNvSpPr>
-          <p:nvPr/>
-        </p:nvSpPr>
-        <p:spPr>
-          <a:xfrm>
-            <a:off x="2992120" y="6332220"/>
-            <a:ext cx="1313180" cy="247651"/>
-          </a:xfrm>
-          <a:prstGeom prst="rect">
-            <a:avLst/>
-          </a:prstGeom>
-        </p:spPr>
-        <p:txBody>
-          <a:bodyPr vert="horz" lIns="0" tIns="0" rIns="0" bIns="0" rtlCol="0" anchor="t" anchorCtr="0"/>
-          <a:lstStyle>
-            <a:defPPr>
-              <a:defRPr lang="en-US"/>
-            </a:defPPr>
-            <a:lvl1pPr marL="0" algn="l" defTabSz="914400" rtl="0" eaLnBrk="1" latinLnBrk="0" hangingPunct="1">
-              <a:defRPr sz="1100" b="0" i="0" kern="1200">
-                <a:solidFill>
-                  <a:schemeClr val="bg1"/>
-                </a:solidFill>
-                <a:latin typeface="+mn-lt"/>
-                <a:ea typeface="+mn-ea"/>
-                <a:cs typeface="+mn-cs"/>
-              </a:defRPr>
-            </a:lvl1pPr>
-            <a:lvl2pPr marL="457200" algn="l" defTabSz="914400" rtl="0" eaLnBrk="1" latinLnBrk="0" hangingPunct="1">
-              <a:defRPr sz="1800" kern="1200">
-                <a:solidFill>
-                  <a:schemeClr val="tx1"/>
-                </a:solidFill>
-                <a:latin typeface="+mn-lt"/>
-                <a:ea typeface="+mn-ea"/>
-                <a:cs typeface="+mn-cs"/>
-              </a:defRPr>
-            </a:lvl2pPr>
-            <a:lvl3pPr marL="914400" algn="l" defTabSz="914400" rtl="0" eaLnBrk="1" latinLnBrk="0" hangingPunct="1">
-              <a:defRPr sz="1800" kern="1200">
-                <a:solidFill>
-                  <a:schemeClr val="tx1"/>
-                </a:solidFill>
-                <a:latin typeface="+mn-lt"/>
-                <a:ea typeface="+mn-ea"/>
-                <a:cs typeface="+mn-cs"/>
-              </a:defRPr>
-            </a:lvl3pPr>
-            <a:lvl4pPr marL="1371600" algn="l" defTabSz="914400" rtl="0" eaLnBrk="1" latinLnBrk="0" hangingPunct="1">
-              <a:defRPr sz="1800" kern="1200">
-                <a:solidFill>
-                  <a:schemeClr val="tx1"/>
-                </a:solidFill>
-                <a:latin typeface="+mn-lt"/>
-                <a:ea typeface="+mn-ea"/>
-                <a:cs typeface="+mn-cs"/>
-              </a:defRPr>
-            </a:lvl4pPr>
-            <a:lvl5pPr marL="1828800" algn="l" defTabSz="914400" rtl="0" eaLnBrk="1" latinLnBrk="0" hangingPunct="1">
-              <a:defRPr sz="1800" kern="1200">
-                <a:solidFill>
-                  <a:schemeClr val="tx1"/>
-                </a:solidFill>
-                <a:latin typeface="+mn-lt"/>
-                <a:ea typeface="+mn-ea"/>
-                <a:cs typeface="+mn-cs"/>
-              </a:defRPr>
-            </a:lvl5pPr>
-            <a:lvl6pPr marL="2286000" algn="l" defTabSz="914400" rtl="0" eaLnBrk="1" latinLnBrk="0" hangingPunct="1">
-              <a:defRPr sz="1800" kern="1200">
-                <a:solidFill>
-                  <a:schemeClr val="tx1"/>
-                </a:solidFill>
-                <a:latin typeface="+mn-lt"/>
-                <a:ea typeface="+mn-ea"/>
-                <a:cs typeface="+mn-cs"/>
-              </a:defRPr>
-            </a:lvl6pPr>
-            <a:lvl7pPr marL="2743200" algn="l" defTabSz="914400" rtl="0" eaLnBrk="1" latinLnBrk="0" hangingPunct="1">
-              <a:defRPr sz="1800" kern="1200">
-                <a:solidFill>
-                  <a:schemeClr val="tx1"/>
-                </a:solidFill>
-                <a:latin typeface="+mn-lt"/>
-                <a:ea typeface="+mn-ea"/>
-                <a:cs typeface="+mn-cs"/>
-              </a:defRPr>
-            </a:lvl7pPr>
-            <a:lvl8pPr marL="3200400" algn="l" defTabSz="914400" rtl="0" eaLnBrk="1" latinLnBrk="0" hangingPunct="1">
-              <a:defRPr sz="1800" kern="1200">
-                <a:solidFill>
-                  <a:schemeClr val="tx1"/>
-                </a:solidFill>
-                <a:latin typeface="+mn-lt"/>
-                <a:ea typeface="+mn-ea"/>
-                <a:cs typeface="+mn-cs"/>
-              </a:defRPr>
-            </a:lvl8pPr>
-            <a:lvl9pPr marL="3657600" algn="l" defTabSz="914400" rtl="0" eaLnBrk="1" latinLnBrk="0" hangingPunct="1">
-              <a:defRPr sz="1800" kern="1200">
-                <a:solidFill>
-                  <a:schemeClr val="tx1"/>
-                </a:solidFill>
-                <a:latin typeface="+mn-lt"/>
-                <a:ea typeface="+mn-ea"/>
-                <a:cs typeface="+mn-cs"/>
-              </a:defRPr>
-            </a:lvl9pPr>
-          </a:lstStyle>
-          <a:p>
-            <a:fld id="{6FCA8E82-58CD-E045-8B98-B7A85B79B752}" type="datetime4">
-              <a:rPr lang="en-US" smtClean="0"/>
-              <a:pPr/>
-              <a:t>January 2, 2024</a:t>
-            </a:fld>
-            <a:endParaRPr lang="en-US" dirty="0"/>
-          </a:p>
-        </p:txBody>
-      </p:sp>
-      <p:pic>
-        <p:nvPicPr>
-          <p:cNvPr id="7" name="Picture 6">
-            <a:extLst>
-              <a:ext uri="{FF2B5EF4-FFF2-40B4-BE49-F238E27FC236}">
-                <a16:creationId xmlns:a16="http://schemas.microsoft.com/office/drawing/2014/main" id="{B2F382F8-3A5B-4D43-197E-C32378E23181}"/>
-              </a:ext>
-            </a:extLst>
-          </p:cNvPr>
-          <p:cNvPicPr>
-            <a:picLocks noChangeAspect="1"/>
-          </p:cNvPicPr>
-          <p:nvPr/>
-        </p:nvPicPr>
-        <p:blipFill>
-          <a:blip r:embed="rId2"/>
-          <a:stretch>
-            <a:fillRect/>
-          </a:stretch>
-        </p:blipFill>
-        <p:spPr>
-          <a:xfrm>
-            <a:off x="1139017" y="3915526"/>
-            <a:ext cx="4294117" cy="2540519"/>
-          </a:xfrm>
-          <a:prstGeom prst="rect">
-            <a:avLst/>
-          </a:prstGeom>
-        </p:spPr>
-      </p:pic>
-      <p:pic>
-        <p:nvPicPr>
-          <p:cNvPr id="9" name="Picture 8">
-            <a:extLst>
-              <a:ext uri="{FF2B5EF4-FFF2-40B4-BE49-F238E27FC236}">
-                <a16:creationId xmlns:a16="http://schemas.microsoft.com/office/drawing/2014/main" id="{8A41D68F-05D5-B647-7D31-439978537C18}"/>
-              </a:ext>
-            </a:extLst>
-          </p:cNvPr>
-          <p:cNvPicPr>
-            <a:picLocks noChangeAspect="1"/>
-          </p:cNvPicPr>
-          <p:nvPr/>
-        </p:nvPicPr>
-        <p:blipFill>
-          <a:blip r:embed="rId3"/>
-          <a:stretch>
-            <a:fillRect/>
-          </a:stretch>
-        </p:blipFill>
-        <p:spPr>
-          <a:xfrm>
-            <a:off x="6096000" y="803429"/>
-            <a:ext cx="5902957" cy="3152775"/>
-          </a:xfrm>
-          <a:prstGeom prst="rect">
-            <a:avLst/>
-          </a:prstGeom>
-        </p:spPr>
-      </p:pic>
-      <p:pic>
-        <p:nvPicPr>
-          <p:cNvPr id="12" name="Picture 11">
-            <a:extLst>
-              <a:ext uri="{FF2B5EF4-FFF2-40B4-BE49-F238E27FC236}">
-                <a16:creationId xmlns:a16="http://schemas.microsoft.com/office/drawing/2014/main" id="{EA99FBA4-D9B0-AD22-CAF3-CBCF202E7632}"/>
-              </a:ext>
-            </a:extLst>
-          </p:cNvPr>
-          <p:cNvPicPr>
-            <a:picLocks noChangeAspect="1"/>
-          </p:cNvPicPr>
-          <p:nvPr/>
-        </p:nvPicPr>
-        <p:blipFill>
-          <a:blip r:embed="rId4"/>
-          <a:stretch>
-            <a:fillRect/>
-          </a:stretch>
-        </p:blipFill>
-        <p:spPr>
-          <a:xfrm>
-            <a:off x="6095999" y="4109424"/>
-            <a:ext cx="5902958" cy="542925"/>
-          </a:xfrm>
-          <a:prstGeom prst="rect">
-            <a:avLst/>
-          </a:prstGeom>
-        </p:spPr>
-      </p:pic>
-    </p:spTree>
-    <p:extLst>
-      <p:ext uri="{BB962C8B-B14F-4D97-AF65-F5344CB8AC3E}">
-        <p14:creationId xmlns:p14="http://schemas.microsoft.com/office/powerpoint/2010/main" val="2253000557"/>
-      </p:ext>
-    </p:extLst>
-  </p:cSld>
-  <p:clrMapOvr>
-    <a:masterClrMapping/>
-  </p:clrMapOvr>
-</p:sld>
-</file>
-
 <file path=ppt/slides/slide23.xml><?xml version="1.0" encoding="utf-8"?>
 <p:sld xmlns:a="http://schemas.openxmlformats.org/drawingml/2006/main" xmlns:r="http://schemas.openxmlformats.org/officeDocument/2006/relationships" xmlns:p="http://schemas.openxmlformats.org/presentationml/2006/main">
   <p:cSld>
@@ -18458,7 +18873,7 @@
         <p:spPr>
           <a:xfrm>
             <a:off x="971550" y="727969"/>
-            <a:ext cx="5124450" cy="761957"/>
+            <a:ext cx="4559237" cy="761957"/>
           </a:xfrm>
         </p:spPr>
         <p:txBody>
@@ -18469,7 +18884,7 @@
           <a:p>
             <a:r>
               <a:rPr lang="en-US" sz="3200" dirty="0"/>
-              <a:t>Exploratory Data Analysis</a:t>
+              <a:t>Data Preprocessing</a:t>
             </a:r>
           </a:p>
         </p:txBody>
@@ -18493,7 +18908,7 @@
         <p:spPr>
           <a:xfrm>
             <a:off x="952500" y="2286000"/>
-            <a:ext cx="5403912" cy="3768571"/>
+            <a:ext cx="7978436" cy="3768571"/>
           </a:xfrm>
         </p:spPr>
         <p:txBody>
@@ -18502,31 +18917,25 @@
           <a:p>
             <a:r>
               <a:rPr lang="en-US" dirty="0"/>
-              <a:t>Derive useful visualization:</a:t>
+              <a:t>1- Data Cleaning </a:t>
             </a:r>
           </a:p>
           <a:p>
             <a:r>
               <a:rPr lang="en-US" dirty="0"/>
-              <a:t>	- Correlation matrix</a:t>
+              <a:t>	- Check for outliers and deal with them</a:t>
             </a:r>
           </a:p>
           <a:p>
             <a:r>
               <a:rPr lang="en-US" dirty="0"/>
-              <a:t>	- pie plot, bar plot, histograms</a:t>
+              <a:t>	- Check for missing values( No missing values)</a:t>
             </a:r>
           </a:p>
           <a:p>
             <a:r>
               <a:rPr lang="en-US" dirty="0"/>
-              <a:t>	- Time series analysis</a:t>
-            </a:r>
-          </a:p>
-          <a:p>
-            <a:r>
-              <a:rPr lang="en-US" dirty="0"/>
-              <a:t>	- Explore the numerical attributes distributions</a:t>
+              <a:t>2- Create new features</a:t>
             </a:r>
           </a:p>
           <a:p>
@@ -18732,10 +19141,100 @@
           </a:p>
         </p:txBody>
       </p:sp>
+      <p:pic>
+        <p:nvPicPr>
+          <p:cNvPr id="7" name="Picture 6">
+            <a:extLst>
+              <a:ext uri="{FF2B5EF4-FFF2-40B4-BE49-F238E27FC236}">
+                <a16:creationId xmlns:a16="http://schemas.microsoft.com/office/drawing/2014/main" id="{B2F382F8-3A5B-4D43-197E-C32378E23181}"/>
+              </a:ext>
+            </a:extLst>
+          </p:cNvPr>
+          <p:cNvPicPr>
+            <a:picLocks noChangeAspect="1"/>
+          </p:cNvPicPr>
+          <p:nvPr/>
+        </p:nvPicPr>
+        <p:blipFill>
+          <a:blip r:embed="rId2"/>
+          <a:stretch>
+            <a:fillRect/>
+          </a:stretch>
+        </p:blipFill>
+        <p:spPr>
+          <a:xfrm>
+            <a:off x="1139017" y="3915526"/>
+            <a:ext cx="4294117" cy="2540519"/>
+          </a:xfrm>
+          <a:prstGeom prst="rect">
+            <a:avLst/>
+          </a:prstGeom>
+        </p:spPr>
+      </p:pic>
+      <p:pic>
+        <p:nvPicPr>
+          <p:cNvPr id="9" name="Picture 8">
+            <a:extLst>
+              <a:ext uri="{FF2B5EF4-FFF2-40B4-BE49-F238E27FC236}">
+                <a16:creationId xmlns:a16="http://schemas.microsoft.com/office/drawing/2014/main" id="{8A41D68F-05D5-B647-7D31-439978537C18}"/>
+              </a:ext>
+            </a:extLst>
+          </p:cNvPr>
+          <p:cNvPicPr>
+            <a:picLocks noChangeAspect="1"/>
+          </p:cNvPicPr>
+          <p:nvPr/>
+        </p:nvPicPr>
+        <p:blipFill>
+          <a:blip r:embed="rId3"/>
+          <a:stretch>
+            <a:fillRect/>
+          </a:stretch>
+        </p:blipFill>
+        <p:spPr>
+          <a:xfrm>
+            <a:off x="6096000" y="803429"/>
+            <a:ext cx="5902957" cy="3152775"/>
+          </a:xfrm>
+          <a:prstGeom prst="rect">
+            <a:avLst/>
+          </a:prstGeom>
+        </p:spPr>
+      </p:pic>
+      <p:pic>
+        <p:nvPicPr>
+          <p:cNvPr id="12" name="Picture 11">
+            <a:extLst>
+              <a:ext uri="{FF2B5EF4-FFF2-40B4-BE49-F238E27FC236}">
+                <a16:creationId xmlns:a16="http://schemas.microsoft.com/office/drawing/2014/main" id="{EA99FBA4-D9B0-AD22-CAF3-CBCF202E7632}"/>
+              </a:ext>
+            </a:extLst>
+          </p:cNvPr>
+          <p:cNvPicPr>
+            <a:picLocks noChangeAspect="1"/>
+          </p:cNvPicPr>
+          <p:nvPr/>
+        </p:nvPicPr>
+        <p:blipFill>
+          <a:blip r:embed="rId4"/>
+          <a:stretch>
+            <a:fillRect/>
+          </a:stretch>
+        </p:blipFill>
+        <p:spPr>
+          <a:xfrm>
+            <a:off x="6095999" y="4109424"/>
+            <a:ext cx="5902958" cy="542925"/>
+          </a:xfrm>
+          <a:prstGeom prst="rect">
+            <a:avLst/>
+          </a:prstGeom>
+        </p:spPr>
+      </p:pic>
     </p:spTree>
     <p:extLst>
       <p:ext uri="{BB962C8B-B14F-4D97-AF65-F5344CB8AC3E}">
-        <p14:creationId xmlns:p14="http://schemas.microsoft.com/office/powerpoint/2010/main" val="4274053548"/>
+        <p14:creationId xmlns:p14="http://schemas.microsoft.com/office/powerpoint/2010/main" val="2253000557"/>
       </p:ext>
     </p:extLst>
   </p:cSld>
@@ -18780,8 +19279,8 @@
         </p:nvSpPr>
         <p:spPr>
           <a:xfrm>
-            <a:off x="292962" y="727969"/>
-            <a:ext cx="5237825" cy="761957"/>
+            <a:off x="971550" y="727969"/>
+            <a:ext cx="5124450" cy="761957"/>
           </a:xfrm>
         </p:spPr>
         <p:txBody>
@@ -18815,8 +19314,8 @@
         </p:nvSpPr>
         <p:spPr>
           <a:xfrm>
-            <a:off x="952500" y="2201662"/>
-            <a:ext cx="5403912" cy="3852909"/>
+            <a:off x="952500" y="2286000"/>
+            <a:ext cx="5403912" cy="3768571"/>
           </a:xfrm>
         </p:spPr>
         <p:txBody>
@@ -18825,249 +19324,34 @@
           <a:p>
             <a:r>
               <a:rPr lang="en-US" dirty="0"/>
-              <a:t>Correlation matrix:</a:t>
+              <a:t>Derive useful visualization:</a:t>
             </a:r>
           </a:p>
           <a:p>
             <a:r>
               <a:rPr lang="en-US" dirty="0"/>
-              <a:t>	</a:t>
-            </a:r>
-            <a:r>
-              <a:rPr lang="en-US" dirty="0">
-                <a:solidFill>
-                  <a:schemeClr val="bg1"/>
-                </a:solidFill>
-              </a:rPr>
-              <a:t>-</a:t>
-            </a:r>
+              <a:t>	- Correlation matrix</a:t>
+            </a:r>
+          </a:p>
+          <a:p>
             <a:r>
               <a:rPr lang="en-US" dirty="0"/>
-              <a:t> salesPerWeak</a:t>
-            </a:r>
-            <a:r>
-              <a:rPr lang="en-US" dirty="0">
-                <a:solidFill>
-                  <a:schemeClr val="bg1"/>
-                </a:solidFill>
-              </a:rPr>
-              <a:t>: </a:t>
-            </a:r>
-            <a:r>
-              <a:rPr lang="en-US" dirty="0">
-                <a:solidFill>
-                  <a:schemeClr val="bg1">
-                    <a:lumMod val="95000"/>
-                    <a:lumOff val="5000"/>
-                  </a:schemeClr>
-                </a:solidFill>
-              </a:rPr>
-              <a:t>has a small positive correlation with </a:t>
-            </a:r>
+              <a:t>	- pie plot, bar plot, histograms</a:t>
+            </a:r>
+          </a:p>
+          <a:p>
             <a:r>
               <a:rPr lang="en-US" dirty="0"/>
-              <a:t>discount</a:t>
-            </a:r>
-            <a:r>
-              <a:rPr lang="en-US" dirty="0">
-                <a:solidFill>
-                  <a:schemeClr val="bg1">
-                    <a:lumMod val="95000"/>
-                    <a:lumOff val="5000"/>
-                  </a:schemeClr>
-                </a:solidFill>
-              </a:rPr>
-              <a:t> column.</a:t>
-            </a:r>
-          </a:p>
-          <a:p>
-            <a:r>
-              <a:rPr lang="en-US" dirty="0">
-                <a:solidFill>
-                  <a:schemeClr val="bg1">
-                    <a:lumMod val="95000"/>
-                    <a:lumOff val="5000"/>
-                  </a:schemeClr>
-                </a:solidFill>
-              </a:rPr>
-              <a:t>	-</a:t>
-            </a:r>
-            <a:r>
-              <a:rPr lang="en-US" dirty="0">
-                <a:solidFill>
-                  <a:schemeClr val="bg1"/>
-                </a:solidFill>
-              </a:rPr>
-              <a:t> </a:t>
-            </a:r>
-            <a:r>
-              <a:rPr lang="en-US" dirty="0" err="1"/>
-              <a:t>regular_prices</a:t>
-            </a:r>
-            <a:r>
-              <a:rPr lang="en-US" dirty="0">
-                <a:solidFill>
-                  <a:schemeClr val="bg1"/>
-                </a:solidFill>
-              </a:rPr>
-              <a:t>, </a:t>
-            </a:r>
-            <a:r>
-              <a:rPr lang="en-US" dirty="0" err="1"/>
-              <a:t>current_prices</a:t>
-            </a:r>
+              <a:t>	- Time series analysis</a:t>
+            </a:r>
+          </a:p>
+          <a:p>
             <a:r>
               <a:rPr lang="en-US" dirty="0"/>
-              <a:t> </a:t>
-            </a:r>
-            <a:r>
-              <a:rPr lang="en-US" dirty="0">
-                <a:solidFill>
-                  <a:schemeClr val="bg1"/>
-                </a:solidFill>
-              </a:rPr>
-              <a:t>and </a:t>
-            </a:r>
-            <a:r>
-              <a:rPr lang="en-US" dirty="0"/>
-              <a:t>profit</a:t>
-            </a:r>
-            <a:r>
-              <a:rPr lang="en-US" dirty="0">
-                <a:solidFill>
-                  <a:schemeClr val="bg1"/>
-                </a:solidFill>
-              </a:rPr>
-              <a:t> columns have a highly positive correlation</a:t>
-            </a:r>
-          </a:p>
-          <a:p>
-            <a:r>
-              <a:rPr lang="en-US" dirty="0">
-                <a:solidFill>
-                  <a:schemeClr val="bg1"/>
-                </a:solidFill>
-              </a:rPr>
-              <a:t>	- </a:t>
-            </a:r>
-            <a:r>
-              <a:rPr lang="en-US" dirty="0"/>
-              <a:t>discount</a:t>
-            </a:r>
-            <a:r>
-              <a:rPr lang="en-US" dirty="0">
-                <a:solidFill>
-                  <a:schemeClr val="bg1"/>
-                </a:solidFill>
-              </a:rPr>
-              <a:t> has a negative correlation with </a:t>
-            </a:r>
-            <a:r>
-              <a:rPr lang="en-US" dirty="0"/>
-              <a:t>profit</a:t>
-            </a:r>
-            <a:r>
-              <a:rPr lang="en-US" dirty="0">
-                <a:solidFill>
-                  <a:schemeClr val="bg1"/>
-                </a:solidFill>
-              </a:rPr>
-              <a:t> </a:t>
-            </a:r>
-          </a:p>
-          <a:p>
-            <a:r>
-              <a:rPr lang="en-US" dirty="0">
-                <a:solidFill>
-                  <a:schemeClr val="bg1"/>
-                </a:solidFill>
-              </a:rPr>
-              <a:t>	- </a:t>
-            </a:r>
-            <a:r>
-              <a:rPr lang="en-US" dirty="0"/>
-              <a:t>discount</a:t>
-            </a:r>
-            <a:r>
-              <a:rPr lang="en-US" dirty="0">
-                <a:solidFill>
-                  <a:schemeClr val="bg1"/>
-                </a:solidFill>
-              </a:rPr>
-              <a:t> has a positive correlation with </a:t>
-            </a:r>
-            <a:r>
-              <a:rPr lang="en-US" dirty="0"/>
-              <a:t>month</a:t>
-            </a:r>
-            <a:r>
-              <a:rPr lang="en-US" dirty="0">
-                <a:solidFill>
-                  <a:schemeClr val="bg1"/>
-                </a:solidFill>
-              </a:rPr>
-              <a:t>.</a:t>
-            </a:r>
-          </a:p>
-          <a:p>
-            <a:r>
-              <a:rPr lang="en-US" dirty="0">
-                <a:solidFill>
-                  <a:schemeClr val="bg1"/>
-                </a:solidFill>
-              </a:rPr>
-              <a:t> 	- The </a:t>
-            </a:r>
-            <a:r>
-              <a:rPr lang="en-US" dirty="0"/>
-              <a:t>label</a:t>
-            </a:r>
-            <a:r>
-              <a:rPr lang="en-US" dirty="0">
-                <a:solidFill>
-                  <a:schemeClr val="bg1"/>
-                </a:solidFill>
-              </a:rPr>
-              <a:t> column:</a:t>
-            </a:r>
-          </a:p>
-          <a:p>
-            <a:r>
-              <a:rPr lang="en-US" dirty="0">
-                <a:solidFill>
-                  <a:schemeClr val="bg1"/>
-                </a:solidFill>
-              </a:rPr>
-              <a:t>	 	- Has a negative correlation with </a:t>
-            </a:r>
-            <a:r>
-              <a:rPr lang="en-US" dirty="0"/>
-              <a:t>discount</a:t>
-            </a:r>
-            <a:r>
-              <a:rPr lang="en-US" dirty="0">
-                <a:solidFill>
-                  <a:schemeClr val="bg1"/>
-                </a:solidFill>
-              </a:rPr>
-              <a:t> 	- has a small negative correlation with 	  </a:t>
-            </a:r>
-            <a:r>
-              <a:rPr lang="en-US" dirty="0"/>
-              <a:t>sales</a:t>
-            </a:r>
-            <a:r>
-              <a:rPr lang="en-US" dirty="0">
-                <a:solidFill>
-                  <a:schemeClr val="bg1"/>
-                </a:solidFill>
-              </a:rPr>
-              <a:t> and a small positive correlation    	  with </a:t>
-            </a:r>
-            <a:r>
-              <a:rPr lang="en-US" dirty="0" err="1"/>
-              <a:t>current_price</a:t>
-            </a:r>
+              <a:t>	- Explore the numerical attributes distributions</a:t>
+            </a:r>
+          </a:p>
+          <a:p>
             <a:endParaRPr lang="en-US" dirty="0"/>
           </a:p>
         </p:txBody>
@@ -19270,46 +19554,10 @@
           </a:p>
         </p:txBody>
       </p:sp>
-      <p:pic>
-        <p:nvPicPr>
-          <p:cNvPr id="6" name="Picture 5" descr="A grid of squares with different colored squares&#10;&#10;Description automatically generated">
-            <a:extLst>
-              <a:ext uri="{FF2B5EF4-FFF2-40B4-BE49-F238E27FC236}">
-                <a16:creationId xmlns:a16="http://schemas.microsoft.com/office/drawing/2014/main" id="{66A86713-ADFF-F58C-1A4B-C3871DE33D21}"/>
-              </a:ext>
-            </a:extLst>
-          </p:cNvPr>
-          <p:cNvPicPr>
-            <a:picLocks noChangeAspect="1"/>
-          </p:cNvPicPr>
-          <p:nvPr/>
-        </p:nvPicPr>
-        <p:blipFill>
-          <a:blip r:embed="rId2">
-            <a:extLst>
-              <a:ext uri="{28A0092B-C50C-407E-A947-70E740481C1C}">
-                <a14:useLocalDpi xmlns:a14="http://schemas.microsoft.com/office/drawing/2010/main" val="0"/>
-              </a:ext>
-            </a:extLst>
-          </a:blip>
-          <a:stretch>
-            <a:fillRect/>
-          </a:stretch>
-        </p:blipFill>
-        <p:spPr>
-          <a:xfrm>
-            <a:off x="6178858" y="0"/>
-            <a:ext cx="6013142" cy="6858000"/>
-          </a:xfrm>
-          <a:prstGeom prst="rect">
-            <a:avLst/>
-          </a:prstGeom>
-        </p:spPr>
-      </p:pic>
     </p:spTree>
     <p:extLst>
       <p:ext uri="{BB962C8B-B14F-4D97-AF65-F5344CB8AC3E}">
-        <p14:creationId xmlns:p14="http://schemas.microsoft.com/office/powerpoint/2010/main" val="3706878126"/>
+        <p14:creationId xmlns:p14="http://schemas.microsoft.com/office/powerpoint/2010/main" val="4274053548"/>
       </p:ext>
     </p:extLst>
   </p:cSld>
@@ -19354,8 +19602,8 @@
         </p:nvSpPr>
         <p:spPr>
           <a:xfrm>
-            <a:off x="971550" y="727969"/>
-            <a:ext cx="4952997" cy="761957"/>
+            <a:off x="292962" y="727969"/>
+            <a:ext cx="5237825" cy="761957"/>
           </a:xfrm>
         </p:spPr>
         <p:txBody>
@@ -19389,7 +19637,7 @@
         </p:nvSpPr>
         <p:spPr>
           <a:xfrm>
-            <a:off x="520637" y="2191262"/>
+            <a:off x="952500" y="2201662"/>
             <a:ext cx="5403912" cy="3852909"/>
           </a:xfrm>
         </p:spPr>
@@ -19399,141 +19647,250 @@
           <a:p>
             <a:r>
               <a:rPr lang="en-US" dirty="0"/>
-              <a:t>	  Explore Numerical Columns:</a:t>
-            </a:r>
-          </a:p>
-          <a:p>
-            <a:r>
-              <a:rPr lang="en-US" b="0" dirty="0">
-                <a:solidFill>
-                  <a:srgbClr val="CCCCCC"/>
-                </a:solidFill>
-                <a:effectLst/>
-                <a:latin typeface="Consolas" panose="020B0609020204030204" pitchFamily="49" charset="0"/>
+              <a:t>Correlation matrix:</a:t>
+            </a:r>
+          </a:p>
+          <a:p>
+            <a:r>
+              <a:rPr lang="en-US" dirty="0"/>
+              <a:t>	</a:t>
+            </a:r>
+            <a:r>
+              <a:rPr lang="en-US" dirty="0">
+                <a:solidFill>
+                  <a:schemeClr val="bg1"/>
+                </a:solidFill>
               </a:rPr>
-              <a:t>  </a:t>
-            </a:r>
-            <a:r>
-              <a:rPr lang="en-US" b="0" dirty="0">
+              <a:t>-</a:t>
+            </a:r>
+            <a:r>
+              <a:rPr lang="en-US" dirty="0"/>
+              <a:t> salesPerWeak</a:t>
+            </a:r>
+            <a:r>
+              <a:rPr lang="en-US" dirty="0">
                 <a:solidFill>
                   <a:schemeClr val="bg1"/>
                 </a:solidFill>
-                <a:effectLst/>
-                <a:latin typeface="Consolas" panose="020B0609020204030204" pitchFamily="49" charset="0"/>
               </a:rPr>
-              <a:t>  - </a:t>
-            </a:r>
-            <a:r>
-              <a:rPr lang="en-US" b="1" dirty="0">
+              <a:t>: </a:t>
+            </a:r>
+            <a:r>
+              <a:rPr lang="en-US" dirty="0">
+                <a:solidFill>
+                  <a:schemeClr val="bg1">
+                    <a:lumMod val="95000"/>
+                    <a:lumOff val="5000"/>
+                  </a:schemeClr>
+                </a:solidFill>
+              </a:rPr>
+              <a:t>has a small positive correlation with </a:t>
+            </a:r>
+            <a:r>
+              <a:rPr lang="en-US" dirty="0"/>
+              <a:t>discount</a:t>
+            </a:r>
+            <a:r>
+              <a:rPr lang="en-US" dirty="0">
+                <a:solidFill>
+                  <a:schemeClr val="bg1">
+                    <a:lumMod val="95000"/>
+                    <a:lumOff val="5000"/>
+                  </a:schemeClr>
+                </a:solidFill>
+              </a:rPr>
+              <a:t> column.</a:t>
+            </a:r>
+          </a:p>
+          <a:p>
+            <a:r>
+              <a:rPr lang="en-US" dirty="0">
+                <a:solidFill>
+                  <a:schemeClr val="bg1">
+                    <a:lumMod val="95000"/>
+                    <a:lumOff val="5000"/>
+                  </a:schemeClr>
+                </a:solidFill>
+              </a:rPr>
+              <a:t>	-</a:t>
+            </a:r>
+            <a:r>
+              <a:rPr lang="en-US" dirty="0">
                 <a:solidFill>
                   <a:schemeClr val="bg1"/>
                 </a:solidFill>
-                <a:effectLst/>
-                <a:latin typeface="Consolas" panose="020B0609020204030204" pitchFamily="49" charset="0"/>
               </a:rPr>
-              <a:t>The 3 columns </a:t>
-            </a:r>
-            <a:r>
-              <a:rPr lang="en-US" b="1" dirty="0" err="1">
-                <a:effectLst/>
-                <a:latin typeface="Consolas" panose="020B0609020204030204" pitchFamily="49" charset="0"/>
-              </a:rPr>
-              <a:t>salesPerWeek</a:t>
-            </a:r>
-            <a:r>
-              <a:rPr lang="en-US" b="1" dirty="0">
+              <a:t> </a:t>
+            </a:r>
+            <a:r>
+              <a:rPr lang="en-US" dirty="0" err="1"/>
+              <a:t>regular_prices</a:t>
+            </a:r>
+            <a:r>
+              <a:rPr lang="en-US" dirty="0">
                 <a:solidFill>
                   <a:schemeClr val="bg1"/>
                 </a:solidFill>
-                <a:effectLst/>
-                <a:latin typeface="Consolas" panose="020B0609020204030204" pitchFamily="49" charset="0"/>
-              </a:rPr>
-              <a:t>, 	</a:t>
-            </a:r>
-            <a:r>
-              <a:rPr lang="en-US" b="1" dirty="0" err="1">
-                <a:effectLst/>
-                <a:latin typeface="Consolas" panose="020B0609020204030204" pitchFamily="49" charset="0"/>
-              </a:rPr>
-              <a:t>regular_prices</a:t>
-            </a:r>
-            <a:r>
-              <a:rPr lang="en-US" b="1" dirty="0">
-                <a:solidFill>
-                  <a:schemeClr val="bg1"/>
-                </a:solidFill>
-                <a:effectLst/>
-                <a:latin typeface="Consolas" panose="020B0609020204030204" pitchFamily="49" charset="0"/>
               </a:rPr>
               <a:t>, </a:t>
             </a:r>
             <a:r>
-              <a:rPr lang="en-US" b="1" dirty="0" err="1">
-                <a:effectLst/>
-                <a:latin typeface="Consolas" panose="020B0609020204030204" pitchFamily="49" charset="0"/>
+              <a:rPr lang="en-US" dirty="0" err="1"/>
+              <a:t>current_prices</a:t>
+            </a:r>
+            <a:r>
+              <a:rPr lang="en-US" dirty="0"/>
+              <a:t> </a:t>
+            </a:r>
+            <a:r>
+              <a:rPr lang="en-US" dirty="0">
+                <a:solidFill>
+                  <a:schemeClr val="bg1"/>
+                </a:solidFill>
               </a:rPr>
-              <a:t>current_prices</a:t>
-            </a:r>
-            <a:r>
-              <a:rPr lang="en-US" b="1" dirty="0">
-                <a:effectLst/>
-                <a:latin typeface="Consolas" panose="020B0609020204030204" pitchFamily="49" charset="0"/>
+              <a:t>and </a:t>
+            </a:r>
+            <a:r>
+              <a:rPr lang="en-US" dirty="0"/>
+              <a:t>profit</a:t>
+            </a:r>
+            <a:r>
+              <a:rPr lang="en-US" dirty="0">
+                <a:solidFill>
+                  <a:schemeClr val="bg1"/>
+                </a:solidFill>
               </a:rPr>
-              <a:t> 	</a:t>
-            </a:r>
-            <a:r>
-              <a:rPr lang="en-US" b="1" dirty="0">
+              <a:t> columns have a highly positive correlation</a:t>
+            </a:r>
+          </a:p>
+          <a:p>
+            <a:r>
+              <a:rPr lang="en-US" dirty="0">
                 <a:solidFill>
                   <a:schemeClr val="bg1"/>
                 </a:solidFill>
-                <a:effectLst/>
-                <a:latin typeface="Consolas" panose="020B0609020204030204" pitchFamily="49" charset="0"/>
               </a:rPr>
-              <a:t>have a heavy tailed distribution, 	it might be helpful to take the 	log of values, to make it look 	more gaussian before we feature 	scale it.</a:t>
-            </a:r>
-            <a:endParaRPr lang="en-US" b="0" dirty="0">
-              <a:solidFill>
-                <a:schemeClr val="bg1"/>
-              </a:solidFill>
-              <a:effectLst/>
-              <a:latin typeface="Consolas" panose="020B0609020204030204" pitchFamily="49" charset="0"/>
-            </a:endParaRPr>
-          </a:p>
-          <a:p>
-            <a:r>
-              <a:rPr lang="en-US" b="0" dirty="0">
+              <a:t>	- </a:t>
+            </a:r>
+            <a:r>
+              <a:rPr lang="en-US" dirty="0"/>
+              <a:t>discount</a:t>
+            </a:r>
+            <a:r>
+              <a:rPr lang="en-US" dirty="0">
                 <a:solidFill>
                   <a:schemeClr val="bg1"/>
                 </a:solidFill>
-                <a:effectLst/>
-                <a:latin typeface="Consolas" panose="020B0609020204030204" pitchFamily="49" charset="0"/>
               </a:rPr>
-              <a:t>    - </a:t>
-            </a:r>
-            <a:r>
-              <a:rPr lang="en-US" b="1" dirty="0" err="1">
-                <a:effectLst/>
-                <a:latin typeface="Consolas" panose="020B0609020204030204" pitchFamily="49" charset="0"/>
+              <a:t> has a negative correlation with </a:t>
+            </a:r>
+            <a:r>
+              <a:rPr lang="en-US" dirty="0"/>
+              <a:t>profit</a:t>
+            </a:r>
+            <a:r>
+              <a:rPr lang="en-US" dirty="0">
+                <a:solidFill>
+                  <a:schemeClr val="bg1"/>
+                </a:solidFill>
               </a:rPr>
-              <a:t>customer_id</a:t>
-            </a:r>
-            <a:r>
-              <a:rPr lang="en-US" b="1" dirty="0">
+              <a:t> </a:t>
+            </a:r>
+          </a:p>
+          <a:p>
+            <a:r>
+              <a:rPr lang="en-US" dirty="0">
                 <a:solidFill>
                   <a:schemeClr val="bg1"/>
                 </a:solidFill>
-                <a:effectLst/>
-                <a:latin typeface="Consolas" panose="020B0609020204030204" pitchFamily="49" charset="0"/>
               </a:rPr>
-              <a:t> doesn't seem to have 	any value, so it is better to not 	use it.</a:t>
-            </a:r>
-            <a:endParaRPr lang="en-US" b="0" dirty="0">
-              <a:solidFill>
-                <a:schemeClr val="bg1"/>
-              </a:solidFill>
-              <a:effectLst/>
-              <a:latin typeface="Consolas" panose="020B0609020204030204" pitchFamily="49" charset="0"/>
-            </a:endParaRPr>
+              <a:t>	- </a:t>
+            </a:r>
+            <a:r>
+              <a:rPr lang="en-US" dirty="0"/>
+              <a:t>discount</a:t>
+            </a:r>
+            <a:r>
+              <a:rPr lang="en-US" dirty="0">
+                <a:solidFill>
+                  <a:schemeClr val="bg1"/>
+                </a:solidFill>
+              </a:rPr>
+              <a:t> has a positive correlation with </a:t>
+            </a:r>
+            <a:r>
+              <a:rPr lang="en-US" dirty="0"/>
+              <a:t>month</a:t>
+            </a:r>
+            <a:r>
+              <a:rPr lang="en-US" dirty="0">
+                <a:solidFill>
+                  <a:schemeClr val="bg1"/>
+                </a:solidFill>
+              </a:rPr>
+              <a:t>.</a:t>
+            </a:r>
+          </a:p>
+          <a:p>
+            <a:r>
+              <a:rPr lang="en-US" dirty="0">
+                <a:solidFill>
+                  <a:schemeClr val="bg1"/>
+                </a:solidFill>
+              </a:rPr>
+              <a:t> 	- The </a:t>
+            </a:r>
+            <a:r>
+              <a:rPr lang="en-US" dirty="0"/>
+              <a:t>label</a:t>
+            </a:r>
+            <a:r>
+              <a:rPr lang="en-US" dirty="0">
+                <a:solidFill>
+                  <a:schemeClr val="bg1"/>
+                </a:solidFill>
+              </a:rPr>
+              <a:t> column:</a:t>
+            </a:r>
+          </a:p>
+          <a:p>
+            <a:r>
+              <a:rPr lang="en-US" dirty="0">
+                <a:solidFill>
+                  <a:schemeClr val="bg1"/>
+                </a:solidFill>
+              </a:rPr>
+              <a:t>	 	- Has a negative correlation with </a:t>
+            </a:r>
+            <a:r>
+              <a:rPr lang="en-US" dirty="0"/>
+              <a:t>discount</a:t>
+            </a:r>
+            <a:r>
+              <a:rPr lang="en-US" dirty="0">
+                <a:solidFill>
+                  <a:schemeClr val="bg1"/>
+                </a:solidFill>
+              </a:rPr>
+              <a:t> 	- has a small negative correlation with 	  </a:t>
+            </a:r>
+            <a:r>
+              <a:rPr lang="en-US" dirty="0"/>
+              <a:t>sales</a:t>
+            </a:r>
+            <a:r>
+              <a:rPr lang="en-US" dirty="0">
+                <a:solidFill>
+                  <a:schemeClr val="bg1"/>
+                </a:solidFill>
+              </a:rPr>
+              <a:t> and a small positive correlation    	  with </a:t>
+            </a:r>
+            <a:r>
+              <a:rPr lang="en-US" dirty="0" err="1"/>
+              <a:t>current_price</a:t>
+            </a:r>
+            <a:endParaRPr lang="en-US" dirty="0"/>
           </a:p>
         </p:txBody>
       </p:sp>
@@ -19737,10 +20094,10 @@
       </p:sp>
       <p:pic>
         <p:nvPicPr>
-          <p:cNvPr id="7" name="Picture 6" descr="A group of graphs with numbers&#10;&#10;Description automatically generated">
-            <a:extLst>
-              <a:ext uri="{FF2B5EF4-FFF2-40B4-BE49-F238E27FC236}">
-                <a16:creationId xmlns:a16="http://schemas.microsoft.com/office/drawing/2014/main" id="{1DCC6340-AF63-69FA-B774-A6553113B408}"/>
+          <p:cNvPr id="6" name="Picture 5" descr="A grid of squares with different colored squares&#10;&#10;Description automatically generated">
+            <a:extLst>
+              <a:ext uri="{FF2B5EF4-FFF2-40B4-BE49-F238E27FC236}">
+                <a16:creationId xmlns:a16="http://schemas.microsoft.com/office/drawing/2014/main" id="{66A86713-ADFF-F58C-1A4B-C3871DE33D21}"/>
               </a:ext>
             </a:extLst>
           </p:cNvPr>
@@ -19763,8 +20120,8 @@
         </p:blipFill>
         <p:spPr>
           <a:xfrm>
-            <a:off x="6137070" y="0"/>
-            <a:ext cx="6054930" cy="6858000"/>
+            <a:off x="6178858" y="0"/>
+            <a:ext cx="6013142" cy="6858000"/>
           </a:xfrm>
           <a:prstGeom prst="rect">
             <a:avLst/>
@@ -19774,7 +20131,7 @@
     </p:spTree>
     <p:extLst>
       <p:ext uri="{BB962C8B-B14F-4D97-AF65-F5344CB8AC3E}">
-        <p14:creationId xmlns:p14="http://schemas.microsoft.com/office/powerpoint/2010/main" val="782606217"/>
+        <p14:creationId xmlns:p14="http://schemas.microsoft.com/office/powerpoint/2010/main" val="3706878126"/>
       </p:ext>
     </p:extLst>
   </p:cSld>
@@ -19820,7 +20177,7 @@
         <p:spPr>
           <a:xfrm>
             <a:off x="971550" y="727969"/>
-            <a:ext cx="4559237" cy="761957"/>
+            <a:ext cx="4952997" cy="761957"/>
           </a:xfrm>
         </p:spPr>
         <p:txBody>
@@ -19831,7 +20188,7 @@
           <a:p>
             <a:r>
               <a:rPr lang="en-US" sz="3200" dirty="0"/>
-              <a:t>Feature Engineering</a:t>
+              <a:t>Exploratory Data Analysis</a:t>
             </a:r>
           </a:p>
         </p:txBody>
@@ -19854,8 +20211,8 @@
         </p:nvSpPr>
         <p:spPr>
           <a:xfrm>
-            <a:off x="952500" y="2286001"/>
-            <a:ext cx="4844618" cy="1522520"/>
+            <a:off x="520637" y="2191262"/>
+            <a:ext cx="5403912" cy="3852909"/>
           </a:xfrm>
         </p:spPr>
         <p:txBody>
@@ -19864,42 +20221,141 @@
           <a:p>
             <a:r>
               <a:rPr lang="en-US" dirty="0"/>
-              <a:t>1 – Create test set</a:t>
-            </a:r>
-          </a:p>
-          <a:p>
-            <a:pPr marL="742950" lvl="1" indent="-285750">
-              <a:buFont typeface="Arial" panose="020B0604020202020204" pitchFamily="34" charset="0"/>
-              <a:buChar char="•"/>
-            </a:pPr>
-            <a:r>
-              <a:rPr lang="en-US" sz="1800" dirty="0">
+              <a:t>	  Explore Numerical Columns:</a:t>
+            </a:r>
+          </a:p>
+          <a:p>
+            <a:r>
+              <a:rPr lang="en-US" b="0" dirty="0">
+                <a:solidFill>
+                  <a:srgbClr val="CCCCCC"/>
+                </a:solidFill>
+                <a:effectLst/>
+                <a:latin typeface="Consolas" panose="020B0609020204030204" pitchFamily="49" charset="0"/>
+              </a:rPr>
+              <a:t>  </a:t>
+            </a:r>
+            <a:r>
+              <a:rPr lang="en-US" b="0" dirty="0">
                 <a:solidFill>
                   <a:schemeClr val="bg1"/>
                 </a:solidFill>
+                <a:effectLst/>
+                <a:latin typeface="Consolas" panose="020B0609020204030204" pitchFamily="49" charset="0"/>
               </a:rPr>
-              <a:t>before any step to avoid data leakage.</a:t>
-            </a:r>
-          </a:p>
-          <a:p>
-            <a:pPr marL="742950" lvl="1" indent="-285750">
-              <a:buFont typeface="Arial" panose="020B0604020202020204" pitchFamily="34" charset="0"/>
-              <a:buChar char="•"/>
-            </a:pPr>
-            <a:r>
-              <a:rPr lang="en-US" sz="1800" dirty="0">
+              <a:t>  - </a:t>
+            </a:r>
+            <a:r>
+              <a:rPr lang="en-US" b="1" dirty="0">
                 <a:solidFill>
                   <a:schemeClr val="bg1"/>
                 </a:solidFill>
+                <a:effectLst/>
+                <a:latin typeface="Consolas" panose="020B0609020204030204" pitchFamily="49" charset="0"/>
               </a:rPr>
-              <a:t>Used Stratified sampling.</a:t>
-            </a:r>
-          </a:p>
-          <a:p>
-            <a:r>
-              <a:rPr lang="en-US" dirty="0"/>
-              <a:t>2 – Apply Feature Selection  </a:t>
-            </a:r>
+              <a:t>The 3 columns </a:t>
+            </a:r>
+            <a:r>
+              <a:rPr lang="en-US" b="1" dirty="0" err="1">
+                <a:effectLst/>
+                <a:latin typeface="Consolas" panose="020B0609020204030204" pitchFamily="49" charset="0"/>
+              </a:rPr>
+              <a:t>salesPerWeek</a:t>
+            </a:r>
+            <a:r>
+              <a:rPr lang="en-US" b="1" dirty="0">
+                <a:solidFill>
+                  <a:schemeClr val="bg1"/>
+                </a:solidFill>
+                <a:effectLst/>
+                <a:latin typeface="Consolas" panose="020B0609020204030204" pitchFamily="49" charset="0"/>
+              </a:rPr>
+              <a:t>, 	</a:t>
+            </a:r>
+            <a:r>
+              <a:rPr lang="en-US" b="1" dirty="0" err="1">
+                <a:effectLst/>
+                <a:latin typeface="Consolas" panose="020B0609020204030204" pitchFamily="49" charset="0"/>
+              </a:rPr>
+              <a:t>regular_prices</a:t>
+            </a:r>
+            <a:r>
+              <a:rPr lang="en-US" b="1" dirty="0">
+                <a:solidFill>
+                  <a:schemeClr val="bg1"/>
+                </a:solidFill>
+                <a:effectLst/>
+                <a:latin typeface="Consolas" panose="020B0609020204030204" pitchFamily="49" charset="0"/>
+              </a:rPr>
+              <a:t>, </a:t>
+            </a:r>
+            <a:r>
+              <a:rPr lang="en-US" b="1" dirty="0" err="1">
+                <a:effectLst/>
+                <a:latin typeface="Consolas" panose="020B0609020204030204" pitchFamily="49" charset="0"/>
+              </a:rPr>
+              <a:t>current_prices</a:t>
+            </a:r>
+            <a:r>
+              <a:rPr lang="en-US" b="1" dirty="0">
+                <a:effectLst/>
+                <a:latin typeface="Consolas" panose="020B0609020204030204" pitchFamily="49" charset="0"/>
+              </a:rPr>
+              <a:t> 	</a:t>
+            </a:r>
+            <a:r>
+              <a:rPr lang="en-US" b="1" dirty="0">
+                <a:solidFill>
+                  <a:schemeClr val="bg1"/>
+                </a:solidFill>
+                <a:effectLst/>
+                <a:latin typeface="Consolas" panose="020B0609020204030204" pitchFamily="49" charset="0"/>
+              </a:rPr>
+              <a:t>have a heavy tailed distribution, 	it might be helpful to take the 	log of values, to make it look 	more gaussian before we feature 	scale it.</a:t>
+            </a:r>
+            <a:endParaRPr lang="en-US" b="0" dirty="0">
+              <a:solidFill>
+                <a:schemeClr val="bg1"/>
+              </a:solidFill>
+              <a:effectLst/>
+              <a:latin typeface="Consolas" panose="020B0609020204030204" pitchFamily="49" charset="0"/>
+            </a:endParaRPr>
+          </a:p>
+          <a:p>
+            <a:r>
+              <a:rPr lang="en-US" b="0" dirty="0">
+                <a:solidFill>
+                  <a:schemeClr val="bg1"/>
+                </a:solidFill>
+                <a:effectLst/>
+                <a:latin typeface="Consolas" panose="020B0609020204030204" pitchFamily="49" charset="0"/>
+              </a:rPr>
+              <a:t>    - </a:t>
+            </a:r>
+            <a:r>
+              <a:rPr lang="en-US" b="1" dirty="0" err="1">
+                <a:effectLst/>
+                <a:latin typeface="Consolas" panose="020B0609020204030204" pitchFamily="49" charset="0"/>
+              </a:rPr>
+              <a:t>customer_id</a:t>
+            </a:r>
+            <a:r>
+              <a:rPr lang="en-US" b="1" dirty="0">
+                <a:solidFill>
+                  <a:schemeClr val="bg1"/>
+                </a:solidFill>
+                <a:effectLst/>
+                <a:latin typeface="Consolas" panose="020B0609020204030204" pitchFamily="49" charset="0"/>
+              </a:rPr>
+              <a:t> doesn't seem to have 	any value, so it is better to not 	use it.</a:t>
+            </a:r>
+            <a:endParaRPr lang="en-US" b="0" dirty="0">
+              <a:solidFill>
+                <a:schemeClr val="bg1"/>
+              </a:solidFill>
+              <a:effectLst/>
+              <a:latin typeface="Consolas" panose="020B0609020204030204" pitchFamily="49" charset="0"/>
+            </a:endParaRPr>
           </a:p>
         </p:txBody>
       </p:sp>
@@ -20103,10 +20559,10 @@
       </p:sp>
       <p:pic>
         <p:nvPicPr>
-          <p:cNvPr id="6" name="Picture 5">
-            <a:extLst>
-              <a:ext uri="{FF2B5EF4-FFF2-40B4-BE49-F238E27FC236}">
-                <a16:creationId xmlns:a16="http://schemas.microsoft.com/office/drawing/2014/main" id="{5611DE5B-5AB6-4E19-3E90-36476E18B9B1}"/>
+          <p:cNvPr id="7" name="Picture 6" descr="A group of graphs with numbers&#10;&#10;Description automatically generated">
+            <a:extLst>
+              <a:ext uri="{FF2B5EF4-FFF2-40B4-BE49-F238E27FC236}">
+                <a16:creationId xmlns:a16="http://schemas.microsoft.com/office/drawing/2014/main" id="{1DCC6340-AF63-69FA-B774-A6553113B408}"/>
               </a:ext>
             </a:extLst>
           </p:cNvPr>
@@ -20116,111 +20572,31 @@
           <p:nvPr/>
         </p:nvPicPr>
         <p:blipFill>
-          <a:blip r:embed="rId2"/>
+          <a:blip r:embed="rId2">
+            <a:extLst>
+              <a:ext uri="{28A0092B-C50C-407E-A947-70E740481C1C}">
+                <a14:useLocalDpi xmlns:a14="http://schemas.microsoft.com/office/drawing/2010/main" val="0"/>
+              </a:ext>
+            </a:extLst>
+          </a:blip>
           <a:stretch>
             <a:fillRect/>
           </a:stretch>
         </p:blipFill>
         <p:spPr>
           <a:xfrm>
-            <a:off x="1384915" y="3663444"/>
-            <a:ext cx="4711085" cy="2373372"/>
+            <a:off x="6137070" y="0"/>
+            <a:ext cx="6054930" cy="6858000"/>
           </a:xfrm>
           <a:prstGeom prst="rect">
             <a:avLst/>
           </a:prstGeom>
         </p:spPr>
       </p:pic>
-      <p:sp>
-        <p:nvSpPr>
-          <p:cNvPr id="8" name="TextBox 7">
-            <a:extLst>
-              <a:ext uri="{FF2B5EF4-FFF2-40B4-BE49-F238E27FC236}">
-                <a16:creationId xmlns:a16="http://schemas.microsoft.com/office/drawing/2014/main" id="{59E2029E-433F-D226-5599-19F70DE8EDCB}"/>
-              </a:ext>
-            </a:extLst>
-          </p:cNvPr>
-          <p:cNvSpPr txBox="1"/>
-          <p:nvPr/>
-        </p:nvSpPr>
-        <p:spPr>
-          <a:xfrm>
-            <a:off x="6394884" y="2286001"/>
-            <a:ext cx="4714042" cy="1477328"/>
-          </a:xfrm>
-          <a:prstGeom prst="rect">
-            <a:avLst/>
-          </a:prstGeom>
-          <a:noFill/>
-        </p:spPr>
-        <p:txBody>
-          <a:bodyPr wrap="square" rtlCol="0">
-            <a:spAutoFit/>
-          </a:bodyPr>
-          <a:lstStyle/>
-          <a:p>
-            <a:r>
-              <a:rPr lang="en-US" dirty="0">
-                <a:solidFill>
-                  <a:schemeClr val="tx2"/>
-                </a:solidFill>
-                <a:latin typeface="+mj-lt"/>
-              </a:rPr>
-              <a:t>3 – Handling categorical attributes</a:t>
-            </a:r>
-          </a:p>
-          <a:p>
-            <a:pPr marL="742950" lvl="1" indent="-285750">
-              <a:buFont typeface="Arial" panose="020B0604020202020204" pitchFamily="34" charset="0"/>
-              <a:buChar char="•"/>
-            </a:pPr>
-            <a:r>
-              <a:rPr lang="en-US" dirty="0">
-                <a:solidFill>
-                  <a:schemeClr val="bg1"/>
-                </a:solidFill>
-              </a:rPr>
-              <a:t>Apply One-Hot Encoding.</a:t>
-            </a:r>
-          </a:p>
-          <a:p>
-            <a:r>
-              <a:rPr lang="en-US" dirty="0">
-                <a:solidFill>
-                  <a:schemeClr val="tx2"/>
-                </a:solidFill>
-                <a:latin typeface="+mj-lt"/>
-              </a:rPr>
-              <a:t>4 – Apply Feature Scaling </a:t>
-            </a:r>
-          </a:p>
-          <a:p>
-            <a:pPr marL="742950" lvl="1" indent="-285750">
-              <a:buFont typeface="Arial" panose="020B0604020202020204" pitchFamily="34" charset="0"/>
-              <a:buChar char="•"/>
-            </a:pPr>
-            <a:r>
-              <a:rPr lang="en-US" dirty="0">
-                <a:solidFill>
-                  <a:schemeClr val="bg1"/>
-                </a:solidFill>
-              </a:rPr>
-              <a:t>Standardize numerical features.</a:t>
-            </a:r>
-          </a:p>
-          <a:p>
-            <a:endParaRPr lang="en-US" dirty="0">
-              <a:solidFill>
-                <a:schemeClr val="tx2"/>
-              </a:solidFill>
-            </a:endParaRPr>
-          </a:p>
-        </p:txBody>
-      </p:sp>
     </p:spTree>
     <p:extLst>
       <p:ext uri="{BB962C8B-B14F-4D97-AF65-F5344CB8AC3E}">
-        <p14:creationId xmlns:p14="http://schemas.microsoft.com/office/powerpoint/2010/main" val="1797495244"/>
+        <p14:creationId xmlns:p14="http://schemas.microsoft.com/office/powerpoint/2010/main" val="782606217"/>
       </p:ext>
     </p:extLst>
   </p:cSld>
@@ -20277,7 +20653,7 @@
           <a:p>
             <a:r>
               <a:rPr lang="en-US" sz="3200" dirty="0"/>
-              <a:t>Model building</a:t>
+              <a:t>Feature Engineering</a:t>
             </a:r>
           </a:p>
         </p:txBody>
@@ -20301,7 +20677,7 @@
         <p:spPr>
           <a:xfrm>
             <a:off x="952500" y="2286001"/>
-            <a:ext cx="5237825" cy="3457852"/>
+            <a:ext cx="4844618" cy="1522520"/>
           </a:xfrm>
         </p:spPr>
         <p:txBody>
@@ -20310,13 +20686,7 @@
           <a:p>
             <a:r>
               <a:rPr lang="en-US" dirty="0"/>
-              <a:t>1 - Build Transformation pipeline</a:t>
-            </a:r>
-          </a:p>
-          <a:p>
-            <a:r>
-              <a:rPr lang="en-US" dirty="0"/>
-              <a:t>2 - Select and train a certain model</a:t>
+              <a:t>1 – Create test set</a:t>
             </a:r>
           </a:p>
           <a:p>
@@ -20325,8 +20695,12 @@
               <a:buChar char="•"/>
             </a:pPr>
             <a:r>
-              <a:rPr lang="en-US" sz="1800" dirty="0"/>
-              <a:t>Logistic Regression</a:t>
+              <a:rPr lang="en-US" sz="1800" dirty="0">
+                <a:solidFill>
+                  <a:schemeClr val="bg1"/>
+                </a:solidFill>
+              </a:rPr>
+              <a:t>before any step to avoid data leakage.</a:t>
             </a:r>
           </a:p>
           <a:p>
@@ -20335,60 +20709,18 @@
               <a:buChar char="•"/>
             </a:pPr>
             <a:r>
-              <a:rPr lang="en-US" sz="1800" dirty="0"/>
-              <a:t>Random Forest</a:t>
-            </a:r>
-          </a:p>
-          <a:p>
-            <a:pPr marL="742950" lvl="1" indent="-285750">
-              <a:buFont typeface="Arial" panose="020B0604020202020204" pitchFamily="34" charset="0"/>
-              <a:buChar char="•"/>
-            </a:pPr>
-            <a:r>
-              <a:rPr lang="en-US" sz="1800" dirty="0"/>
-              <a:t>K-Nearest Neighbors</a:t>
+              <a:rPr lang="en-US" sz="1800" dirty="0">
+                <a:solidFill>
+                  <a:schemeClr val="bg1"/>
+                </a:solidFill>
+              </a:rPr>
+              <a:t>Used Stratified sampling.</a:t>
             </a:r>
           </a:p>
           <a:p>
             <a:r>
               <a:rPr lang="en-US" dirty="0"/>
-              <a:t>3 - Evaluate the models</a:t>
-            </a:r>
-          </a:p>
-          <a:p>
-            <a:pPr marL="742950" lvl="1" indent="-285750">
-              <a:buFont typeface="Arial" panose="020B0604020202020204" pitchFamily="34" charset="0"/>
-              <a:buChar char="•"/>
-            </a:pPr>
-            <a:r>
-              <a:rPr lang="en-US" sz="1800" dirty="0"/>
-              <a:t>K-fold cross-validation</a:t>
-            </a:r>
-          </a:p>
-          <a:p>
-            <a:r>
-              <a:rPr lang="en-US" dirty="0"/>
-              <a:t>4 - Handling Imbalanced Dataset</a:t>
-            </a:r>
-          </a:p>
-          <a:p>
-            <a:pPr marL="742950" lvl="1" indent="-285750">
-              <a:buFont typeface="Arial" panose="020B0604020202020204" pitchFamily="34" charset="0"/>
-              <a:buChar char="•"/>
-            </a:pPr>
-            <a:r>
-              <a:rPr lang="en-US" sz="1800" dirty="0"/>
-              <a:t>Try SMOTE over sampling</a:t>
-            </a:r>
-          </a:p>
-          <a:p>
-            <a:pPr marL="742950" lvl="1" indent="-285750">
-              <a:buFont typeface="Arial" panose="020B0604020202020204" pitchFamily="34" charset="0"/>
-              <a:buChar char="•"/>
-            </a:pPr>
-            <a:r>
-              <a:rPr lang="en-US" sz="1800" dirty="0"/>
-              <a:t>Try Random over sampling</a:t>
+              <a:t>2 – Apply Feature Selection  </a:t>
             </a:r>
           </a:p>
         </p:txBody>
@@ -20455,10 +20787,9 @@
           <a:lstStyle/>
           <a:p>
             <a:r>
-              <a:rPr lang="en-US"/>
+              <a:rPr lang="en-US" dirty="0"/>
               <a:t>Annual Review</a:t>
             </a:r>
-            <a:endParaRPr lang="en-US" dirty="0"/>
           </a:p>
         </p:txBody>
       </p:sp>
@@ -20592,48 +20923,12 @@
           </a:p>
         </p:txBody>
       </p:sp>
-      <p:sp>
-        <p:nvSpPr>
-          <p:cNvPr id="28" name="TextBox 27">
-            <a:extLst>
-              <a:ext uri="{FF2B5EF4-FFF2-40B4-BE49-F238E27FC236}">
-                <a16:creationId xmlns:a16="http://schemas.microsoft.com/office/drawing/2014/main" id="{CB327ECC-0A97-EE6D-CD83-B0F4B89817A8}"/>
-              </a:ext>
-            </a:extLst>
-          </p:cNvPr>
-          <p:cNvSpPr txBox="1"/>
-          <p:nvPr/>
-        </p:nvSpPr>
-        <p:spPr>
-          <a:xfrm>
-            <a:off x="8877681" y="4640677"/>
-            <a:ext cx="2831966" cy="369332"/>
-          </a:xfrm>
-          <a:prstGeom prst="rect">
-            <a:avLst/>
-          </a:prstGeom>
-          <a:noFill/>
-        </p:spPr>
-        <p:txBody>
-          <a:bodyPr wrap="square" rtlCol="0">
-            <a:spAutoFit/>
-          </a:bodyPr>
-          <a:lstStyle/>
-          <a:p>
-            <a:r>
-              <a:rPr lang="en-US"/>
-              <a:t>   440                     2426</a:t>
-            </a:r>
-            <a:endParaRPr lang="en-US" dirty="0"/>
-          </a:p>
-        </p:txBody>
-      </p:sp>
       <p:pic>
         <p:nvPicPr>
-          <p:cNvPr id="8" name="Picture 7">
-            <a:extLst>
-              <a:ext uri="{FF2B5EF4-FFF2-40B4-BE49-F238E27FC236}">
-                <a16:creationId xmlns:a16="http://schemas.microsoft.com/office/drawing/2014/main" id="{B03BC283-AC18-C883-B3BE-FDC990D609AE}"/>
+          <p:cNvPr id="6" name="Picture 5">
+            <a:extLst>
+              <a:ext uri="{FF2B5EF4-FFF2-40B4-BE49-F238E27FC236}">
+                <a16:creationId xmlns:a16="http://schemas.microsoft.com/office/drawing/2014/main" id="{5611DE5B-5AB6-4E19-3E90-36476E18B9B1}"/>
               </a:ext>
             </a:extLst>
           </p:cNvPr>
@@ -20650,18 +20945,104 @@
         </p:blipFill>
         <p:spPr>
           <a:xfrm>
-            <a:off x="5569246" y="2065785"/>
-            <a:ext cx="6622754" cy="2270957"/>
+            <a:off x="1384915" y="3663444"/>
+            <a:ext cx="4711085" cy="2373372"/>
           </a:xfrm>
           <a:prstGeom prst="rect">
             <a:avLst/>
           </a:prstGeom>
         </p:spPr>
       </p:pic>
+      <p:sp>
+        <p:nvSpPr>
+          <p:cNvPr id="8" name="TextBox 7">
+            <a:extLst>
+              <a:ext uri="{FF2B5EF4-FFF2-40B4-BE49-F238E27FC236}">
+                <a16:creationId xmlns:a16="http://schemas.microsoft.com/office/drawing/2014/main" id="{59E2029E-433F-D226-5599-19F70DE8EDCB}"/>
+              </a:ext>
+            </a:extLst>
+          </p:cNvPr>
+          <p:cNvSpPr txBox="1"/>
+          <p:nvPr/>
+        </p:nvSpPr>
+        <p:spPr>
+          <a:xfrm>
+            <a:off x="6394884" y="2286001"/>
+            <a:ext cx="4714042" cy="1477328"/>
+          </a:xfrm>
+          <a:prstGeom prst="rect">
+            <a:avLst/>
+          </a:prstGeom>
+          <a:noFill/>
+        </p:spPr>
+        <p:txBody>
+          <a:bodyPr wrap="square" rtlCol="0">
+            <a:spAutoFit/>
+          </a:bodyPr>
+          <a:lstStyle/>
+          <a:p>
+            <a:r>
+              <a:rPr lang="en-US" dirty="0">
+                <a:solidFill>
+                  <a:schemeClr val="tx2"/>
+                </a:solidFill>
+                <a:latin typeface="+mj-lt"/>
+              </a:rPr>
+              <a:t>3 – Handling categorical attributes</a:t>
+            </a:r>
+          </a:p>
+          <a:p>
+            <a:pPr marL="742950" lvl="1" indent="-285750">
+              <a:buFont typeface="Arial" panose="020B0604020202020204" pitchFamily="34" charset="0"/>
+              <a:buChar char="•"/>
+            </a:pPr>
+            <a:r>
+              <a:rPr lang="en-US" dirty="0">
+                <a:solidFill>
+                  <a:schemeClr val="bg1"/>
+                </a:solidFill>
+              </a:rPr>
+              <a:t>Apply One-Hot Encoding.</a:t>
+            </a:r>
+          </a:p>
+          <a:p>
+            <a:r>
+              <a:rPr lang="en-US" dirty="0">
+                <a:solidFill>
+                  <a:schemeClr val="tx2"/>
+                </a:solidFill>
+                <a:latin typeface="+mj-lt"/>
+              </a:rPr>
+              <a:t>4 – Apply Feature Scaling </a:t>
+            </a:r>
+          </a:p>
+          <a:p>
+            <a:pPr marL="742950" lvl="1" indent="-285750">
+              <a:buFont typeface="Arial" panose="020B0604020202020204" pitchFamily="34" charset="0"/>
+              <a:buChar char="•"/>
+            </a:pPr>
+            <a:r>
+              <a:rPr lang="en-US" dirty="0">
+                <a:solidFill>
+                  <a:schemeClr val="bg1"/>
+                </a:solidFill>
+              </a:rPr>
+              <a:t>Standardize numerical features.</a:t>
+            </a:r>
+          </a:p>
+          <a:p>
+            <a:endParaRPr lang="en-US" dirty="0">
+              <a:solidFill>
+                <a:schemeClr val="tx2"/>
+              </a:solidFill>
+            </a:endParaRPr>
+          </a:p>
+        </p:txBody>
+      </p:sp>
     </p:spTree>
     <p:extLst>
       <p:ext uri="{BB962C8B-B14F-4D97-AF65-F5344CB8AC3E}">
-        <p14:creationId xmlns:p14="http://schemas.microsoft.com/office/powerpoint/2010/main" val="3469920771"/>
+        <p14:creationId xmlns:p14="http://schemas.microsoft.com/office/powerpoint/2010/main" val="1797495244"/>
       </p:ext>
     </p:extLst>
   </p:cSld>
@@ -20741,8 +21122,8 @@
         </p:nvSpPr>
         <p:spPr>
           <a:xfrm>
-            <a:off x="952501" y="2286001"/>
-            <a:ext cx="5143500" cy="2854170"/>
+            <a:off x="952500" y="2286001"/>
+            <a:ext cx="5237825" cy="3457852"/>
           </a:xfrm>
         </p:spPr>
         <p:txBody>
@@ -20751,7 +21132,13 @@
           <a:p>
             <a:r>
               <a:rPr lang="en-US" dirty="0"/>
-              <a:t>4 – Fine Tuning the best models</a:t>
+              <a:t>1 - Build Transformation pipeline</a:t>
+            </a:r>
+          </a:p>
+          <a:p>
+            <a:r>
+              <a:rPr lang="en-US" dirty="0"/>
+              <a:t>2 - Select and train a certain model</a:t>
             </a:r>
           </a:p>
           <a:p>
@@ -20761,13 +21148,7 @@
             </a:pPr>
             <a:r>
               <a:rPr lang="en-US" sz="1800" dirty="0"/>
-              <a:t>Using Grid Search</a:t>
-            </a:r>
-          </a:p>
-          <a:p>
-            <a:r>
-              <a:rPr lang="en-US" dirty="0"/>
-              <a:t>5 – Try Ensemble Learning</a:t>
+              <a:t>Logistic Regression</a:t>
             </a:r>
           </a:p>
           <a:p>
@@ -20776,12 +21157,8 @@
               <a:buChar char="•"/>
             </a:pPr>
             <a:r>
-              <a:rPr lang="en-US" sz="1800" dirty="0">
-                <a:solidFill>
-                  <a:schemeClr val="bg1"/>
-                </a:solidFill>
-              </a:rPr>
-              <a:t>Voting Classifier(soft)</a:t>
+              <a:rPr lang="en-US" sz="1800" dirty="0"/>
+              <a:t>Random Forest</a:t>
             </a:r>
           </a:p>
           <a:p>
@@ -20791,26 +21168,13 @@
             </a:pPr>
             <a:r>
               <a:rPr lang="en-US" sz="1800" dirty="0"/>
-              <a:t>Gradient Boosting(</a:t>
-            </a:r>
-            <a:r>
-              <a:rPr lang="en-US" sz="1800" dirty="0" err="1"/>
-              <a:t>Xgboost</a:t>
-            </a:r>
-            <a:r>
-              <a:rPr lang="en-US" sz="1800" dirty="0"/>
-              <a:t>)</a:t>
-            </a:r>
-            <a:endParaRPr lang="en-US" sz="1200" dirty="0">
-              <a:solidFill>
-                <a:schemeClr val="bg1"/>
-              </a:solidFill>
-            </a:endParaRPr>
+              <a:t>K-Nearest Neighbors</a:t>
+            </a:r>
           </a:p>
           <a:p>
             <a:r>
               <a:rPr lang="en-US" dirty="0"/>
-              <a:t>6 – Analyze the Best Models and their Errors</a:t>
+              <a:t>3 - Evaluate the models</a:t>
             </a:r>
           </a:p>
           <a:p>
@@ -20820,13 +21184,34 @@
             </a:pPr>
             <a:r>
               <a:rPr lang="en-US" sz="1800" dirty="0"/>
-              <a:t>Using Random Forest </a:t>
-            </a:r>
-            <a:r>
-              <a:rPr lang="en-US" sz="1800" dirty="0" err="1"/>
-              <a:t>feature_importances</a:t>
-            </a:r>
-            <a:endParaRPr lang="en-US" sz="1800" dirty="0"/>
+              <a:t>K-fold cross-validation</a:t>
+            </a:r>
+          </a:p>
+          <a:p>
+            <a:r>
+              <a:rPr lang="en-US" dirty="0"/>
+              <a:t>4 - Handling Imbalanced Dataset</a:t>
+            </a:r>
+          </a:p>
+          <a:p>
+            <a:pPr marL="742950" lvl="1" indent="-285750">
+              <a:buFont typeface="Arial" panose="020B0604020202020204" pitchFamily="34" charset="0"/>
+              <a:buChar char="•"/>
+            </a:pPr>
+            <a:r>
+              <a:rPr lang="en-US" sz="1800" dirty="0"/>
+              <a:t>Try SMOTE over sampling</a:t>
+            </a:r>
+          </a:p>
+          <a:p>
+            <a:pPr marL="742950" lvl="1" indent="-285750">
+              <a:buFont typeface="Arial" panose="020B0604020202020204" pitchFamily="34" charset="0"/>
+              <a:buChar char="•"/>
+            </a:pPr>
+            <a:r>
+              <a:rPr lang="en-US" sz="1800" dirty="0"/>
+              <a:t>Try Random over sampling</a:t>
+            </a:r>
           </a:p>
         </p:txBody>
       </p:sp>
@@ -20892,9 +21277,10 @@
           <a:lstStyle/>
           <a:p>
             <a:r>
-              <a:rPr lang="en-US" dirty="0"/>
+              <a:rPr lang="en-US"/>
               <a:t>Annual Review</a:t>
             </a:r>
+            <a:endParaRPr lang="en-US" dirty="0"/>
           </a:p>
         </p:txBody>
       </p:sp>
@@ -21057,16 +21443,47 @@
           <a:lstStyle/>
           <a:p>
             <a:r>
-              <a:rPr lang="en-US" dirty="0"/>
+              <a:rPr lang="en-US"/>
               <a:t>   440                     2426</a:t>
             </a:r>
-          </a:p>
-        </p:txBody>
-      </p:sp>
+            <a:endParaRPr lang="en-US" dirty="0"/>
+          </a:p>
+        </p:txBody>
+      </p:sp>
+      <p:pic>
+        <p:nvPicPr>
+          <p:cNvPr id="8" name="Picture 7">
+            <a:extLst>
+              <a:ext uri="{FF2B5EF4-FFF2-40B4-BE49-F238E27FC236}">
+                <a16:creationId xmlns:a16="http://schemas.microsoft.com/office/drawing/2014/main" id="{B03BC283-AC18-C883-B3BE-FDC990D609AE}"/>
+              </a:ext>
+            </a:extLst>
+          </p:cNvPr>
+          <p:cNvPicPr>
+            <a:picLocks noChangeAspect="1"/>
+          </p:cNvPicPr>
+          <p:nvPr/>
+        </p:nvPicPr>
+        <p:blipFill>
+          <a:blip r:embed="rId2"/>
+          <a:stretch>
+            <a:fillRect/>
+          </a:stretch>
+        </p:blipFill>
+        <p:spPr>
+          <a:xfrm>
+            <a:off x="5569246" y="2065785"/>
+            <a:ext cx="6622754" cy="2270957"/>
+          </a:xfrm>
+          <a:prstGeom prst="rect">
+            <a:avLst/>
+          </a:prstGeom>
+        </p:spPr>
+      </p:pic>
     </p:spTree>
     <p:extLst>
       <p:ext uri="{BB962C8B-B14F-4D97-AF65-F5344CB8AC3E}">
-        <p14:creationId xmlns:p14="http://schemas.microsoft.com/office/powerpoint/2010/main" val="2668556874"/>
+        <p14:creationId xmlns:p14="http://schemas.microsoft.com/office/powerpoint/2010/main" val="3469920771"/>
       </p:ext>
     </p:extLst>
   </p:cSld>
@@ -21111,8 +21528,8 @@
         </p:nvSpPr>
         <p:spPr>
           <a:xfrm>
-            <a:off x="292962" y="727969"/>
-            <a:ext cx="5237825" cy="761957"/>
+            <a:off x="971550" y="727969"/>
+            <a:ext cx="4559237" cy="761957"/>
           </a:xfrm>
         </p:spPr>
         <p:txBody>
@@ -21123,7 +21540,7 @@
           <a:p>
             <a:r>
               <a:rPr lang="en-US" sz="3200" dirty="0"/>
-              <a:t>      Model building</a:t>
+              <a:t>Model building</a:t>
             </a:r>
           </a:p>
         </p:txBody>
@@ -21146,8 +21563,8 @@
         </p:nvSpPr>
         <p:spPr>
           <a:xfrm>
-            <a:off x="952500" y="2286001"/>
-            <a:ext cx="5208603" cy="2708598"/>
+            <a:off x="952501" y="2286001"/>
+            <a:ext cx="5143500" cy="2854170"/>
           </a:xfrm>
         </p:spPr>
         <p:txBody>
@@ -21156,26 +21573,82 @@
           <a:p>
             <a:r>
               <a:rPr lang="en-US" dirty="0"/>
-              <a:t>6 – Evaluate your system on the test set</a:t>
-            </a:r>
-          </a:p>
-          <a:p>
-            <a:endParaRPr lang="en-US" dirty="0"/>
-          </a:p>
-          <a:p>
-            <a:endParaRPr lang="en-US" dirty="0"/>
-          </a:p>
-          <a:p>
-            <a:endParaRPr lang="en-US" dirty="0"/>
-          </a:p>
-          <a:p>
-            <a:endParaRPr lang="en-US" dirty="0"/>
+              <a:t>4 – Fine Tuning the best models</a:t>
+            </a:r>
+          </a:p>
+          <a:p>
+            <a:pPr marL="742950" lvl="1" indent="-285750">
+              <a:buFont typeface="Arial" panose="020B0604020202020204" pitchFamily="34" charset="0"/>
+              <a:buChar char="•"/>
+            </a:pPr>
+            <a:r>
+              <a:rPr lang="en-US" sz="1800" dirty="0"/>
+              <a:t>Using Grid Search</a:t>
+            </a:r>
           </a:p>
           <a:p>
             <a:r>
               <a:rPr lang="en-US" dirty="0"/>
-              <a:t>7 – Import the best model</a:t>
-            </a:r>
+              <a:t>5 – Try Ensemble Learning</a:t>
+            </a:r>
+          </a:p>
+          <a:p>
+            <a:pPr marL="742950" lvl="1" indent="-285750">
+              <a:buFont typeface="Arial" panose="020B0604020202020204" pitchFamily="34" charset="0"/>
+              <a:buChar char="•"/>
+            </a:pPr>
+            <a:r>
+              <a:rPr lang="en-US" sz="1800" dirty="0">
+                <a:solidFill>
+                  <a:schemeClr val="bg1"/>
+                </a:solidFill>
+              </a:rPr>
+              <a:t>Voting Classifier(soft)</a:t>
+            </a:r>
+          </a:p>
+          <a:p>
+            <a:pPr marL="742950" lvl="1" indent="-285750">
+              <a:buFont typeface="Arial" panose="020B0604020202020204" pitchFamily="34" charset="0"/>
+              <a:buChar char="•"/>
+            </a:pPr>
+            <a:r>
+              <a:rPr lang="en-US" sz="1800" dirty="0"/>
+              <a:t>Gradient Boosting(</a:t>
+            </a:r>
+            <a:r>
+              <a:rPr lang="en-US" sz="1800" dirty="0" err="1"/>
+              <a:t>Xgboost</a:t>
+            </a:r>
+            <a:r>
+              <a:rPr lang="en-US" sz="1800" dirty="0"/>
+              <a:t>)</a:t>
+            </a:r>
+            <a:endParaRPr lang="en-US" sz="1200" dirty="0">
+              <a:solidFill>
+                <a:schemeClr val="bg1"/>
+              </a:solidFill>
+            </a:endParaRPr>
+          </a:p>
+          <a:p>
+            <a:r>
+              <a:rPr lang="en-US" dirty="0"/>
+              <a:t>6 – Analyze the Best Models and their Errors</a:t>
+            </a:r>
+          </a:p>
+          <a:p>
+            <a:pPr marL="742950" lvl="1" indent="-285750">
+              <a:buFont typeface="Arial" panose="020B0604020202020204" pitchFamily="34" charset="0"/>
+              <a:buChar char="•"/>
+            </a:pPr>
+            <a:r>
+              <a:rPr lang="en-US" sz="1800" dirty="0"/>
+              <a:t>Using Random Forest </a:t>
+            </a:r>
+            <a:r>
+              <a:rPr lang="en-US" sz="1800" dirty="0" err="1"/>
+              <a:t>feature_importances</a:t>
+            </a:r>
+            <a:endParaRPr lang="en-US" sz="1800" dirty="0"/>
           </a:p>
         </p:txBody>
       </p:sp>
@@ -21377,247 +21850,12 @@
           </a:p>
         </p:txBody>
       </p:sp>
-      <p:pic>
-        <p:nvPicPr>
-          <p:cNvPr id="6" name="Picture 5">
-            <a:extLst>
-              <a:ext uri="{FF2B5EF4-FFF2-40B4-BE49-F238E27FC236}">
-                <a16:creationId xmlns:a16="http://schemas.microsoft.com/office/drawing/2014/main" id="{89B2F895-A1D3-72B5-0343-03A31E1119C0}"/>
-              </a:ext>
-            </a:extLst>
-          </p:cNvPr>
-          <p:cNvPicPr>
-            <a:picLocks noChangeAspect="1"/>
-          </p:cNvPicPr>
-          <p:nvPr/>
-        </p:nvPicPr>
-        <p:blipFill>
-          <a:blip r:embed="rId2"/>
-          <a:stretch>
-            <a:fillRect/>
-          </a:stretch>
-        </p:blipFill>
-        <p:spPr>
-          <a:xfrm>
-            <a:off x="5530787" y="4743120"/>
-            <a:ext cx="5157926" cy="1244396"/>
-          </a:xfrm>
-          <a:prstGeom prst="rect">
-            <a:avLst/>
-          </a:prstGeom>
-        </p:spPr>
-      </p:pic>
-      <p:sp>
-        <p:nvSpPr>
-          <p:cNvPr id="7" name="Rectangle 6">
-            <a:extLst>
-              <a:ext uri="{FF2B5EF4-FFF2-40B4-BE49-F238E27FC236}">
-                <a16:creationId xmlns:a16="http://schemas.microsoft.com/office/drawing/2014/main" id="{BE40983B-4DF4-9834-E3BA-598E535A93D1}"/>
-              </a:ext>
-            </a:extLst>
-          </p:cNvPr>
-          <p:cNvSpPr/>
-          <p:nvPr/>
-        </p:nvSpPr>
-        <p:spPr>
-          <a:xfrm>
-            <a:off x="5530787" y="2706693"/>
-            <a:ext cx="3071674" cy="1615735"/>
-          </a:xfrm>
-          <a:prstGeom prst="rect">
-            <a:avLst/>
-          </a:prstGeom>
-        </p:spPr>
-        <p:style>
-          <a:lnRef idx="2">
-            <a:schemeClr val="accent1">
-              <a:shade val="15000"/>
-            </a:schemeClr>
-          </a:lnRef>
-          <a:fillRef idx="1">
-            <a:schemeClr val="accent1"/>
-          </a:fillRef>
-          <a:effectRef idx="0">
-            <a:schemeClr val="accent1"/>
-          </a:effectRef>
-          <a:fontRef idx="minor">
-            <a:schemeClr val="lt1"/>
-          </a:fontRef>
-        </p:style>
-        <p:txBody>
-          <a:bodyPr rtlCol="0" anchor="ctr"/>
-          <a:lstStyle/>
-          <a:p>
-            <a:pPr algn="ctr"/>
-            <a:endParaRPr lang="en-US" dirty="0"/>
-          </a:p>
-        </p:txBody>
-      </p:sp>
-      <p:cxnSp>
-        <p:nvCxnSpPr>
-          <p:cNvPr id="9" name="Straight Connector 8">
-            <a:extLst>
-              <a:ext uri="{FF2B5EF4-FFF2-40B4-BE49-F238E27FC236}">
-                <a16:creationId xmlns:a16="http://schemas.microsoft.com/office/drawing/2014/main" id="{156A008B-F4F7-E441-5A52-6412E7657232}"/>
-              </a:ext>
-            </a:extLst>
-          </p:cNvPr>
-          <p:cNvCxnSpPr>
-            <a:cxnSpLocks/>
-            <a:stCxn id="7" idx="0"/>
-          </p:cNvCxnSpPr>
-          <p:nvPr/>
-        </p:nvCxnSpPr>
-        <p:spPr>
-          <a:xfrm>
-            <a:off x="7066624" y="2706693"/>
-            <a:ext cx="62144" cy="497149"/>
-          </a:xfrm>
-          <a:prstGeom prst="line">
-            <a:avLst/>
-          </a:prstGeom>
-        </p:spPr>
-        <p:style>
-          <a:lnRef idx="1">
-            <a:schemeClr val="accent1"/>
-          </a:lnRef>
-          <a:fillRef idx="0">
-            <a:schemeClr val="accent1"/>
-          </a:fillRef>
-          <a:effectRef idx="0">
-            <a:schemeClr val="accent1"/>
-          </a:effectRef>
-          <a:fontRef idx="minor">
-            <a:schemeClr val="tx1"/>
-          </a:fontRef>
-        </p:style>
-      </p:cxnSp>
-      <p:cxnSp>
-        <p:nvCxnSpPr>
-          <p:cNvPr id="12" name="Straight Connector 11">
-            <a:extLst>
-              <a:ext uri="{FF2B5EF4-FFF2-40B4-BE49-F238E27FC236}">
-                <a16:creationId xmlns:a16="http://schemas.microsoft.com/office/drawing/2014/main" id="{42B1975F-8AAF-E384-3F6A-8F14EB91D93F}"/>
-              </a:ext>
-            </a:extLst>
-          </p:cNvPr>
-          <p:cNvCxnSpPr>
-            <a:cxnSpLocks/>
-            <a:stCxn id="7" idx="3"/>
-            <a:endCxn id="7" idx="1"/>
-          </p:cNvCxnSpPr>
-          <p:nvPr/>
-        </p:nvCxnSpPr>
-        <p:spPr>
-          <a:xfrm flipH="1">
-            <a:off x="5530787" y="3514561"/>
-            <a:ext cx="3071674" cy="0"/>
-          </a:xfrm>
-          <a:prstGeom prst="line">
-            <a:avLst/>
-          </a:prstGeom>
-        </p:spPr>
-        <p:style>
-          <a:lnRef idx="1">
-            <a:schemeClr val="dk1"/>
-          </a:lnRef>
-          <a:fillRef idx="0">
-            <a:schemeClr val="dk1"/>
-          </a:fillRef>
-          <a:effectRef idx="0">
-            <a:schemeClr val="dk1"/>
-          </a:effectRef>
-          <a:fontRef idx="minor">
-            <a:schemeClr val="tx1"/>
-          </a:fontRef>
-        </p:style>
-      </p:cxnSp>
-      <p:cxnSp>
-        <p:nvCxnSpPr>
-          <p:cNvPr id="17" name="Straight Connector 16">
-            <a:extLst>
-              <a:ext uri="{FF2B5EF4-FFF2-40B4-BE49-F238E27FC236}">
-                <a16:creationId xmlns:a16="http://schemas.microsoft.com/office/drawing/2014/main" id="{971DD357-7F45-AE55-7630-BF9151FBF51A}"/>
-              </a:ext>
-            </a:extLst>
-          </p:cNvPr>
-          <p:cNvCxnSpPr>
-            <a:cxnSpLocks/>
-            <a:stCxn id="7" idx="2"/>
-            <a:endCxn id="7" idx="0"/>
-          </p:cNvCxnSpPr>
-          <p:nvPr/>
-        </p:nvCxnSpPr>
-        <p:spPr>
-          <a:xfrm flipV="1">
-            <a:off x="7066624" y="2706693"/>
-            <a:ext cx="0" cy="1615735"/>
-          </a:xfrm>
-          <a:prstGeom prst="line">
-            <a:avLst/>
-          </a:prstGeom>
-        </p:spPr>
-        <p:style>
-          <a:lnRef idx="1">
-            <a:schemeClr val="accent1"/>
-          </a:lnRef>
-          <a:fillRef idx="0">
-            <a:schemeClr val="accent1"/>
-          </a:fillRef>
-          <a:effectRef idx="0">
-            <a:schemeClr val="accent1"/>
-          </a:effectRef>
-          <a:fontRef idx="minor">
-            <a:schemeClr val="tx1"/>
-          </a:fontRef>
-        </p:style>
-      </p:cxnSp>
-      <p:cxnSp>
-        <p:nvCxnSpPr>
-          <p:cNvPr id="21" name="Straight Connector 20">
-            <a:extLst>
-              <a:ext uri="{FF2B5EF4-FFF2-40B4-BE49-F238E27FC236}">
-                <a16:creationId xmlns:a16="http://schemas.microsoft.com/office/drawing/2014/main" id="{975DFBD1-DF0E-49AF-32BD-283ECEA9F4DB}"/>
-              </a:ext>
-            </a:extLst>
-          </p:cNvPr>
-          <p:cNvCxnSpPr>
-            <a:cxnSpLocks/>
-            <a:stCxn id="7" idx="2"/>
-            <a:endCxn id="7" idx="0"/>
-          </p:cNvCxnSpPr>
-          <p:nvPr/>
-        </p:nvCxnSpPr>
-        <p:spPr>
-          <a:xfrm flipV="1">
-            <a:off x="7066624" y="2706693"/>
-            <a:ext cx="0" cy="1615735"/>
-          </a:xfrm>
-          <a:prstGeom prst="line">
-            <a:avLst/>
-          </a:prstGeom>
-        </p:spPr>
-        <p:style>
-          <a:lnRef idx="1">
-            <a:schemeClr val="dk1"/>
-          </a:lnRef>
-          <a:fillRef idx="0">
-            <a:schemeClr val="dk1"/>
-          </a:fillRef>
-          <a:effectRef idx="0">
-            <a:schemeClr val="dk1"/>
-          </a:effectRef>
-          <a:fontRef idx="minor">
-            <a:schemeClr val="tx1"/>
-          </a:fontRef>
-        </p:style>
-      </p:cxnSp>
-      <p:sp>
-        <p:nvSpPr>
-          <p:cNvPr id="24" name="TextBox 23">
-            <a:extLst>
-              <a:ext uri="{FF2B5EF4-FFF2-40B4-BE49-F238E27FC236}">
-                <a16:creationId xmlns:a16="http://schemas.microsoft.com/office/drawing/2014/main" id="{4D26C8D0-6DFD-568D-094B-53CD6C434F38}"/>
+      <p:sp>
+        <p:nvSpPr>
+          <p:cNvPr id="28" name="TextBox 27">
+            <a:extLst>
+              <a:ext uri="{FF2B5EF4-FFF2-40B4-BE49-F238E27FC236}">
+                <a16:creationId xmlns:a16="http://schemas.microsoft.com/office/drawing/2014/main" id="{CB327ECC-0A97-EE6D-CD83-B0F4B89817A8}"/>
               </a:ext>
             </a:extLst>
           </p:cNvPr>
@@ -21626,7 +21864,7 @@
         </p:nvSpPr>
         <p:spPr>
           <a:xfrm>
-            <a:off x="5770495" y="2955267"/>
+            <a:off x="8877681" y="4640677"/>
             <a:ext cx="2831966" cy="369332"/>
           </a:xfrm>
           <a:prstGeom prst="rect">
@@ -21642,150 +21880,7 @@
           <a:p>
             <a:r>
               <a:rPr lang="en-US" dirty="0"/>
-              <a:t>12759                    4375</a:t>
-            </a:r>
-          </a:p>
-        </p:txBody>
-      </p:sp>
-      <p:sp>
-        <p:nvSpPr>
-          <p:cNvPr id="28" name="TextBox 27">
-            <a:extLst>
-              <a:ext uri="{FF2B5EF4-FFF2-40B4-BE49-F238E27FC236}">
-                <a16:creationId xmlns:a16="http://schemas.microsoft.com/office/drawing/2014/main" id="{CB327ECC-0A97-EE6D-CD83-B0F4B89817A8}"/>
-              </a:ext>
-            </a:extLst>
-          </p:cNvPr>
-          <p:cNvSpPr txBox="1"/>
-          <p:nvPr/>
-        </p:nvSpPr>
-        <p:spPr>
-          <a:xfrm>
-            <a:off x="5712796" y="3766423"/>
-            <a:ext cx="2831966" cy="369332"/>
-          </a:xfrm>
-          <a:prstGeom prst="rect">
-            <a:avLst/>
-          </a:prstGeom>
-          <a:noFill/>
-        </p:spPr>
-        <p:txBody>
-          <a:bodyPr wrap="square" rtlCol="0">
-            <a:spAutoFit/>
-          </a:bodyPr>
-          <a:lstStyle/>
-          <a:p>
-            <a:r>
-              <a:rPr lang="en-US" dirty="0"/>
               <a:t>   440                     2426</a:t>
-            </a:r>
-          </a:p>
-        </p:txBody>
-      </p:sp>
-      <p:sp>
-        <p:nvSpPr>
-          <p:cNvPr id="29" name="TextBox 28">
-            <a:extLst>
-              <a:ext uri="{FF2B5EF4-FFF2-40B4-BE49-F238E27FC236}">
-                <a16:creationId xmlns:a16="http://schemas.microsoft.com/office/drawing/2014/main" id="{5C666DF6-76D7-46E6-7185-0428120AB28F}"/>
-              </a:ext>
-            </a:extLst>
-          </p:cNvPr>
-          <p:cNvSpPr txBox="1"/>
-          <p:nvPr/>
-        </p:nvSpPr>
-        <p:spPr>
-          <a:xfrm>
-            <a:off x="6059014" y="2057714"/>
-            <a:ext cx="2485748" cy="369332"/>
-          </a:xfrm>
-          <a:prstGeom prst="rect">
-            <a:avLst/>
-          </a:prstGeom>
-          <a:noFill/>
-        </p:spPr>
-        <p:txBody>
-          <a:bodyPr wrap="square" rtlCol="0">
-            <a:spAutoFit/>
-          </a:bodyPr>
-          <a:lstStyle/>
-          <a:p>
-            <a:r>
-              <a:rPr lang="en-US" b="1" dirty="0">
-                <a:solidFill>
-                  <a:schemeClr val="bg1"/>
-                </a:solidFill>
-              </a:rPr>
-              <a:t>Confusion Matrix</a:t>
-            </a:r>
-          </a:p>
-        </p:txBody>
-      </p:sp>
-      <p:sp>
-        <p:nvSpPr>
-          <p:cNvPr id="34" name="TextBox 33">
-            <a:extLst>
-              <a:ext uri="{FF2B5EF4-FFF2-40B4-BE49-F238E27FC236}">
-                <a16:creationId xmlns:a16="http://schemas.microsoft.com/office/drawing/2014/main" id="{B9B80916-1DE0-9A97-8F3B-27BEEF02FF83}"/>
-              </a:ext>
-            </a:extLst>
-          </p:cNvPr>
-          <p:cNvSpPr txBox="1"/>
-          <p:nvPr/>
-        </p:nvSpPr>
-        <p:spPr>
-          <a:xfrm>
-            <a:off x="1494790" y="2787964"/>
-            <a:ext cx="2894121" cy="1200329"/>
-          </a:xfrm>
-          <a:prstGeom prst="rect">
-            <a:avLst/>
-          </a:prstGeom>
-          <a:noFill/>
-        </p:spPr>
-        <p:txBody>
-          <a:bodyPr wrap="square" rtlCol="0">
-            <a:spAutoFit/>
-          </a:bodyPr>
-          <a:lstStyle/>
-          <a:p>
-            <a:r>
-              <a:rPr lang="en-US" dirty="0">
-                <a:solidFill>
-                  <a:schemeClr val="bg1"/>
-                </a:solidFill>
-              </a:rPr>
-              <a:t>True Negatives(TN): 12759</a:t>
-            </a:r>
-          </a:p>
-          <a:p>
-            <a:r>
-              <a:rPr lang="en-US" dirty="0">
-                <a:solidFill>
-                  <a:schemeClr val="bg1"/>
-                </a:solidFill>
-              </a:rPr>
-              <a:t>True Positives(TP): 2426</a:t>
-            </a:r>
-          </a:p>
-          <a:p>
-            <a:r>
-              <a:rPr lang="en-US" dirty="0">
-                <a:solidFill>
-                  <a:schemeClr val="bg1"/>
-                </a:solidFill>
-              </a:rPr>
-              <a:t>False Negatives(FN): 440</a:t>
-            </a:r>
-          </a:p>
-          <a:p>
-            <a:r>
-              <a:rPr lang="en-US" dirty="0">
-                <a:solidFill>
-                  <a:schemeClr val="bg1"/>
-                </a:solidFill>
-              </a:rPr>
-              <a:t>False Positives(FP): 4375</a:t>
             </a:r>
           </a:p>
         </p:txBody>
@@ -21793,7 +21888,7 @@
     </p:spTree>
     <p:extLst>
       <p:ext uri="{BB962C8B-B14F-4D97-AF65-F5344CB8AC3E}">
-        <p14:creationId xmlns:p14="http://schemas.microsoft.com/office/powerpoint/2010/main" val="2051584230"/>
+        <p14:creationId xmlns:p14="http://schemas.microsoft.com/office/powerpoint/2010/main" val="2668556874"/>
       </p:ext>
     </p:extLst>
   </p:cSld>
@@ -22219,12 +22314,9 @@
           </a:bodyPr>
           <a:lstStyle/>
           <a:p>
-            <a:br>
+            <a:r>
               <a:rPr lang="en-US" sz="3200" dirty="0"/>
-            </a:br>
-            <a:r>
-              <a:rPr lang="en-US" sz="3200" dirty="0"/>
-              <a:t>     Things To try next</a:t>
+              <a:t>      Model building</a:t>
             </a:r>
           </a:p>
         </p:txBody>
@@ -22248,7 +22340,7 @@
         <p:spPr>
           <a:xfrm>
             <a:off x="952500" y="2286001"/>
-            <a:ext cx="10410917" cy="2708598"/>
+            <a:ext cx="5208603" cy="2708598"/>
           </a:xfrm>
         </p:spPr>
         <p:txBody>
@@ -22257,45 +22349,25 @@
           <a:p>
             <a:r>
               <a:rPr lang="en-US" dirty="0"/>
-              <a:t>1 – Exploratory Data Analysis</a:t>
-            </a:r>
+              <a:t>6 – Evaluate your system on the test set</a:t>
+            </a:r>
+          </a:p>
+          <a:p>
+            <a:endParaRPr lang="en-US" dirty="0"/>
+          </a:p>
+          <a:p>
+            <a:endParaRPr lang="en-US" dirty="0"/>
+          </a:p>
+          <a:p>
+            <a:endParaRPr lang="en-US" dirty="0"/>
+          </a:p>
+          <a:p>
+            <a:endParaRPr lang="en-US" dirty="0"/>
           </a:p>
           <a:p>
             <a:r>
               <a:rPr lang="en-US" dirty="0"/>
-              <a:t>	- Convert RGB columns to colors and figure out if there is a correlation between purchases and colors</a:t>
-            </a:r>
-          </a:p>
-          <a:p>
-            <a:r>
-              <a:rPr lang="en-US" dirty="0"/>
-              <a:t>	- Get the top purchased items for each country, Get the most important customer in each country.</a:t>
-            </a:r>
-          </a:p>
-          <a:p>
-            <a:r>
-              <a:rPr lang="en-US" dirty="0"/>
-              <a:t>	- Get the average price of purchased items, and see if low prices, high prices affect sales or not.</a:t>
-            </a:r>
-          </a:p>
-          <a:p>
-            <a:r>
-              <a:rPr lang="en-US" dirty="0"/>
-              <a:t>	- Use unsupervised visualization </a:t>
-            </a:r>
-            <a:r>
-              <a:rPr lang="en-US" dirty="0" err="1"/>
-              <a:t>techinques</a:t>
-            </a:r>
-            <a:r>
-              <a:rPr lang="en-US" dirty="0"/>
-              <a:t> to identify clusters in the data.</a:t>
-            </a:r>
-          </a:p>
-          <a:p>
-            <a:r>
-              <a:rPr lang="en-US" dirty="0"/>
-              <a:t>	- Use Time-series Analysis</a:t>
+              <a:t>7 – Import the best model</a:t>
             </a:r>
           </a:p>
         </p:txBody>
@@ -22498,12 +22570,247 @@
           </a:p>
         </p:txBody>
       </p:sp>
-      <p:sp>
-        <p:nvSpPr>
-          <p:cNvPr id="28" name="TextBox 27">
-            <a:extLst>
-              <a:ext uri="{FF2B5EF4-FFF2-40B4-BE49-F238E27FC236}">
-                <a16:creationId xmlns:a16="http://schemas.microsoft.com/office/drawing/2014/main" id="{CB327ECC-0A97-EE6D-CD83-B0F4B89817A8}"/>
+      <p:pic>
+        <p:nvPicPr>
+          <p:cNvPr id="6" name="Picture 5">
+            <a:extLst>
+              <a:ext uri="{FF2B5EF4-FFF2-40B4-BE49-F238E27FC236}">
+                <a16:creationId xmlns:a16="http://schemas.microsoft.com/office/drawing/2014/main" id="{89B2F895-A1D3-72B5-0343-03A31E1119C0}"/>
+              </a:ext>
+            </a:extLst>
+          </p:cNvPr>
+          <p:cNvPicPr>
+            <a:picLocks noChangeAspect="1"/>
+          </p:cNvPicPr>
+          <p:nvPr/>
+        </p:nvPicPr>
+        <p:blipFill>
+          <a:blip r:embed="rId2"/>
+          <a:stretch>
+            <a:fillRect/>
+          </a:stretch>
+        </p:blipFill>
+        <p:spPr>
+          <a:xfrm>
+            <a:off x="5530787" y="4743120"/>
+            <a:ext cx="5157926" cy="1244396"/>
+          </a:xfrm>
+          <a:prstGeom prst="rect">
+            <a:avLst/>
+          </a:prstGeom>
+        </p:spPr>
+      </p:pic>
+      <p:sp>
+        <p:nvSpPr>
+          <p:cNvPr id="7" name="Rectangle 6">
+            <a:extLst>
+              <a:ext uri="{FF2B5EF4-FFF2-40B4-BE49-F238E27FC236}">
+                <a16:creationId xmlns:a16="http://schemas.microsoft.com/office/drawing/2014/main" id="{BE40983B-4DF4-9834-E3BA-598E535A93D1}"/>
+              </a:ext>
+            </a:extLst>
+          </p:cNvPr>
+          <p:cNvSpPr/>
+          <p:nvPr/>
+        </p:nvSpPr>
+        <p:spPr>
+          <a:xfrm>
+            <a:off x="5530787" y="2706693"/>
+            <a:ext cx="3071674" cy="1615735"/>
+          </a:xfrm>
+          <a:prstGeom prst="rect">
+            <a:avLst/>
+          </a:prstGeom>
+        </p:spPr>
+        <p:style>
+          <a:lnRef idx="2">
+            <a:schemeClr val="accent1">
+              <a:shade val="15000"/>
+            </a:schemeClr>
+          </a:lnRef>
+          <a:fillRef idx="1">
+            <a:schemeClr val="accent1"/>
+          </a:fillRef>
+          <a:effectRef idx="0">
+            <a:schemeClr val="accent1"/>
+          </a:effectRef>
+          <a:fontRef idx="minor">
+            <a:schemeClr val="lt1"/>
+          </a:fontRef>
+        </p:style>
+        <p:txBody>
+          <a:bodyPr rtlCol="0" anchor="ctr"/>
+          <a:lstStyle/>
+          <a:p>
+            <a:pPr algn="ctr"/>
+            <a:endParaRPr lang="en-US" dirty="0"/>
+          </a:p>
+        </p:txBody>
+      </p:sp>
+      <p:cxnSp>
+        <p:nvCxnSpPr>
+          <p:cNvPr id="9" name="Straight Connector 8">
+            <a:extLst>
+              <a:ext uri="{FF2B5EF4-FFF2-40B4-BE49-F238E27FC236}">
+                <a16:creationId xmlns:a16="http://schemas.microsoft.com/office/drawing/2014/main" id="{156A008B-F4F7-E441-5A52-6412E7657232}"/>
+              </a:ext>
+            </a:extLst>
+          </p:cNvPr>
+          <p:cNvCxnSpPr>
+            <a:cxnSpLocks/>
+            <a:stCxn id="7" idx="0"/>
+          </p:cNvCxnSpPr>
+          <p:nvPr/>
+        </p:nvCxnSpPr>
+        <p:spPr>
+          <a:xfrm>
+            <a:off x="7066624" y="2706693"/>
+            <a:ext cx="62144" cy="497149"/>
+          </a:xfrm>
+          <a:prstGeom prst="line">
+            <a:avLst/>
+          </a:prstGeom>
+        </p:spPr>
+        <p:style>
+          <a:lnRef idx="1">
+            <a:schemeClr val="accent1"/>
+          </a:lnRef>
+          <a:fillRef idx="0">
+            <a:schemeClr val="accent1"/>
+          </a:fillRef>
+          <a:effectRef idx="0">
+            <a:schemeClr val="accent1"/>
+          </a:effectRef>
+          <a:fontRef idx="minor">
+            <a:schemeClr val="tx1"/>
+          </a:fontRef>
+        </p:style>
+      </p:cxnSp>
+      <p:cxnSp>
+        <p:nvCxnSpPr>
+          <p:cNvPr id="12" name="Straight Connector 11">
+            <a:extLst>
+              <a:ext uri="{FF2B5EF4-FFF2-40B4-BE49-F238E27FC236}">
+                <a16:creationId xmlns:a16="http://schemas.microsoft.com/office/drawing/2014/main" id="{42B1975F-8AAF-E384-3F6A-8F14EB91D93F}"/>
+              </a:ext>
+            </a:extLst>
+          </p:cNvPr>
+          <p:cNvCxnSpPr>
+            <a:cxnSpLocks/>
+            <a:stCxn id="7" idx="3"/>
+            <a:endCxn id="7" idx="1"/>
+          </p:cNvCxnSpPr>
+          <p:nvPr/>
+        </p:nvCxnSpPr>
+        <p:spPr>
+          <a:xfrm flipH="1">
+            <a:off x="5530787" y="3514561"/>
+            <a:ext cx="3071674" cy="0"/>
+          </a:xfrm>
+          <a:prstGeom prst="line">
+            <a:avLst/>
+          </a:prstGeom>
+        </p:spPr>
+        <p:style>
+          <a:lnRef idx="1">
+            <a:schemeClr val="dk1"/>
+          </a:lnRef>
+          <a:fillRef idx="0">
+            <a:schemeClr val="dk1"/>
+          </a:fillRef>
+          <a:effectRef idx="0">
+            <a:schemeClr val="dk1"/>
+          </a:effectRef>
+          <a:fontRef idx="minor">
+            <a:schemeClr val="tx1"/>
+          </a:fontRef>
+        </p:style>
+      </p:cxnSp>
+      <p:cxnSp>
+        <p:nvCxnSpPr>
+          <p:cNvPr id="17" name="Straight Connector 16">
+            <a:extLst>
+              <a:ext uri="{FF2B5EF4-FFF2-40B4-BE49-F238E27FC236}">
+                <a16:creationId xmlns:a16="http://schemas.microsoft.com/office/drawing/2014/main" id="{971DD357-7F45-AE55-7630-BF9151FBF51A}"/>
+              </a:ext>
+            </a:extLst>
+          </p:cNvPr>
+          <p:cNvCxnSpPr>
+            <a:cxnSpLocks/>
+            <a:stCxn id="7" idx="2"/>
+            <a:endCxn id="7" idx="0"/>
+          </p:cNvCxnSpPr>
+          <p:nvPr/>
+        </p:nvCxnSpPr>
+        <p:spPr>
+          <a:xfrm flipV="1">
+            <a:off x="7066624" y="2706693"/>
+            <a:ext cx="0" cy="1615735"/>
+          </a:xfrm>
+          <a:prstGeom prst="line">
+            <a:avLst/>
+          </a:prstGeom>
+        </p:spPr>
+        <p:style>
+          <a:lnRef idx="1">
+            <a:schemeClr val="accent1"/>
+          </a:lnRef>
+          <a:fillRef idx="0">
+            <a:schemeClr val="accent1"/>
+          </a:fillRef>
+          <a:effectRef idx="0">
+            <a:schemeClr val="accent1"/>
+          </a:effectRef>
+          <a:fontRef idx="minor">
+            <a:schemeClr val="tx1"/>
+          </a:fontRef>
+        </p:style>
+      </p:cxnSp>
+      <p:cxnSp>
+        <p:nvCxnSpPr>
+          <p:cNvPr id="21" name="Straight Connector 20">
+            <a:extLst>
+              <a:ext uri="{FF2B5EF4-FFF2-40B4-BE49-F238E27FC236}">
+                <a16:creationId xmlns:a16="http://schemas.microsoft.com/office/drawing/2014/main" id="{975DFBD1-DF0E-49AF-32BD-283ECEA9F4DB}"/>
+              </a:ext>
+            </a:extLst>
+          </p:cNvPr>
+          <p:cNvCxnSpPr>
+            <a:cxnSpLocks/>
+            <a:stCxn id="7" idx="2"/>
+            <a:endCxn id="7" idx="0"/>
+          </p:cNvCxnSpPr>
+          <p:nvPr/>
+        </p:nvCxnSpPr>
+        <p:spPr>
+          <a:xfrm flipV="1">
+            <a:off x="7066624" y="2706693"/>
+            <a:ext cx="0" cy="1615735"/>
+          </a:xfrm>
+          <a:prstGeom prst="line">
+            <a:avLst/>
+          </a:prstGeom>
+        </p:spPr>
+        <p:style>
+          <a:lnRef idx="1">
+            <a:schemeClr val="dk1"/>
+          </a:lnRef>
+          <a:fillRef idx="0">
+            <a:schemeClr val="dk1"/>
+          </a:fillRef>
+          <a:effectRef idx="0">
+            <a:schemeClr val="dk1"/>
+          </a:effectRef>
+          <a:fontRef idx="minor">
+            <a:schemeClr val="tx1"/>
+          </a:fontRef>
+        </p:style>
+      </p:cxnSp>
+      <p:sp>
+        <p:nvSpPr>
+          <p:cNvPr id="24" name="TextBox 23">
+            <a:extLst>
+              <a:ext uri="{FF2B5EF4-FFF2-40B4-BE49-F238E27FC236}">
+                <a16:creationId xmlns:a16="http://schemas.microsoft.com/office/drawing/2014/main" id="{4D26C8D0-6DFD-568D-094B-53CD6C434F38}"/>
               </a:ext>
             </a:extLst>
           </p:cNvPr>
@@ -22512,7 +22819,7 @@
         </p:nvSpPr>
         <p:spPr>
           <a:xfrm>
-            <a:off x="8877681" y="4640677"/>
+            <a:off x="5770495" y="2955267"/>
             <a:ext cx="2831966" cy="369332"/>
           </a:xfrm>
           <a:prstGeom prst="rect">
@@ -22528,7 +22835,150 @@
           <a:p>
             <a:r>
               <a:rPr lang="en-US" dirty="0"/>
+              <a:t>12759                    4375</a:t>
+            </a:r>
+          </a:p>
+        </p:txBody>
+      </p:sp>
+      <p:sp>
+        <p:nvSpPr>
+          <p:cNvPr id="28" name="TextBox 27">
+            <a:extLst>
+              <a:ext uri="{FF2B5EF4-FFF2-40B4-BE49-F238E27FC236}">
+                <a16:creationId xmlns:a16="http://schemas.microsoft.com/office/drawing/2014/main" id="{CB327ECC-0A97-EE6D-CD83-B0F4B89817A8}"/>
+              </a:ext>
+            </a:extLst>
+          </p:cNvPr>
+          <p:cNvSpPr txBox="1"/>
+          <p:nvPr/>
+        </p:nvSpPr>
+        <p:spPr>
+          <a:xfrm>
+            <a:off x="5712796" y="3766423"/>
+            <a:ext cx="2831966" cy="369332"/>
+          </a:xfrm>
+          <a:prstGeom prst="rect">
+            <a:avLst/>
+          </a:prstGeom>
+          <a:noFill/>
+        </p:spPr>
+        <p:txBody>
+          <a:bodyPr wrap="square" rtlCol="0">
+            <a:spAutoFit/>
+          </a:bodyPr>
+          <a:lstStyle/>
+          <a:p>
+            <a:r>
+              <a:rPr lang="en-US" dirty="0"/>
               <a:t>   440                     2426</a:t>
+            </a:r>
+          </a:p>
+        </p:txBody>
+      </p:sp>
+      <p:sp>
+        <p:nvSpPr>
+          <p:cNvPr id="29" name="TextBox 28">
+            <a:extLst>
+              <a:ext uri="{FF2B5EF4-FFF2-40B4-BE49-F238E27FC236}">
+                <a16:creationId xmlns:a16="http://schemas.microsoft.com/office/drawing/2014/main" id="{5C666DF6-76D7-46E6-7185-0428120AB28F}"/>
+              </a:ext>
+            </a:extLst>
+          </p:cNvPr>
+          <p:cNvSpPr txBox="1"/>
+          <p:nvPr/>
+        </p:nvSpPr>
+        <p:spPr>
+          <a:xfrm>
+            <a:off x="6059014" y="2057714"/>
+            <a:ext cx="2485748" cy="369332"/>
+          </a:xfrm>
+          <a:prstGeom prst="rect">
+            <a:avLst/>
+          </a:prstGeom>
+          <a:noFill/>
+        </p:spPr>
+        <p:txBody>
+          <a:bodyPr wrap="square" rtlCol="0">
+            <a:spAutoFit/>
+          </a:bodyPr>
+          <a:lstStyle/>
+          <a:p>
+            <a:r>
+              <a:rPr lang="en-US" b="1" dirty="0">
+                <a:solidFill>
+                  <a:schemeClr val="bg1"/>
+                </a:solidFill>
+              </a:rPr>
+              <a:t>Confusion Matrix</a:t>
+            </a:r>
+          </a:p>
+        </p:txBody>
+      </p:sp>
+      <p:sp>
+        <p:nvSpPr>
+          <p:cNvPr id="34" name="TextBox 33">
+            <a:extLst>
+              <a:ext uri="{FF2B5EF4-FFF2-40B4-BE49-F238E27FC236}">
+                <a16:creationId xmlns:a16="http://schemas.microsoft.com/office/drawing/2014/main" id="{B9B80916-1DE0-9A97-8F3B-27BEEF02FF83}"/>
+              </a:ext>
+            </a:extLst>
+          </p:cNvPr>
+          <p:cNvSpPr txBox="1"/>
+          <p:nvPr/>
+        </p:nvSpPr>
+        <p:spPr>
+          <a:xfrm>
+            <a:off x="1494790" y="2787964"/>
+            <a:ext cx="2894121" cy="1200329"/>
+          </a:xfrm>
+          <a:prstGeom prst="rect">
+            <a:avLst/>
+          </a:prstGeom>
+          <a:noFill/>
+        </p:spPr>
+        <p:txBody>
+          <a:bodyPr wrap="square" rtlCol="0">
+            <a:spAutoFit/>
+          </a:bodyPr>
+          <a:lstStyle/>
+          <a:p>
+            <a:r>
+              <a:rPr lang="en-US" dirty="0">
+                <a:solidFill>
+                  <a:schemeClr val="bg1"/>
+                </a:solidFill>
+              </a:rPr>
+              <a:t>True Negatives(TN): 12759</a:t>
+            </a:r>
+          </a:p>
+          <a:p>
+            <a:r>
+              <a:rPr lang="en-US" dirty="0">
+                <a:solidFill>
+                  <a:schemeClr val="bg1"/>
+                </a:solidFill>
+              </a:rPr>
+              <a:t>True Positives(TP): 2426</a:t>
+            </a:r>
+          </a:p>
+          <a:p>
+            <a:r>
+              <a:rPr lang="en-US" dirty="0">
+                <a:solidFill>
+                  <a:schemeClr val="bg1"/>
+                </a:solidFill>
+              </a:rPr>
+              <a:t>False Negatives(FN): 440</a:t>
+            </a:r>
+          </a:p>
+          <a:p>
+            <a:r>
+              <a:rPr lang="en-US" dirty="0">
+                <a:solidFill>
+                  <a:schemeClr val="bg1"/>
+                </a:solidFill>
+              </a:rPr>
+              <a:t>False Positives(FP): 4375</a:t>
             </a:r>
           </a:p>
         </p:txBody>
@@ -22536,7 +22986,7 @@
     </p:spTree>
     <p:extLst>
       <p:ext uri="{BB962C8B-B14F-4D97-AF65-F5344CB8AC3E}">
-        <p14:creationId xmlns:p14="http://schemas.microsoft.com/office/powerpoint/2010/main" val="972980028"/>
+        <p14:creationId xmlns:p14="http://schemas.microsoft.com/office/powerpoint/2010/main" val="2051584230"/>
       </p:ext>
     </p:extLst>
   </p:cSld>
@@ -22629,37 +23079,25 @@
           <a:p>
             <a:r>
               <a:rPr lang="en-US" dirty="0"/>
-              <a:t>2 – Feature Engineering</a:t>
+              <a:t>1 – Exploratory Data Analysis</a:t>
             </a:r>
           </a:p>
           <a:p>
             <a:r>
               <a:rPr lang="en-US" dirty="0"/>
-              <a:t>	- Take the logarithm of Heavy Tailed distribution attributes before scaling.</a:t>
+              <a:t>	- Convert RGB columns to colors and figure out if there is a correlation between purchases and colors</a:t>
             </a:r>
           </a:p>
           <a:p>
             <a:r>
               <a:rPr lang="en-US" dirty="0"/>
-              <a:t>	- Get the top purchased items for each country, Get the most important customer in each country.</a:t>
+              <a:t>	- Use unsupervised visualization techniques to identify clusters in the data.</a:t>
             </a:r>
           </a:p>
           <a:p>
             <a:r>
               <a:rPr lang="en-US" dirty="0"/>
-              <a:t>	-  Encode style column to ordinal encoder</a:t>
-            </a:r>
-          </a:p>
-          <a:p>
-            <a:r>
-              <a:rPr lang="en-US" dirty="0"/>
-              <a:t>	-  Better Feature Selection </a:t>
-            </a:r>
-          </a:p>
-          <a:p>
-            <a:r>
-              <a:rPr lang="en-US" dirty="0"/>
-              <a:t>	-  Write function for all data transformations</a:t>
+              <a:t>	- Use Time-series Analysis</a:t>
             </a:r>
           </a:p>
         </p:txBody>
@@ -22900,7 +23338,7 @@
     </p:spTree>
     <p:extLst>
       <p:ext uri="{BB962C8B-B14F-4D97-AF65-F5344CB8AC3E}">
-        <p14:creationId xmlns:p14="http://schemas.microsoft.com/office/powerpoint/2010/main" val="1383837218"/>
+        <p14:creationId xmlns:p14="http://schemas.microsoft.com/office/powerpoint/2010/main" val="972980028"/>
       </p:ext>
     </p:extLst>
   </p:cSld>
@@ -22993,45 +23431,33 @@
           <a:p>
             <a:r>
               <a:rPr lang="en-US" dirty="0"/>
-              <a:t>3 – Model Building</a:t>
+              <a:t>2 – Feature Engineering</a:t>
             </a:r>
           </a:p>
           <a:p>
             <a:r>
               <a:rPr lang="en-US" dirty="0"/>
-              <a:t>	-  Try Random over sampling and compare it with Smote over sampling </a:t>
+              <a:t>	- Take the logarithm of Heavy Tailed distribution attributes before scaling.</a:t>
             </a:r>
           </a:p>
           <a:p>
             <a:r>
               <a:rPr lang="en-US" dirty="0"/>
-              <a:t>	-  Try different ensemble methods.</a:t>
-            </a:r>
-          </a:p>
-          <a:p>
+              <a:t>	- Try </a:t>
+            </a:r>
+            <a:r>
+              <a:rPr lang="en-US" dirty="0" err="1"/>
+              <a:t>RobustScaler</a:t>
+            </a:r>
             <a:r>
               <a:rPr lang="en-US" dirty="0"/>
-              <a:t>	-  Try PCA with the best model </a:t>
+              <a:t> with Heavy Tailed attributes.</a:t>
             </a:r>
           </a:p>
           <a:p>
             <a:r>
               <a:rPr lang="en-US" dirty="0"/>
-              <a:t>	-  Analyze the best models and their errors, feature </a:t>
-            </a:r>
-            <a:r>
-              <a:rPr lang="en-US" dirty="0" err="1"/>
-              <a:t>importances</a:t>
-            </a:r>
-            <a:r>
-              <a:rPr lang="en-US" dirty="0"/>
-              <a:t> and remove useless features</a:t>
-            </a:r>
-          </a:p>
-          <a:p>
-            <a:r>
-              <a:rPr lang="en-US" dirty="0"/>
-              <a:t>	-  Write function for all data transformations</a:t>
+              <a:t>	-  Encode style column to ordinal encoder</a:t>
             </a:r>
           </a:p>
         </p:txBody>
@@ -23272,7 +23698,7 @@
     </p:spTree>
     <p:extLst>
       <p:ext uri="{BB962C8B-B14F-4D97-AF65-F5344CB8AC3E}">
-        <p14:creationId xmlns:p14="http://schemas.microsoft.com/office/powerpoint/2010/main" val="215693461"/>
+        <p14:creationId xmlns:p14="http://schemas.microsoft.com/office/powerpoint/2010/main" val="1383837218"/>
       </p:ext>
     </p:extLst>
   </p:cSld>
@@ -23355,8 +23781,8 @@
         </p:nvSpPr>
         <p:spPr>
           <a:xfrm>
-            <a:off x="952500" y="2286001"/>
-            <a:ext cx="10410917" cy="2708598"/>
+            <a:off x="763480" y="2286001"/>
+            <a:ext cx="10599938" cy="3972756"/>
           </a:xfrm>
         </p:spPr>
         <p:txBody>
@@ -23371,39 +23797,31 @@
           <a:p>
             <a:r>
               <a:rPr lang="en-US" dirty="0"/>
-              <a:t>	-  Try Random over sampling and compare it with Smote over sampling </a:t>
+              <a:t>	- Try Random over sampling and compare it with Smote over sampling</a:t>
             </a:r>
           </a:p>
           <a:p>
             <a:r>
               <a:rPr lang="en-US" dirty="0"/>
-              <a:t>	-  Try different ensemble methods.</a:t>
+              <a:t>	- Try different ensemble methods like voting classifier or gradient boosting </a:t>
             </a:r>
           </a:p>
           <a:p>
             <a:r>
               <a:rPr lang="en-US" dirty="0"/>
-              <a:t>	-  Try PCA with the best model </a:t>
+              <a:t>	- Try PCA with the best model </a:t>
             </a:r>
           </a:p>
           <a:p>
             <a:r>
               <a:rPr lang="en-US" dirty="0"/>
-              <a:t>	-  Analyze the best models and their errors, feature </a:t>
-            </a:r>
-            <a:r>
-              <a:rPr lang="en-US" dirty="0" err="1"/>
-              <a:t>importances</a:t>
-            </a:r>
+              <a:t>	- Analyze the best models and their errors </a:t>
+            </a:r>
+          </a:p>
+          <a:p>
             <a:r>
               <a:rPr lang="en-US" dirty="0"/>
-              <a:t> and remove useless features</a:t>
-            </a:r>
-          </a:p>
-          <a:p>
-            <a:r>
-              <a:rPr lang="en-US" dirty="0"/>
-              <a:t>	-  Write function for all data transformations</a:t>
+              <a:t>		- using feature importance's to identify useless features , remove them and retrain the model. </a:t>
             </a:r>
           </a:p>
         </p:txBody>
@@ -23727,8 +24145,8 @@
         </p:nvSpPr>
         <p:spPr>
           <a:xfrm>
-            <a:off x="952500" y="2286001"/>
-            <a:ext cx="10410917" cy="2708598"/>
+            <a:off x="952500" y="2286000"/>
+            <a:ext cx="10410917" cy="4046219"/>
           </a:xfrm>
         </p:spPr>
         <p:txBody>
@@ -23743,22 +24161,38 @@
           <a:p>
             <a:r>
               <a:rPr lang="en-US" dirty="0"/>
-              <a:t>	- Refactor the code into proper scripts instead of notebooks</a:t>
+              <a:t>	- Write Function for the whole data transformations we applied, to easily clean and prepare any new data instances:</a:t>
             </a:r>
           </a:p>
           <a:p>
             <a:r>
               <a:rPr lang="en-US" dirty="0"/>
-              <a:t>	- Build an API to receive data, do the whole process of preprocessing, transformation and </a:t>
-            </a:r>
-            <a:r>
-              <a:rPr lang="en-US"/>
-              <a:t>return prediction</a:t>
-            </a:r>
-            <a:endParaRPr lang="en-US" dirty="0"/>
-          </a:p>
-          <a:p>
-            <a:endParaRPr lang="en-US" dirty="0"/>
+              <a:t>		- Feature Pipeline </a:t>
+            </a:r>
+          </a:p>
+          <a:p>
+            <a:r>
+              <a:rPr lang="en-US" dirty="0"/>
+              <a:t>		- Training Pipeline </a:t>
+            </a:r>
+          </a:p>
+          <a:p>
+            <a:r>
+              <a:rPr lang="en-US" dirty="0"/>
+              <a:t>		- Inference Pipeline</a:t>
+            </a:r>
+          </a:p>
+          <a:p>
+            <a:r>
+              <a:rPr lang="en-US" dirty="0"/>
+              <a:t>	- Refactor the code into proper scripts, instead of notebooks .</a:t>
+            </a:r>
+          </a:p>
+          <a:p>
+            <a:r>
+              <a:rPr lang="en-US" dirty="0"/>
+              <a:t>	- Build an API to receive data and predict the outcome.</a:t>
+            </a:r>
           </a:p>
         </p:txBody>
       </p:sp>

--- a/Sport Wear Group Analytics.pptx
+++ b/Sport Wear Group Analytics.pptx
@@ -5,10 +5,10 @@
     <p:sldMasterId id="2147483658" r:id="rId4"/>
   </p:sldMasterIdLst>
   <p:notesMasterIdLst>
-    <p:notesMasterId r:id="rId40"/>
+    <p:notesMasterId r:id="rId39"/>
   </p:notesMasterIdLst>
   <p:handoutMasterIdLst>
-    <p:handoutMasterId r:id="rId41"/>
+    <p:handoutMasterId r:id="rId40"/>
   </p:handoutMasterIdLst>
   <p:sldIdLst>
     <p:sldId id="350" r:id="rId5"/>
@@ -24,28 +24,27 @@
     <p:sldId id="370" r:id="rId15"/>
     <p:sldId id="371" r:id="rId16"/>
     <p:sldId id="372" r:id="rId17"/>
-    <p:sldId id="373" r:id="rId18"/>
-    <p:sldId id="374" r:id="rId19"/>
-    <p:sldId id="376" r:id="rId20"/>
-    <p:sldId id="395" r:id="rId21"/>
-    <p:sldId id="364" r:id="rId22"/>
-    <p:sldId id="377" r:id="rId23"/>
-    <p:sldId id="378" r:id="rId24"/>
-    <p:sldId id="379" r:id="rId25"/>
-    <p:sldId id="380" r:id="rId26"/>
-    <p:sldId id="381" r:id="rId27"/>
-    <p:sldId id="382" r:id="rId28"/>
-    <p:sldId id="391" r:id="rId29"/>
-    <p:sldId id="392" r:id="rId30"/>
-    <p:sldId id="383" r:id="rId31"/>
-    <p:sldId id="393" r:id="rId32"/>
-    <p:sldId id="384" r:id="rId33"/>
-    <p:sldId id="394" r:id="rId34"/>
-    <p:sldId id="385" r:id="rId35"/>
-    <p:sldId id="387" r:id="rId36"/>
-    <p:sldId id="388" r:id="rId37"/>
-    <p:sldId id="389" r:id="rId38"/>
-    <p:sldId id="343" r:id="rId39"/>
+    <p:sldId id="374" r:id="rId18"/>
+    <p:sldId id="376" r:id="rId19"/>
+    <p:sldId id="395" r:id="rId20"/>
+    <p:sldId id="364" r:id="rId21"/>
+    <p:sldId id="377" r:id="rId22"/>
+    <p:sldId id="378" r:id="rId23"/>
+    <p:sldId id="379" r:id="rId24"/>
+    <p:sldId id="380" r:id="rId25"/>
+    <p:sldId id="381" r:id="rId26"/>
+    <p:sldId id="382" r:id="rId27"/>
+    <p:sldId id="391" r:id="rId28"/>
+    <p:sldId id="392" r:id="rId29"/>
+    <p:sldId id="383" r:id="rId30"/>
+    <p:sldId id="393" r:id="rId31"/>
+    <p:sldId id="384" r:id="rId32"/>
+    <p:sldId id="394" r:id="rId33"/>
+    <p:sldId id="385" r:id="rId34"/>
+    <p:sldId id="387" r:id="rId35"/>
+    <p:sldId id="388" r:id="rId36"/>
+    <p:sldId id="389" r:id="rId37"/>
+    <p:sldId id="343" r:id="rId38"/>
   </p:sldIdLst>
   <p:sldSz cx="12192000" cy="6858000"/>
   <p:notesSz cx="6858000" cy="9144000"/>
@@ -730,7 +729,7 @@
           <a:p>
             <a:fld id="{A89C7E07-3C67-C64C-8DA0-0404F6303970}" type="slidenum">
               <a:rPr lang="en-US" smtClean="0"/>
-              <a:t>35</a:t>
+              <a:t>34</a:t>
             </a:fld>
             <a:endParaRPr lang="en-US" dirty="0"/>
           </a:p>
@@ -14657,8 +14656,8 @@
         </p:nvSpPr>
         <p:spPr>
           <a:xfrm>
-            <a:off x="971550" y="882068"/>
-            <a:ext cx="4617626" cy="610863"/>
+            <a:off x="971549" y="882068"/>
+            <a:ext cx="4763425" cy="610863"/>
           </a:xfrm>
         </p:spPr>
         <p:txBody>
@@ -14893,7 +14892,7 @@
         <p:spPr>
           <a:xfrm>
             <a:off x="971550" y="2262883"/>
-            <a:ext cx="4408318" cy="3578624"/>
+            <a:ext cx="3905250" cy="3578624"/>
           </a:xfrm>
         </p:spPr>
         <p:txBody>
@@ -14914,17 +14913,17 @@
                   </a:schemeClr>
                 </a:solidFill>
               </a:rPr>
-              <a:t>Training category has the highest number of purchases, followed by Football Generic, Running.</a:t>
+              <a:t>The Most Purchases is done in regular size, followed by wide and slim sizes.</a:t>
             </a:r>
           </a:p>
         </p:txBody>
       </p:sp>
       <p:pic>
         <p:nvPicPr>
-          <p:cNvPr id="4" name="Picture 3" descr="A graph of different colored rectangular objects&#10;&#10;Description automatically generated with medium confidence">
-            <a:extLst>
-              <a:ext uri="{FF2B5EF4-FFF2-40B4-BE49-F238E27FC236}">
-                <a16:creationId xmlns:a16="http://schemas.microsoft.com/office/drawing/2014/main" id="{C5E40F59-0DF6-5DF7-F4D5-81B7E94A7ACC}"/>
+          <p:cNvPr id="5" name="Picture 4" descr="A graph of a bar chart&#10;&#10;Description automatically generated with medium confidence">
+            <a:extLst>
+              <a:ext uri="{FF2B5EF4-FFF2-40B4-BE49-F238E27FC236}">
+                <a16:creationId xmlns:a16="http://schemas.microsoft.com/office/drawing/2014/main" id="{E599259B-F636-B153-0FE8-F53308FDF30B}"/>
               </a:ext>
             </a:extLst>
           </p:cNvPr>
@@ -14947,8 +14946,8 @@
         </p:blipFill>
         <p:spPr>
           <a:xfrm>
-            <a:off x="6018434" y="1583736"/>
-            <a:ext cx="5800093" cy="4572009"/>
+            <a:off x="5197621" y="1695634"/>
+            <a:ext cx="6761839" cy="4572009"/>
           </a:xfrm>
           <a:prstGeom prst="rect">
             <a:avLst/>
@@ -14958,7 +14957,7 @@
     </p:spTree>
     <p:extLst>
       <p:ext uri="{BB962C8B-B14F-4D97-AF65-F5344CB8AC3E}">
-        <p14:creationId xmlns:p14="http://schemas.microsoft.com/office/powerpoint/2010/main" val="1018687019"/>
+        <p14:creationId xmlns:p14="http://schemas.microsoft.com/office/powerpoint/2010/main" val="1384503317"/>
       </p:ext>
     </p:extLst>
   </p:cSld>
@@ -15003,8 +15002,8 @@
         </p:nvSpPr>
         <p:spPr>
           <a:xfrm>
-            <a:off x="971549" y="882068"/>
-            <a:ext cx="4763425" cy="610863"/>
+            <a:off x="971550" y="882068"/>
+            <a:ext cx="4617626" cy="610863"/>
           </a:xfrm>
         </p:spPr>
         <p:txBody>
@@ -15238,8 +15237,8 @@
         </p:nvSpPr>
         <p:spPr>
           <a:xfrm>
-            <a:off x="971550" y="2262883"/>
-            <a:ext cx="3905250" cy="3578624"/>
+            <a:off x="878889" y="2262883"/>
+            <a:ext cx="3997911" cy="3578624"/>
           </a:xfrm>
         </p:spPr>
         <p:txBody>
@@ -15260,17 +15259,17 @@
                   </a:schemeClr>
                 </a:solidFill>
               </a:rPr>
-              <a:t>The Most Purchases is done in regular size, followed by wide and slim sizes.</a:t>
+              <a:t>The number of sales increases with higher discounts on products</a:t>
             </a:r>
           </a:p>
         </p:txBody>
       </p:sp>
       <p:pic>
         <p:nvPicPr>
-          <p:cNvPr id="5" name="Picture 4" descr="A graph of a bar chart&#10;&#10;Description automatically generated with medium confidence">
-            <a:extLst>
-              <a:ext uri="{FF2B5EF4-FFF2-40B4-BE49-F238E27FC236}">
-                <a16:creationId xmlns:a16="http://schemas.microsoft.com/office/drawing/2014/main" id="{E599259B-F636-B153-0FE8-F53308FDF30B}"/>
+          <p:cNvPr id="5" name="Picture 4" descr="A graph of sales&#10;&#10;Description automatically generated">
+            <a:extLst>
+              <a:ext uri="{FF2B5EF4-FFF2-40B4-BE49-F238E27FC236}">
+                <a16:creationId xmlns:a16="http://schemas.microsoft.com/office/drawing/2014/main" id="{1C3F0DF3-2791-1370-12D8-50581DEEA7B8}"/>
               </a:ext>
             </a:extLst>
           </p:cNvPr>
@@ -15293,8 +15292,8 @@
         </p:blipFill>
         <p:spPr>
           <a:xfrm>
-            <a:off x="5197621" y="1695634"/>
-            <a:ext cx="6761839" cy="4572009"/>
+            <a:off x="5589176" y="1838725"/>
+            <a:ext cx="6229351" cy="4572009"/>
           </a:xfrm>
           <a:prstGeom prst="rect">
             <a:avLst/>
@@ -15304,7 +15303,7 @@
     </p:spTree>
     <p:extLst>
       <p:ext uri="{BB962C8B-B14F-4D97-AF65-F5344CB8AC3E}">
-        <p14:creationId xmlns:p14="http://schemas.microsoft.com/office/powerpoint/2010/main" val="1384503317"/>
+        <p14:creationId xmlns:p14="http://schemas.microsoft.com/office/powerpoint/2010/main" val="834763527"/>
       </p:ext>
     </p:extLst>
   </p:cSld>
@@ -15596,6 +15595,11 @@
               <a:rPr lang="en-US" dirty="0"/>
               <a:t>Conclusion:</a:t>
             </a:r>
+            <a:endParaRPr lang="en-US" dirty="0">
+              <a:solidFill>
+                <a:schemeClr val="bg1"/>
+              </a:solidFill>
+            </a:endParaRPr>
           </a:p>
           <a:p>
             <a:r>
@@ -15606,17 +15610,29 @@
                   </a:schemeClr>
                 </a:solidFill>
               </a:rPr>
-              <a:t>The number of sales increases with higher discounts on products</a:t>
+              <a:t>Customers in Germany can pay prices that are approximately twice as expensive as those in France and Austria.</a:t>
+            </a:r>
+          </a:p>
+          <a:p>
+            <a:r>
+              <a:rPr lang="en-US" dirty="0">
+                <a:solidFill>
+                  <a:schemeClr val="bg2">
+                    <a:lumMod val="10000"/>
+                  </a:schemeClr>
+                </a:solidFill>
+              </a:rPr>
+              <a:t>We can increase purchases in both Austria and France by offering products at lower price.</a:t>
             </a:r>
           </a:p>
         </p:txBody>
       </p:sp>
       <p:pic>
         <p:nvPicPr>
-          <p:cNvPr id="5" name="Picture 4" descr="A graph of sales&#10;&#10;Description automatically generated">
-            <a:extLst>
-              <a:ext uri="{FF2B5EF4-FFF2-40B4-BE49-F238E27FC236}">
-                <a16:creationId xmlns:a16="http://schemas.microsoft.com/office/drawing/2014/main" id="{1C3F0DF3-2791-1370-12D8-50581DEEA7B8}"/>
+          <p:cNvPr id="4" name="Picture 3">
+            <a:extLst>
+              <a:ext uri="{FF2B5EF4-FFF2-40B4-BE49-F238E27FC236}">
+                <a16:creationId xmlns:a16="http://schemas.microsoft.com/office/drawing/2014/main" id="{D152FBDE-52C1-AC1E-52FB-BAB5765526B5}"/>
               </a:ext>
             </a:extLst>
           </p:cNvPr>
@@ -15626,21 +15642,45 @@
           <p:nvPr/>
         </p:nvPicPr>
         <p:blipFill>
-          <a:blip r:embed="rId2">
-            <a:extLst>
-              <a:ext uri="{28A0092B-C50C-407E-A947-70E740481C1C}">
-                <a14:useLocalDpi xmlns:a14="http://schemas.microsoft.com/office/drawing/2010/main" val="0"/>
-              </a:ext>
-            </a:extLst>
-          </a:blip>
+          <a:blip r:embed="rId2"/>
           <a:stretch>
             <a:fillRect/>
           </a:stretch>
         </p:blipFill>
         <p:spPr>
           <a:xfrm>
-            <a:off x="5589176" y="1838725"/>
-            <a:ext cx="6229351" cy="4572009"/>
+            <a:off x="6096000" y="3429000"/>
+            <a:ext cx="4924425" cy="1657350"/>
+          </a:xfrm>
+          <a:prstGeom prst="rect">
+            <a:avLst/>
+          </a:prstGeom>
+        </p:spPr>
+      </p:pic>
+      <p:pic>
+        <p:nvPicPr>
+          <p:cNvPr id="7" name="Picture 6">
+            <a:extLst>
+              <a:ext uri="{FF2B5EF4-FFF2-40B4-BE49-F238E27FC236}">
+                <a16:creationId xmlns:a16="http://schemas.microsoft.com/office/drawing/2014/main" id="{0E06FAA0-99AB-13DC-6BEE-9F72CB681467}"/>
+              </a:ext>
+            </a:extLst>
+          </p:cNvPr>
+          <p:cNvPicPr>
+            <a:picLocks noChangeAspect="1"/>
+          </p:cNvPicPr>
+          <p:nvPr/>
+        </p:nvPicPr>
+        <p:blipFill>
+          <a:blip r:embed="rId3"/>
+          <a:stretch>
+            <a:fillRect/>
+          </a:stretch>
+        </p:blipFill>
+        <p:spPr>
+          <a:xfrm>
+            <a:off x="5762357" y="1683713"/>
+            <a:ext cx="6172735" cy="1158340"/>
           </a:xfrm>
           <a:prstGeom prst="rect">
             <a:avLst/>
@@ -15650,7 +15690,7 @@
     </p:spTree>
     <p:extLst>
       <p:ext uri="{BB962C8B-B14F-4D97-AF65-F5344CB8AC3E}">
-        <p14:creationId xmlns:p14="http://schemas.microsoft.com/office/powerpoint/2010/main" val="834763527"/>
+        <p14:creationId xmlns:p14="http://schemas.microsoft.com/office/powerpoint/2010/main" val="3398597650"/>
       </p:ext>
     </p:extLst>
   </p:cSld>
@@ -15682,7 +15722,7 @@
           <p:cNvPr id="2" name="Title 1">
             <a:extLst>
               <a:ext uri="{FF2B5EF4-FFF2-40B4-BE49-F238E27FC236}">
-                <a16:creationId xmlns:a16="http://schemas.microsoft.com/office/drawing/2014/main" id="{68F0FA04-6227-9040-92A6-9514A59B8E7B}"/>
+                <a16:creationId xmlns:a16="http://schemas.microsoft.com/office/drawing/2014/main" id="{8C122DF8-59D4-D94D-8ED9-F2F319899DBF}"/>
               </a:ext>
             </a:extLst>
           </p:cNvPr>
@@ -15693,31 +15733,24 @@
             <p:ph type="title"/>
           </p:nvPr>
         </p:nvSpPr>
-        <p:spPr>
-          <a:xfrm>
-            <a:off x="971550" y="882068"/>
-            <a:ext cx="4617626" cy="610863"/>
-          </a:xfrm>
-        </p:spPr>
-        <p:txBody>
-          <a:bodyPr>
-            <a:normAutofit fontScale="90000"/>
-          </a:bodyPr>
+        <p:spPr/>
+        <p:txBody>
+          <a:bodyPr/>
           <a:lstStyle/>
           <a:p>
             <a:r>
               <a:rPr lang="en-US" dirty="0"/>
-              <a:t>Advanced Analytics</a:t>
-            </a:r>
-          </a:p>
-        </p:txBody>
-      </p:sp>
-      <p:sp>
-        <p:nvSpPr>
-          <p:cNvPr id="9" name="Slide Number Placeholder 8">
-            <a:extLst>
-              <a:ext uri="{FF2B5EF4-FFF2-40B4-BE49-F238E27FC236}">
-                <a16:creationId xmlns:a16="http://schemas.microsoft.com/office/drawing/2014/main" id="{9A5802D8-6C81-6C4F-97CF-C1F2344EE894}"/>
+              <a:t>Recommendations</a:t>
+            </a:r>
+          </a:p>
+        </p:txBody>
+      </p:sp>
+      <p:sp>
+        <p:nvSpPr>
+          <p:cNvPr id="45" name="Text Placeholder 44">
+            <a:extLst>
+              <a:ext uri="{FF2B5EF4-FFF2-40B4-BE49-F238E27FC236}">
+                <a16:creationId xmlns:a16="http://schemas.microsoft.com/office/drawing/2014/main" id="{803A1E73-C790-447A-974F-B3ADB50149F7}"/>
               </a:ext>
             </a:extLst>
           </p:cNvPr>
@@ -15725,35 +15758,27 @@
             <a:spLocks noGrp="1"/>
           </p:cNvSpPr>
           <p:nvPr>
-            <p:ph type="sldNum" sz="quarter" idx="16"/>
+            <p:ph type="body" sz="quarter" idx="12"/>
           </p:nvPr>
         </p:nvSpPr>
-        <p:spPr>
-          <a:xfrm>
-            <a:off x="971550" y="6332220"/>
-            <a:ext cx="523240" cy="247651"/>
-          </a:xfrm>
-        </p:spPr>
+        <p:spPr/>
         <p:txBody>
           <a:bodyPr/>
           <a:lstStyle/>
           <a:p>
-            <a:pPr algn="l"/>
-            <a:fld id="{294A09A9-5501-47C1-A89A-A340965A2BE2}" type="slidenum">
-              <a:rPr lang="en-US" smtClean="0"/>
-              <a:pPr algn="l"/>
-              <a:t>17</a:t>
-            </a:fld>
-            <a:endParaRPr lang="en-US" dirty="0"/>
-          </a:p>
-        </p:txBody>
-      </p:sp>
-      <p:sp>
-        <p:nvSpPr>
-          <p:cNvPr id="8" name="Footer Placeholder 7">
-            <a:extLst>
-              <a:ext uri="{FF2B5EF4-FFF2-40B4-BE49-F238E27FC236}">
-                <a16:creationId xmlns:a16="http://schemas.microsoft.com/office/drawing/2014/main" id="{2A659727-BBB9-9B49-BCA1-694F74F717C4}"/>
+            <a:r>
+              <a:rPr lang="en-US" dirty="0"/>
+              <a:t>Based on previous findings:</a:t>
+            </a:r>
+          </a:p>
+        </p:txBody>
+      </p:sp>
+      <p:sp>
+        <p:nvSpPr>
+          <p:cNvPr id="44" name="Text Placeholder 43">
+            <a:extLst>
+              <a:ext uri="{FF2B5EF4-FFF2-40B4-BE49-F238E27FC236}">
+                <a16:creationId xmlns:a16="http://schemas.microsoft.com/office/drawing/2014/main" id="{906E4DF9-127F-4650-8BAA-2521A37885B0}"/>
               </a:ext>
             </a:extLst>
           </p:cNvPr>
@@ -15761,7 +15786,537 @@
             <a:spLocks noGrp="1"/>
           </p:cNvSpPr>
           <p:nvPr>
-            <p:ph type="ftr" sz="quarter" idx="15"/>
+            <p:ph type="body" sz="quarter" idx="10"/>
+          </p:nvPr>
+        </p:nvSpPr>
+        <p:spPr>
+          <a:xfrm>
+            <a:off x="952500" y="2665781"/>
+            <a:ext cx="9416618" cy="3220114"/>
+          </a:xfrm>
+        </p:spPr>
+        <p:txBody>
+          <a:bodyPr/>
+          <a:lstStyle/>
+          <a:p>
+            <a:r>
+              <a:rPr lang="en-US" dirty="0"/>
+              <a:t>- If the </a:t>
+            </a:r>
+            <a:r>
+              <a:rPr lang="en-US" b="1" dirty="0"/>
+              <a:t>company</a:t>
+            </a:r>
+            <a:r>
+              <a:rPr lang="en-US" dirty="0"/>
+              <a:t> wants to </a:t>
+            </a:r>
+            <a:r>
+              <a:rPr lang="en-US" b="1" dirty="0"/>
+              <a:t>increase</a:t>
+            </a:r>
+            <a:r>
+              <a:rPr lang="en-US" dirty="0"/>
+              <a:t> its </a:t>
+            </a:r>
+            <a:r>
+              <a:rPr lang="en-US" b="1" dirty="0"/>
+              <a:t>sales</a:t>
+            </a:r>
+            <a:r>
+              <a:rPr lang="en-US" dirty="0"/>
+              <a:t> in </a:t>
+            </a:r>
+            <a:r>
+              <a:rPr lang="en-US" b="1" dirty="0"/>
+              <a:t>low</a:t>
+            </a:r>
+            <a:r>
+              <a:rPr lang="en-US" dirty="0"/>
+              <a:t> selling months, then It is recommended that the company focuses its </a:t>
+            </a:r>
+            <a:r>
+              <a:rPr lang="en-US" b="1" dirty="0"/>
+              <a:t>campaigns</a:t>
+            </a:r>
+            <a:r>
+              <a:rPr lang="en-US" dirty="0"/>
+              <a:t> and </a:t>
+            </a:r>
+            <a:r>
+              <a:rPr lang="en-US" b="1" dirty="0"/>
+              <a:t>promotions</a:t>
+            </a:r>
+            <a:r>
+              <a:rPr lang="en-US" dirty="0"/>
+              <a:t> during the months with the </a:t>
+            </a:r>
+            <a:r>
+              <a:rPr lang="en-US" b="1" dirty="0"/>
+              <a:t>lowest</a:t>
+            </a:r>
+            <a:r>
+              <a:rPr lang="en-US" dirty="0"/>
+              <a:t> number of sales to push these months sales higher.</a:t>
+            </a:r>
+          </a:p>
+          <a:p>
+            <a:r>
+              <a:rPr lang="en-US" dirty="0"/>
+              <a:t>- However, If the company want to increase the sales of during holiday seasons like </a:t>
+            </a:r>
+            <a:r>
+              <a:rPr lang="en-US" b="1" dirty="0"/>
+              <a:t>Christmas</a:t>
+            </a:r>
+            <a:r>
+              <a:rPr lang="en-US" dirty="0"/>
+              <a:t> and </a:t>
+            </a:r>
+            <a:r>
+              <a:rPr lang="en-US" b="1" dirty="0"/>
+              <a:t>summer,</a:t>
+            </a:r>
+            <a:r>
+              <a:rPr lang="en-US" dirty="0"/>
+              <a:t> </a:t>
+            </a:r>
+            <a:r>
+              <a:rPr lang="en-US" b="1" dirty="0"/>
+              <a:t>valentine’s day</a:t>
+            </a:r>
+            <a:r>
+              <a:rPr lang="en-US" dirty="0"/>
+              <a:t> and </a:t>
+            </a:r>
+            <a:r>
+              <a:rPr lang="en-US" b="1" dirty="0"/>
+              <a:t>black</a:t>
+            </a:r>
+            <a:r>
+              <a:rPr lang="en-US" dirty="0"/>
+              <a:t> </a:t>
+            </a:r>
+            <a:r>
+              <a:rPr lang="en-US" b="1" dirty="0"/>
+              <a:t>November, </a:t>
+            </a:r>
+            <a:r>
+              <a:rPr lang="en-US" dirty="0"/>
+              <a:t>then the company should focus its campaign during these months.</a:t>
+            </a:r>
+          </a:p>
+          <a:p>
+            <a:r>
+              <a:rPr lang="en-US" dirty="0"/>
+              <a:t>- Also, It is better to </a:t>
+            </a:r>
+            <a:r>
+              <a:rPr lang="en-US" b="1" dirty="0"/>
+              <a:t>media</a:t>
+            </a:r>
+            <a:r>
+              <a:rPr lang="en-US" dirty="0"/>
+              <a:t> </a:t>
+            </a:r>
+            <a:r>
+              <a:rPr lang="en-US" b="1" dirty="0"/>
+              <a:t>campaigns</a:t>
+            </a:r>
+            <a:r>
+              <a:rPr lang="en-US" dirty="0"/>
+              <a:t> before the </a:t>
+            </a:r>
+            <a:r>
+              <a:rPr lang="en-US" b="1" dirty="0"/>
+              <a:t>season</a:t>
+            </a:r>
+            <a:r>
+              <a:rPr lang="en-US" dirty="0"/>
+              <a:t> </a:t>
+            </a:r>
+            <a:r>
+              <a:rPr lang="en-US" b="1" dirty="0"/>
+              <a:t>start</a:t>
+            </a:r>
+            <a:r>
+              <a:rPr lang="en-US" dirty="0"/>
+              <a:t> within a </a:t>
+            </a:r>
+            <a:r>
+              <a:rPr lang="en-US" b="1" dirty="0"/>
+              <a:t>month</a:t>
+            </a:r>
+            <a:r>
+              <a:rPr lang="en-US" dirty="0"/>
+              <a:t>, to ensure the campaign is effective.</a:t>
+            </a:r>
+          </a:p>
+          <a:p>
+            <a:r>
+              <a:rPr lang="en-US" dirty="0"/>
+              <a:t>- </a:t>
+            </a:r>
+            <a:r>
+              <a:rPr lang="en-US" b="1" dirty="0"/>
+              <a:t>Focus</a:t>
+            </a:r>
+            <a:r>
+              <a:rPr lang="en-US" dirty="0"/>
+              <a:t> on </a:t>
+            </a:r>
+            <a:r>
+              <a:rPr lang="en-US" b="1" dirty="0"/>
+              <a:t>Store</a:t>
+            </a:r>
+            <a:r>
+              <a:rPr lang="en-US" dirty="0"/>
+              <a:t> </a:t>
+            </a:r>
+            <a:r>
+              <a:rPr lang="en-US" b="1" dirty="0"/>
+              <a:t>events</a:t>
+            </a:r>
+            <a:r>
+              <a:rPr lang="en-US" dirty="0"/>
+              <a:t> instead of </a:t>
+            </a:r>
+            <a:r>
+              <a:rPr lang="en-US" b="1" dirty="0"/>
+              <a:t>media</a:t>
+            </a:r>
+            <a:r>
+              <a:rPr lang="en-US" dirty="0"/>
+              <a:t> </a:t>
+            </a:r>
+            <a:r>
+              <a:rPr lang="en-US" b="1" dirty="0"/>
+              <a:t>advertisements</a:t>
+            </a:r>
+            <a:r>
+              <a:rPr lang="en-US" dirty="0"/>
+              <a:t> in </a:t>
+            </a:r>
+            <a:r>
+              <a:rPr lang="en-US" b="1" dirty="0"/>
+              <a:t>France</a:t>
+            </a:r>
+            <a:r>
+              <a:rPr lang="en-US" dirty="0"/>
+              <a:t> and try push </a:t>
+            </a:r>
+            <a:r>
+              <a:rPr lang="en-US" b="1" dirty="0"/>
+              <a:t>store</a:t>
+            </a:r>
+            <a:r>
+              <a:rPr lang="en-US" dirty="0"/>
+              <a:t> </a:t>
+            </a:r>
+            <a:r>
+              <a:rPr lang="en-US" b="1" dirty="0"/>
+              <a:t>events</a:t>
+            </a:r>
+            <a:r>
+              <a:rPr lang="en-US" dirty="0"/>
+              <a:t> into </a:t>
+            </a:r>
+            <a:r>
+              <a:rPr lang="en-US" b="1" dirty="0"/>
+              <a:t>Germany</a:t>
+            </a:r>
+            <a:r>
+              <a:rPr lang="en-US" dirty="0"/>
+              <a:t> and </a:t>
+            </a:r>
+            <a:r>
+              <a:rPr lang="en-US" b="1" dirty="0"/>
+              <a:t>Austria</a:t>
+            </a:r>
+            <a:r>
+              <a:rPr lang="en-US" dirty="0"/>
+              <a:t> to see how well it will do there.</a:t>
+            </a:r>
+          </a:p>
+          <a:p>
+            <a:r>
+              <a:rPr lang="en-US" dirty="0"/>
+              <a:t>- </a:t>
+            </a:r>
+            <a:r>
+              <a:rPr lang="en-US" dirty="0">
+                <a:solidFill>
+                  <a:schemeClr val="bg2">
+                    <a:lumMod val="10000"/>
+                  </a:schemeClr>
+                </a:solidFill>
+              </a:rPr>
+              <a:t>We can </a:t>
+            </a:r>
+            <a:r>
+              <a:rPr lang="en-US" b="1" dirty="0">
+                <a:solidFill>
+                  <a:schemeClr val="bg2">
+                    <a:lumMod val="10000"/>
+                  </a:schemeClr>
+                </a:solidFill>
+              </a:rPr>
+              <a:t>increase</a:t>
+            </a:r>
+            <a:r>
+              <a:rPr lang="en-US" dirty="0">
+                <a:solidFill>
+                  <a:schemeClr val="bg2">
+                    <a:lumMod val="10000"/>
+                  </a:schemeClr>
+                </a:solidFill>
+              </a:rPr>
+              <a:t> purchases in both </a:t>
+            </a:r>
+            <a:r>
+              <a:rPr lang="en-US" b="1" dirty="0">
+                <a:solidFill>
+                  <a:schemeClr val="bg2">
+                    <a:lumMod val="10000"/>
+                  </a:schemeClr>
+                </a:solidFill>
+              </a:rPr>
+              <a:t>Austria</a:t>
+            </a:r>
+            <a:r>
+              <a:rPr lang="en-US" dirty="0">
+                <a:solidFill>
+                  <a:schemeClr val="bg2">
+                    <a:lumMod val="10000"/>
+                  </a:schemeClr>
+                </a:solidFill>
+              </a:rPr>
+              <a:t> and </a:t>
+            </a:r>
+            <a:r>
+              <a:rPr lang="en-US" b="1" dirty="0">
+                <a:solidFill>
+                  <a:schemeClr val="bg2">
+                    <a:lumMod val="10000"/>
+                  </a:schemeClr>
+                </a:solidFill>
+              </a:rPr>
+              <a:t>France</a:t>
+            </a:r>
+            <a:r>
+              <a:rPr lang="en-US" dirty="0">
+                <a:solidFill>
+                  <a:schemeClr val="bg2">
+                    <a:lumMod val="10000"/>
+                  </a:schemeClr>
+                </a:solidFill>
+              </a:rPr>
+              <a:t> by offering products at </a:t>
+            </a:r>
+            <a:r>
+              <a:rPr lang="en-US" b="1" dirty="0">
+                <a:solidFill>
+                  <a:schemeClr val="bg2">
+                    <a:lumMod val="10000"/>
+                  </a:schemeClr>
+                </a:solidFill>
+              </a:rPr>
+              <a:t>lower</a:t>
+            </a:r>
+            <a:r>
+              <a:rPr lang="en-US" dirty="0">
+                <a:solidFill>
+                  <a:schemeClr val="bg2">
+                    <a:lumMod val="10000"/>
+                  </a:schemeClr>
+                </a:solidFill>
+              </a:rPr>
+              <a:t> </a:t>
+            </a:r>
+            <a:r>
+              <a:rPr lang="en-US" b="1" dirty="0">
+                <a:solidFill>
+                  <a:schemeClr val="bg2">
+                    <a:lumMod val="10000"/>
+                  </a:schemeClr>
+                </a:solidFill>
+              </a:rPr>
+              <a:t>price</a:t>
+            </a:r>
+            <a:r>
+              <a:rPr lang="en-US" dirty="0">
+                <a:solidFill>
+                  <a:schemeClr val="bg2">
+                    <a:lumMod val="10000"/>
+                  </a:schemeClr>
+                </a:solidFill>
+              </a:rPr>
+              <a:t>, </a:t>
+            </a:r>
+            <a:r>
+              <a:rPr lang="en-US" b="1" dirty="0">
+                <a:solidFill>
+                  <a:schemeClr val="bg2">
+                    <a:lumMod val="10000"/>
+                  </a:schemeClr>
+                </a:solidFill>
+              </a:rPr>
+              <a:t>Customers</a:t>
+            </a:r>
+            <a:r>
+              <a:rPr lang="en-US" dirty="0">
+                <a:solidFill>
+                  <a:schemeClr val="bg2">
+                    <a:lumMod val="10000"/>
+                  </a:schemeClr>
+                </a:solidFill>
+              </a:rPr>
+              <a:t> are purchasing products with </a:t>
+            </a:r>
+            <a:r>
+              <a:rPr lang="en-US" b="1" dirty="0">
+                <a:solidFill>
+                  <a:schemeClr val="bg2">
+                    <a:lumMod val="10000"/>
+                  </a:schemeClr>
+                </a:solidFill>
+              </a:rPr>
+              <a:t>low</a:t>
+            </a:r>
+            <a:r>
+              <a:rPr lang="en-US" dirty="0">
+                <a:solidFill>
+                  <a:schemeClr val="bg2">
+                    <a:lumMod val="10000"/>
+                  </a:schemeClr>
+                </a:solidFill>
+              </a:rPr>
+              <a:t> </a:t>
+            </a:r>
+            <a:r>
+              <a:rPr lang="en-US" b="1" dirty="0">
+                <a:solidFill>
+                  <a:schemeClr val="bg2">
+                    <a:lumMod val="10000"/>
+                  </a:schemeClr>
+                </a:solidFill>
+              </a:rPr>
+              <a:t>prices</a:t>
+            </a:r>
+            <a:r>
+              <a:rPr lang="en-US" dirty="0">
+                <a:solidFill>
+                  <a:schemeClr val="bg2">
+                    <a:lumMod val="10000"/>
+                  </a:schemeClr>
+                </a:solidFill>
+              </a:rPr>
+              <a:t> compared to </a:t>
+            </a:r>
+            <a:r>
+              <a:rPr lang="en-US" b="1" dirty="0">
+                <a:solidFill>
+                  <a:schemeClr val="bg2">
+                    <a:lumMod val="10000"/>
+                  </a:schemeClr>
+                </a:solidFill>
+              </a:rPr>
+              <a:t>customers</a:t>
+            </a:r>
+            <a:r>
+              <a:rPr lang="en-US" dirty="0">
+                <a:solidFill>
+                  <a:schemeClr val="bg2">
+                    <a:lumMod val="10000"/>
+                  </a:schemeClr>
+                </a:solidFill>
+              </a:rPr>
+              <a:t> in </a:t>
+            </a:r>
+            <a:r>
+              <a:rPr lang="en-US" b="1" dirty="0">
+                <a:solidFill>
+                  <a:schemeClr val="bg2">
+                    <a:lumMod val="10000"/>
+                  </a:schemeClr>
+                </a:solidFill>
+              </a:rPr>
+              <a:t>Germany</a:t>
+            </a:r>
+            <a:r>
+              <a:rPr lang="en-US" dirty="0">
+                <a:solidFill>
+                  <a:schemeClr val="bg2">
+                    <a:lumMod val="10000"/>
+                  </a:schemeClr>
+                </a:solidFill>
+              </a:rPr>
+              <a:t>.</a:t>
+            </a:r>
+          </a:p>
+          <a:p>
+            <a:endParaRPr lang="en-US" dirty="0"/>
+          </a:p>
+          <a:p>
+            <a:endParaRPr lang="en-US" dirty="0"/>
+          </a:p>
+          <a:p>
+            <a:endParaRPr lang="en-US" dirty="0"/>
+          </a:p>
+          <a:p>
+            <a:endParaRPr lang="en-US" dirty="0"/>
+          </a:p>
+        </p:txBody>
+      </p:sp>
+      <p:sp>
+        <p:nvSpPr>
+          <p:cNvPr id="5" name="Slide Number Placeholder 4">
+            <a:extLst>
+              <a:ext uri="{FF2B5EF4-FFF2-40B4-BE49-F238E27FC236}">
+                <a16:creationId xmlns:a16="http://schemas.microsoft.com/office/drawing/2014/main" id="{AB744071-0CE2-7746-9315-22EC28A0F462}"/>
+              </a:ext>
+            </a:extLst>
+          </p:cNvPr>
+          <p:cNvSpPr>
+            <a:spLocks noGrp="1"/>
+          </p:cNvSpPr>
+          <p:nvPr>
+            <p:ph type="sldNum" sz="quarter" idx="23"/>
+          </p:nvPr>
+        </p:nvSpPr>
+        <p:spPr>
+          <a:xfrm>
+            <a:off x="971550" y="6332220"/>
+            <a:ext cx="523240" cy="247651"/>
+          </a:xfrm>
+        </p:spPr>
+        <p:txBody>
+          <a:bodyPr/>
+          <a:lstStyle/>
+          <a:p>
+            <a:fld id="{294A09A9-5501-47C1-A89A-A340965A2BE2}" type="slidenum">
+              <a:rPr lang="en-US" smtClean="0"/>
+              <a:pPr/>
+              <a:t>17</a:t>
+            </a:fld>
+            <a:endParaRPr lang="en-US" dirty="0"/>
+          </a:p>
+        </p:txBody>
+      </p:sp>
+      <p:sp>
+        <p:nvSpPr>
+          <p:cNvPr id="4" name="Footer Placeholder 3">
+            <a:extLst>
+              <a:ext uri="{FF2B5EF4-FFF2-40B4-BE49-F238E27FC236}">
+                <a16:creationId xmlns:a16="http://schemas.microsoft.com/office/drawing/2014/main" id="{529E91F3-E1A0-DB4A-8CD8-D9D1AB0FFB40}"/>
+              </a:ext>
+            </a:extLst>
+          </p:cNvPr>
+          <p:cNvSpPr>
+            <a:spLocks noGrp="1"/>
+          </p:cNvSpPr>
+          <p:nvPr>
+            <p:ph type="ftr" sz="quarter" idx="22"/>
           </p:nvPr>
         </p:nvSpPr>
         <p:spPr>
@@ -15778,16 +16333,15 @@
               <a:rPr lang="en-US" dirty="0"/>
               <a:t>Annual Review</a:t>
             </a:r>
-            <a:endParaRPr lang="en-US" sz="1100" dirty="0"/>
-          </a:p>
-        </p:txBody>
-      </p:sp>
-      <p:sp>
-        <p:nvSpPr>
-          <p:cNvPr id="18" name="Date Placeholder 3">
-            <a:extLst>
-              <a:ext uri="{FF2B5EF4-FFF2-40B4-BE49-F238E27FC236}">
-                <a16:creationId xmlns:a16="http://schemas.microsoft.com/office/drawing/2014/main" id="{F81D4B1A-BE69-469D-B4E9-C605222B67FD}"/>
+          </a:p>
+        </p:txBody>
+      </p:sp>
+      <p:sp>
+        <p:nvSpPr>
+          <p:cNvPr id="16" name="Date Placeholder 3">
+            <a:extLst>
+              <a:ext uri="{FF2B5EF4-FFF2-40B4-BE49-F238E27FC236}">
+                <a16:creationId xmlns:a16="http://schemas.microsoft.com/office/drawing/2014/main" id="{5384768F-E861-44BC-9FC7-434480D365AB}"/>
               </a:ext>
             </a:extLst>
           </p:cNvPr>
@@ -15912,132 +16466,10 @@
           </a:p>
         </p:txBody>
       </p:sp>
-      <p:sp>
-        <p:nvSpPr>
-          <p:cNvPr id="13" name="Text Placeholder 12">
-            <a:extLst>
-              <a:ext uri="{FF2B5EF4-FFF2-40B4-BE49-F238E27FC236}">
-                <a16:creationId xmlns:a16="http://schemas.microsoft.com/office/drawing/2014/main" id="{F2BE3D2D-BB1F-290E-F4A5-998CFDD0A828}"/>
-              </a:ext>
-            </a:extLst>
-          </p:cNvPr>
-          <p:cNvSpPr>
-            <a:spLocks noGrp="1"/>
-          </p:cNvSpPr>
-          <p:nvPr>
-            <p:ph type="body" idx="1"/>
-          </p:nvPr>
-        </p:nvSpPr>
-        <p:spPr>
-          <a:xfrm>
-            <a:off x="878889" y="2262883"/>
-            <a:ext cx="3997911" cy="3578624"/>
-          </a:xfrm>
-        </p:spPr>
-        <p:txBody>
-          <a:bodyPr/>
-          <a:lstStyle/>
-          <a:p>
-            <a:r>
-              <a:rPr lang="en-US" dirty="0"/>
-              <a:t>Conclusion:</a:t>
-            </a:r>
-            <a:endParaRPr lang="en-US" dirty="0">
-              <a:solidFill>
-                <a:schemeClr val="bg1"/>
-              </a:solidFill>
-            </a:endParaRPr>
-          </a:p>
-          <a:p>
-            <a:r>
-              <a:rPr lang="en-US" dirty="0">
-                <a:solidFill>
-                  <a:schemeClr val="bg2">
-                    <a:lumMod val="10000"/>
-                  </a:schemeClr>
-                </a:solidFill>
-              </a:rPr>
-              <a:t>Customers in Germany can pay prices that are approximately twice as expensive as those in France and Austria.</a:t>
-            </a:r>
-          </a:p>
-          <a:p>
-            <a:r>
-              <a:rPr lang="en-US" dirty="0">
-                <a:solidFill>
-                  <a:schemeClr val="bg2">
-                    <a:lumMod val="10000"/>
-                  </a:schemeClr>
-                </a:solidFill>
-              </a:rPr>
-              <a:t>We can increase purchases in both Austria and France by offering products at lower price.</a:t>
-            </a:r>
-          </a:p>
-        </p:txBody>
-      </p:sp>
-      <p:pic>
-        <p:nvPicPr>
-          <p:cNvPr id="4" name="Picture 3">
-            <a:extLst>
-              <a:ext uri="{FF2B5EF4-FFF2-40B4-BE49-F238E27FC236}">
-                <a16:creationId xmlns:a16="http://schemas.microsoft.com/office/drawing/2014/main" id="{D152FBDE-52C1-AC1E-52FB-BAB5765526B5}"/>
-              </a:ext>
-            </a:extLst>
-          </p:cNvPr>
-          <p:cNvPicPr>
-            <a:picLocks noChangeAspect="1"/>
-          </p:cNvPicPr>
-          <p:nvPr/>
-        </p:nvPicPr>
-        <p:blipFill>
-          <a:blip r:embed="rId2"/>
-          <a:stretch>
-            <a:fillRect/>
-          </a:stretch>
-        </p:blipFill>
-        <p:spPr>
-          <a:xfrm>
-            <a:off x="6096000" y="3429000"/>
-            <a:ext cx="4924425" cy="1657350"/>
-          </a:xfrm>
-          <a:prstGeom prst="rect">
-            <a:avLst/>
-          </a:prstGeom>
-        </p:spPr>
-      </p:pic>
-      <p:pic>
-        <p:nvPicPr>
-          <p:cNvPr id="7" name="Picture 6">
-            <a:extLst>
-              <a:ext uri="{FF2B5EF4-FFF2-40B4-BE49-F238E27FC236}">
-                <a16:creationId xmlns:a16="http://schemas.microsoft.com/office/drawing/2014/main" id="{0E06FAA0-99AB-13DC-6BEE-9F72CB681467}"/>
-              </a:ext>
-            </a:extLst>
-          </p:cNvPr>
-          <p:cNvPicPr>
-            <a:picLocks noChangeAspect="1"/>
-          </p:cNvPicPr>
-          <p:nvPr/>
-        </p:nvPicPr>
-        <p:blipFill>
-          <a:blip r:embed="rId3"/>
-          <a:stretch>
-            <a:fillRect/>
-          </a:stretch>
-        </p:blipFill>
-        <p:spPr>
-          <a:xfrm>
-            <a:off x="5762357" y="1683713"/>
-            <a:ext cx="6172735" cy="1158340"/>
-          </a:xfrm>
-          <a:prstGeom prst="rect">
-            <a:avLst/>
-          </a:prstGeom>
-        </p:spPr>
-      </p:pic>
     </p:spTree>
     <p:extLst>
       <p:ext uri="{BB962C8B-B14F-4D97-AF65-F5344CB8AC3E}">
-        <p14:creationId xmlns:p14="http://schemas.microsoft.com/office/powerpoint/2010/main" val="3398597650"/>
+        <p14:creationId xmlns:p14="http://schemas.microsoft.com/office/powerpoint/2010/main" val="643842168"/>
       </p:ext>
     </p:extLst>
   </p:cSld>
@@ -16066,10 +16498,10 @@
       </p:grpSpPr>
       <p:sp>
         <p:nvSpPr>
-          <p:cNvPr id="2" name="Title 1">
-            <a:extLst>
-              <a:ext uri="{FF2B5EF4-FFF2-40B4-BE49-F238E27FC236}">
-                <a16:creationId xmlns:a16="http://schemas.microsoft.com/office/drawing/2014/main" id="{8C122DF8-59D4-D94D-8ED9-F2F319899DBF}"/>
+          <p:cNvPr id="3" name="Title 2">
+            <a:extLst>
+              <a:ext uri="{FF2B5EF4-FFF2-40B4-BE49-F238E27FC236}">
+                <a16:creationId xmlns:a16="http://schemas.microsoft.com/office/drawing/2014/main" id="{1353F689-2E51-BF4F-AE47-7CEB7CC4C52A}"/>
               </a:ext>
             </a:extLst>
           </p:cNvPr>
@@ -16080,24 +16512,31 @@
             <p:ph type="title"/>
           </p:nvPr>
         </p:nvSpPr>
-        <p:spPr/>
-        <p:txBody>
-          <a:bodyPr/>
+        <p:spPr>
+          <a:xfrm>
+            <a:off x="971550" y="879063"/>
+            <a:ext cx="5124450" cy="610863"/>
+          </a:xfrm>
+        </p:spPr>
+        <p:txBody>
+          <a:bodyPr>
+            <a:normAutofit fontScale="90000"/>
+          </a:bodyPr>
           <a:lstStyle/>
           <a:p>
             <a:r>
               <a:rPr lang="en-US" dirty="0"/>
-              <a:t>Recommendations</a:t>
-            </a:r>
-          </a:p>
-        </p:txBody>
-      </p:sp>
-      <p:sp>
-        <p:nvSpPr>
-          <p:cNvPr id="45" name="Text Placeholder 44">
-            <a:extLst>
-              <a:ext uri="{FF2B5EF4-FFF2-40B4-BE49-F238E27FC236}">
-                <a16:creationId xmlns:a16="http://schemas.microsoft.com/office/drawing/2014/main" id="{803A1E73-C790-447A-974F-B3ADB50149F7}"/>
+              <a:t>Data Science Process</a:t>
+            </a:r>
+          </a:p>
+        </p:txBody>
+      </p:sp>
+      <p:sp>
+        <p:nvSpPr>
+          <p:cNvPr id="7" name="Slide Number Placeholder 6">
+            <a:extLst>
+              <a:ext uri="{FF2B5EF4-FFF2-40B4-BE49-F238E27FC236}">
+                <a16:creationId xmlns:a16="http://schemas.microsoft.com/office/drawing/2014/main" id="{F37669F0-EA6D-6B46-AF0E-A9C2D1F223DB}"/>
               </a:ext>
             </a:extLst>
           </p:cNvPr>
@@ -16105,530 +16544,7 @@
             <a:spLocks noGrp="1"/>
           </p:cNvSpPr>
           <p:nvPr>
-            <p:ph type="body" sz="quarter" idx="12"/>
-          </p:nvPr>
-        </p:nvSpPr>
-        <p:spPr/>
-        <p:txBody>
-          <a:bodyPr/>
-          <a:lstStyle/>
-          <a:p>
-            <a:r>
-              <a:rPr lang="en-US" dirty="0"/>
-              <a:t>Based on previous findings:</a:t>
-            </a:r>
-          </a:p>
-        </p:txBody>
-      </p:sp>
-      <p:sp>
-        <p:nvSpPr>
-          <p:cNvPr id="44" name="Text Placeholder 43">
-            <a:extLst>
-              <a:ext uri="{FF2B5EF4-FFF2-40B4-BE49-F238E27FC236}">
-                <a16:creationId xmlns:a16="http://schemas.microsoft.com/office/drawing/2014/main" id="{906E4DF9-127F-4650-8BAA-2521A37885B0}"/>
-              </a:ext>
-            </a:extLst>
-          </p:cNvPr>
-          <p:cNvSpPr>
-            <a:spLocks noGrp="1"/>
-          </p:cNvSpPr>
-          <p:nvPr>
-            <p:ph type="body" sz="quarter" idx="10"/>
-          </p:nvPr>
-        </p:nvSpPr>
-        <p:spPr>
-          <a:xfrm>
-            <a:off x="952500" y="2665781"/>
-            <a:ext cx="9416618" cy="3220114"/>
-          </a:xfrm>
-        </p:spPr>
-        <p:txBody>
-          <a:bodyPr/>
-          <a:lstStyle/>
-          <a:p>
-            <a:r>
-              <a:rPr lang="en-US" dirty="0"/>
-              <a:t>- If the </a:t>
-            </a:r>
-            <a:r>
-              <a:rPr lang="en-US" b="1" dirty="0"/>
-              <a:t>company</a:t>
-            </a:r>
-            <a:r>
-              <a:rPr lang="en-US" dirty="0"/>
-              <a:t> wants to </a:t>
-            </a:r>
-            <a:r>
-              <a:rPr lang="en-US" b="1" dirty="0"/>
-              <a:t>increase</a:t>
-            </a:r>
-            <a:r>
-              <a:rPr lang="en-US" dirty="0"/>
-              <a:t> its </a:t>
-            </a:r>
-            <a:r>
-              <a:rPr lang="en-US" b="1" dirty="0"/>
-              <a:t>sales</a:t>
-            </a:r>
-            <a:r>
-              <a:rPr lang="en-US" dirty="0"/>
-              <a:t> in </a:t>
-            </a:r>
-            <a:r>
-              <a:rPr lang="en-US" b="1" dirty="0"/>
-              <a:t>low</a:t>
-            </a:r>
-            <a:r>
-              <a:rPr lang="en-US" dirty="0"/>
-              <a:t> selling months, then It is recommended that the company focuses its </a:t>
-            </a:r>
-            <a:r>
-              <a:rPr lang="en-US" b="1" dirty="0"/>
-              <a:t>campaigns</a:t>
-            </a:r>
-            <a:r>
-              <a:rPr lang="en-US" dirty="0"/>
-              <a:t> and </a:t>
-            </a:r>
-            <a:r>
-              <a:rPr lang="en-US" b="1" dirty="0"/>
-              <a:t>promotions</a:t>
-            </a:r>
-            <a:r>
-              <a:rPr lang="en-US" dirty="0"/>
-              <a:t> during the months with the </a:t>
-            </a:r>
-            <a:r>
-              <a:rPr lang="en-US" b="1" dirty="0"/>
-              <a:t>lowest</a:t>
-            </a:r>
-            <a:r>
-              <a:rPr lang="en-US" dirty="0"/>
-              <a:t> number of sales to push these months sales higher.</a:t>
-            </a:r>
-          </a:p>
-          <a:p>
-            <a:r>
-              <a:rPr lang="en-US" dirty="0"/>
-              <a:t>- However, If the company want to increase the sales of during holiday seasons like </a:t>
-            </a:r>
-            <a:r>
-              <a:rPr lang="en-US" b="1" dirty="0"/>
-              <a:t>Christmas</a:t>
-            </a:r>
-            <a:r>
-              <a:rPr lang="en-US" dirty="0"/>
-              <a:t> and </a:t>
-            </a:r>
-            <a:r>
-              <a:rPr lang="en-US" b="1" dirty="0"/>
-              <a:t>summer,</a:t>
-            </a:r>
-            <a:r>
-              <a:rPr lang="en-US" dirty="0"/>
-              <a:t> </a:t>
-            </a:r>
-            <a:r>
-              <a:rPr lang="en-US" b="1" dirty="0"/>
-              <a:t>valentine’s day</a:t>
-            </a:r>
-            <a:r>
-              <a:rPr lang="en-US" dirty="0"/>
-              <a:t> and </a:t>
-            </a:r>
-            <a:r>
-              <a:rPr lang="en-US" b="1" dirty="0"/>
-              <a:t>black</a:t>
-            </a:r>
-            <a:r>
-              <a:rPr lang="en-US" dirty="0"/>
-              <a:t> </a:t>
-            </a:r>
-            <a:r>
-              <a:rPr lang="en-US" b="1" dirty="0"/>
-              <a:t>November, </a:t>
-            </a:r>
-            <a:r>
-              <a:rPr lang="en-US" dirty="0"/>
-              <a:t>then the company should focus its campaign during these months.</a:t>
-            </a:r>
-          </a:p>
-          <a:p>
-            <a:r>
-              <a:rPr lang="en-US" dirty="0"/>
-              <a:t>- Also, It is better to </a:t>
-            </a:r>
-            <a:r>
-              <a:rPr lang="en-US" b="1" dirty="0"/>
-              <a:t>media</a:t>
-            </a:r>
-            <a:r>
-              <a:rPr lang="en-US" dirty="0"/>
-              <a:t> </a:t>
-            </a:r>
-            <a:r>
-              <a:rPr lang="en-US" b="1" dirty="0"/>
-              <a:t>campaigns</a:t>
-            </a:r>
-            <a:r>
-              <a:rPr lang="en-US" dirty="0"/>
-              <a:t> before the </a:t>
-            </a:r>
-            <a:r>
-              <a:rPr lang="en-US" b="1" dirty="0"/>
-              <a:t>season</a:t>
-            </a:r>
-            <a:r>
-              <a:rPr lang="en-US" dirty="0"/>
-              <a:t> </a:t>
-            </a:r>
-            <a:r>
-              <a:rPr lang="en-US" b="1" dirty="0"/>
-              <a:t>start</a:t>
-            </a:r>
-            <a:r>
-              <a:rPr lang="en-US" dirty="0"/>
-              <a:t> within a </a:t>
-            </a:r>
-            <a:r>
-              <a:rPr lang="en-US" b="1" dirty="0"/>
-              <a:t>month</a:t>
-            </a:r>
-            <a:r>
-              <a:rPr lang="en-US" dirty="0"/>
-              <a:t>, to ensure the campaign is effective.</a:t>
-            </a:r>
-          </a:p>
-          <a:p>
-            <a:r>
-              <a:rPr lang="en-US" dirty="0"/>
-              <a:t>- </a:t>
-            </a:r>
-            <a:r>
-              <a:rPr lang="en-US" b="1" dirty="0"/>
-              <a:t>Focus</a:t>
-            </a:r>
-            <a:r>
-              <a:rPr lang="en-US" dirty="0"/>
-              <a:t> on </a:t>
-            </a:r>
-            <a:r>
-              <a:rPr lang="en-US" b="1" dirty="0"/>
-              <a:t>Store</a:t>
-            </a:r>
-            <a:r>
-              <a:rPr lang="en-US" dirty="0"/>
-              <a:t> </a:t>
-            </a:r>
-            <a:r>
-              <a:rPr lang="en-US" b="1" dirty="0"/>
-              <a:t>events</a:t>
-            </a:r>
-            <a:r>
-              <a:rPr lang="en-US" dirty="0"/>
-              <a:t> instead of </a:t>
-            </a:r>
-            <a:r>
-              <a:rPr lang="en-US" b="1" dirty="0"/>
-              <a:t>media</a:t>
-            </a:r>
-            <a:r>
-              <a:rPr lang="en-US" dirty="0"/>
-              <a:t> </a:t>
-            </a:r>
-            <a:r>
-              <a:rPr lang="en-US" b="1" dirty="0"/>
-              <a:t>advertisements</a:t>
-            </a:r>
-            <a:r>
-              <a:rPr lang="en-US" dirty="0"/>
-              <a:t> in </a:t>
-            </a:r>
-            <a:r>
-              <a:rPr lang="en-US" b="1" dirty="0"/>
-              <a:t>France</a:t>
-            </a:r>
-            <a:r>
-              <a:rPr lang="en-US" dirty="0"/>
-              <a:t> and try push </a:t>
-            </a:r>
-            <a:r>
-              <a:rPr lang="en-US" b="1" dirty="0"/>
-              <a:t>store</a:t>
-            </a:r>
-            <a:r>
-              <a:rPr lang="en-US" dirty="0"/>
-              <a:t> </a:t>
-            </a:r>
-            <a:r>
-              <a:rPr lang="en-US" b="1" dirty="0"/>
-              <a:t>events</a:t>
-            </a:r>
-            <a:r>
-              <a:rPr lang="en-US" dirty="0"/>
-              <a:t> into </a:t>
-            </a:r>
-            <a:r>
-              <a:rPr lang="en-US" b="1" dirty="0"/>
-              <a:t>Germany</a:t>
-            </a:r>
-            <a:r>
-              <a:rPr lang="en-US" dirty="0"/>
-              <a:t> and </a:t>
-            </a:r>
-            <a:r>
-              <a:rPr lang="en-US" b="1" dirty="0"/>
-              <a:t>Austria</a:t>
-            </a:r>
-            <a:r>
-              <a:rPr lang="en-US" dirty="0"/>
-              <a:t> to see how well it will do there.</a:t>
-            </a:r>
-          </a:p>
-          <a:p>
-            <a:r>
-              <a:rPr lang="en-US" dirty="0"/>
-              <a:t>- </a:t>
-            </a:r>
-            <a:r>
-              <a:rPr lang="en-US" dirty="0">
-                <a:solidFill>
-                  <a:schemeClr val="bg2">
-                    <a:lumMod val="10000"/>
-                  </a:schemeClr>
-                </a:solidFill>
-              </a:rPr>
-              <a:t>We can </a:t>
-            </a:r>
-            <a:r>
-              <a:rPr lang="en-US" b="1" dirty="0">
-                <a:solidFill>
-                  <a:schemeClr val="bg2">
-                    <a:lumMod val="10000"/>
-                  </a:schemeClr>
-                </a:solidFill>
-              </a:rPr>
-              <a:t>increase</a:t>
-            </a:r>
-            <a:r>
-              <a:rPr lang="en-US" dirty="0">
-                <a:solidFill>
-                  <a:schemeClr val="bg2">
-                    <a:lumMod val="10000"/>
-                  </a:schemeClr>
-                </a:solidFill>
-              </a:rPr>
-              <a:t> purchases in both </a:t>
-            </a:r>
-            <a:r>
-              <a:rPr lang="en-US" b="1" dirty="0">
-                <a:solidFill>
-                  <a:schemeClr val="bg2">
-                    <a:lumMod val="10000"/>
-                  </a:schemeClr>
-                </a:solidFill>
-              </a:rPr>
-              <a:t>Austria</a:t>
-            </a:r>
-            <a:r>
-              <a:rPr lang="en-US" dirty="0">
-                <a:solidFill>
-                  <a:schemeClr val="bg2">
-                    <a:lumMod val="10000"/>
-                  </a:schemeClr>
-                </a:solidFill>
-              </a:rPr>
-              <a:t> and </a:t>
-            </a:r>
-            <a:r>
-              <a:rPr lang="en-US" b="1" dirty="0">
-                <a:solidFill>
-                  <a:schemeClr val="bg2">
-                    <a:lumMod val="10000"/>
-                  </a:schemeClr>
-                </a:solidFill>
-              </a:rPr>
-              <a:t>France</a:t>
-            </a:r>
-            <a:r>
-              <a:rPr lang="en-US" dirty="0">
-                <a:solidFill>
-                  <a:schemeClr val="bg2">
-                    <a:lumMod val="10000"/>
-                  </a:schemeClr>
-                </a:solidFill>
-              </a:rPr>
-              <a:t> by offering products at </a:t>
-            </a:r>
-            <a:r>
-              <a:rPr lang="en-US" b="1" dirty="0">
-                <a:solidFill>
-                  <a:schemeClr val="bg2">
-                    <a:lumMod val="10000"/>
-                  </a:schemeClr>
-                </a:solidFill>
-              </a:rPr>
-              <a:t>lower</a:t>
-            </a:r>
-            <a:r>
-              <a:rPr lang="en-US" dirty="0">
-                <a:solidFill>
-                  <a:schemeClr val="bg2">
-                    <a:lumMod val="10000"/>
-                  </a:schemeClr>
-                </a:solidFill>
-              </a:rPr>
-              <a:t> </a:t>
-            </a:r>
-            <a:r>
-              <a:rPr lang="en-US" b="1" dirty="0">
-                <a:solidFill>
-                  <a:schemeClr val="bg2">
-                    <a:lumMod val="10000"/>
-                  </a:schemeClr>
-                </a:solidFill>
-              </a:rPr>
-              <a:t>price</a:t>
-            </a:r>
-            <a:r>
-              <a:rPr lang="en-US" dirty="0">
-                <a:solidFill>
-                  <a:schemeClr val="bg2">
-                    <a:lumMod val="10000"/>
-                  </a:schemeClr>
-                </a:solidFill>
-              </a:rPr>
-              <a:t>, </a:t>
-            </a:r>
-            <a:r>
-              <a:rPr lang="en-US" b="1" dirty="0">
-                <a:solidFill>
-                  <a:schemeClr val="bg2">
-                    <a:lumMod val="10000"/>
-                  </a:schemeClr>
-                </a:solidFill>
-              </a:rPr>
-              <a:t>Customers</a:t>
-            </a:r>
-            <a:r>
-              <a:rPr lang="en-US" dirty="0">
-                <a:solidFill>
-                  <a:schemeClr val="bg2">
-                    <a:lumMod val="10000"/>
-                  </a:schemeClr>
-                </a:solidFill>
-              </a:rPr>
-              <a:t> are purchasing products with </a:t>
-            </a:r>
-            <a:r>
-              <a:rPr lang="en-US" b="1" dirty="0">
-                <a:solidFill>
-                  <a:schemeClr val="bg2">
-                    <a:lumMod val="10000"/>
-                  </a:schemeClr>
-                </a:solidFill>
-              </a:rPr>
-              <a:t>low</a:t>
-            </a:r>
-            <a:r>
-              <a:rPr lang="en-US" dirty="0">
-                <a:solidFill>
-                  <a:schemeClr val="bg2">
-                    <a:lumMod val="10000"/>
-                  </a:schemeClr>
-                </a:solidFill>
-              </a:rPr>
-              <a:t> </a:t>
-            </a:r>
-            <a:r>
-              <a:rPr lang="en-US" b="1" dirty="0">
-                <a:solidFill>
-                  <a:schemeClr val="bg2">
-                    <a:lumMod val="10000"/>
-                  </a:schemeClr>
-                </a:solidFill>
-              </a:rPr>
-              <a:t>prices</a:t>
-            </a:r>
-            <a:r>
-              <a:rPr lang="en-US" dirty="0">
-                <a:solidFill>
-                  <a:schemeClr val="bg2">
-                    <a:lumMod val="10000"/>
-                  </a:schemeClr>
-                </a:solidFill>
-              </a:rPr>
-              <a:t> compared to </a:t>
-            </a:r>
-            <a:r>
-              <a:rPr lang="en-US" b="1" dirty="0">
-                <a:solidFill>
-                  <a:schemeClr val="bg2">
-                    <a:lumMod val="10000"/>
-                  </a:schemeClr>
-                </a:solidFill>
-              </a:rPr>
-              <a:t>customers</a:t>
-            </a:r>
-            <a:r>
-              <a:rPr lang="en-US" dirty="0">
-                <a:solidFill>
-                  <a:schemeClr val="bg2">
-                    <a:lumMod val="10000"/>
-                  </a:schemeClr>
-                </a:solidFill>
-              </a:rPr>
-              <a:t> in </a:t>
-            </a:r>
-            <a:r>
-              <a:rPr lang="en-US" b="1" dirty="0">
-                <a:solidFill>
-                  <a:schemeClr val="bg2">
-                    <a:lumMod val="10000"/>
-                  </a:schemeClr>
-                </a:solidFill>
-              </a:rPr>
-              <a:t>Germany</a:t>
-            </a:r>
-            <a:r>
-              <a:rPr lang="en-US" dirty="0">
-                <a:solidFill>
-                  <a:schemeClr val="bg2">
-                    <a:lumMod val="10000"/>
-                  </a:schemeClr>
-                </a:solidFill>
-              </a:rPr>
-              <a:t>.</a:t>
-            </a:r>
-          </a:p>
-          <a:p>
-            <a:endParaRPr lang="en-US" dirty="0"/>
-          </a:p>
-          <a:p>
-            <a:endParaRPr lang="en-US" dirty="0"/>
-          </a:p>
-          <a:p>
-            <a:endParaRPr lang="en-US" dirty="0"/>
-          </a:p>
-          <a:p>
-            <a:endParaRPr lang="en-US" dirty="0"/>
-          </a:p>
-        </p:txBody>
-      </p:sp>
-      <p:sp>
-        <p:nvSpPr>
-          <p:cNvPr id="5" name="Slide Number Placeholder 4">
-            <a:extLst>
-              <a:ext uri="{FF2B5EF4-FFF2-40B4-BE49-F238E27FC236}">
-                <a16:creationId xmlns:a16="http://schemas.microsoft.com/office/drawing/2014/main" id="{AB744071-0CE2-7746-9315-22EC28A0F462}"/>
-              </a:ext>
-            </a:extLst>
-          </p:cNvPr>
-          <p:cNvSpPr>
-            <a:spLocks noGrp="1"/>
-          </p:cNvSpPr>
-          <p:nvPr>
-            <p:ph type="sldNum" sz="quarter" idx="23"/>
+            <p:ph type="sldNum" sz="quarter" idx="16"/>
           </p:nvPr>
         </p:nvSpPr>
         <p:spPr>
@@ -16652,10 +16568,10 @@
       </p:sp>
       <p:sp>
         <p:nvSpPr>
-          <p:cNvPr id="4" name="Footer Placeholder 3">
-            <a:extLst>
-              <a:ext uri="{FF2B5EF4-FFF2-40B4-BE49-F238E27FC236}">
-                <a16:creationId xmlns:a16="http://schemas.microsoft.com/office/drawing/2014/main" id="{529E91F3-E1A0-DB4A-8CD8-D9D1AB0FFB40}"/>
+          <p:cNvPr id="6" name="Footer Placeholder 5">
+            <a:extLst>
+              <a:ext uri="{FF2B5EF4-FFF2-40B4-BE49-F238E27FC236}">
+                <a16:creationId xmlns:a16="http://schemas.microsoft.com/office/drawing/2014/main" id="{66F3960A-D260-8445-A153-0B674474CEBD}"/>
               </a:ext>
             </a:extLst>
           </p:cNvPr>
@@ -16663,7 +16579,7 @@
             <a:spLocks noGrp="1"/>
           </p:cNvSpPr>
           <p:nvPr>
-            <p:ph type="ftr" sz="quarter" idx="22"/>
+            <p:ph type="ftr" sz="quarter" idx="15"/>
           </p:nvPr>
         </p:nvSpPr>
         <p:spPr>
@@ -16683,12 +16599,48 @@
           </a:p>
         </p:txBody>
       </p:sp>
-      <p:sp>
-        <p:nvSpPr>
-          <p:cNvPr id="16" name="Date Placeholder 3">
-            <a:extLst>
-              <a:ext uri="{FF2B5EF4-FFF2-40B4-BE49-F238E27FC236}">
-                <a16:creationId xmlns:a16="http://schemas.microsoft.com/office/drawing/2014/main" id="{5384768F-E861-44BC-9FC7-434480D365AB}"/>
+      <p:pic>
+        <p:nvPicPr>
+          <p:cNvPr id="53" name="Picture Placeholder 52" descr="Hanging Lightbulbs">
+            <a:extLst>
+              <a:ext uri="{FF2B5EF4-FFF2-40B4-BE49-F238E27FC236}">
+                <a16:creationId xmlns:a16="http://schemas.microsoft.com/office/drawing/2014/main" id="{CAC9EF15-08A3-406D-9236-76A5454D5F8A}"/>
+              </a:ext>
+            </a:extLst>
+          </p:cNvPr>
+          <p:cNvPicPr>
+            <a:picLocks noGrp="1" noChangeAspect="1"/>
+          </p:cNvPicPr>
+          <p:nvPr>
+            <p:ph type="pic" sz="quarter" idx="13"/>
+          </p:nvPr>
+        </p:nvPicPr>
+        <p:blipFill>
+          <a:blip r:embed="rId2">
+            <a:extLst>
+              <a:ext uri="{28A0092B-C50C-407E-A947-70E740481C1C}">
+                <a14:useLocalDpi xmlns:a14="http://schemas.microsoft.com/office/drawing/2010/main" val="0"/>
+              </a:ext>
+            </a:extLst>
+          </a:blip>
+          <a:srcRect/>
+          <a:stretch>
+            <a:fillRect/>
+          </a:stretch>
+        </p:blipFill>
+        <p:spPr>
+          <a:xfrm>
+            <a:off x="6258756" y="-22543"/>
+            <a:ext cx="5933243" cy="6903086"/>
+          </a:xfrm>
+        </p:spPr>
+      </p:pic>
+      <p:sp>
+        <p:nvSpPr>
+          <p:cNvPr id="8" name="Date Placeholder 3">
+            <a:extLst>
+              <a:ext uri="{FF2B5EF4-FFF2-40B4-BE49-F238E27FC236}">
+                <a16:creationId xmlns:a16="http://schemas.microsoft.com/office/drawing/2014/main" id="{2DAD51F7-3210-479B-ADF0-963FBC7E32BD}"/>
               </a:ext>
             </a:extLst>
           </p:cNvPr>
@@ -16816,7 +16768,7 @@
     </p:spTree>
     <p:extLst>
       <p:ext uri="{BB962C8B-B14F-4D97-AF65-F5344CB8AC3E}">
-        <p14:creationId xmlns:p14="http://schemas.microsoft.com/office/powerpoint/2010/main" val="643842168"/>
+        <p14:creationId xmlns:p14="http://schemas.microsoft.com/office/powerpoint/2010/main" val="4072338393"/>
       </p:ext>
     </p:extLst>
   </p:cSld>
@@ -16845,10 +16797,10 @@
       </p:grpSpPr>
       <p:sp>
         <p:nvSpPr>
-          <p:cNvPr id="3" name="Title 2">
-            <a:extLst>
-              <a:ext uri="{FF2B5EF4-FFF2-40B4-BE49-F238E27FC236}">
-                <a16:creationId xmlns:a16="http://schemas.microsoft.com/office/drawing/2014/main" id="{1353F689-2E51-BF4F-AE47-7CEB7CC4C52A}"/>
+          <p:cNvPr id="2" name="Title 1">
+            <a:extLst>
+              <a:ext uri="{FF2B5EF4-FFF2-40B4-BE49-F238E27FC236}">
+                <a16:creationId xmlns:a16="http://schemas.microsoft.com/office/drawing/2014/main" id="{8C122DF8-59D4-D94D-8ED9-F2F319899DBF}"/>
               </a:ext>
             </a:extLst>
           </p:cNvPr>
@@ -16859,31 +16811,24 @@
             <p:ph type="title"/>
           </p:nvPr>
         </p:nvSpPr>
-        <p:spPr>
-          <a:xfrm>
-            <a:off x="971550" y="879063"/>
-            <a:ext cx="5124450" cy="610863"/>
-          </a:xfrm>
-        </p:spPr>
-        <p:txBody>
-          <a:bodyPr>
-            <a:normAutofit fontScale="90000"/>
-          </a:bodyPr>
+        <p:spPr/>
+        <p:txBody>
+          <a:bodyPr/>
           <a:lstStyle/>
           <a:p>
             <a:r>
               <a:rPr lang="en-US" dirty="0"/>
-              <a:t>Data Science Process</a:t>
-            </a:r>
-          </a:p>
-        </p:txBody>
-      </p:sp>
-      <p:sp>
-        <p:nvSpPr>
-          <p:cNvPr id="7" name="Slide Number Placeholder 6">
-            <a:extLst>
-              <a:ext uri="{FF2B5EF4-FFF2-40B4-BE49-F238E27FC236}">
-                <a16:creationId xmlns:a16="http://schemas.microsoft.com/office/drawing/2014/main" id="{F37669F0-EA6D-6B46-AF0E-A9C2D1F223DB}"/>
+              <a:t>Pipeline</a:t>
+            </a:r>
+          </a:p>
+        </p:txBody>
+      </p:sp>
+      <p:sp>
+        <p:nvSpPr>
+          <p:cNvPr id="44" name="Text Placeholder 43">
+            <a:extLst>
+              <a:ext uri="{FF2B5EF4-FFF2-40B4-BE49-F238E27FC236}">
+                <a16:creationId xmlns:a16="http://schemas.microsoft.com/office/drawing/2014/main" id="{906E4DF9-127F-4650-8BAA-2521A37885B0}"/>
               </a:ext>
             </a:extLst>
           </p:cNvPr>
@@ -16891,7 +16836,94 @@
             <a:spLocks noGrp="1"/>
           </p:cNvSpPr>
           <p:nvPr>
-            <p:ph type="sldNum" sz="quarter" idx="16"/>
+            <p:ph type="body" sz="quarter" idx="10"/>
+          </p:nvPr>
+        </p:nvSpPr>
+        <p:spPr>
+          <a:xfrm>
+            <a:off x="952500" y="2166151"/>
+            <a:ext cx="9416618" cy="2228296"/>
+          </a:xfrm>
+        </p:spPr>
+        <p:txBody>
+          <a:bodyPr/>
+          <a:lstStyle/>
+          <a:p>
+            <a:r>
+              <a:rPr lang="en-US" b="1" dirty="0">
+                <a:solidFill>
+                  <a:schemeClr val="tx2"/>
+                </a:solidFill>
+              </a:rPr>
+              <a:t>1- Frame the Business Problem</a:t>
+            </a:r>
+          </a:p>
+          <a:p>
+            <a:r>
+              <a:rPr lang="en-US" b="1" dirty="0">
+                <a:solidFill>
+                  <a:schemeClr val="tx2"/>
+                </a:solidFill>
+              </a:rPr>
+              <a:t>2- Data Understanding</a:t>
+            </a:r>
+          </a:p>
+          <a:p>
+            <a:r>
+              <a:rPr lang="en-US" b="1" dirty="0">
+                <a:solidFill>
+                  <a:schemeClr val="tx2"/>
+                </a:solidFill>
+              </a:rPr>
+              <a:t>3- Data preprocessing</a:t>
+            </a:r>
+          </a:p>
+          <a:p>
+            <a:r>
+              <a:rPr lang="en-US" b="1" dirty="0">
+                <a:solidFill>
+                  <a:schemeClr val="tx2"/>
+                </a:solidFill>
+              </a:rPr>
+              <a:t>4- Exploratory Data Analysis</a:t>
+            </a:r>
+          </a:p>
+          <a:p>
+            <a:r>
+              <a:rPr lang="en-US" b="1" dirty="0">
+                <a:solidFill>
+                  <a:schemeClr val="tx2"/>
+                </a:solidFill>
+              </a:rPr>
+              <a:t>5- Feature Engineering</a:t>
+            </a:r>
+          </a:p>
+          <a:p>
+            <a:r>
+              <a:rPr lang="en-US" b="1" dirty="0">
+                <a:solidFill>
+                  <a:schemeClr val="tx2"/>
+                </a:solidFill>
+              </a:rPr>
+              <a:t>6- Model Building</a:t>
+            </a:r>
+          </a:p>
+        </p:txBody>
+      </p:sp>
+      <p:sp>
+        <p:nvSpPr>
+          <p:cNvPr id="5" name="Slide Number Placeholder 4">
+            <a:extLst>
+              <a:ext uri="{FF2B5EF4-FFF2-40B4-BE49-F238E27FC236}">
+                <a16:creationId xmlns:a16="http://schemas.microsoft.com/office/drawing/2014/main" id="{AB744071-0CE2-7746-9315-22EC28A0F462}"/>
+              </a:ext>
+            </a:extLst>
+          </p:cNvPr>
+          <p:cNvSpPr>
+            <a:spLocks noGrp="1"/>
+          </p:cNvSpPr>
+          <p:nvPr>
+            <p:ph type="sldNum" sz="quarter" idx="23"/>
           </p:nvPr>
         </p:nvSpPr>
         <p:spPr>
@@ -16915,10 +16947,10 @@
       </p:sp>
       <p:sp>
         <p:nvSpPr>
-          <p:cNvPr id="6" name="Footer Placeholder 5">
-            <a:extLst>
-              <a:ext uri="{FF2B5EF4-FFF2-40B4-BE49-F238E27FC236}">
-                <a16:creationId xmlns:a16="http://schemas.microsoft.com/office/drawing/2014/main" id="{66F3960A-D260-8445-A153-0B674474CEBD}"/>
+          <p:cNvPr id="4" name="Footer Placeholder 3">
+            <a:extLst>
+              <a:ext uri="{FF2B5EF4-FFF2-40B4-BE49-F238E27FC236}">
+                <a16:creationId xmlns:a16="http://schemas.microsoft.com/office/drawing/2014/main" id="{529E91F3-E1A0-DB4A-8CD8-D9D1AB0FFB40}"/>
               </a:ext>
             </a:extLst>
           </p:cNvPr>
@@ -16926,7 +16958,7 @@
             <a:spLocks noGrp="1"/>
           </p:cNvSpPr>
           <p:nvPr>
-            <p:ph type="ftr" sz="quarter" idx="15"/>
+            <p:ph type="ftr" sz="quarter" idx="22"/>
           </p:nvPr>
         </p:nvSpPr>
         <p:spPr>
@@ -16946,48 +16978,12 @@
           </a:p>
         </p:txBody>
       </p:sp>
-      <p:pic>
-        <p:nvPicPr>
-          <p:cNvPr id="53" name="Picture Placeholder 52" descr="Hanging Lightbulbs">
-            <a:extLst>
-              <a:ext uri="{FF2B5EF4-FFF2-40B4-BE49-F238E27FC236}">
-                <a16:creationId xmlns:a16="http://schemas.microsoft.com/office/drawing/2014/main" id="{CAC9EF15-08A3-406D-9236-76A5454D5F8A}"/>
-              </a:ext>
-            </a:extLst>
-          </p:cNvPr>
-          <p:cNvPicPr>
-            <a:picLocks noGrp="1" noChangeAspect="1"/>
-          </p:cNvPicPr>
-          <p:nvPr>
-            <p:ph type="pic" sz="quarter" idx="13"/>
-          </p:nvPr>
-        </p:nvPicPr>
-        <p:blipFill>
-          <a:blip r:embed="rId2">
-            <a:extLst>
-              <a:ext uri="{28A0092B-C50C-407E-A947-70E740481C1C}">
-                <a14:useLocalDpi xmlns:a14="http://schemas.microsoft.com/office/drawing/2010/main" val="0"/>
-              </a:ext>
-            </a:extLst>
-          </a:blip>
-          <a:srcRect/>
-          <a:stretch>
-            <a:fillRect/>
-          </a:stretch>
-        </p:blipFill>
-        <p:spPr>
-          <a:xfrm>
-            <a:off x="6258756" y="-22543"/>
-            <a:ext cx="5933243" cy="6903086"/>
-          </a:xfrm>
-        </p:spPr>
-      </p:pic>
-      <p:sp>
-        <p:nvSpPr>
-          <p:cNvPr id="8" name="Date Placeholder 3">
-            <a:extLst>
-              <a:ext uri="{FF2B5EF4-FFF2-40B4-BE49-F238E27FC236}">
-                <a16:creationId xmlns:a16="http://schemas.microsoft.com/office/drawing/2014/main" id="{2DAD51F7-3210-479B-ADF0-963FBC7E32BD}"/>
+      <p:sp>
+        <p:nvSpPr>
+          <p:cNvPr id="16" name="Date Placeholder 3">
+            <a:extLst>
+              <a:ext uri="{FF2B5EF4-FFF2-40B4-BE49-F238E27FC236}">
+                <a16:creationId xmlns:a16="http://schemas.microsoft.com/office/drawing/2014/main" id="{5384768F-E861-44BC-9FC7-434480D365AB}"/>
               </a:ext>
             </a:extLst>
           </p:cNvPr>
@@ -17115,7 +17111,7 @@
     </p:spTree>
     <p:extLst>
       <p:ext uri="{BB962C8B-B14F-4D97-AF65-F5344CB8AC3E}">
-        <p14:creationId xmlns:p14="http://schemas.microsoft.com/office/powerpoint/2010/main" val="4072338393"/>
+        <p14:creationId xmlns:p14="http://schemas.microsoft.com/office/powerpoint/2010/main" val="1110560631"/>
       </p:ext>
     </p:extLst>
   </p:cSld>
@@ -17421,24 +17417,31 @@
             <p:ph type="title"/>
           </p:nvPr>
         </p:nvSpPr>
-        <p:spPr/>
-        <p:txBody>
-          <a:bodyPr/>
+        <p:spPr>
+          <a:xfrm>
+            <a:off x="952499" y="727969"/>
+            <a:ext cx="6309435" cy="761957"/>
+          </a:xfrm>
+        </p:spPr>
+        <p:txBody>
+          <a:bodyPr>
+            <a:noAutofit/>
+          </a:bodyPr>
           <a:lstStyle/>
           <a:p>
             <a:r>
-              <a:rPr lang="en-US" dirty="0"/>
-              <a:t>Pipeline</a:t>
-            </a:r>
-          </a:p>
-        </p:txBody>
-      </p:sp>
-      <p:sp>
-        <p:nvSpPr>
-          <p:cNvPr id="44" name="Text Placeholder 43">
-            <a:extLst>
-              <a:ext uri="{FF2B5EF4-FFF2-40B4-BE49-F238E27FC236}">
-                <a16:creationId xmlns:a16="http://schemas.microsoft.com/office/drawing/2014/main" id="{906E4DF9-127F-4650-8BAA-2521A37885B0}"/>
+              <a:rPr lang="en-US" sz="3600" dirty="0"/>
+              <a:t>Frame The business problem</a:t>
+            </a:r>
+          </a:p>
+        </p:txBody>
+      </p:sp>
+      <p:sp>
+        <p:nvSpPr>
+          <p:cNvPr id="45" name="Text Placeholder 44">
+            <a:extLst>
+              <a:ext uri="{FF2B5EF4-FFF2-40B4-BE49-F238E27FC236}">
+                <a16:creationId xmlns:a16="http://schemas.microsoft.com/office/drawing/2014/main" id="{803A1E73-C790-447A-974F-B3ADB50149F7}"/>
               </a:ext>
             </a:extLst>
           </p:cNvPr>
@@ -17446,13 +17449,13 @@
             <a:spLocks noGrp="1"/>
           </p:cNvSpPr>
           <p:nvPr>
-            <p:ph type="body" sz="quarter" idx="10"/>
+            <p:ph type="body" sz="quarter" idx="12"/>
           </p:nvPr>
         </p:nvSpPr>
         <p:spPr>
           <a:xfrm>
-            <a:off x="952500" y="2166151"/>
-            <a:ext cx="9416618" cy="2228296"/>
+            <a:off x="952500" y="2286000"/>
+            <a:ext cx="7978436" cy="3768571"/>
           </a:xfrm>
         </p:spPr>
         <p:txBody>
@@ -17460,63 +17463,39 @@
           <a:lstStyle/>
           <a:p>
             <a:r>
-              <a:rPr lang="en-US" b="1" dirty="0">
-                <a:solidFill>
-                  <a:schemeClr val="tx2"/>
-                </a:solidFill>
-              </a:rPr>
-              <a:t>1- Frame the Business Problem</a:t>
-            </a:r>
-          </a:p>
-          <a:p>
-            <a:r>
-              <a:rPr lang="en-US" b="1" dirty="0">
-                <a:solidFill>
-                  <a:schemeClr val="tx2"/>
-                </a:solidFill>
-              </a:rPr>
-              <a:t>2- Data Understanding</a:t>
-            </a:r>
-          </a:p>
-          <a:p>
-            <a:r>
-              <a:rPr lang="en-US" b="1" dirty="0">
-                <a:solidFill>
-                  <a:schemeClr val="tx2"/>
-                </a:solidFill>
-              </a:rPr>
-              <a:t>3- Data preprocessing</a:t>
-            </a:r>
-          </a:p>
-          <a:p>
-            <a:r>
-              <a:rPr lang="en-US" b="1" dirty="0">
-                <a:solidFill>
-                  <a:schemeClr val="tx2"/>
-                </a:solidFill>
-              </a:rPr>
-              <a:t>4- Exploratory Data Analysis</a:t>
-            </a:r>
-          </a:p>
-          <a:p>
-            <a:r>
-              <a:rPr lang="en-US" b="1" dirty="0">
-                <a:solidFill>
-                  <a:schemeClr val="tx2"/>
-                </a:solidFill>
-              </a:rPr>
-              <a:t>5- Feature Engineering</a:t>
-            </a:r>
-          </a:p>
-          <a:p>
-            <a:r>
-              <a:rPr lang="en-US" b="1" dirty="0">
-                <a:solidFill>
-                  <a:schemeClr val="tx2"/>
-                </a:solidFill>
-              </a:rPr>
-              <a:t>6- Model Building</a:t>
-            </a:r>
+              <a:rPr lang="en-US" dirty="0"/>
+              <a:t>Get overview of the Business</a:t>
+            </a:r>
+          </a:p>
+          <a:p>
+            <a:r>
+              <a:rPr lang="en-US" dirty="0"/>
+              <a:t>Business Objective</a:t>
+            </a:r>
+          </a:p>
+          <a:p>
+            <a:r>
+              <a:rPr lang="en-US" dirty="0"/>
+              <a:t>Current Solution</a:t>
+            </a:r>
+          </a:p>
+          <a:p>
+            <a:r>
+              <a:rPr lang="en-US" dirty="0"/>
+              <a:t>Frame the problem (supervised Binary Classification task, Imbalanced)</a:t>
+            </a:r>
+          </a:p>
+          <a:p>
+            <a:r>
+              <a:rPr lang="en-US" dirty="0"/>
+              <a:t>Performance Measure to be used</a:t>
+            </a:r>
+          </a:p>
+          <a:p>
+            <a:endParaRPr lang="en-US" dirty="0"/>
+          </a:p>
+          <a:p>
+            <a:endParaRPr lang="en-US" dirty="0"/>
           </a:p>
         </p:txBody>
       </p:sp>
@@ -17721,7 +17700,7 @@
     </p:spTree>
     <p:extLst>
       <p:ext uri="{BB962C8B-B14F-4D97-AF65-F5344CB8AC3E}">
-        <p14:creationId xmlns:p14="http://schemas.microsoft.com/office/powerpoint/2010/main" val="1110560631"/>
+        <p14:creationId xmlns:p14="http://schemas.microsoft.com/office/powerpoint/2010/main" val="1309004539"/>
       </p:ext>
     </p:extLst>
   </p:cSld>
@@ -17767,7 +17746,7 @@
         <p:spPr>
           <a:xfrm>
             <a:off x="952499" y="727969"/>
-            <a:ext cx="6309435" cy="761957"/>
+            <a:ext cx="4618584" cy="761957"/>
           </a:xfrm>
         </p:spPr>
         <p:txBody>
@@ -17778,7 +17757,7 @@
           <a:p>
             <a:r>
               <a:rPr lang="en-US" sz="3600" dirty="0"/>
-              <a:t>Frame The business problem</a:t>
+              <a:t>Data Understanding</a:t>
             </a:r>
           </a:p>
         </p:txBody>
@@ -17808,36 +17787,6 @@
         <p:txBody>
           <a:bodyPr/>
           <a:lstStyle/>
-          <a:p>
-            <a:r>
-              <a:rPr lang="en-US" dirty="0"/>
-              <a:t>Get overview of the Business</a:t>
-            </a:r>
-          </a:p>
-          <a:p>
-            <a:r>
-              <a:rPr lang="en-US" dirty="0"/>
-              <a:t>Business Objective</a:t>
-            </a:r>
-          </a:p>
-          <a:p>
-            <a:r>
-              <a:rPr lang="en-US" dirty="0"/>
-              <a:t>Current Solution</a:t>
-            </a:r>
-          </a:p>
-          <a:p>
-            <a:r>
-              <a:rPr lang="en-US" dirty="0"/>
-              <a:t>Frame the problem (supervised Binary Classification task, Imbalanced)</a:t>
-            </a:r>
-          </a:p>
-          <a:p>
-            <a:r>
-              <a:rPr lang="en-US" dirty="0"/>
-              <a:t>Performance Measure to be used</a:t>
-            </a:r>
-          </a:p>
           <a:p>
             <a:endParaRPr lang="en-US" dirty="0"/>
           </a:p>
@@ -18044,10 +17993,494 @@
           </a:p>
         </p:txBody>
       </p:sp>
+      <p:pic>
+        <p:nvPicPr>
+          <p:cNvPr id="6" name="Picture 5">
+            <a:extLst>
+              <a:ext uri="{FF2B5EF4-FFF2-40B4-BE49-F238E27FC236}">
+                <a16:creationId xmlns:a16="http://schemas.microsoft.com/office/drawing/2014/main" id="{2F1787B1-ABF3-8745-0184-B92CBD9FBD6D}"/>
+              </a:ext>
+            </a:extLst>
+          </p:cNvPr>
+          <p:cNvPicPr>
+            <a:picLocks noChangeAspect="1"/>
+          </p:cNvPicPr>
+          <p:nvPr/>
+        </p:nvPicPr>
+        <p:blipFill>
+          <a:blip r:embed="rId2"/>
+          <a:stretch>
+            <a:fillRect/>
+          </a:stretch>
+        </p:blipFill>
+        <p:spPr>
+          <a:xfrm>
+            <a:off x="6675221" y="1034449"/>
+            <a:ext cx="2255715" cy="853514"/>
+          </a:xfrm>
+          <a:prstGeom prst="rect">
+            <a:avLst/>
+          </a:prstGeom>
+        </p:spPr>
+      </p:pic>
+      <p:pic>
+        <p:nvPicPr>
+          <p:cNvPr id="8" name="Picture 7">
+            <a:extLst>
+              <a:ext uri="{FF2B5EF4-FFF2-40B4-BE49-F238E27FC236}">
+                <a16:creationId xmlns:a16="http://schemas.microsoft.com/office/drawing/2014/main" id="{2F391A3B-F100-9981-0696-B0FFA0B472FE}"/>
+              </a:ext>
+            </a:extLst>
+          </p:cNvPr>
+          <p:cNvPicPr>
+            <a:picLocks noChangeAspect="1"/>
+          </p:cNvPicPr>
+          <p:nvPr/>
+        </p:nvPicPr>
+        <p:blipFill>
+          <a:blip r:embed="rId3"/>
+          <a:stretch>
+            <a:fillRect/>
+          </a:stretch>
+        </p:blipFill>
+        <p:spPr>
+          <a:xfrm>
+            <a:off x="6497668" y="2185103"/>
+            <a:ext cx="3177815" cy="3970364"/>
+          </a:xfrm>
+          <a:prstGeom prst="rect">
+            <a:avLst/>
+          </a:prstGeom>
+        </p:spPr>
+      </p:pic>
+      <p:sp>
+        <p:nvSpPr>
+          <p:cNvPr id="3" name="TextBox 2">
+            <a:extLst>
+              <a:ext uri="{FF2B5EF4-FFF2-40B4-BE49-F238E27FC236}">
+                <a16:creationId xmlns:a16="http://schemas.microsoft.com/office/drawing/2014/main" id="{D358AFA8-0315-7C86-5221-E76E93DF1C1F}"/>
+              </a:ext>
+            </a:extLst>
+          </p:cNvPr>
+          <p:cNvSpPr txBox="1"/>
+          <p:nvPr/>
+        </p:nvSpPr>
+        <p:spPr>
+          <a:xfrm>
+            <a:off x="952498" y="2286000"/>
+            <a:ext cx="5031051" cy="3416320"/>
+          </a:xfrm>
+          <a:prstGeom prst="rect">
+            <a:avLst/>
+          </a:prstGeom>
+          <a:noFill/>
+        </p:spPr>
+        <p:txBody>
+          <a:bodyPr wrap="square" rtlCol="0">
+            <a:spAutoFit/>
+          </a:bodyPr>
+          <a:lstStyle/>
+          <a:p>
+            <a:pPr algn="l"/>
+            <a:r>
+              <a:rPr lang="en-US" i="0" dirty="0">
+                <a:solidFill>
+                  <a:schemeClr val="bg1"/>
+                </a:solidFill>
+                <a:effectLst/>
+                <a:latin typeface="-apple-system"/>
+              </a:rPr>
+              <a:t>The Dataset consists of 100000 rows and 24 columns, With no missing values and no duplicates.</a:t>
+            </a:r>
+          </a:p>
+          <a:p>
+            <a:pPr algn="l"/>
+            <a:endParaRPr lang="en-US" dirty="0">
+              <a:solidFill>
+                <a:schemeClr val="bg1"/>
+              </a:solidFill>
+              <a:latin typeface="-apple-system"/>
+              <a:cs typeface="Calibri" panose="020F0502020204030204" pitchFamily="34" charset="0"/>
+            </a:endParaRPr>
+          </a:p>
+          <a:p>
+            <a:pPr algn="l"/>
+            <a:r>
+              <a:rPr lang="en-US" i="0" dirty="0">
+                <a:solidFill>
+                  <a:schemeClr val="bg1"/>
+                </a:solidFill>
+                <a:effectLst/>
+                <a:latin typeface="Calibri" panose="020F0502020204030204" pitchFamily="34" charset="0"/>
+                <a:cs typeface="Calibri" panose="020F0502020204030204" pitchFamily="34" charset="0"/>
+              </a:rPr>
+              <a:t>The Dataset covers only 3 Countries Germany, France, Austria.</a:t>
+            </a:r>
+          </a:p>
+          <a:p>
+            <a:pPr algn="l"/>
+            <a:endParaRPr lang="en-US" i="0" dirty="0">
+              <a:solidFill>
+                <a:schemeClr val="bg1"/>
+              </a:solidFill>
+              <a:effectLst/>
+              <a:latin typeface="Calibri" panose="020F0502020204030204" pitchFamily="34" charset="0"/>
+              <a:cs typeface="Calibri" panose="020F0502020204030204" pitchFamily="34" charset="0"/>
+            </a:endParaRPr>
+          </a:p>
+          <a:p>
+            <a:pPr algn="l"/>
+            <a:r>
+              <a:rPr lang="en-US" i="0" dirty="0">
+                <a:solidFill>
+                  <a:schemeClr val="bg1"/>
+                </a:solidFill>
+                <a:effectLst/>
+                <a:latin typeface="-apple-system"/>
+              </a:rPr>
+              <a:t>The Dataset covers weekly sales happened from 28 Dec 2014 to 30 April 2017</a:t>
+            </a:r>
+          </a:p>
+          <a:p>
+            <a:pPr algn="l"/>
+            <a:endParaRPr lang="en-US" i="0" dirty="0">
+              <a:solidFill>
+                <a:schemeClr val="bg1"/>
+              </a:solidFill>
+              <a:effectLst/>
+              <a:latin typeface="-apple-system"/>
+            </a:endParaRPr>
+          </a:p>
+          <a:p>
+            <a:pPr algn="l"/>
+            <a:r>
+              <a:rPr lang="en-US" i="0" dirty="0">
+                <a:solidFill>
+                  <a:schemeClr val="bg1"/>
+                </a:solidFill>
+                <a:effectLst/>
+                <a:latin typeface="-apple-system"/>
+              </a:rPr>
+              <a:t>We are dealing with Imbalanced Dataset since, 13.9% have labels of value 1.</a:t>
+            </a:r>
+          </a:p>
+        </p:txBody>
+      </p:sp>
+      <p:sp>
+        <p:nvSpPr>
+          <p:cNvPr id="12" name="Rectangle 5">
+            <a:extLst>
+              <a:ext uri="{FF2B5EF4-FFF2-40B4-BE49-F238E27FC236}">
+                <a16:creationId xmlns:a16="http://schemas.microsoft.com/office/drawing/2014/main" id="{B23676A4-34EF-9D9F-28E1-DD228CA3F635}"/>
+              </a:ext>
+            </a:extLst>
+          </p:cNvPr>
+          <p:cNvSpPr>
+            <a:spLocks noChangeArrowheads="1"/>
+          </p:cNvSpPr>
+          <p:nvPr/>
+        </p:nvSpPr>
+        <p:spPr bwMode="auto">
+          <a:xfrm>
+            <a:off x="0" y="0"/>
+            <a:ext cx="12192000" cy="0"/>
+          </a:xfrm>
+          <a:prstGeom prst="rect">
+            <a:avLst/>
+          </a:prstGeom>
+          <a:noFill/>
+          <a:ln>
+            <a:noFill/>
+          </a:ln>
+          <a:effectLst/>
+          <a:extLst>
+            <a:ext uri="{909E8E84-426E-40DD-AFC4-6F175D3DCCD1}">
+              <a14:hiddenFill xmlns:a14="http://schemas.microsoft.com/office/drawing/2010/main">
+                <a:solidFill>
+                  <a:schemeClr val="accent1"/>
+                </a:solidFill>
+              </a14:hiddenFill>
+            </a:ext>
+            <a:ext uri="{91240B29-F687-4F45-9708-019B960494DF}">
+              <a14:hiddenLine xmlns:a14="http://schemas.microsoft.com/office/drawing/2010/main" w="9525">
+                <a:solidFill>
+                  <a:schemeClr val="tx1"/>
+                </a:solidFill>
+                <a:miter lim="800000"/>
+                <a:headEnd/>
+                <a:tailEnd/>
+              </a14:hiddenLine>
+            </a:ext>
+            <a:ext uri="{AF507438-7753-43E0-B8FC-AC1667EBCBE1}">
+              <a14:hiddenEffects xmlns:a14="http://schemas.microsoft.com/office/drawing/2010/main">
+                <a:effectLst>
+                  <a:outerShdw dist="35921" dir="2700000" algn="ctr" rotWithShape="0">
+                    <a:schemeClr val="bg2"/>
+                  </a:outerShdw>
+                </a:effectLst>
+              </a14:hiddenEffects>
+            </a:ext>
+          </a:extLst>
+        </p:spPr>
+        <p:txBody>
+          <a:bodyPr vert="horz" wrap="none" lIns="91440" tIns="0" rIns="91440" bIns="111090" numCol="1" anchor="ctr" anchorCtr="0" compatLnSpc="1">
+            <a:prstTxWarp prst="textNoShape">
+              <a:avLst/>
+            </a:prstTxWarp>
+            <a:spAutoFit/>
+          </a:bodyPr>
+          <a:lstStyle/>
+          <a:p>
+            <a:pPr marL="0" marR="0" lvl="0" indent="0" algn="l" defTabSz="914400" rtl="0" eaLnBrk="0" fontAlgn="base" latinLnBrk="0" hangingPunct="0">
+              <a:lnSpc>
+                <a:spcPct val="100000"/>
+              </a:lnSpc>
+              <a:spcBef>
+                <a:spcPct val="0"/>
+              </a:spcBef>
+              <a:spcAft>
+                <a:spcPct val="0"/>
+              </a:spcAft>
+              <a:buClrTx/>
+              <a:buSzTx/>
+              <a:buFontTx/>
+              <a:buNone/>
+              <a:tabLst/>
+            </a:pPr>
+            <a:endParaRPr kumimoji="0" lang="en-US" altLang="en-US" sz="1800" b="0" i="0" u="none" strike="noStrike" cap="none" normalizeH="0" baseline="0">
+              <a:ln>
+                <a:noFill/>
+              </a:ln>
+              <a:solidFill>
+                <a:schemeClr val="tx1"/>
+              </a:solidFill>
+              <a:effectLst/>
+              <a:latin typeface="Arial" panose="020B0604020202020204" pitchFamily="34" charset="0"/>
+            </a:endParaRPr>
+          </a:p>
+          <a:p>
+            <a:pPr marL="0" marR="0" lvl="0" indent="0" algn="l" defTabSz="914400" rtl="0" eaLnBrk="0" fontAlgn="base" latinLnBrk="0" hangingPunct="0">
+              <a:lnSpc>
+                <a:spcPct val="100000"/>
+              </a:lnSpc>
+              <a:spcBef>
+                <a:spcPct val="0"/>
+              </a:spcBef>
+              <a:spcAft>
+                <a:spcPct val="0"/>
+              </a:spcAft>
+              <a:buClrTx/>
+              <a:buSzTx/>
+              <a:buFontTx/>
+              <a:buChar char="•"/>
+              <a:tabLst/>
+            </a:pPr>
+            <a:r>
+              <a:rPr kumimoji="0" lang="en-US" altLang="en-US" sz="1000" b="0" i="0" u="none" strike="noStrike" cap="none" normalizeH="0" baseline="0">
+                <a:ln>
+                  <a:noFill/>
+                </a:ln>
+                <a:solidFill>
+                  <a:srgbClr val="CCCCCC"/>
+                </a:solidFill>
+                <a:effectLst/>
+                <a:latin typeface="-apple-system"/>
+              </a:rPr>
+              <a:t>The Dataset covers weekly sales happened from </a:t>
+            </a:r>
+            <a:r>
+              <a:rPr kumimoji="0" lang="en-US" altLang="en-US" sz="1000" b="0" i="0" u="none" strike="noStrike" cap="none" normalizeH="0" baseline="0">
+                <a:ln>
+                  <a:noFill/>
+                </a:ln>
+                <a:solidFill>
+                  <a:srgbClr val="CCCCCC"/>
+                </a:solidFill>
+                <a:effectLst/>
+                <a:latin typeface="var(--vscode-editor-font-family, &quot;SF Mono&quot;, Monaco, Menlo, Consolas, &quot;Ubuntu Mono&quot;, &quot;Liberation Mono&quot;, &quot;DejaVu Sans Mono&quot;, &quot;Courier New&quot;, monospace)"/>
+              </a:rPr>
+              <a:t>28 Dec 2014</a:t>
+            </a:r>
+            <a:r>
+              <a:rPr kumimoji="0" lang="en-US" altLang="en-US" sz="1000" b="0" i="0" u="none" strike="noStrike" cap="none" normalizeH="0" baseline="0">
+                <a:ln>
+                  <a:noFill/>
+                </a:ln>
+                <a:solidFill>
+                  <a:srgbClr val="CCCCCC"/>
+                </a:solidFill>
+                <a:effectLst/>
+                <a:latin typeface="-apple-system"/>
+              </a:rPr>
+              <a:t> to </a:t>
+            </a:r>
+            <a:r>
+              <a:rPr kumimoji="0" lang="en-US" altLang="en-US" sz="1000" b="0" i="0" u="none" strike="noStrike" cap="none" normalizeH="0" baseline="0">
+                <a:ln>
+                  <a:noFill/>
+                </a:ln>
+                <a:solidFill>
+                  <a:srgbClr val="CCCCCC"/>
+                </a:solidFill>
+                <a:effectLst/>
+                <a:latin typeface="var(--vscode-editor-font-family, &quot;SF Mono&quot;, Monaco, Menlo, Consolas, &quot;Ubuntu Mono&quot;, &quot;Liberation Mono&quot;, &quot;DejaVu Sans Mono&quot;, &quot;Courier New&quot;, monospace)"/>
+              </a:rPr>
+              <a:t>30 April 2017</a:t>
+            </a:r>
+            <a:endParaRPr kumimoji="0" lang="en-US" altLang="en-US" sz="1000" b="0" i="0" u="none" strike="noStrike" cap="none" normalizeH="0" baseline="0">
+              <a:ln>
+                <a:noFill/>
+              </a:ln>
+              <a:solidFill>
+                <a:srgbClr val="CCCCCC"/>
+              </a:solidFill>
+              <a:effectLst/>
+              <a:latin typeface="-apple-system"/>
+            </a:endParaRPr>
+          </a:p>
+          <a:p>
+            <a:pPr marL="0" marR="0" lvl="0" indent="0" algn="l" defTabSz="914400" rtl="0" eaLnBrk="0" fontAlgn="base" latinLnBrk="0" hangingPunct="0">
+              <a:lnSpc>
+                <a:spcPct val="100000"/>
+              </a:lnSpc>
+              <a:spcBef>
+                <a:spcPct val="0"/>
+              </a:spcBef>
+              <a:spcAft>
+                <a:spcPct val="0"/>
+              </a:spcAft>
+              <a:buClrTx/>
+              <a:buSzTx/>
+              <a:buFontTx/>
+              <a:buChar char="•"/>
+              <a:tabLst/>
+            </a:pPr>
+            <a:r>
+              <a:rPr kumimoji="0" lang="en-US" altLang="en-US" sz="1000" b="0" i="0" u="none" strike="noStrike" cap="none" normalizeH="0" baseline="0">
+                <a:ln>
+                  <a:noFill/>
+                </a:ln>
+                <a:solidFill>
+                  <a:srgbClr val="CCCCCC"/>
+                </a:solidFill>
+                <a:effectLst/>
+                <a:latin typeface="-apple-system"/>
+              </a:rPr>
+              <a:t>We are dealing with </a:t>
+            </a:r>
+            <a:r>
+              <a:rPr kumimoji="0" lang="en-US" altLang="en-US" sz="1000" b="1" i="0" u="none" strike="noStrike" cap="none" normalizeH="0" baseline="0">
+                <a:ln>
+                  <a:noFill/>
+                </a:ln>
+                <a:solidFill>
+                  <a:srgbClr val="CCCCCC"/>
+                </a:solidFill>
+                <a:effectLst/>
+                <a:latin typeface="-apple-system"/>
+              </a:rPr>
+              <a:t>Imbalnced Dataset</a:t>
+            </a:r>
+            <a:r>
+              <a:rPr kumimoji="0" lang="en-US" altLang="en-US" sz="1000" b="0" i="0" u="none" strike="noStrike" cap="none" normalizeH="0" baseline="0">
+                <a:ln>
+                  <a:noFill/>
+                </a:ln>
+                <a:solidFill>
+                  <a:srgbClr val="CCCCCC"/>
+                </a:solidFill>
+                <a:effectLst/>
+                <a:latin typeface="-apple-system"/>
+              </a:rPr>
+              <a:t> since, </a:t>
+            </a:r>
+            <a:r>
+              <a:rPr kumimoji="0" lang="en-US" altLang="en-US" sz="1000" b="0" i="0" u="none" strike="noStrike" cap="none" normalizeH="0" baseline="0">
+                <a:ln>
+                  <a:noFill/>
+                </a:ln>
+                <a:solidFill>
+                  <a:srgbClr val="CCCCCC"/>
+                </a:solidFill>
+                <a:effectLst/>
+                <a:latin typeface="var(--vscode-editor-font-family, &quot;SF Mono&quot;, Monaco, Menlo, Consolas, &quot;Ubuntu Mono&quot;, &quot;Liberation Mono&quot;, &quot;DejaVu Sans Mono&quot;, &quot;Courier New&quot;, monospace)"/>
+              </a:rPr>
+              <a:t>13.9%</a:t>
+            </a:r>
+            <a:r>
+              <a:rPr kumimoji="0" lang="en-US" altLang="en-US" sz="1000" b="0" i="0" u="none" strike="noStrike" cap="none" normalizeH="0" baseline="0">
+                <a:ln>
+                  <a:noFill/>
+                </a:ln>
+                <a:solidFill>
+                  <a:srgbClr val="CCCCCC"/>
+                </a:solidFill>
+                <a:effectLst/>
+                <a:latin typeface="-apple-system"/>
+              </a:rPr>
+              <a:t> have labels of value </a:t>
+            </a:r>
+            <a:r>
+              <a:rPr kumimoji="0" lang="en-US" altLang="en-US" sz="1000" b="0" i="0" u="none" strike="noStrike" cap="none" normalizeH="0" baseline="0">
+                <a:ln>
+                  <a:noFill/>
+                </a:ln>
+                <a:solidFill>
+                  <a:srgbClr val="CCCCCC"/>
+                </a:solidFill>
+                <a:effectLst/>
+                <a:latin typeface="var(--vscode-editor-font-family, &quot;SF Mono&quot;, Monaco, Menlo, Consolas, &quot;Ubuntu Mono&quot;, &quot;Liberation Mono&quot;, &quot;DejaVu Sans Mono&quot;, &quot;Courier New&quot;, monospace)"/>
+              </a:rPr>
+              <a:t>1</a:t>
+            </a:r>
+            <a:r>
+              <a:rPr kumimoji="0" lang="en-US" altLang="en-US" sz="1000" b="0" i="0" u="none" strike="noStrike" cap="none" normalizeH="0" baseline="0">
+                <a:ln>
+                  <a:noFill/>
+                </a:ln>
+                <a:solidFill>
+                  <a:srgbClr val="CCCCCC"/>
+                </a:solidFill>
+                <a:effectLst/>
+                <a:latin typeface="-apple-system"/>
+              </a:rPr>
+              <a:t>.</a:t>
+            </a:r>
+          </a:p>
+          <a:p>
+            <a:pPr marL="0" marR="0" lvl="0" indent="0" algn="l" defTabSz="914400" rtl="0" eaLnBrk="0" fontAlgn="base" latinLnBrk="0" hangingPunct="0">
+              <a:lnSpc>
+                <a:spcPct val="100000"/>
+              </a:lnSpc>
+              <a:spcBef>
+                <a:spcPct val="0"/>
+              </a:spcBef>
+              <a:spcAft>
+                <a:spcPct val="0"/>
+              </a:spcAft>
+              <a:buClrTx/>
+              <a:buSzTx/>
+              <a:buFontTx/>
+              <a:buNone/>
+              <a:tabLst/>
+            </a:pPr>
+            <a:endParaRPr kumimoji="0" lang="en-US" altLang="en-US" sz="1800" b="0" i="0" u="none" strike="noStrike" cap="none" normalizeH="0" baseline="0">
+              <a:ln>
+                <a:noFill/>
+              </a:ln>
+              <a:solidFill>
+                <a:schemeClr val="tx1"/>
+              </a:solidFill>
+              <a:effectLst/>
+              <a:latin typeface="Arial" panose="020B0604020202020204" pitchFamily="34" charset="0"/>
+            </a:endParaRPr>
+          </a:p>
+        </p:txBody>
+      </p:sp>
     </p:spTree>
     <p:extLst>
       <p:ext uri="{BB962C8B-B14F-4D97-AF65-F5344CB8AC3E}">
-        <p14:creationId xmlns:p14="http://schemas.microsoft.com/office/powerpoint/2010/main" val="1309004539"/>
+        <p14:creationId xmlns:p14="http://schemas.microsoft.com/office/powerpoint/2010/main" val="321121795"/>
       </p:ext>
     </p:extLst>
   </p:cSld>
@@ -18092,8 +18525,8 @@
         </p:nvSpPr>
         <p:spPr>
           <a:xfrm>
-            <a:off x="952499" y="727969"/>
-            <a:ext cx="4618584" cy="761957"/>
+            <a:off x="971550" y="727969"/>
+            <a:ext cx="4559237" cy="761957"/>
           </a:xfrm>
         </p:spPr>
         <p:txBody>
@@ -18103,8 +18536,8 @@
           <a:lstStyle/>
           <a:p>
             <a:r>
-              <a:rPr lang="en-US" sz="3600" dirty="0"/>
-              <a:t>Data Understanding</a:t>
+              <a:rPr lang="en-US" sz="3200" dirty="0"/>
+              <a:t>Data Preprocessing</a:t>
             </a:r>
           </a:p>
         </p:txBody>
@@ -18135,7 +18568,28 @@
           <a:bodyPr/>
           <a:lstStyle/>
           <a:p>
-            <a:endParaRPr lang="en-US" dirty="0"/>
+            <a:r>
+              <a:rPr lang="en-US" dirty="0"/>
+              <a:t>1- Data Cleaning </a:t>
+            </a:r>
+          </a:p>
+          <a:p>
+            <a:r>
+              <a:rPr lang="en-US" dirty="0"/>
+              <a:t>	- Check for outliers and deal with them</a:t>
+            </a:r>
+          </a:p>
+          <a:p>
+            <a:r>
+              <a:rPr lang="en-US" dirty="0"/>
+              <a:t>	- Check for missing values( No missing values)</a:t>
+            </a:r>
+          </a:p>
+          <a:p>
+            <a:r>
+              <a:rPr lang="en-US" dirty="0"/>
+              <a:t>2- Create new features</a:t>
+            </a:r>
           </a:p>
           <a:p>
             <a:endParaRPr lang="en-US" dirty="0"/>
@@ -18342,10 +18796,10 @@
       </p:sp>
       <p:pic>
         <p:nvPicPr>
-          <p:cNvPr id="6" name="Picture 5">
-            <a:extLst>
-              <a:ext uri="{FF2B5EF4-FFF2-40B4-BE49-F238E27FC236}">
-                <a16:creationId xmlns:a16="http://schemas.microsoft.com/office/drawing/2014/main" id="{2F1787B1-ABF3-8745-0184-B92CBD9FBD6D}"/>
+          <p:cNvPr id="7" name="Picture 6">
+            <a:extLst>
+              <a:ext uri="{FF2B5EF4-FFF2-40B4-BE49-F238E27FC236}">
+                <a16:creationId xmlns:a16="http://schemas.microsoft.com/office/drawing/2014/main" id="{B2F382F8-3A5B-4D43-197E-C32378E23181}"/>
               </a:ext>
             </a:extLst>
           </p:cNvPr>
@@ -18362,8 +18816,8 @@
         </p:blipFill>
         <p:spPr>
           <a:xfrm>
-            <a:off x="6675221" y="1034449"/>
-            <a:ext cx="2255715" cy="853514"/>
+            <a:off x="1139017" y="3915526"/>
+            <a:ext cx="4294117" cy="2540519"/>
           </a:xfrm>
           <a:prstGeom prst="rect">
             <a:avLst/>
@@ -18372,10 +18826,10 @@
       </p:pic>
       <p:pic>
         <p:nvPicPr>
-          <p:cNvPr id="8" name="Picture 7">
-            <a:extLst>
-              <a:ext uri="{FF2B5EF4-FFF2-40B4-BE49-F238E27FC236}">
-                <a16:creationId xmlns:a16="http://schemas.microsoft.com/office/drawing/2014/main" id="{2F391A3B-F100-9981-0696-B0FFA0B472FE}"/>
+          <p:cNvPr id="9" name="Picture 8">
+            <a:extLst>
+              <a:ext uri="{FF2B5EF4-FFF2-40B4-BE49-F238E27FC236}">
+                <a16:creationId xmlns:a16="http://schemas.microsoft.com/office/drawing/2014/main" id="{8A41D68F-05D5-B647-7D31-439978537C18}"/>
               </a:ext>
             </a:extLst>
           </p:cNvPr>
@@ -18392,442 +18846,48 @@
         </p:blipFill>
         <p:spPr>
           <a:xfrm>
-            <a:off x="6497668" y="2185103"/>
-            <a:ext cx="3177815" cy="3970364"/>
+            <a:off x="6096000" y="803429"/>
+            <a:ext cx="5902957" cy="3152775"/>
           </a:xfrm>
           <a:prstGeom prst="rect">
             <a:avLst/>
           </a:prstGeom>
         </p:spPr>
       </p:pic>
-      <p:sp>
-        <p:nvSpPr>
-          <p:cNvPr id="3" name="TextBox 2">
-            <a:extLst>
-              <a:ext uri="{FF2B5EF4-FFF2-40B4-BE49-F238E27FC236}">
-                <a16:creationId xmlns:a16="http://schemas.microsoft.com/office/drawing/2014/main" id="{D358AFA8-0315-7C86-5221-E76E93DF1C1F}"/>
-              </a:ext>
-            </a:extLst>
-          </p:cNvPr>
-          <p:cNvSpPr txBox="1"/>
+      <p:pic>
+        <p:nvPicPr>
+          <p:cNvPr id="12" name="Picture 11">
+            <a:extLst>
+              <a:ext uri="{FF2B5EF4-FFF2-40B4-BE49-F238E27FC236}">
+                <a16:creationId xmlns:a16="http://schemas.microsoft.com/office/drawing/2014/main" id="{EA99FBA4-D9B0-AD22-CAF3-CBCF202E7632}"/>
+              </a:ext>
+            </a:extLst>
+          </p:cNvPr>
+          <p:cNvPicPr>
+            <a:picLocks noChangeAspect="1"/>
+          </p:cNvPicPr>
           <p:nvPr/>
-        </p:nvSpPr>
-        <p:spPr>
-          <a:xfrm>
-            <a:off x="952498" y="2286000"/>
-            <a:ext cx="5031051" cy="3416320"/>
+        </p:nvPicPr>
+        <p:blipFill>
+          <a:blip r:embed="rId4"/>
+          <a:stretch>
+            <a:fillRect/>
+          </a:stretch>
+        </p:blipFill>
+        <p:spPr>
+          <a:xfrm>
+            <a:off x="6095999" y="4109424"/>
+            <a:ext cx="5902958" cy="542925"/>
           </a:xfrm>
           <a:prstGeom prst="rect">
             <a:avLst/>
           </a:prstGeom>
-          <a:noFill/>
-        </p:spPr>
-        <p:txBody>
-          <a:bodyPr wrap="square" rtlCol="0">
-            <a:spAutoFit/>
-          </a:bodyPr>
-          <a:lstStyle/>
-          <a:p>
-            <a:pPr algn="l"/>
-            <a:r>
-              <a:rPr lang="en-US" i="0" dirty="0">
-                <a:solidFill>
-                  <a:schemeClr val="bg1"/>
-                </a:solidFill>
-                <a:effectLst/>
-                <a:latin typeface="-apple-system"/>
-              </a:rPr>
-              <a:t>The Dataset consists of 100000 rows and 24 columns, With no missing values and no duplicates.</a:t>
-            </a:r>
-          </a:p>
-          <a:p>
-            <a:pPr algn="l"/>
-            <a:endParaRPr lang="en-US" dirty="0">
-              <a:solidFill>
-                <a:schemeClr val="bg1"/>
-              </a:solidFill>
-              <a:latin typeface="-apple-system"/>
-              <a:cs typeface="Calibri" panose="020F0502020204030204" pitchFamily="34" charset="0"/>
-            </a:endParaRPr>
-          </a:p>
-          <a:p>
-            <a:pPr algn="l"/>
-            <a:r>
-              <a:rPr lang="en-US" i="0" dirty="0">
-                <a:solidFill>
-                  <a:schemeClr val="bg1"/>
-                </a:solidFill>
-                <a:effectLst/>
-                <a:latin typeface="Calibri" panose="020F0502020204030204" pitchFamily="34" charset="0"/>
-                <a:cs typeface="Calibri" panose="020F0502020204030204" pitchFamily="34" charset="0"/>
-              </a:rPr>
-              <a:t>The Dataset covers only 3 Countries Germany, France, Austria.</a:t>
-            </a:r>
-          </a:p>
-          <a:p>
-            <a:pPr algn="l"/>
-            <a:endParaRPr lang="en-US" i="0" dirty="0">
-              <a:solidFill>
-                <a:schemeClr val="bg1"/>
-              </a:solidFill>
-              <a:effectLst/>
-              <a:latin typeface="Calibri" panose="020F0502020204030204" pitchFamily="34" charset="0"/>
-              <a:cs typeface="Calibri" panose="020F0502020204030204" pitchFamily="34" charset="0"/>
-            </a:endParaRPr>
-          </a:p>
-          <a:p>
-            <a:pPr algn="l"/>
-            <a:r>
-              <a:rPr lang="en-US" i="0" dirty="0">
-                <a:solidFill>
-                  <a:schemeClr val="bg1"/>
-                </a:solidFill>
-                <a:effectLst/>
-                <a:latin typeface="-apple-system"/>
-              </a:rPr>
-              <a:t>The Dataset covers weekly sales happened from 28 Dec 2014 to 30 April 2017</a:t>
-            </a:r>
-          </a:p>
-          <a:p>
-            <a:pPr algn="l"/>
-            <a:endParaRPr lang="en-US" i="0" dirty="0">
-              <a:solidFill>
-                <a:schemeClr val="bg1"/>
-              </a:solidFill>
-              <a:effectLst/>
-              <a:latin typeface="-apple-system"/>
-            </a:endParaRPr>
-          </a:p>
-          <a:p>
-            <a:pPr algn="l"/>
-            <a:r>
-              <a:rPr lang="en-US" i="0" dirty="0">
-                <a:solidFill>
-                  <a:schemeClr val="bg1"/>
-                </a:solidFill>
-                <a:effectLst/>
-                <a:latin typeface="-apple-system"/>
-              </a:rPr>
-              <a:t>We are dealing with Imbalanced Dataset since, 13.9% have labels of value 1.</a:t>
-            </a:r>
-          </a:p>
-        </p:txBody>
-      </p:sp>
-      <p:sp>
-        <p:nvSpPr>
-          <p:cNvPr id="12" name="Rectangle 5">
-            <a:extLst>
-              <a:ext uri="{FF2B5EF4-FFF2-40B4-BE49-F238E27FC236}">
-                <a16:creationId xmlns:a16="http://schemas.microsoft.com/office/drawing/2014/main" id="{B23676A4-34EF-9D9F-28E1-DD228CA3F635}"/>
-              </a:ext>
-            </a:extLst>
-          </p:cNvPr>
-          <p:cNvSpPr>
-            <a:spLocks noChangeArrowheads="1"/>
-          </p:cNvSpPr>
-          <p:nvPr/>
-        </p:nvSpPr>
-        <p:spPr bwMode="auto">
-          <a:xfrm>
-            <a:off x="0" y="0"/>
-            <a:ext cx="12192000" cy="0"/>
-          </a:xfrm>
-          <a:prstGeom prst="rect">
-            <a:avLst/>
-          </a:prstGeom>
-          <a:noFill/>
-          <a:ln>
-            <a:noFill/>
-          </a:ln>
-          <a:effectLst/>
-          <a:extLst>
-            <a:ext uri="{909E8E84-426E-40DD-AFC4-6F175D3DCCD1}">
-              <a14:hiddenFill xmlns:a14="http://schemas.microsoft.com/office/drawing/2010/main">
-                <a:solidFill>
-                  <a:schemeClr val="accent1"/>
-                </a:solidFill>
-              </a14:hiddenFill>
-            </a:ext>
-            <a:ext uri="{91240B29-F687-4F45-9708-019B960494DF}">
-              <a14:hiddenLine xmlns:a14="http://schemas.microsoft.com/office/drawing/2010/main" w="9525">
-                <a:solidFill>
-                  <a:schemeClr val="tx1"/>
-                </a:solidFill>
-                <a:miter lim="800000"/>
-                <a:headEnd/>
-                <a:tailEnd/>
-              </a14:hiddenLine>
-            </a:ext>
-            <a:ext uri="{AF507438-7753-43E0-B8FC-AC1667EBCBE1}">
-              <a14:hiddenEffects xmlns:a14="http://schemas.microsoft.com/office/drawing/2010/main">
-                <a:effectLst>
-                  <a:outerShdw dist="35921" dir="2700000" algn="ctr" rotWithShape="0">
-                    <a:schemeClr val="bg2"/>
-                  </a:outerShdw>
-                </a:effectLst>
-              </a14:hiddenEffects>
-            </a:ext>
-          </a:extLst>
-        </p:spPr>
-        <p:txBody>
-          <a:bodyPr vert="horz" wrap="none" lIns="91440" tIns="0" rIns="91440" bIns="111090" numCol="1" anchor="ctr" anchorCtr="0" compatLnSpc="1">
-            <a:prstTxWarp prst="textNoShape">
-              <a:avLst/>
-            </a:prstTxWarp>
-            <a:spAutoFit/>
-          </a:bodyPr>
-          <a:lstStyle/>
-          <a:p>
-            <a:pPr marL="0" marR="0" lvl="0" indent="0" algn="l" defTabSz="914400" rtl="0" eaLnBrk="0" fontAlgn="base" latinLnBrk="0" hangingPunct="0">
-              <a:lnSpc>
-                <a:spcPct val="100000"/>
-              </a:lnSpc>
-              <a:spcBef>
-                <a:spcPct val="0"/>
-              </a:spcBef>
-              <a:spcAft>
-                <a:spcPct val="0"/>
-              </a:spcAft>
-              <a:buClrTx/>
-              <a:buSzTx/>
-              <a:buFontTx/>
-              <a:buNone/>
-              <a:tabLst/>
-            </a:pPr>
-            <a:endParaRPr kumimoji="0" lang="en-US" altLang="en-US" sz="1800" b="0" i="0" u="none" strike="noStrike" cap="none" normalizeH="0" baseline="0">
-              <a:ln>
-                <a:noFill/>
-              </a:ln>
-              <a:solidFill>
-                <a:schemeClr val="tx1"/>
-              </a:solidFill>
-              <a:effectLst/>
-              <a:latin typeface="Arial" panose="020B0604020202020204" pitchFamily="34" charset="0"/>
-            </a:endParaRPr>
-          </a:p>
-          <a:p>
-            <a:pPr marL="0" marR="0" lvl="0" indent="0" algn="l" defTabSz="914400" rtl="0" eaLnBrk="0" fontAlgn="base" latinLnBrk="0" hangingPunct="0">
-              <a:lnSpc>
-                <a:spcPct val="100000"/>
-              </a:lnSpc>
-              <a:spcBef>
-                <a:spcPct val="0"/>
-              </a:spcBef>
-              <a:spcAft>
-                <a:spcPct val="0"/>
-              </a:spcAft>
-              <a:buClrTx/>
-              <a:buSzTx/>
-              <a:buFontTx/>
-              <a:buChar char="•"/>
-              <a:tabLst/>
-            </a:pPr>
-            <a:r>
-              <a:rPr kumimoji="0" lang="en-US" altLang="en-US" sz="1000" b="0" i="0" u="none" strike="noStrike" cap="none" normalizeH="0" baseline="0">
-                <a:ln>
-                  <a:noFill/>
-                </a:ln>
-                <a:solidFill>
-                  <a:srgbClr val="CCCCCC"/>
-                </a:solidFill>
-                <a:effectLst/>
-                <a:latin typeface="-apple-system"/>
-              </a:rPr>
-              <a:t>The Dataset covers weekly sales happened from </a:t>
-            </a:r>
-            <a:r>
-              <a:rPr kumimoji="0" lang="en-US" altLang="en-US" sz="1000" b="0" i="0" u="none" strike="noStrike" cap="none" normalizeH="0" baseline="0">
-                <a:ln>
-                  <a:noFill/>
-                </a:ln>
-                <a:solidFill>
-                  <a:srgbClr val="CCCCCC"/>
-                </a:solidFill>
-                <a:effectLst/>
-                <a:latin typeface="var(--vscode-editor-font-family, &quot;SF Mono&quot;, Monaco, Menlo, Consolas, &quot;Ubuntu Mono&quot;, &quot;Liberation Mono&quot;, &quot;DejaVu Sans Mono&quot;, &quot;Courier New&quot;, monospace)"/>
-              </a:rPr>
-              <a:t>28 Dec 2014</a:t>
-            </a:r>
-            <a:r>
-              <a:rPr kumimoji="0" lang="en-US" altLang="en-US" sz="1000" b="0" i="0" u="none" strike="noStrike" cap="none" normalizeH="0" baseline="0">
-                <a:ln>
-                  <a:noFill/>
-                </a:ln>
-                <a:solidFill>
-                  <a:srgbClr val="CCCCCC"/>
-                </a:solidFill>
-                <a:effectLst/>
-                <a:latin typeface="-apple-system"/>
-              </a:rPr>
-              <a:t> to </a:t>
-            </a:r>
-            <a:r>
-              <a:rPr kumimoji="0" lang="en-US" altLang="en-US" sz="1000" b="0" i="0" u="none" strike="noStrike" cap="none" normalizeH="0" baseline="0">
-                <a:ln>
-                  <a:noFill/>
-                </a:ln>
-                <a:solidFill>
-                  <a:srgbClr val="CCCCCC"/>
-                </a:solidFill>
-                <a:effectLst/>
-                <a:latin typeface="var(--vscode-editor-font-family, &quot;SF Mono&quot;, Monaco, Menlo, Consolas, &quot;Ubuntu Mono&quot;, &quot;Liberation Mono&quot;, &quot;DejaVu Sans Mono&quot;, &quot;Courier New&quot;, monospace)"/>
-              </a:rPr>
-              <a:t>30 April 2017</a:t>
-            </a:r>
-            <a:endParaRPr kumimoji="0" lang="en-US" altLang="en-US" sz="1000" b="0" i="0" u="none" strike="noStrike" cap="none" normalizeH="0" baseline="0">
-              <a:ln>
-                <a:noFill/>
-              </a:ln>
-              <a:solidFill>
-                <a:srgbClr val="CCCCCC"/>
-              </a:solidFill>
-              <a:effectLst/>
-              <a:latin typeface="-apple-system"/>
-            </a:endParaRPr>
-          </a:p>
-          <a:p>
-            <a:pPr marL="0" marR="0" lvl="0" indent="0" algn="l" defTabSz="914400" rtl="0" eaLnBrk="0" fontAlgn="base" latinLnBrk="0" hangingPunct="0">
-              <a:lnSpc>
-                <a:spcPct val="100000"/>
-              </a:lnSpc>
-              <a:spcBef>
-                <a:spcPct val="0"/>
-              </a:spcBef>
-              <a:spcAft>
-                <a:spcPct val="0"/>
-              </a:spcAft>
-              <a:buClrTx/>
-              <a:buSzTx/>
-              <a:buFontTx/>
-              <a:buChar char="•"/>
-              <a:tabLst/>
-            </a:pPr>
-            <a:r>
-              <a:rPr kumimoji="0" lang="en-US" altLang="en-US" sz="1000" b="0" i="0" u="none" strike="noStrike" cap="none" normalizeH="0" baseline="0">
-                <a:ln>
-                  <a:noFill/>
-                </a:ln>
-                <a:solidFill>
-                  <a:srgbClr val="CCCCCC"/>
-                </a:solidFill>
-                <a:effectLst/>
-                <a:latin typeface="-apple-system"/>
-              </a:rPr>
-              <a:t>We are dealing with </a:t>
-            </a:r>
-            <a:r>
-              <a:rPr kumimoji="0" lang="en-US" altLang="en-US" sz="1000" b="1" i="0" u="none" strike="noStrike" cap="none" normalizeH="0" baseline="0">
-                <a:ln>
-                  <a:noFill/>
-                </a:ln>
-                <a:solidFill>
-                  <a:srgbClr val="CCCCCC"/>
-                </a:solidFill>
-                <a:effectLst/>
-                <a:latin typeface="-apple-system"/>
-              </a:rPr>
-              <a:t>Imbalnced Dataset</a:t>
-            </a:r>
-            <a:r>
-              <a:rPr kumimoji="0" lang="en-US" altLang="en-US" sz="1000" b="0" i="0" u="none" strike="noStrike" cap="none" normalizeH="0" baseline="0">
-                <a:ln>
-                  <a:noFill/>
-                </a:ln>
-                <a:solidFill>
-                  <a:srgbClr val="CCCCCC"/>
-                </a:solidFill>
-                <a:effectLst/>
-                <a:latin typeface="-apple-system"/>
-              </a:rPr>
-              <a:t> since, </a:t>
-            </a:r>
-            <a:r>
-              <a:rPr kumimoji="0" lang="en-US" altLang="en-US" sz="1000" b="0" i="0" u="none" strike="noStrike" cap="none" normalizeH="0" baseline="0">
-                <a:ln>
-                  <a:noFill/>
-                </a:ln>
-                <a:solidFill>
-                  <a:srgbClr val="CCCCCC"/>
-                </a:solidFill>
-                <a:effectLst/>
-                <a:latin typeface="var(--vscode-editor-font-family, &quot;SF Mono&quot;, Monaco, Menlo, Consolas, &quot;Ubuntu Mono&quot;, &quot;Liberation Mono&quot;, &quot;DejaVu Sans Mono&quot;, &quot;Courier New&quot;, monospace)"/>
-              </a:rPr>
-              <a:t>13.9%</a:t>
-            </a:r>
-            <a:r>
-              <a:rPr kumimoji="0" lang="en-US" altLang="en-US" sz="1000" b="0" i="0" u="none" strike="noStrike" cap="none" normalizeH="0" baseline="0">
-                <a:ln>
-                  <a:noFill/>
-                </a:ln>
-                <a:solidFill>
-                  <a:srgbClr val="CCCCCC"/>
-                </a:solidFill>
-                <a:effectLst/>
-                <a:latin typeface="-apple-system"/>
-              </a:rPr>
-              <a:t> have labels of value </a:t>
-            </a:r>
-            <a:r>
-              <a:rPr kumimoji="0" lang="en-US" altLang="en-US" sz="1000" b="0" i="0" u="none" strike="noStrike" cap="none" normalizeH="0" baseline="0">
-                <a:ln>
-                  <a:noFill/>
-                </a:ln>
-                <a:solidFill>
-                  <a:srgbClr val="CCCCCC"/>
-                </a:solidFill>
-                <a:effectLst/>
-                <a:latin typeface="var(--vscode-editor-font-family, &quot;SF Mono&quot;, Monaco, Menlo, Consolas, &quot;Ubuntu Mono&quot;, &quot;Liberation Mono&quot;, &quot;DejaVu Sans Mono&quot;, &quot;Courier New&quot;, monospace)"/>
-              </a:rPr>
-              <a:t>1</a:t>
-            </a:r>
-            <a:r>
-              <a:rPr kumimoji="0" lang="en-US" altLang="en-US" sz="1000" b="0" i="0" u="none" strike="noStrike" cap="none" normalizeH="0" baseline="0">
-                <a:ln>
-                  <a:noFill/>
-                </a:ln>
-                <a:solidFill>
-                  <a:srgbClr val="CCCCCC"/>
-                </a:solidFill>
-                <a:effectLst/>
-                <a:latin typeface="-apple-system"/>
-              </a:rPr>
-              <a:t>.</a:t>
-            </a:r>
-          </a:p>
-          <a:p>
-            <a:pPr marL="0" marR="0" lvl="0" indent="0" algn="l" defTabSz="914400" rtl="0" eaLnBrk="0" fontAlgn="base" latinLnBrk="0" hangingPunct="0">
-              <a:lnSpc>
-                <a:spcPct val="100000"/>
-              </a:lnSpc>
-              <a:spcBef>
-                <a:spcPct val="0"/>
-              </a:spcBef>
-              <a:spcAft>
-                <a:spcPct val="0"/>
-              </a:spcAft>
-              <a:buClrTx/>
-              <a:buSzTx/>
-              <a:buFontTx/>
-              <a:buNone/>
-              <a:tabLst/>
-            </a:pPr>
-            <a:endParaRPr kumimoji="0" lang="en-US" altLang="en-US" sz="1800" b="0" i="0" u="none" strike="noStrike" cap="none" normalizeH="0" baseline="0">
-              <a:ln>
-                <a:noFill/>
-              </a:ln>
-              <a:solidFill>
-                <a:schemeClr val="tx1"/>
-              </a:solidFill>
-              <a:effectLst/>
-              <a:latin typeface="Arial" panose="020B0604020202020204" pitchFamily="34" charset="0"/>
-            </a:endParaRPr>
-          </a:p>
-        </p:txBody>
-      </p:sp>
+        </p:spPr>
+      </p:pic>
     </p:spTree>
     <p:extLst>
       <p:ext uri="{BB962C8B-B14F-4D97-AF65-F5344CB8AC3E}">
-        <p14:creationId xmlns:p14="http://schemas.microsoft.com/office/powerpoint/2010/main" val="321121795"/>
+        <p14:creationId xmlns:p14="http://schemas.microsoft.com/office/powerpoint/2010/main" val="2253000557"/>
       </p:ext>
     </p:extLst>
   </p:cSld>
@@ -18873,7 +18933,7 @@
         <p:spPr>
           <a:xfrm>
             <a:off x="971550" y="727969"/>
-            <a:ext cx="4559237" cy="761957"/>
+            <a:ext cx="5124450" cy="761957"/>
           </a:xfrm>
         </p:spPr>
         <p:txBody>
@@ -18884,7 +18944,7 @@
           <a:p>
             <a:r>
               <a:rPr lang="en-US" sz="3200" dirty="0"/>
-              <a:t>Data Preprocessing</a:t>
+              <a:t>Exploratory Data Analysis</a:t>
             </a:r>
           </a:p>
         </p:txBody>
@@ -18908,7 +18968,7 @@
         <p:spPr>
           <a:xfrm>
             <a:off x="952500" y="2286000"/>
-            <a:ext cx="7978436" cy="3768571"/>
+            <a:ext cx="5403912" cy="3768571"/>
           </a:xfrm>
         </p:spPr>
         <p:txBody>
@@ -18917,25 +18977,31 @@
           <a:p>
             <a:r>
               <a:rPr lang="en-US" dirty="0"/>
-              <a:t>1- Data Cleaning </a:t>
+              <a:t>Derive useful visualization:</a:t>
             </a:r>
           </a:p>
           <a:p>
             <a:r>
               <a:rPr lang="en-US" dirty="0"/>
-              <a:t>	- Check for outliers and deal with them</a:t>
+              <a:t>	- Correlation matrix</a:t>
             </a:r>
           </a:p>
           <a:p>
             <a:r>
               <a:rPr lang="en-US" dirty="0"/>
-              <a:t>	- Check for missing values( No missing values)</a:t>
+              <a:t>	- pie plot, bar plot, histograms</a:t>
             </a:r>
           </a:p>
           <a:p>
             <a:r>
               <a:rPr lang="en-US" dirty="0"/>
-              <a:t>2- Create new features</a:t>
+              <a:t>	- Time series analysis</a:t>
+            </a:r>
+          </a:p>
+          <a:p>
+            <a:r>
+              <a:rPr lang="en-US" dirty="0"/>
+              <a:t>	- Explore the numerical attributes distributions</a:t>
             </a:r>
           </a:p>
           <a:p>
@@ -19141,100 +19207,10 @@
           </a:p>
         </p:txBody>
       </p:sp>
-      <p:pic>
-        <p:nvPicPr>
-          <p:cNvPr id="7" name="Picture 6">
-            <a:extLst>
-              <a:ext uri="{FF2B5EF4-FFF2-40B4-BE49-F238E27FC236}">
-                <a16:creationId xmlns:a16="http://schemas.microsoft.com/office/drawing/2014/main" id="{B2F382F8-3A5B-4D43-197E-C32378E23181}"/>
-              </a:ext>
-            </a:extLst>
-          </p:cNvPr>
-          <p:cNvPicPr>
-            <a:picLocks noChangeAspect="1"/>
-          </p:cNvPicPr>
-          <p:nvPr/>
-        </p:nvPicPr>
-        <p:blipFill>
-          <a:blip r:embed="rId2"/>
-          <a:stretch>
-            <a:fillRect/>
-          </a:stretch>
-        </p:blipFill>
-        <p:spPr>
-          <a:xfrm>
-            <a:off x="1139017" y="3915526"/>
-            <a:ext cx="4294117" cy="2540519"/>
-          </a:xfrm>
-          <a:prstGeom prst="rect">
-            <a:avLst/>
-          </a:prstGeom>
-        </p:spPr>
-      </p:pic>
-      <p:pic>
-        <p:nvPicPr>
-          <p:cNvPr id="9" name="Picture 8">
-            <a:extLst>
-              <a:ext uri="{FF2B5EF4-FFF2-40B4-BE49-F238E27FC236}">
-                <a16:creationId xmlns:a16="http://schemas.microsoft.com/office/drawing/2014/main" id="{8A41D68F-05D5-B647-7D31-439978537C18}"/>
-              </a:ext>
-            </a:extLst>
-          </p:cNvPr>
-          <p:cNvPicPr>
-            <a:picLocks noChangeAspect="1"/>
-          </p:cNvPicPr>
-          <p:nvPr/>
-        </p:nvPicPr>
-        <p:blipFill>
-          <a:blip r:embed="rId3"/>
-          <a:stretch>
-            <a:fillRect/>
-          </a:stretch>
-        </p:blipFill>
-        <p:spPr>
-          <a:xfrm>
-            <a:off x="6096000" y="803429"/>
-            <a:ext cx="5902957" cy="3152775"/>
-          </a:xfrm>
-          <a:prstGeom prst="rect">
-            <a:avLst/>
-          </a:prstGeom>
-        </p:spPr>
-      </p:pic>
-      <p:pic>
-        <p:nvPicPr>
-          <p:cNvPr id="12" name="Picture 11">
-            <a:extLst>
-              <a:ext uri="{FF2B5EF4-FFF2-40B4-BE49-F238E27FC236}">
-                <a16:creationId xmlns:a16="http://schemas.microsoft.com/office/drawing/2014/main" id="{EA99FBA4-D9B0-AD22-CAF3-CBCF202E7632}"/>
-              </a:ext>
-            </a:extLst>
-          </p:cNvPr>
-          <p:cNvPicPr>
-            <a:picLocks noChangeAspect="1"/>
-          </p:cNvPicPr>
-          <p:nvPr/>
-        </p:nvPicPr>
-        <p:blipFill>
-          <a:blip r:embed="rId4"/>
-          <a:stretch>
-            <a:fillRect/>
-          </a:stretch>
-        </p:blipFill>
-        <p:spPr>
-          <a:xfrm>
-            <a:off x="6095999" y="4109424"/>
-            <a:ext cx="5902958" cy="542925"/>
-          </a:xfrm>
-          <a:prstGeom prst="rect">
-            <a:avLst/>
-          </a:prstGeom>
-        </p:spPr>
-      </p:pic>
     </p:spTree>
     <p:extLst>
       <p:ext uri="{BB962C8B-B14F-4D97-AF65-F5344CB8AC3E}">
-        <p14:creationId xmlns:p14="http://schemas.microsoft.com/office/powerpoint/2010/main" val="2253000557"/>
+        <p14:creationId xmlns:p14="http://schemas.microsoft.com/office/powerpoint/2010/main" val="4274053548"/>
       </p:ext>
     </p:extLst>
   </p:cSld>
@@ -19279,8 +19255,8 @@
         </p:nvSpPr>
         <p:spPr>
           <a:xfrm>
-            <a:off x="971550" y="727969"/>
-            <a:ext cx="5124450" cy="761957"/>
+            <a:off x="292962" y="727969"/>
+            <a:ext cx="5237825" cy="761957"/>
           </a:xfrm>
         </p:spPr>
         <p:txBody>
@@ -19314,8 +19290,8 @@
         </p:nvSpPr>
         <p:spPr>
           <a:xfrm>
-            <a:off x="952500" y="2286000"/>
-            <a:ext cx="5403912" cy="3768571"/>
+            <a:off x="952500" y="2201662"/>
+            <a:ext cx="5403912" cy="3852909"/>
           </a:xfrm>
         </p:spPr>
         <p:txBody>
@@ -19324,34 +19300,249 @@
           <a:p>
             <a:r>
               <a:rPr lang="en-US" dirty="0"/>
-              <a:t>Derive useful visualization:</a:t>
+              <a:t>Correlation matrix:</a:t>
             </a:r>
           </a:p>
           <a:p>
             <a:r>
               <a:rPr lang="en-US" dirty="0"/>
-              <a:t>	- Correlation matrix</a:t>
-            </a:r>
-          </a:p>
-          <a:p>
+              <a:t>	</a:t>
+            </a:r>
+            <a:r>
+              <a:rPr lang="en-US" dirty="0">
+                <a:solidFill>
+                  <a:schemeClr val="bg1"/>
+                </a:solidFill>
+              </a:rPr>
+              <a:t>-</a:t>
+            </a:r>
             <a:r>
               <a:rPr lang="en-US" dirty="0"/>
-              <a:t>	- pie plot, bar plot, histograms</a:t>
-            </a:r>
-          </a:p>
-          <a:p>
+              <a:t> salesPerWeak</a:t>
+            </a:r>
+            <a:r>
+              <a:rPr lang="en-US" dirty="0">
+                <a:solidFill>
+                  <a:schemeClr val="bg1"/>
+                </a:solidFill>
+              </a:rPr>
+              <a:t>: </a:t>
+            </a:r>
+            <a:r>
+              <a:rPr lang="en-US" dirty="0">
+                <a:solidFill>
+                  <a:schemeClr val="bg1">
+                    <a:lumMod val="95000"/>
+                    <a:lumOff val="5000"/>
+                  </a:schemeClr>
+                </a:solidFill>
+              </a:rPr>
+              <a:t>has a small positive correlation with </a:t>
+            </a:r>
             <a:r>
               <a:rPr lang="en-US" dirty="0"/>
-              <a:t>	- Time series analysis</a:t>
-            </a:r>
-          </a:p>
-          <a:p>
+              <a:t>discount</a:t>
+            </a:r>
+            <a:r>
+              <a:rPr lang="en-US" dirty="0">
+                <a:solidFill>
+                  <a:schemeClr val="bg1">
+                    <a:lumMod val="95000"/>
+                    <a:lumOff val="5000"/>
+                  </a:schemeClr>
+                </a:solidFill>
+              </a:rPr>
+              <a:t> column.</a:t>
+            </a:r>
+          </a:p>
+          <a:p>
+            <a:r>
+              <a:rPr lang="en-US" dirty="0">
+                <a:solidFill>
+                  <a:schemeClr val="bg1">
+                    <a:lumMod val="95000"/>
+                    <a:lumOff val="5000"/>
+                  </a:schemeClr>
+                </a:solidFill>
+              </a:rPr>
+              <a:t>	-</a:t>
+            </a:r>
+            <a:r>
+              <a:rPr lang="en-US" dirty="0">
+                <a:solidFill>
+                  <a:schemeClr val="bg1"/>
+                </a:solidFill>
+              </a:rPr>
+              <a:t> </a:t>
+            </a:r>
+            <a:r>
+              <a:rPr lang="en-US" dirty="0" err="1"/>
+              <a:t>regular_prices</a:t>
+            </a:r>
+            <a:r>
+              <a:rPr lang="en-US" dirty="0">
+                <a:solidFill>
+                  <a:schemeClr val="bg1"/>
+                </a:solidFill>
+              </a:rPr>
+              <a:t>, </a:t>
+            </a:r>
+            <a:r>
+              <a:rPr lang="en-US" dirty="0" err="1"/>
+              <a:t>current_prices</a:t>
+            </a:r>
             <a:r>
               <a:rPr lang="en-US" dirty="0"/>
-              <a:t>	- Explore the numerical attributes distributions</a:t>
-            </a:r>
-          </a:p>
-          <a:p>
+              <a:t> </a:t>
+            </a:r>
+            <a:r>
+              <a:rPr lang="en-US" dirty="0">
+                <a:solidFill>
+                  <a:schemeClr val="bg1"/>
+                </a:solidFill>
+              </a:rPr>
+              <a:t>and </a:t>
+            </a:r>
+            <a:r>
+              <a:rPr lang="en-US" dirty="0"/>
+              <a:t>profit</a:t>
+            </a:r>
+            <a:r>
+              <a:rPr lang="en-US" dirty="0">
+                <a:solidFill>
+                  <a:schemeClr val="bg1"/>
+                </a:solidFill>
+              </a:rPr>
+              <a:t> columns have a highly positive correlation</a:t>
+            </a:r>
+          </a:p>
+          <a:p>
+            <a:r>
+              <a:rPr lang="en-US" dirty="0">
+                <a:solidFill>
+                  <a:schemeClr val="bg1"/>
+                </a:solidFill>
+              </a:rPr>
+              <a:t>	- </a:t>
+            </a:r>
+            <a:r>
+              <a:rPr lang="en-US" dirty="0"/>
+              <a:t>discount</a:t>
+            </a:r>
+            <a:r>
+              <a:rPr lang="en-US" dirty="0">
+                <a:solidFill>
+                  <a:schemeClr val="bg1"/>
+                </a:solidFill>
+              </a:rPr>
+              <a:t> has a negative correlation with </a:t>
+            </a:r>
+            <a:r>
+              <a:rPr lang="en-US" dirty="0"/>
+              <a:t>profit</a:t>
+            </a:r>
+            <a:r>
+              <a:rPr lang="en-US" dirty="0">
+                <a:solidFill>
+                  <a:schemeClr val="bg1"/>
+                </a:solidFill>
+              </a:rPr>
+              <a:t> </a:t>
+            </a:r>
+          </a:p>
+          <a:p>
+            <a:r>
+              <a:rPr lang="en-US" dirty="0">
+                <a:solidFill>
+                  <a:schemeClr val="bg1"/>
+                </a:solidFill>
+              </a:rPr>
+              <a:t>	- </a:t>
+            </a:r>
+            <a:r>
+              <a:rPr lang="en-US" dirty="0"/>
+              <a:t>discount</a:t>
+            </a:r>
+            <a:r>
+              <a:rPr lang="en-US" dirty="0">
+                <a:solidFill>
+                  <a:schemeClr val="bg1"/>
+                </a:solidFill>
+              </a:rPr>
+              <a:t> has a positive correlation with </a:t>
+            </a:r>
+            <a:r>
+              <a:rPr lang="en-US" dirty="0"/>
+              <a:t>month</a:t>
+            </a:r>
+            <a:r>
+              <a:rPr lang="en-US" dirty="0">
+                <a:solidFill>
+                  <a:schemeClr val="bg1"/>
+                </a:solidFill>
+              </a:rPr>
+              <a:t>.</a:t>
+            </a:r>
+          </a:p>
+          <a:p>
+            <a:r>
+              <a:rPr lang="en-US" dirty="0">
+                <a:solidFill>
+                  <a:schemeClr val="bg1"/>
+                </a:solidFill>
+              </a:rPr>
+              <a:t> 	- The </a:t>
+            </a:r>
+            <a:r>
+              <a:rPr lang="en-US" dirty="0"/>
+              <a:t>label</a:t>
+            </a:r>
+            <a:r>
+              <a:rPr lang="en-US" dirty="0">
+                <a:solidFill>
+                  <a:schemeClr val="bg1"/>
+                </a:solidFill>
+              </a:rPr>
+              <a:t> column:</a:t>
+            </a:r>
+          </a:p>
+          <a:p>
+            <a:r>
+              <a:rPr lang="en-US" dirty="0">
+                <a:solidFill>
+                  <a:schemeClr val="bg1"/>
+                </a:solidFill>
+              </a:rPr>
+              <a:t>	 	- Has a negative correlation with </a:t>
+            </a:r>
+            <a:r>
+              <a:rPr lang="en-US" dirty="0"/>
+              <a:t>discount</a:t>
+            </a:r>
+            <a:r>
+              <a:rPr lang="en-US" dirty="0">
+                <a:solidFill>
+                  <a:schemeClr val="bg1"/>
+                </a:solidFill>
+              </a:rPr>
+              <a:t> 	- has a small negative correlation with 	  </a:t>
+            </a:r>
+            <a:r>
+              <a:rPr lang="en-US" dirty="0"/>
+              <a:t>sales</a:t>
+            </a:r>
+            <a:r>
+              <a:rPr lang="en-US" dirty="0">
+                <a:solidFill>
+                  <a:schemeClr val="bg1"/>
+                </a:solidFill>
+              </a:rPr>
+              <a:t> and a small positive correlation    	  with </a:t>
+            </a:r>
+            <a:r>
+              <a:rPr lang="en-US" dirty="0" err="1"/>
+              <a:t>current_price</a:t>
+            </a:r>
             <a:endParaRPr lang="en-US" dirty="0"/>
           </a:p>
         </p:txBody>
@@ -19554,10 +19745,46 @@
           </a:p>
         </p:txBody>
       </p:sp>
+      <p:pic>
+        <p:nvPicPr>
+          <p:cNvPr id="6" name="Picture 5" descr="A grid of squares with different colored squares&#10;&#10;Description automatically generated">
+            <a:extLst>
+              <a:ext uri="{FF2B5EF4-FFF2-40B4-BE49-F238E27FC236}">
+                <a16:creationId xmlns:a16="http://schemas.microsoft.com/office/drawing/2014/main" id="{66A86713-ADFF-F58C-1A4B-C3871DE33D21}"/>
+              </a:ext>
+            </a:extLst>
+          </p:cNvPr>
+          <p:cNvPicPr>
+            <a:picLocks noChangeAspect="1"/>
+          </p:cNvPicPr>
+          <p:nvPr/>
+        </p:nvPicPr>
+        <p:blipFill>
+          <a:blip r:embed="rId2">
+            <a:extLst>
+              <a:ext uri="{28A0092B-C50C-407E-A947-70E740481C1C}">
+                <a14:useLocalDpi xmlns:a14="http://schemas.microsoft.com/office/drawing/2010/main" val="0"/>
+              </a:ext>
+            </a:extLst>
+          </a:blip>
+          <a:stretch>
+            <a:fillRect/>
+          </a:stretch>
+        </p:blipFill>
+        <p:spPr>
+          <a:xfrm>
+            <a:off x="6178858" y="0"/>
+            <a:ext cx="6013142" cy="6858000"/>
+          </a:xfrm>
+          <a:prstGeom prst="rect">
+            <a:avLst/>
+          </a:prstGeom>
+        </p:spPr>
+      </p:pic>
     </p:spTree>
     <p:extLst>
       <p:ext uri="{BB962C8B-B14F-4D97-AF65-F5344CB8AC3E}">
-        <p14:creationId xmlns:p14="http://schemas.microsoft.com/office/powerpoint/2010/main" val="4274053548"/>
+        <p14:creationId xmlns:p14="http://schemas.microsoft.com/office/powerpoint/2010/main" val="3706878126"/>
       </p:ext>
     </p:extLst>
   </p:cSld>
@@ -19602,8 +19829,8 @@
         </p:nvSpPr>
         <p:spPr>
           <a:xfrm>
-            <a:off x="292962" y="727969"/>
-            <a:ext cx="5237825" cy="761957"/>
+            <a:off x="971550" y="727969"/>
+            <a:ext cx="4952997" cy="761957"/>
           </a:xfrm>
         </p:spPr>
         <p:txBody>
@@ -19637,7 +19864,7 @@
         </p:nvSpPr>
         <p:spPr>
           <a:xfrm>
-            <a:off x="952500" y="2201662"/>
+            <a:off x="520637" y="2191262"/>
             <a:ext cx="5403912" cy="3852909"/>
           </a:xfrm>
         </p:spPr>
@@ -19647,250 +19874,141 @@
           <a:p>
             <a:r>
               <a:rPr lang="en-US" dirty="0"/>
-              <a:t>Correlation matrix:</a:t>
-            </a:r>
-          </a:p>
-          <a:p>
-            <a:r>
-              <a:rPr lang="en-US" dirty="0"/>
-              <a:t>	</a:t>
-            </a:r>
-            <a:r>
-              <a:rPr lang="en-US" dirty="0">
+              <a:t>	  Explore Numerical Columns:</a:t>
+            </a:r>
+          </a:p>
+          <a:p>
+            <a:r>
+              <a:rPr lang="en-US" b="0" dirty="0">
+                <a:solidFill>
+                  <a:srgbClr val="CCCCCC"/>
+                </a:solidFill>
+                <a:effectLst/>
+                <a:latin typeface="Consolas" panose="020B0609020204030204" pitchFamily="49" charset="0"/>
+              </a:rPr>
+              <a:t>  </a:t>
+            </a:r>
+            <a:r>
+              <a:rPr lang="en-US" b="0" dirty="0">
                 <a:solidFill>
                   <a:schemeClr val="bg1"/>
                 </a:solidFill>
+                <a:effectLst/>
+                <a:latin typeface="Consolas" panose="020B0609020204030204" pitchFamily="49" charset="0"/>
               </a:rPr>
-              <a:t>-</a:t>
-            </a:r>
-            <a:r>
-              <a:rPr lang="en-US" dirty="0"/>
-              <a:t> salesPerWeak</a:t>
-            </a:r>
-            <a:r>
-              <a:rPr lang="en-US" dirty="0">
+              <a:t>  - </a:t>
+            </a:r>
+            <a:r>
+              <a:rPr lang="en-US" b="1" dirty="0">
                 <a:solidFill>
                   <a:schemeClr val="bg1"/>
                 </a:solidFill>
+                <a:effectLst/>
+                <a:latin typeface="Consolas" panose="020B0609020204030204" pitchFamily="49" charset="0"/>
               </a:rPr>
-              <a:t>: </a:t>
-            </a:r>
-            <a:r>
-              <a:rPr lang="en-US" dirty="0">
-                <a:solidFill>
-                  <a:schemeClr val="bg1">
-                    <a:lumMod val="95000"/>
-                    <a:lumOff val="5000"/>
-                  </a:schemeClr>
-                </a:solidFill>
+              <a:t>The 3 columns </a:t>
+            </a:r>
+            <a:r>
+              <a:rPr lang="en-US" b="1" dirty="0" err="1">
+                <a:effectLst/>
+                <a:latin typeface="Consolas" panose="020B0609020204030204" pitchFamily="49" charset="0"/>
               </a:rPr>
-              <a:t>has a small positive correlation with </a:t>
-            </a:r>
-            <a:r>
-              <a:rPr lang="en-US" dirty="0"/>
-              <a:t>discount</a:t>
-            </a:r>
-            <a:r>
-              <a:rPr lang="en-US" dirty="0">
-                <a:solidFill>
-                  <a:schemeClr val="bg1">
-                    <a:lumMod val="95000"/>
-                    <a:lumOff val="5000"/>
-                  </a:schemeClr>
-                </a:solidFill>
+              <a:t>salesPerWeek</a:t>
+            </a:r>
+            <a:r>
+              <a:rPr lang="en-US" b="1" dirty="0">
+                <a:solidFill>
+                  <a:schemeClr val="bg1"/>
+                </a:solidFill>
+                <a:effectLst/>
+                <a:latin typeface="Consolas" panose="020B0609020204030204" pitchFamily="49" charset="0"/>
               </a:rPr>
-              <a:t> column.</a:t>
-            </a:r>
-          </a:p>
-          <a:p>
-            <a:r>
-              <a:rPr lang="en-US" dirty="0">
-                <a:solidFill>
-                  <a:schemeClr val="bg1">
-                    <a:lumMod val="95000"/>
-                    <a:lumOff val="5000"/>
-                  </a:schemeClr>
-                </a:solidFill>
+              <a:t>, 	</a:t>
+            </a:r>
+            <a:r>
+              <a:rPr lang="en-US" b="1" dirty="0" err="1">
+                <a:effectLst/>
+                <a:latin typeface="Consolas" panose="020B0609020204030204" pitchFamily="49" charset="0"/>
               </a:rPr>
-              <a:t>	-</a:t>
-            </a:r>
-            <a:r>
-              <a:rPr lang="en-US" dirty="0">
+              <a:t>regular_prices</a:t>
+            </a:r>
+            <a:r>
+              <a:rPr lang="en-US" b="1" dirty="0">
                 <a:solidFill>
                   <a:schemeClr val="bg1"/>
                 </a:solidFill>
-              </a:rPr>
-              <a:t> </a:t>
-            </a:r>
-            <a:r>
-              <a:rPr lang="en-US" dirty="0" err="1"/>
-              <a:t>regular_prices</a:t>
-            </a:r>
-            <a:r>
-              <a:rPr lang="en-US" dirty="0">
-                <a:solidFill>
-                  <a:schemeClr val="bg1"/>
-                </a:solidFill>
+                <a:effectLst/>
+                <a:latin typeface="Consolas" panose="020B0609020204030204" pitchFamily="49" charset="0"/>
               </a:rPr>
               <a:t>, </a:t>
             </a:r>
             <a:r>
-              <a:rPr lang="en-US" dirty="0" err="1"/>
+              <a:rPr lang="en-US" b="1" dirty="0" err="1">
+                <a:effectLst/>
+                <a:latin typeface="Consolas" panose="020B0609020204030204" pitchFamily="49" charset="0"/>
+              </a:rPr>
               <a:t>current_prices</a:t>
             </a:r>
             <a:r>
-              <a:rPr lang="en-US" dirty="0"/>
-              <a:t> </a:t>
-            </a:r>
-            <a:r>
-              <a:rPr lang="en-US" dirty="0">
+              <a:rPr lang="en-US" b="1" dirty="0">
+                <a:effectLst/>
+                <a:latin typeface="Consolas" panose="020B0609020204030204" pitchFamily="49" charset="0"/>
+              </a:rPr>
+              <a:t> 	</a:t>
+            </a:r>
+            <a:r>
+              <a:rPr lang="en-US" b="1" dirty="0">
                 <a:solidFill>
                   <a:schemeClr val="bg1"/>
                 </a:solidFill>
+                <a:effectLst/>
+                <a:latin typeface="Consolas" panose="020B0609020204030204" pitchFamily="49" charset="0"/>
               </a:rPr>
-              <a:t>and </a:t>
-            </a:r>
-            <a:r>
-              <a:rPr lang="en-US" dirty="0"/>
-              <a:t>profit</a:t>
-            </a:r>
-            <a:r>
-              <a:rPr lang="en-US" dirty="0">
+              <a:t>have a heavy tailed distribution, 	it might be helpful to take the 	log of values, to make it look 	more gaussian before we feature 	scale it.</a:t>
+            </a:r>
+            <a:endParaRPr lang="en-US" b="0" dirty="0">
+              <a:solidFill>
+                <a:schemeClr val="bg1"/>
+              </a:solidFill>
+              <a:effectLst/>
+              <a:latin typeface="Consolas" panose="020B0609020204030204" pitchFamily="49" charset="0"/>
+            </a:endParaRPr>
+          </a:p>
+          <a:p>
+            <a:r>
+              <a:rPr lang="en-US" b="0" dirty="0">
                 <a:solidFill>
                   <a:schemeClr val="bg1"/>
                 </a:solidFill>
+                <a:effectLst/>
+                <a:latin typeface="Consolas" panose="020B0609020204030204" pitchFamily="49" charset="0"/>
               </a:rPr>
-              <a:t> columns have a highly positive correlation</a:t>
-            </a:r>
-          </a:p>
-          <a:p>
-            <a:r>
-              <a:rPr lang="en-US" dirty="0">
+              <a:t>    - </a:t>
+            </a:r>
+            <a:r>
+              <a:rPr lang="en-US" b="1" dirty="0" err="1">
+                <a:effectLst/>
+                <a:latin typeface="Consolas" panose="020B0609020204030204" pitchFamily="49" charset="0"/>
+              </a:rPr>
+              <a:t>customer_id</a:t>
+            </a:r>
+            <a:r>
+              <a:rPr lang="en-US" b="1" dirty="0">
                 <a:solidFill>
                   <a:schemeClr val="bg1"/>
                 </a:solidFill>
+                <a:effectLst/>
+                <a:latin typeface="Consolas" panose="020B0609020204030204" pitchFamily="49" charset="0"/>
               </a:rPr>
-              <a:t>	- </a:t>
-            </a:r>
-            <a:r>
-              <a:rPr lang="en-US" dirty="0"/>
-              <a:t>discount</a:t>
-            </a:r>
-            <a:r>
-              <a:rPr lang="en-US" dirty="0">
-                <a:solidFill>
-                  <a:schemeClr val="bg1"/>
-                </a:solidFill>
-              </a:rPr>
-              <a:t> has a negative correlation with </a:t>
-            </a:r>
-            <a:r>
-              <a:rPr lang="en-US" dirty="0"/>
-              <a:t>profit</a:t>
-            </a:r>
-            <a:r>
-              <a:rPr lang="en-US" dirty="0">
-                <a:solidFill>
-                  <a:schemeClr val="bg1"/>
-                </a:solidFill>
-              </a:rPr>
-              <a:t> </a:t>
-            </a:r>
-          </a:p>
-          <a:p>
-            <a:r>
-              <a:rPr lang="en-US" dirty="0">
-                <a:solidFill>
-                  <a:schemeClr val="bg1"/>
-                </a:solidFill>
-              </a:rPr>
-              <a:t>	- </a:t>
-            </a:r>
-            <a:r>
-              <a:rPr lang="en-US" dirty="0"/>
-              <a:t>discount</a:t>
-            </a:r>
-            <a:r>
-              <a:rPr lang="en-US" dirty="0">
-                <a:solidFill>
-                  <a:schemeClr val="bg1"/>
-                </a:solidFill>
-              </a:rPr>
-              <a:t> has a positive correlation with </a:t>
-            </a:r>
-            <a:r>
-              <a:rPr lang="en-US" dirty="0"/>
-              <a:t>month</a:t>
-            </a:r>
-            <a:r>
-              <a:rPr lang="en-US" dirty="0">
-                <a:solidFill>
-                  <a:schemeClr val="bg1"/>
-                </a:solidFill>
-              </a:rPr>
-              <a:t>.</a:t>
-            </a:r>
-          </a:p>
-          <a:p>
-            <a:r>
-              <a:rPr lang="en-US" dirty="0">
-                <a:solidFill>
-                  <a:schemeClr val="bg1"/>
-                </a:solidFill>
-              </a:rPr>
-              <a:t> 	- The </a:t>
-            </a:r>
-            <a:r>
-              <a:rPr lang="en-US" dirty="0"/>
-              <a:t>label</a:t>
-            </a:r>
-            <a:r>
-              <a:rPr lang="en-US" dirty="0">
-                <a:solidFill>
-                  <a:schemeClr val="bg1"/>
-                </a:solidFill>
-              </a:rPr>
-              <a:t> column:</a:t>
-            </a:r>
-          </a:p>
-          <a:p>
-            <a:r>
-              <a:rPr lang="en-US" dirty="0">
-                <a:solidFill>
-                  <a:schemeClr val="bg1"/>
-                </a:solidFill>
-              </a:rPr>
-              <a:t>	 	- Has a negative correlation with </a:t>
-            </a:r>
-            <a:r>
-              <a:rPr lang="en-US" dirty="0"/>
-              <a:t>discount</a:t>
-            </a:r>
-            <a:r>
-              <a:rPr lang="en-US" dirty="0">
-                <a:solidFill>
-                  <a:schemeClr val="bg1"/>
-                </a:solidFill>
-              </a:rPr>
-              <a:t> 	- has a small negative correlation with 	  </a:t>
-            </a:r>
-            <a:r>
-              <a:rPr lang="en-US" dirty="0"/>
-              <a:t>sales</a:t>
-            </a:r>
-            <a:r>
-              <a:rPr lang="en-US" dirty="0">
-                <a:solidFill>
-                  <a:schemeClr val="bg1"/>
-                </a:solidFill>
-              </a:rPr>
-              <a:t> and a small positive correlation    	  with </a:t>
-            </a:r>
-            <a:r>
-              <a:rPr lang="en-US" dirty="0" err="1"/>
-              <a:t>current_price</a:t>
-            </a:r>
-            <a:endParaRPr lang="en-US" dirty="0"/>
+              <a:t> doesn't seem to have 	any value, so it is better to not 	use it.</a:t>
+            </a:r>
+            <a:endParaRPr lang="en-US" b="0" dirty="0">
+              <a:solidFill>
+                <a:schemeClr val="bg1"/>
+              </a:solidFill>
+              <a:effectLst/>
+              <a:latin typeface="Consolas" panose="020B0609020204030204" pitchFamily="49" charset="0"/>
+            </a:endParaRPr>
           </a:p>
         </p:txBody>
       </p:sp>
@@ -20094,10 +20212,10 @@
       </p:sp>
       <p:pic>
         <p:nvPicPr>
-          <p:cNvPr id="6" name="Picture 5" descr="A grid of squares with different colored squares&#10;&#10;Description automatically generated">
-            <a:extLst>
-              <a:ext uri="{FF2B5EF4-FFF2-40B4-BE49-F238E27FC236}">
-                <a16:creationId xmlns:a16="http://schemas.microsoft.com/office/drawing/2014/main" id="{66A86713-ADFF-F58C-1A4B-C3871DE33D21}"/>
+          <p:cNvPr id="7" name="Picture 6" descr="A group of graphs with numbers&#10;&#10;Description automatically generated">
+            <a:extLst>
+              <a:ext uri="{FF2B5EF4-FFF2-40B4-BE49-F238E27FC236}">
+                <a16:creationId xmlns:a16="http://schemas.microsoft.com/office/drawing/2014/main" id="{1DCC6340-AF63-69FA-B774-A6553113B408}"/>
               </a:ext>
             </a:extLst>
           </p:cNvPr>
@@ -20120,8 +20238,8 @@
         </p:blipFill>
         <p:spPr>
           <a:xfrm>
-            <a:off x="6178858" y="0"/>
-            <a:ext cx="6013142" cy="6858000"/>
+            <a:off x="6137070" y="0"/>
+            <a:ext cx="6054930" cy="6858000"/>
           </a:xfrm>
           <a:prstGeom prst="rect">
             <a:avLst/>
@@ -20131,7 +20249,7 @@
     </p:spTree>
     <p:extLst>
       <p:ext uri="{BB962C8B-B14F-4D97-AF65-F5344CB8AC3E}">
-        <p14:creationId xmlns:p14="http://schemas.microsoft.com/office/powerpoint/2010/main" val="3706878126"/>
+        <p14:creationId xmlns:p14="http://schemas.microsoft.com/office/powerpoint/2010/main" val="782606217"/>
       </p:ext>
     </p:extLst>
   </p:cSld>
@@ -20177,7 +20295,7 @@
         <p:spPr>
           <a:xfrm>
             <a:off x="971550" y="727969"/>
-            <a:ext cx="4952997" cy="761957"/>
+            <a:ext cx="4559237" cy="761957"/>
           </a:xfrm>
         </p:spPr>
         <p:txBody>
@@ -20188,7 +20306,7 @@
           <a:p>
             <a:r>
               <a:rPr lang="en-US" sz="3200" dirty="0"/>
-              <a:t>Exploratory Data Analysis</a:t>
+              <a:t>Feature Engineering</a:t>
             </a:r>
           </a:p>
         </p:txBody>
@@ -20211,8 +20329,8 @@
         </p:nvSpPr>
         <p:spPr>
           <a:xfrm>
-            <a:off x="520637" y="2191262"/>
-            <a:ext cx="5403912" cy="3852909"/>
+            <a:off x="952500" y="2286001"/>
+            <a:ext cx="4844618" cy="1522520"/>
           </a:xfrm>
         </p:spPr>
         <p:txBody>
@@ -20221,141 +20339,42 @@
           <a:p>
             <a:r>
               <a:rPr lang="en-US" dirty="0"/>
-              <a:t>	  Explore Numerical Columns:</a:t>
-            </a:r>
-          </a:p>
-          <a:p>
-            <a:r>
-              <a:rPr lang="en-US" b="0" dirty="0">
-                <a:solidFill>
-                  <a:srgbClr val="CCCCCC"/>
-                </a:solidFill>
-                <a:effectLst/>
-                <a:latin typeface="Consolas" panose="020B0609020204030204" pitchFamily="49" charset="0"/>
+              <a:t>1 – Create test set</a:t>
+            </a:r>
+          </a:p>
+          <a:p>
+            <a:pPr marL="742950" lvl="1" indent="-285750">
+              <a:buFont typeface="Arial" panose="020B0604020202020204" pitchFamily="34" charset="0"/>
+              <a:buChar char="•"/>
+            </a:pPr>
+            <a:r>
+              <a:rPr lang="en-US" sz="1800" dirty="0">
+                <a:solidFill>
+                  <a:schemeClr val="bg1"/>
+                </a:solidFill>
               </a:rPr>
-              <a:t>  </a:t>
-            </a:r>
-            <a:r>
-              <a:rPr lang="en-US" b="0" dirty="0">
+              <a:t>before any step to avoid data leakage.</a:t>
+            </a:r>
+          </a:p>
+          <a:p>
+            <a:pPr marL="742950" lvl="1" indent="-285750">
+              <a:buFont typeface="Arial" panose="020B0604020202020204" pitchFamily="34" charset="0"/>
+              <a:buChar char="•"/>
+            </a:pPr>
+            <a:r>
+              <a:rPr lang="en-US" sz="1800" dirty="0">
                 <a:solidFill>
                   <a:schemeClr val="bg1"/>
                 </a:solidFill>
-                <a:effectLst/>
-                <a:latin typeface="Consolas" panose="020B0609020204030204" pitchFamily="49" charset="0"/>
               </a:rPr>
-              <a:t>  - </a:t>
-            </a:r>
-            <a:r>
-              <a:rPr lang="en-US" b="1" dirty="0">
-                <a:solidFill>
-                  <a:schemeClr val="bg1"/>
-                </a:solidFill>
-                <a:effectLst/>
-                <a:latin typeface="Consolas" panose="020B0609020204030204" pitchFamily="49" charset="0"/>
-              </a:rPr>
-              <a:t>The 3 columns </a:t>
-            </a:r>
-            <a:r>
-              <a:rPr lang="en-US" b="1" dirty="0" err="1">
-                <a:effectLst/>
-                <a:latin typeface="Consolas" panose="020B0609020204030204" pitchFamily="49" charset="0"/>
-              </a:rPr>
-              <a:t>salesPerWeek</a:t>
-            </a:r>
-            <a:r>
-              <a:rPr lang="en-US" b="1" dirty="0">
-                <a:solidFill>
-                  <a:schemeClr val="bg1"/>
-                </a:solidFill>
-                <a:effectLst/>
-                <a:latin typeface="Consolas" panose="020B0609020204030204" pitchFamily="49" charset="0"/>
-              </a:rPr>
-              <a:t>, 	</a:t>
-            </a:r>
-            <a:r>
-              <a:rPr lang="en-US" b="1" dirty="0" err="1">
-                <a:effectLst/>
-                <a:latin typeface="Consolas" panose="020B0609020204030204" pitchFamily="49" charset="0"/>
-              </a:rPr>
-              <a:t>regular_prices</a:t>
-            </a:r>
-            <a:r>
-              <a:rPr lang="en-US" b="1" dirty="0">
-                <a:solidFill>
-                  <a:schemeClr val="bg1"/>
-                </a:solidFill>
-                <a:effectLst/>
-                <a:latin typeface="Consolas" panose="020B0609020204030204" pitchFamily="49" charset="0"/>
-              </a:rPr>
-              <a:t>, </a:t>
-            </a:r>
-            <a:r>
-              <a:rPr lang="en-US" b="1" dirty="0" err="1">
-                <a:effectLst/>
-                <a:latin typeface="Consolas" panose="020B0609020204030204" pitchFamily="49" charset="0"/>
-              </a:rPr>
-              <a:t>current_prices</a:t>
-            </a:r>
-            <a:r>
-              <a:rPr lang="en-US" b="1" dirty="0">
-                <a:effectLst/>
-                <a:latin typeface="Consolas" panose="020B0609020204030204" pitchFamily="49" charset="0"/>
-              </a:rPr>
-              <a:t> 	</a:t>
-            </a:r>
-            <a:r>
-              <a:rPr lang="en-US" b="1" dirty="0">
-                <a:solidFill>
-                  <a:schemeClr val="bg1"/>
-                </a:solidFill>
-                <a:effectLst/>
-                <a:latin typeface="Consolas" panose="020B0609020204030204" pitchFamily="49" charset="0"/>
-              </a:rPr>
-              <a:t>have a heavy tailed distribution, 	it might be helpful to take the 	log of values, to make it look 	more gaussian before we feature 	scale it.</a:t>
-            </a:r>
-            <a:endParaRPr lang="en-US" b="0" dirty="0">
-              <a:solidFill>
-                <a:schemeClr val="bg1"/>
-              </a:solidFill>
-              <a:effectLst/>
-              <a:latin typeface="Consolas" panose="020B0609020204030204" pitchFamily="49" charset="0"/>
-            </a:endParaRPr>
-          </a:p>
-          <a:p>
-            <a:r>
-              <a:rPr lang="en-US" b="0" dirty="0">
-                <a:solidFill>
-                  <a:schemeClr val="bg1"/>
-                </a:solidFill>
-                <a:effectLst/>
-                <a:latin typeface="Consolas" panose="020B0609020204030204" pitchFamily="49" charset="0"/>
-              </a:rPr>
-              <a:t>    - </a:t>
-            </a:r>
-            <a:r>
-              <a:rPr lang="en-US" b="1" dirty="0" err="1">
-                <a:effectLst/>
-                <a:latin typeface="Consolas" panose="020B0609020204030204" pitchFamily="49" charset="0"/>
-              </a:rPr>
-              <a:t>customer_id</a:t>
-            </a:r>
-            <a:r>
-              <a:rPr lang="en-US" b="1" dirty="0">
-                <a:solidFill>
-                  <a:schemeClr val="bg1"/>
-                </a:solidFill>
-                <a:effectLst/>
-                <a:latin typeface="Consolas" panose="020B0609020204030204" pitchFamily="49" charset="0"/>
-              </a:rPr>
-              <a:t> doesn't seem to have 	any value, so it is better to not 	use it.</a:t>
-            </a:r>
-            <a:endParaRPr lang="en-US" b="0" dirty="0">
-              <a:solidFill>
-                <a:schemeClr val="bg1"/>
-              </a:solidFill>
-              <a:effectLst/>
-              <a:latin typeface="Consolas" panose="020B0609020204030204" pitchFamily="49" charset="0"/>
-            </a:endParaRPr>
+              <a:t>Used Stratified sampling.</a:t>
+            </a:r>
+          </a:p>
+          <a:p>
+            <a:r>
+              <a:rPr lang="en-US" dirty="0"/>
+              <a:t>2 – Apply Feature Selection  </a:t>
+            </a:r>
           </a:p>
         </p:txBody>
       </p:sp>
@@ -20559,10 +20578,10 @@
       </p:sp>
       <p:pic>
         <p:nvPicPr>
-          <p:cNvPr id="7" name="Picture 6" descr="A group of graphs with numbers&#10;&#10;Description automatically generated">
-            <a:extLst>
-              <a:ext uri="{FF2B5EF4-FFF2-40B4-BE49-F238E27FC236}">
-                <a16:creationId xmlns:a16="http://schemas.microsoft.com/office/drawing/2014/main" id="{1DCC6340-AF63-69FA-B774-A6553113B408}"/>
+          <p:cNvPr id="6" name="Picture 5">
+            <a:extLst>
+              <a:ext uri="{FF2B5EF4-FFF2-40B4-BE49-F238E27FC236}">
+                <a16:creationId xmlns:a16="http://schemas.microsoft.com/office/drawing/2014/main" id="{5611DE5B-5AB6-4E19-3E90-36476E18B9B1}"/>
               </a:ext>
             </a:extLst>
           </p:cNvPr>
@@ -20572,31 +20591,111 @@
           <p:nvPr/>
         </p:nvPicPr>
         <p:blipFill>
-          <a:blip r:embed="rId2">
-            <a:extLst>
-              <a:ext uri="{28A0092B-C50C-407E-A947-70E740481C1C}">
-                <a14:useLocalDpi xmlns:a14="http://schemas.microsoft.com/office/drawing/2010/main" val="0"/>
-              </a:ext>
-            </a:extLst>
-          </a:blip>
+          <a:blip r:embed="rId2"/>
           <a:stretch>
             <a:fillRect/>
           </a:stretch>
         </p:blipFill>
         <p:spPr>
           <a:xfrm>
-            <a:off x="6137070" y="0"/>
-            <a:ext cx="6054930" cy="6858000"/>
+            <a:off x="1384915" y="3663444"/>
+            <a:ext cx="4711085" cy="2373372"/>
           </a:xfrm>
           <a:prstGeom prst="rect">
             <a:avLst/>
           </a:prstGeom>
         </p:spPr>
       </p:pic>
+      <p:sp>
+        <p:nvSpPr>
+          <p:cNvPr id="8" name="TextBox 7">
+            <a:extLst>
+              <a:ext uri="{FF2B5EF4-FFF2-40B4-BE49-F238E27FC236}">
+                <a16:creationId xmlns:a16="http://schemas.microsoft.com/office/drawing/2014/main" id="{59E2029E-433F-D226-5599-19F70DE8EDCB}"/>
+              </a:ext>
+            </a:extLst>
+          </p:cNvPr>
+          <p:cNvSpPr txBox="1"/>
+          <p:nvPr/>
+        </p:nvSpPr>
+        <p:spPr>
+          <a:xfrm>
+            <a:off x="6394884" y="2286001"/>
+            <a:ext cx="4714042" cy="1477328"/>
+          </a:xfrm>
+          <a:prstGeom prst="rect">
+            <a:avLst/>
+          </a:prstGeom>
+          <a:noFill/>
+        </p:spPr>
+        <p:txBody>
+          <a:bodyPr wrap="square" rtlCol="0">
+            <a:spAutoFit/>
+          </a:bodyPr>
+          <a:lstStyle/>
+          <a:p>
+            <a:r>
+              <a:rPr lang="en-US" dirty="0">
+                <a:solidFill>
+                  <a:schemeClr val="tx2"/>
+                </a:solidFill>
+                <a:latin typeface="+mj-lt"/>
+              </a:rPr>
+              <a:t>3 – Handling categorical attributes</a:t>
+            </a:r>
+          </a:p>
+          <a:p>
+            <a:pPr marL="742950" lvl="1" indent="-285750">
+              <a:buFont typeface="Arial" panose="020B0604020202020204" pitchFamily="34" charset="0"/>
+              <a:buChar char="•"/>
+            </a:pPr>
+            <a:r>
+              <a:rPr lang="en-US" dirty="0">
+                <a:solidFill>
+                  <a:schemeClr val="bg1"/>
+                </a:solidFill>
+              </a:rPr>
+              <a:t>Apply One-Hot Encoding.</a:t>
+            </a:r>
+          </a:p>
+          <a:p>
+            <a:r>
+              <a:rPr lang="en-US" dirty="0">
+                <a:solidFill>
+                  <a:schemeClr val="tx2"/>
+                </a:solidFill>
+                <a:latin typeface="+mj-lt"/>
+              </a:rPr>
+              <a:t>4 – Apply Feature Scaling </a:t>
+            </a:r>
+          </a:p>
+          <a:p>
+            <a:pPr marL="742950" lvl="1" indent="-285750">
+              <a:buFont typeface="Arial" panose="020B0604020202020204" pitchFamily="34" charset="0"/>
+              <a:buChar char="•"/>
+            </a:pPr>
+            <a:r>
+              <a:rPr lang="en-US" dirty="0">
+                <a:solidFill>
+                  <a:schemeClr val="bg1"/>
+                </a:solidFill>
+              </a:rPr>
+              <a:t>Standardize numerical features.</a:t>
+            </a:r>
+          </a:p>
+          <a:p>
+            <a:endParaRPr lang="en-US" dirty="0">
+              <a:solidFill>
+                <a:schemeClr val="tx2"/>
+              </a:solidFill>
+            </a:endParaRPr>
+          </a:p>
+        </p:txBody>
+      </p:sp>
     </p:spTree>
     <p:extLst>
       <p:ext uri="{BB962C8B-B14F-4D97-AF65-F5344CB8AC3E}">
-        <p14:creationId xmlns:p14="http://schemas.microsoft.com/office/powerpoint/2010/main" val="782606217"/>
+        <p14:creationId xmlns:p14="http://schemas.microsoft.com/office/powerpoint/2010/main" val="1797495244"/>
       </p:ext>
     </p:extLst>
   </p:cSld>
@@ -20653,7 +20752,7 @@
           <a:p>
             <a:r>
               <a:rPr lang="en-US" sz="3200" dirty="0"/>
-              <a:t>Feature Engineering</a:t>
+              <a:t>Model building</a:t>
             </a:r>
           </a:p>
         </p:txBody>
@@ -20677,7 +20776,7 @@
         <p:spPr>
           <a:xfrm>
             <a:off x="952500" y="2286001"/>
-            <a:ext cx="4844618" cy="1522520"/>
+            <a:ext cx="5237825" cy="3457852"/>
           </a:xfrm>
         </p:spPr>
         <p:txBody>
@@ -20686,7 +20785,13 @@
           <a:p>
             <a:r>
               <a:rPr lang="en-US" dirty="0"/>
-              <a:t>1 – Create test set</a:t>
+              <a:t>1 - Build Transformation pipeline</a:t>
+            </a:r>
+          </a:p>
+          <a:p>
+            <a:r>
+              <a:rPr lang="en-US" dirty="0"/>
+              <a:t>2 - Select and train a certain model</a:t>
             </a:r>
           </a:p>
           <a:p>
@@ -20695,12 +20800,8 @@
               <a:buChar char="•"/>
             </a:pPr>
             <a:r>
-              <a:rPr lang="en-US" sz="1800" dirty="0">
-                <a:solidFill>
-                  <a:schemeClr val="bg1"/>
-                </a:solidFill>
-              </a:rPr>
-              <a:t>before any step to avoid data leakage.</a:t>
+              <a:rPr lang="en-US" sz="1800" dirty="0"/>
+              <a:t>Logistic Regression</a:t>
             </a:r>
           </a:p>
           <a:p>
@@ -20709,18 +20810,60 @@
               <a:buChar char="•"/>
             </a:pPr>
             <a:r>
-              <a:rPr lang="en-US" sz="1800" dirty="0">
-                <a:solidFill>
-                  <a:schemeClr val="bg1"/>
-                </a:solidFill>
-              </a:rPr>
-              <a:t>Used Stratified sampling.</a:t>
+              <a:rPr lang="en-US" sz="1800" dirty="0"/>
+              <a:t>Random Forest</a:t>
+            </a:r>
+          </a:p>
+          <a:p>
+            <a:pPr marL="742950" lvl="1" indent="-285750">
+              <a:buFont typeface="Arial" panose="020B0604020202020204" pitchFamily="34" charset="0"/>
+              <a:buChar char="•"/>
+            </a:pPr>
+            <a:r>
+              <a:rPr lang="en-US" sz="1800" dirty="0"/>
+              <a:t>K-Nearest Neighbors</a:t>
             </a:r>
           </a:p>
           <a:p>
             <a:r>
               <a:rPr lang="en-US" dirty="0"/>
-              <a:t>2 – Apply Feature Selection  </a:t>
+              <a:t>3 - Evaluate the models</a:t>
+            </a:r>
+          </a:p>
+          <a:p>
+            <a:pPr marL="742950" lvl="1" indent="-285750">
+              <a:buFont typeface="Arial" panose="020B0604020202020204" pitchFamily="34" charset="0"/>
+              <a:buChar char="•"/>
+            </a:pPr>
+            <a:r>
+              <a:rPr lang="en-US" sz="1800" dirty="0"/>
+              <a:t>K-fold cross-validation</a:t>
+            </a:r>
+          </a:p>
+          <a:p>
+            <a:r>
+              <a:rPr lang="en-US" dirty="0"/>
+              <a:t>4 - Handling Imbalanced Dataset</a:t>
+            </a:r>
+          </a:p>
+          <a:p>
+            <a:pPr marL="742950" lvl="1" indent="-285750">
+              <a:buFont typeface="Arial" panose="020B0604020202020204" pitchFamily="34" charset="0"/>
+              <a:buChar char="•"/>
+            </a:pPr>
+            <a:r>
+              <a:rPr lang="en-US" sz="1800" dirty="0"/>
+              <a:t>Try SMOTE over sampling</a:t>
+            </a:r>
+          </a:p>
+          <a:p>
+            <a:pPr marL="742950" lvl="1" indent="-285750">
+              <a:buFont typeface="Arial" panose="020B0604020202020204" pitchFamily="34" charset="0"/>
+              <a:buChar char="•"/>
+            </a:pPr>
+            <a:r>
+              <a:rPr lang="en-US" sz="1800" dirty="0"/>
+              <a:t>Try Random over sampling</a:t>
             </a:r>
           </a:p>
         </p:txBody>
@@ -20787,9 +20930,10 @@
           <a:lstStyle/>
           <a:p>
             <a:r>
-              <a:rPr lang="en-US" dirty="0"/>
+              <a:rPr lang="en-US"/>
               <a:t>Annual Review</a:t>
             </a:r>
+            <a:endParaRPr lang="en-US" dirty="0"/>
           </a:p>
         </p:txBody>
       </p:sp>
@@ -20923,12 +21067,48 @@
           </a:p>
         </p:txBody>
       </p:sp>
+      <p:sp>
+        <p:nvSpPr>
+          <p:cNvPr id="28" name="TextBox 27">
+            <a:extLst>
+              <a:ext uri="{FF2B5EF4-FFF2-40B4-BE49-F238E27FC236}">
+                <a16:creationId xmlns:a16="http://schemas.microsoft.com/office/drawing/2014/main" id="{CB327ECC-0A97-EE6D-CD83-B0F4B89817A8}"/>
+              </a:ext>
+            </a:extLst>
+          </p:cNvPr>
+          <p:cNvSpPr txBox="1"/>
+          <p:nvPr/>
+        </p:nvSpPr>
+        <p:spPr>
+          <a:xfrm>
+            <a:off x="8877681" y="4640677"/>
+            <a:ext cx="2831966" cy="369332"/>
+          </a:xfrm>
+          <a:prstGeom prst="rect">
+            <a:avLst/>
+          </a:prstGeom>
+          <a:noFill/>
+        </p:spPr>
+        <p:txBody>
+          <a:bodyPr wrap="square" rtlCol="0">
+            <a:spAutoFit/>
+          </a:bodyPr>
+          <a:lstStyle/>
+          <a:p>
+            <a:r>
+              <a:rPr lang="en-US"/>
+              <a:t>   440                     2426</a:t>
+            </a:r>
+            <a:endParaRPr lang="en-US" dirty="0"/>
+          </a:p>
+        </p:txBody>
+      </p:sp>
       <p:pic>
         <p:nvPicPr>
-          <p:cNvPr id="6" name="Picture 5">
-            <a:extLst>
-              <a:ext uri="{FF2B5EF4-FFF2-40B4-BE49-F238E27FC236}">
-                <a16:creationId xmlns:a16="http://schemas.microsoft.com/office/drawing/2014/main" id="{5611DE5B-5AB6-4E19-3E90-36476E18B9B1}"/>
+          <p:cNvPr id="8" name="Picture 7">
+            <a:extLst>
+              <a:ext uri="{FF2B5EF4-FFF2-40B4-BE49-F238E27FC236}">
+                <a16:creationId xmlns:a16="http://schemas.microsoft.com/office/drawing/2014/main" id="{B03BC283-AC18-C883-B3BE-FDC990D609AE}"/>
               </a:ext>
             </a:extLst>
           </p:cNvPr>
@@ -20945,104 +21125,18 @@
         </p:blipFill>
         <p:spPr>
           <a:xfrm>
-            <a:off x="1384915" y="3663444"/>
-            <a:ext cx="4711085" cy="2373372"/>
+            <a:off x="5569246" y="2065785"/>
+            <a:ext cx="6622754" cy="2270957"/>
           </a:xfrm>
           <a:prstGeom prst="rect">
             <a:avLst/>
           </a:prstGeom>
         </p:spPr>
       </p:pic>
-      <p:sp>
-        <p:nvSpPr>
-          <p:cNvPr id="8" name="TextBox 7">
-            <a:extLst>
-              <a:ext uri="{FF2B5EF4-FFF2-40B4-BE49-F238E27FC236}">
-                <a16:creationId xmlns:a16="http://schemas.microsoft.com/office/drawing/2014/main" id="{59E2029E-433F-D226-5599-19F70DE8EDCB}"/>
-              </a:ext>
-            </a:extLst>
-          </p:cNvPr>
-          <p:cNvSpPr txBox="1"/>
-          <p:nvPr/>
-        </p:nvSpPr>
-        <p:spPr>
-          <a:xfrm>
-            <a:off x="6394884" y="2286001"/>
-            <a:ext cx="4714042" cy="1477328"/>
-          </a:xfrm>
-          <a:prstGeom prst="rect">
-            <a:avLst/>
-          </a:prstGeom>
-          <a:noFill/>
-        </p:spPr>
-        <p:txBody>
-          <a:bodyPr wrap="square" rtlCol="0">
-            <a:spAutoFit/>
-          </a:bodyPr>
-          <a:lstStyle/>
-          <a:p>
-            <a:r>
-              <a:rPr lang="en-US" dirty="0">
-                <a:solidFill>
-                  <a:schemeClr val="tx2"/>
-                </a:solidFill>
-                <a:latin typeface="+mj-lt"/>
-              </a:rPr>
-              <a:t>3 – Handling categorical attributes</a:t>
-            </a:r>
-          </a:p>
-          <a:p>
-            <a:pPr marL="742950" lvl="1" indent="-285750">
-              <a:buFont typeface="Arial" panose="020B0604020202020204" pitchFamily="34" charset="0"/>
-              <a:buChar char="•"/>
-            </a:pPr>
-            <a:r>
-              <a:rPr lang="en-US" dirty="0">
-                <a:solidFill>
-                  <a:schemeClr val="bg1"/>
-                </a:solidFill>
-              </a:rPr>
-              <a:t>Apply One-Hot Encoding.</a:t>
-            </a:r>
-          </a:p>
-          <a:p>
-            <a:r>
-              <a:rPr lang="en-US" dirty="0">
-                <a:solidFill>
-                  <a:schemeClr val="tx2"/>
-                </a:solidFill>
-                <a:latin typeface="+mj-lt"/>
-              </a:rPr>
-              <a:t>4 – Apply Feature Scaling </a:t>
-            </a:r>
-          </a:p>
-          <a:p>
-            <a:pPr marL="742950" lvl="1" indent="-285750">
-              <a:buFont typeface="Arial" panose="020B0604020202020204" pitchFamily="34" charset="0"/>
-              <a:buChar char="•"/>
-            </a:pPr>
-            <a:r>
-              <a:rPr lang="en-US" dirty="0">
-                <a:solidFill>
-                  <a:schemeClr val="bg1"/>
-                </a:solidFill>
-              </a:rPr>
-              <a:t>Standardize numerical features.</a:t>
-            </a:r>
-          </a:p>
-          <a:p>
-            <a:endParaRPr lang="en-US" dirty="0">
-              <a:solidFill>
-                <a:schemeClr val="tx2"/>
-              </a:solidFill>
-            </a:endParaRPr>
-          </a:p>
-        </p:txBody>
-      </p:sp>
     </p:spTree>
     <p:extLst>
       <p:ext uri="{BB962C8B-B14F-4D97-AF65-F5344CB8AC3E}">
-        <p14:creationId xmlns:p14="http://schemas.microsoft.com/office/powerpoint/2010/main" val="1797495244"/>
+        <p14:creationId xmlns:p14="http://schemas.microsoft.com/office/powerpoint/2010/main" val="3469920771"/>
       </p:ext>
     </p:extLst>
   </p:cSld>
@@ -21122,8 +21216,8 @@
         </p:nvSpPr>
         <p:spPr>
           <a:xfrm>
-            <a:off x="952500" y="2286001"/>
-            <a:ext cx="5237825" cy="3457852"/>
+            <a:off x="952501" y="2286001"/>
+            <a:ext cx="5143500" cy="2854170"/>
           </a:xfrm>
         </p:spPr>
         <p:txBody>
@@ -21132,13 +21226,7 @@
           <a:p>
             <a:r>
               <a:rPr lang="en-US" dirty="0"/>
-              <a:t>1 - Build Transformation pipeline</a:t>
-            </a:r>
-          </a:p>
-          <a:p>
-            <a:r>
-              <a:rPr lang="en-US" dirty="0"/>
-              <a:t>2 - Select and train a certain model</a:t>
+              <a:t>4 – Fine Tuning the best models</a:t>
             </a:r>
           </a:p>
           <a:p>
@@ -21148,7 +21236,13 @@
             </a:pPr>
             <a:r>
               <a:rPr lang="en-US" sz="1800" dirty="0"/>
-              <a:t>Logistic Regression</a:t>
+              <a:t>Using Grid Search</a:t>
+            </a:r>
+          </a:p>
+          <a:p>
+            <a:r>
+              <a:rPr lang="en-US" dirty="0"/>
+              <a:t>5 – Try Ensemble Learning</a:t>
             </a:r>
           </a:p>
           <a:p>
@@ -21157,8 +21251,12 @@
               <a:buChar char="•"/>
             </a:pPr>
             <a:r>
-              <a:rPr lang="en-US" sz="1800" dirty="0"/>
-              <a:t>Random Forest</a:t>
+              <a:rPr lang="en-US" sz="1800" dirty="0">
+                <a:solidFill>
+                  <a:schemeClr val="bg1"/>
+                </a:solidFill>
+              </a:rPr>
+              <a:t>Voting Classifier(soft)</a:t>
             </a:r>
           </a:p>
           <a:p>
@@ -21168,13 +21266,26 @@
             </a:pPr>
             <a:r>
               <a:rPr lang="en-US" sz="1800" dirty="0"/>
-              <a:t>K-Nearest Neighbors</a:t>
-            </a:r>
+              <a:t>Gradient Boosting(</a:t>
+            </a:r>
+            <a:r>
+              <a:rPr lang="en-US" sz="1800" dirty="0" err="1"/>
+              <a:t>Xgboost</a:t>
+            </a:r>
+            <a:r>
+              <a:rPr lang="en-US" sz="1800" dirty="0"/>
+              <a:t>)</a:t>
+            </a:r>
+            <a:endParaRPr lang="en-US" sz="1200" dirty="0">
+              <a:solidFill>
+                <a:schemeClr val="bg1"/>
+              </a:solidFill>
+            </a:endParaRPr>
           </a:p>
           <a:p>
             <a:r>
               <a:rPr lang="en-US" dirty="0"/>
-              <a:t>3 - Evaluate the models</a:t>
+              <a:t>6 – Analyze the Best Models and their Errors</a:t>
             </a:r>
           </a:p>
           <a:p>
@@ -21184,34 +21295,13 @@
             </a:pPr>
             <a:r>
               <a:rPr lang="en-US" sz="1800" dirty="0"/>
-              <a:t>K-fold cross-validation</a:t>
-            </a:r>
-          </a:p>
-          <a:p>
-            <a:r>
-              <a:rPr lang="en-US" dirty="0"/>
-              <a:t>4 - Handling Imbalanced Dataset</a:t>
-            </a:r>
-          </a:p>
-          <a:p>
-            <a:pPr marL="742950" lvl="1" indent="-285750">
-              <a:buFont typeface="Arial" panose="020B0604020202020204" pitchFamily="34" charset="0"/>
-              <a:buChar char="•"/>
-            </a:pPr>
-            <a:r>
-              <a:rPr lang="en-US" sz="1800" dirty="0"/>
-              <a:t>Try SMOTE over sampling</a:t>
-            </a:r>
-          </a:p>
-          <a:p>
-            <a:pPr marL="742950" lvl="1" indent="-285750">
-              <a:buFont typeface="Arial" panose="020B0604020202020204" pitchFamily="34" charset="0"/>
-              <a:buChar char="•"/>
-            </a:pPr>
-            <a:r>
-              <a:rPr lang="en-US" sz="1800" dirty="0"/>
-              <a:t>Try Random over sampling</a:t>
-            </a:r>
+              <a:t>Using Random Forest </a:t>
+            </a:r>
+            <a:r>
+              <a:rPr lang="en-US" sz="1800" dirty="0" err="1"/>
+              <a:t>feature_importances</a:t>
+            </a:r>
+            <a:endParaRPr lang="en-US" sz="1800" dirty="0"/>
           </a:p>
         </p:txBody>
       </p:sp>
@@ -21277,10 +21367,9 @@
           <a:lstStyle/>
           <a:p>
             <a:r>
-              <a:rPr lang="en-US"/>
+              <a:rPr lang="en-US" dirty="0"/>
               <a:t>Annual Review</a:t>
             </a:r>
-            <a:endParaRPr lang="en-US" dirty="0"/>
           </a:p>
         </p:txBody>
       </p:sp>
@@ -21443,47 +21532,16 @@
           <a:lstStyle/>
           <a:p>
             <a:r>
-              <a:rPr lang="en-US"/>
+              <a:rPr lang="en-US" dirty="0"/>
               <a:t>   440                     2426</a:t>
             </a:r>
-            <a:endParaRPr lang="en-US" dirty="0"/>
-          </a:p>
-        </p:txBody>
-      </p:sp>
-      <p:pic>
-        <p:nvPicPr>
-          <p:cNvPr id="8" name="Picture 7">
-            <a:extLst>
-              <a:ext uri="{FF2B5EF4-FFF2-40B4-BE49-F238E27FC236}">
-                <a16:creationId xmlns:a16="http://schemas.microsoft.com/office/drawing/2014/main" id="{B03BC283-AC18-C883-B3BE-FDC990D609AE}"/>
-              </a:ext>
-            </a:extLst>
-          </p:cNvPr>
-          <p:cNvPicPr>
-            <a:picLocks noChangeAspect="1"/>
-          </p:cNvPicPr>
-          <p:nvPr/>
-        </p:nvPicPr>
-        <p:blipFill>
-          <a:blip r:embed="rId2"/>
-          <a:stretch>
-            <a:fillRect/>
-          </a:stretch>
-        </p:blipFill>
-        <p:spPr>
-          <a:xfrm>
-            <a:off x="5569246" y="2065785"/>
-            <a:ext cx="6622754" cy="2270957"/>
-          </a:xfrm>
-          <a:prstGeom prst="rect">
-            <a:avLst/>
-          </a:prstGeom>
-        </p:spPr>
-      </p:pic>
+          </a:p>
+        </p:txBody>
+      </p:sp>
     </p:spTree>
     <p:extLst>
       <p:ext uri="{BB962C8B-B14F-4D97-AF65-F5344CB8AC3E}">
-        <p14:creationId xmlns:p14="http://schemas.microsoft.com/office/powerpoint/2010/main" val="3469920771"/>
+        <p14:creationId xmlns:p14="http://schemas.microsoft.com/office/powerpoint/2010/main" val="2668556874"/>
       </p:ext>
     </p:extLst>
   </p:cSld>
@@ -21528,8 +21586,8 @@
         </p:nvSpPr>
         <p:spPr>
           <a:xfrm>
-            <a:off x="971550" y="727969"/>
-            <a:ext cx="4559237" cy="761957"/>
+            <a:off x="292962" y="727969"/>
+            <a:ext cx="5237825" cy="761957"/>
           </a:xfrm>
         </p:spPr>
         <p:txBody>
@@ -21540,7 +21598,7 @@
           <a:p>
             <a:r>
               <a:rPr lang="en-US" sz="3200" dirty="0"/>
-              <a:t>Model building</a:t>
+              <a:t>      Model building</a:t>
             </a:r>
           </a:p>
         </p:txBody>
@@ -21563,8 +21621,8 @@
         </p:nvSpPr>
         <p:spPr>
           <a:xfrm>
-            <a:off x="952501" y="2286001"/>
-            <a:ext cx="5143500" cy="2854170"/>
+            <a:off x="952500" y="2286001"/>
+            <a:ext cx="5208603" cy="2708598"/>
           </a:xfrm>
         </p:spPr>
         <p:txBody>
@@ -21573,82 +21631,26 @@
           <a:p>
             <a:r>
               <a:rPr lang="en-US" dirty="0"/>
-              <a:t>4 – Fine Tuning the best models</a:t>
-            </a:r>
-          </a:p>
-          <a:p>
-            <a:pPr marL="742950" lvl="1" indent="-285750">
-              <a:buFont typeface="Arial" panose="020B0604020202020204" pitchFamily="34" charset="0"/>
-              <a:buChar char="•"/>
-            </a:pPr>
-            <a:r>
-              <a:rPr lang="en-US" sz="1800" dirty="0"/>
-              <a:t>Using Grid Search</a:t>
-            </a:r>
+              <a:t>6 – Evaluate your system on the test set</a:t>
+            </a:r>
+          </a:p>
+          <a:p>
+            <a:endParaRPr lang="en-US" dirty="0"/>
+          </a:p>
+          <a:p>
+            <a:endParaRPr lang="en-US" dirty="0"/>
+          </a:p>
+          <a:p>
+            <a:endParaRPr lang="en-US" dirty="0"/>
+          </a:p>
+          <a:p>
+            <a:endParaRPr lang="en-US" dirty="0"/>
           </a:p>
           <a:p>
             <a:r>
               <a:rPr lang="en-US" dirty="0"/>
-              <a:t>5 – Try Ensemble Learning</a:t>
-            </a:r>
-          </a:p>
-          <a:p>
-            <a:pPr marL="742950" lvl="1" indent="-285750">
-              <a:buFont typeface="Arial" panose="020B0604020202020204" pitchFamily="34" charset="0"/>
-              <a:buChar char="•"/>
-            </a:pPr>
-            <a:r>
-              <a:rPr lang="en-US" sz="1800" dirty="0">
-                <a:solidFill>
-                  <a:schemeClr val="bg1"/>
-                </a:solidFill>
-              </a:rPr>
-              <a:t>Voting Classifier(soft)</a:t>
-            </a:r>
-          </a:p>
-          <a:p>
-            <a:pPr marL="742950" lvl="1" indent="-285750">
-              <a:buFont typeface="Arial" panose="020B0604020202020204" pitchFamily="34" charset="0"/>
-              <a:buChar char="•"/>
-            </a:pPr>
-            <a:r>
-              <a:rPr lang="en-US" sz="1800" dirty="0"/>
-              <a:t>Gradient Boosting(</a:t>
-            </a:r>
-            <a:r>
-              <a:rPr lang="en-US" sz="1800" dirty="0" err="1"/>
-              <a:t>Xgboost</a:t>
-            </a:r>
-            <a:r>
-              <a:rPr lang="en-US" sz="1800" dirty="0"/>
-              <a:t>)</a:t>
-            </a:r>
-            <a:endParaRPr lang="en-US" sz="1200" dirty="0">
-              <a:solidFill>
-                <a:schemeClr val="bg1"/>
-              </a:solidFill>
-            </a:endParaRPr>
-          </a:p>
-          <a:p>
-            <a:r>
-              <a:rPr lang="en-US" dirty="0"/>
-              <a:t>6 – Analyze the Best Models and their Errors</a:t>
-            </a:r>
-          </a:p>
-          <a:p>
-            <a:pPr marL="742950" lvl="1" indent="-285750">
-              <a:buFont typeface="Arial" panose="020B0604020202020204" pitchFamily="34" charset="0"/>
-              <a:buChar char="•"/>
-            </a:pPr>
-            <a:r>
-              <a:rPr lang="en-US" sz="1800" dirty="0"/>
-              <a:t>Using Random Forest </a:t>
-            </a:r>
-            <a:r>
-              <a:rPr lang="en-US" sz="1800" dirty="0" err="1"/>
-              <a:t>feature_importances</a:t>
-            </a:r>
-            <a:endParaRPr lang="en-US" sz="1800" dirty="0"/>
+              <a:t>7 – Import the best model</a:t>
+            </a:r>
           </a:p>
         </p:txBody>
       </p:sp>
@@ -21852,10 +21854,215 @@
       </p:sp>
       <p:sp>
         <p:nvSpPr>
-          <p:cNvPr id="28" name="TextBox 27">
-            <a:extLst>
-              <a:ext uri="{FF2B5EF4-FFF2-40B4-BE49-F238E27FC236}">
-                <a16:creationId xmlns:a16="http://schemas.microsoft.com/office/drawing/2014/main" id="{CB327ECC-0A97-EE6D-CD83-B0F4B89817A8}"/>
+          <p:cNvPr id="7" name="Rectangle 6">
+            <a:extLst>
+              <a:ext uri="{FF2B5EF4-FFF2-40B4-BE49-F238E27FC236}">
+                <a16:creationId xmlns:a16="http://schemas.microsoft.com/office/drawing/2014/main" id="{BE40983B-4DF4-9834-E3BA-598E535A93D1}"/>
+              </a:ext>
+            </a:extLst>
+          </p:cNvPr>
+          <p:cNvSpPr/>
+          <p:nvPr/>
+        </p:nvSpPr>
+        <p:spPr>
+          <a:xfrm>
+            <a:off x="5530787" y="2706693"/>
+            <a:ext cx="3071674" cy="1615735"/>
+          </a:xfrm>
+          <a:prstGeom prst="rect">
+            <a:avLst/>
+          </a:prstGeom>
+        </p:spPr>
+        <p:style>
+          <a:lnRef idx="2">
+            <a:schemeClr val="accent1">
+              <a:shade val="15000"/>
+            </a:schemeClr>
+          </a:lnRef>
+          <a:fillRef idx="1">
+            <a:schemeClr val="accent1"/>
+          </a:fillRef>
+          <a:effectRef idx="0">
+            <a:schemeClr val="accent1"/>
+          </a:effectRef>
+          <a:fontRef idx="minor">
+            <a:schemeClr val="lt1"/>
+          </a:fontRef>
+        </p:style>
+        <p:txBody>
+          <a:bodyPr rtlCol="0" anchor="ctr"/>
+          <a:lstStyle/>
+          <a:p>
+            <a:pPr algn="ctr"/>
+            <a:endParaRPr lang="en-US" dirty="0"/>
+          </a:p>
+        </p:txBody>
+      </p:sp>
+      <p:cxnSp>
+        <p:nvCxnSpPr>
+          <p:cNvPr id="9" name="Straight Connector 8">
+            <a:extLst>
+              <a:ext uri="{FF2B5EF4-FFF2-40B4-BE49-F238E27FC236}">
+                <a16:creationId xmlns:a16="http://schemas.microsoft.com/office/drawing/2014/main" id="{156A008B-F4F7-E441-5A52-6412E7657232}"/>
+              </a:ext>
+            </a:extLst>
+          </p:cNvPr>
+          <p:cNvCxnSpPr>
+            <a:cxnSpLocks/>
+            <a:stCxn id="7" idx="0"/>
+          </p:cNvCxnSpPr>
+          <p:nvPr/>
+        </p:nvCxnSpPr>
+        <p:spPr>
+          <a:xfrm>
+            <a:off x="7066624" y="2706693"/>
+            <a:ext cx="62144" cy="497149"/>
+          </a:xfrm>
+          <a:prstGeom prst="line">
+            <a:avLst/>
+          </a:prstGeom>
+        </p:spPr>
+        <p:style>
+          <a:lnRef idx="1">
+            <a:schemeClr val="accent1"/>
+          </a:lnRef>
+          <a:fillRef idx="0">
+            <a:schemeClr val="accent1"/>
+          </a:fillRef>
+          <a:effectRef idx="0">
+            <a:schemeClr val="accent1"/>
+          </a:effectRef>
+          <a:fontRef idx="minor">
+            <a:schemeClr val="tx1"/>
+          </a:fontRef>
+        </p:style>
+      </p:cxnSp>
+      <p:cxnSp>
+        <p:nvCxnSpPr>
+          <p:cNvPr id="12" name="Straight Connector 11">
+            <a:extLst>
+              <a:ext uri="{FF2B5EF4-FFF2-40B4-BE49-F238E27FC236}">
+                <a16:creationId xmlns:a16="http://schemas.microsoft.com/office/drawing/2014/main" id="{42B1975F-8AAF-E384-3F6A-8F14EB91D93F}"/>
+              </a:ext>
+            </a:extLst>
+          </p:cNvPr>
+          <p:cNvCxnSpPr>
+            <a:cxnSpLocks/>
+            <a:stCxn id="7" idx="3"/>
+            <a:endCxn id="7" idx="1"/>
+          </p:cNvCxnSpPr>
+          <p:nvPr/>
+        </p:nvCxnSpPr>
+        <p:spPr>
+          <a:xfrm flipH="1">
+            <a:off x="5530787" y="3514561"/>
+            <a:ext cx="3071674" cy="0"/>
+          </a:xfrm>
+          <a:prstGeom prst="line">
+            <a:avLst/>
+          </a:prstGeom>
+        </p:spPr>
+        <p:style>
+          <a:lnRef idx="1">
+            <a:schemeClr val="dk1"/>
+          </a:lnRef>
+          <a:fillRef idx="0">
+            <a:schemeClr val="dk1"/>
+          </a:fillRef>
+          <a:effectRef idx="0">
+            <a:schemeClr val="dk1"/>
+          </a:effectRef>
+          <a:fontRef idx="minor">
+            <a:schemeClr val="tx1"/>
+          </a:fontRef>
+        </p:style>
+      </p:cxnSp>
+      <p:cxnSp>
+        <p:nvCxnSpPr>
+          <p:cNvPr id="17" name="Straight Connector 16">
+            <a:extLst>
+              <a:ext uri="{FF2B5EF4-FFF2-40B4-BE49-F238E27FC236}">
+                <a16:creationId xmlns:a16="http://schemas.microsoft.com/office/drawing/2014/main" id="{971DD357-7F45-AE55-7630-BF9151FBF51A}"/>
+              </a:ext>
+            </a:extLst>
+          </p:cNvPr>
+          <p:cNvCxnSpPr>
+            <a:cxnSpLocks/>
+            <a:stCxn id="7" idx="2"/>
+            <a:endCxn id="7" idx="0"/>
+          </p:cNvCxnSpPr>
+          <p:nvPr/>
+        </p:nvCxnSpPr>
+        <p:spPr>
+          <a:xfrm flipV="1">
+            <a:off x="7066624" y="2706693"/>
+            <a:ext cx="0" cy="1615735"/>
+          </a:xfrm>
+          <a:prstGeom prst="line">
+            <a:avLst/>
+          </a:prstGeom>
+        </p:spPr>
+        <p:style>
+          <a:lnRef idx="1">
+            <a:schemeClr val="accent1"/>
+          </a:lnRef>
+          <a:fillRef idx="0">
+            <a:schemeClr val="accent1"/>
+          </a:fillRef>
+          <a:effectRef idx="0">
+            <a:schemeClr val="accent1"/>
+          </a:effectRef>
+          <a:fontRef idx="minor">
+            <a:schemeClr val="tx1"/>
+          </a:fontRef>
+        </p:style>
+      </p:cxnSp>
+      <p:cxnSp>
+        <p:nvCxnSpPr>
+          <p:cNvPr id="21" name="Straight Connector 20">
+            <a:extLst>
+              <a:ext uri="{FF2B5EF4-FFF2-40B4-BE49-F238E27FC236}">
+                <a16:creationId xmlns:a16="http://schemas.microsoft.com/office/drawing/2014/main" id="{975DFBD1-DF0E-49AF-32BD-283ECEA9F4DB}"/>
+              </a:ext>
+            </a:extLst>
+          </p:cNvPr>
+          <p:cNvCxnSpPr>
+            <a:cxnSpLocks/>
+            <a:stCxn id="7" idx="2"/>
+            <a:endCxn id="7" idx="0"/>
+          </p:cNvCxnSpPr>
+          <p:nvPr/>
+        </p:nvCxnSpPr>
+        <p:spPr>
+          <a:xfrm flipV="1">
+            <a:off x="7066624" y="2706693"/>
+            <a:ext cx="0" cy="1615735"/>
+          </a:xfrm>
+          <a:prstGeom prst="line">
+            <a:avLst/>
+          </a:prstGeom>
+        </p:spPr>
+        <p:style>
+          <a:lnRef idx="1">
+            <a:schemeClr val="dk1"/>
+          </a:lnRef>
+          <a:fillRef idx="0">
+            <a:schemeClr val="dk1"/>
+          </a:fillRef>
+          <a:effectRef idx="0">
+            <a:schemeClr val="dk1"/>
+          </a:effectRef>
+          <a:fontRef idx="minor">
+            <a:schemeClr val="tx1"/>
+          </a:fontRef>
+        </p:style>
+      </p:cxnSp>
+      <p:sp>
+        <p:nvSpPr>
+          <p:cNvPr id="24" name="TextBox 23">
+            <a:extLst>
+              <a:ext uri="{FF2B5EF4-FFF2-40B4-BE49-F238E27FC236}">
+                <a16:creationId xmlns:a16="http://schemas.microsoft.com/office/drawing/2014/main" id="{4D26C8D0-6DFD-568D-094B-53CD6C434F38}"/>
               </a:ext>
             </a:extLst>
           </p:cNvPr>
@@ -21864,7 +22071,7 @@
         </p:nvSpPr>
         <p:spPr>
           <a:xfrm>
-            <a:off x="8877681" y="4640677"/>
+            <a:off x="5770495" y="2955267"/>
             <a:ext cx="2831966" cy="369332"/>
           </a:xfrm>
           <a:prstGeom prst="rect">
@@ -21880,15 +22087,188 @@
           <a:p>
             <a:r>
               <a:rPr lang="en-US" dirty="0"/>
+              <a:t>12759                    4375</a:t>
+            </a:r>
+          </a:p>
+        </p:txBody>
+      </p:sp>
+      <p:sp>
+        <p:nvSpPr>
+          <p:cNvPr id="28" name="TextBox 27">
+            <a:extLst>
+              <a:ext uri="{FF2B5EF4-FFF2-40B4-BE49-F238E27FC236}">
+                <a16:creationId xmlns:a16="http://schemas.microsoft.com/office/drawing/2014/main" id="{CB327ECC-0A97-EE6D-CD83-B0F4B89817A8}"/>
+              </a:ext>
+            </a:extLst>
+          </p:cNvPr>
+          <p:cNvSpPr txBox="1"/>
+          <p:nvPr/>
+        </p:nvSpPr>
+        <p:spPr>
+          <a:xfrm>
+            <a:off x="5712796" y="3766423"/>
+            <a:ext cx="2831966" cy="369332"/>
+          </a:xfrm>
+          <a:prstGeom prst="rect">
+            <a:avLst/>
+          </a:prstGeom>
+          <a:noFill/>
+        </p:spPr>
+        <p:txBody>
+          <a:bodyPr wrap="square" rtlCol="0">
+            <a:spAutoFit/>
+          </a:bodyPr>
+          <a:lstStyle/>
+          <a:p>
+            <a:r>
+              <a:rPr lang="en-US" dirty="0"/>
               <a:t>   440                     2426</a:t>
             </a:r>
           </a:p>
         </p:txBody>
       </p:sp>
+      <p:sp>
+        <p:nvSpPr>
+          <p:cNvPr id="29" name="TextBox 28">
+            <a:extLst>
+              <a:ext uri="{FF2B5EF4-FFF2-40B4-BE49-F238E27FC236}">
+                <a16:creationId xmlns:a16="http://schemas.microsoft.com/office/drawing/2014/main" id="{5C666DF6-76D7-46E6-7185-0428120AB28F}"/>
+              </a:ext>
+            </a:extLst>
+          </p:cNvPr>
+          <p:cNvSpPr txBox="1"/>
+          <p:nvPr/>
+        </p:nvSpPr>
+        <p:spPr>
+          <a:xfrm>
+            <a:off x="6059014" y="2057714"/>
+            <a:ext cx="2485748" cy="369332"/>
+          </a:xfrm>
+          <a:prstGeom prst="rect">
+            <a:avLst/>
+          </a:prstGeom>
+          <a:noFill/>
+        </p:spPr>
+        <p:txBody>
+          <a:bodyPr wrap="square" rtlCol="0">
+            <a:spAutoFit/>
+          </a:bodyPr>
+          <a:lstStyle/>
+          <a:p>
+            <a:r>
+              <a:rPr lang="en-US" b="1" dirty="0">
+                <a:solidFill>
+                  <a:schemeClr val="bg1"/>
+                </a:solidFill>
+              </a:rPr>
+              <a:t>Confusion Matrix</a:t>
+            </a:r>
+          </a:p>
+        </p:txBody>
+      </p:sp>
+      <p:sp>
+        <p:nvSpPr>
+          <p:cNvPr id="34" name="TextBox 33">
+            <a:extLst>
+              <a:ext uri="{FF2B5EF4-FFF2-40B4-BE49-F238E27FC236}">
+                <a16:creationId xmlns:a16="http://schemas.microsoft.com/office/drawing/2014/main" id="{B9B80916-1DE0-9A97-8F3B-27BEEF02FF83}"/>
+              </a:ext>
+            </a:extLst>
+          </p:cNvPr>
+          <p:cNvSpPr txBox="1"/>
+          <p:nvPr/>
+        </p:nvSpPr>
+        <p:spPr>
+          <a:xfrm>
+            <a:off x="1494790" y="2787964"/>
+            <a:ext cx="2894121" cy="1200329"/>
+          </a:xfrm>
+          <a:prstGeom prst="rect">
+            <a:avLst/>
+          </a:prstGeom>
+          <a:noFill/>
+        </p:spPr>
+        <p:txBody>
+          <a:bodyPr wrap="square" rtlCol="0">
+            <a:spAutoFit/>
+          </a:bodyPr>
+          <a:lstStyle/>
+          <a:p>
+            <a:r>
+              <a:rPr lang="en-US" dirty="0">
+                <a:solidFill>
+                  <a:schemeClr val="bg1"/>
+                </a:solidFill>
+              </a:rPr>
+              <a:t>True Negatives(TN): 12759</a:t>
+            </a:r>
+          </a:p>
+          <a:p>
+            <a:r>
+              <a:rPr lang="en-US" dirty="0">
+                <a:solidFill>
+                  <a:schemeClr val="bg1"/>
+                </a:solidFill>
+              </a:rPr>
+              <a:t>True Positives(TP): 2426</a:t>
+            </a:r>
+          </a:p>
+          <a:p>
+            <a:r>
+              <a:rPr lang="en-US" dirty="0">
+                <a:solidFill>
+                  <a:schemeClr val="bg1"/>
+                </a:solidFill>
+              </a:rPr>
+              <a:t>False Negatives(FN): 440</a:t>
+            </a:r>
+          </a:p>
+          <a:p>
+            <a:r>
+              <a:rPr lang="en-US" dirty="0">
+                <a:solidFill>
+                  <a:schemeClr val="bg1"/>
+                </a:solidFill>
+              </a:rPr>
+              <a:t>False Positives(FP): 4375</a:t>
+            </a:r>
+          </a:p>
+        </p:txBody>
+      </p:sp>
+      <p:pic>
+        <p:nvPicPr>
+          <p:cNvPr id="8" name="Picture 7">
+            <a:extLst>
+              <a:ext uri="{FF2B5EF4-FFF2-40B4-BE49-F238E27FC236}">
+                <a16:creationId xmlns:a16="http://schemas.microsoft.com/office/drawing/2014/main" id="{E0BE1A38-A169-7AA6-5AFC-1CBFFD9160C9}"/>
+              </a:ext>
+            </a:extLst>
+          </p:cNvPr>
+          <p:cNvPicPr>
+            <a:picLocks noChangeAspect="1"/>
+          </p:cNvPicPr>
+          <p:nvPr/>
+        </p:nvPicPr>
+        <p:blipFill>
+          <a:blip r:embed="rId2"/>
+          <a:stretch>
+            <a:fillRect/>
+          </a:stretch>
+        </p:blipFill>
+        <p:spPr>
+          <a:xfrm>
+            <a:off x="4456588" y="4789625"/>
+            <a:ext cx="5282215" cy="1217814"/>
+          </a:xfrm>
+          <a:prstGeom prst="rect">
+            <a:avLst/>
+          </a:prstGeom>
+        </p:spPr>
+      </p:pic>
     </p:spTree>
     <p:extLst>
       <p:ext uri="{BB962C8B-B14F-4D97-AF65-F5344CB8AC3E}">
-        <p14:creationId xmlns:p14="http://schemas.microsoft.com/office/powerpoint/2010/main" val="2668556874"/>
+        <p14:creationId xmlns:p14="http://schemas.microsoft.com/office/powerpoint/2010/main" val="2051584230"/>
       </p:ext>
     </p:extLst>
   </p:cSld>
@@ -22314,9 +22694,12 @@
           </a:bodyPr>
           <a:lstStyle/>
           <a:p>
-            <a:r>
+            <a:br>
               <a:rPr lang="en-US" sz="3200" dirty="0"/>
-              <a:t>      Model building</a:t>
+            </a:br>
+            <a:r>
+              <a:rPr lang="en-US" sz="3200" dirty="0"/>
+              <a:t>     Things To try next</a:t>
             </a:r>
           </a:p>
         </p:txBody>
@@ -22340,7 +22723,7 @@
         <p:spPr>
           <a:xfrm>
             <a:off x="952500" y="2286001"/>
-            <a:ext cx="5208603" cy="2708598"/>
+            <a:ext cx="10410917" cy="2708598"/>
           </a:xfrm>
         </p:spPr>
         <p:txBody>
@@ -22349,25 +22732,25 @@
           <a:p>
             <a:r>
               <a:rPr lang="en-US" dirty="0"/>
-              <a:t>6 – Evaluate your system on the test set</a:t>
-            </a:r>
-          </a:p>
-          <a:p>
-            <a:endParaRPr lang="en-US" dirty="0"/>
-          </a:p>
-          <a:p>
-            <a:endParaRPr lang="en-US" dirty="0"/>
-          </a:p>
-          <a:p>
-            <a:endParaRPr lang="en-US" dirty="0"/>
-          </a:p>
-          <a:p>
-            <a:endParaRPr lang="en-US" dirty="0"/>
+              <a:t>1 – Exploratory Data Analysis</a:t>
+            </a:r>
           </a:p>
           <a:p>
             <a:r>
               <a:rPr lang="en-US" dirty="0"/>
-              <a:t>7 – Import the best model</a:t>
+              <a:t>	- Convert RGB columns to colors and figure out if there is a correlation between purchases and colors</a:t>
+            </a:r>
+          </a:p>
+          <a:p>
+            <a:r>
+              <a:rPr lang="en-US" dirty="0"/>
+              <a:t>	- Use unsupervised visualization techniques to identify clusters in the data.</a:t>
+            </a:r>
+          </a:p>
+          <a:p>
+            <a:r>
+              <a:rPr lang="en-US" dirty="0"/>
+              <a:t>	- Use Time-series Analysis</a:t>
             </a:r>
           </a:p>
         </p:txBody>
@@ -22570,247 +22953,12 @@
           </a:p>
         </p:txBody>
       </p:sp>
-      <p:pic>
-        <p:nvPicPr>
-          <p:cNvPr id="6" name="Picture 5">
-            <a:extLst>
-              <a:ext uri="{FF2B5EF4-FFF2-40B4-BE49-F238E27FC236}">
-                <a16:creationId xmlns:a16="http://schemas.microsoft.com/office/drawing/2014/main" id="{89B2F895-A1D3-72B5-0343-03A31E1119C0}"/>
-              </a:ext>
-            </a:extLst>
-          </p:cNvPr>
-          <p:cNvPicPr>
-            <a:picLocks noChangeAspect="1"/>
-          </p:cNvPicPr>
-          <p:nvPr/>
-        </p:nvPicPr>
-        <p:blipFill>
-          <a:blip r:embed="rId2"/>
-          <a:stretch>
-            <a:fillRect/>
-          </a:stretch>
-        </p:blipFill>
-        <p:spPr>
-          <a:xfrm>
-            <a:off x="5530787" y="4743120"/>
-            <a:ext cx="5157926" cy="1244396"/>
-          </a:xfrm>
-          <a:prstGeom prst="rect">
-            <a:avLst/>
-          </a:prstGeom>
-        </p:spPr>
-      </p:pic>
-      <p:sp>
-        <p:nvSpPr>
-          <p:cNvPr id="7" name="Rectangle 6">
-            <a:extLst>
-              <a:ext uri="{FF2B5EF4-FFF2-40B4-BE49-F238E27FC236}">
-                <a16:creationId xmlns:a16="http://schemas.microsoft.com/office/drawing/2014/main" id="{BE40983B-4DF4-9834-E3BA-598E535A93D1}"/>
-              </a:ext>
-            </a:extLst>
-          </p:cNvPr>
-          <p:cNvSpPr/>
-          <p:nvPr/>
-        </p:nvSpPr>
-        <p:spPr>
-          <a:xfrm>
-            <a:off x="5530787" y="2706693"/>
-            <a:ext cx="3071674" cy="1615735"/>
-          </a:xfrm>
-          <a:prstGeom prst="rect">
-            <a:avLst/>
-          </a:prstGeom>
-        </p:spPr>
-        <p:style>
-          <a:lnRef idx="2">
-            <a:schemeClr val="accent1">
-              <a:shade val="15000"/>
-            </a:schemeClr>
-          </a:lnRef>
-          <a:fillRef idx="1">
-            <a:schemeClr val="accent1"/>
-          </a:fillRef>
-          <a:effectRef idx="0">
-            <a:schemeClr val="accent1"/>
-          </a:effectRef>
-          <a:fontRef idx="minor">
-            <a:schemeClr val="lt1"/>
-          </a:fontRef>
-        </p:style>
-        <p:txBody>
-          <a:bodyPr rtlCol="0" anchor="ctr"/>
-          <a:lstStyle/>
-          <a:p>
-            <a:pPr algn="ctr"/>
-            <a:endParaRPr lang="en-US" dirty="0"/>
-          </a:p>
-        </p:txBody>
-      </p:sp>
-      <p:cxnSp>
-        <p:nvCxnSpPr>
-          <p:cNvPr id="9" name="Straight Connector 8">
-            <a:extLst>
-              <a:ext uri="{FF2B5EF4-FFF2-40B4-BE49-F238E27FC236}">
-                <a16:creationId xmlns:a16="http://schemas.microsoft.com/office/drawing/2014/main" id="{156A008B-F4F7-E441-5A52-6412E7657232}"/>
-              </a:ext>
-            </a:extLst>
-          </p:cNvPr>
-          <p:cNvCxnSpPr>
-            <a:cxnSpLocks/>
-            <a:stCxn id="7" idx="0"/>
-          </p:cNvCxnSpPr>
-          <p:nvPr/>
-        </p:nvCxnSpPr>
-        <p:spPr>
-          <a:xfrm>
-            <a:off x="7066624" y="2706693"/>
-            <a:ext cx="62144" cy="497149"/>
-          </a:xfrm>
-          <a:prstGeom prst="line">
-            <a:avLst/>
-          </a:prstGeom>
-        </p:spPr>
-        <p:style>
-          <a:lnRef idx="1">
-            <a:schemeClr val="accent1"/>
-          </a:lnRef>
-          <a:fillRef idx="0">
-            <a:schemeClr val="accent1"/>
-          </a:fillRef>
-          <a:effectRef idx="0">
-            <a:schemeClr val="accent1"/>
-          </a:effectRef>
-          <a:fontRef idx="minor">
-            <a:schemeClr val="tx1"/>
-          </a:fontRef>
-        </p:style>
-      </p:cxnSp>
-      <p:cxnSp>
-        <p:nvCxnSpPr>
-          <p:cNvPr id="12" name="Straight Connector 11">
-            <a:extLst>
-              <a:ext uri="{FF2B5EF4-FFF2-40B4-BE49-F238E27FC236}">
-                <a16:creationId xmlns:a16="http://schemas.microsoft.com/office/drawing/2014/main" id="{42B1975F-8AAF-E384-3F6A-8F14EB91D93F}"/>
-              </a:ext>
-            </a:extLst>
-          </p:cNvPr>
-          <p:cNvCxnSpPr>
-            <a:cxnSpLocks/>
-            <a:stCxn id="7" idx="3"/>
-            <a:endCxn id="7" idx="1"/>
-          </p:cNvCxnSpPr>
-          <p:nvPr/>
-        </p:nvCxnSpPr>
-        <p:spPr>
-          <a:xfrm flipH="1">
-            <a:off x="5530787" y="3514561"/>
-            <a:ext cx="3071674" cy="0"/>
-          </a:xfrm>
-          <a:prstGeom prst="line">
-            <a:avLst/>
-          </a:prstGeom>
-        </p:spPr>
-        <p:style>
-          <a:lnRef idx="1">
-            <a:schemeClr val="dk1"/>
-          </a:lnRef>
-          <a:fillRef idx="0">
-            <a:schemeClr val="dk1"/>
-          </a:fillRef>
-          <a:effectRef idx="0">
-            <a:schemeClr val="dk1"/>
-          </a:effectRef>
-          <a:fontRef idx="minor">
-            <a:schemeClr val="tx1"/>
-          </a:fontRef>
-        </p:style>
-      </p:cxnSp>
-      <p:cxnSp>
-        <p:nvCxnSpPr>
-          <p:cNvPr id="17" name="Straight Connector 16">
-            <a:extLst>
-              <a:ext uri="{FF2B5EF4-FFF2-40B4-BE49-F238E27FC236}">
-                <a16:creationId xmlns:a16="http://schemas.microsoft.com/office/drawing/2014/main" id="{971DD357-7F45-AE55-7630-BF9151FBF51A}"/>
-              </a:ext>
-            </a:extLst>
-          </p:cNvPr>
-          <p:cNvCxnSpPr>
-            <a:cxnSpLocks/>
-            <a:stCxn id="7" idx="2"/>
-            <a:endCxn id="7" idx="0"/>
-          </p:cNvCxnSpPr>
-          <p:nvPr/>
-        </p:nvCxnSpPr>
-        <p:spPr>
-          <a:xfrm flipV="1">
-            <a:off x="7066624" y="2706693"/>
-            <a:ext cx="0" cy="1615735"/>
-          </a:xfrm>
-          <a:prstGeom prst="line">
-            <a:avLst/>
-          </a:prstGeom>
-        </p:spPr>
-        <p:style>
-          <a:lnRef idx="1">
-            <a:schemeClr val="accent1"/>
-          </a:lnRef>
-          <a:fillRef idx="0">
-            <a:schemeClr val="accent1"/>
-          </a:fillRef>
-          <a:effectRef idx="0">
-            <a:schemeClr val="accent1"/>
-          </a:effectRef>
-          <a:fontRef idx="minor">
-            <a:schemeClr val="tx1"/>
-          </a:fontRef>
-        </p:style>
-      </p:cxnSp>
-      <p:cxnSp>
-        <p:nvCxnSpPr>
-          <p:cNvPr id="21" name="Straight Connector 20">
-            <a:extLst>
-              <a:ext uri="{FF2B5EF4-FFF2-40B4-BE49-F238E27FC236}">
-                <a16:creationId xmlns:a16="http://schemas.microsoft.com/office/drawing/2014/main" id="{975DFBD1-DF0E-49AF-32BD-283ECEA9F4DB}"/>
-              </a:ext>
-            </a:extLst>
-          </p:cNvPr>
-          <p:cNvCxnSpPr>
-            <a:cxnSpLocks/>
-            <a:stCxn id="7" idx="2"/>
-            <a:endCxn id="7" idx="0"/>
-          </p:cNvCxnSpPr>
-          <p:nvPr/>
-        </p:nvCxnSpPr>
-        <p:spPr>
-          <a:xfrm flipV="1">
-            <a:off x="7066624" y="2706693"/>
-            <a:ext cx="0" cy="1615735"/>
-          </a:xfrm>
-          <a:prstGeom prst="line">
-            <a:avLst/>
-          </a:prstGeom>
-        </p:spPr>
-        <p:style>
-          <a:lnRef idx="1">
-            <a:schemeClr val="dk1"/>
-          </a:lnRef>
-          <a:fillRef idx="0">
-            <a:schemeClr val="dk1"/>
-          </a:fillRef>
-          <a:effectRef idx="0">
-            <a:schemeClr val="dk1"/>
-          </a:effectRef>
-          <a:fontRef idx="minor">
-            <a:schemeClr val="tx1"/>
-          </a:fontRef>
-        </p:style>
-      </p:cxnSp>
-      <p:sp>
-        <p:nvSpPr>
-          <p:cNvPr id="24" name="TextBox 23">
-            <a:extLst>
-              <a:ext uri="{FF2B5EF4-FFF2-40B4-BE49-F238E27FC236}">
-                <a16:creationId xmlns:a16="http://schemas.microsoft.com/office/drawing/2014/main" id="{4D26C8D0-6DFD-568D-094B-53CD6C434F38}"/>
+      <p:sp>
+        <p:nvSpPr>
+          <p:cNvPr id="28" name="TextBox 27">
+            <a:extLst>
+              <a:ext uri="{FF2B5EF4-FFF2-40B4-BE49-F238E27FC236}">
+                <a16:creationId xmlns:a16="http://schemas.microsoft.com/office/drawing/2014/main" id="{CB327ECC-0A97-EE6D-CD83-B0F4B89817A8}"/>
               </a:ext>
             </a:extLst>
           </p:cNvPr>
@@ -22819,7 +22967,7 @@
         </p:nvSpPr>
         <p:spPr>
           <a:xfrm>
-            <a:off x="5770495" y="2955267"/>
+            <a:off x="8877681" y="4640677"/>
             <a:ext cx="2831966" cy="369332"/>
           </a:xfrm>
           <a:prstGeom prst="rect">
@@ -22835,150 +22983,7 @@
           <a:p>
             <a:r>
               <a:rPr lang="en-US" dirty="0"/>
-              <a:t>12759                    4375</a:t>
-            </a:r>
-          </a:p>
-        </p:txBody>
-      </p:sp>
-      <p:sp>
-        <p:nvSpPr>
-          <p:cNvPr id="28" name="TextBox 27">
-            <a:extLst>
-              <a:ext uri="{FF2B5EF4-FFF2-40B4-BE49-F238E27FC236}">
-                <a16:creationId xmlns:a16="http://schemas.microsoft.com/office/drawing/2014/main" id="{CB327ECC-0A97-EE6D-CD83-B0F4B89817A8}"/>
-              </a:ext>
-            </a:extLst>
-          </p:cNvPr>
-          <p:cNvSpPr txBox="1"/>
-          <p:nvPr/>
-        </p:nvSpPr>
-        <p:spPr>
-          <a:xfrm>
-            <a:off x="5712796" y="3766423"/>
-            <a:ext cx="2831966" cy="369332"/>
-          </a:xfrm>
-          <a:prstGeom prst="rect">
-            <a:avLst/>
-          </a:prstGeom>
-          <a:noFill/>
-        </p:spPr>
-        <p:txBody>
-          <a:bodyPr wrap="square" rtlCol="0">
-            <a:spAutoFit/>
-          </a:bodyPr>
-          <a:lstStyle/>
-          <a:p>
-            <a:r>
-              <a:rPr lang="en-US" dirty="0"/>
               <a:t>   440                     2426</a:t>
-            </a:r>
-          </a:p>
-        </p:txBody>
-      </p:sp>
-      <p:sp>
-        <p:nvSpPr>
-          <p:cNvPr id="29" name="TextBox 28">
-            <a:extLst>
-              <a:ext uri="{FF2B5EF4-FFF2-40B4-BE49-F238E27FC236}">
-                <a16:creationId xmlns:a16="http://schemas.microsoft.com/office/drawing/2014/main" id="{5C666DF6-76D7-46E6-7185-0428120AB28F}"/>
-              </a:ext>
-            </a:extLst>
-          </p:cNvPr>
-          <p:cNvSpPr txBox="1"/>
-          <p:nvPr/>
-        </p:nvSpPr>
-        <p:spPr>
-          <a:xfrm>
-            <a:off x="6059014" y="2057714"/>
-            <a:ext cx="2485748" cy="369332"/>
-          </a:xfrm>
-          <a:prstGeom prst="rect">
-            <a:avLst/>
-          </a:prstGeom>
-          <a:noFill/>
-        </p:spPr>
-        <p:txBody>
-          <a:bodyPr wrap="square" rtlCol="0">
-            <a:spAutoFit/>
-          </a:bodyPr>
-          <a:lstStyle/>
-          <a:p>
-            <a:r>
-              <a:rPr lang="en-US" b="1" dirty="0">
-                <a:solidFill>
-                  <a:schemeClr val="bg1"/>
-                </a:solidFill>
-              </a:rPr>
-              <a:t>Confusion Matrix</a:t>
-            </a:r>
-          </a:p>
-        </p:txBody>
-      </p:sp>
-      <p:sp>
-        <p:nvSpPr>
-          <p:cNvPr id="34" name="TextBox 33">
-            <a:extLst>
-              <a:ext uri="{FF2B5EF4-FFF2-40B4-BE49-F238E27FC236}">
-                <a16:creationId xmlns:a16="http://schemas.microsoft.com/office/drawing/2014/main" id="{B9B80916-1DE0-9A97-8F3B-27BEEF02FF83}"/>
-              </a:ext>
-            </a:extLst>
-          </p:cNvPr>
-          <p:cNvSpPr txBox="1"/>
-          <p:nvPr/>
-        </p:nvSpPr>
-        <p:spPr>
-          <a:xfrm>
-            <a:off x="1494790" y="2787964"/>
-            <a:ext cx="2894121" cy="1200329"/>
-          </a:xfrm>
-          <a:prstGeom prst="rect">
-            <a:avLst/>
-          </a:prstGeom>
-          <a:noFill/>
-        </p:spPr>
-        <p:txBody>
-          <a:bodyPr wrap="square" rtlCol="0">
-            <a:spAutoFit/>
-          </a:bodyPr>
-          <a:lstStyle/>
-          <a:p>
-            <a:r>
-              <a:rPr lang="en-US" dirty="0">
-                <a:solidFill>
-                  <a:schemeClr val="bg1"/>
-                </a:solidFill>
-              </a:rPr>
-              <a:t>True Negatives(TN): 12759</a:t>
-            </a:r>
-          </a:p>
-          <a:p>
-            <a:r>
-              <a:rPr lang="en-US" dirty="0">
-                <a:solidFill>
-                  <a:schemeClr val="bg1"/>
-                </a:solidFill>
-              </a:rPr>
-              <a:t>True Positives(TP): 2426</a:t>
-            </a:r>
-          </a:p>
-          <a:p>
-            <a:r>
-              <a:rPr lang="en-US" dirty="0">
-                <a:solidFill>
-                  <a:schemeClr val="bg1"/>
-                </a:solidFill>
-              </a:rPr>
-              <a:t>False Negatives(FN): 440</a:t>
-            </a:r>
-          </a:p>
-          <a:p>
-            <a:r>
-              <a:rPr lang="en-US" dirty="0">
-                <a:solidFill>
-                  <a:schemeClr val="bg1"/>
-                </a:solidFill>
-              </a:rPr>
-              <a:t>False Positives(FP): 4375</a:t>
             </a:r>
           </a:p>
         </p:txBody>
@@ -22986,7 +22991,7 @@
     </p:spTree>
     <p:extLst>
       <p:ext uri="{BB962C8B-B14F-4D97-AF65-F5344CB8AC3E}">
-        <p14:creationId xmlns:p14="http://schemas.microsoft.com/office/powerpoint/2010/main" val="2051584230"/>
+        <p14:creationId xmlns:p14="http://schemas.microsoft.com/office/powerpoint/2010/main" val="972980028"/>
       </p:ext>
     </p:extLst>
   </p:cSld>
@@ -23079,25 +23084,33 @@
           <a:p>
             <a:r>
               <a:rPr lang="en-US" dirty="0"/>
-              <a:t>1 – Exploratory Data Analysis</a:t>
+              <a:t>2 – Feature Engineering</a:t>
             </a:r>
           </a:p>
           <a:p>
             <a:r>
               <a:rPr lang="en-US" dirty="0"/>
-              <a:t>	- Convert RGB columns to colors and figure out if there is a correlation between purchases and colors</a:t>
+              <a:t>	- Take the logarithm of Heavy Tailed distribution attributes before scaling.</a:t>
             </a:r>
           </a:p>
           <a:p>
             <a:r>
               <a:rPr lang="en-US" dirty="0"/>
-              <a:t>	- Use unsupervised visualization techniques to identify clusters in the data.</a:t>
-            </a:r>
-          </a:p>
-          <a:p>
+              <a:t>	- Try </a:t>
+            </a:r>
+            <a:r>
+              <a:rPr lang="en-US" dirty="0" err="1"/>
+              <a:t>RobustScaler</a:t>
+            </a:r>
             <a:r>
               <a:rPr lang="en-US" dirty="0"/>
-              <a:t>	- Use Time-series Analysis</a:t>
+              <a:t> with Heavy Tailed attributes.</a:t>
+            </a:r>
+          </a:p>
+          <a:p>
+            <a:r>
+              <a:rPr lang="en-US" dirty="0"/>
+              <a:t>	-  Encode style column to ordinal encoder</a:t>
             </a:r>
           </a:p>
         </p:txBody>
@@ -23338,7 +23351,7 @@
     </p:spTree>
     <p:extLst>
       <p:ext uri="{BB962C8B-B14F-4D97-AF65-F5344CB8AC3E}">
-        <p14:creationId xmlns:p14="http://schemas.microsoft.com/office/powerpoint/2010/main" val="972980028"/>
+        <p14:creationId xmlns:p14="http://schemas.microsoft.com/office/powerpoint/2010/main" val="1383837218"/>
       </p:ext>
     </p:extLst>
   </p:cSld>
@@ -23421,8 +23434,8 @@
         </p:nvSpPr>
         <p:spPr>
           <a:xfrm>
-            <a:off x="952500" y="2286001"/>
-            <a:ext cx="10410917" cy="2708598"/>
+            <a:off x="763480" y="2286001"/>
+            <a:ext cx="10599938" cy="3972756"/>
           </a:xfrm>
         </p:spPr>
         <p:txBody>
@@ -23431,33 +23444,37 @@
           <a:p>
             <a:r>
               <a:rPr lang="en-US" dirty="0"/>
-              <a:t>2 – Feature Engineering</a:t>
+              <a:t>3 – Model Building</a:t>
             </a:r>
           </a:p>
           <a:p>
             <a:r>
               <a:rPr lang="en-US" dirty="0"/>
-              <a:t>	- Take the logarithm of Heavy Tailed distribution attributes before scaling.</a:t>
+              <a:t>	- Try Random over sampling and compare it with Smote over sampling</a:t>
             </a:r>
           </a:p>
           <a:p>
             <a:r>
               <a:rPr lang="en-US" dirty="0"/>
-              <a:t>	- Try </a:t>
-            </a:r>
-            <a:r>
-              <a:rPr lang="en-US" dirty="0" err="1"/>
-              <a:t>RobustScaler</a:t>
-            </a:r>
+              <a:t>	- Try different ensemble methods like voting classifier or gradient boosting </a:t>
+            </a:r>
+          </a:p>
+          <a:p>
             <a:r>
               <a:rPr lang="en-US" dirty="0"/>
-              <a:t> with Heavy Tailed attributes.</a:t>
+              <a:t>	- Try PCA with the best model </a:t>
             </a:r>
           </a:p>
           <a:p>
             <a:r>
               <a:rPr lang="en-US" dirty="0"/>
-              <a:t>	-  Encode style column to ordinal encoder</a:t>
+              <a:t>	- Analyze the best models and their errors </a:t>
+            </a:r>
+          </a:p>
+          <a:p>
+            <a:r>
+              <a:rPr lang="en-US" dirty="0"/>
+              <a:t>		- using feature importance's to identify useless features , remove them and retrain the model. </a:t>
             </a:r>
           </a:p>
         </p:txBody>
@@ -23698,7 +23715,7 @@
     </p:spTree>
     <p:extLst>
       <p:ext uri="{BB962C8B-B14F-4D97-AF65-F5344CB8AC3E}">
-        <p14:creationId xmlns:p14="http://schemas.microsoft.com/office/powerpoint/2010/main" val="1383837218"/>
+        <p14:creationId xmlns:p14="http://schemas.microsoft.com/office/powerpoint/2010/main" val="944979865"/>
       </p:ext>
     </p:extLst>
   </p:cSld>
@@ -23781,8 +23798,8 @@
         </p:nvSpPr>
         <p:spPr>
           <a:xfrm>
-            <a:off x="763480" y="2286001"/>
-            <a:ext cx="10599938" cy="3972756"/>
+            <a:off x="952500" y="2286000"/>
+            <a:ext cx="10410917" cy="4046219"/>
           </a:xfrm>
         </p:spPr>
         <p:txBody>
@@ -23791,37 +23808,43 @@
           <a:p>
             <a:r>
               <a:rPr lang="en-US" dirty="0"/>
-              <a:t>3 – Model Building</a:t>
+              <a:t>3 – Finally</a:t>
             </a:r>
           </a:p>
           <a:p>
             <a:r>
               <a:rPr lang="en-US" dirty="0"/>
-              <a:t>	- Try Random over sampling and compare it with Smote over sampling</a:t>
+              <a:t>	- Write Function for the whole data transformations we applied, to easily clean and prepare any new data instances:</a:t>
             </a:r>
           </a:p>
           <a:p>
             <a:r>
               <a:rPr lang="en-US" dirty="0"/>
-              <a:t>	- Try different ensemble methods like voting classifier or gradient boosting </a:t>
+              <a:t>		- Feature Pipeline </a:t>
             </a:r>
           </a:p>
           <a:p>
             <a:r>
               <a:rPr lang="en-US" dirty="0"/>
-              <a:t>	- Try PCA with the best model </a:t>
+              <a:t>		- Training Pipeline </a:t>
             </a:r>
           </a:p>
           <a:p>
             <a:r>
               <a:rPr lang="en-US" dirty="0"/>
-              <a:t>	- Analyze the best models and their errors </a:t>
+              <a:t>		- Inference Pipeline</a:t>
             </a:r>
           </a:p>
           <a:p>
             <a:r>
               <a:rPr lang="en-US" dirty="0"/>
-              <a:t>		- using feature importance's to identify useless features , remove them and retrain the model. </a:t>
+              <a:t>	- Refactor the code into proper scripts, instead of notebooks .</a:t>
+            </a:r>
+          </a:p>
+          <a:p>
+            <a:r>
+              <a:rPr lang="en-US" dirty="0"/>
+              <a:t>	- Build an API to receive data and predict the outcome.</a:t>
             </a:r>
           </a:p>
         </p:txBody>
@@ -23856,376 +23879,6 @@
               <a:rPr lang="en-US" smtClean="0"/>
               <a:pPr/>
               <a:t>33</a:t>
-            </a:fld>
-            <a:endParaRPr lang="en-US" dirty="0"/>
-          </a:p>
-        </p:txBody>
-      </p:sp>
-      <p:sp>
-        <p:nvSpPr>
-          <p:cNvPr id="4" name="Footer Placeholder 3">
-            <a:extLst>
-              <a:ext uri="{FF2B5EF4-FFF2-40B4-BE49-F238E27FC236}">
-                <a16:creationId xmlns:a16="http://schemas.microsoft.com/office/drawing/2014/main" id="{529E91F3-E1A0-DB4A-8CD8-D9D1AB0FFB40}"/>
-              </a:ext>
-            </a:extLst>
-          </p:cNvPr>
-          <p:cNvSpPr>
-            <a:spLocks noGrp="1"/>
-          </p:cNvSpPr>
-          <p:nvPr>
-            <p:ph type="ftr" sz="quarter" idx="22"/>
-          </p:nvPr>
-        </p:nvSpPr>
-        <p:spPr>
-          <a:xfrm>
-            <a:off x="1494790" y="6332220"/>
-            <a:ext cx="1497330" cy="247651"/>
-          </a:xfrm>
-        </p:spPr>
-        <p:txBody>
-          <a:bodyPr/>
-          <a:lstStyle/>
-          <a:p>
-            <a:r>
-              <a:rPr lang="en-US" dirty="0"/>
-              <a:t>Annual Review</a:t>
-            </a:r>
-          </a:p>
-        </p:txBody>
-      </p:sp>
-      <p:sp>
-        <p:nvSpPr>
-          <p:cNvPr id="16" name="Date Placeholder 3">
-            <a:extLst>
-              <a:ext uri="{FF2B5EF4-FFF2-40B4-BE49-F238E27FC236}">
-                <a16:creationId xmlns:a16="http://schemas.microsoft.com/office/drawing/2014/main" id="{5384768F-E861-44BC-9FC7-434480D365AB}"/>
-              </a:ext>
-            </a:extLst>
-          </p:cNvPr>
-          <p:cNvSpPr txBox="1">
-            <a:spLocks/>
-          </p:cNvSpPr>
-          <p:nvPr/>
-        </p:nvSpPr>
-        <p:spPr>
-          <a:xfrm>
-            <a:off x="2992120" y="6332220"/>
-            <a:ext cx="1313180" cy="247651"/>
-          </a:xfrm>
-          <a:prstGeom prst="rect">
-            <a:avLst/>
-          </a:prstGeom>
-        </p:spPr>
-        <p:txBody>
-          <a:bodyPr vert="horz" lIns="0" tIns="0" rIns="0" bIns="0" rtlCol="0" anchor="t" anchorCtr="0"/>
-          <a:lstStyle>
-            <a:defPPr>
-              <a:defRPr lang="en-US"/>
-            </a:defPPr>
-            <a:lvl1pPr marL="0" algn="l" defTabSz="914400" rtl="0" eaLnBrk="1" latinLnBrk="0" hangingPunct="1">
-              <a:defRPr sz="1100" b="0" i="0" kern="1200">
-                <a:solidFill>
-                  <a:schemeClr val="bg1"/>
-                </a:solidFill>
-                <a:latin typeface="+mn-lt"/>
-                <a:ea typeface="+mn-ea"/>
-                <a:cs typeface="+mn-cs"/>
-              </a:defRPr>
-            </a:lvl1pPr>
-            <a:lvl2pPr marL="457200" algn="l" defTabSz="914400" rtl="0" eaLnBrk="1" latinLnBrk="0" hangingPunct="1">
-              <a:defRPr sz="1800" kern="1200">
-                <a:solidFill>
-                  <a:schemeClr val="tx1"/>
-                </a:solidFill>
-                <a:latin typeface="+mn-lt"/>
-                <a:ea typeface="+mn-ea"/>
-                <a:cs typeface="+mn-cs"/>
-              </a:defRPr>
-            </a:lvl2pPr>
-            <a:lvl3pPr marL="914400" algn="l" defTabSz="914400" rtl="0" eaLnBrk="1" latinLnBrk="0" hangingPunct="1">
-              <a:defRPr sz="1800" kern="1200">
-                <a:solidFill>
-                  <a:schemeClr val="tx1"/>
-                </a:solidFill>
-                <a:latin typeface="+mn-lt"/>
-                <a:ea typeface="+mn-ea"/>
-                <a:cs typeface="+mn-cs"/>
-              </a:defRPr>
-            </a:lvl3pPr>
-            <a:lvl4pPr marL="1371600" algn="l" defTabSz="914400" rtl="0" eaLnBrk="1" latinLnBrk="0" hangingPunct="1">
-              <a:defRPr sz="1800" kern="1200">
-                <a:solidFill>
-                  <a:schemeClr val="tx1"/>
-                </a:solidFill>
-                <a:latin typeface="+mn-lt"/>
-                <a:ea typeface="+mn-ea"/>
-                <a:cs typeface="+mn-cs"/>
-              </a:defRPr>
-            </a:lvl4pPr>
-            <a:lvl5pPr marL="1828800" algn="l" defTabSz="914400" rtl="0" eaLnBrk="1" latinLnBrk="0" hangingPunct="1">
-              <a:defRPr sz="1800" kern="1200">
-                <a:solidFill>
-                  <a:schemeClr val="tx1"/>
-                </a:solidFill>
-                <a:latin typeface="+mn-lt"/>
-                <a:ea typeface="+mn-ea"/>
-                <a:cs typeface="+mn-cs"/>
-              </a:defRPr>
-            </a:lvl5pPr>
-            <a:lvl6pPr marL="2286000" algn="l" defTabSz="914400" rtl="0" eaLnBrk="1" latinLnBrk="0" hangingPunct="1">
-              <a:defRPr sz="1800" kern="1200">
-                <a:solidFill>
-                  <a:schemeClr val="tx1"/>
-                </a:solidFill>
-                <a:latin typeface="+mn-lt"/>
-                <a:ea typeface="+mn-ea"/>
-                <a:cs typeface="+mn-cs"/>
-              </a:defRPr>
-            </a:lvl6pPr>
-            <a:lvl7pPr marL="2743200" algn="l" defTabSz="914400" rtl="0" eaLnBrk="1" latinLnBrk="0" hangingPunct="1">
-              <a:defRPr sz="1800" kern="1200">
-                <a:solidFill>
-                  <a:schemeClr val="tx1"/>
-                </a:solidFill>
-                <a:latin typeface="+mn-lt"/>
-                <a:ea typeface="+mn-ea"/>
-                <a:cs typeface="+mn-cs"/>
-              </a:defRPr>
-            </a:lvl7pPr>
-            <a:lvl8pPr marL="3200400" algn="l" defTabSz="914400" rtl="0" eaLnBrk="1" latinLnBrk="0" hangingPunct="1">
-              <a:defRPr sz="1800" kern="1200">
-                <a:solidFill>
-                  <a:schemeClr val="tx1"/>
-                </a:solidFill>
-                <a:latin typeface="+mn-lt"/>
-                <a:ea typeface="+mn-ea"/>
-                <a:cs typeface="+mn-cs"/>
-              </a:defRPr>
-            </a:lvl8pPr>
-            <a:lvl9pPr marL="3657600" algn="l" defTabSz="914400" rtl="0" eaLnBrk="1" latinLnBrk="0" hangingPunct="1">
-              <a:defRPr sz="1800" kern="1200">
-                <a:solidFill>
-                  <a:schemeClr val="tx1"/>
-                </a:solidFill>
-                <a:latin typeface="+mn-lt"/>
-                <a:ea typeface="+mn-ea"/>
-                <a:cs typeface="+mn-cs"/>
-              </a:defRPr>
-            </a:lvl9pPr>
-          </a:lstStyle>
-          <a:p>
-            <a:fld id="{6FCA8E82-58CD-E045-8B98-B7A85B79B752}" type="datetime4">
-              <a:rPr lang="en-US" smtClean="0"/>
-              <a:pPr/>
-              <a:t>January 2, 2024</a:t>
-            </a:fld>
-            <a:endParaRPr lang="en-US" dirty="0"/>
-          </a:p>
-        </p:txBody>
-      </p:sp>
-      <p:sp>
-        <p:nvSpPr>
-          <p:cNvPr id="28" name="TextBox 27">
-            <a:extLst>
-              <a:ext uri="{FF2B5EF4-FFF2-40B4-BE49-F238E27FC236}">
-                <a16:creationId xmlns:a16="http://schemas.microsoft.com/office/drawing/2014/main" id="{CB327ECC-0A97-EE6D-CD83-B0F4B89817A8}"/>
-              </a:ext>
-            </a:extLst>
-          </p:cNvPr>
-          <p:cNvSpPr txBox="1"/>
-          <p:nvPr/>
-        </p:nvSpPr>
-        <p:spPr>
-          <a:xfrm>
-            <a:off x="8877681" y="4640677"/>
-            <a:ext cx="2831966" cy="369332"/>
-          </a:xfrm>
-          <a:prstGeom prst="rect">
-            <a:avLst/>
-          </a:prstGeom>
-          <a:noFill/>
-        </p:spPr>
-        <p:txBody>
-          <a:bodyPr wrap="square" rtlCol="0">
-            <a:spAutoFit/>
-          </a:bodyPr>
-          <a:lstStyle/>
-          <a:p>
-            <a:r>
-              <a:rPr lang="en-US" dirty="0"/>
-              <a:t>   440                     2426</a:t>
-            </a:r>
-          </a:p>
-        </p:txBody>
-      </p:sp>
-    </p:spTree>
-    <p:extLst>
-      <p:ext uri="{BB962C8B-B14F-4D97-AF65-F5344CB8AC3E}">
-        <p14:creationId xmlns:p14="http://schemas.microsoft.com/office/powerpoint/2010/main" val="944979865"/>
-      </p:ext>
-    </p:extLst>
-  </p:cSld>
-  <p:clrMapOvr>
-    <a:masterClrMapping/>
-  </p:clrMapOvr>
-</p:sld>
-</file>
-
-<file path=ppt/slides/slide34.xml><?xml version="1.0" encoding="utf-8"?>
-<p:sld xmlns:a="http://schemas.openxmlformats.org/drawingml/2006/main" xmlns:r="http://schemas.openxmlformats.org/officeDocument/2006/relationships" xmlns:p="http://schemas.openxmlformats.org/presentationml/2006/main">
-  <p:cSld>
-    <p:spTree>
-      <p:nvGrpSpPr>
-        <p:cNvPr id="1" name=""/>
-        <p:cNvGrpSpPr/>
-        <p:nvPr/>
-      </p:nvGrpSpPr>
-      <p:grpSpPr>
-        <a:xfrm>
-          <a:off x="0" y="0"/>
-          <a:ext cx="0" cy="0"/>
-          <a:chOff x="0" y="0"/>
-          <a:chExt cx="0" cy="0"/>
-        </a:xfrm>
-      </p:grpSpPr>
-      <p:sp>
-        <p:nvSpPr>
-          <p:cNvPr id="2" name="Title 1">
-            <a:extLst>
-              <a:ext uri="{FF2B5EF4-FFF2-40B4-BE49-F238E27FC236}">
-                <a16:creationId xmlns:a16="http://schemas.microsoft.com/office/drawing/2014/main" id="{8C122DF8-59D4-D94D-8ED9-F2F319899DBF}"/>
-              </a:ext>
-            </a:extLst>
-          </p:cNvPr>
-          <p:cNvSpPr>
-            <a:spLocks noGrp="1"/>
-          </p:cNvSpPr>
-          <p:nvPr>
-            <p:ph type="title"/>
-          </p:nvPr>
-        </p:nvSpPr>
-        <p:spPr>
-          <a:xfrm>
-            <a:off x="292962" y="727969"/>
-            <a:ext cx="5237825" cy="761957"/>
-          </a:xfrm>
-        </p:spPr>
-        <p:txBody>
-          <a:bodyPr>
-            <a:noAutofit/>
-          </a:bodyPr>
-          <a:lstStyle/>
-          <a:p>
-            <a:br>
-              <a:rPr lang="en-US" sz="3200" dirty="0"/>
-            </a:br>
-            <a:r>
-              <a:rPr lang="en-US" sz="3200" dirty="0"/>
-              <a:t>     Things To try next</a:t>
-            </a:r>
-          </a:p>
-        </p:txBody>
-      </p:sp>
-      <p:sp>
-        <p:nvSpPr>
-          <p:cNvPr id="45" name="Text Placeholder 44">
-            <a:extLst>
-              <a:ext uri="{FF2B5EF4-FFF2-40B4-BE49-F238E27FC236}">
-                <a16:creationId xmlns:a16="http://schemas.microsoft.com/office/drawing/2014/main" id="{803A1E73-C790-447A-974F-B3ADB50149F7}"/>
-              </a:ext>
-            </a:extLst>
-          </p:cNvPr>
-          <p:cNvSpPr>
-            <a:spLocks noGrp="1"/>
-          </p:cNvSpPr>
-          <p:nvPr>
-            <p:ph type="body" sz="quarter" idx="12"/>
-          </p:nvPr>
-        </p:nvSpPr>
-        <p:spPr>
-          <a:xfrm>
-            <a:off x="952500" y="2286000"/>
-            <a:ext cx="10410917" cy="4046219"/>
-          </a:xfrm>
-        </p:spPr>
-        <p:txBody>
-          <a:bodyPr/>
-          <a:lstStyle/>
-          <a:p>
-            <a:r>
-              <a:rPr lang="en-US" dirty="0"/>
-              <a:t>3 – Finally</a:t>
-            </a:r>
-          </a:p>
-          <a:p>
-            <a:r>
-              <a:rPr lang="en-US" dirty="0"/>
-              <a:t>	- Write Function for the whole data transformations we applied, to easily clean and prepare any new data instances:</a:t>
-            </a:r>
-          </a:p>
-          <a:p>
-            <a:r>
-              <a:rPr lang="en-US" dirty="0"/>
-              <a:t>		- Feature Pipeline </a:t>
-            </a:r>
-          </a:p>
-          <a:p>
-            <a:r>
-              <a:rPr lang="en-US" dirty="0"/>
-              <a:t>		- Training Pipeline </a:t>
-            </a:r>
-          </a:p>
-          <a:p>
-            <a:r>
-              <a:rPr lang="en-US" dirty="0"/>
-              <a:t>		- Inference Pipeline</a:t>
-            </a:r>
-          </a:p>
-          <a:p>
-            <a:r>
-              <a:rPr lang="en-US" dirty="0"/>
-              <a:t>	- Refactor the code into proper scripts, instead of notebooks .</a:t>
-            </a:r>
-          </a:p>
-          <a:p>
-            <a:r>
-              <a:rPr lang="en-US" dirty="0"/>
-              <a:t>	- Build an API to receive data and predict the outcome.</a:t>
-            </a:r>
-          </a:p>
-        </p:txBody>
-      </p:sp>
-      <p:sp>
-        <p:nvSpPr>
-          <p:cNvPr id="5" name="Slide Number Placeholder 4">
-            <a:extLst>
-              <a:ext uri="{FF2B5EF4-FFF2-40B4-BE49-F238E27FC236}">
-                <a16:creationId xmlns:a16="http://schemas.microsoft.com/office/drawing/2014/main" id="{AB744071-0CE2-7746-9315-22EC28A0F462}"/>
-              </a:ext>
-            </a:extLst>
-          </p:cNvPr>
-          <p:cNvSpPr>
-            <a:spLocks noGrp="1"/>
-          </p:cNvSpPr>
-          <p:nvPr>
-            <p:ph type="sldNum" sz="quarter" idx="23"/>
-          </p:nvPr>
-        </p:nvSpPr>
-        <p:spPr>
-          <a:xfrm>
-            <a:off x="971550" y="6332220"/>
-            <a:ext cx="523240" cy="247651"/>
-          </a:xfrm>
-        </p:spPr>
-        <p:txBody>
-          <a:bodyPr/>
-          <a:lstStyle/>
-          <a:p>
-            <a:fld id="{294A09A9-5501-47C1-A89A-A340965A2BE2}" type="slidenum">
-              <a:rPr lang="en-US" smtClean="0"/>
-              <a:pPr/>
-              <a:t>34</a:t>
             </a:fld>
             <a:endParaRPr lang="en-US" dirty="0"/>
           </a:p>
@@ -24442,7 +24095,7 @@
 </p:sld>
 </file>
 
-<file path=ppt/slides/slide35.xml><?xml version="1.0" encoding="utf-8"?>
+<file path=ppt/slides/slide34.xml><?xml version="1.0" encoding="utf-8"?>
 <p:sld xmlns:a="http://schemas.openxmlformats.org/drawingml/2006/main" xmlns:r="http://schemas.openxmlformats.org/officeDocument/2006/relationships" xmlns:p="http://schemas.openxmlformats.org/presentationml/2006/main">
   <p:cSld>
     <p:spTree>
@@ -27615,15 +27268,6 @@
 </file>
 
 <file path=customXml/item1.xml><?xml version="1.0" encoding="utf-8"?>
-<?mso-contentType ?>
-<FormTemplates xmlns="http://schemas.microsoft.com/sharepoint/v3/contenttype/forms">
-  <Display>DocumentLibraryForm</Display>
-  <Edit>DocumentLibraryForm</Edit>
-  <New>DocumentLibraryForm</New>
-</FormTemplates>
-</file>
-
-<file path=customXml/item2.xml><?xml version="1.0" encoding="utf-8"?>
 <ct:contentTypeSchema xmlns:ct="http://schemas.microsoft.com/office/2006/metadata/contentType" xmlns:ma="http://schemas.microsoft.com/office/2006/metadata/properties/metaAttributes" ct:_="" ma:_="" ma:contentTypeName="Document" ma:contentTypeID="0x01010079F111ED35F8CC479449609E8A0923A6" ma:contentTypeVersion="28" ma:contentTypeDescription="Create a new document." ma:contentTypeScope="" ma:versionID="60f5a4f2d2b0abadcf532d48ebf9cb71">
   <xsd:schema xmlns:xsd="http://www.w3.org/2001/XMLSchema" xmlns:xs="http://www.w3.org/2001/XMLSchema" xmlns:p="http://schemas.microsoft.com/office/2006/metadata/properties" xmlns:ns1="http://schemas.microsoft.com/sharepoint/v3" xmlns:ns2="71af3243-3dd4-4a8d-8c0d-dd76da1f02a5" xmlns:ns3="16c05727-aa75-4e4a-9b5f-8a80a1165891" xmlns:ns4="230e9df3-be65-4c73-a93b-d1236ebd677e" targetNamespace="http://schemas.microsoft.com/office/2006/metadata/properties" ma:root="true" ma:fieldsID="7dd78129e6a1811f84807ad11c651531" ns1:_="" ns2:_="" ns3:_="" ns4:_="">
     <xsd:import namespace="http://schemas.microsoft.com/sharepoint/v3"/>
@@ -27935,6 +27579,15 @@
 </ct:contentTypeSchema>
 </file>
 
+<file path=customXml/item2.xml><?xml version="1.0" encoding="utf-8"?>
+<?mso-contentType ?>
+<FormTemplates xmlns="http://schemas.microsoft.com/sharepoint/v3/contenttype/forms">
+  <Display>DocumentLibraryForm</Display>
+  <Edit>DocumentLibraryForm</Edit>
+  <New>DocumentLibraryForm</New>
+</FormTemplates>
+</file>
+
 <file path=customXml/item3.xml><?xml version="1.0" encoding="utf-8"?>
 <p:properties xmlns:p="http://schemas.microsoft.com/office/2006/metadata/properties" xmlns:xsi="http://www.w3.org/2001/XMLSchema-instance" xmlns:pc="http://schemas.microsoft.com/office/infopath/2007/PartnerControls">
   <documentManagement>
@@ -27956,14 +27609,6 @@
 </file>
 
 <file path=customXml/itemProps1.xml><?xml version="1.0" encoding="utf-8"?>
-<ds:datastoreItem xmlns:ds="http://schemas.openxmlformats.org/officeDocument/2006/customXml" ds:itemID="{F1446DA3-37A7-4516-A4F6-8B99D0D312BF}">
-  <ds:schemaRefs>
-    <ds:schemaRef ds:uri="http://schemas.microsoft.com/sharepoint/v3/contenttype/forms"/>
-  </ds:schemaRefs>
-</ds:datastoreItem>
-</file>
-
-<file path=customXml/itemProps2.xml><?xml version="1.0" encoding="utf-8"?>
 <ds:datastoreItem xmlns:ds="http://schemas.openxmlformats.org/officeDocument/2006/customXml" ds:itemID="{A6EBEE06-2B28-4E77-9CB6-A74873B39256}">
   <ds:schemaRefs>
     <ds:schemaRef ds:uri="http://schemas.microsoft.com/office/2006/metadata/contentType"/>
@@ -27984,6 +27629,14 @@
 </ds:datastoreItem>
 </file>
 
+<file path=customXml/itemProps2.xml><?xml version="1.0" encoding="utf-8"?>
+<ds:datastoreItem xmlns:ds="http://schemas.openxmlformats.org/officeDocument/2006/customXml" ds:itemID="{F1446DA3-37A7-4516-A4F6-8B99D0D312BF}">
+  <ds:schemaRefs>
+    <ds:schemaRef ds:uri="http://schemas.microsoft.com/sharepoint/v3/contenttype/forms"/>
+  </ds:schemaRefs>
+</ds:datastoreItem>
+</file>
+
 <file path=customXml/itemProps3.xml><?xml version="1.0" encoding="utf-8"?>
 <ds:datastoreItem xmlns:ds="http://schemas.openxmlformats.org/officeDocument/2006/customXml" ds:itemID="{6CC8E66C-AC30-44BA-8882-3290DF968F1F}">
   <ds:schemaRefs>

--- a/Sport Wear Group Analytics.pptx
+++ b/Sport Wear Group Analytics.pptx
@@ -397,7 +397,7 @@
           <a:p>
             <a:fld id="{6EE7A52F-9D89-7442-A8E9-48D1527B5F6B}" type="datetimeFigureOut">
               <a:rPr lang="en-US" smtClean="0"/>
-              <a:t>1/2/2024</a:t>
+              <a:t>1/7/2024</a:t>
             </a:fld>
             <a:endParaRPr lang="en-US" dirty="0"/>
           </a:p>
@@ -12411,7 +12411,7 @@
             <a:fld id="{6FCA8E82-58CD-E045-8B98-B7A85B79B752}" type="datetime4">
               <a:rPr lang="en-US" smtClean="0"/>
               <a:pPr/>
-              <a:t>January 2, 2024</a:t>
+              <a:t>January 7, 2024</a:t>
             </a:fld>
             <a:endParaRPr lang="en-US" dirty="0">
               <a:latin typeface="+mn-lt"/>
@@ -13328,7 +13328,7 @@
             <a:fld id="{6FCA8E82-58CD-E045-8B98-B7A85B79B752}" type="datetime4">
               <a:rPr lang="en-US" smtClean="0"/>
               <a:pPr/>
-              <a:t>January 2, 2024</a:t>
+              <a:t>January 7, 2024</a:t>
             </a:fld>
             <a:endParaRPr lang="en-US" dirty="0"/>
           </a:p>
@@ -13727,7 +13727,7 @@
             <a:fld id="{6FCA8E82-58CD-E045-8B98-B7A85B79B752}" type="datetime4">
               <a:rPr lang="en-US" smtClean="0"/>
               <a:pPr/>
-              <a:t>January 2, 2024</a:t>
+              <a:t>January 7, 2024</a:t>
             </a:fld>
             <a:endParaRPr lang="en-US" dirty="0"/>
           </a:p>
@@ -14133,7 +14133,7 @@
             <a:fld id="{6FCA8E82-58CD-E045-8B98-B7A85B79B752}" type="datetime4">
               <a:rPr lang="en-US" smtClean="0"/>
               <a:pPr/>
-              <a:t>January 2, 2024</a:t>
+              <a:t>January 7, 2024</a:t>
             </a:fld>
             <a:endParaRPr lang="en-US" dirty="0"/>
           </a:p>
@@ -14521,7 +14521,7 @@
             <a:fld id="{6FCA8E82-58CD-E045-8B98-B7A85B79B752}" type="datetime4">
               <a:rPr lang="en-US" smtClean="0"/>
               <a:pPr/>
-              <a:t>January 2, 2024</a:t>
+              <a:t>January 7, 2024</a:t>
             </a:fld>
             <a:endParaRPr lang="en-US" dirty="0"/>
           </a:p>
@@ -14867,7 +14867,7 @@
             <a:fld id="{6FCA8E82-58CD-E045-8B98-B7A85B79B752}" type="datetime4">
               <a:rPr lang="en-US" smtClean="0"/>
               <a:pPr/>
-              <a:t>January 2, 2024</a:t>
+              <a:t>January 7, 2024</a:t>
             </a:fld>
             <a:endParaRPr lang="en-US" dirty="0"/>
           </a:p>
@@ -15213,7 +15213,7 @@
             <a:fld id="{6FCA8E82-58CD-E045-8B98-B7A85B79B752}" type="datetime4">
               <a:rPr lang="en-US" smtClean="0"/>
               <a:pPr/>
-              <a:t>January 2, 2024</a:t>
+              <a:t>January 7, 2024</a:t>
             </a:fld>
             <a:endParaRPr lang="en-US" dirty="0"/>
           </a:p>
@@ -15559,7 +15559,7 @@
             <a:fld id="{6FCA8E82-58CD-E045-8B98-B7A85B79B752}" type="datetime4">
               <a:rPr lang="en-US" smtClean="0"/>
               <a:pPr/>
-              <a:t>January 2, 2024</a:t>
+              <a:t>January 7, 2024</a:t>
             </a:fld>
             <a:endParaRPr lang="en-US" dirty="0"/>
           </a:p>
@@ -15909,7 +15909,7 @@
           <a:p>
             <a:r>
               <a:rPr lang="en-US" dirty="0"/>
-              <a:t>- Also, It is better to </a:t>
+              <a:t>- Also, It is better to drop </a:t>
             </a:r>
             <a:r>
               <a:rPr lang="en-US" b="1" dirty="0"/>
@@ -16460,7 +16460,7 @@
             <a:fld id="{6FCA8E82-58CD-E045-8B98-B7A85B79B752}" type="datetime4">
               <a:rPr lang="en-US" smtClean="0"/>
               <a:pPr/>
-              <a:t>January 2, 2024</a:t>
+              <a:t>January 7, 2024</a:t>
             </a:fld>
             <a:endParaRPr lang="en-US" dirty="0"/>
           </a:p>
@@ -16759,7 +16759,7 @@
             <a:fld id="{6FCA8E82-58CD-E045-8B98-B7A85B79B752}" type="datetime4">
               <a:rPr lang="en-US" smtClean="0"/>
               <a:pPr/>
-              <a:t>January 2, 2024</a:t>
+              <a:t>January 7, 2024</a:t>
             </a:fld>
             <a:endParaRPr lang="en-US" dirty="0"/>
           </a:p>
@@ -17102,7 +17102,7 @@
             <a:fld id="{6FCA8E82-58CD-E045-8B98-B7A85B79B752}" type="datetime4">
               <a:rPr lang="en-US" smtClean="0"/>
               <a:pPr/>
-              <a:t>January 2, 2024</a:t>
+              <a:t>January 7, 2024</a:t>
             </a:fld>
             <a:endParaRPr lang="en-US" dirty="0"/>
           </a:p>
@@ -17691,7 +17691,7 @@
             <a:fld id="{6FCA8E82-58CD-E045-8B98-B7A85B79B752}" type="datetime4">
               <a:rPr lang="en-US" smtClean="0"/>
               <a:pPr/>
-              <a:t>January 2, 2024</a:t>
+              <a:t>January 7, 2024</a:t>
             </a:fld>
             <a:endParaRPr lang="en-US" dirty="0"/>
           </a:p>
@@ -17987,7 +17987,7 @@
             <a:fld id="{6FCA8E82-58CD-E045-8B98-B7A85B79B752}" type="datetime4">
               <a:rPr lang="en-US" smtClean="0"/>
               <a:pPr/>
-              <a:t>January 2, 2024</a:t>
+              <a:t>January 7, 2024</a:t>
             </a:fld>
             <a:endParaRPr lang="en-US" dirty="0"/>
           </a:p>
@@ -18788,7 +18788,7 @@
             <a:fld id="{6FCA8E82-58CD-E045-8B98-B7A85B79B752}" type="datetime4">
               <a:rPr lang="en-US" smtClean="0"/>
               <a:pPr/>
-              <a:t>January 2, 2024</a:t>
+              <a:t>January 7, 2024</a:t>
             </a:fld>
             <a:endParaRPr lang="en-US" dirty="0"/>
           </a:p>
@@ -19201,7 +19201,7 @@
             <a:fld id="{6FCA8E82-58CD-E045-8B98-B7A85B79B752}" type="datetime4">
               <a:rPr lang="en-US" smtClean="0"/>
               <a:pPr/>
-              <a:t>January 2, 2024</a:t>
+              <a:t>January 7, 2024</a:t>
             </a:fld>
             <a:endParaRPr lang="en-US" dirty="0"/>
           </a:p>
@@ -19739,7 +19739,7 @@
             <a:fld id="{6FCA8E82-58CD-E045-8B98-B7A85B79B752}" type="datetime4">
               <a:rPr lang="en-US" smtClean="0"/>
               <a:pPr/>
-              <a:t>January 2, 2024</a:t>
+              <a:t>January 7, 2024</a:t>
             </a:fld>
             <a:endParaRPr lang="en-US" dirty="0"/>
           </a:p>
@@ -20204,7 +20204,7 @@
             <a:fld id="{6FCA8E82-58CD-E045-8B98-B7A85B79B752}" type="datetime4">
               <a:rPr lang="en-US" smtClean="0"/>
               <a:pPr/>
-              <a:t>January 2, 2024</a:t>
+              <a:t>January 7, 2024</a:t>
             </a:fld>
             <a:endParaRPr lang="en-US" dirty="0"/>
           </a:p>
@@ -20570,7 +20570,7 @@
             <a:fld id="{6FCA8E82-58CD-E045-8B98-B7A85B79B752}" type="datetime4">
               <a:rPr lang="en-US" smtClean="0"/>
               <a:pPr/>
-              <a:t>January 2, 2024</a:t>
+              <a:t>January 7, 2024</a:t>
             </a:fld>
             <a:endParaRPr lang="en-US" dirty="0"/>
           </a:p>
@@ -21061,7 +21061,7 @@
             <a:fld id="{6FCA8E82-58CD-E045-8B98-B7A85B79B752}" type="datetime4">
               <a:rPr lang="en-US" smtClean="0"/>
               <a:pPr/>
-              <a:t>January 2, 2024</a:t>
+              <a:t>January 7, 2024</a:t>
             </a:fld>
             <a:endParaRPr lang="en-US" dirty="0"/>
           </a:p>
@@ -21497,7 +21497,7 @@
             <a:fld id="{6FCA8E82-58CD-E045-8B98-B7A85B79B752}" type="datetime4">
               <a:rPr lang="en-US" smtClean="0"/>
               <a:pPr/>
-              <a:t>January 2, 2024</a:t>
+              <a:t>January 7, 2024</a:t>
             </a:fld>
             <a:endParaRPr lang="en-US" dirty="0"/>
           </a:p>
@@ -21846,7 +21846,7 @@
             <a:fld id="{6FCA8E82-58CD-E045-8B98-B7A85B79B752}" type="datetime4">
               <a:rPr lang="en-US" smtClean="0"/>
               <a:pPr/>
-              <a:t>January 2, 2024</a:t>
+              <a:t>January 7, 2024</a:t>
             </a:fld>
             <a:endParaRPr lang="en-US" dirty="0"/>
           </a:p>
@@ -22630,7 +22630,7 @@
             <a:fld id="{6FCA8E82-58CD-E045-8B98-B7A85B79B752}" type="datetime4">
               <a:rPr lang="en-US" smtClean="0"/>
               <a:pPr/>
-              <a:t>January 2, 2024</a:t>
+              <a:t>January 7, 2024</a:t>
             </a:fld>
             <a:endParaRPr lang="en-US" dirty="0"/>
           </a:p>
@@ -22947,7 +22947,7 @@
             <a:fld id="{6FCA8E82-58CD-E045-8B98-B7A85B79B752}" type="datetime4">
               <a:rPr lang="en-US" smtClean="0"/>
               <a:pPr/>
-              <a:t>January 2, 2024</a:t>
+              <a:t>January 7, 2024</a:t>
             </a:fld>
             <a:endParaRPr lang="en-US" dirty="0"/>
           </a:p>
@@ -23307,7 +23307,7 @@
             <a:fld id="{6FCA8E82-58CD-E045-8B98-B7A85B79B752}" type="datetime4">
               <a:rPr lang="en-US" smtClean="0"/>
               <a:pPr/>
-              <a:t>January 2, 2024</a:t>
+              <a:t>January 7, 2024</a:t>
             </a:fld>
             <a:endParaRPr lang="en-US" dirty="0"/>
           </a:p>
@@ -23671,7 +23671,7 @@
             <a:fld id="{6FCA8E82-58CD-E045-8B98-B7A85B79B752}" type="datetime4">
               <a:rPr lang="en-US" smtClean="0"/>
               <a:pPr/>
-              <a:t>January 2, 2024</a:t>
+              <a:t>January 7, 2024</a:t>
             </a:fld>
             <a:endParaRPr lang="en-US" dirty="0"/>
           </a:p>
@@ -24041,7 +24041,7 @@
             <a:fld id="{6FCA8E82-58CD-E045-8B98-B7A85B79B752}" type="datetime4">
               <a:rPr lang="en-US" smtClean="0"/>
               <a:pPr/>
-              <a:t>January 2, 2024</a:t>
+              <a:t>January 7, 2024</a:t>
             </a:fld>
             <a:endParaRPr lang="en-US" dirty="0"/>
           </a:p>
@@ -24537,7 +24537,7 @@
             <a:fld id="{6FCA8E82-58CD-E045-8B98-B7A85B79B752}" type="datetime4">
               <a:rPr lang="en-US" smtClean="0"/>
               <a:pPr/>
-              <a:t>January 2, 2024</a:t>
+              <a:t>January 7, 2024</a:t>
             </a:fld>
             <a:endParaRPr lang="en-US" dirty="0"/>
           </a:p>
@@ -24894,7 +24894,7 @@
             <a:fld id="{6FCA8E82-58CD-E045-8B98-B7A85B79B752}" type="datetime4">
               <a:rPr lang="en-US" smtClean="0"/>
               <a:pPr/>
-              <a:t>January 2, 2024</a:t>
+              <a:t>January 7, 2024</a:t>
             </a:fld>
             <a:endParaRPr lang="en-US" dirty="0"/>
           </a:p>
@@ -25183,7 +25183,7 @@
             <a:fld id="{6FCA8E82-58CD-E045-8B98-B7A85B79B752}" type="datetime4">
               <a:rPr lang="en-US" smtClean="0"/>
               <a:pPr/>
-              <a:t>January 2, 2024</a:t>
+              <a:t>January 7, 2024</a:t>
             </a:fld>
             <a:endParaRPr lang="en-US" dirty="0"/>
           </a:p>
@@ -25540,7 +25540,7 @@
             <a:fld id="{6FCA8E82-58CD-E045-8B98-B7A85B79B752}" type="datetime4">
               <a:rPr lang="en-US" smtClean="0"/>
               <a:pPr/>
-              <a:t>January 2, 2024</a:t>
+              <a:t>January 7, 2024</a:t>
             </a:fld>
             <a:endParaRPr lang="en-US" dirty="0"/>
           </a:p>
@@ -25835,7 +25835,7 @@
             <a:fld id="{6FCA8E82-58CD-E045-8B98-B7A85B79B752}" type="datetime4">
               <a:rPr lang="en-US" smtClean="0"/>
               <a:pPr/>
-              <a:t>January 2, 2024</a:t>
+              <a:t>January 7, 2024</a:t>
             </a:fld>
             <a:endParaRPr lang="en-US" dirty="0"/>
           </a:p>
@@ -26313,7 +26313,7 @@
             <a:fld id="{6FCA8E82-58CD-E045-8B98-B7A85B79B752}" type="datetime4">
               <a:rPr lang="en-US" smtClean="0"/>
               <a:pPr/>
-              <a:t>January 2, 2024</a:t>
+              <a:t>January 7, 2024</a:t>
             </a:fld>
             <a:endParaRPr lang="en-US" dirty="0"/>
           </a:p>
@@ -27268,6 +27268,15 @@
 </file>
 
 <file path=customXml/item1.xml><?xml version="1.0" encoding="utf-8"?>
+<?mso-contentType ?>
+<FormTemplates xmlns="http://schemas.microsoft.com/sharepoint/v3/contenttype/forms">
+  <Display>DocumentLibraryForm</Display>
+  <Edit>DocumentLibraryForm</Edit>
+  <New>DocumentLibraryForm</New>
+</FormTemplates>
+</file>
+
+<file path=customXml/item2.xml><?xml version="1.0" encoding="utf-8"?>
 <ct:contentTypeSchema xmlns:ct="http://schemas.microsoft.com/office/2006/metadata/contentType" xmlns:ma="http://schemas.microsoft.com/office/2006/metadata/properties/metaAttributes" ct:_="" ma:_="" ma:contentTypeName="Document" ma:contentTypeID="0x01010079F111ED35F8CC479449609E8A0923A6" ma:contentTypeVersion="28" ma:contentTypeDescription="Create a new document." ma:contentTypeScope="" ma:versionID="60f5a4f2d2b0abadcf532d48ebf9cb71">
   <xsd:schema xmlns:xsd="http://www.w3.org/2001/XMLSchema" xmlns:xs="http://www.w3.org/2001/XMLSchema" xmlns:p="http://schemas.microsoft.com/office/2006/metadata/properties" xmlns:ns1="http://schemas.microsoft.com/sharepoint/v3" xmlns:ns2="71af3243-3dd4-4a8d-8c0d-dd76da1f02a5" xmlns:ns3="16c05727-aa75-4e4a-9b5f-8a80a1165891" xmlns:ns4="230e9df3-be65-4c73-a93b-d1236ebd677e" targetNamespace="http://schemas.microsoft.com/office/2006/metadata/properties" ma:root="true" ma:fieldsID="7dd78129e6a1811f84807ad11c651531" ns1:_="" ns2:_="" ns3:_="" ns4:_="">
     <xsd:import namespace="http://schemas.microsoft.com/sharepoint/v3"/>
@@ -27579,15 +27588,6 @@
 </ct:contentTypeSchema>
 </file>
 
-<file path=customXml/item2.xml><?xml version="1.0" encoding="utf-8"?>
-<?mso-contentType ?>
-<FormTemplates xmlns="http://schemas.microsoft.com/sharepoint/v3/contenttype/forms">
-  <Display>DocumentLibraryForm</Display>
-  <Edit>DocumentLibraryForm</Edit>
-  <New>DocumentLibraryForm</New>
-</FormTemplates>
-</file>
-
 <file path=customXml/item3.xml><?xml version="1.0" encoding="utf-8"?>
 <p:properties xmlns:p="http://schemas.microsoft.com/office/2006/metadata/properties" xmlns:xsi="http://www.w3.org/2001/XMLSchema-instance" xmlns:pc="http://schemas.microsoft.com/office/infopath/2007/PartnerControls">
   <documentManagement>
@@ -27609,6 +27609,14 @@
 </file>
 
 <file path=customXml/itemProps1.xml><?xml version="1.0" encoding="utf-8"?>
+<ds:datastoreItem xmlns:ds="http://schemas.openxmlformats.org/officeDocument/2006/customXml" ds:itemID="{F1446DA3-37A7-4516-A4F6-8B99D0D312BF}">
+  <ds:schemaRefs>
+    <ds:schemaRef ds:uri="http://schemas.microsoft.com/sharepoint/v3/contenttype/forms"/>
+  </ds:schemaRefs>
+</ds:datastoreItem>
+</file>
+
+<file path=customXml/itemProps2.xml><?xml version="1.0" encoding="utf-8"?>
 <ds:datastoreItem xmlns:ds="http://schemas.openxmlformats.org/officeDocument/2006/customXml" ds:itemID="{A6EBEE06-2B28-4E77-9CB6-A74873B39256}">
   <ds:schemaRefs>
     <ds:schemaRef ds:uri="http://schemas.microsoft.com/office/2006/metadata/contentType"/>
@@ -27629,14 +27637,6 @@
 </ds:datastoreItem>
 </file>
 
-<file path=customXml/itemProps2.xml><?xml version="1.0" encoding="utf-8"?>
-<ds:datastoreItem xmlns:ds="http://schemas.openxmlformats.org/officeDocument/2006/customXml" ds:itemID="{F1446DA3-37A7-4516-A4F6-8B99D0D312BF}">
-  <ds:schemaRefs>
-    <ds:schemaRef ds:uri="http://schemas.microsoft.com/sharepoint/v3/contenttype/forms"/>
-  </ds:schemaRefs>
-</ds:datastoreItem>
-</file>
-
 <file path=customXml/itemProps3.xml><?xml version="1.0" encoding="utf-8"?>
 <ds:datastoreItem xmlns:ds="http://schemas.openxmlformats.org/officeDocument/2006/customXml" ds:itemID="{6CC8E66C-AC30-44BA-8882-3290DF968F1F}">
   <ds:schemaRefs>
